--- a/股权图谱.pptx
+++ b/股权图谱.pptx
@@ -22,11 +22,15 @@
     <p:sldId id="262" r:id="rId16"/>
     <p:sldId id="275" r:id="rId17"/>
     <p:sldId id="276" r:id="rId18"/>
-    <p:sldId id="277" r:id="rId19"/>
-    <p:sldId id="278" r:id="rId20"/>
-    <p:sldId id="279" r:id="rId21"/>
-    <p:sldId id="280" r:id="rId22"/>
-    <p:sldId id="274" r:id="rId23"/>
+    <p:sldId id="282" r:id="rId19"/>
+    <p:sldId id="277" r:id="rId20"/>
+    <p:sldId id="278" r:id="rId21"/>
+    <p:sldId id="281" r:id="rId22"/>
+    <p:sldId id="283" r:id="rId23"/>
+    <p:sldId id="284" r:id="rId24"/>
+    <p:sldId id="279" r:id="rId25"/>
+    <p:sldId id="280" r:id="rId26"/>
+    <p:sldId id="274" r:id="rId27"/>
   </p:sldIdLst>
   <p:sldSz cx="12192000" cy="6858000"/>
   <p:notesSz cx="6858000" cy="9144000"/>
@@ -280,7 +284,7 @@
           <a:p>
             <a:fld id="{DC421D61-4C4C-ED44-8E87-C7FBEA60D121}" type="datetimeFigureOut">
               <a:rPr kumimoji="1" lang="zh-CN" altLang="en-US" smtClean="0"/>
-              <a:t>2021/9/30</a:t>
+              <a:t>2021/10/7</a:t>
             </a:fld>
             <a:endParaRPr kumimoji="1" lang="zh-CN" altLang="en-US"/>
           </a:p>
@@ -478,7 +482,7 @@
           <a:p>
             <a:fld id="{DC421D61-4C4C-ED44-8E87-C7FBEA60D121}" type="datetimeFigureOut">
               <a:rPr kumimoji="1" lang="zh-CN" altLang="en-US" smtClean="0"/>
-              <a:t>2021/9/30</a:t>
+              <a:t>2021/10/7</a:t>
             </a:fld>
             <a:endParaRPr kumimoji="1" lang="zh-CN" altLang="en-US"/>
           </a:p>
@@ -686,7 +690,7 @@
           <a:p>
             <a:fld id="{DC421D61-4C4C-ED44-8E87-C7FBEA60D121}" type="datetimeFigureOut">
               <a:rPr kumimoji="1" lang="zh-CN" altLang="en-US" smtClean="0"/>
-              <a:t>2021/9/30</a:t>
+              <a:t>2021/10/7</a:t>
             </a:fld>
             <a:endParaRPr kumimoji="1" lang="zh-CN" altLang="en-US"/>
           </a:p>
@@ -884,7 +888,7 @@
           <a:p>
             <a:fld id="{DC421D61-4C4C-ED44-8E87-C7FBEA60D121}" type="datetimeFigureOut">
               <a:rPr kumimoji="1" lang="zh-CN" altLang="en-US" smtClean="0"/>
-              <a:t>2021/9/30</a:t>
+              <a:t>2021/10/7</a:t>
             </a:fld>
             <a:endParaRPr kumimoji="1" lang="zh-CN" altLang="en-US"/>
           </a:p>
@@ -1159,7 +1163,7 @@
           <a:p>
             <a:fld id="{DC421D61-4C4C-ED44-8E87-C7FBEA60D121}" type="datetimeFigureOut">
               <a:rPr kumimoji="1" lang="zh-CN" altLang="en-US" smtClean="0"/>
-              <a:t>2021/9/30</a:t>
+              <a:t>2021/10/7</a:t>
             </a:fld>
             <a:endParaRPr kumimoji="1" lang="zh-CN" altLang="en-US"/>
           </a:p>
@@ -1424,7 +1428,7 @@
           <a:p>
             <a:fld id="{DC421D61-4C4C-ED44-8E87-C7FBEA60D121}" type="datetimeFigureOut">
               <a:rPr kumimoji="1" lang="zh-CN" altLang="en-US" smtClean="0"/>
-              <a:t>2021/9/30</a:t>
+              <a:t>2021/10/7</a:t>
             </a:fld>
             <a:endParaRPr kumimoji="1" lang="zh-CN" altLang="en-US"/>
           </a:p>
@@ -1836,7 +1840,7 @@
           <a:p>
             <a:fld id="{DC421D61-4C4C-ED44-8E87-C7FBEA60D121}" type="datetimeFigureOut">
               <a:rPr kumimoji="1" lang="zh-CN" altLang="en-US" smtClean="0"/>
-              <a:t>2021/9/30</a:t>
+              <a:t>2021/10/7</a:t>
             </a:fld>
             <a:endParaRPr kumimoji="1" lang="zh-CN" altLang="en-US"/>
           </a:p>
@@ -1977,7 +1981,7 @@
           <a:p>
             <a:fld id="{DC421D61-4C4C-ED44-8E87-C7FBEA60D121}" type="datetimeFigureOut">
               <a:rPr kumimoji="1" lang="zh-CN" altLang="en-US" smtClean="0"/>
-              <a:t>2021/9/30</a:t>
+              <a:t>2021/10/7</a:t>
             </a:fld>
             <a:endParaRPr kumimoji="1" lang="zh-CN" altLang="en-US"/>
           </a:p>
@@ -2090,7 +2094,7 @@
           <a:p>
             <a:fld id="{DC421D61-4C4C-ED44-8E87-C7FBEA60D121}" type="datetimeFigureOut">
               <a:rPr kumimoji="1" lang="zh-CN" altLang="en-US" smtClean="0"/>
-              <a:t>2021/9/30</a:t>
+              <a:t>2021/10/7</a:t>
             </a:fld>
             <a:endParaRPr kumimoji="1" lang="zh-CN" altLang="en-US"/>
           </a:p>
@@ -2401,7 +2405,7 @@
           <a:p>
             <a:fld id="{DC421D61-4C4C-ED44-8E87-C7FBEA60D121}" type="datetimeFigureOut">
               <a:rPr kumimoji="1" lang="zh-CN" altLang="en-US" smtClean="0"/>
-              <a:t>2021/9/30</a:t>
+              <a:t>2021/10/7</a:t>
             </a:fld>
             <a:endParaRPr kumimoji="1" lang="zh-CN" altLang="en-US"/>
           </a:p>
@@ -2689,7 +2693,7 @@
           <a:p>
             <a:fld id="{DC421D61-4C4C-ED44-8E87-C7FBEA60D121}" type="datetimeFigureOut">
               <a:rPr kumimoji="1" lang="zh-CN" altLang="en-US" smtClean="0"/>
-              <a:t>2021/9/30</a:t>
+              <a:t>2021/10/7</a:t>
             </a:fld>
             <a:endParaRPr kumimoji="1" lang="zh-CN" altLang="en-US"/>
           </a:p>
@@ -2930,7 +2934,7 @@
           <a:p>
             <a:fld id="{DC421D61-4C4C-ED44-8E87-C7FBEA60D121}" type="datetimeFigureOut">
               <a:rPr kumimoji="1" lang="zh-CN" altLang="en-US" smtClean="0"/>
-              <a:t>2021/9/30</a:t>
+              <a:t>2021/10/7</a:t>
             </a:fld>
             <a:endParaRPr kumimoji="1" lang="zh-CN" altLang="en-US"/>
           </a:p>
@@ -9386,7 +9390,7 @@
         </p:nvSpPr>
         <p:spPr>
           <a:xfrm>
-            <a:off x="4806268" y="5593741"/>
+            <a:off x="4806268" y="5661197"/>
             <a:ext cx="2579463" cy="430887"/>
           </a:xfrm>
           <a:prstGeom prst="rect">
@@ -9623,7 +9627,7 @@
         <p:spPr>
           <a:xfrm>
             <a:off x="645458" y="537882"/>
-            <a:ext cx="4589718" cy="707886"/>
+            <a:ext cx="4972836" cy="707886"/>
           </a:xfrm>
           <a:prstGeom prst="rect">
             <a:avLst/>
@@ -9654,7 +9658,7 @@
             </a:r>
             <a:r>
               <a:rPr kumimoji="1" lang="en-US" altLang="zh-CN" sz="4000" dirty="0"/>
-              <a:t>2</a:t>
+              <a:t>2.1</a:t>
             </a:r>
           </a:p>
         </p:txBody>
@@ -10256,6 +10260,113 @@
             <a:r>
               <a:rPr lang="zh-CN" altLang="en-US" sz="1100" dirty="0"/>
               <a:t>3 -&gt; investmentInfo(狮驼岭左护法有限公司,0.250000,1000.0,2,2,false))</a:t>
+            </a:r>
+          </a:p>
+        </p:txBody>
+      </p:sp>
+      <p:sp>
+        <p:nvSpPr>
+          <p:cNvPr id="23" name="文本框 22">
+            <a:extLst>
+              <a:ext uri="{FF2B5EF4-FFF2-40B4-BE49-F238E27FC236}">
+                <a16:creationId xmlns:a16="http://schemas.microsoft.com/office/drawing/2014/main" id="{43BAACDB-CAB2-40EB-A9E6-3F0A7B178AAF}"/>
+              </a:ext>
+            </a:extLst>
+          </p:cNvPr>
+          <p:cNvSpPr txBox="1"/>
+          <p:nvPr/>
+        </p:nvSpPr>
+        <p:spPr>
+          <a:xfrm>
+            <a:off x="240014" y="3699585"/>
+            <a:ext cx="3076483" cy="1477328"/>
+          </a:xfrm>
+          <a:prstGeom prst="rect">
+            <a:avLst/>
+          </a:prstGeom>
+          <a:noFill/>
+        </p:spPr>
+        <p:txBody>
+          <a:bodyPr wrap="none" rtlCol="0">
+            <a:spAutoFit/>
+          </a:bodyPr>
+          <a:lstStyle/>
+          <a:p>
+            <a:r>
+              <a:rPr kumimoji="1" lang="zh-CN" altLang="en-US" dirty="0">
+                <a:solidFill>
+                  <a:srgbClr val="C00000"/>
+                </a:solidFill>
+              </a:rPr>
+              <a:t>递归</a:t>
+            </a:r>
+            <a:r>
+              <a:rPr kumimoji="1" lang="en-US" altLang="zh-CN" dirty="0">
+                <a:solidFill>
+                  <a:srgbClr val="C00000"/>
+                </a:solidFill>
+              </a:rPr>
+              <a:t>1</a:t>
+            </a:r>
+            <a:r>
+              <a:rPr kumimoji="1" lang="zh-CN" altLang="en-US" dirty="0">
+                <a:solidFill>
+                  <a:srgbClr val="C00000"/>
+                </a:solidFill>
+              </a:rPr>
+              <a:t>次，相当于二阶信息，</a:t>
+            </a:r>
+            <a:endParaRPr kumimoji="1" lang="en-US" altLang="zh-CN" dirty="0">
+              <a:solidFill>
+                <a:srgbClr val="C00000"/>
+              </a:solidFill>
+            </a:endParaRPr>
+          </a:p>
+          <a:p>
+            <a:r>
+              <a:rPr kumimoji="1" lang="zh-CN" altLang="en-US" dirty="0">
+                <a:solidFill>
+                  <a:srgbClr val="C00000"/>
+                </a:solidFill>
+              </a:rPr>
+              <a:t>结果符合预期。</a:t>
+            </a:r>
+            <a:endParaRPr kumimoji="1" lang="en-US" altLang="zh-CN" dirty="0">
+              <a:solidFill>
+                <a:srgbClr val="C00000"/>
+              </a:solidFill>
+            </a:endParaRPr>
+          </a:p>
+          <a:p>
+            <a:endParaRPr kumimoji="1" lang="en-US" altLang="zh-CN" dirty="0">
+              <a:solidFill>
+                <a:srgbClr val="C00000"/>
+              </a:solidFill>
+            </a:endParaRPr>
+          </a:p>
+          <a:p>
+            <a:r>
+              <a:rPr kumimoji="1" lang="zh-CN" altLang="en-US" dirty="0">
+                <a:solidFill>
+                  <a:srgbClr val="C00000"/>
+                </a:solidFill>
+              </a:rPr>
+              <a:t>从这里开始我们就要</a:t>
+            </a:r>
+            <a:endParaRPr kumimoji="1" lang="en-US" altLang="zh-CN" dirty="0">
+              <a:solidFill>
+                <a:srgbClr val="C00000"/>
+              </a:solidFill>
+            </a:endParaRPr>
+          </a:p>
+          <a:p>
+            <a:r>
+              <a:rPr kumimoji="1" lang="zh-CN" altLang="en-US" dirty="0">
+                <a:solidFill>
+                  <a:srgbClr val="C00000"/>
+                </a:solidFill>
+              </a:rPr>
+              <a:t>一步一步手动推导。</a:t>
             </a:r>
           </a:p>
         </p:txBody>
@@ -10305,7 +10416,7 @@
         <p:spPr>
           <a:xfrm>
             <a:off x="645458" y="537882"/>
-            <a:ext cx="4589718" cy="707886"/>
+            <a:ext cx="7648248" cy="707886"/>
           </a:xfrm>
           <a:prstGeom prst="rect">
             <a:avLst/>
@@ -10328,7 +10439,7 @@
             </a:r>
             <a:r>
               <a:rPr kumimoji="1" lang="en-US" altLang="zh-CN" sz="4000" dirty="0"/>
-              <a:t>-</a:t>
+              <a:t>–</a:t>
             </a:r>
             <a:r>
               <a:rPr kumimoji="1" lang="zh-CN" altLang="en-US" sz="4000" dirty="0"/>
@@ -10336,18 +10447,25 @@
             </a:r>
             <a:r>
               <a:rPr kumimoji="1" lang="en-US" altLang="zh-CN" sz="4000" dirty="0"/>
-              <a:t>3</a:t>
-            </a:r>
-            <a:endParaRPr kumimoji="1" lang="zh-CN" altLang="en-US" sz="4000" dirty="0"/>
-          </a:p>
-        </p:txBody>
-      </p:sp>
-      <p:sp>
-        <p:nvSpPr>
-          <p:cNvPr id="15" name="圆角矩形 14">
-            <a:extLst>
-              <a:ext uri="{FF2B5EF4-FFF2-40B4-BE49-F238E27FC236}">
-                <a16:creationId xmlns:a16="http://schemas.microsoft.com/office/drawing/2014/main" id="{329A49FD-C885-C84F-A6BD-7D50EA559B8B}"/>
+              <a:t>2.2 </a:t>
+            </a:r>
+            <a:r>
+              <a:rPr kumimoji="1" lang="zh-CN" altLang="en-US" sz="4000" dirty="0"/>
+              <a:t>环内边</a:t>
+            </a:r>
+            <a:r>
+              <a:rPr kumimoji="1" lang="en-US" altLang="zh-CN" sz="4000" dirty="0"/>
+              <a:t>Map</a:t>
+            </a:r>
+          </a:p>
+        </p:txBody>
+      </p:sp>
+      <p:sp>
+        <p:nvSpPr>
+          <p:cNvPr id="16" name="圆角矩形 15">
+            <a:extLst>
+              <a:ext uri="{FF2B5EF4-FFF2-40B4-BE49-F238E27FC236}">
+                <a16:creationId xmlns:a16="http://schemas.microsoft.com/office/drawing/2014/main" id="{70FF85FA-5384-3C42-A44C-928B8EE745CB}"/>
               </a:ext>
             </a:extLst>
           </p:cNvPr>
@@ -10356,8 +10474,8 @@
         </p:nvSpPr>
         <p:spPr>
           <a:xfrm>
-            <a:off x="1376323" y="1908786"/>
-            <a:ext cx="1632920" cy="634701"/>
+            <a:off x="1019062" y="2268278"/>
+            <a:ext cx="1367119" cy="634701"/>
           </a:xfrm>
           <a:prstGeom prst="roundRect">
             <a:avLst/>
@@ -10386,11 +10504,19 @@
             <a:pPr algn="ctr"/>
             <a:r>
               <a:rPr kumimoji="1" lang="en-US" altLang="zh-CN" dirty="0"/>
-              <a:t>1</a:t>
-            </a:r>
-            <a:r>
-              <a:rPr lang="zh-CN" altLang="en-US" dirty="0"/>
-              <a:t>青毛狮子怪</a:t>
+              <a:t>3</a:t>
+            </a:r>
+            <a:r>
+              <a:rPr kumimoji="1" lang="zh-CN" altLang="en-US" dirty="0"/>
+              <a:t> 左护法</a:t>
+            </a:r>
+            <a:endParaRPr kumimoji="1" lang="en-US" altLang="zh-CN" dirty="0"/>
+          </a:p>
+          <a:p>
+            <a:pPr algn="ctr"/>
+            <a:r>
+              <a:rPr kumimoji="1" lang="en-US" altLang="zh-CN" dirty="0"/>
+              <a:t>1000w</a:t>
             </a:r>
             <a:endParaRPr kumimoji="1" lang="zh-CN" altLang="en-US" dirty="0"/>
           </a:p>
@@ -10398,10 +10524,10 @@
       </p:sp>
       <p:sp>
         <p:nvSpPr>
-          <p:cNvPr id="16" name="圆角矩形 15">
-            <a:extLst>
-              <a:ext uri="{FF2B5EF4-FFF2-40B4-BE49-F238E27FC236}">
-                <a16:creationId xmlns:a16="http://schemas.microsoft.com/office/drawing/2014/main" id="{F6AB94C0-1F2F-D141-AFEE-5A8F5DDBFA39}"/>
+          <p:cNvPr id="19" name="圆角矩形 18">
+            <a:extLst>
+              <a:ext uri="{FF2B5EF4-FFF2-40B4-BE49-F238E27FC236}">
+                <a16:creationId xmlns:a16="http://schemas.microsoft.com/office/drawing/2014/main" id="{CDB9C4FB-FD24-A547-BCD1-F6950E8B57A9}"/>
               </a:ext>
             </a:extLst>
           </p:cNvPr>
@@ -10410,8 +10536,8 @@
         </p:nvSpPr>
         <p:spPr>
           <a:xfrm>
-            <a:off x="5197419" y="2226138"/>
-            <a:ext cx="1367119" cy="634701"/>
+            <a:off x="1019062" y="3199774"/>
+            <a:ext cx="1541264" cy="634701"/>
           </a:xfrm>
           <a:prstGeom prst="roundRect">
             <a:avLst/>
@@ -10440,11 +10566,11 @@
             <a:pPr algn="ctr"/>
             <a:r>
               <a:rPr kumimoji="1" lang="en-US" altLang="zh-CN" dirty="0"/>
-              <a:t>3</a:t>
+              <a:t>4</a:t>
             </a:r>
             <a:r>
               <a:rPr kumimoji="1" lang="zh-CN" altLang="en-US" dirty="0"/>
-              <a:t> 左护法</a:t>
+              <a:t> 右护法</a:t>
             </a:r>
             <a:endParaRPr kumimoji="1" lang="en-US" altLang="zh-CN" dirty="0"/>
           </a:p>
@@ -10454,34 +10580,33 @@
               <a:rPr kumimoji="1" lang="en-US" altLang="zh-CN" dirty="0"/>
               <a:t>1000w</a:t>
             </a:r>
-            <a:endParaRPr kumimoji="1" lang="zh-CN" altLang="en-US" dirty="0"/>
           </a:p>
         </p:txBody>
       </p:sp>
       <p:cxnSp>
         <p:nvCxnSpPr>
-          <p:cNvPr id="17" name="曲线连接符 16">
-            <a:extLst>
-              <a:ext uri="{FF2B5EF4-FFF2-40B4-BE49-F238E27FC236}">
-                <a16:creationId xmlns:a16="http://schemas.microsoft.com/office/drawing/2014/main" id="{ABCCD194-F98B-4047-9329-2607FB22A40E}"/>
+          <p:cNvPr id="21" name="曲线连接符 20">
+            <a:extLst>
+              <a:ext uri="{FF2B5EF4-FFF2-40B4-BE49-F238E27FC236}">
+                <a16:creationId xmlns:a16="http://schemas.microsoft.com/office/drawing/2014/main" id="{917CFF2C-519E-1942-8C76-980CDF09A83E}"/>
               </a:ext>
             </a:extLst>
           </p:cNvPr>
           <p:cNvCxnSpPr>
             <a:cxnSpLocks/>
-            <a:stCxn id="15" idx="3"/>
-            <a:endCxn id="16" idx="1"/>
+            <a:stCxn id="16" idx="3"/>
+            <a:endCxn id="19" idx="3"/>
           </p:cNvCxnSpPr>
           <p:nvPr/>
         </p:nvCxnSpPr>
         <p:spPr>
           <a:xfrm>
-            <a:off x="3009243" y="2226137"/>
-            <a:ext cx="2188176" cy="317352"/>
+            <a:off x="2386181" y="2585629"/>
+            <a:ext cx="174145" cy="931496"/>
           </a:xfrm>
           <a:prstGeom prst="curvedConnector3">
             <a:avLst>
-              <a:gd name="adj1" fmla="val 50000"/>
+              <a:gd name="adj1" fmla="val 231270"/>
             </a:avLst>
           </a:prstGeom>
           <a:ln>
@@ -10503,55 +10628,12 @@
           </a:fontRef>
         </p:style>
       </p:cxnSp>
-      <p:cxnSp>
-        <p:nvCxnSpPr>
-          <p:cNvPr id="18" name="曲线连接符 17">
-            <a:extLst>
-              <a:ext uri="{FF2B5EF4-FFF2-40B4-BE49-F238E27FC236}">
-                <a16:creationId xmlns:a16="http://schemas.microsoft.com/office/drawing/2014/main" id="{C8658041-8A06-8C4C-8B2F-F8BDA933F839}"/>
-              </a:ext>
-            </a:extLst>
-          </p:cNvPr>
-          <p:cNvCxnSpPr>
-            <a:cxnSpLocks/>
-            <a:stCxn id="22" idx="2"/>
-            <a:endCxn id="19" idx="3"/>
-          </p:cNvCxnSpPr>
-          <p:nvPr/>
-        </p:nvCxnSpPr>
-        <p:spPr>
-          <a:xfrm rot="5400000">
-            <a:off x="7926322" y="3362498"/>
-            <a:ext cx="737246" cy="3112524"/>
-          </a:xfrm>
-          <a:prstGeom prst="curvedConnector2">
-            <a:avLst/>
-          </a:prstGeom>
-          <a:ln>
-            <a:tailEnd type="triangle"/>
-          </a:ln>
-        </p:spPr>
-        <p:style>
-          <a:lnRef idx="1">
-            <a:schemeClr val="accent1"/>
-          </a:lnRef>
-          <a:fillRef idx="0">
-            <a:schemeClr val="accent1"/>
-          </a:fillRef>
-          <a:effectRef idx="0">
-            <a:schemeClr val="accent1"/>
-          </a:effectRef>
-          <a:fontRef idx="minor">
-            <a:schemeClr val="tx1"/>
-          </a:fontRef>
-        </p:style>
-      </p:cxnSp>
-      <p:sp>
-        <p:nvSpPr>
-          <p:cNvPr id="19" name="圆角矩形 18">
-            <a:extLst>
-              <a:ext uri="{FF2B5EF4-FFF2-40B4-BE49-F238E27FC236}">
-                <a16:creationId xmlns:a16="http://schemas.microsoft.com/office/drawing/2014/main" id="{812716FA-F69D-0240-819B-A8FC44A5740D}"/>
+      <p:sp>
+        <p:nvSpPr>
+          <p:cNvPr id="4" name="矩形 3">
+            <a:extLst>
+              <a:ext uri="{FF2B5EF4-FFF2-40B4-BE49-F238E27FC236}">
+                <a16:creationId xmlns:a16="http://schemas.microsoft.com/office/drawing/2014/main" id="{B38030AF-E34E-A44A-8173-E9EB7C5DBB7F}"/>
               </a:ext>
             </a:extLst>
           </p:cNvPr>
@@ -10560,12 +10642,111 @@
         </p:nvSpPr>
         <p:spPr>
           <a:xfrm>
-            <a:off x="5197419" y="4970032"/>
-            <a:ext cx="1541264" cy="634701"/>
-          </a:xfrm>
-          <a:prstGeom prst="roundRect">
-            <a:avLst/>
-          </a:prstGeom>
+            <a:off x="782699" y="3804483"/>
+            <a:ext cx="2701689" cy="938719"/>
+          </a:xfrm>
+          <a:prstGeom prst="rect">
+            <a:avLst/>
+          </a:prstGeom>
+        </p:spPr>
+        <p:txBody>
+          <a:bodyPr wrap="square">
+            <a:spAutoFit/>
+          </a:bodyPr>
+          <a:lstStyle/>
+          <a:p>
+            <a:r>
+              <a:rPr lang="zh-CN" altLang="en-US" sz="1100" dirty="0"/>
+              <a:t>Map(</a:t>
+            </a:r>
+            <a:endParaRPr lang="en-US" altLang="zh-CN" sz="1100" dirty="0"/>
+          </a:p>
+          <a:p>
+            <a:r>
+              <a:rPr lang="zh-CN" altLang="en-US" sz="1100" dirty="0"/>
+              <a:t>3 -&gt; investmentInfo(狮驼岭左护法有限公司,0.500000,1000.0,4,1,false), </a:t>
+            </a:r>
+            <a:endParaRPr lang="en-US" altLang="zh-CN" sz="1100" dirty="0"/>
+          </a:p>
+          <a:p>
+            <a:r>
+              <a:rPr lang="zh-CN" altLang="en-US" sz="1100" dirty="0"/>
+              <a:t>4 -&gt; investmentInfo(狮驼岭右护法有限公司,0.250000,1000.0,4,2,false))</a:t>
+            </a:r>
+          </a:p>
+        </p:txBody>
+      </p:sp>
+      <p:sp>
+        <p:nvSpPr>
+          <p:cNvPr id="8" name="矩形 7">
+            <a:extLst>
+              <a:ext uri="{FF2B5EF4-FFF2-40B4-BE49-F238E27FC236}">
+                <a16:creationId xmlns:a16="http://schemas.microsoft.com/office/drawing/2014/main" id="{AF184B46-DF85-E44F-9E77-66F0BBFEFD5C}"/>
+              </a:ext>
+            </a:extLst>
+          </p:cNvPr>
+          <p:cNvSpPr/>
+          <p:nvPr/>
+        </p:nvSpPr>
+        <p:spPr>
+          <a:xfrm>
+            <a:off x="1702621" y="1287419"/>
+            <a:ext cx="2716484" cy="938719"/>
+          </a:xfrm>
+          <a:prstGeom prst="rect">
+            <a:avLst/>
+          </a:prstGeom>
+        </p:spPr>
+        <p:txBody>
+          <a:bodyPr wrap="square">
+            <a:spAutoFit/>
+          </a:bodyPr>
+          <a:lstStyle/>
+          <a:p>
+            <a:r>
+              <a:rPr lang="zh-CN" altLang="en-US" sz="1100" dirty="0"/>
+              <a:t>Map(</a:t>
+            </a:r>
+            <a:endParaRPr lang="en-US" altLang="zh-CN" sz="1100" dirty="0"/>
+          </a:p>
+          <a:p>
+            <a:r>
+              <a:rPr lang="zh-CN" altLang="en-US" sz="1100" dirty="0"/>
+              <a:t>4 -&gt; investmentInfo(狮驼岭右护法有限公司,0.500000,1000.0,3,1,false),</a:t>
+            </a:r>
+            <a:endParaRPr lang="en-US" altLang="zh-CN" sz="1100" dirty="0"/>
+          </a:p>
+          <a:p>
+            <a:r>
+              <a:rPr lang="zh-CN" altLang="en-US" sz="1100" dirty="0"/>
+              <a:t>3 -&gt; investmentInfo(狮驼岭左护法有限公司,0.250000,1000.0,3,2,false))</a:t>
+            </a:r>
+          </a:p>
+        </p:txBody>
+      </p:sp>
+      <p:sp>
+        <p:nvSpPr>
+          <p:cNvPr id="5" name="箭头: 右 4">
+            <a:extLst>
+              <a:ext uri="{FF2B5EF4-FFF2-40B4-BE49-F238E27FC236}">
+                <a16:creationId xmlns:a16="http://schemas.microsoft.com/office/drawing/2014/main" id="{47D668C2-7A08-414D-A425-C98532F856BD}"/>
+              </a:ext>
+            </a:extLst>
+          </p:cNvPr>
+          <p:cNvSpPr/>
+          <p:nvPr/>
+        </p:nvSpPr>
+        <p:spPr>
+          <a:xfrm>
+            <a:off x="3650105" y="4197246"/>
+            <a:ext cx="2548328" cy="217357"/>
+          </a:xfrm>
+          <a:prstGeom prst="rightArrow">
+            <a:avLst/>
+          </a:prstGeom>
+          <a:solidFill>
+            <a:srgbClr val="FFC000"/>
+          </a:solidFill>
         </p:spPr>
         <p:style>
           <a:lnRef idx="2">
@@ -10588,52 +10769,264 @@
           <a:lstStyle/>
           <a:p>
             <a:pPr algn="ctr"/>
-            <a:r>
-              <a:rPr kumimoji="1" lang="en-US" altLang="zh-CN" dirty="0"/>
-              <a:t>4</a:t>
-            </a:r>
-            <a:r>
-              <a:rPr kumimoji="1" lang="zh-CN" altLang="en-US" dirty="0"/>
-              <a:t> 右护法</a:t>
-            </a:r>
-            <a:endParaRPr kumimoji="1" lang="en-US" altLang="zh-CN" dirty="0"/>
-          </a:p>
-          <a:p>
-            <a:pPr algn="ctr"/>
-            <a:r>
-              <a:rPr kumimoji="1" lang="en-US" altLang="zh-CN" dirty="0"/>
-              <a:t>1000w</a:t>
+            <a:endParaRPr lang="zh-CN" altLang="en-US" b="1">
+              <a:ln w="22225">
+                <a:solidFill>
+                  <a:schemeClr val="accent2"/>
+                </a:solidFill>
+                <a:prstDash val="solid"/>
+              </a:ln>
+              <a:solidFill>
+                <a:schemeClr val="accent2">
+                  <a:lumMod val="40000"/>
+                  <a:lumOff val="60000"/>
+                </a:schemeClr>
+              </a:solidFill>
+            </a:endParaRPr>
+          </a:p>
+        </p:txBody>
+      </p:sp>
+      <p:sp>
+        <p:nvSpPr>
+          <p:cNvPr id="23" name="矩形 22">
+            <a:extLst>
+              <a:ext uri="{FF2B5EF4-FFF2-40B4-BE49-F238E27FC236}">
+                <a16:creationId xmlns:a16="http://schemas.microsoft.com/office/drawing/2014/main" id="{BBCA5366-2155-48B8-953E-55CAB7B49A99}"/>
+              </a:ext>
+            </a:extLst>
+          </p:cNvPr>
+          <p:cNvSpPr/>
+          <p:nvPr/>
+        </p:nvSpPr>
+        <p:spPr>
+          <a:xfrm>
+            <a:off x="6384138" y="3836564"/>
+            <a:ext cx="2701689" cy="938719"/>
+          </a:xfrm>
+          <a:prstGeom prst="rect">
+            <a:avLst/>
+          </a:prstGeom>
+        </p:spPr>
+        <p:txBody>
+          <a:bodyPr wrap="square">
+            <a:spAutoFit/>
+          </a:bodyPr>
+          <a:lstStyle/>
+          <a:p>
+            <a:r>
+              <a:rPr lang="zh-CN" altLang="en-US" sz="1100" dirty="0"/>
+              <a:t>Map(</a:t>
+            </a:r>
+            <a:endParaRPr lang="en-US" altLang="zh-CN" sz="1100" dirty="0"/>
+          </a:p>
+          <a:p>
+            <a:r>
+              <a:rPr lang="zh-CN" altLang="en-US" sz="1100" dirty="0"/>
+              <a:t>3 -&gt; investmentInfo(狮驼岭左护法有限公司,</a:t>
+            </a:r>
+            <a:r>
+              <a:rPr lang="en-US" altLang="zh-CN" sz="1100" dirty="0"/>
+              <a:t>0.125000</a:t>
+            </a:r>
+            <a:r>
+              <a:rPr lang="zh-CN" altLang="en-US" sz="1100" dirty="0"/>
+              <a:t>,1000.0,4,1,false), </a:t>
+            </a:r>
+            <a:endParaRPr lang="en-US" altLang="zh-CN" sz="1100" dirty="0"/>
+          </a:p>
+          <a:p>
+            <a:r>
+              <a:rPr lang="zh-CN" altLang="en-US" sz="1100" dirty="0"/>
+              <a:t>4 -&gt; investmentInfo(狮驼岭右护法有限公司,0.</a:t>
+            </a:r>
+            <a:r>
+              <a:rPr lang="en-US" altLang="zh-CN" sz="1100" dirty="0"/>
+              <a:t>1</a:t>
+            </a:r>
+            <a:r>
+              <a:rPr lang="zh-CN" altLang="en-US" sz="1100" dirty="0"/>
+              <a:t>25000,1000.0,4,2,false))</a:t>
+            </a:r>
+          </a:p>
+        </p:txBody>
+      </p:sp>
+      <p:sp>
+        <p:nvSpPr>
+          <p:cNvPr id="7" name="Rectangle 1">
+            <a:extLst>
+              <a:ext uri="{FF2B5EF4-FFF2-40B4-BE49-F238E27FC236}">
+                <a16:creationId xmlns:a16="http://schemas.microsoft.com/office/drawing/2014/main" id="{423F39F1-FB31-4AFB-8259-FE0558E125F7}"/>
+              </a:ext>
+            </a:extLst>
+          </p:cNvPr>
+          <p:cNvSpPr>
+            <a:spLocks noChangeArrowheads="1"/>
+          </p:cNvSpPr>
+          <p:nvPr/>
+        </p:nvSpPr>
+        <p:spPr bwMode="auto">
+          <a:xfrm>
+            <a:off x="3306404" y="4617631"/>
+            <a:ext cx="3117954" cy="230832"/>
+          </a:xfrm>
+          <a:prstGeom prst="rect">
+            <a:avLst/>
+          </a:prstGeom>
+          <a:solidFill>
+            <a:srgbClr val="2B2B2B"/>
+          </a:solidFill>
+          <a:ln>
+            <a:noFill/>
+          </a:ln>
+          <a:effectLst/>
+          <a:extLst>
+            <a:ext uri="{91240B29-F687-4F45-9708-019B960494DF}">
+              <a14:hiddenLine xmlns:a14="http://schemas.microsoft.com/office/drawing/2010/main" w="9525">
+                <a:solidFill>
+                  <a:schemeClr val="tx1"/>
+                </a:solidFill>
+                <a:miter lim="800000"/>
+                <a:headEnd/>
+                <a:tailEnd/>
+              </a14:hiddenLine>
+            </a:ext>
+            <a:ext uri="{AF507438-7753-43E0-B8FC-AC1667EBCBE1}">
+              <a14:hiddenEffects xmlns:a14="http://schemas.microsoft.com/office/drawing/2010/main">
+                <a:effectLst>
+                  <a:outerShdw dist="35921" dir="2700000" algn="ctr" rotWithShape="0">
+                    <a:schemeClr val="bg2"/>
+                  </a:outerShdw>
+                </a:effectLst>
+              </a14:hiddenEffects>
+            </a:ext>
+          </a:extLst>
+        </p:spPr>
+        <p:txBody>
+          <a:bodyPr vert="horz" wrap="square" lIns="91440" tIns="45720" rIns="91440" bIns="45720" numCol="1" anchor="ctr" anchorCtr="0" compatLnSpc="1">
+            <a:prstTxWarp prst="textNoShape">
+              <a:avLst/>
+            </a:prstTxWarp>
+            <a:spAutoFit/>
+          </a:bodyPr>
+          <a:lstStyle/>
+          <a:p>
+            <a:pPr marL="0" marR="0" lvl="0" indent="0" algn="l" defTabSz="914400" rtl="0" eaLnBrk="0" fontAlgn="base" latinLnBrk="0" hangingPunct="0">
+              <a:lnSpc>
+                <a:spcPct val="100000"/>
+              </a:lnSpc>
+              <a:spcBef>
+                <a:spcPct val="0"/>
+              </a:spcBef>
+              <a:spcAft>
+                <a:spcPct val="0"/>
+              </a:spcAft>
+              <a:buClrTx/>
+              <a:buSzTx/>
+              <a:buFontTx/>
+              <a:buNone/>
+              <a:tabLst/>
+            </a:pPr>
+            <a:r>
+              <a:rPr kumimoji="0" lang="zh-CN" altLang="zh-CN" sz="900" b="0" i="0" u="none" strike="noStrike" cap="none" normalizeH="0" baseline="0">
+                <a:ln>
+                  <a:noFill/>
+                </a:ln>
+                <a:solidFill>
+                  <a:srgbClr val="A9B7C6"/>
+                </a:solidFill>
+                <a:effectLst/>
+                <a:latin typeface="Arial Unicode MS"/>
+                <a:ea typeface="JetBrains Mono"/>
+              </a:rPr>
+              <a:t>(srcProportionOfInvestment * dstProportionOfInvestment)</a:t>
+            </a:r>
+            <a:endParaRPr kumimoji="0" lang="zh-CN" altLang="zh-CN" sz="1800" b="0" i="0" u="none" strike="noStrike" cap="none" normalizeH="0" baseline="0">
+              <a:ln>
+                <a:noFill/>
+              </a:ln>
+              <a:solidFill>
+                <a:schemeClr val="tx1"/>
+              </a:solidFill>
+              <a:effectLst/>
+              <a:latin typeface="Arial" panose="020B0604020202020204" pitchFamily="34" charset="0"/>
+            </a:endParaRPr>
+          </a:p>
+        </p:txBody>
+      </p:sp>
+      <p:sp>
+        <p:nvSpPr>
+          <p:cNvPr id="10" name="文本框 9">
+            <a:extLst>
+              <a:ext uri="{FF2B5EF4-FFF2-40B4-BE49-F238E27FC236}">
+                <a16:creationId xmlns:a16="http://schemas.microsoft.com/office/drawing/2014/main" id="{FF8E1BAF-14E7-4314-8F53-8530D4513DFD}"/>
+              </a:ext>
+            </a:extLst>
+          </p:cNvPr>
+          <p:cNvSpPr txBox="1"/>
+          <p:nvPr/>
+        </p:nvSpPr>
+        <p:spPr>
+          <a:xfrm>
+            <a:off x="6514300" y="2098106"/>
+            <a:ext cx="3431674" cy="923330"/>
+          </a:xfrm>
+          <a:prstGeom prst="rect">
+            <a:avLst/>
+          </a:prstGeom>
+          <a:noFill/>
+        </p:spPr>
+        <p:txBody>
+          <a:bodyPr wrap="square" rtlCol="0">
+            <a:spAutoFit/>
+          </a:bodyPr>
+          <a:lstStyle/>
+          <a:p>
+            <a:r>
+              <a:rPr lang="zh-CN" altLang="en-US" dirty="0"/>
+              <a:t>只看左护法到右护法两点一线。</a:t>
+            </a:r>
+            <a:endParaRPr lang="en-US" altLang="zh-CN" dirty="0"/>
+          </a:p>
+          <a:p>
+            <a:r>
+              <a:rPr lang="zh-CN" altLang="en-US" dirty="0"/>
+              <a:t>现在是</a:t>
+            </a:r>
+            <a:r>
+              <a:rPr lang="en-US" altLang="zh-CN" dirty="0"/>
+              <a:t>map</a:t>
+            </a:r>
+            <a:r>
+              <a:rPr lang="zh-CN" altLang="en-US" dirty="0"/>
+              <a:t>阶段，左护法唯一当上游的情况是下游是右护法。</a:t>
             </a:r>
           </a:p>
         </p:txBody>
       </p:sp>
       <p:cxnSp>
         <p:nvCxnSpPr>
-          <p:cNvPr id="20" name="曲线连接符 19">
-            <a:extLst>
-              <a:ext uri="{FF2B5EF4-FFF2-40B4-BE49-F238E27FC236}">
-                <a16:creationId xmlns:a16="http://schemas.microsoft.com/office/drawing/2014/main" id="{057B2051-9BB9-1C4A-B596-C8B0D484B927}"/>
-              </a:ext>
-            </a:extLst>
-          </p:cNvPr>
-          <p:cNvCxnSpPr>
-            <a:cxnSpLocks/>
-            <a:stCxn id="19" idx="1"/>
-            <a:endCxn id="16" idx="1"/>
-          </p:cNvCxnSpPr>
+          <p:cNvPr id="12" name="直接箭头连接符 11">
+            <a:extLst>
+              <a:ext uri="{FF2B5EF4-FFF2-40B4-BE49-F238E27FC236}">
+                <a16:creationId xmlns:a16="http://schemas.microsoft.com/office/drawing/2014/main" id="{C85AC7E8-689C-4586-9D9B-699096BBA1B2}"/>
+              </a:ext>
+            </a:extLst>
+          </p:cNvPr>
+          <p:cNvCxnSpPr/>
           <p:nvPr/>
         </p:nvCxnSpPr>
         <p:spPr>
-          <a:xfrm rot="10800000">
-            <a:off x="5197419" y="2543489"/>
-            <a:ext cx="12700" cy="2743894"/>
-          </a:xfrm>
-          <a:prstGeom prst="curvedConnector3">
-            <a:avLst>
-              <a:gd name="adj1" fmla="val 6888000"/>
-            </a:avLst>
-          </a:prstGeom>
-          <a:ln>
+          <a:xfrm flipH="1" flipV="1">
+            <a:off x="3365292" y="2480872"/>
+            <a:ext cx="2730708" cy="1221698"/>
+          </a:xfrm>
+          <a:prstGeom prst="straightConnector1">
+            <a:avLst/>
+          </a:prstGeom>
+          <a:ln w="38100">
+            <a:solidFill>
+              <a:srgbClr val="92D050"/>
+            </a:solidFill>
             <a:tailEnd type="triangle"/>
           </a:ln>
         </p:spPr>
@@ -10652,109 +11045,46 @@
           </a:fontRef>
         </p:style>
       </p:cxnSp>
-      <p:cxnSp>
-        <p:nvCxnSpPr>
-          <p:cNvPr id="21" name="曲线连接符 20">
-            <a:extLst>
-              <a:ext uri="{FF2B5EF4-FFF2-40B4-BE49-F238E27FC236}">
-                <a16:creationId xmlns:a16="http://schemas.microsoft.com/office/drawing/2014/main" id="{7353AF03-6699-E24D-8C1D-4179C9E2F387}"/>
-              </a:ext>
-            </a:extLst>
-          </p:cNvPr>
-          <p:cNvCxnSpPr>
-            <a:cxnSpLocks/>
-            <a:stCxn id="16" idx="3"/>
-            <a:endCxn id="19" idx="3"/>
-          </p:cNvCxnSpPr>
-          <p:nvPr/>
-        </p:nvCxnSpPr>
-        <p:spPr>
-          <a:xfrm>
-            <a:off x="6564538" y="2543489"/>
-            <a:ext cx="174145" cy="2743894"/>
-          </a:xfrm>
-          <a:prstGeom prst="curvedConnector3">
-            <a:avLst>
-              <a:gd name="adj1" fmla="val 623329"/>
-            </a:avLst>
-          </a:prstGeom>
-          <a:ln>
-            <a:tailEnd type="triangle"/>
-          </a:ln>
-        </p:spPr>
-        <p:style>
-          <a:lnRef idx="1">
-            <a:schemeClr val="accent1"/>
-          </a:lnRef>
-          <a:fillRef idx="0">
-            <a:schemeClr val="accent1"/>
-          </a:fillRef>
-          <a:effectRef idx="0">
-            <a:schemeClr val="accent1"/>
-          </a:effectRef>
-          <a:fontRef idx="minor">
-            <a:schemeClr val="tx1"/>
-          </a:fontRef>
-        </p:style>
-      </p:cxnSp>
-      <p:sp>
-        <p:nvSpPr>
-          <p:cNvPr id="22" name="圆角矩形 21">
-            <a:extLst>
-              <a:ext uri="{FF2B5EF4-FFF2-40B4-BE49-F238E27FC236}">
-                <a16:creationId xmlns:a16="http://schemas.microsoft.com/office/drawing/2014/main" id="{0331856A-B7CB-CC45-9993-490E412A43C3}"/>
-              </a:ext>
-            </a:extLst>
-          </p:cNvPr>
-          <p:cNvSpPr/>
-          <p:nvPr/>
-        </p:nvSpPr>
-        <p:spPr>
-          <a:xfrm>
-            <a:off x="9034747" y="3915436"/>
-            <a:ext cx="1632920" cy="634701"/>
-          </a:xfrm>
-          <a:prstGeom prst="roundRect">
-            <a:avLst/>
-          </a:prstGeom>
-        </p:spPr>
-        <p:style>
-          <a:lnRef idx="2">
-            <a:schemeClr val="accent1">
-              <a:shade val="50000"/>
-            </a:schemeClr>
-          </a:lnRef>
-          <a:fillRef idx="1">
-            <a:schemeClr val="accent1"/>
-          </a:fillRef>
-          <a:effectRef idx="0">
-            <a:schemeClr val="accent1"/>
-          </a:effectRef>
-          <a:fontRef idx="minor">
-            <a:schemeClr val="lt1"/>
-          </a:fontRef>
-        </p:style>
-        <p:txBody>
-          <a:bodyPr rtlCol="0" anchor="ctr"/>
-          <a:lstStyle/>
-          <a:p>
-            <a:pPr algn="ctr"/>
-            <a:r>
-              <a:rPr kumimoji="1" lang="en-US" altLang="zh-CN" dirty="0"/>
-              <a:t>2</a:t>
-            </a:r>
-            <a:r>
-              <a:rPr lang="zh-CN" altLang="en-US" dirty="0"/>
-              <a:t>大鹏金翅雕</a:t>
-            </a:r>
-            <a:endParaRPr kumimoji="1" lang="zh-CN" altLang="en-US" dirty="0"/>
+      <p:sp>
+        <p:nvSpPr>
+          <p:cNvPr id="13" name="文本框 12">
+            <a:extLst>
+              <a:ext uri="{FF2B5EF4-FFF2-40B4-BE49-F238E27FC236}">
+                <a16:creationId xmlns:a16="http://schemas.microsoft.com/office/drawing/2014/main" id="{599694B8-D9AF-4823-A486-4BF9D14D28D6}"/>
+              </a:ext>
+            </a:extLst>
+          </p:cNvPr>
+          <p:cNvSpPr txBox="1"/>
+          <p:nvPr/>
+        </p:nvSpPr>
+        <p:spPr>
+          <a:xfrm>
+            <a:off x="4254511" y="2866711"/>
+            <a:ext cx="1212191" cy="369332"/>
+          </a:xfrm>
+          <a:prstGeom prst="rect">
+            <a:avLst/>
+          </a:prstGeom>
+          <a:noFill/>
+        </p:spPr>
+        <p:txBody>
+          <a:bodyPr wrap="none" rtlCol="0">
+            <a:spAutoFit/>
+          </a:bodyPr>
+          <a:lstStyle/>
+          <a:p>
+            <a:r>
+              <a:rPr lang="en-US" altLang="zh-CN" dirty="0" err="1"/>
+              <a:t>sendToSrc</a:t>
+            </a:r>
+            <a:endParaRPr lang="zh-CN" altLang="en-US" dirty="0"/>
           </a:p>
         </p:txBody>
       </p:sp>
     </p:spTree>
     <p:extLst>
       <p:ext uri="{BB962C8B-B14F-4D97-AF65-F5344CB8AC3E}">
-        <p14:creationId xmlns:p14="http://schemas.microsoft.com/office/powerpoint/2010/main" val="3996466848"/>
+        <p14:creationId xmlns:p14="http://schemas.microsoft.com/office/powerpoint/2010/main" val="3903518764"/>
       </p:ext>
     </p:extLst>
   </p:cSld>
@@ -10796,7 +11126,7 @@
         <p:spPr>
           <a:xfrm>
             <a:off x="645458" y="537882"/>
-            <a:ext cx="4589718" cy="707886"/>
+            <a:ext cx="8284640" cy="707886"/>
           </a:xfrm>
           <a:prstGeom prst="rect">
             <a:avLst/>
@@ -10819,7 +11149,7 @@
             </a:r>
             <a:r>
               <a:rPr kumimoji="1" lang="en-US" altLang="zh-CN" sz="4000" dirty="0"/>
-              <a:t>-</a:t>
+              <a:t>–</a:t>
             </a:r>
             <a:r>
               <a:rPr kumimoji="1" lang="zh-CN" altLang="en-US" sz="4000" dirty="0"/>
@@ -10827,7 +11157,15 @@
             </a:r>
             <a:r>
               <a:rPr kumimoji="1" lang="en-US" altLang="zh-CN" sz="4000" dirty="0"/>
-              <a:t>4</a:t>
+              <a:t>2.3 </a:t>
+            </a:r>
+            <a:r>
+              <a:rPr kumimoji="1" lang="zh-CN" altLang="en-US" sz="4000" dirty="0"/>
+              <a:t>环内边</a:t>
+            </a:r>
+            <a:r>
+              <a:rPr kumimoji="1" lang="en-US" altLang="zh-CN" sz="4000" dirty="0"/>
+              <a:t>Reduce</a:t>
             </a:r>
             <a:endParaRPr kumimoji="1" lang="zh-CN" altLang="en-US" sz="4000" dirty="0"/>
           </a:p>
@@ -10835,10 +11173,10 @@
       </p:sp>
       <p:sp>
         <p:nvSpPr>
-          <p:cNvPr id="15" name="圆角矩形 14">
-            <a:extLst>
-              <a:ext uri="{FF2B5EF4-FFF2-40B4-BE49-F238E27FC236}">
-                <a16:creationId xmlns:a16="http://schemas.microsoft.com/office/drawing/2014/main" id="{8CD48C9D-045C-2741-8FEE-F37FA67F0486}"/>
+          <p:cNvPr id="11" name="圆角矩形 15">
+            <a:extLst>
+              <a:ext uri="{FF2B5EF4-FFF2-40B4-BE49-F238E27FC236}">
+                <a16:creationId xmlns:a16="http://schemas.microsoft.com/office/drawing/2014/main" id="{544923C0-506C-4118-9660-DD2206D20BF3}"/>
               </a:ext>
             </a:extLst>
           </p:cNvPr>
@@ -10847,8 +11185,8 @@
         </p:nvSpPr>
         <p:spPr>
           <a:xfrm>
-            <a:off x="1376323" y="1908786"/>
-            <a:ext cx="1632920" cy="634701"/>
+            <a:off x="1019062" y="2268278"/>
+            <a:ext cx="1367119" cy="634701"/>
           </a:xfrm>
           <a:prstGeom prst="roundRect">
             <a:avLst/>
@@ -10877,11 +11215,19 @@
             <a:pPr algn="ctr"/>
             <a:r>
               <a:rPr kumimoji="1" lang="en-US" altLang="zh-CN" dirty="0"/>
-              <a:t>1</a:t>
-            </a:r>
-            <a:r>
-              <a:rPr lang="zh-CN" altLang="en-US" dirty="0"/>
-              <a:t>青毛狮子怪</a:t>
+              <a:t>3</a:t>
+            </a:r>
+            <a:r>
+              <a:rPr kumimoji="1" lang="zh-CN" altLang="en-US" dirty="0"/>
+              <a:t> 左护法</a:t>
+            </a:r>
+            <a:endParaRPr kumimoji="1" lang="en-US" altLang="zh-CN" dirty="0"/>
+          </a:p>
+          <a:p>
+            <a:pPr algn="ctr"/>
+            <a:r>
+              <a:rPr kumimoji="1" lang="en-US" altLang="zh-CN" dirty="0"/>
+              <a:t>1000w</a:t>
             </a:r>
             <a:endParaRPr kumimoji="1" lang="zh-CN" altLang="en-US" dirty="0"/>
           </a:p>
@@ -10889,10 +11235,10 @@
       </p:sp>
       <p:sp>
         <p:nvSpPr>
-          <p:cNvPr id="16" name="圆角矩形 15">
-            <a:extLst>
-              <a:ext uri="{FF2B5EF4-FFF2-40B4-BE49-F238E27FC236}">
-                <a16:creationId xmlns:a16="http://schemas.microsoft.com/office/drawing/2014/main" id="{C20E4D45-FDA5-3E48-A713-CF364BDF5BC2}"/>
+          <p:cNvPr id="12" name="圆角矩形 18">
+            <a:extLst>
+              <a:ext uri="{FF2B5EF4-FFF2-40B4-BE49-F238E27FC236}">
+                <a16:creationId xmlns:a16="http://schemas.microsoft.com/office/drawing/2014/main" id="{EA2200A7-ED78-41D2-B84D-C4A70521F4AC}"/>
               </a:ext>
             </a:extLst>
           </p:cNvPr>
@@ -10901,8 +11247,8 @@
         </p:nvSpPr>
         <p:spPr>
           <a:xfrm>
-            <a:off x="5197419" y="2226138"/>
-            <a:ext cx="1367119" cy="634701"/>
+            <a:off x="931989" y="4114174"/>
+            <a:ext cx="1541264" cy="634701"/>
           </a:xfrm>
           <a:prstGeom prst="roundRect">
             <a:avLst/>
@@ -10931,11 +11277,11 @@
             <a:pPr algn="ctr"/>
             <a:r>
               <a:rPr kumimoji="1" lang="en-US" altLang="zh-CN" dirty="0"/>
-              <a:t>3</a:t>
+              <a:t>4</a:t>
             </a:r>
             <a:r>
               <a:rPr kumimoji="1" lang="zh-CN" altLang="en-US" dirty="0"/>
-              <a:t> 左护法</a:t>
+              <a:t> 右护法</a:t>
             </a:r>
             <a:endParaRPr kumimoji="1" lang="en-US" altLang="zh-CN" dirty="0"/>
           </a:p>
@@ -10945,34 +11291,33 @@
               <a:rPr kumimoji="1" lang="en-US" altLang="zh-CN" dirty="0"/>
               <a:t>1000w</a:t>
             </a:r>
-            <a:endParaRPr kumimoji="1" lang="zh-CN" altLang="en-US" dirty="0"/>
           </a:p>
         </p:txBody>
       </p:sp>
       <p:cxnSp>
         <p:nvCxnSpPr>
-          <p:cNvPr id="17" name="曲线连接符 16">
-            <a:extLst>
-              <a:ext uri="{FF2B5EF4-FFF2-40B4-BE49-F238E27FC236}">
-                <a16:creationId xmlns:a16="http://schemas.microsoft.com/office/drawing/2014/main" id="{8CC24B87-DECA-8145-B6C9-F82D4B695B90}"/>
+          <p:cNvPr id="13" name="曲线连接符 20">
+            <a:extLst>
+              <a:ext uri="{FF2B5EF4-FFF2-40B4-BE49-F238E27FC236}">
+                <a16:creationId xmlns:a16="http://schemas.microsoft.com/office/drawing/2014/main" id="{D46A6000-6C27-405A-A797-8CBAC837DC5D}"/>
               </a:ext>
             </a:extLst>
           </p:cNvPr>
           <p:cNvCxnSpPr>
             <a:cxnSpLocks/>
-            <a:stCxn id="15" idx="3"/>
-            <a:endCxn id="16" idx="1"/>
+            <a:stCxn id="11" idx="3"/>
+            <a:endCxn id="12" idx="3"/>
           </p:cNvCxnSpPr>
           <p:nvPr/>
         </p:nvCxnSpPr>
         <p:spPr>
           <a:xfrm>
-            <a:off x="3009243" y="2226137"/>
-            <a:ext cx="2188176" cy="317352"/>
+            <a:off x="2386181" y="2585629"/>
+            <a:ext cx="87072" cy="1845896"/>
           </a:xfrm>
           <a:prstGeom prst="curvedConnector3">
             <a:avLst>
-              <a:gd name="adj1" fmla="val 50000"/>
+              <a:gd name="adj1" fmla="val 362541"/>
             </a:avLst>
           </a:prstGeom>
           <a:ln>
@@ -10994,55 +11339,12 @@
           </a:fontRef>
         </p:style>
       </p:cxnSp>
-      <p:cxnSp>
-        <p:nvCxnSpPr>
-          <p:cNvPr id="18" name="曲线连接符 17">
-            <a:extLst>
-              <a:ext uri="{FF2B5EF4-FFF2-40B4-BE49-F238E27FC236}">
-                <a16:creationId xmlns:a16="http://schemas.microsoft.com/office/drawing/2014/main" id="{845FA544-D897-0A40-8E46-1787170CC860}"/>
-              </a:ext>
-            </a:extLst>
-          </p:cNvPr>
-          <p:cNvCxnSpPr>
-            <a:cxnSpLocks/>
-            <a:stCxn id="22" idx="2"/>
-            <a:endCxn id="19" idx="3"/>
-          </p:cNvCxnSpPr>
-          <p:nvPr/>
-        </p:nvCxnSpPr>
-        <p:spPr>
-          <a:xfrm rot="5400000">
-            <a:off x="7926322" y="3362498"/>
-            <a:ext cx="737246" cy="3112524"/>
-          </a:xfrm>
-          <a:prstGeom prst="curvedConnector2">
-            <a:avLst/>
-          </a:prstGeom>
-          <a:ln>
-            <a:tailEnd type="triangle"/>
-          </a:ln>
-        </p:spPr>
-        <p:style>
-          <a:lnRef idx="1">
-            <a:schemeClr val="accent1"/>
-          </a:lnRef>
-          <a:fillRef idx="0">
-            <a:schemeClr val="accent1"/>
-          </a:fillRef>
-          <a:effectRef idx="0">
-            <a:schemeClr val="accent1"/>
-          </a:effectRef>
-          <a:fontRef idx="minor">
-            <a:schemeClr val="tx1"/>
-          </a:fontRef>
-        </p:style>
-      </p:cxnSp>
-      <p:sp>
-        <p:nvSpPr>
-          <p:cNvPr id="19" name="圆角矩形 18">
-            <a:extLst>
-              <a:ext uri="{FF2B5EF4-FFF2-40B4-BE49-F238E27FC236}">
-                <a16:creationId xmlns:a16="http://schemas.microsoft.com/office/drawing/2014/main" id="{EB3E498F-8287-FB4C-AB12-7D4EE21E31DA}"/>
+      <p:sp>
+        <p:nvSpPr>
+          <p:cNvPr id="25" name="矩形 24">
+            <a:extLst>
+              <a:ext uri="{FF2B5EF4-FFF2-40B4-BE49-F238E27FC236}">
+                <a16:creationId xmlns:a16="http://schemas.microsoft.com/office/drawing/2014/main" id="{24367BA8-9276-4142-A0D1-35F88E7FC9E6}"/>
               </a:ext>
             </a:extLst>
           </p:cNvPr>
@@ -11051,201 +11353,122 @@
         </p:nvSpPr>
         <p:spPr>
           <a:xfrm>
-            <a:off x="5197419" y="4970032"/>
-            <a:ext cx="1541264" cy="634701"/>
-          </a:xfrm>
-          <a:prstGeom prst="roundRect">
-            <a:avLst/>
-          </a:prstGeom>
-        </p:spPr>
-        <p:style>
-          <a:lnRef idx="2">
-            <a:schemeClr val="accent1">
-              <a:shade val="50000"/>
-            </a:schemeClr>
-          </a:lnRef>
-          <a:fillRef idx="1">
-            <a:schemeClr val="accent1"/>
-          </a:fillRef>
-          <a:effectRef idx="0">
-            <a:schemeClr val="accent1"/>
-          </a:effectRef>
-          <a:fontRef idx="minor">
-            <a:schemeClr val="lt1"/>
-          </a:fontRef>
-        </p:style>
-        <p:txBody>
-          <a:bodyPr rtlCol="0" anchor="ctr"/>
-          <a:lstStyle/>
-          <a:p>
-            <a:pPr algn="ctr"/>
-            <a:r>
-              <a:rPr kumimoji="1" lang="en-US" altLang="zh-CN" dirty="0"/>
-              <a:t>4</a:t>
-            </a:r>
-            <a:r>
-              <a:rPr kumimoji="1" lang="zh-CN" altLang="en-US" dirty="0"/>
-              <a:t> 右护法</a:t>
-            </a:r>
-            <a:endParaRPr kumimoji="1" lang="en-US" altLang="zh-CN" dirty="0"/>
-          </a:p>
-          <a:p>
-            <a:pPr algn="ctr"/>
-            <a:r>
-              <a:rPr kumimoji="1" lang="en-US" altLang="zh-CN" dirty="0"/>
-              <a:t>1000w</a:t>
-            </a:r>
-          </a:p>
-        </p:txBody>
-      </p:sp>
-      <p:cxnSp>
-        <p:nvCxnSpPr>
-          <p:cNvPr id="20" name="曲线连接符 19">
-            <a:extLst>
-              <a:ext uri="{FF2B5EF4-FFF2-40B4-BE49-F238E27FC236}">
-                <a16:creationId xmlns:a16="http://schemas.microsoft.com/office/drawing/2014/main" id="{0E37B1EB-9CAA-CF4B-8721-0E6411F6D5C8}"/>
-              </a:ext>
-            </a:extLst>
-          </p:cNvPr>
-          <p:cNvCxnSpPr>
-            <a:cxnSpLocks/>
-            <a:stCxn id="19" idx="1"/>
-            <a:endCxn id="16" idx="1"/>
-          </p:cNvCxnSpPr>
-          <p:nvPr/>
-        </p:nvCxnSpPr>
-        <p:spPr>
-          <a:xfrm rot="10800000">
-            <a:off x="5197419" y="2543489"/>
-            <a:ext cx="12700" cy="2743894"/>
-          </a:xfrm>
-          <a:prstGeom prst="curvedConnector3">
-            <a:avLst>
-              <a:gd name="adj1" fmla="val 6888000"/>
-            </a:avLst>
-          </a:prstGeom>
-          <a:ln>
-            <a:tailEnd type="triangle"/>
-          </a:ln>
-        </p:spPr>
-        <p:style>
-          <a:lnRef idx="1">
-            <a:schemeClr val="accent1"/>
-          </a:lnRef>
-          <a:fillRef idx="0">
-            <a:schemeClr val="accent1"/>
-          </a:fillRef>
-          <a:effectRef idx="0">
-            <a:schemeClr val="accent1"/>
-          </a:effectRef>
-          <a:fontRef idx="minor">
-            <a:schemeClr val="tx1"/>
-          </a:fontRef>
-        </p:style>
-      </p:cxnSp>
-      <p:cxnSp>
-        <p:nvCxnSpPr>
-          <p:cNvPr id="21" name="曲线连接符 20">
-            <a:extLst>
-              <a:ext uri="{FF2B5EF4-FFF2-40B4-BE49-F238E27FC236}">
-                <a16:creationId xmlns:a16="http://schemas.microsoft.com/office/drawing/2014/main" id="{22DC9FD4-03B5-AD40-B577-038E2B5FC4CC}"/>
-              </a:ext>
-            </a:extLst>
-          </p:cNvPr>
-          <p:cNvCxnSpPr>
-            <a:cxnSpLocks/>
-            <a:stCxn id="16" idx="3"/>
-            <a:endCxn id="19" idx="3"/>
-          </p:cNvCxnSpPr>
-          <p:nvPr/>
-        </p:nvCxnSpPr>
-        <p:spPr>
-          <a:xfrm>
-            <a:off x="6564538" y="2543489"/>
-            <a:ext cx="174145" cy="2743894"/>
-          </a:xfrm>
-          <a:prstGeom prst="curvedConnector3">
-            <a:avLst>
-              <a:gd name="adj1" fmla="val 623329"/>
-            </a:avLst>
-          </a:prstGeom>
-          <a:ln>
-            <a:tailEnd type="triangle"/>
-          </a:ln>
-        </p:spPr>
-        <p:style>
-          <a:lnRef idx="1">
-            <a:schemeClr val="accent1"/>
-          </a:lnRef>
-          <a:fillRef idx="0">
-            <a:schemeClr val="accent1"/>
-          </a:fillRef>
-          <a:effectRef idx="0">
-            <a:schemeClr val="accent1"/>
-          </a:effectRef>
-          <a:fontRef idx="minor">
-            <a:schemeClr val="tx1"/>
-          </a:fontRef>
-        </p:style>
-      </p:cxnSp>
-      <p:sp>
-        <p:nvSpPr>
-          <p:cNvPr id="22" name="圆角矩形 21">
-            <a:extLst>
-              <a:ext uri="{FF2B5EF4-FFF2-40B4-BE49-F238E27FC236}">
-                <a16:creationId xmlns:a16="http://schemas.microsoft.com/office/drawing/2014/main" id="{33D9D70B-B959-A24A-9260-C6522F815FFF}"/>
-              </a:ext>
-            </a:extLst>
-          </p:cNvPr>
-          <p:cNvSpPr/>
-          <p:nvPr/>
-        </p:nvSpPr>
-        <p:spPr>
-          <a:xfrm>
-            <a:off x="9034747" y="3915436"/>
-            <a:ext cx="1632920" cy="634701"/>
-          </a:xfrm>
-          <a:prstGeom prst="roundRect">
-            <a:avLst/>
-          </a:prstGeom>
-        </p:spPr>
-        <p:style>
-          <a:lnRef idx="2">
-            <a:schemeClr val="accent1">
-              <a:shade val="50000"/>
-            </a:schemeClr>
-          </a:lnRef>
-          <a:fillRef idx="1">
-            <a:schemeClr val="accent1"/>
-          </a:fillRef>
-          <a:effectRef idx="0">
-            <a:schemeClr val="accent1"/>
-          </a:effectRef>
-          <a:fontRef idx="minor">
-            <a:schemeClr val="lt1"/>
-          </a:fontRef>
-        </p:style>
-        <p:txBody>
-          <a:bodyPr rtlCol="0" anchor="ctr"/>
-          <a:lstStyle/>
-          <a:p>
-            <a:pPr algn="ctr"/>
-            <a:r>
-              <a:rPr kumimoji="1" lang="en-US" altLang="zh-CN" dirty="0"/>
-              <a:t>2</a:t>
+            <a:off x="1835624" y="1287663"/>
+            <a:ext cx="2701689" cy="938719"/>
+          </a:xfrm>
+          <a:prstGeom prst="rect">
+            <a:avLst/>
+          </a:prstGeom>
+        </p:spPr>
+        <p:txBody>
+          <a:bodyPr wrap="square">
+            <a:spAutoFit/>
+          </a:bodyPr>
+          <a:lstStyle/>
+          <a:p>
+            <a:r>
+              <a:rPr lang="zh-CN" altLang="en-US" sz="1100" dirty="0"/>
+              <a:t>Map(</a:t>
+            </a:r>
+            <a:endParaRPr lang="en-US" altLang="zh-CN" sz="1100" dirty="0"/>
+          </a:p>
+          <a:p>
+            <a:r>
+              <a:rPr lang="zh-CN" altLang="en-US" sz="1100" dirty="0"/>
+              <a:t>3 -&gt; investmentInfo(狮驼岭左护法有限公司,</a:t>
+            </a:r>
+            <a:r>
+              <a:rPr lang="en-US" altLang="zh-CN" sz="1100" dirty="0"/>
+              <a:t>0.125000</a:t>
+            </a:r>
+            <a:r>
+              <a:rPr lang="zh-CN" altLang="en-US" sz="1100" dirty="0"/>
+              <a:t>,1000.0,4,1,false), </a:t>
+            </a:r>
+            <a:endParaRPr lang="en-US" altLang="zh-CN" sz="1100" dirty="0"/>
+          </a:p>
+          <a:p>
+            <a:r>
+              <a:rPr lang="zh-CN" altLang="en-US" sz="1100" dirty="0"/>
+              <a:t>4 -&gt; investmentInfo(狮驼岭右护法有限公司,0.</a:t>
+            </a:r>
+            <a:r>
+              <a:rPr lang="en-US" altLang="zh-CN" sz="1100" dirty="0"/>
+              <a:t>1</a:t>
+            </a:r>
+            <a:r>
+              <a:rPr lang="zh-CN" altLang="en-US" sz="1100" dirty="0"/>
+              <a:t>25000,1000.0,4,2,false))</a:t>
+            </a:r>
+          </a:p>
+        </p:txBody>
+      </p:sp>
+      <p:sp>
+        <p:nvSpPr>
+          <p:cNvPr id="27" name="文本框 26">
+            <a:extLst>
+              <a:ext uri="{FF2B5EF4-FFF2-40B4-BE49-F238E27FC236}">
+                <a16:creationId xmlns:a16="http://schemas.microsoft.com/office/drawing/2014/main" id="{AE1421ED-3CD7-4C9E-80C1-1B551C3571F6}"/>
+              </a:ext>
+            </a:extLst>
+          </p:cNvPr>
+          <p:cNvSpPr txBox="1"/>
+          <p:nvPr/>
+        </p:nvSpPr>
+        <p:spPr>
+          <a:xfrm>
+            <a:off x="4220805" y="2902979"/>
+            <a:ext cx="3431674" cy="1200329"/>
+          </a:xfrm>
+          <a:prstGeom prst="rect">
+            <a:avLst/>
+          </a:prstGeom>
+          <a:noFill/>
+        </p:spPr>
+        <p:txBody>
+          <a:bodyPr wrap="square" rtlCol="0">
+            <a:spAutoFit/>
+          </a:bodyPr>
+          <a:lstStyle/>
+          <a:p>
+            <a:r>
+              <a:rPr lang="en-US" altLang="zh-CN" dirty="0"/>
+              <a:t>Reduce</a:t>
             </a:r>
             <a:r>
               <a:rPr lang="zh-CN" altLang="en-US" dirty="0"/>
-              <a:t>大鹏金翅雕</a:t>
-            </a:r>
-            <a:endParaRPr kumimoji="1" lang="zh-CN" altLang="en-US" dirty="0"/>
+              <a:t>阶段，发送到</a:t>
+            </a:r>
+            <a:r>
+              <a:rPr lang="zh-CN" altLang="en-US" dirty="0">
+                <a:solidFill>
+                  <a:srgbClr val="0070C0"/>
+                </a:solidFill>
+                <a:highlight>
+                  <a:srgbClr val="C0C0C0"/>
+                </a:highlight>
+              </a:rPr>
+              <a:t>左护法</a:t>
+            </a:r>
+            <a:r>
+              <a:rPr lang="zh-CN" altLang="en-US" dirty="0"/>
+              <a:t>同</a:t>
+            </a:r>
+            <a:r>
+              <a:rPr lang="en-US" altLang="zh-CN" dirty="0"/>
+              <a:t>key</a:t>
+            </a:r>
+            <a:r>
+              <a:rPr lang="zh-CN" altLang="en-US" dirty="0"/>
+              <a:t>的值相加。实际上这里并无其他发送的消息，就直接原样放过来。</a:t>
+            </a:r>
           </a:p>
         </p:txBody>
       </p:sp>
     </p:spTree>
     <p:extLst>
       <p:ext uri="{BB962C8B-B14F-4D97-AF65-F5344CB8AC3E}">
-        <p14:creationId xmlns:p14="http://schemas.microsoft.com/office/powerpoint/2010/main" val="3108990311"/>
+        <p14:creationId xmlns:p14="http://schemas.microsoft.com/office/powerpoint/2010/main" val="3996466848"/>
       </p:ext>
     </p:extLst>
   </p:cSld>
@@ -12378,7 +12601,7 @@
         <p:spPr>
           <a:xfrm>
             <a:off x="645458" y="537882"/>
-            <a:ext cx="4589718" cy="707886"/>
+            <a:ext cx="8210902" cy="707886"/>
           </a:xfrm>
           <a:prstGeom prst="rect">
             <a:avLst/>
@@ -12401,7 +12624,7 @@
             </a:r>
             <a:r>
               <a:rPr kumimoji="1" lang="en-US" altLang="zh-CN" sz="4000" dirty="0"/>
-              <a:t>-</a:t>
+              <a:t>–</a:t>
             </a:r>
             <a:r>
               <a:rPr kumimoji="1" lang="zh-CN" altLang="en-US" sz="4000" dirty="0"/>
@@ -12409,7 +12632,15 @@
             </a:r>
             <a:r>
               <a:rPr kumimoji="1" lang="en-US" altLang="zh-CN" sz="4000" dirty="0"/>
-              <a:t>5</a:t>
+              <a:t>2.4 </a:t>
+            </a:r>
+            <a:r>
+              <a:rPr kumimoji="1" lang="zh-CN" altLang="en-US" sz="4000" dirty="0"/>
+              <a:t>环内边</a:t>
+            </a:r>
+            <a:r>
+              <a:rPr kumimoji="1" lang="en-US" altLang="zh-CN" sz="4000" dirty="0" err="1"/>
+              <a:t>leftJoin</a:t>
             </a:r>
             <a:endParaRPr kumimoji="1" lang="zh-CN" altLang="en-US" sz="4000" dirty="0"/>
           </a:p>
@@ -12417,10 +12648,10 @@
       </p:sp>
       <p:sp>
         <p:nvSpPr>
-          <p:cNvPr id="15" name="圆角矩形 14">
-            <a:extLst>
-              <a:ext uri="{FF2B5EF4-FFF2-40B4-BE49-F238E27FC236}">
-                <a16:creationId xmlns:a16="http://schemas.microsoft.com/office/drawing/2014/main" id="{E4D98F5D-2DEF-0C4A-AD4B-85C446276FFA}"/>
+          <p:cNvPr id="11" name="圆角矩形 15">
+            <a:extLst>
+              <a:ext uri="{FF2B5EF4-FFF2-40B4-BE49-F238E27FC236}">
+                <a16:creationId xmlns:a16="http://schemas.microsoft.com/office/drawing/2014/main" id="{5AC1F854-19D5-4830-8125-48310AF63598}"/>
               </a:ext>
             </a:extLst>
           </p:cNvPr>
@@ -12429,8 +12660,8 @@
         </p:nvSpPr>
         <p:spPr>
           <a:xfrm>
-            <a:off x="1376323" y="1908786"/>
-            <a:ext cx="1632920" cy="634701"/>
+            <a:off x="914131" y="2627525"/>
+            <a:ext cx="1367119" cy="634701"/>
           </a:xfrm>
           <a:prstGeom prst="roundRect">
             <a:avLst/>
@@ -12459,11 +12690,19 @@
             <a:pPr algn="ctr"/>
             <a:r>
               <a:rPr kumimoji="1" lang="en-US" altLang="zh-CN" dirty="0"/>
-              <a:t>1</a:t>
-            </a:r>
-            <a:r>
-              <a:rPr lang="zh-CN" altLang="en-US" dirty="0"/>
-              <a:t>青毛狮子怪</a:t>
+              <a:t>3</a:t>
+            </a:r>
+            <a:r>
+              <a:rPr kumimoji="1" lang="zh-CN" altLang="en-US" dirty="0"/>
+              <a:t> 左护法</a:t>
+            </a:r>
+            <a:endParaRPr kumimoji="1" lang="en-US" altLang="zh-CN" dirty="0"/>
+          </a:p>
+          <a:p>
+            <a:pPr algn="ctr"/>
+            <a:r>
+              <a:rPr kumimoji="1" lang="en-US" altLang="zh-CN" dirty="0"/>
+              <a:t>1000w</a:t>
             </a:r>
             <a:endParaRPr kumimoji="1" lang="zh-CN" altLang="en-US" dirty="0"/>
           </a:p>
@@ -12471,10 +12710,10 @@
       </p:sp>
       <p:sp>
         <p:nvSpPr>
-          <p:cNvPr id="16" name="圆角矩形 15">
-            <a:extLst>
-              <a:ext uri="{FF2B5EF4-FFF2-40B4-BE49-F238E27FC236}">
-                <a16:creationId xmlns:a16="http://schemas.microsoft.com/office/drawing/2014/main" id="{4FA77C39-9E73-5A46-92DC-D97DE46CCC49}"/>
+          <p:cNvPr id="12" name="圆角矩形 18">
+            <a:extLst>
+              <a:ext uri="{FF2B5EF4-FFF2-40B4-BE49-F238E27FC236}">
+                <a16:creationId xmlns:a16="http://schemas.microsoft.com/office/drawing/2014/main" id="{17AACAD4-1401-4D06-A678-3E2F663AF910}"/>
               </a:ext>
             </a:extLst>
           </p:cNvPr>
@@ -12483,8 +12722,8 @@
         </p:nvSpPr>
         <p:spPr>
           <a:xfrm>
-            <a:off x="5197419" y="2226138"/>
-            <a:ext cx="1367119" cy="634701"/>
+            <a:off x="827058" y="4473421"/>
+            <a:ext cx="1541264" cy="634701"/>
           </a:xfrm>
           <a:prstGeom prst="roundRect">
             <a:avLst/>
@@ -12513,11 +12752,11 @@
             <a:pPr algn="ctr"/>
             <a:r>
               <a:rPr kumimoji="1" lang="en-US" altLang="zh-CN" dirty="0"/>
-              <a:t>3</a:t>
+              <a:t>4</a:t>
             </a:r>
             <a:r>
               <a:rPr kumimoji="1" lang="zh-CN" altLang="en-US" dirty="0"/>
-              <a:t> 左护法</a:t>
+              <a:t> 右护法</a:t>
             </a:r>
             <a:endParaRPr kumimoji="1" lang="en-US" altLang="zh-CN" dirty="0"/>
           </a:p>
@@ -12527,34 +12766,33 @@
               <a:rPr kumimoji="1" lang="en-US" altLang="zh-CN" dirty="0"/>
               <a:t>1000w</a:t>
             </a:r>
-            <a:endParaRPr kumimoji="1" lang="zh-CN" altLang="en-US" dirty="0"/>
           </a:p>
         </p:txBody>
       </p:sp>
       <p:cxnSp>
         <p:nvCxnSpPr>
-          <p:cNvPr id="17" name="曲线连接符 16">
-            <a:extLst>
-              <a:ext uri="{FF2B5EF4-FFF2-40B4-BE49-F238E27FC236}">
-                <a16:creationId xmlns:a16="http://schemas.microsoft.com/office/drawing/2014/main" id="{500C2F06-493D-F749-91E9-CA9D8E9C2290}"/>
+          <p:cNvPr id="13" name="曲线连接符 20">
+            <a:extLst>
+              <a:ext uri="{FF2B5EF4-FFF2-40B4-BE49-F238E27FC236}">
+                <a16:creationId xmlns:a16="http://schemas.microsoft.com/office/drawing/2014/main" id="{9E73241D-B964-40F6-B046-08E2D060AADE}"/>
               </a:ext>
             </a:extLst>
           </p:cNvPr>
           <p:cNvCxnSpPr>
             <a:cxnSpLocks/>
-            <a:stCxn id="15" idx="3"/>
-            <a:endCxn id="16" idx="1"/>
+            <a:stCxn id="11" idx="3"/>
+            <a:endCxn id="12" idx="3"/>
           </p:cNvCxnSpPr>
           <p:nvPr/>
         </p:nvCxnSpPr>
         <p:spPr>
           <a:xfrm>
-            <a:off x="3009243" y="2226137"/>
-            <a:ext cx="2188176" cy="317352"/>
+            <a:off x="2281250" y="2944876"/>
+            <a:ext cx="87072" cy="1845896"/>
           </a:xfrm>
           <a:prstGeom prst="curvedConnector3">
             <a:avLst>
-              <a:gd name="adj1" fmla="val 50000"/>
+              <a:gd name="adj1" fmla="val 362541"/>
             </a:avLst>
           </a:prstGeom>
           <a:ln>
@@ -12576,55 +12814,12 @@
           </a:fontRef>
         </p:style>
       </p:cxnSp>
-      <p:cxnSp>
-        <p:nvCxnSpPr>
-          <p:cNvPr id="18" name="曲线连接符 17">
-            <a:extLst>
-              <a:ext uri="{FF2B5EF4-FFF2-40B4-BE49-F238E27FC236}">
-                <a16:creationId xmlns:a16="http://schemas.microsoft.com/office/drawing/2014/main" id="{FB97E9F2-CE24-AE41-94AF-8585C1301763}"/>
-              </a:ext>
-            </a:extLst>
-          </p:cNvPr>
-          <p:cNvCxnSpPr>
-            <a:cxnSpLocks/>
-            <a:stCxn id="22" idx="2"/>
-            <a:endCxn id="19" idx="3"/>
-          </p:cNvCxnSpPr>
-          <p:nvPr/>
-        </p:nvCxnSpPr>
-        <p:spPr>
-          <a:xfrm rot="5400000">
-            <a:off x="7926322" y="3362498"/>
-            <a:ext cx="737246" cy="3112524"/>
-          </a:xfrm>
-          <a:prstGeom prst="curvedConnector2">
-            <a:avLst/>
-          </a:prstGeom>
-          <a:ln>
-            <a:tailEnd type="triangle"/>
-          </a:ln>
-        </p:spPr>
-        <p:style>
-          <a:lnRef idx="1">
-            <a:schemeClr val="accent1"/>
-          </a:lnRef>
-          <a:fillRef idx="0">
-            <a:schemeClr val="accent1"/>
-          </a:fillRef>
-          <a:effectRef idx="0">
-            <a:schemeClr val="accent1"/>
-          </a:effectRef>
-          <a:fontRef idx="minor">
-            <a:schemeClr val="tx1"/>
-          </a:fontRef>
-        </p:style>
-      </p:cxnSp>
-      <p:sp>
-        <p:nvSpPr>
-          <p:cNvPr id="19" name="圆角矩形 18">
-            <a:extLst>
-              <a:ext uri="{FF2B5EF4-FFF2-40B4-BE49-F238E27FC236}">
-                <a16:creationId xmlns:a16="http://schemas.microsoft.com/office/drawing/2014/main" id="{EBBFD528-8E30-694B-A23C-2BBD39DD82A7}"/>
+      <p:sp>
+        <p:nvSpPr>
+          <p:cNvPr id="14" name="矩形 13">
+            <a:extLst>
+              <a:ext uri="{FF2B5EF4-FFF2-40B4-BE49-F238E27FC236}">
+                <a16:creationId xmlns:a16="http://schemas.microsoft.com/office/drawing/2014/main" id="{693097ED-A826-49CD-AC5C-68D64138DF90}"/>
               </a:ext>
             </a:extLst>
           </p:cNvPr>
@@ -12633,149 +12828,138 @@
         </p:nvSpPr>
         <p:spPr>
           <a:xfrm>
-            <a:off x="5197419" y="4970032"/>
-            <a:ext cx="1541264" cy="634701"/>
-          </a:xfrm>
-          <a:prstGeom prst="roundRect">
-            <a:avLst/>
-          </a:prstGeom>
-        </p:spPr>
-        <p:style>
-          <a:lnRef idx="2">
-            <a:schemeClr val="accent1">
-              <a:shade val="50000"/>
-            </a:schemeClr>
-          </a:lnRef>
-          <a:fillRef idx="1">
-            <a:schemeClr val="accent1"/>
-          </a:fillRef>
-          <a:effectRef idx="0">
-            <a:schemeClr val="accent1"/>
-          </a:effectRef>
-          <a:fontRef idx="minor">
-            <a:schemeClr val="lt1"/>
-          </a:fontRef>
-        </p:style>
-        <p:txBody>
-          <a:bodyPr rtlCol="0" anchor="ctr"/>
-          <a:lstStyle/>
-          <a:p>
-            <a:pPr algn="ctr"/>
-            <a:r>
-              <a:rPr kumimoji="1" lang="en-US" altLang="zh-CN" dirty="0"/>
-              <a:t>4</a:t>
-            </a:r>
-            <a:r>
-              <a:rPr kumimoji="1" lang="zh-CN" altLang="en-US" dirty="0"/>
-              <a:t> 右护法</a:t>
-            </a:r>
-            <a:endParaRPr kumimoji="1" lang="en-US" altLang="zh-CN" dirty="0"/>
-          </a:p>
-          <a:p>
-            <a:pPr algn="ctr"/>
-            <a:r>
-              <a:rPr kumimoji="1" lang="en-US" altLang="zh-CN" dirty="0"/>
-              <a:t>1000w</a:t>
-            </a:r>
-          </a:p>
-        </p:txBody>
-      </p:sp>
-      <p:cxnSp>
-        <p:nvCxnSpPr>
-          <p:cNvPr id="20" name="曲线连接符 19">
-            <a:extLst>
-              <a:ext uri="{FF2B5EF4-FFF2-40B4-BE49-F238E27FC236}">
-                <a16:creationId xmlns:a16="http://schemas.microsoft.com/office/drawing/2014/main" id="{489483FD-54DD-7645-A673-23A4E1411D24}"/>
-              </a:ext>
-            </a:extLst>
-          </p:cNvPr>
-          <p:cNvCxnSpPr>
-            <a:cxnSpLocks/>
-            <a:stCxn id="19" idx="1"/>
-            <a:endCxn id="16" idx="1"/>
-          </p:cNvCxnSpPr>
-          <p:nvPr/>
-        </p:nvCxnSpPr>
-        <p:spPr>
-          <a:xfrm rot="10800000">
-            <a:off x="5197419" y="2543489"/>
-            <a:ext cx="12700" cy="2743894"/>
-          </a:xfrm>
-          <a:prstGeom prst="curvedConnector3">
-            <a:avLst>
-              <a:gd name="adj1" fmla="val 6888000"/>
-            </a:avLst>
-          </a:prstGeom>
-          <a:ln>
-            <a:tailEnd type="triangle"/>
-          </a:ln>
-        </p:spPr>
-        <p:style>
-          <a:lnRef idx="1">
-            <a:schemeClr val="accent1"/>
-          </a:lnRef>
-          <a:fillRef idx="0">
-            <a:schemeClr val="accent1"/>
-          </a:fillRef>
-          <a:effectRef idx="0">
-            <a:schemeClr val="accent1"/>
-          </a:effectRef>
-          <a:fontRef idx="minor">
-            <a:schemeClr val="tx1"/>
-          </a:fontRef>
-        </p:style>
-      </p:cxnSp>
-      <p:cxnSp>
-        <p:nvCxnSpPr>
-          <p:cNvPr id="21" name="曲线连接符 20">
-            <a:extLst>
-              <a:ext uri="{FF2B5EF4-FFF2-40B4-BE49-F238E27FC236}">
-                <a16:creationId xmlns:a16="http://schemas.microsoft.com/office/drawing/2014/main" id="{B69E5161-38B9-0B42-B5F5-72436156FFC5}"/>
-              </a:ext>
-            </a:extLst>
-          </p:cNvPr>
-          <p:cNvCxnSpPr>
-            <a:cxnSpLocks/>
-            <a:stCxn id="16" idx="3"/>
-            <a:endCxn id="19" idx="3"/>
-          </p:cNvCxnSpPr>
-          <p:nvPr/>
-        </p:nvCxnSpPr>
-        <p:spPr>
-          <a:xfrm>
-            <a:off x="6564538" y="2543489"/>
-            <a:ext cx="174145" cy="2743894"/>
-          </a:xfrm>
-          <a:prstGeom prst="curvedConnector3">
-            <a:avLst>
-              <a:gd name="adj1" fmla="val 623329"/>
-            </a:avLst>
-          </a:prstGeom>
-          <a:ln>
-            <a:tailEnd type="triangle"/>
-          </a:ln>
-        </p:spPr>
-        <p:style>
-          <a:lnRef idx="1">
-            <a:schemeClr val="accent1"/>
-          </a:lnRef>
-          <a:fillRef idx="0">
-            <a:schemeClr val="accent1"/>
-          </a:fillRef>
-          <a:effectRef idx="0">
-            <a:schemeClr val="accent1"/>
-          </a:effectRef>
-          <a:fontRef idx="minor">
-            <a:schemeClr val="tx1"/>
-          </a:fontRef>
-        </p:style>
-      </p:cxnSp>
-      <p:sp>
-        <p:nvSpPr>
-          <p:cNvPr id="22" name="圆角矩形 21">
-            <a:extLst>
-              <a:ext uri="{FF2B5EF4-FFF2-40B4-BE49-F238E27FC236}">
-                <a16:creationId xmlns:a16="http://schemas.microsoft.com/office/drawing/2014/main" id="{99A27C38-04EE-EE4F-B4F7-3BF1B8C243B9}"/>
+            <a:off x="5538351" y="1520268"/>
+            <a:ext cx="2701689" cy="1107996"/>
+          </a:xfrm>
+          <a:prstGeom prst="rect">
+            <a:avLst/>
+          </a:prstGeom>
+        </p:spPr>
+        <p:txBody>
+          <a:bodyPr wrap="square">
+            <a:spAutoFit/>
+          </a:bodyPr>
+          <a:lstStyle/>
+          <a:p>
+            <a:r>
+              <a:rPr lang="en-US" altLang="zh-CN" sz="1100" dirty="0" err="1">
+                <a:solidFill>
+                  <a:srgbClr val="0070C0"/>
+                </a:solidFill>
+              </a:rPr>
+              <a:t>newGraphInvInfo</a:t>
+            </a:r>
+            <a:endParaRPr lang="en-US" altLang="zh-CN" sz="1100" dirty="0">
+              <a:solidFill>
+                <a:srgbClr val="0070C0"/>
+              </a:solidFill>
+            </a:endParaRPr>
+          </a:p>
+          <a:p>
+            <a:r>
+              <a:rPr lang="zh-CN" altLang="en-US" sz="1100" dirty="0"/>
+              <a:t>Map(</a:t>
+            </a:r>
+            <a:endParaRPr lang="en-US" altLang="zh-CN" sz="1100" dirty="0"/>
+          </a:p>
+          <a:p>
+            <a:r>
+              <a:rPr lang="zh-CN" altLang="en-US" sz="1100" dirty="0"/>
+              <a:t>3 -&gt; investmentInfo(狮驼岭左护法有限公司,</a:t>
+            </a:r>
+            <a:r>
+              <a:rPr lang="en-US" altLang="zh-CN" sz="1100" dirty="0"/>
+              <a:t>0.125000</a:t>
+            </a:r>
+            <a:r>
+              <a:rPr lang="zh-CN" altLang="en-US" sz="1100" dirty="0"/>
+              <a:t>,1000.0,4,1,false), </a:t>
+            </a:r>
+            <a:endParaRPr lang="en-US" altLang="zh-CN" sz="1100" dirty="0"/>
+          </a:p>
+          <a:p>
+            <a:r>
+              <a:rPr lang="zh-CN" altLang="en-US" sz="1100" dirty="0"/>
+              <a:t>4 -&gt; investmentInfo(狮驼岭右护法有限公司,0.</a:t>
+            </a:r>
+            <a:r>
+              <a:rPr lang="en-US" altLang="zh-CN" sz="1100" dirty="0"/>
+              <a:t>1</a:t>
+            </a:r>
+            <a:r>
+              <a:rPr lang="zh-CN" altLang="en-US" sz="1100" dirty="0"/>
+              <a:t>25000,1000.0,4,2,false))</a:t>
+            </a:r>
+          </a:p>
+        </p:txBody>
+      </p:sp>
+      <p:sp>
+        <p:nvSpPr>
+          <p:cNvPr id="23" name="文本框 22">
+            <a:extLst>
+              <a:ext uri="{FF2B5EF4-FFF2-40B4-BE49-F238E27FC236}">
+                <a16:creationId xmlns:a16="http://schemas.microsoft.com/office/drawing/2014/main" id="{9B510546-9623-4F66-A0E7-4B1EB5F826D4}"/>
+              </a:ext>
+            </a:extLst>
+          </p:cNvPr>
+          <p:cNvSpPr txBox="1"/>
+          <p:nvPr/>
+        </p:nvSpPr>
+        <p:spPr>
+          <a:xfrm>
+            <a:off x="3822514" y="4610925"/>
+            <a:ext cx="3431674" cy="923330"/>
+          </a:xfrm>
+          <a:prstGeom prst="rect">
+            <a:avLst/>
+          </a:prstGeom>
+          <a:noFill/>
+        </p:spPr>
+        <p:txBody>
+          <a:bodyPr wrap="square" rtlCol="0">
+            <a:spAutoFit/>
+          </a:bodyPr>
+          <a:lstStyle/>
+          <a:p>
+            <a:r>
+              <a:rPr lang="en-US" altLang="zh-CN" dirty="0" err="1"/>
+              <a:t>leftJoin</a:t>
+            </a:r>
+            <a:r>
+              <a:rPr lang="zh-CN" altLang="en-US" dirty="0"/>
+              <a:t>阶段，问题：</a:t>
+            </a:r>
+            <a:endParaRPr lang="en-US" altLang="zh-CN" dirty="0"/>
+          </a:p>
+          <a:p>
+            <a:r>
+              <a:rPr lang="zh-CN" altLang="en-US" dirty="0"/>
+              <a:t>新图和旧图是应该怎么做</a:t>
+            </a:r>
+            <a:r>
+              <a:rPr lang="en-US" altLang="zh-CN" dirty="0"/>
+              <a:t>Join</a:t>
+            </a:r>
+            <a:r>
+              <a:rPr lang="zh-CN" altLang="en-US" dirty="0"/>
+              <a:t>？</a:t>
+            </a:r>
+            <a:endParaRPr lang="en-US" altLang="zh-CN" dirty="0"/>
+          </a:p>
+          <a:p>
+            <a:r>
+              <a:rPr lang="zh-CN" altLang="en-US" dirty="0"/>
+              <a:t>现在我们回到另一条边上去看</a:t>
+            </a:r>
+          </a:p>
+        </p:txBody>
+      </p:sp>
+      <p:sp>
+        <p:nvSpPr>
+          <p:cNvPr id="24" name="矩形 23">
+            <a:extLst>
+              <a:ext uri="{FF2B5EF4-FFF2-40B4-BE49-F238E27FC236}">
+                <a16:creationId xmlns:a16="http://schemas.microsoft.com/office/drawing/2014/main" id="{386421B9-EB6C-45AA-80DD-3ECB11C4069B}"/>
               </a:ext>
             </a:extLst>
           </p:cNvPr>
@@ -12784,50 +12968,59 @@
         </p:nvSpPr>
         <p:spPr>
           <a:xfrm>
-            <a:off x="9034747" y="3915436"/>
-            <a:ext cx="1632920" cy="634701"/>
-          </a:xfrm>
-          <a:prstGeom prst="roundRect">
-            <a:avLst/>
-          </a:prstGeom>
-        </p:spPr>
-        <p:style>
-          <a:lnRef idx="2">
-            <a:schemeClr val="accent1">
-              <a:shade val="50000"/>
-            </a:schemeClr>
-          </a:lnRef>
-          <a:fillRef idx="1">
-            <a:schemeClr val="accent1"/>
-          </a:fillRef>
-          <a:effectRef idx="0">
-            <a:schemeClr val="accent1"/>
-          </a:effectRef>
-          <a:fontRef idx="minor">
-            <a:schemeClr val="lt1"/>
-          </a:fontRef>
-        </p:style>
-        <p:txBody>
-          <a:bodyPr rtlCol="0" anchor="ctr"/>
-          <a:lstStyle/>
-          <a:p>
-            <a:pPr algn="ctr"/>
-            <a:r>
-              <a:rPr kumimoji="1" lang="en-US" altLang="zh-CN" dirty="0"/>
-              <a:t>2</a:t>
-            </a:r>
-            <a:r>
-              <a:rPr lang="zh-CN" altLang="en-US" dirty="0"/>
-              <a:t>大鹏金翅雕</a:t>
-            </a:r>
-            <a:endParaRPr kumimoji="1" lang="zh-CN" altLang="en-US" dirty="0"/>
+            <a:off x="2159821" y="1486529"/>
+            <a:ext cx="2716484" cy="1107996"/>
+          </a:xfrm>
+          <a:prstGeom prst="rect">
+            <a:avLst/>
+          </a:prstGeom>
+        </p:spPr>
+        <p:txBody>
+          <a:bodyPr wrap="square">
+            <a:spAutoFit/>
+          </a:bodyPr>
+          <a:lstStyle/>
+          <a:p>
+            <a:r>
+              <a:rPr lang="en-US" altLang="zh-CN" sz="1100" dirty="0" err="1">
+                <a:solidFill>
+                  <a:srgbClr val="00B050"/>
+                </a:solidFill>
+              </a:rPr>
+              <a:t>oldGraphInvInfo</a:t>
+            </a:r>
+            <a:endParaRPr lang="en-US" altLang="zh-CN" sz="1100" dirty="0">
+              <a:solidFill>
+                <a:srgbClr val="00B050"/>
+              </a:solidFill>
+            </a:endParaRPr>
+          </a:p>
+          <a:p>
+            <a:r>
+              <a:rPr lang="zh-CN" altLang="en-US" sz="1100" dirty="0"/>
+              <a:t>Map(</a:t>
+            </a:r>
+            <a:endParaRPr lang="en-US" altLang="zh-CN" sz="1100" dirty="0"/>
+          </a:p>
+          <a:p>
+            <a:r>
+              <a:rPr lang="zh-CN" altLang="en-US" sz="1100" dirty="0"/>
+              <a:t>4 -&gt; investmentInfo(狮驼岭右护法有限公司,0.500000,1000.0,3,1,false),</a:t>
+            </a:r>
+            <a:endParaRPr lang="en-US" altLang="zh-CN" sz="1100" dirty="0"/>
+          </a:p>
+          <a:p>
+            <a:r>
+              <a:rPr lang="zh-CN" altLang="en-US" sz="1100" dirty="0"/>
+              <a:t>3 -&gt; investmentInfo(狮驼岭左护法有限公司,0.250000,1000.0,3,2,false))</a:t>
+            </a:r>
           </a:p>
         </p:txBody>
       </p:sp>
     </p:spTree>
     <p:extLst>
       <p:ext uri="{BB962C8B-B14F-4D97-AF65-F5344CB8AC3E}">
-        <p14:creationId xmlns:p14="http://schemas.microsoft.com/office/powerpoint/2010/main" val="2414469059"/>
+        <p14:creationId xmlns:p14="http://schemas.microsoft.com/office/powerpoint/2010/main" val="3108990311"/>
       </p:ext>
     </p:extLst>
   </p:cSld>
@@ -12869,6 +13062,2044 @@
         <p:spPr>
           <a:xfrm>
             <a:off x="645458" y="537882"/>
+            <a:ext cx="7648248" cy="707886"/>
+          </a:xfrm>
+          <a:prstGeom prst="rect">
+            <a:avLst/>
+          </a:prstGeom>
+          <a:noFill/>
+        </p:spPr>
+        <p:txBody>
+          <a:bodyPr wrap="none" rtlCol="0">
+            <a:spAutoFit/>
+          </a:bodyPr>
+          <a:lstStyle/>
+          <a:p>
+            <a:r>
+              <a:rPr kumimoji="1" lang="en-US" altLang="zh-CN" sz="4000" dirty="0"/>
+              <a:t>G13</a:t>
+            </a:r>
+            <a:r>
+              <a:rPr kumimoji="1" lang="zh-CN" altLang="en-US" sz="4000" dirty="0"/>
+              <a:t> 有向有环图 </a:t>
+            </a:r>
+            <a:r>
+              <a:rPr kumimoji="1" lang="en-US" altLang="zh-CN" sz="4000" dirty="0"/>
+              <a:t>–</a:t>
+            </a:r>
+            <a:r>
+              <a:rPr kumimoji="1" lang="zh-CN" altLang="en-US" sz="4000" dirty="0"/>
+              <a:t> </a:t>
+            </a:r>
+            <a:r>
+              <a:rPr kumimoji="1" lang="en-US" altLang="zh-CN" sz="4000" dirty="0"/>
+              <a:t>2.5 </a:t>
+            </a:r>
+            <a:r>
+              <a:rPr kumimoji="1" lang="zh-CN" altLang="en-US" sz="4000" dirty="0"/>
+              <a:t>无环边</a:t>
+            </a:r>
+            <a:r>
+              <a:rPr kumimoji="1" lang="en-US" altLang="zh-CN" sz="4000" dirty="0"/>
+              <a:t>Map</a:t>
+            </a:r>
+          </a:p>
+        </p:txBody>
+      </p:sp>
+      <p:sp>
+        <p:nvSpPr>
+          <p:cNvPr id="5" name="箭头: 右 4">
+            <a:extLst>
+              <a:ext uri="{FF2B5EF4-FFF2-40B4-BE49-F238E27FC236}">
+                <a16:creationId xmlns:a16="http://schemas.microsoft.com/office/drawing/2014/main" id="{47D668C2-7A08-414D-A425-C98532F856BD}"/>
+              </a:ext>
+            </a:extLst>
+          </p:cNvPr>
+          <p:cNvSpPr/>
+          <p:nvPr/>
+        </p:nvSpPr>
+        <p:spPr>
+          <a:xfrm>
+            <a:off x="3650105" y="4197246"/>
+            <a:ext cx="2548328" cy="217357"/>
+          </a:xfrm>
+          <a:prstGeom prst="rightArrow">
+            <a:avLst/>
+          </a:prstGeom>
+          <a:solidFill>
+            <a:srgbClr val="FFC000"/>
+          </a:solidFill>
+        </p:spPr>
+        <p:style>
+          <a:lnRef idx="2">
+            <a:schemeClr val="accent1">
+              <a:shade val="50000"/>
+            </a:schemeClr>
+          </a:lnRef>
+          <a:fillRef idx="1">
+            <a:schemeClr val="accent1"/>
+          </a:fillRef>
+          <a:effectRef idx="0">
+            <a:schemeClr val="accent1"/>
+          </a:effectRef>
+          <a:fontRef idx="minor">
+            <a:schemeClr val="lt1"/>
+          </a:fontRef>
+        </p:style>
+        <p:txBody>
+          <a:bodyPr rtlCol="0" anchor="ctr"/>
+          <a:lstStyle/>
+          <a:p>
+            <a:pPr algn="ctr"/>
+            <a:endParaRPr lang="zh-CN" altLang="en-US" b="1">
+              <a:ln w="22225">
+                <a:solidFill>
+                  <a:schemeClr val="accent2"/>
+                </a:solidFill>
+                <a:prstDash val="solid"/>
+              </a:ln>
+              <a:solidFill>
+                <a:schemeClr val="accent2">
+                  <a:lumMod val="40000"/>
+                  <a:lumOff val="60000"/>
+                </a:schemeClr>
+              </a:solidFill>
+            </a:endParaRPr>
+          </a:p>
+        </p:txBody>
+      </p:sp>
+      <p:sp>
+        <p:nvSpPr>
+          <p:cNvPr id="7" name="Rectangle 1">
+            <a:extLst>
+              <a:ext uri="{FF2B5EF4-FFF2-40B4-BE49-F238E27FC236}">
+                <a16:creationId xmlns:a16="http://schemas.microsoft.com/office/drawing/2014/main" id="{423F39F1-FB31-4AFB-8259-FE0558E125F7}"/>
+              </a:ext>
+            </a:extLst>
+          </p:cNvPr>
+          <p:cNvSpPr>
+            <a:spLocks noChangeArrowheads="1"/>
+          </p:cNvSpPr>
+          <p:nvPr/>
+        </p:nvSpPr>
+        <p:spPr bwMode="auto">
+          <a:xfrm>
+            <a:off x="3306404" y="4617631"/>
+            <a:ext cx="3117954" cy="230832"/>
+          </a:xfrm>
+          <a:prstGeom prst="rect">
+            <a:avLst/>
+          </a:prstGeom>
+          <a:solidFill>
+            <a:srgbClr val="2B2B2B"/>
+          </a:solidFill>
+          <a:ln>
+            <a:noFill/>
+          </a:ln>
+          <a:effectLst/>
+          <a:extLst>
+            <a:ext uri="{91240B29-F687-4F45-9708-019B960494DF}">
+              <a14:hiddenLine xmlns:a14="http://schemas.microsoft.com/office/drawing/2010/main" w="9525">
+                <a:solidFill>
+                  <a:schemeClr val="tx1"/>
+                </a:solidFill>
+                <a:miter lim="800000"/>
+                <a:headEnd/>
+                <a:tailEnd/>
+              </a14:hiddenLine>
+            </a:ext>
+            <a:ext uri="{AF507438-7753-43E0-B8FC-AC1667EBCBE1}">
+              <a14:hiddenEffects xmlns:a14="http://schemas.microsoft.com/office/drawing/2010/main">
+                <a:effectLst>
+                  <a:outerShdw dist="35921" dir="2700000" algn="ctr" rotWithShape="0">
+                    <a:schemeClr val="bg2"/>
+                  </a:outerShdw>
+                </a:effectLst>
+              </a14:hiddenEffects>
+            </a:ext>
+          </a:extLst>
+        </p:spPr>
+        <p:txBody>
+          <a:bodyPr vert="horz" wrap="square" lIns="91440" tIns="45720" rIns="91440" bIns="45720" numCol="1" anchor="ctr" anchorCtr="0" compatLnSpc="1">
+            <a:prstTxWarp prst="textNoShape">
+              <a:avLst/>
+            </a:prstTxWarp>
+            <a:spAutoFit/>
+          </a:bodyPr>
+          <a:lstStyle/>
+          <a:p>
+            <a:pPr marL="0" marR="0" lvl="0" indent="0" algn="l" defTabSz="914400" rtl="0" eaLnBrk="0" fontAlgn="base" latinLnBrk="0" hangingPunct="0">
+              <a:lnSpc>
+                <a:spcPct val="100000"/>
+              </a:lnSpc>
+              <a:spcBef>
+                <a:spcPct val="0"/>
+              </a:spcBef>
+              <a:spcAft>
+                <a:spcPct val="0"/>
+              </a:spcAft>
+              <a:buClrTx/>
+              <a:buSzTx/>
+              <a:buFontTx/>
+              <a:buNone/>
+              <a:tabLst/>
+            </a:pPr>
+            <a:r>
+              <a:rPr kumimoji="0" lang="zh-CN" altLang="zh-CN" sz="900" b="0" i="0" u="none" strike="noStrike" cap="none" normalizeH="0" baseline="0">
+                <a:ln>
+                  <a:noFill/>
+                </a:ln>
+                <a:solidFill>
+                  <a:srgbClr val="A9B7C6"/>
+                </a:solidFill>
+                <a:effectLst/>
+                <a:latin typeface="Arial Unicode MS"/>
+                <a:ea typeface="JetBrains Mono"/>
+              </a:rPr>
+              <a:t>(srcProportionOfInvestment * dstProportionOfInvestment)</a:t>
+            </a:r>
+            <a:endParaRPr kumimoji="0" lang="zh-CN" altLang="zh-CN" sz="1800" b="0" i="0" u="none" strike="noStrike" cap="none" normalizeH="0" baseline="0">
+              <a:ln>
+                <a:noFill/>
+              </a:ln>
+              <a:solidFill>
+                <a:schemeClr val="tx1"/>
+              </a:solidFill>
+              <a:effectLst/>
+              <a:latin typeface="Arial" panose="020B0604020202020204" pitchFamily="34" charset="0"/>
+            </a:endParaRPr>
+          </a:p>
+        </p:txBody>
+      </p:sp>
+      <p:sp>
+        <p:nvSpPr>
+          <p:cNvPr id="10" name="文本框 9">
+            <a:extLst>
+              <a:ext uri="{FF2B5EF4-FFF2-40B4-BE49-F238E27FC236}">
+                <a16:creationId xmlns:a16="http://schemas.microsoft.com/office/drawing/2014/main" id="{FF8E1BAF-14E7-4314-8F53-8530D4513DFD}"/>
+              </a:ext>
+            </a:extLst>
+          </p:cNvPr>
+          <p:cNvSpPr txBox="1"/>
+          <p:nvPr/>
+        </p:nvSpPr>
+        <p:spPr>
+          <a:xfrm>
+            <a:off x="6514300" y="2098106"/>
+            <a:ext cx="3431674" cy="923330"/>
+          </a:xfrm>
+          <a:prstGeom prst="rect">
+            <a:avLst/>
+          </a:prstGeom>
+          <a:noFill/>
+        </p:spPr>
+        <p:txBody>
+          <a:bodyPr wrap="square" rtlCol="0">
+            <a:spAutoFit/>
+          </a:bodyPr>
+          <a:lstStyle/>
+          <a:p>
+            <a:r>
+              <a:rPr lang="zh-CN" altLang="en-US" dirty="0"/>
+              <a:t>只看大鹏到右护法两点一线。</a:t>
+            </a:r>
+            <a:endParaRPr lang="en-US" altLang="zh-CN" dirty="0"/>
+          </a:p>
+          <a:p>
+            <a:r>
+              <a:rPr lang="zh-CN" altLang="en-US" dirty="0"/>
+              <a:t>现在是</a:t>
+            </a:r>
+            <a:r>
+              <a:rPr lang="en-US" altLang="zh-CN" dirty="0"/>
+              <a:t>map</a:t>
+            </a:r>
+            <a:r>
+              <a:rPr lang="zh-CN" altLang="en-US" dirty="0"/>
+              <a:t>阶段，大鹏唯一当上游的情况是下游是右护法。</a:t>
+            </a:r>
+          </a:p>
+        </p:txBody>
+      </p:sp>
+      <p:cxnSp>
+        <p:nvCxnSpPr>
+          <p:cNvPr id="12" name="直接箭头连接符 11">
+            <a:extLst>
+              <a:ext uri="{FF2B5EF4-FFF2-40B4-BE49-F238E27FC236}">
+                <a16:creationId xmlns:a16="http://schemas.microsoft.com/office/drawing/2014/main" id="{C85AC7E8-689C-4586-9D9B-699096BBA1B2}"/>
+              </a:ext>
+            </a:extLst>
+          </p:cNvPr>
+          <p:cNvCxnSpPr/>
+          <p:nvPr/>
+        </p:nvCxnSpPr>
+        <p:spPr>
+          <a:xfrm flipH="1" flipV="1">
+            <a:off x="3365292" y="2480872"/>
+            <a:ext cx="2730708" cy="1221698"/>
+          </a:xfrm>
+          <a:prstGeom prst="straightConnector1">
+            <a:avLst/>
+          </a:prstGeom>
+          <a:ln w="38100">
+            <a:solidFill>
+              <a:srgbClr val="92D050"/>
+            </a:solidFill>
+            <a:tailEnd type="triangle"/>
+          </a:ln>
+        </p:spPr>
+        <p:style>
+          <a:lnRef idx="1">
+            <a:schemeClr val="accent1"/>
+          </a:lnRef>
+          <a:fillRef idx="0">
+            <a:schemeClr val="accent1"/>
+          </a:fillRef>
+          <a:effectRef idx="0">
+            <a:schemeClr val="accent1"/>
+          </a:effectRef>
+          <a:fontRef idx="minor">
+            <a:schemeClr val="tx1"/>
+          </a:fontRef>
+        </p:style>
+      </p:cxnSp>
+      <p:sp>
+        <p:nvSpPr>
+          <p:cNvPr id="13" name="文本框 12">
+            <a:extLst>
+              <a:ext uri="{FF2B5EF4-FFF2-40B4-BE49-F238E27FC236}">
+                <a16:creationId xmlns:a16="http://schemas.microsoft.com/office/drawing/2014/main" id="{599694B8-D9AF-4823-A486-4BF9D14D28D6}"/>
+              </a:ext>
+            </a:extLst>
+          </p:cNvPr>
+          <p:cNvSpPr txBox="1"/>
+          <p:nvPr/>
+        </p:nvSpPr>
+        <p:spPr>
+          <a:xfrm>
+            <a:off x="4254511" y="2866711"/>
+            <a:ext cx="1212191" cy="369332"/>
+          </a:xfrm>
+          <a:prstGeom prst="rect">
+            <a:avLst/>
+          </a:prstGeom>
+          <a:noFill/>
+        </p:spPr>
+        <p:txBody>
+          <a:bodyPr wrap="none" rtlCol="0">
+            <a:spAutoFit/>
+          </a:bodyPr>
+          <a:lstStyle/>
+          <a:p>
+            <a:r>
+              <a:rPr lang="en-US" altLang="zh-CN" dirty="0" err="1"/>
+              <a:t>sendToSrc</a:t>
+            </a:r>
+            <a:endParaRPr lang="zh-CN" altLang="en-US" dirty="0"/>
+          </a:p>
+        </p:txBody>
+      </p:sp>
+      <p:cxnSp>
+        <p:nvCxnSpPr>
+          <p:cNvPr id="24" name="曲线连接符 31">
+            <a:extLst>
+              <a:ext uri="{FF2B5EF4-FFF2-40B4-BE49-F238E27FC236}">
+                <a16:creationId xmlns:a16="http://schemas.microsoft.com/office/drawing/2014/main" id="{028A9E3D-283F-4394-8945-85A65D405B71}"/>
+              </a:ext>
+            </a:extLst>
+          </p:cNvPr>
+          <p:cNvCxnSpPr>
+            <a:cxnSpLocks/>
+            <a:stCxn id="26" idx="2"/>
+            <a:endCxn id="25" idx="0"/>
+          </p:cNvCxnSpPr>
+          <p:nvPr/>
+        </p:nvCxnSpPr>
+        <p:spPr>
+          <a:xfrm rot="5400000">
+            <a:off x="1262714" y="3626195"/>
+            <a:ext cx="1129893" cy="45828"/>
+          </a:xfrm>
+          <a:prstGeom prst="curvedConnector3">
+            <a:avLst>
+              <a:gd name="adj1" fmla="val 50000"/>
+            </a:avLst>
+          </a:prstGeom>
+          <a:ln>
+            <a:tailEnd type="triangle"/>
+          </a:ln>
+        </p:spPr>
+        <p:style>
+          <a:lnRef idx="1">
+            <a:schemeClr val="accent1"/>
+          </a:lnRef>
+          <a:fillRef idx="0">
+            <a:schemeClr val="accent1"/>
+          </a:fillRef>
+          <a:effectRef idx="0">
+            <a:schemeClr val="accent1"/>
+          </a:effectRef>
+          <a:fontRef idx="minor">
+            <a:schemeClr val="tx1"/>
+          </a:fontRef>
+        </p:style>
+      </p:cxnSp>
+      <p:sp>
+        <p:nvSpPr>
+          <p:cNvPr id="25" name="圆角矩形 33">
+            <a:extLst>
+              <a:ext uri="{FF2B5EF4-FFF2-40B4-BE49-F238E27FC236}">
+                <a16:creationId xmlns:a16="http://schemas.microsoft.com/office/drawing/2014/main" id="{8E3DCF65-8274-4C1E-9322-8EEA8E5EEF46}"/>
+              </a:ext>
+            </a:extLst>
+          </p:cNvPr>
+          <p:cNvSpPr/>
+          <p:nvPr/>
+        </p:nvSpPr>
+        <p:spPr>
+          <a:xfrm>
+            <a:off x="1034114" y="4214056"/>
+            <a:ext cx="1541264" cy="634701"/>
+          </a:xfrm>
+          <a:prstGeom prst="roundRect">
+            <a:avLst/>
+          </a:prstGeom>
+        </p:spPr>
+        <p:style>
+          <a:lnRef idx="2">
+            <a:schemeClr val="accent1">
+              <a:shade val="50000"/>
+            </a:schemeClr>
+          </a:lnRef>
+          <a:fillRef idx="1">
+            <a:schemeClr val="accent1"/>
+          </a:fillRef>
+          <a:effectRef idx="0">
+            <a:schemeClr val="accent1"/>
+          </a:effectRef>
+          <a:fontRef idx="minor">
+            <a:schemeClr val="lt1"/>
+          </a:fontRef>
+        </p:style>
+        <p:txBody>
+          <a:bodyPr rtlCol="0" anchor="ctr"/>
+          <a:lstStyle/>
+          <a:p>
+            <a:pPr algn="ctr"/>
+            <a:r>
+              <a:rPr kumimoji="1" lang="en-US" altLang="zh-CN" dirty="0"/>
+              <a:t>4</a:t>
+            </a:r>
+            <a:r>
+              <a:rPr kumimoji="1" lang="zh-CN" altLang="en-US" dirty="0"/>
+              <a:t> 右护法</a:t>
+            </a:r>
+            <a:endParaRPr kumimoji="1" lang="en-US" altLang="zh-CN" dirty="0"/>
+          </a:p>
+          <a:p>
+            <a:pPr algn="ctr"/>
+            <a:r>
+              <a:rPr kumimoji="1" lang="en-US" altLang="zh-CN" dirty="0"/>
+              <a:t>1000w</a:t>
+            </a:r>
+          </a:p>
+        </p:txBody>
+      </p:sp>
+      <p:sp>
+        <p:nvSpPr>
+          <p:cNvPr id="26" name="圆角矩形 38">
+            <a:extLst>
+              <a:ext uri="{FF2B5EF4-FFF2-40B4-BE49-F238E27FC236}">
+                <a16:creationId xmlns:a16="http://schemas.microsoft.com/office/drawing/2014/main" id="{B9D9BF6E-927E-4F30-8F8D-9BBBC13E26C7}"/>
+              </a:ext>
+            </a:extLst>
+          </p:cNvPr>
+          <p:cNvSpPr/>
+          <p:nvPr/>
+        </p:nvSpPr>
+        <p:spPr>
+          <a:xfrm>
+            <a:off x="1034114" y="2449462"/>
+            <a:ext cx="1632920" cy="634701"/>
+          </a:xfrm>
+          <a:prstGeom prst="roundRect">
+            <a:avLst/>
+          </a:prstGeom>
+        </p:spPr>
+        <p:style>
+          <a:lnRef idx="2">
+            <a:schemeClr val="accent1">
+              <a:shade val="50000"/>
+            </a:schemeClr>
+          </a:lnRef>
+          <a:fillRef idx="1">
+            <a:schemeClr val="accent1"/>
+          </a:fillRef>
+          <a:effectRef idx="0">
+            <a:schemeClr val="accent1"/>
+          </a:effectRef>
+          <a:fontRef idx="minor">
+            <a:schemeClr val="lt1"/>
+          </a:fontRef>
+        </p:style>
+        <p:txBody>
+          <a:bodyPr rtlCol="0" anchor="ctr"/>
+          <a:lstStyle/>
+          <a:p>
+            <a:pPr algn="ctr"/>
+            <a:r>
+              <a:rPr kumimoji="1" lang="en-US" altLang="zh-CN" dirty="0"/>
+              <a:t>2</a:t>
+            </a:r>
+            <a:r>
+              <a:rPr lang="zh-CN" altLang="en-US" dirty="0"/>
+              <a:t>大鹏金翅雕</a:t>
+            </a:r>
+            <a:endParaRPr kumimoji="1" lang="zh-CN" altLang="en-US" dirty="0"/>
+          </a:p>
+        </p:txBody>
+      </p:sp>
+      <p:sp>
+        <p:nvSpPr>
+          <p:cNvPr id="33" name="矩形 32">
+            <a:extLst>
+              <a:ext uri="{FF2B5EF4-FFF2-40B4-BE49-F238E27FC236}">
+                <a16:creationId xmlns:a16="http://schemas.microsoft.com/office/drawing/2014/main" id="{C88377AC-0D07-44C7-BA68-4894B95623A8}"/>
+              </a:ext>
+            </a:extLst>
+          </p:cNvPr>
+          <p:cNvSpPr/>
+          <p:nvPr/>
+        </p:nvSpPr>
+        <p:spPr>
+          <a:xfrm>
+            <a:off x="808914" y="1376811"/>
+            <a:ext cx="2874223" cy="938719"/>
+          </a:xfrm>
+          <a:prstGeom prst="rect">
+            <a:avLst/>
+          </a:prstGeom>
+        </p:spPr>
+        <p:txBody>
+          <a:bodyPr wrap="square">
+            <a:spAutoFit/>
+          </a:bodyPr>
+          <a:lstStyle/>
+          <a:p>
+            <a:r>
+              <a:rPr lang="zh-CN" altLang="en-US" sz="1100" dirty="0"/>
+              <a:t>Map(</a:t>
+            </a:r>
+            <a:endParaRPr lang="en-US" altLang="zh-CN" sz="1100" dirty="0"/>
+          </a:p>
+          <a:p>
+            <a:r>
+              <a:rPr lang="zh-CN" altLang="en-US" sz="1100" dirty="0"/>
+              <a:t>4 -&gt; investmentInfo(狮驼岭右护法有限公司,0.500000,1000.0,2,1,false), </a:t>
+            </a:r>
+            <a:endParaRPr lang="en-US" altLang="zh-CN" sz="1100" dirty="0"/>
+          </a:p>
+          <a:p>
+            <a:r>
+              <a:rPr lang="zh-CN" altLang="en-US" sz="1100" dirty="0"/>
+              <a:t>3 -&gt; investmentInfo(狮驼岭左护法有限公司,0.250000,1000.0,2,2,false))</a:t>
+            </a:r>
+          </a:p>
+        </p:txBody>
+      </p:sp>
+      <p:sp>
+        <p:nvSpPr>
+          <p:cNvPr id="36" name="矩形 35">
+            <a:extLst>
+              <a:ext uri="{FF2B5EF4-FFF2-40B4-BE49-F238E27FC236}">
+                <a16:creationId xmlns:a16="http://schemas.microsoft.com/office/drawing/2014/main" id="{20805544-DCFE-449F-A1EA-65F6846C6257}"/>
+              </a:ext>
+            </a:extLst>
+          </p:cNvPr>
+          <p:cNvSpPr/>
+          <p:nvPr/>
+        </p:nvSpPr>
+        <p:spPr>
+          <a:xfrm>
+            <a:off x="6942861" y="3794328"/>
+            <a:ext cx="2701689" cy="938719"/>
+          </a:xfrm>
+          <a:prstGeom prst="rect">
+            <a:avLst/>
+          </a:prstGeom>
+        </p:spPr>
+        <p:txBody>
+          <a:bodyPr wrap="square">
+            <a:spAutoFit/>
+          </a:bodyPr>
+          <a:lstStyle/>
+          <a:p>
+            <a:r>
+              <a:rPr lang="zh-CN" altLang="en-US" sz="1100" dirty="0"/>
+              <a:t>Map(</a:t>
+            </a:r>
+            <a:endParaRPr lang="en-US" altLang="zh-CN" sz="1100" dirty="0"/>
+          </a:p>
+          <a:p>
+            <a:r>
+              <a:rPr lang="zh-CN" altLang="en-US" sz="1100" dirty="0"/>
+              <a:t>3 -&gt; investmentInfo(狮驼岭左护法有限公司,0.</a:t>
+            </a:r>
+            <a:r>
+              <a:rPr lang="en-US" altLang="zh-CN" sz="1100" dirty="0"/>
+              <a:t>125</a:t>
+            </a:r>
+            <a:r>
+              <a:rPr lang="zh-CN" altLang="en-US" sz="1100" dirty="0"/>
+              <a:t>000,1000.0,4,1,false), </a:t>
+            </a:r>
+            <a:endParaRPr lang="en-US" altLang="zh-CN" sz="1100" dirty="0"/>
+          </a:p>
+          <a:p>
+            <a:r>
+              <a:rPr lang="zh-CN" altLang="en-US" sz="1100" dirty="0"/>
+              <a:t>4 -&gt; investmentInfo(狮驼岭右护法有限公司,0.</a:t>
+            </a:r>
+            <a:r>
+              <a:rPr lang="en-US" altLang="zh-CN" sz="1100" dirty="0"/>
+              <a:t>1</a:t>
+            </a:r>
+            <a:r>
+              <a:rPr lang="zh-CN" altLang="en-US" sz="1100" dirty="0"/>
+              <a:t>25000,1000.0,4,2,false))</a:t>
+            </a:r>
+          </a:p>
+        </p:txBody>
+      </p:sp>
+      <p:sp>
+        <p:nvSpPr>
+          <p:cNvPr id="37" name="矩形 36">
+            <a:extLst>
+              <a:ext uri="{FF2B5EF4-FFF2-40B4-BE49-F238E27FC236}">
+                <a16:creationId xmlns:a16="http://schemas.microsoft.com/office/drawing/2014/main" id="{27CA53D0-AD74-4A34-AED9-EDAF1F888C9F}"/>
+              </a:ext>
+            </a:extLst>
+          </p:cNvPr>
+          <p:cNvSpPr/>
+          <p:nvPr/>
+        </p:nvSpPr>
+        <p:spPr>
+          <a:xfrm>
+            <a:off x="629215" y="5192331"/>
+            <a:ext cx="2701689" cy="938719"/>
+          </a:xfrm>
+          <a:prstGeom prst="rect">
+            <a:avLst/>
+          </a:prstGeom>
+        </p:spPr>
+        <p:txBody>
+          <a:bodyPr wrap="square">
+            <a:spAutoFit/>
+          </a:bodyPr>
+          <a:lstStyle/>
+          <a:p>
+            <a:r>
+              <a:rPr lang="zh-CN" altLang="en-US" sz="1100" dirty="0"/>
+              <a:t>Map(</a:t>
+            </a:r>
+            <a:endParaRPr lang="en-US" altLang="zh-CN" sz="1100" dirty="0"/>
+          </a:p>
+          <a:p>
+            <a:r>
+              <a:rPr lang="zh-CN" altLang="en-US" sz="1100" dirty="0"/>
+              <a:t>3 -&gt; investmentInfo(狮驼岭左护法有限公司,0.500000,1000.0,4,1,false), </a:t>
+            </a:r>
+            <a:endParaRPr lang="en-US" altLang="zh-CN" sz="1100" dirty="0"/>
+          </a:p>
+          <a:p>
+            <a:r>
+              <a:rPr lang="zh-CN" altLang="en-US" sz="1100" dirty="0"/>
+              <a:t>4 -&gt; investmentInfo(狮驼岭右护法有限公司,0.250000,1000.0,4,2,false))</a:t>
+            </a:r>
+          </a:p>
+        </p:txBody>
+      </p:sp>
+    </p:spTree>
+    <p:extLst>
+      <p:ext uri="{BB962C8B-B14F-4D97-AF65-F5344CB8AC3E}">
+        <p14:creationId xmlns:p14="http://schemas.microsoft.com/office/powerpoint/2010/main" val="1925613961"/>
+      </p:ext>
+    </p:extLst>
+  </p:cSld>
+  <p:clrMapOvr>
+    <a:masterClrMapping/>
+  </p:clrMapOvr>
+</p:sld>
+</file>
+
+<file path=ppt/slides/slide22.xml><?xml version="1.0" encoding="utf-8"?>
+<p:sld xmlns:a="http://schemas.openxmlformats.org/drawingml/2006/main" xmlns:r="http://schemas.openxmlformats.org/officeDocument/2006/relationships" xmlns:p="http://schemas.openxmlformats.org/presentationml/2006/main">
+  <p:cSld>
+    <p:spTree>
+      <p:nvGrpSpPr>
+        <p:cNvPr id="1" name=""/>
+        <p:cNvGrpSpPr/>
+        <p:nvPr/>
+      </p:nvGrpSpPr>
+      <p:grpSpPr>
+        <a:xfrm>
+          <a:off x="0" y="0"/>
+          <a:ext cx="0" cy="0"/>
+          <a:chOff x="0" y="0"/>
+          <a:chExt cx="0" cy="0"/>
+        </a:xfrm>
+      </p:grpSpPr>
+      <p:sp>
+        <p:nvSpPr>
+          <p:cNvPr id="3" name="文本框 2">
+            <a:extLst>
+              <a:ext uri="{FF2B5EF4-FFF2-40B4-BE49-F238E27FC236}">
+                <a16:creationId xmlns:a16="http://schemas.microsoft.com/office/drawing/2014/main" id="{2A2FBB20-DC04-9149-BB4A-6772BB523FB8}"/>
+              </a:ext>
+            </a:extLst>
+          </p:cNvPr>
+          <p:cNvSpPr txBox="1"/>
+          <p:nvPr/>
+        </p:nvSpPr>
+        <p:spPr>
+          <a:xfrm>
+            <a:off x="645458" y="537882"/>
+            <a:ext cx="8284640" cy="707886"/>
+          </a:xfrm>
+          <a:prstGeom prst="rect">
+            <a:avLst/>
+          </a:prstGeom>
+          <a:noFill/>
+        </p:spPr>
+        <p:txBody>
+          <a:bodyPr wrap="none" rtlCol="0">
+            <a:spAutoFit/>
+          </a:bodyPr>
+          <a:lstStyle/>
+          <a:p>
+            <a:r>
+              <a:rPr kumimoji="1" lang="en-US" altLang="zh-CN" sz="4000" dirty="0"/>
+              <a:t>G13</a:t>
+            </a:r>
+            <a:r>
+              <a:rPr kumimoji="1" lang="zh-CN" altLang="en-US" sz="4000" dirty="0"/>
+              <a:t> 有向有环图 </a:t>
+            </a:r>
+            <a:r>
+              <a:rPr kumimoji="1" lang="en-US" altLang="zh-CN" sz="4000" dirty="0"/>
+              <a:t>–</a:t>
+            </a:r>
+            <a:r>
+              <a:rPr kumimoji="1" lang="zh-CN" altLang="en-US" sz="4000" dirty="0"/>
+              <a:t> </a:t>
+            </a:r>
+            <a:r>
+              <a:rPr kumimoji="1" lang="en-US" altLang="zh-CN" sz="4000" dirty="0"/>
+              <a:t>2.6 </a:t>
+            </a:r>
+            <a:r>
+              <a:rPr kumimoji="1" lang="zh-CN" altLang="en-US" sz="4000" dirty="0"/>
+              <a:t>无环边</a:t>
+            </a:r>
+            <a:r>
+              <a:rPr kumimoji="1" lang="en-US" altLang="zh-CN" sz="4000" dirty="0"/>
+              <a:t>Reduce</a:t>
+            </a:r>
+          </a:p>
+        </p:txBody>
+      </p:sp>
+      <p:sp>
+        <p:nvSpPr>
+          <p:cNvPr id="10" name="文本框 9">
+            <a:extLst>
+              <a:ext uri="{FF2B5EF4-FFF2-40B4-BE49-F238E27FC236}">
+                <a16:creationId xmlns:a16="http://schemas.microsoft.com/office/drawing/2014/main" id="{FF8E1BAF-14E7-4314-8F53-8530D4513DFD}"/>
+              </a:ext>
+            </a:extLst>
+          </p:cNvPr>
+          <p:cNvSpPr txBox="1"/>
+          <p:nvPr/>
+        </p:nvSpPr>
+        <p:spPr>
+          <a:xfrm>
+            <a:off x="6514300" y="2098106"/>
+            <a:ext cx="3431674" cy="923330"/>
+          </a:xfrm>
+          <a:prstGeom prst="rect">
+            <a:avLst/>
+          </a:prstGeom>
+          <a:noFill/>
+        </p:spPr>
+        <p:txBody>
+          <a:bodyPr wrap="square" rtlCol="0">
+            <a:spAutoFit/>
+          </a:bodyPr>
+          <a:lstStyle/>
+          <a:p>
+            <a:r>
+              <a:rPr lang="zh-CN" altLang="en-US" dirty="0"/>
+              <a:t>只看大鹏到右护法两点一线。</a:t>
+            </a:r>
+            <a:endParaRPr lang="en-US" altLang="zh-CN" dirty="0"/>
+          </a:p>
+          <a:p>
+            <a:r>
+              <a:rPr lang="zh-CN" altLang="en-US" dirty="0"/>
+              <a:t>现在是</a:t>
+            </a:r>
+            <a:r>
+              <a:rPr lang="en-US" altLang="zh-CN" dirty="0"/>
+              <a:t>map</a:t>
+            </a:r>
+            <a:r>
+              <a:rPr lang="zh-CN" altLang="en-US" dirty="0"/>
+              <a:t>阶段，大鹏唯一当上游的情况是下游是右护法。</a:t>
+            </a:r>
+          </a:p>
+        </p:txBody>
+      </p:sp>
+      <p:cxnSp>
+        <p:nvCxnSpPr>
+          <p:cNvPr id="24" name="曲线连接符 31">
+            <a:extLst>
+              <a:ext uri="{FF2B5EF4-FFF2-40B4-BE49-F238E27FC236}">
+                <a16:creationId xmlns:a16="http://schemas.microsoft.com/office/drawing/2014/main" id="{028A9E3D-283F-4394-8945-85A65D405B71}"/>
+              </a:ext>
+            </a:extLst>
+          </p:cNvPr>
+          <p:cNvCxnSpPr>
+            <a:cxnSpLocks/>
+            <a:stCxn id="26" idx="2"/>
+            <a:endCxn id="25" idx="3"/>
+          </p:cNvCxnSpPr>
+          <p:nvPr/>
+        </p:nvCxnSpPr>
+        <p:spPr>
+          <a:xfrm rot="5400000">
+            <a:off x="3059198" y="3638227"/>
+            <a:ext cx="484122" cy="1632920"/>
+          </a:xfrm>
+          <a:prstGeom prst="curvedConnector2">
+            <a:avLst/>
+          </a:prstGeom>
+          <a:ln>
+            <a:tailEnd type="triangle"/>
+          </a:ln>
+        </p:spPr>
+        <p:style>
+          <a:lnRef idx="1">
+            <a:schemeClr val="accent1"/>
+          </a:lnRef>
+          <a:fillRef idx="0">
+            <a:schemeClr val="accent1"/>
+          </a:fillRef>
+          <a:effectRef idx="0">
+            <a:schemeClr val="accent1"/>
+          </a:effectRef>
+          <a:fontRef idx="minor">
+            <a:schemeClr val="tx1"/>
+          </a:fontRef>
+        </p:style>
+      </p:cxnSp>
+      <p:sp>
+        <p:nvSpPr>
+          <p:cNvPr id="25" name="圆角矩形 33">
+            <a:extLst>
+              <a:ext uri="{FF2B5EF4-FFF2-40B4-BE49-F238E27FC236}">
+                <a16:creationId xmlns:a16="http://schemas.microsoft.com/office/drawing/2014/main" id="{8E3DCF65-8274-4C1E-9322-8EEA8E5EEF46}"/>
+              </a:ext>
+            </a:extLst>
+          </p:cNvPr>
+          <p:cNvSpPr/>
+          <p:nvPr/>
+        </p:nvSpPr>
+        <p:spPr>
+          <a:xfrm>
+            <a:off x="943535" y="4379397"/>
+            <a:ext cx="1541264" cy="634701"/>
+          </a:xfrm>
+          <a:prstGeom prst="roundRect">
+            <a:avLst/>
+          </a:prstGeom>
+        </p:spPr>
+        <p:style>
+          <a:lnRef idx="2">
+            <a:schemeClr val="accent1">
+              <a:shade val="50000"/>
+            </a:schemeClr>
+          </a:lnRef>
+          <a:fillRef idx="1">
+            <a:schemeClr val="accent1"/>
+          </a:fillRef>
+          <a:effectRef idx="0">
+            <a:schemeClr val="accent1"/>
+          </a:effectRef>
+          <a:fontRef idx="minor">
+            <a:schemeClr val="lt1"/>
+          </a:fontRef>
+        </p:style>
+        <p:txBody>
+          <a:bodyPr rtlCol="0" anchor="ctr"/>
+          <a:lstStyle/>
+          <a:p>
+            <a:pPr algn="ctr"/>
+            <a:r>
+              <a:rPr kumimoji="1" lang="en-US" altLang="zh-CN" dirty="0"/>
+              <a:t>4</a:t>
+            </a:r>
+            <a:r>
+              <a:rPr kumimoji="1" lang="zh-CN" altLang="en-US" dirty="0"/>
+              <a:t> 右护法</a:t>
+            </a:r>
+            <a:endParaRPr kumimoji="1" lang="en-US" altLang="zh-CN" dirty="0"/>
+          </a:p>
+          <a:p>
+            <a:pPr algn="ctr"/>
+            <a:r>
+              <a:rPr kumimoji="1" lang="en-US" altLang="zh-CN" dirty="0"/>
+              <a:t>1000w</a:t>
+            </a:r>
+          </a:p>
+        </p:txBody>
+      </p:sp>
+      <p:sp>
+        <p:nvSpPr>
+          <p:cNvPr id="26" name="圆角矩形 38">
+            <a:extLst>
+              <a:ext uri="{FF2B5EF4-FFF2-40B4-BE49-F238E27FC236}">
+                <a16:creationId xmlns:a16="http://schemas.microsoft.com/office/drawing/2014/main" id="{B9D9BF6E-927E-4F30-8F8D-9BBBC13E26C7}"/>
+              </a:ext>
+            </a:extLst>
+          </p:cNvPr>
+          <p:cNvSpPr/>
+          <p:nvPr/>
+        </p:nvSpPr>
+        <p:spPr>
+          <a:xfrm>
+            <a:off x="3301259" y="3577925"/>
+            <a:ext cx="1632920" cy="634701"/>
+          </a:xfrm>
+          <a:prstGeom prst="roundRect">
+            <a:avLst/>
+          </a:prstGeom>
+        </p:spPr>
+        <p:style>
+          <a:lnRef idx="2">
+            <a:schemeClr val="accent1">
+              <a:shade val="50000"/>
+            </a:schemeClr>
+          </a:lnRef>
+          <a:fillRef idx="1">
+            <a:schemeClr val="accent1"/>
+          </a:fillRef>
+          <a:effectRef idx="0">
+            <a:schemeClr val="accent1"/>
+          </a:effectRef>
+          <a:fontRef idx="minor">
+            <a:schemeClr val="lt1"/>
+          </a:fontRef>
+        </p:style>
+        <p:txBody>
+          <a:bodyPr rtlCol="0" anchor="ctr"/>
+          <a:lstStyle/>
+          <a:p>
+            <a:pPr algn="ctr"/>
+            <a:r>
+              <a:rPr kumimoji="1" lang="en-US" altLang="zh-CN" dirty="0"/>
+              <a:t>2</a:t>
+            </a:r>
+            <a:r>
+              <a:rPr lang="zh-CN" altLang="en-US" dirty="0"/>
+              <a:t>大鹏金翅雕</a:t>
+            </a:r>
+            <a:endParaRPr kumimoji="1" lang="zh-CN" altLang="en-US" dirty="0"/>
+          </a:p>
+        </p:txBody>
+      </p:sp>
+      <p:sp>
+        <p:nvSpPr>
+          <p:cNvPr id="36" name="矩形 35">
+            <a:extLst>
+              <a:ext uri="{FF2B5EF4-FFF2-40B4-BE49-F238E27FC236}">
+                <a16:creationId xmlns:a16="http://schemas.microsoft.com/office/drawing/2014/main" id="{20805544-DCFE-449F-A1EA-65F6846C6257}"/>
+              </a:ext>
+            </a:extLst>
+          </p:cNvPr>
+          <p:cNvSpPr/>
+          <p:nvPr/>
+        </p:nvSpPr>
+        <p:spPr>
+          <a:xfrm>
+            <a:off x="5069090" y="3515968"/>
+            <a:ext cx="2701689" cy="938719"/>
+          </a:xfrm>
+          <a:prstGeom prst="rect">
+            <a:avLst/>
+          </a:prstGeom>
+        </p:spPr>
+        <p:txBody>
+          <a:bodyPr wrap="square">
+            <a:spAutoFit/>
+          </a:bodyPr>
+          <a:lstStyle/>
+          <a:p>
+            <a:r>
+              <a:rPr lang="zh-CN" altLang="en-US" sz="1100" dirty="0"/>
+              <a:t>Map(</a:t>
+            </a:r>
+            <a:endParaRPr lang="en-US" altLang="zh-CN" sz="1100" dirty="0"/>
+          </a:p>
+          <a:p>
+            <a:r>
+              <a:rPr lang="zh-CN" altLang="en-US" sz="1100" dirty="0"/>
+              <a:t>3 -&gt; investmentInfo(狮驼岭左护法有限公司,0.</a:t>
+            </a:r>
+            <a:r>
+              <a:rPr lang="en-US" altLang="zh-CN" sz="1100" dirty="0"/>
+              <a:t>125</a:t>
+            </a:r>
+            <a:r>
+              <a:rPr lang="zh-CN" altLang="en-US" sz="1100" dirty="0"/>
+              <a:t>000,1000.0,4,1,false), </a:t>
+            </a:r>
+            <a:endParaRPr lang="en-US" altLang="zh-CN" sz="1100" dirty="0"/>
+          </a:p>
+          <a:p>
+            <a:r>
+              <a:rPr lang="zh-CN" altLang="en-US" sz="1100" dirty="0"/>
+              <a:t>4 -&gt; investmentInfo(狮驼岭右护法有限公司,0.</a:t>
+            </a:r>
+            <a:r>
+              <a:rPr lang="en-US" altLang="zh-CN" sz="1100" dirty="0"/>
+              <a:t>1</a:t>
+            </a:r>
+            <a:r>
+              <a:rPr lang="zh-CN" altLang="en-US" sz="1100" dirty="0"/>
+              <a:t>25000,1000.0,4,2,false))</a:t>
+            </a:r>
+          </a:p>
+        </p:txBody>
+      </p:sp>
+    </p:spTree>
+    <p:extLst>
+      <p:ext uri="{BB962C8B-B14F-4D97-AF65-F5344CB8AC3E}">
+        <p14:creationId xmlns:p14="http://schemas.microsoft.com/office/powerpoint/2010/main" val="2548801602"/>
+      </p:ext>
+    </p:extLst>
+  </p:cSld>
+  <p:clrMapOvr>
+    <a:masterClrMapping/>
+  </p:clrMapOvr>
+</p:sld>
+</file>
+
+<file path=ppt/slides/slide23.xml><?xml version="1.0" encoding="utf-8"?>
+<p:sld xmlns:a="http://schemas.openxmlformats.org/drawingml/2006/main" xmlns:r="http://schemas.openxmlformats.org/officeDocument/2006/relationships" xmlns:p="http://schemas.openxmlformats.org/presentationml/2006/main">
+  <p:cSld>
+    <p:spTree>
+      <p:nvGrpSpPr>
+        <p:cNvPr id="1" name=""/>
+        <p:cNvGrpSpPr/>
+        <p:nvPr/>
+      </p:nvGrpSpPr>
+      <p:grpSpPr>
+        <a:xfrm>
+          <a:off x="0" y="0"/>
+          <a:ext cx="0" cy="0"/>
+          <a:chOff x="0" y="0"/>
+          <a:chExt cx="0" cy="0"/>
+        </a:xfrm>
+      </p:grpSpPr>
+      <p:sp>
+        <p:nvSpPr>
+          <p:cNvPr id="3" name="文本框 2">
+            <a:extLst>
+              <a:ext uri="{FF2B5EF4-FFF2-40B4-BE49-F238E27FC236}">
+                <a16:creationId xmlns:a16="http://schemas.microsoft.com/office/drawing/2014/main" id="{2A2FBB20-DC04-9149-BB4A-6772BB523FB8}"/>
+              </a:ext>
+            </a:extLst>
+          </p:cNvPr>
+          <p:cNvSpPr txBox="1"/>
+          <p:nvPr/>
+        </p:nvSpPr>
+        <p:spPr>
+          <a:xfrm>
+            <a:off x="645458" y="537882"/>
+            <a:ext cx="8210902" cy="707886"/>
+          </a:xfrm>
+          <a:prstGeom prst="rect">
+            <a:avLst/>
+          </a:prstGeom>
+          <a:noFill/>
+        </p:spPr>
+        <p:txBody>
+          <a:bodyPr wrap="none" rtlCol="0">
+            <a:spAutoFit/>
+          </a:bodyPr>
+          <a:lstStyle/>
+          <a:p>
+            <a:r>
+              <a:rPr kumimoji="1" lang="en-US" altLang="zh-CN" sz="4000" dirty="0"/>
+              <a:t>G13</a:t>
+            </a:r>
+            <a:r>
+              <a:rPr kumimoji="1" lang="zh-CN" altLang="en-US" sz="4000" dirty="0"/>
+              <a:t> 有向有环图 </a:t>
+            </a:r>
+            <a:r>
+              <a:rPr kumimoji="1" lang="en-US" altLang="zh-CN" sz="4000" dirty="0"/>
+              <a:t>–</a:t>
+            </a:r>
+            <a:r>
+              <a:rPr kumimoji="1" lang="zh-CN" altLang="en-US" sz="4000" dirty="0"/>
+              <a:t> </a:t>
+            </a:r>
+            <a:r>
+              <a:rPr kumimoji="1" lang="en-US" altLang="zh-CN" sz="4000" dirty="0"/>
+              <a:t>2.7 </a:t>
+            </a:r>
+            <a:r>
+              <a:rPr kumimoji="1" lang="zh-CN" altLang="en-US" sz="4000" dirty="0"/>
+              <a:t>无环边</a:t>
+            </a:r>
+            <a:r>
+              <a:rPr kumimoji="1" lang="en-US" altLang="zh-CN" sz="4000" dirty="0" err="1"/>
+              <a:t>leftJoin</a:t>
+            </a:r>
+            <a:endParaRPr kumimoji="1" lang="en-US" altLang="zh-CN" sz="4000" dirty="0"/>
+          </a:p>
+        </p:txBody>
+      </p:sp>
+      <p:sp>
+        <p:nvSpPr>
+          <p:cNvPr id="10" name="文本框 9">
+            <a:extLst>
+              <a:ext uri="{FF2B5EF4-FFF2-40B4-BE49-F238E27FC236}">
+                <a16:creationId xmlns:a16="http://schemas.microsoft.com/office/drawing/2014/main" id="{FF8E1BAF-14E7-4314-8F53-8530D4513DFD}"/>
+              </a:ext>
+            </a:extLst>
+          </p:cNvPr>
+          <p:cNvSpPr txBox="1"/>
+          <p:nvPr/>
+        </p:nvSpPr>
+        <p:spPr>
+          <a:xfrm>
+            <a:off x="7683533" y="1895739"/>
+            <a:ext cx="3431674" cy="3416320"/>
+          </a:xfrm>
+          <a:prstGeom prst="rect">
+            <a:avLst/>
+          </a:prstGeom>
+          <a:noFill/>
+        </p:spPr>
+        <p:txBody>
+          <a:bodyPr wrap="square" rtlCol="0">
+            <a:spAutoFit/>
+          </a:bodyPr>
+          <a:lstStyle/>
+          <a:p>
+            <a:r>
+              <a:rPr lang="en-US" altLang="zh-CN" dirty="0" err="1"/>
+              <a:t>leftJoin</a:t>
+            </a:r>
+            <a:r>
+              <a:rPr lang="zh-CN" altLang="en-US" dirty="0"/>
+              <a:t>是关键中的关键，这里涉及新老信息相加，而且要推及环内边。</a:t>
+            </a:r>
+            <a:endParaRPr lang="en-US" altLang="zh-CN" dirty="0"/>
+          </a:p>
+          <a:p>
+            <a:r>
+              <a:rPr lang="zh-CN" altLang="en-US" dirty="0"/>
+              <a:t>首先可以确定的是，这里不能同</a:t>
+            </a:r>
+            <a:r>
+              <a:rPr lang="en-US" altLang="zh-CN" dirty="0"/>
+              <a:t>Key</a:t>
+            </a:r>
+            <a:r>
+              <a:rPr lang="zh-CN" altLang="en-US" dirty="0"/>
+              <a:t>的比例相加，异</a:t>
+            </a:r>
+            <a:r>
+              <a:rPr lang="en-US" altLang="zh-CN" dirty="0"/>
+              <a:t>Key</a:t>
+            </a:r>
+            <a:r>
+              <a:rPr lang="zh-CN" altLang="en-US" dirty="0"/>
+              <a:t>合并。否则前面的</a:t>
+            </a:r>
+            <a:r>
+              <a:rPr lang="en-US" altLang="zh-CN" dirty="0"/>
+              <a:t>G12</a:t>
+            </a:r>
+            <a:r>
+              <a:rPr lang="zh-CN" altLang="en-US" dirty="0"/>
+              <a:t>的比例就会重复计算，超出</a:t>
+            </a:r>
+            <a:r>
+              <a:rPr lang="en-US" altLang="zh-CN" dirty="0"/>
+              <a:t>1.000</a:t>
+            </a:r>
+            <a:r>
+              <a:rPr lang="zh-CN" altLang="en-US" dirty="0"/>
+              <a:t>。</a:t>
+            </a:r>
+            <a:endParaRPr lang="en-US" altLang="zh-CN" dirty="0"/>
+          </a:p>
+          <a:p>
+            <a:r>
+              <a:rPr lang="zh-CN" altLang="en-US" dirty="0"/>
+              <a:t>但是如果环足够大，那么这条边会一直重复发送消息。导致相加结果超过</a:t>
+            </a:r>
+            <a:r>
+              <a:rPr lang="en-US" altLang="zh-CN" dirty="0"/>
+              <a:t>1</a:t>
+            </a:r>
+            <a:r>
+              <a:rPr lang="zh-CN" altLang="en-US"/>
+              <a:t>，这时候我们就希望当一次完整计算后，这条边再发送消息。</a:t>
+            </a:r>
+            <a:endParaRPr lang="zh-CN" altLang="en-US" dirty="0"/>
+          </a:p>
+        </p:txBody>
+      </p:sp>
+      <p:cxnSp>
+        <p:nvCxnSpPr>
+          <p:cNvPr id="24" name="曲线连接符 31">
+            <a:extLst>
+              <a:ext uri="{FF2B5EF4-FFF2-40B4-BE49-F238E27FC236}">
+                <a16:creationId xmlns:a16="http://schemas.microsoft.com/office/drawing/2014/main" id="{028A9E3D-283F-4394-8945-85A65D405B71}"/>
+              </a:ext>
+            </a:extLst>
+          </p:cNvPr>
+          <p:cNvCxnSpPr>
+            <a:cxnSpLocks/>
+            <a:stCxn id="26" idx="2"/>
+            <a:endCxn id="25" idx="3"/>
+          </p:cNvCxnSpPr>
+          <p:nvPr/>
+        </p:nvCxnSpPr>
+        <p:spPr>
+          <a:xfrm rot="5400000">
+            <a:off x="2858902" y="4593146"/>
+            <a:ext cx="996168" cy="1504531"/>
+          </a:xfrm>
+          <a:prstGeom prst="curvedConnector2">
+            <a:avLst/>
+          </a:prstGeom>
+          <a:ln>
+            <a:tailEnd type="triangle"/>
+          </a:ln>
+        </p:spPr>
+        <p:style>
+          <a:lnRef idx="1">
+            <a:schemeClr val="accent1"/>
+          </a:lnRef>
+          <a:fillRef idx="0">
+            <a:schemeClr val="accent1"/>
+          </a:fillRef>
+          <a:effectRef idx="0">
+            <a:schemeClr val="accent1"/>
+          </a:effectRef>
+          <a:fontRef idx="minor">
+            <a:schemeClr val="tx1"/>
+          </a:fontRef>
+        </p:style>
+      </p:cxnSp>
+      <p:sp>
+        <p:nvSpPr>
+          <p:cNvPr id="25" name="圆角矩形 33">
+            <a:extLst>
+              <a:ext uri="{FF2B5EF4-FFF2-40B4-BE49-F238E27FC236}">
+                <a16:creationId xmlns:a16="http://schemas.microsoft.com/office/drawing/2014/main" id="{8E3DCF65-8274-4C1E-9322-8EEA8E5EEF46}"/>
+              </a:ext>
+            </a:extLst>
+          </p:cNvPr>
+          <p:cNvSpPr/>
+          <p:nvPr/>
+        </p:nvSpPr>
+        <p:spPr>
+          <a:xfrm>
+            <a:off x="1063456" y="5526144"/>
+            <a:ext cx="1541264" cy="634701"/>
+          </a:xfrm>
+          <a:prstGeom prst="roundRect">
+            <a:avLst/>
+          </a:prstGeom>
+        </p:spPr>
+        <p:style>
+          <a:lnRef idx="2">
+            <a:schemeClr val="accent1">
+              <a:shade val="50000"/>
+            </a:schemeClr>
+          </a:lnRef>
+          <a:fillRef idx="1">
+            <a:schemeClr val="accent1"/>
+          </a:fillRef>
+          <a:effectRef idx="0">
+            <a:schemeClr val="accent1"/>
+          </a:effectRef>
+          <a:fontRef idx="minor">
+            <a:schemeClr val="lt1"/>
+          </a:fontRef>
+        </p:style>
+        <p:txBody>
+          <a:bodyPr rtlCol="0" anchor="ctr"/>
+          <a:lstStyle/>
+          <a:p>
+            <a:pPr algn="ctr"/>
+            <a:r>
+              <a:rPr kumimoji="1" lang="en-US" altLang="zh-CN" dirty="0"/>
+              <a:t>4</a:t>
+            </a:r>
+            <a:r>
+              <a:rPr kumimoji="1" lang="zh-CN" altLang="en-US" dirty="0"/>
+              <a:t> 右护法</a:t>
+            </a:r>
+            <a:endParaRPr kumimoji="1" lang="en-US" altLang="zh-CN" dirty="0"/>
+          </a:p>
+          <a:p>
+            <a:pPr algn="ctr"/>
+            <a:r>
+              <a:rPr kumimoji="1" lang="en-US" altLang="zh-CN" dirty="0"/>
+              <a:t>1000w</a:t>
+            </a:r>
+          </a:p>
+        </p:txBody>
+      </p:sp>
+      <p:sp>
+        <p:nvSpPr>
+          <p:cNvPr id="26" name="圆角矩形 38">
+            <a:extLst>
+              <a:ext uri="{FF2B5EF4-FFF2-40B4-BE49-F238E27FC236}">
+                <a16:creationId xmlns:a16="http://schemas.microsoft.com/office/drawing/2014/main" id="{B9D9BF6E-927E-4F30-8F8D-9BBBC13E26C7}"/>
+              </a:ext>
+            </a:extLst>
+          </p:cNvPr>
+          <p:cNvSpPr/>
+          <p:nvPr/>
+        </p:nvSpPr>
+        <p:spPr>
+          <a:xfrm>
+            <a:off x="3292791" y="4212626"/>
+            <a:ext cx="1632920" cy="634701"/>
+          </a:xfrm>
+          <a:prstGeom prst="roundRect">
+            <a:avLst/>
+          </a:prstGeom>
+        </p:spPr>
+        <p:style>
+          <a:lnRef idx="2">
+            <a:schemeClr val="accent1">
+              <a:shade val="50000"/>
+            </a:schemeClr>
+          </a:lnRef>
+          <a:fillRef idx="1">
+            <a:schemeClr val="accent1"/>
+          </a:fillRef>
+          <a:effectRef idx="0">
+            <a:schemeClr val="accent1"/>
+          </a:effectRef>
+          <a:fontRef idx="minor">
+            <a:schemeClr val="lt1"/>
+          </a:fontRef>
+        </p:style>
+        <p:txBody>
+          <a:bodyPr rtlCol="0" anchor="ctr"/>
+          <a:lstStyle/>
+          <a:p>
+            <a:pPr algn="ctr"/>
+            <a:r>
+              <a:rPr kumimoji="1" lang="en-US" altLang="zh-CN" dirty="0"/>
+              <a:t>2</a:t>
+            </a:r>
+            <a:r>
+              <a:rPr lang="zh-CN" altLang="en-US" dirty="0"/>
+              <a:t>大鹏金翅雕</a:t>
+            </a:r>
+            <a:endParaRPr kumimoji="1" lang="zh-CN" altLang="en-US" dirty="0"/>
+          </a:p>
+        </p:txBody>
+      </p:sp>
+      <p:sp>
+        <p:nvSpPr>
+          <p:cNvPr id="11" name="矩形 10">
+            <a:extLst>
+              <a:ext uri="{FF2B5EF4-FFF2-40B4-BE49-F238E27FC236}">
+                <a16:creationId xmlns:a16="http://schemas.microsoft.com/office/drawing/2014/main" id="{E5A11065-8817-4D80-B094-7F7EB5F6CECA}"/>
+              </a:ext>
+            </a:extLst>
+          </p:cNvPr>
+          <p:cNvSpPr/>
+          <p:nvPr/>
+        </p:nvSpPr>
+        <p:spPr>
+          <a:xfrm>
+            <a:off x="4109252" y="2548141"/>
+            <a:ext cx="2701689" cy="1107996"/>
+          </a:xfrm>
+          <a:prstGeom prst="rect">
+            <a:avLst/>
+          </a:prstGeom>
+        </p:spPr>
+        <p:txBody>
+          <a:bodyPr wrap="square">
+            <a:spAutoFit/>
+          </a:bodyPr>
+          <a:lstStyle/>
+          <a:p>
+            <a:r>
+              <a:rPr lang="en-US" altLang="zh-CN" sz="1100" dirty="0" err="1">
+                <a:solidFill>
+                  <a:srgbClr val="0070C0"/>
+                </a:solidFill>
+              </a:rPr>
+              <a:t>newGraphInvInfo</a:t>
+            </a:r>
+            <a:endParaRPr lang="en-US" altLang="zh-CN" sz="1100" dirty="0">
+              <a:solidFill>
+                <a:srgbClr val="0070C0"/>
+              </a:solidFill>
+            </a:endParaRPr>
+          </a:p>
+          <a:p>
+            <a:r>
+              <a:rPr lang="zh-CN" altLang="en-US" sz="1100" dirty="0"/>
+              <a:t>Map(</a:t>
+            </a:r>
+            <a:endParaRPr lang="en-US" altLang="zh-CN" sz="1100" dirty="0"/>
+          </a:p>
+          <a:p>
+            <a:r>
+              <a:rPr lang="zh-CN" altLang="en-US" sz="1100" dirty="0"/>
+              <a:t>3 -&gt; investmentInfo(狮驼岭左护法有限公司,0.</a:t>
+            </a:r>
+            <a:r>
+              <a:rPr lang="en-US" altLang="zh-CN" sz="1100" dirty="0"/>
+              <a:t>125</a:t>
+            </a:r>
+            <a:r>
+              <a:rPr lang="zh-CN" altLang="en-US" sz="1100" dirty="0"/>
+              <a:t>000,1000.0,4,1,false), </a:t>
+            </a:r>
+            <a:endParaRPr lang="en-US" altLang="zh-CN" sz="1100" dirty="0"/>
+          </a:p>
+          <a:p>
+            <a:r>
+              <a:rPr lang="zh-CN" altLang="en-US" sz="1100" dirty="0"/>
+              <a:t>4 -&gt; investmentInfo(狮驼岭右护法有限公司,0.</a:t>
+            </a:r>
+            <a:r>
+              <a:rPr lang="en-US" altLang="zh-CN" sz="1100" dirty="0"/>
+              <a:t>1</a:t>
+            </a:r>
+            <a:r>
+              <a:rPr lang="zh-CN" altLang="en-US" sz="1100" dirty="0"/>
+              <a:t>25000,1000.0,4,2,false))</a:t>
+            </a:r>
+          </a:p>
+        </p:txBody>
+      </p:sp>
+      <p:sp>
+        <p:nvSpPr>
+          <p:cNvPr id="12" name="矩形 11">
+            <a:extLst>
+              <a:ext uri="{FF2B5EF4-FFF2-40B4-BE49-F238E27FC236}">
+                <a16:creationId xmlns:a16="http://schemas.microsoft.com/office/drawing/2014/main" id="{C90AB1C4-99E0-4ABA-83FE-66D5D2B8A1F2}"/>
+              </a:ext>
+            </a:extLst>
+          </p:cNvPr>
+          <p:cNvSpPr/>
+          <p:nvPr/>
+        </p:nvSpPr>
+        <p:spPr>
+          <a:xfrm>
+            <a:off x="730722" y="2514402"/>
+            <a:ext cx="2716484" cy="1107996"/>
+          </a:xfrm>
+          <a:prstGeom prst="rect">
+            <a:avLst/>
+          </a:prstGeom>
+        </p:spPr>
+        <p:txBody>
+          <a:bodyPr wrap="square">
+            <a:spAutoFit/>
+          </a:bodyPr>
+          <a:lstStyle/>
+          <a:p>
+            <a:r>
+              <a:rPr lang="en-US" altLang="zh-CN" sz="1100" dirty="0" err="1">
+                <a:solidFill>
+                  <a:srgbClr val="00B050"/>
+                </a:solidFill>
+              </a:rPr>
+              <a:t>oldGraphInvInfo</a:t>
+            </a:r>
+            <a:endParaRPr lang="en-US" altLang="zh-CN" sz="1100" dirty="0">
+              <a:solidFill>
+                <a:srgbClr val="00B050"/>
+              </a:solidFill>
+            </a:endParaRPr>
+          </a:p>
+          <a:p>
+            <a:r>
+              <a:rPr lang="zh-CN" altLang="en-US" sz="1100" dirty="0"/>
+              <a:t>Map(</a:t>
+            </a:r>
+            <a:endParaRPr lang="en-US" altLang="zh-CN" sz="1100" dirty="0"/>
+          </a:p>
+          <a:p>
+            <a:r>
+              <a:rPr lang="zh-CN" altLang="en-US" sz="1100" dirty="0"/>
+              <a:t>4 -&gt; investmentInfo(狮驼岭右护法有限公司,0.500000,1000.0,3,1,false),</a:t>
+            </a:r>
+            <a:endParaRPr lang="en-US" altLang="zh-CN" sz="1100" dirty="0"/>
+          </a:p>
+          <a:p>
+            <a:r>
+              <a:rPr lang="zh-CN" altLang="en-US" sz="1100" dirty="0"/>
+              <a:t>3 -&gt; investmentInfo(狮驼岭左护法有限公司,0.250000,1000.0,3,2,false))</a:t>
+            </a:r>
+          </a:p>
+        </p:txBody>
+      </p:sp>
+    </p:spTree>
+    <p:extLst>
+      <p:ext uri="{BB962C8B-B14F-4D97-AF65-F5344CB8AC3E}">
+        <p14:creationId xmlns:p14="http://schemas.microsoft.com/office/powerpoint/2010/main" val="244431441"/>
+      </p:ext>
+    </p:extLst>
+  </p:cSld>
+  <p:clrMapOvr>
+    <a:masterClrMapping/>
+  </p:clrMapOvr>
+</p:sld>
+</file>
+
+<file path=ppt/slides/slide24.xml><?xml version="1.0" encoding="utf-8"?>
+<p:sld xmlns:a="http://schemas.openxmlformats.org/drawingml/2006/main" xmlns:r="http://schemas.openxmlformats.org/officeDocument/2006/relationships" xmlns:p="http://schemas.openxmlformats.org/presentationml/2006/main">
+  <p:cSld>
+    <p:spTree>
+      <p:nvGrpSpPr>
+        <p:cNvPr id="1" name=""/>
+        <p:cNvGrpSpPr/>
+        <p:nvPr/>
+      </p:nvGrpSpPr>
+      <p:grpSpPr>
+        <a:xfrm>
+          <a:off x="0" y="0"/>
+          <a:ext cx="0" cy="0"/>
+          <a:chOff x="0" y="0"/>
+          <a:chExt cx="0" cy="0"/>
+        </a:xfrm>
+      </p:grpSpPr>
+      <p:sp>
+        <p:nvSpPr>
+          <p:cNvPr id="3" name="文本框 2">
+            <a:extLst>
+              <a:ext uri="{FF2B5EF4-FFF2-40B4-BE49-F238E27FC236}">
+                <a16:creationId xmlns:a16="http://schemas.microsoft.com/office/drawing/2014/main" id="{2A2FBB20-DC04-9149-BB4A-6772BB523FB8}"/>
+              </a:ext>
+            </a:extLst>
+          </p:cNvPr>
+          <p:cNvSpPr txBox="1"/>
+          <p:nvPr/>
+        </p:nvSpPr>
+        <p:spPr>
+          <a:xfrm>
+            <a:off x="645458" y="537882"/>
+            <a:ext cx="4589718" cy="707886"/>
+          </a:xfrm>
+          <a:prstGeom prst="rect">
+            <a:avLst/>
+          </a:prstGeom>
+          <a:noFill/>
+        </p:spPr>
+        <p:txBody>
+          <a:bodyPr wrap="none" rtlCol="0">
+            <a:spAutoFit/>
+          </a:bodyPr>
+          <a:lstStyle/>
+          <a:p>
+            <a:r>
+              <a:rPr kumimoji="1" lang="en-US" altLang="zh-CN" sz="4000" dirty="0"/>
+              <a:t>G13</a:t>
+            </a:r>
+            <a:r>
+              <a:rPr kumimoji="1" lang="zh-CN" altLang="en-US" sz="4000" dirty="0"/>
+              <a:t> 有向有环图 </a:t>
+            </a:r>
+            <a:r>
+              <a:rPr kumimoji="1" lang="en-US" altLang="zh-CN" sz="4000" dirty="0"/>
+              <a:t>-</a:t>
+            </a:r>
+            <a:r>
+              <a:rPr kumimoji="1" lang="zh-CN" altLang="en-US" sz="4000" dirty="0"/>
+              <a:t> </a:t>
+            </a:r>
+            <a:r>
+              <a:rPr kumimoji="1" lang="en-US" altLang="zh-CN" sz="4000" dirty="0"/>
+              <a:t>5</a:t>
+            </a:r>
+            <a:endParaRPr kumimoji="1" lang="zh-CN" altLang="en-US" sz="4000" dirty="0"/>
+          </a:p>
+        </p:txBody>
+      </p:sp>
+      <p:sp>
+        <p:nvSpPr>
+          <p:cNvPr id="15" name="圆角矩形 14">
+            <a:extLst>
+              <a:ext uri="{FF2B5EF4-FFF2-40B4-BE49-F238E27FC236}">
+                <a16:creationId xmlns:a16="http://schemas.microsoft.com/office/drawing/2014/main" id="{E4D98F5D-2DEF-0C4A-AD4B-85C446276FFA}"/>
+              </a:ext>
+            </a:extLst>
+          </p:cNvPr>
+          <p:cNvSpPr/>
+          <p:nvPr/>
+        </p:nvSpPr>
+        <p:spPr>
+          <a:xfrm>
+            <a:off x="1376323" y="1908786"/>
+            <a:ext cx="1632920" cy="634701"/>
+          </a:xfrm>
+          <a:prstGeom prst="roundRect">
+            <a:avLst/>
+          </a:prstGeom>
+        </p:spPr>
+        <p:style>
+          <a:lnRef idx="2">
+            <a:schemeClr val="accent1">
+              <a:shade val="50000"/>
+            </a:schemeClr>
+          </a:lnRef>
+          <a:fillRef idx="1">
+            <a:schemeClr val="accent1"/>
+          </a:fillRef>
+          <a:effectRef idx="0">
+            <a:schemeClr val="accent1"/>
+          </a:effectRef>
+          <a:fontRef idx="minor">
+            <a:schemeClr val="lt1"/>
+          </a:fontRef>
+        </p:style>
+        <p:txBody>
+          <a:bodyPr rtlCol="0" anchor="ctr"/>
+          <a:lstStyle/>
+          <a:p>
+            <a:pPr algn="ctr"/>
+            <a:r>
+              <a:rPr kumimoji="1" lang="en-US" altLang="zh-CN" dirty="0"/>
+              <a:t>1</a:t>
+            </a:r>
+            <a:r>
+              <a:rPr lang="zh-CN" altLang="en-US" dirty="0"/>
+              <a:t>青毛狮子怪</a:t>
+            </a:r>
+            <a:endParaRPr kumimoji="1" lang="zh-CN" altLang="en-US" dirty="0"/>
+          </a:p>
+        </p:txBody>
+      </p:sp>
+      <p:sp>
+        <p:nvSpPr>
+          <p:cNvPr id="16" name="圆角矩形 15">
+            <a:extLst>
+              <a:ext uri="{FF2B5EF4-FFF2-40B4-BE49-F238E27FC236}">
+                <a16:creationId xmlns:a16="http://schemas.microsoft.com/office/drawing/2014/main" id="{4FA77C39-9E73-5A46-92DC-D97DE46CCC49}"/>
+              </a:ext>
+            </a:extLst>
+          </p:cNvPr>
+          <p:cNvSpPr/>
+          <p:nvPr/>
+        </p:nvSpPr>
+        <p:spPr>
+          <a:xfrm>
+            <a:off x="5197419" y="2226138"/>
+            <a:ext cx="1367119" cy="634701"/>
+          </a:xfrm>
+          <a:prstGeom prst="roundRect">
+            <a:avLst/>
+          </a:prstGeom>
+        </p:spPr>
+        <p:style>
+          <a:lnRef idx="2">
+            <a:schemeClr val="accent1">
+              <a:shade val="50000"/>
+            </a:schemeClr>
+          </a:lnRef>
+          <a:fillRef idx="1">
+            <a:schemeClr val="accent1"/>
+          </a:fillRef>
+          <a:effectRef idx="0">
+            <a:schemeClr val="accent1"/>
+          </a:effectRef>
+          <a:fontRef idx="minor">
+            <a:schemeClr val="lt1"/>
+          </a:fontRef>
+        </p:style>
+        <p:txBody>
+          <a:bodyPr rtlCol="0" anchor="ctr"/>
+          <a:lstStyle/>
+          <a:p>
+            <a:pPr algn="ctr"/>
+            <a:r>
+              <a:rPr kumimoji="1" lang="en-US" altLang="zh-CN" dirty="0"/>
+              <a:t>3</a:t>
+            </a:r>
+            <a:r>
+              <a:rPr kumimoji="1" lang="zh-CN" altLang="en-US" dirty="0"/>
+              <a:t> 左护法</a:t>
+            </a:r>
+            <a:endParaRPr kumimoji="1" lang="en-US" altLang="zh-CN" dirty="0"/>
+          </a:p>
+          <a:p>
+            <a:pPr algn="ctr"/>
+            <a:r>
+              <a:rPr kumimoji="1" lang="en-US" altLang="zh-CN" dirty="0"/>
+              <a:t>1000w</a:t>
+            </a:r>
+            <a:endParaRPr kumimoji="1" lang="zh-CN" altLang="en-US" dirty="0"/>
+          </a:p>
+        </p:txBody>
+      </p:sp>
+      <p:cxnSp>
+        <p:nvCxnSpPr>
+          <p:cNvPr id="17" name="曲线连接符 16">
+            <a:extLst>
+              <a:ext uri="{FF2B5EF4-FFF2-40B4-BE49-F238E27FC236}">
+                <a16:creationId xmlns:a16="http://schemas.microsoft.com/office/drawing/2014/main" id="{500C2F06-493D-F749-91E9-CA9D8E9C2290}"/>
+              </a:ext>
+            </a:extLst>
+          </p:cNvPr>
+          <p:cNvCxnSpPr>
+            <a:cxnSpLocks/>
+            <a:stCxn id="15" idx="3"/>
+            <a:endCxn id="16" idx="1"/>
+          </p:cNvCxnSpPr>
+          <p:nvPr/>
+        </p:nvCxnSpPr>
+        <p:spPr>
+          <a:xfrm>
+            <a:off x="3009243" y="2226137"/>
+            <a:ext cx="2188176" cy="317352"/>
+          </a:xfrm>
+          <a:prstGeom prst="curvedConnector3">
+            <a:avLst>
+              <a:gd name="adj1" fmla="val 50000"/>
+            </a:avLst>
+          </a:prstGeom>
+          <a:ln>
+            <a:tailEnd type="triangle"/>
+          </a:ln>
+        </p:spPr>
+        <p:style>
+          <a:lnRef idx="1">
+            <a:schemeClr val="accent1"/>
+          </a:lnRef>
+          <a:fillRef idx="0">
+            <a:schemeClr val="accent1"/>
+          </a:fillRef>
+          <a:effectRef idx="0">
+            <a:schemeClr val="accent1"/>
+          </a:effectRef>
+          <a:fontRef idx="minor">
+            <a:schemeClr val="tx1"/>
+          </a:fontRef>
+        </p:style>
+      </p:cxnSp>
+      <p:cxnSp>
+        <p:nvCxnSpPr>
+          <p:cNvPr id="18" name="曲线连接符 17">
+            <a:extLst>
+              <a:ext uri="{FF2B5EF4-FFF2-40B4-BE49-F238E27FC236}">
+                <a16:creationId xmlns:a16="http://schemas.microsoft.com/office/drawing/2014/main" id="{FB97E9F2-CE24-AE41-94AF-8585C1301763}"/>
+              </a:ext>
+            </a:extLst>
+          </p:cNvPr>
+          <p:cNvCxnSpPr>
+            <a:cxnSpLocks/>
+            <a:stCxn id="22" idx="2"/>
+            <a:endCxn id="19" idx="3"/>
+          </p:cNvCxnSpPr>
+          <p:nvPr/>
+        </p:nvCxnSpPr>
+        <p:spPr>
+          <a:xfrm rot="5400000">
+            <a:off x="7926322" y="3362498"/>
+            <a:ext cx="737246" cy="3112524"/>
+          </a:xfrm>
+          <a:prstGeom prst="curvedConnector2">
+            <a:avLst/>
+          </a:prstGeom>
+          <a:ln>
+            <a:tailEnd type="triangle"/>
+          </a:ln>
+        </p:spPr>
+        <p:style>
+          <a:lnRef idx="1">
+            <a:schemeClr val="accent1"/>
+          </a:lnRef>
+          <a:fillRef idx="0">
+            <a:schemeClr val="accent1"/>
+          </a:fillRef>
+          <a:effectRef idx="0">
+            <a:schemeClr val="accent1"/>
+          </a:effectRef>
+          <a:fontRef idx="minor">
+            <a:schemeClr val="tx1"/>
+          </a:fontRef>
+        </p:style>
+      </p:cxnSp>
+      <p:sp>
+        <p:nvSpPr>
+          <p:cNvPr id="19" name="圆角矩形 18">
+            <a:extLst>
+              <a:ext uri="{FF2B5EF4-FFF2-40B4-BE49-F238E27FC236}">
+                <a16:creationId xmlns:a16="http://schemas.microsoft.com/office/drawing/2014/main" id="{EBBFD528-8E30-694B-A23C-2BBD39DD82A7}"/>
+              </a:ext>
+            </a:extLst>
+          </p:cNvPr>
+          <p:cNvSpPr/>
+          <p:nvPr/>
+        </p:nvSpPr>
+        <p:spPr>
+          <a:xfrm>
+            <a:off x="5197419" y="4970032"/>
+            <a:ext cx="1541264" cy="634701"/>
+          </a:xfrm>
+          <a:prstGeom prst="roundRect">
+            <a:avLst/>
+          </a:prstGeom>
+        </p:spPr>
+        <p:style>
+          <a:lnRef idx="2">
+            <a:schemeClr val="accent1">
+              <a:shade val="50000"/>
+            </a:schemeClr>
+          </a:lnRef>
+          <a:fillRef idx="1">
+            <a:schemeClr val="accent1"/>
+          </a:fillRef>
+          <a:effectRef idx="0">
+            <a:schemeClr val="accent1"/>
+          </a:effectRef>
+          <a:fontRef idx="minor">
+            <a:schemeClr val="lt1"/>
+          </a:fontRef>
+        </p:style>
+        <p:txBody>
+          <a:bodyPr rtlCol="0" anchor="ctr"/>
+          <a:lstStyle/>
+          <a:p>
+            <a:pPr algn="ctr"/>
+            <a:r>
+              <a:rPr kumimoji="1" lang="en-US" altLang="zh-CN" dirty="0"/>
+              <a:t>4</a:t>
+            </a:r>
+            <a:r>
+              <a:rPr kumimoji="1" lang="zh-CN" altLang="en-US" dirty="0"/>
+              <a:t> 右护法</a:t>
+            </a:r>
+            <a:endParaRPr kumimoji="1" lang="en-US" altLang="zh-CN" dirty="0"/>
+          </a:p>
+          <a:p>
+            <a:pPr algn="ctr"/>
+            <a:r>
+              <a:rPr kumimoji="1" lang="en-US" altLang="zh-CN" dirty="0"/>
+              <a:t>1000w</a:t>
+            </a:r>
+          </a:p>
+        </p:txBody>
+      </p:sp>
+      <p:cxnSp>
+        <p:nvCxnSpPr>
+          <p:cNvPr id="20" name="曲线连接符 19">
+            <a:extLst>
+              <a:ext uri="{FF2B5EF4-FFF2-40B4-BE49-F238E27FC236}">
+                <a16:creationId xmlns:a16="http://schemas.microsoft.com/office/drawing/2014/main" id="{489483FD-54DD-7645-A673-23A4E1411D24}"/>
+              </a:ext>
+            </a:extLst>
+          </p:cNvPr>
+          <p:cNvCxnSpPr>
+            <a:cxnSpLocks/>
+            <a:stCxn id="19" idx="1"/>
+            <a:endCxn id="16" idx="1"/>
+          </p:cNvCxnSpPr>
+          <p:nvPr/>
+        </p:nvCxnSpPr>
+        <p:spPr>
+          <a:xfrm rot="10800000">
+            <a:off x="5197419" y="2543489"/>
+            <a:ext cx="12700" cy="2743894"/>
+          </a:xfrm>
+          <a:prstGeom prst="curvedConnector3">
+            <a:avLst>
+              <a:gd name="adj1" fmla="val 6888000"/>
+            </a:avLst>
+          </a:prstGeom>
+          <a:ln>
+            <a:tailEnd type="triangle"/>
+          </a:ln>
+        </p:spPr>
+        <p:style>
+          <a:lnRef idx="1">
+            <a:schemeClr val="accent1"/>
+          </a:lnRef>
+          <a:fillRef idx="0">
+            <a:schemeClr val="accent1"/>
+          </a:fillRef>
+          <a:effectRef idx="0">
+            <a:schemeClr val="accent1"/>
+          </a:effectRef>
+          <a:fontRef idx="minor">
+            <a:schemeClr val="tx1"/>
+          </a:fontRef>
+        </p:style>
+      </p:cxnSp>
+      <p:cxnSp>
+        <p:nvCxnSpPr>
+          <p:cNvPr id="21" name="曲线连接符 20">
+            <a:extLst>
+              <a:ext uri="{FF2B5EF4-FFF2-40B4-BE49-F238E27FC236}">
+                <a16:creationId xmlns:a16="http://schemas.microsoft.com/office/drawing/2014/main" id="{B69E5161-38B9-0B42-B5F5-72436156FFC5}"/>
+              </a:ext>
+            </a:extLst>
+          </p:cNvPr>
+          <p:cNvCxnSpPr>
+            <a:cxnSpLocks/>
+            <a:stCxn id="16" idx="3"/>
+            <a:endCxn id="19" idx="3"/>
+          </p:cNvCxnSpPr>
+          <p:nvPr/>
+        </p:nvCxnSpPr>
+        <p:spPr>
+          <a:xfrm>
+            <a:off x="6564538" y="2543489"/>
+            <a:ext cx="174145" cy="2743894"/>
+          </a:xfrm>
+          <a:prstGeom prst="curvedConnector3">
+            <a:avLst>
+              <a:gd name="adj1" fmla="val 623329"/>
+            </a:avLst>
+          </a:prstGeom>
+          <a:ln>
+            <a:tailEnd type="triangle"/>
+          </a:ln>
+        </p:spPr>
+        <p:style>
+          <a:lnRef idx="1">
+            <a:schemeClr val="accent1"/>
+          </a:lnRef>
+          <a:fillRef idx="0">
+            <a:schemeClr val="accent1"/>
+          </a:fillRef>
+          <a:effectRef idx="0">
+            <a:schemeClr val="accent1"/>
+          </a:effectRef>
+          <a:fontRef idx="minor">
+            <a:schemeClr val="tx1"/>
+          </a:fontRef>
+        </p:style>
+      </p:cxnSp>
+      <p:sp>
+        <p:nvSpPr>
+          <p:cNvPr id="22" name="圆角矩形 21">
+            <a:extLst>
+              <a:ext uri="{FF2B5EF4-FFF2-40B4-BE49-F238E27FC236}">
+                <a16:creationId xmlns:a16="http://schemas.microsoft.com/office/drawing/2014/main" id="{99A27C38-04EE-EE4F-B4F7-3BF1B8C243B9}"/>
+              </a:ext>
+            </a:extLst>
+          </p:cNvPr>
+          <p:cNvSpPr/>
+          <p:nvPr/>
+        </p:nvSpPr>
+        <p:spPr>
+          <a:xfrm>
+            <a:off x="9034747" y="3915436"/>
+            <a:ext cx="1632920" cy="634701"/>
+          </a:xfrm>
+          <a:prstGeom prst="roundRect">
+            <a:avLst/>
+          </a:prstGeom>
+        </p:spPr>
+        <p:style>
+          <a:lnRef idx="2">
+            <a:schemeClr val="accent1">
+              <a:shade val="50000"/>
+            </a:schemeClr>
+          </a:lnRef>
+          <a:fillRef idx="1">
+            <a:schemeClr val="accent1"/>
+          </a:fillRef>
+          <a:effectRef idx="0">
+            <a:schemeClr val="accent1"/>
+          </a:effectRef>
+          <a:fontRef idx="minor">
+            <a:schemeClr val="lt1"/>
+          </a:fontRef>
+        </p:style>
+        <p:txBody>
+          <a:bodyPr rtlCol="0" anchor="ctr"/>
+          <a:lstStyle/>
+          <a:p>
+            <a:pPr algn="ctr"/>
+            <a:r>
+              <a:rPr kumimoji="1" lang="en-US" altLang="zh-CN" dirty="0"/>
+              <a:t>2</a:t>
+            </a:r>
+            <a:r>
+              <a:rPr lang="zh-CN" altLang="en-US" dirty="0"/>
+              <a:t>大鹏金翅雕</a:t>
+            </a:r>
+            <a:endParaRPr kumimoji="1" lang="zh-CN" altLang="en-US" dirty="0"/>
+          </a:p>
+        </p:txBody>
+      </p:sp>
+    </p:spTree>
+    <p:extLst>
+      <p:ext uri="{BB962C8B-B14F-4D97-AF65-F5344CB8AC3E}">
+        <p14:creationId xmlns:p14="http://schemas.microsoft.com/office/powerpoint/2010/main" val="2414469059"/>
+      </p:ext>
+    </p:extLst>
+  </p:cSld>
+  <p:clrMapOvr>
+    <a:masterClrMapping/>
+  </p:clrMapOvr>
+</p:sld>
+</file>
+
+<file path=ppt/slides/slide25.xml><?xml version="1.0" encoding="utf-8"?>
+<p:sld xmlns:a="http://schemas.openxmlformats.org/drawingml/2006/main" xmlns:r="http://schemas.openxmlformats.org/officeDocument/2006/relationships" xmlns:p="http://schemas.openxmlformats.org/presentationml/2006/main">
+  <p:cSld>
+    <p:spTree>
+      <p:nvGrpSpPr>
+        <p:cNvPr id="1" name=""/>
+        <p:cNvGrpSpPr/>
+        <p:nvPr/>
+      </p:nvGrpSpPr>
+      <p:grpSpPr>
+        <a:xfrm>
+          <a:off x="0" y="0"/>
+          <a:ext cx="0" cy="0"/>
+          <a:chOff x="0" y="0"/>
+          <a:chExt cx="0" cy="0"/>
+        </a:xfrm>
+      </p:grpSpPr>
+      <p:sp>
+        <p:nvSpPr>
+          <p:cNvPr id="3" name="文本框 2">
+            <a:extLst>
+              <a:ext uri="{FF2B5EF4-FFF2-40B4-BE49-F238E27FC236}">
+                <a16:creationId xmlns:a16="http://schemas.microsoft.com/office/drawing/2014/main" id="{2A2FBB20-DC04-9149-BB4A-6772BB523FB8}"/>
+              </a:ext>
+            </a:extLst>
+          </p:cNvPr>
+          <p:cNvSpPr txBox="1"/>
+          <p:nvPr/>
+        </p:nvSpPr>
+        <p:spPr>
+          <a:xfrm>
+            <a:off x="645458" y="537882"/>
             <a:ext cx="4589718" cy="707886"/>
           </a:xfrm>
           <a:prstGeom prst="rect">
@@ -13328,7 +15559,7 @@
 </p:sld>
 </file>
 
-<file path=ppt/slides/slide22.xml><?xml version="1.0" encoding="utf-8"?>
+<file path=ppt/slides/slide26.xml><?xml version="1.0" encoding="utf-8"?>
 <p:sld xmlns:a="http://schemas.openxmlformats.org/drawingml/2006/main" xmlns:r="http://schemas.openxmlformats.org/officeDocument/2006/relationships" xmlns:p="http://schemas.openxmlformats.org/presentationml/2006/main">
   <p:cSld>
     <p:spTree>

--- a/股权图谱.pptx
+++ b/股权图谱.pptx
@@ -30,7 +30,11 @@
     <p:sldId id="284" r:id="rId24"/>
     <p:sldId id="279" r:id="rId25"/>
     <p:sldId id="280" r:id="rId26"/>
-    <p:sldId id="274" r:id="rId27"/>
+    <p:sldId id="285" r:id="rId27"/>
+    <p:sldId id="286" r:id="rId28"/>
+    <p:sldId id="287" r:id="rId29"/>
+    <p:sldId id="288" r:id="rId30"/>
+    <p:sldId id="274" r:id="rId31"/>
   </p:sldIdLst>
   <p:sldSz cx="12192000" cy="6858000"/>
   <p:notesSz cx="6858000" cy="9144000"/>
@@ -284,7 +288,7 @@
           <a:p>
             <a:fld id="{DC421D61-4C4C-ED44-8E87-C7FBEA60D121}" type="datetimeFigureOut">
               <a:rPr kumimoji="1" lang="zh-CN" altLang="en-US" smtClean="0"/>
-              <a:t>2021/10/7</a:t>
+              <a:t>2021/10/8</a:t>
             </a:fld>
             <a:endParaRPr kumimoji="1" lang="zh-CN" altLang="en-US"/>
           </a:p>
@@ -482,7 +486,7 @@
           <a:p>
             <a:fld id="{DC421D61-4C4C-ED44-8E87-C7FBEA60D121}" type="datetimeFigureOut">
               <a:rPr kumimoji="1" lang="zh-CN" altLang="en-US" smtClean="0"/>
-              <a:t>2021/10/7</a:t>
+              <a:t>2021/10/8</a:t>
             </a:fld>
             <a:endParaRPr kumimoji="1" lang="zh-CN" altLang="en-US"/>
           </a:p>
@@ -690,7 +694,7 @@
           <a:p>
             <a:fld id="{DC421D61-4C4C-ED44-8E87-C7FBEA60D121}" type="datetimeFigureOut">
               <a:rPr kumimoji="1" lang="zh-CN" altLang="en-US" smtClean="0"/>
-              <a:t>2021/10/7</a:t>
+              <a:t>2021/10/8</a:t>
             </a:fld>
             <a:endParaRPr kumimoji="1" lang="zh-CN" altLang="en-US"/>
           </a:p>
@@ -888,7 +892,7 @@
           <a:p>
             <a:fld id="{DC421D61-4C4C-ED44-8E87-C7FBEA60D121}" type="datetimeFigureOut">
               <a:rPr kumimoji="1" lang="zh-CN" altLang="en-US" smtClean="0"/>
-              <a:t>2021/10/7</a:t>
+              <a:t>2021/10/8</a:t>
             </a:fld>
             <a:endParaRPr kumimoji="1" lang="zh-CN" altLang="en-US"/>
           </a:p>
@@ -1163,7 +1167,7 @@
           <a:p>
             <a:fld id="{DC421D61-4C4C-ED44-8E87-C7FBEA60D121}" type="datetimeFigureOut">
               <a:rPr kumimoji="1" lang="zh-CN" altLang="en-US" smtClean="0"/>
-              <a:t>2021/10/7</a:t>
+              <a:t>2021/10/8</a:t>
             </a:fld>
             <a:endParaRPr kumimoji="1" lang="zh-CN" altLang="en-US"/>
           </a:p>
@@ -1428,7 +1432,7 @@
           <a:p>
             <a:fld id="{DC421D61-4C4C-ED44-8E87-C7FBEA60D121}" type="datetimeFigureOut">
               <a:rPr kumimoji="1" lang="zh-CN" altLang="en-US" smtClean="0"/>
-              <a:t>2021/10/7</a:t>
+              <a:t>2021/10/8</a:t>
             </a:fld>
             <a:endParaRPr kumimoji="1" lang="zh-CN" altLang="en-US"/>
           </a:p>
@@ -1840,7 +1844,7 @@
           <a:p>
             <a:fld id="{DC421D61-4C4C-ED44-8E87-C7FBEA60D121}" type="datetimeFigureOut">
               <a:rPr kumimoji="1" lang="zh-CN" altLang="en-US" smtClean="0"/>
-              <a:t>2021/10/7</a:t>
+              <a:t>2021/10/8</a:t>
             </a:fld>
             <a:endParaRPr kumimoji="1" lang="zh-CN" altLang="en-US"/>
           </a:p>
@@ -1981,7 +1985,7 @@
           <a:p>
             <a:fld id="{DC421D61-4C4C-ED44-8E87-C7FBEA60D121}" type="datetimeFigureOut">
               <a:rPr kumimoji="1" lang="zh-CN" altLang="en-US" smtClean="0"/>
-              <a:t>2021/10/7</a:t>
+              <a:t>2021/10/8</a:t>
             </a:fld>
             <a:endParaRPr kumimoji="1" lang="zh-CN" altLang="en-US"/>
           </a:p>
@@ -2094,7 +2098,7 @@
           <a:p>
             <a:fld id="{DC421D61-4C4C-ED44-8E87-C7FBEA60D121}" type="datetimeFigureOut">
               <a:rPr kumimoji="1" lang="zh-CN" altLang="en-US" smtClean="0"/>
-              <a:t>2021/10/7</a:t>
+              <a:t>2021/10/8</a:t>
             </a:fld>
             <a:endParaRPr kumimoji="1" lang="zh-CN" altLang="en-US"/>
           </a:p>
@@ -2405,7 +2409,7 @@
           <a:p>
             <a:fld id="{DC421D61-4C4C-ED44-8E87-C7FBEA60D121}" type="datetimeFigureOut">
               <a:rPr kumimoji="1" lang="zh-CN" altLang="en-US" smtClean="0"/>
-              <a:t>2021/10/7</a:t>
+              <a:t>2021/10/8</a:t>
             </a:fld>
             <a:endParaRPr kumimoji="1" lang="zh-CN" altLang="en-US"/>
           </a:p>
@@ -2693,7 +2697,7 @@
           <a:p>
             <a:fld id="{DC421D61-4C4C-ED44-8E87-C7FBEA60D121}" type="datetimeFigureOut">
               <a:rPr kumimoji="1" lang="zh-CN" altLang="en-US" smtClean="0"/>
-              <a:t>2021/10/7</a:t>
+              <a:t>2021/10/8</a:t>
             </a:fld>
             <a:endParaRPr kumimoji="1" lang="zh-CN" altLang="en-US"/>
           </a:p>
@@ -2934,7 +2938,7 @@
           <a:p>
             <a:fld id="{DC421D61-4C4C-ED44-8E87-C7FBEA60D121}" type="datetimeFigureOut">
               <a:rPr kumimoji="1" lang="zh-CN" altLang="en-US" smtClean="0"/>
-              <a:t>2021/10/7</a:t>
+              <a:t>2021/10/8</a:t>
             </a:fld>
             <a:endParaRPr kumimoji="1" lang="zh-CN" altLang="en-US"/>
           </a:p>
@@ -15578,10 +15582,57 @@
       </p:grpSpPr>
       <p:sp>
         <p:nvSpPr>
-          <p:cNvPr id="26" name="圆角矩形 25">
-            <a:extLst>
-              <a:ext uri="{FF2B5EF4-FFF2-40B4-BE49-F238E27FC236}">
-                <a16:creationId xmlns:a16="http://schemas.microsoft.com/office/drawing/2014/main" id="{526CBEE1-1AD1-F44D-91B6-AC0954CDA066}"/>
+          <p:cNvPr id="3" name="文本框 2">
+            <a:extLst>
+              <a:ext uri="{FF2B5EF4-FFF2-40B4-BE49-F238E27FC236}">
+                <a16:creationId xmlns:a16="http://schemas.microsoft.com/office/drawing/2014/main" id="{2A2FBB20-DC04-9149-BB4A-6772BB523FB8}"/>
+              </a:ext>
+            </a:extLst>
+          </p:cNvPr>
+          <p:cNvSpPr txBox="1"/>
+          <p:nvPr/>
+        </p:nvSpPr>
+        <p:spPr>
+          <a:xfrm>
+            <a:off x="645458" y="537882"/>
+            <a:ext cx="5344733" cy="707886"/>
+          </a:xfrm>
+          <a:prstGeom prst="rect">
+            <a:avLst/>
+          </a:prstGeom>
+          <a:noFill/>
+        </p:spPr>
+        <p:txBody>
+          <a:bodyPr wrap="none" rtlCol="0">
+            <a:spAutoFit/>
+          </a:bodyPr>
+          <a:lstStyle/>
+          <a:p>
+            <a:r>
+              <a:rPr kumimoji="1" lang="en-US" altLang="zh-CN" sz="4000" dirty="0"/>
+              <a:t>G13</a:t>
+            </a:r>
+            <a:r>
+              <a:rPr kumimoji="1" lang="zh-CN" altLang="en-US" sz="4000" dirty="0"/>
+              <a:t> 有向有环图 </a:t>
+            </a:r>
+            <a:r>
+              <a:rPr kumimoji="1" lang="en-US" altLang="zh-CN" sz="4000" dirty="0"/>
+              <a:t>–</a:t>
+            </a:r>
+            <a:r>
+              <a:rPr kumimoji="1" lang="zh-CN" altLang="en-US" sz="4000" dirty="0"/>
+              <a:t> 长环</a:t>
+            </a:r>
+          </a:p>
+        </p:txBody>
+      </p:sp>
+      <p:sp>
+        <p:nvSpPr>
+          <p:cNvPr id="15" name="圆角矩形 14">
+            <a:extLst>
+              <a:ext uri="{FF2B5EF4-FFF2-40B4-BE49-F238E27FC236}">
+                <a16:creationId xmlns:a16="http://schemas.microsoft.com/office/drawing/2014/main" id="{87D721BE-E8EA-8941-A2B4-5486E655E14C}"/>
               </a:ext>
             </a:extLst>
           </p:cNvPr>
@@ -15590,8 +15641,8 @@
         </p:nvSpPr>
         <p:spPr>
           <a:xfrm>
-            <a:off x="9991668" y="4732877"/>
-            <a:ext cx="1367119" cy="634701"/>
+            <a:off x="605691" y="1385332"/>
+            <a:ext cx="1632920" cy="634701"/>
           </a:xfrm>
           <a:prstGeom prst="roundRect">
             <a:avLst/>
@@ -15620,19 +15671,11 @@
             <a:pPr algn="ctr"/>
             <a:r>
               <a:rPr kumimoji="1" lang="en-US" altLang="zh-CN" dirty="0"/>
-              <a:t>3</a:t>
-            </a:r>
-            <a:r>
-              <a:rPr kumimoji="1" lang="zh-CN" altLang="en-US" dirty="0"/>
-              <a:t> 左护法</a:t>
-            </a:r>
-            <a:endParaRPr kumimoji="1" lang="en-US" altLang="zh-CN" dirty="0"/>
-          </a:p>
-          <a:p>
-            <a:pPr algn="ctr"/>
-            <a:r>
-              <a:rPr kumimoji="1" lang="en-US" altLang="zh-CN" dirty="0"/>
-              <a:t>2500w</a:t>
+              <a:t>1</a:t>
+            </a:r>
+            <a:r>
+              <a:rPr lang="zh-CN" altLang="en-US" dirty="0"/>
+              <a:t>青毛狮子怪</a:t>
             </a:r>
             <a:endParaRPr kumimoji="1" lang="zh-CN" altLang="en-US" dirty="0"/>
           </a:p>
@@ -15640,10 +15683,10 @@
       </p:sp>
       <p:sp>
         <p:nvSpPr>
-          <p:cNvPr id="33" name="圆角矩形 32">
-            <a:extLst>
-              <a:ext uri="{FF2B5EF4-FFF2-40B4-BE49-F238E27FC236}">
-                <a16:creationId xmlns:a16="http://schemas.microsoft.com/office/drawing/2014/main" id="{9AD04DA3-25D5-1C4D-A836-148D56326A38}"/>
+          <p:cNvPr id="16" name="圆角矩形 15">
+            <a:extLst>
+              <a:ext uri="{FF2B5EF4-FFF2-40B4-BE49-F238E27FC236}">
+                <a16:creationId xmlns:a16="http://schemas.microsoft.com/office/drawing/2014/main" id="{C8A59E80-807F-684C-BAE1-38D042D43427}"/>
               </a:ext>
             </a:extLst>
           </p:cNvPr>
@@ -15652,8 +15695,8 @@
         </p:nvSpPr>
         <p:spPr>
           <a:xfrm>
-            <a:off x="9904595" y="6014830"/>
-            <a:ext cx="1541264" cy="634701"/>
+            <a:off x="4390595" y="1331253"/>
+            <a:ext cx="1367119" cy="634701"/>
           </a:xfrm>
           <a:prstGeom prst="roundRect">
             <a:avLst/>
@@ -15682,11 +15725,11 @@
             <a:pPr algn="ctr"/>
             <a:r>
               <a:rPr kumimoji="1" lang="en-US" altLang="zh-CN" dirty="0"/>
-              <a:t>4</a:t>
+              <a:t>3</a:t>
             </a:r>
             <a:r>
               <a:rPr kumimoji="1" lang="zh-CN" altLang="en-US" dirty="0"/>
-              <a:t> 右护法</a:t>
+              <a:t> 左护法</a:t>
             </a:r>
             <a:endParaRPr kumimoji="1" lang="en-US" altLang="zh-CN" dirty="0"/>
           </a:p>
@@ -15694,7 +15737,7 @@
             <a:pPr algn="ctr"/>
             <a:r>
               <a:rPr kumimoji="1" lang="en-US" altLang="zh-CN" dirty="0"/>
-              <a:t>500w</a:t>
+              <a:t>1000w</a:t>
             </a:r>
             <a:endParaRPr kumimoji="1" lang="zh-CN" altLang="en-US" dirty="0"/>
           </a:p>
@@ -15702,28 +15745,28 @@
       </p:sp>
       <p:cxnSp>
         <p:nvCxnSpPr>
-          <p:cNvPr id="35" name="曲线连接符 34">
-            <a:extLst>
-              <a:ext uri="{FF2B5EF4-FFF2-40B4-BE49-F238E27FC236}">
-                <a16:creationId xmlns:a16="http://schemas.microsoft.com/office/drawing/2014/main" id="{DCDEEBC9-C270-DF4F-BC23-88D488D75843}"/>
+          <p:cNvPr id="17" name="曲线连接符 16">
+            <a:extLst>
+              <a:ext uri="{FF2B5EF4-FFF2-40B4-BE49-F238E27FC236}">
+                <a16:creationId xmlns:a16="http://schemas.microsoft.com/office/drawing/2014/main" id="{61BA5E43-1859-8F4D-818A-04C4601E5A5F}"/>
               </a:ext>
             </a:extLst>
           </p:cNvPr>
           <p:cNvCxnSpPr>
             <a:cxnSpLocks/>
-            <a:stCxn id="33" idx="1"/>
-            <a:endCxn id="26" idx="1"/>
+            <a:stCxn id="15" idx="3"/>
+            <a:endCxn id="16" idx="1"/>
           </p:cNvCxnSpPr>
           <p:nvPr/>
         </p:nvCxnSpPr>
         <p:spPr>
-          <a:xfrm rot="10800000" flipH="1">
-            <a:off x="9904594" y="5050229"/>
-            <a:ext cx="87073" cy="1281953"/>
+          <a:xfrm flipV="1">
+            <a:off x="2238611" y="1648604"/>
+            <a:ext cx="2151984" cy="54079"/>
           </a:xfrm>
           <a:prstGeom prst="curvedConnector3">
             <a:avLst>
-              <a:gd name="adj1" fmla="val -262538"/>
+              <a:gd name="adj1" fmla="val 50000"/>
             </a:avLst>
           </a:prstGeom>
           <a:ln>
@@ -15745,69 +15788,31 @@
           </a:fontRef>
         </p:style>
       </p:cxnSp>
-      <p:sp>
-        <p:nvSpPr>
-          <p:cNvPr id="3" name="文本框 2">
-            <a:extLst>
-              <a:ext uri="{FF2B5EF4-FFF2-40B4-BE49-F238E27FC236}">
-                <a16:creationId xmlns:a16="http://schemas.microsoft.com/office/drawing/2014/main" id="{2A2FBB20-DC04-9149-BB4A-6772BB523FB8}"/>
-              </a:ext>
-            </a:extLst>
-          </p:cNvPr>
-          <p:cNvSpPr txBox="1"/>
-          <p:nvPr/>
-        </p:nvSpPr>
-        <p:spPr>
-          <a:xfrm>
-            <a:off x="645458" y="537882"/>
-            <a:ext cx="3238387" cy="707886"/>
-          </a:xfrm>
-          <a:prstGeom prst="rect">
-            <a:avLst/>
-          </a:prstGeom>
-          <a:noFill/>
-        </p:spPr>
-        <p:txBody>
-          <a:bodyPr wrap="none" rtlCol="0">
-            <a:spAutoFit/>
-          </a:bodyPr>
-          <a:lstStyle/>
-          <a:p>
-            <a:r>
-              <a:rPr kumimoji="1" lang="en-US" altLang="zh-CN" sz="4000" dirty="0"/>
-              <a:t>G</a:t>
-            </a:r>
-            <a:r>
-              <a:rPr kumimoji="1" lang="zh-CN" altLang="en-US" sz="4000" dirty="0"/>
-              <a:t> 有向有环图</a:t>
-            </a:r>
-          </a:p>
-        </p:txBody>
-      </p:sp>
       <p:cxnSp>
         <p:nvCxnSpPr>
-          <p:cNvPr id="36" name="曲线连接符 35">
-            <a:extLst>
-              <a:ext uri="{FF2B5EF4-FFF2-40B4-BE49-F238E27FC236}">
-                <a16:creationId xmlns:a16="http://schemas.microsoft.com/office/drawing/2014/main" id="{B857C210-51C5-6E46-A3AE-EC68D4F9FD29}"/>
+          <p:cNvPr id="18" name="曲线连接符 17">
+            <a:extLst>
+              <a:ext uri="{FF2B5EF4-FFF2-40B4-BE49-F238E27FC236}">
+                <a16:creationId xmlns:a16="http://schemas.microsoft.com/office/drawing/2014/main" id="{823B479D-A115-E74D-9C67-656D069ADED2}"/>
               </a:ext>
             </a:extLst>
           </p:cNvPr>
           <p:cNvCxnSpPr>
             <a:cxnSpLocks/>
-            <a:stCxn id="26" idx="3"/>
-            <a:endCxn id="33" idx="3"/>
+            <a:stCxn id="22" idx="2"/>
+            <a:endCxn id="19" idx="3"/>
           </p:cNvCxnSpPr>
           <p:nvPr/>
         </p:nvCxnSpPr>
         <p:spPr>
-          <a:xfrm>
-            <a:off x="11358787" y="5050228"/>
-            <a:ext cx="87072" cy="1281953"/>
-          </a:xfrm>
-          <a:prstGeom prst="curvedConnector3">
+          <a:xfrm rot="5400000" flipH="1">
+            <a:off x="7570204" y="4571147"/>
+            <a:ext cx="324491" cy="2870394"/>
+          </a:xfrm>
+          <a:prstGeom prst="curvedConnector4">
             <a:avLst>
-              <a:gd name="adj1" fmla="val 362541"/>
+              <a:gd name="adj1" fmla="val -70449"/>
+              <a:gd name="adj2" fmla="val 64222"/>
             </a:avLst>
           </a:prstGeom>
           <a:ln>
@@ -15831,82 +15836,10 @@
       </p:cxnSp>
       <p:sp>
         <p:nvSpPr>
-          <p:cNvPr id="58" name="文本框 57">
-            <a:extLst>
-              <a:ext uri="{FF2B5EF4-FFF2-40B4-BE49-F238E27FC236}">
-                <a16:creationId xmlns:a16="http://schemas.microsoft.com/office/drawing/2014/main" id="{2DBC2FAF-D969-574F-93C3-7DF03F0B0F1C}"/>
-              </a:ext>
-            </a:extLst>
-          </p:cNvPr>
-          <p:cNvSpPr txBox="1"/>
-          <p:nvPr/>
-        </p:nvSpPr>
-        <p:spPr>
-          <a:xfrm>
-            <a:off x="9013583" y="5487679"/>
-            <a:ext cx="550151" cy="369332"/>
-          </a:xfrm>
-          <a:prstGeom prst="rect">
-            <a:avLst/>
-          </a:prstGeom>
-          <a:noFill/>
-        </p:spPr>
-        <p:txBody>
-          <a:bodyPr wrap="none" rtlCol="0">
-            <a:spAutoFit/>
-          </a:bodyPr>
-          <a:lstStyle/>
-          <a:p>
-            <a:r>
-              <a:rPr kumimoji="1" lang="en-US" altLang="zh-CN" dirty="0"/>
-              <a:t>500</a:t>
-            </a:r>
-            <a:endParaRPr kumimoji="1" lang="zh-CN" altLang="en-US" dirty="0"/>
-          </a:p>
-        </p:txBody>
-      </p:sp>
-      <p:sp>
-        <p:nvSpPr>
-          <p:cNvPr id="59" name="文本框 58">
-            <a:extLst>
-              <a:ext uri="{FF2B5EF4-FFF2-40B4-BE49-F238E27FC236}">
-                <a16:creationId xmlns:a16="http://schemas.microsoft.com/office/drawing/2014/main" id="{6755C7F7-CD26-BE42-AF57-D0F9E9433A7C}"/>
-              </a:ext>
-            </a:extLst>
-          </p:cNvPr>
-          <p:cNvSpPr txBox="1"/>
-          <p:nvPr/>
-        </p:nvSpPr>
-        <p:spPr>
-          <a:xfrm>
-            <a:off x="11641849" y="5411502"/>
-            <a:ext cx="550151" cy="369332"/>
-          </a:xfrm>
-          <a:prstGeom prst="rect">
-            <a:avLst/>
-          </a:prstGeom>
-          <a:noFill/>
-        </p:spPr>
-        <p:txBody>
-          <a:bodyPr wrap="none" rtlCol="0">
-            <a:spAutoFit/>
-          </a:bodyPr>
-          <a:lstStyle/>
-          <a:p>
-            <a:r>
-              <a:rPr kumimoji="1" lang="en-US" altLang="zh-CN" dirty="0"/>
-              <a:t>500</a:t>
-            </a:r>
-            <a:endParaRPr kumimoji="1" lang="zh-CN" altLang="en-US" dirty="0"/>
-          </a:p>
-        </p:txBody>
-      </p:sp>
-      <p:sp>
-        <p:nvSpPr>
           <p:cNvPr id="19" name="圆角矩形 18">
             <a:extLst>
               <a:ext uri="{FF2B5EF4-FFF2-40B4-BE49-F238E27FC236}">
-                <a16:creationId xmlns:a16="http://schemas.microsoft.com/office/drawing/2014/main" id="{6EE04A7D-0EF5-4E4E-ACE4-B1654E08043E}"/>
+                <a16:creationId xmlns:a16="http://schemas.microsoft.com/office/drawing/2014/main" id="{5CCCEE52-AE84-3E4E-AA8A-50649D5AE9D6}"/>
               </a:ext>
             </a:extLst>
           </p:cNvPr>
@@ -15915,7 +15848,7 @@
         </p:nvSpPr>
         <p:spPr>
           <a:xfrm>
-            <a:off x="2743629" y="4083803"/>
+            <a:off x="4755989" y="5526747"/>
             <a:ext cx="1541264" cy="634701"/>
           </a:xfrm>
           <a:prstGeom prst="roundRect">
@@ -15957,90 +15890,105 @@
             <a:pPr algn="ctr"/>
             <a:r>
               <a:rPr kumimoji="1" lang="en-US" altLang="zh-CN" dirty="0"/>
-              <a:t>125w</a:t>
-            </a:r>
-            <a:endParaRPr kumimoji="1" lang="zh-CN" altLang="en-US" dirty="0"/>
-          </a:p>
-        </p:txBody>
-      </p:sp>
-      <p:sp>
-        <p:nvSpPr>
-          <p:cNvPr id="21" name="文本框 20">
-            <a:extLst>
-              <a:ext uri="{FF2B5EF4-FFF2-40B4-BE49-F238E27FC236}">
-                <a16:creationId xmlns:a16="http://schemas.microsoft.com/office/drawing/2014/main" id="{50244CC9-5533-D345-B026-5977A9A87E02}"/>
-              </a:ext>
-            </a:extLst>
-          </p:cNvPr>
-          <p:cNvSpPr txBox="1"/>
-          <p:nvPr/>
-        </p:nvSpPr>
-        <p:spPr>
-          <a:xfrm>
-            <a:off x="1389376" y="3574625"/>
-            <a:ext cx="550151" cy="369332"/>
-          </a:xfrm>
-          <a:prstGeom prst="rect">
-            <a:avLst/>
-          </a:prstGeom>
-          <a:noFill/>
-        </p:spPr>
-        <p:txBody>
-          <a:bodyPr wrap="none" rtlCol="0">
-            <a:spAutoFit/>
-          </a:bodyPr>
-          <a:lstStyle/>
-          <a:p>
-            <a:r>
-              <a:rPr kumimoji="1" lang="en-US" altLang="zh-CN" dirty="0"/>
-              <a:t>177</a:t>
-            </a:r>
-            <a:endParaRPr kumimoji="1" lang="zh-CN" altLang="en-US" dirty="0"/>
-          </a:p>
-        </p:txBody>
-      </p:sp>
-      <p:sp>
-        <p:nvSpPr>
-          <p:cNvPr id="22" name="文本框 21">
-            <a:extLst>
-              <a:ext uri="{FF2B5EF4-FFF2-40B4-BE49-F238E27FC236}">
-                <a16:creationId xmlns:a16="http://schemas.microsoft.com/office/drawing/2014/main" id="{54D55520-E19D-3D49-B018-1D54E753B4F3}"/>
-              </a:ext>
-            </a:extLst>
-          </p:cNvPr>
-          <p:cNvSpPr txBox="1"/>
-          <p:nvPr/>
-        </p:nvSpPr>
-        <p:spPr>
-          <a:xfrm>
-            <a:off x="3514261" y="3480475"/>
-            <a:ext cx="550151" cy="369332"/>
-          </a:xfrm>
-          <a:prstGeom prst="rect">
-            <a:avLst/>
-          </a:prstGeom>
-          <a:noFill/>
-        </p:spPr>
-        <p:txBody>
-          <a:bodyPr wrap="none" rtlCol="0">
-            <a:spAutoFit/>
-          </a:bodyPr>
-          <a:lstStyle/>
-          <a:p>
-            <a:r>
-              <a:rPr kumimoji="1" lang="en-US" altLang="zh-CN" dirty="0"/>
-              <a:t>125</a:t>
-            </a:r>
-            <a:endParaRPr kumimoji="1" lang="zh-CN" altLang="en-US" dirty="0"/>
-          </a:p>
-        </p:txBody>
-      </p:sp>
-      <p:sp>
-        <p:nvSpPr>
-          <p:cNvPr id="23" name="圆角矩形 22">
-            <a:extLst>
-              <a:ext uri="{FF2B5EF4-FFF2-40B4-BE49-F238E27FC236}">
-                <a16:creationId xmlns:a16="http://schemas.microsoft.com/office/drawing/2014/main" id="{93C353FB-1D1B-D54C-8C31-75890CA9CA91}"/>
+              <a:t>1000w</a:t>
+            </a:r>
+          </a:p>
+        </p:txBody>
+      </p:sp>
+      <p:cxnSp>
+        <p:nvCxnSpPr>
+          <p:cNvPr id="20" name="曲线连接符 19">
+            <a:extLst>
+              <a:ext uri="{FF2B5EF4-FFF2-40B4-BE49-F238E27FC236}">
+                <a16:creationId xmlns:a16="http://schemas.microsoft.com/office/drawing/2014/main" id="{FA64C907-6A17-2844-91F2-CCE29A6AD52D}"/>
+              </a:ext>
+            </a:extLst>
+          </p:cNvPr>
+          <p:cNvCxnSpPr>
+            <a:cxnSpLocks/>
+            <a:stCxn id="31" idx="0"/>
+            <a:endCxn id="16" idx="1"/>
+          </p:cNvCxnSpPr>
+          <p:nvPr/>
+        </p:nvCxnSpPr>
+        <p:spPr>
+          <a:xfrm rot="5400000" flipH="1" flipV="1">
+            <a:off x="3185992" y="1170641"/>
+            <a:ext cx="726640" cy="1682566"/>
+          </a:xfrm>
+          <a:prstGeom prst="curvedConnector2">
+            <a:avLst/>
+          </a:prstGeom>
+          <a:ln>
+            <a:tailEnd type="triangle"/>
+          </a:ln>
+        </p:spPr>
+        <p:style>
+          <a:lnRef idx="1">
+            <a:schemeClr val="accent1"/>
+          </a:lnRef>
+          <a:fillRef idx="0">
+            <a:schemeClr val="accent1"/>
+          </a:fillRef>
+          <a:effectRef idx="0">
+            <a:schemeClr val="accent1"/>
+          </a:effectRef>
+          <a:fontRef idx="minor">
+            <a:schemeClr val="tx1"/>
+          </a:fontRef>
+        </p:style>
+      </p:cxnSp>
+      <p:cxnSp>
+        <p:nvCxnSpPr>
+          <p:cNvPr id="21" name="曲线连接符 20">
+            <a:extLst>
+              <a:ext uri="{FF2B5EF4-FFF2-40B4-BE49-F238E27FC236}">
+                <a16:creationId xmlns:a16="http://schemas.microsoft.com/office/drawing/2014/main" id="{C035F9CB-8F3C-3E4E-BAF3-9F431970AFBC}"/>
+              </a:ext>
+            </a:extLst>
+          </p:cNvPr>
+          <p:cNvCxnSpPr>
+            <a:cxnSpLocks/>
+            <a:stCxn id="16" idx="3"/>
+            <a:endCxn id="11" idx="1"/>
+          </p:cNvCxnSpPr>
+          <p:nvPr/>
+        </p:nvCxnSpPr>
+        <p:spPr>
+          <a:xfrm>
+            <a:off x="5757714" y="1648604"/>
+            <a:ext cx="346744" cy="406830"/>
+          </a:xfrm>
+          <a:prstGeom prst="curvedConnector3">
+            <a:avLst>
+              <a:gd name="adj1" fmla="val 50000"/>
+            </a:avLst>
+          </a:prstGeom>
+          <a:ln>
+            <a:tailEnd type="triangle"/>
+          </a:ln>
+        </p:spPr>
+        <p:style>
+          <a:lnRef idx="1">
+            <a:schemeClr val="accent1"/>
+          </a:lnRef>
+          <a:fillRef idx="0">
+            <a:schemeClr val="accent1"/>
+          </a:fillRef>
+          <a:effectRef idx="0">
+            <a:schemeClr val="accent1"/>
+          </a:effectRef>
+          <a:fontRef idx="minor">
+            <a:schemeClr val="tx1"/>
+          </a:fontRef>
+        </p:style>
+      </p:cxnSp>
+      <p:sp>
+        <p:nvSpPr>
+          <p:cNvPr id="22" name="圆角矩形 21">
+            <a:extLst>
+              <a:ext uri="{FF2B5EF4-FFF2-40B4-BE49-F238E27FC236}">
+                <a16:creationId xmlns:a16="http://schemas.microsoft.com/office/drawing/2014/main" id="{B20C7EFC-25FC-0748-818C-92A12F72466E}"/>
               </a:ext>
             </a:extLst>
           </p:cNvPr>
@@ -16049,8 +15997,8 @@
         </p:nvSpPr>
         <p:spPr>
           <a:xfrm>
-            <a:off x="1161070" y="4080215"/>
-            <a:ext cx="1367119" cy="634701"/>
+            <a:off x="8351187" y="5533888"/>
+            <a:ext cx="1632920" cy="634701"/>
           </a:xfrm>
           <a:prstGeom prst="roundRect">
             <a:avLst/>
@@ -16079,19 +16027,11 @@
             <a:pPr algn="ctr"/>
             <a:r>
               <a:rPr kumimoji="1" lang="en-US" altLang="zh-CN" dirty="0"/>
-              <a:t>3</a:t>
-            </a:r>
-            <a:r>
-              <a:rPr kumimoji="1" lang="zh-CN" altLang="en-US" dirty="0"/>
-              <a:t> 左护法</a:t>
-            </a:r>
-            <a:endParaRPr kumimoji="1" lang="en-US" altLang="zh-CN" dirty="0"/>
-          </a:p>
-          <a:p>
-            <a:pPr algn="ctr"/>
-            <a:r>
-              <a:rPr kumimoji="1" lang="en-US" altLang="zh-CN" dirty="0"/>
-              <a:t>177w</a:t>
+              <a:t>2</a:t>
+            </a:r>
+            <a:r>
+              <a:rPr lang="zh-CN" altLang="en-US" dirty="0"/>
+              <a:t>大鹏金翅雕</a:t>
             </a:r>
             <a:endParaRPr kumimoji="1" lang="zh-CN" altLang="en-US" dirty="0"/>
           </a:p>
@@ -16099,46 +16039,10 @@
       </p:sp>
       <p:sp>
         <p:nvSpPr>
-          <p:cNvPr id="25" name="文本框 24">
-            <a:extLst>
-              <a:ext uri="{FF2B5EF4-FFF2-40B4-BE49-F238E27FC236}">
-                <a16:creationId xmlns:a16="http://schemas.microsoft.com/office/drawing/2014/main" id="{E98E48F5-60C4-7D43-8DFB-5917B437BCEE}"/>
-              </a:ext>
-            </a:extLst>
-          </p:cNvPr>
-          <p:cNvSpPr txBox="1"/>
-          <p:nvPr/>
-        </p:nvSpPr>
-        <p:spPr>
-          <a:xfrm>
-            <a:off x="1575840" y="5050228"/>
-            <a:ext cx="550151" cy="369332"/>
-          </a:xfrm>
-          <a:prstGeom prst="rect">
-            <a:avLst/>
-          </a:prstGeom>
-          <a:noFill/>
-        </p:spPr>
-        <p:txBody>
-          <a:bodyPr wrap="none" rtlCol="0">
-            <a:spAutoFit/>
-          </a:bodyPr>
-          <a:lstStyle/>
-          <a:p>
-            <a:r>
-              <a:rPr kumimoji="1" lang="en-US" altLang="zh-CN" dirty="0"/>
-              <a:t>250</a:t>
-            </a:r>
-            <a:endParaRPr kumimoji="1" lang="zh-CN" altLang="en-US" dirty="0"/>
-          </a:p>
-        </p:txBody>
-      </p:sp>
-      <p:sp>
-        <p:nvSpPr>
-          <p:cNvPr id="27" name="圆角矩形 26">
-            <a:extLst>
-              <a:ext uri="{FF2B5EF4-FFF2-40B4-BE49-F238E27FC236}">
-                <a16:creationId xmlns:a16="http://schemas.microsoft.com/office/drawing/2014/main" id="{9AF73A81-6988-EE46-B133-82EE63016D98}"/>
+          <p:cNvPr id="11" name="圆角矩形 10">
+            <a:extLst>
+              <a:ext uri="{FF2B5EF4-FFF2-40B4-BE49-F238E27FC236}">
+                <a16:creationId xmlns:a16="http://schemas.microsoft.com/office/drawing/2014/main" id="{99735321-5847-4A40-9A6D-D67FCA2DECDC}"/>
               </a:ext>
             </a:extLst>
           </p:cNvPr>
@@ -16147,8 +16051,8 @@
         </p:nvSpPr>
         <p:spPr>
           <a:xfrm>
-            <a:off x="1598503" y="1694395"/>
-            <a:ext cx="1915758" cy="634701"/>
+            <a:off x="6104458" y="1738083"/>
+            <a:ext cx="1367119" cy="634701"/>
           </a:xfrm>
           <a:prstGeom prst="roundRect">
             <a:avLst/>
@@ -16177,92 +16081,19 @@
             <a:pPr algn="ctr"/>
             <a:r>
               <a:rPr kumimoji="1" lang="en-US" altLang="zh-CN" dirty="0"/>
-              <a:t>1</a:t>
+              <a:t>5</a:t>
             </a:r>
             <a:r>
               <a:rPr kumimoji="1" lang="zh-CN" altLang="en-US" dirty="0"/>
-              <a:t> 青毛狮子王</a:t>
+              <a:t> 左护法</a:t>
             </a:r>
             <a:endParaRPr kumimoji="1" lang="en-US" altLang="zh-CN" dirty="0"/>
           </a:p>
-        </p:txBody>
-      </p:sp>
-      <p:cxnSp>
-        <p:nvCxnSpPr>
-          <p:cNvPr id="28" name="曲线连接符 27">
-            <a:extLst>
-              <a:ext uri="{FF2B5EF4-FFF2-40B4-BE49-F238E27FC236}">
-                <a16:creationId xmlns:a16="http://schemas.microsoft.com/office/drawing/2014/main" id="{75C099E3-52E4-B943-AFD2-E69DCD593B27}"/>
-              </a:ext>
-            </a:extLst>
-          </p:cNvPr>
-          <p:cNvCxnSpPr>
-            <a:cxnSpLocks/>
-            <a:stCxn id="27" idx="2"/>
-            <a:endCxn id="23" idx="0"/>
-          </p:cNvCxnSpPr>
-          <p:nvPr/>
-        </p:nvCxnSpPr>
-        <p:spPr>
-          <a:xfrm rot="5400000">
-            <a:off x="1324947" y="2848779"/>
-            <a:ext cx="1751119" cy="711752"/>
-          </a:xfrm>
-          <a:prstGeom prst="curvedConnector3">
-            <a:avLst>
-              <a:gd name="adj1" fmla="val 50000"/>
-            </a:avLst>
-          </a:prstGeom>
-          <a:ln>
-            <a:tailEnd type="triangle"/>
-          </a:ln>
-        </p:spPr>
-        <p:style>
-          <a:lnRef idx="1">
-            <a:schemeClr val="accent1"/>
-          </a:lnRef>
-          <a:fillRef idx="0">
-            <a:schemeClr val="accent1"/>
-          </a:fillRef>
-          <a:effectRef idx="0">
-            <a:schemeClr val="accent1"/>
-          </a:effectRef>
-          <a:fontRef idx="minor">
-            <a:schemeClr val="tx1"/>
-          </a:fontRef>
-        </p:style>
-      </p:cxnSp>
-      <p:sp>
-        <p:nvSpPr>
-          <p:cNvPr id="29" name="文本框 28">
-            <a:extLst>
-              <a:ext uri="{FF2B5EF4-FFF2-40B4-BE49-F238E27FC236}">
-                <a16:creationId xmlns:a16="http://schemas.microsoft.com/office/drawing/2014/main" id="{DE2ADC27-6CF3-3E47-B29E-3FAC9199CE82}"/>
-              </a:ext>
-            </a:extLst>
-          </p:cNvPr>
-          <p:cNvSpPr txBox="1"/>
-          <p:nvPr/>
-        </p:nvSpPr>
-        <p:spPr>
-          <a:xfrm>
-            <a:off x="2600898" y="2310594"/>
-            <a:ext cx="671979" cy="369332"/>
-          </a:xfrm>
-          <a:prstGeom prst="rect">
-            <a:avLst/>
-          </a:prstGeom>
-          <a:noFill/>
-        </p:spPr>
-        <p:txBody>
-          <a:bodyPr wrap="none" rtlCol="0">
-            <a:spAutoFit/>
-          </a:bodyPr>
-          <a:lstStyle/>
-          <a:p>
-            <a:r>
-              <a:rPr kumimoji="1" lang="en-US" altLang="zh-CN" dirty="0"/>
-              <a:t>2000</a:t>
+          <a:p>
+            <a:pPr algn="ctr"/>
+            <a:r>
+              <a:rPr kumimoji="1" lang="en-US" altLang="zh-CN" dirty="0"/>
+              <a:t>500w</a:t>
             </a:r>
             <a:endParaRPr kumimoji="1" lang="zh-CN" altLang="en-US" dirty="0"/>
           </a:p>
@@ -16270,10 +16101,10 @@
       </p:sp>
       <p:sp>
         <p:nvSpPr>
-          <p:cNvPr id="30" name="圆角矩形 29">
-            <a:extLst>
-              <a:ext uri="{FF2B5EF4-FFF2-40B4-BE49-F238E27FC236}">
-                <a16:creationId xmlns:a16="http://schemas.microsoft.com/office/drawing/2014/main" id="{02E31B41-146E-894A-966F-44A7B87F01E4}"/>
+          <p:cNvPr id="12" name="圆角矩形 11">
+            <a:extLst>
+              <a:ext uri="{FF2B5EF4-FFF2-40B4-BE49-F238E27FC236}">
+                <a16:creationId xmlns:a16="http://schemas.microsoft.com/office/drawing/2014/main" id="{AC991A50-876E-5E4F-BCE7-E2BCB5CE0621}"/>
               </a:ext>
             </a:extLst>
           </p:cNvPr>
@@ -16282,8 +16113,8 @@
         </p:nvSpPr>
         <p:spPr>
           <a:xfrm>
-            <a:off x="4064412" y="1510550"/>
-            <a:ext cx="1915758" cy="634701"/>
+            <a:off x="6875706" y="2984827"/>
+            <a:ext cx="1367119" cy="634701"/>
           </a:xfrm>
           <a:prstGeom prst="roundRect">
             <a:avLst/>
@@ -16312,36 +16143,106 @@
             <a:pPr algn="ctr"/>
             <a:r>
               <a:rPr kumimoji="1" lang="en-US" altLang="zh-CN" dirty="0"/>
-              <a:t>1</a:t>
+              <a:t>6</a:t>
             </a:r>
             <a:r>
               <a:rPr kumimoji="1" lang="zh-CN" altLang="en-US" dirty="0"/>
-              <a:t> 青毛狮子王</a:t>
+              <a:t> 左护法</a:t>
             </a:r>
             <a:endParaRPr kumimoji="1" lang="en-US" altLang="zh-CN" dirty="0"/>
+          </a:p>
+          <a:p>
+            <a:pPr algn="ctr"/>
+            <a:r>
+              <a:rPr kumimoji="1" lang="en-US" altLang="zh-CN" dirty="0"/>
+              <a:t>500w</a:t>
+            </a:r>
+            <a:endParaRPr kumimoji="1" lang="zh-CN" altLang="en-US" dirty="0"/>
+          </a:p>
+        </p:txBody>
+      </p:sp>
+      <p:sp>
+        <p:nvSpPr>
+          <p:cNvPr id="13" name="圆角矩形 12">
+            <a:extLst>
+              <a:ext uri="{FF2B5EF4-FFF2-40B4-BE49-F238E27FC236}">
+                <a16:creationId xmlns:a16="http://schemas.microsoft.com/office/drawing/2014/main" id="{4CBC6E9D-D283-8A4E-BDBB-9DC7E4C8A67E}"/>
+              </a:ext>
+            </a:extLst>
+          </p:cNvPr>
+          <p:cNvSpPr/>
+          <p:nvPr/>
+        </p:nvSpPr>
+        <p:spPr>
+          <a:xfrm>
+            <a:off x="7262329" y="4112746"/>
+            <a:ext cx="1367119" cy="634701"/>
+          </a:xfrm>
+          <a:prstGeom prst="roundRect">
+            <a:avLst/>
+          </a:prstGeom>
+        </p:spPr>
+        <p:style>
+          <a:lnRef idx="2">
+            <a:schemeClr val="accent1">
+              <a:shade val="50000"/>
+            </a:schemeClr>
+          </a:lnRef>
+          <a:fillRef idx="1">
+            <a:schemeClr val="accent1"/>
+          </a:fillRef>
+          <a:effectRef idx="0">
+            <a:schemeClr val="accent1"/>
+          </a:effectRef>
+          <a:fontRef idx="minor">
+            <a:schemeClr val="lt1"/>
+          </a:fontRef>
+        </p:style>
+        <p:txBody>
+          <a:bodyPr rtlCol="0" anchor="ctr"/>
+          <a:lstStyle/>
+          <a:p>
+            <a:pPr algn="ctr"/>
+            <a:r>
+              <a:rPr kumimoji="1" lang="en-US" altLang="zh-CN" dirty="0"/>
+              <a:t>7</a:t>
+            </a:r>
+            <a:r>
+              <a:rPr kumimoji="1" lang="zh-CN" altLang="en-US" dirty="0"/>
+              <a:t> 左护法</a:t>
+            </a:r>
+            <a:endParaRPr kumimoji="1" lang="en-US" altLang="zh-CN" dirty="0"/>
+          </a:p>
+          <a:p>
+            <a:pPr algn="ctr"/>
+            <a:r>
+              <a:rPr kumimoji="1" lang="en-US" altLang="zh-CN" dirty="0"/>
+              <a:t>500w</a:t>
+            </a:r>
+            <a:endParaRPr kumimoji="1" lang="zh-CN" altLang="en-US" dirty="0"/>
           </a:p>
         </p:txBody>
       </p:sp>
       <p:cxnSp>
         <p:nvCxnSpPr>
-          <p:cNvPr id="31" name="曲线连接符 30">
-            <a:extLst>
-              <a:ext uri="{FF2B5EF4-FFF2-40B4-BE49-F238E27FC236}">
-                <a16:creationId xmlns:a16="http://schemas.microsoft.com/office/drawing/2014/main" id="{667FD633-3565-0047-B9BA-9759049D33D5}"/>
+          <p:cNvPr id="23" name="曲线连接符 22">
+            <a:extLst>
+              <a:ext uri="{FF2B5EF4-FFF2-40B4-BE49-F238E27FC236}">
+                <a16:creationId xmlns:a16="http://schemas.microsoft.com/office/drawing/2014/main" id="{E2C391FE-B66A-2F46-8768-FE7FB1054FDD}"/>
               </a:ext>
             </a:extLst>
           </p:cNvPr>
           <p:cNvCxnSpPr>
             <a:cxnSpLocks/>
-            <a:stCxn id="30" idx="2"/>
-            <a:endCxn id="19" idx="0"/>
+            <a:stCxn id="11" idx="2"/>
+            <a:endCxn id="12" idx="0"/>
           </p:cNvCxnSpPr>
           <p:nvPr/>
         </p:nvCxnSpPr>
         <p:spPr>
-          <a:xfrm rot="5400000">
-            <a:off x="3299000" y="2360512"/>
-            <a:ext cx="1938552" cy="1508030"/>
+          <a:xfrm rot="16200000" flipH="1">
+            <a:off x="6867621" y="2293181"/>
+            <a:ext cx="612043" cy="771248"/>
           </a:xfrm>
           <a:prstGeom prst="curvedConnector3">
             <a:avLst>
@@ -16367,10 +16268,5557 @@
           </a:fontRef>
         </p:style>
       </p:cxnSp>
+      <p:cxnSp>
+        <p:nvCxnSpPr>
+          <p:cNvPr id="24" name="曲线连接符 23">
+            <a:extLst>
+              <a:ext uri="{FF2B5EF4-FFF2-40B4-BE49-F238E27FC236}">
+                <a16:creationId xmlns:a16="http://schemas.microsoft.com/office/drawing/2014/main" id="{99D0D77F-ED5A-2041-9CDA-C3EA4C49333B}"/>
+              </a:ext>
+            </a:extLst>
+          </p:cNvPr>
+          <p:cNvCxnSpPr>
+            <a:cxnSpLocks/>
+            <a:stCxn id="12" idx="2"/>
+            <a:endCxn id="13" idx="0"/>
+          </p:cNvCxnSpPr>
+          <p:nvPr/>
+        </p:nvCxnSpPr>
+        <p:spPr>
+          <a:xfrm rot="16200000" flipH="1">
+            <a:off x="7505968" y="3672825"/>
+            <a:ext cx="493218" cy="386623"/>
+          </a:xfrm>
+          <a:prstGeom prst="curvedConnector3">
+            <a:avLst>
+              <a:gd name="adj1" fmla="val 50000"/>
+            </a:avLst>
+          </a:prstGeom>
+          <a:ln>
+            <a:tailEnd type="triangle"/>
+          </a:ln>
+        </p:spPr>
+        <p:style>
+          <a:lnRef idx="1">
+            <a:schemeClr val="accent1"/>
+          </a:lnRef>
+          <a:fillRef idx="0">
+            <a:schemeClr val="accent1"/>
+          </a:fillRef>
+          <a:effectRef idx="0">
+            <a:schemeClr val="accent1"/>
+          </a:effectRef>
+          <a:fontRef idx="minor">
+            <a:schemeClr val="tx1"/>
+          </a:fontRef>
+        </p:style>
+      </p:cxnSp>
+      <p:sp>
+        <p:nvSpPr>
+          <p:cNvPr id="29" name="圆角矩形 28">
+            <a:extLst>
+              <a:ext uri="{FF2B5EF4-FFF2-40B4-BE49-F238E27FC236}">
+                <a16:creationId xmlns:a16="http://schemas.microsoft.com/office/drawing/2014/main" id="{DA16C56B-7627-594D-9E57-57EB28FFE682}"/>
+              </a:ext>
+            </a:extLst>
+          </p:cNvPr>
+          <p:cNvSpPr/>
+          <p:nvPr/>
+        </p:nvSpPr>
+        <p:spPr>
+          <a:xfrm>
+            <a:off x="2964125" y="4574696"/>
+            <a:ext cx="1541264" cy="634701"/>
+          </a:xfrm>
+          <a:prstGeom prst="roundRect">
+            <a:avLst/>
+          </a:prstGeom>
+        </p:spPr>
+        <p:style>
+          <a:lnRef idx="2">
+            <a:schemeClr val="accent1">
+              <a:shade val="50000"/>
+            </a:schemeClr>
+          </a:lnRef>
+          <a:fillRef idx="1">
+            <a:schemeClr val="accent1"/>
+          </a:fillRef>
+          <a:effectRef idx="0">
+            <a:schemeClr val="accent1"/>
+          </a:effectRef>
+          <a:fontRef idx="minor">
+            <a:schemeClr val="lt1"/>
+          </a:fontRef>
+        </p:style>
+        <p:txBody>
+          <a:bodyPr rtlCol="0" anchor="ctr"/>
+          <a:lstStyle/>
+          <a:p>
+            <a:pPr algn="ctr"/>
+            <a:r>
+              <a:rPr kumimoji="1" lang="en-US" altLang="zh-CN" dirty="0"/>
+              <a:t>8</a:t>
+            </a:r>
+            <a:r>
+              <a:rPr kumimoji="1" lang="zh-CN" altLang="en-US" dirty="0"/>
+              <a:t> 右护法</a:t>
+            </a:r>
+            <a:endParaRPr kumimoji="1" lang="en-US" altLang="zh-CN" dirty="0"/>
+          </a:p>
+          <a:p>
+            <a:pPr algn="ctr"/>
+            <a:r>
+              <a:rPr kumimoji="1" lang="en-US" altLang="zh-CN" dirty="0"/>
+              <a:t>500w</a:t>
+            </a:r>
+          </a:p>
+        </p:txBody>
+      </p:sp>
+      <p:sp>
+        <p:nvSpPr>
+          <p:cNvPr id="30" name="圆角矩形 29">
+            <a:extLst>
+              <a:ext uri="{FF2B5EF4-FFF2-40B4-BE49-F238E27FC236}">
+                <a16:creationId xmlns:a16="http://schemas.microsoft.com/office/drawing/2014/main" id="{C70A2AC2-EB1E-244A-BDA3-A48D0FCE7F47}"/>
+              </a:ext>
+            </a:extLst>
+          </p:cNvPr>
+          <p:cNvSpPr/>
+          <p:nvPr/>
+        </p:nvSpPr>
+        <p:spPr>
+          <a:xfrm>
+            <a:off x="2407913" y="3465625"/>
+            <a:ext cx="1541264" cy="634701"/>
+          </a:xfrm>
+          <a:prstGeom prst="roundRect">
+            <a:avLst/>
+          </a:prstGeom>
+        </p:spPr>
+        <p:style>
+          <a:lnRef idx="2">
+            <a:schemeClr val="accent1">
+              <a:shade val="50000"/>
+            </a:schemeClr>
+          </a:lnRef>
+          <a:fillRef idx="1">
+            <a:schemeClr val="accent1"/>
+          </a:fillRef>
+          <a:effectRef idx="0">
+            <a:schemeClr val="accent1"/>
+          </a:effectRef>
+          <a:fontRef idx="minor">
+            <a:schemeClr val="lt1"/>
+          </a:fontRef>
+        </p:style>
+        <p:txBody>
+          <a:bodyPr rtlCol="0" anchor="ctr"/>
+          <a:lstStyle/>
+          <a:p>
+            <a:pPr algn="ctr"/>
+            <a:r>
+              <a:rPr kumimoji="1" lang="en-US" altLang="zh-CN" dirty="0"/>
+              <a:t>9</a:t>
+            </a:r>
+            <a:r>
+              <a:rPr kumimoji="1" lang="zh-CN" altLang="en-US" dirty="0"/>
+              <a:t> 右护法</a:t>
+            </a:r>
+            <a:endParaRPr kumimoji="1" lang="en-US" altLang="zh-CN" dirty="0"/>
+          </a:p>
+          <a:p>
+            <a:pPr algn="ctr"/>
+            <a:r>
+              <a:rPr kumimoji="1" lang="en-US" altLang="zh-CN" dirty="0"/>
+              <a:t>500w</a:t>
+            </a:r>
+          </a:p>
+        </p:txBody>
+      </p:sp>
+      <p:sp>
+        <p:nvSpPr>
+          <p:cNvPr id="31" name="圆角矩形 30">
+            <a:extLst>
+              <a:ext uri="{FF2B5EF4-FFF2-40B4-BE49-F238E27FC236}">
+                <a16:creationId xmlns:a16="http://schemas.microsoft.com/office/drawing/2014/main" id="{4D65F449-DE74-D64F-9D5C-1D35D48EB653}"/>
+              </a:ext>
+            </a:extLst>
+          </p:cNvPr>
+          <p:cNvSpPr/>
+          <p:nvPr/>
+        </p:nvSpPr>
+        <p:spPr>
+          <a:xfrm>
+            <a:off x="1937397" y="2375244"/>
+            <a:ext cx="1541264" cy="634701"/>
+          </a:xfrm>
+          <a:prstGeom prst="roundRect">
+            <a:avLst/>
+          </a:prstGeom>
+        </p:spPr>
+        <p:style>
+          <a:lnRef idx="2">
+            <a:schemeClr val="accent1">
+              <a:shade val="50000"/>
+            </a:schemeClr>
+          </a:lnRef>
+          <a:fillRef idx="1">
+            <a:schemeClr val="accent1"/>
+          </a:fillRef>
+          <a:effectRef idx="0">
+            <a:schemeClr val="accent1"/>
+          </a:effectRef>
+          <a:fontRef idx="minor">
+            <a:schemeClr val="lt1"/>
+          </a:fontRef>
+        </p:style>
+        <p:txBody>
+          <a:bodyPr rtlCol="0" anchor="ctr"/>
+          <a:lstStyle/>
+          <a:p>
+            <a:pPr algn="ctr"/>
+            <a:r>
+              <a:rPr kumimoji="1" lang="en-US" altLang="zh-CN" dirty="0"/>
+              <a:t>10</a:t>
+            </a:r>
+            <a:r>
+              <a:rPr kumimoji="1" lang="zh-CN" altLang="en-US" dirty="0"/>
+              <a:t> 右护法</a:t>
+            </a:r>
+            <a:endParaRPr kumimoji="1" lang="en-US" altLang="zh-CN" dirty="0"/>
+          </a:p>
+          <a:p>
+            <a:pPr algn="ctr"/>
+            <a:r>
+              <a:rPr kumimoji="1" lang="en-US" altLang="zh-CN" dirty="0"/>
+              <a:t>500w</a:t>
+            </a:r>
+          </a:p>
+        </p:txBody>
+      </p:sp>
+      <p:cxnSp>
+        <p:nvCxnSpPr>
+          <p:cNvPr id="34" name="曲线连接符 33">
+            <a:extLst>
+              <a:ext uri="{FF2B5EF4-FFF2-40B4-BE49-F238E27FC236}">
+                <a16:creationId xmlns:a16="http://schemas.microsoft.com/office/drawing/2014/main" id="{3514300A-CAE5-9C4A-A464-E3AE1362DBF0}"/>
+              </a:ext>
+            </a:extLst>
+          </p:cNvPr>
+          <p:cNvCxnSpPr>
+            <a:cxnSpLocks/>
+            <a:stCxn id="13" idx="2"/>
+            <a:endCxn id="19" idx="3"/>
+          </p:cNvCxnSpPr>
+          <p:nvPr/>
+        </p:nvCxnSpPr>
+        <p:spPr>
+          <a:xfrm rot="5400000">
+            <a:off x="6573246" y="4471454"/>
+            <a:ext cx="1096651" cy="1648636"/>
+          </a:xfrm>
+          <a:prstGeom prst="curvedConnector2">
+            <a:avLst/>
+          </a:prstGeom>
+          <a:ln>
+            <a:tailEnd type="triangle"/>
+          </a:ln>
+        </p:spPr>
+        <p:style>
+          <a:lnRef idx="1">
+            <a:schemeClr val="accent1"/>
+          </a:lnRef>
+          <a:fillRef idx="0">
+            <a:schemeClr val="accent1"/>
+          </a:fillRef>
+          <a:effectRef idx="0">
+            <a:schemeClr val="accent1"/>
+          </a:effectRef>
+          <a:fontRef idx="minor">
+            <a:schemeClr val="tx1"/>
+          </a:fontRef>
+        </p:style>
+      </p:cxnSp>
+      <p:cxnSp>
+        <p:nvCxnSpPr>
+          <p:cNvPr id="39" name="曲线连接符 38">
+            <a:extLst>
+              <a:ext uri="{FF2B5EF4-FFF2-40B4-BE49-F238E27FC236}">
+                <a16:creationId xmlns:a16="http://schemas.microsoft.com/office/drawing/2014/main" id="{8C7E91BA-F0E2-7242-8052-B18425590291}"/>
+              </a:ext>
+            </a:extLst>
+          </p:cNvPr>
+          <p:cNvCxnSpPr>
+            <a:cxnSpLocks/>
+            <a:stCxn id="30" idx="0"/>
+            <a:endCxn id="31" idx="2"/>
+          </p:cNvCxnSpPr>
+          <p:nvPr/>
+        </p:nvCxnSpPr>
+        <p:spPr>
+          <a:xfrm rot="16200000" flipV="1">
+            <a:off x="2715447" y="3002527"/>
+            <a:ext cx="455680" cy="470516"/>
+          </a:xfrm>
+          <a:prstGeom prst="curvedConnector3">
+            <a:avLst>
+              <a:gd name="adj1" fmla="val 50000"/>
+            </a:avLst>
+          </a:prstGeom>
+          <a:ln>
+            <a:tailEnd type="triangle"/>
+          </a:ln>
+        </p:spPr>
+        <p:style>
+          <a:lnRef idx="1">
+            <a:schemeClr val="accent1"/>
+          </a:lnRef>
+          <a:fillRef idx="0">
+            <a:schemeClr val="accent1"/>
+          </a:fillRef>
+          <a:effectRef idx="0">
+            <a:schemeClr val="accent1"/>
+          </a:effectRef>
+          <a:fontRef idx="minor">
+            <a:schemeClr val="tx1"/>
+          </a:fontRef>
+        </p:style>
+      </p:cxnSp>
+      <p:cxnSp>
+        <p:nvCxnSpPr>
+          <p:cNvPr id="45" name="曲线连接符 44">
+            <a:extLst>
+              <a:ext uri="{FF2B5EF4-FFF2-40B4-BE49-F238E27FC236}">
+                <a16:creationId xmlns:a16="http://schemas.microsoft.com/office/drawing/2014/main" id="{EE2EDB59-B9A7-3242-8E01-90E8FAC54361}"/>
+              </a:ext>
+            </a:extLst>
+          </p:cNvPr>
+          <p:cNvCxnSpPr>
+            <a:cxnSpLocks/>
+            <a:stCxn id="29" idx="0"/>
+            <a:endCxn id="30" idx="2"/>
+          </p:cNvCxnSpPr>
+          <p:nvPr/>
+        </p:nvCxnSpPr>
+        <p:spPr>
+          <a:xfrm rot="16200000" flipV="1">
+            <a:off x="3219466" y="4059405"/>
+            <a:ext cx="474370" cy="556212"/>
+          </a:xfrm>
+          <a:prstGeom prst="curvedConnector3">
+            <a:avLst>
+              <a:gd name="adj1" fmla="val 50000"/>
+            </a:avLst>
+          </a:prstGeom>
+          <a:ln>
+            <a:tailEnd type="triangle"/>
+          </a:ln>
+        </p:spPr>
+        <p:style>
+          <a:lnRef idx="1">
+            <a:schemeClr val="accent1"/>
+          </a:lnRef>
+          <a:fillRef idx="0">
+            <a:schemeClr val="accent1"/>
+          </a:fillRef>
+          <a:effectRef idx="0">
+            <a:schemeClr val="accent1"/>
+          </a:effectRef>
+          <a:fontRef idx="minor">
+            <a:schemeClr val="tx1"/>
+          </a:fontRef>
+        </p:style>
+      </p:cxnSp>
+      <p:cxnSp>
+        <p:nvCxnSpPr>
+          <p:cNvPr id="48" name="曲线连接符 47">
+            <a:extLst>
+              <a:ext uri="{FF2B5EF4-FFF2-40B4-BE49-F238E27FC236}">
+                <a16:creationId xmlns:a16="http://schemas.microsoft.com/office/drawing/2014/main" id="{B0B1215D-C395-F44E-928F-35A709952449}"/>
+              </a:ext>
+            </a:extLst>
+          </p:cNvPr>
+          <p:cNvCxnSpPr>
+            <a:cxnSpLocks/>
+            <a:stCxn id="19" idx="1"/>
+            <a:endCxn id="29" idx="2"/>
+          </p:cNvCxnSpPr>
+          <p:nvPr/>
+        </p:nvCxnSpPr>
+        <p:spPr>
+          <a:xfrm rot="10800000">
+            <a:off x="3734757" y="5209398"/>
+            <a:ext cx="1021232" cy="634701"/>
+          </a:xfrm>
+          <a:prstGeom prst="curvedConnector2">
+            <a:avLst/>
+          </a:prstGeom>
+          <a:ln>
+            <a:tailEnd type="triangle"/>
+          </a:ln>
+        </p:spPr>
+        <p:style>
+          <a:lnRef idx="1">
+            <a:schemeClr val="accent1"/>
+          </a:lnRef>
+          <a:fillRef idx="0">
+            <a:schemeClr val="accent1"/>
+          </a:fillRef>
+          <a:effectRef idx="0">
+            <a:schemeClr val="accent1"/>
+          </a:effectRef>
+          <a:fontRef idx="minor">
+            <a:schemeClr val="tx1"/>
+          </a:fontRef>
+        </p:style>
+      </p:cxnSp>
+      <p:sp>
+        <p:nvSpPr>
+          <p:cNvPr id="59" name="文本框 58">
+            <a:extLst>
+              <a:ext uri="{FF2B5EF4-FFF2-40B4-BE49-F238E27FC236}">
+                <a16:creationId xmlns:a16="http://schemas.microsoft.com/office/drawing/2014/main" id="{C94BBED9-BD92-C044-A29D-A12D94185CF5}"/>
+              </a:ext>
+            </a:extLst>
+          </p:cNvPr>
+          <p:cNvSpPr txBox="1"/>
+          <p:nvPr/>
+        </p:nvSpPr>
+        <p:spPr>
+          <a:xfrm>
+            <a:off x="7559265" y="6006344"/>
+            <a:ext cx="479618" cy="369332"/>
+          </a:xfrm>
+          <a:prstGeom prst="rect">
+            <a:avLst/>
+          </a:prstGeom>
+          <a:noFill/>
+        </p:spPr>
+        <p:txBody>
+          <a:bodyPr wrap="none" rtlCol="0">
+            <a:spAutoFit/>
+          </a:bodyPr>
+          <a:lstStyle/>
+          <a:p>
+            <a:r>
+              <a:rPr kumimoji="1" lang="en-US" altLang="zh-CN" dirty="0"/>
+              <a:t>0.5</a:t>
+            </a:r>
+            <a:endParaRPr kumimoji="1" lang="zh-CN" altLang="en-US" dirty="0"/>
+          </a:p>
+        </p:txBody>
+      </p:sp>
+      <p:sp>
+        <p:nvSpPr>
+          <p:cNvPr id="60" name="文本框 59">
+            <a:extLst>
+              <a:ext uri="{FF2B5EF4-FFF2-40B4-BE49-F238E27FC236}">
+                <a16:creationId xmlns:a16="http://schemas.microsoft.com/office/drawing/2014/main" id="{76DB465F-6164-3E46-824E-9689E339965D}"/>
+              </a:ext>
+            </a:extLst>
+          </p:cNvPr>
+          <p:cNvSpPr txBox="1"/>
+          <p:nvPr/>
+        </p:nvSpPr>
+        <p:spPr>
+          <a:xfrm>
+            <a:off x="6933833" y="5241599"/>
+            <a:ext cx="479618" cy="369332"/>
+          </a:xfrm>
+          <a:prstGeom prst="rect">
+            <a:avLst/>
+          </a:prstGeom>
+          <a:noFill/>
+        </p:spPr>
+        <p:txBody>
+          <a:bodyPr wrap="none" rtlCol="0">
+            <a:spAutoFit/>
+          </a:bodyPr>
+          <a:lstStyle/>
+          <a:p>
+            <a:r>
+              <a:rPr kumimoji="1" lang="en-US" altLang="zh-CN" dirty="0"/>
+              <a:t>0.5</a:t>
+            </a:r>
+            <a:endParaRPr kumimoji="1" lang="zh-CN" altLang="en-US" dirty="0"/>
+          </a:p>
+        </p:txBody>
+      </p:sp>
+      <p:sp>
+        <p:nvSpPr>
+          <p:cNvPr id="61" name="文本框 60">
+            <a:extLst>
+              <a:ext uri="{FF2B5EF4-FFF2-40B4-BE49-F238E27FC236}">
+                <a16:creationId xmlns:a16="http://schemas.microsoft.com/office/drawing/2014/main" id="{45FDBD91-B424-EC43-B43B-565F8F364808}"/>
+              </a:ext>
+            </a:extLst>
+          </p:cNvPr>
+          <p:cNvSpPr txBox="1"/>
+          <p:nvPr/>
+        </p:nvSpPr>
+        <p:spPr>
+          <a:xfrm>
+            <a:off x="2595176" y="1350806"/>
+            <a:ext cx="479618" cy="369332"/>
+          </a:xfrm>
+          <a:prstGeom prst="rect">
+            <a:avLst/>
+          </a:prstGeom>
+          <a:noFill/>
+        </p:spPr>
+        <p:txBody>
+          <a:bodyPr wrap="none" rtlCol="0">
+            <a:spAutoFit/>
+          </a:bodyPr>
+          <a:lstStyle/>
+          <a:p>
+            <a:r>
+              <a:rPr kumimoji="1" lang="en-US" altLang="zh-CN" dirty="0"/>
+              <a:t>0.5</a:t>
+            </a:r>
+            <a:endParaRPr kumimoji="1" lang="zh-CN" altLang="en-US" dirty="0"/>
+          </a:p>
+        </p:txBody>
+      </p:sp>
+      <p:sp>
+        <p:nvSpPr>
+          <p:cNvPr id="62" name="文本框 61">
+            <a:extLst>
+              <a:ext uri="{FF2B5EF4-FFF2-40B4-BE49-F238E27FC236}">
+                <a16:creationId xmlns:a16="http://schemas.microsoft.com/office/drawing/2014/main" id="{1BD36B00-C4F9-DA44-B3D0-2558D45BC79A}"/>
+              </a:ext>
+            </a:extLst>
+          </p:cNvPr>
+          <p:cNvSpPr txBox="1"/>
+          <p:nvPr/>
+        </p:nvSpPr>
+        <p:spPr>
+          <a:xfrm>
+            <a:off x="2999043" y="1800186"/>
+            <a:ext cx="479618" cy="369332"/>
+          </a:xfrm>
+          <a:prstGeom prst="rect">
+            <a:avLst/>
+          </a:prstGeom>
+          <a:noFill/>
+        </p:spPr>
+        <p:txBody>
+          <a:bodyPr wrap="none" rtlCol="0">
+            <a:spAutoFit/>
+          </a:bodyPr>
+          <a:lstStyle/>
+          <a:p>
+            <a:r>
+              <a:rPr kumimoji="1" lang="en-US" altLang="zh-CN" dirty="0"/>
+              <a:t>0.5</a:t>
+            </a:r>
+            <a:endParaRPr kumimoji="1" lang="zh-CN" altLang="en-US" dirty="0"/>
+          </a:p>
+        </p:txBody>
+      </p:sp>
+      <p:sp>
+        <p:nvSpPr>
+          <p:cNvPr id="63" name="文本框 62">
+            <a:extLst>
+              <a:ext uri="{FF2B5EF4-FFF2-40B4-BE49-F238E27FC236}">
+                <a16:creationId xmlns:a16="http://schemas.microsoft.com/office/drawing/2014/main" id="{DE62FECD-E17E-AC42-AF5E-66E20C586E8C}"/>
+              </a:ext>
+            </a:extLst>
+          </p:cNvPr>
+          <p:cNvSpPr txBox="1"/>
+          <p:nvPr/>
+        </p:nvSpPr>
+        <p:spPr>
+          <a:xfrm>
+            <a:off x="5836944" y="1400207"/>
+            <a:ext cx="306494" cy="369332"/>
+          </a:xfrm>
+          <a:prstGeom prst="rect">
+            <a:avLst/>
+          </a:prstGeom>
+          <a:noFill/>
+        </p:spPr>
+        <p:txBody>
+          <a:bodyPr wrap="none" rtlCol="0">
+            <a:spAutoFit/>
+          </a:bodyPr>
+          <a:lstStyle/>
+          <a:p>
+            <a:r>
+              <a:rPr kumimoji="1" lang="en-US" altLang="zh-CN" dirty="0"/>
+              <a:t>1</a:t>
+            </a:r>
+            <a:endParaRPr kumimoji="1" lang="zh-CN" altLang="en-US" dirty="0"/>
+          </a:p>
+        </p:txBody>
+      </p:sp>
+      <p:sp>
+        <p:nvSpPr>
+          <p:cNvPr id="64" name="文本框 63">
+            <a:extLst>
+              <a:ext uri="{FF2B5EF4-FFF2-40B4-BE49-F238E27FC236}">
+                <a16:creationId xmlns:a16="http://schemas.microsoft.com/office/drawing/2014/main" id="{F720B339-BCC2-8442-B556-612C20B3CB47}"/>
+              </a:ext>
+            </a:extLst>
+          </p:cNvPr>
+          <p:cNvSpPr txBox="1"/>
+          <p:nvPr/>
+        </p:nvSpPr>
+        <p:spPr>
+          <a:xfrm>
+            <a:off x="7020395" y="2411092"/>
+            <a:ext cx="306494" cy="369332"/>
+          </a:xfrm>
+          <a:prstGeom prst="rect">
+            <a:avLst/>
+          </a:prstGeom>
+          <a:noFill/>
+        </p:spPr>
+        <p:txBody>
+          <a:bodyPr wrap="none" rtlCol="0">
+            <a:spAutoFit/>
+          </a:bodyPr>
+          <a:lstStyle/>
+          <a:p>
+            <a:r>
+              <a:rPr kumimoji="1" lang="en-US" altLang="zh-CN" dirty="0"/>
+              <a:t>1</a:t>
+            </a:r>
+            <a:endParaRPr kumimoji="1" lang="zh-CN" altLang="en-US" dirty="0"/>
+          </a:p>
+        </p:txBody>
+      </p:sp>
+      <p:sp>
+        <p:nvSpPr>
+          <p:cNvPr id="65" name="文本框 64">
+            <a:extLst>
+              <a:ext uri="{FF2B5EF4-FFF2-40B4-BE49-F238E27FC236}">
+                <a16:creationId xmlns:a16="http://schemas.microsoft.com/office/drawing/2014/main" id="{C8AE213E-A66F-3246-8C50-36552FC826C3}"/>
+              </a:ext>
+            </a:extLst>
+          </p:cNvPr>
+          <p:cNvSpPr txBox="1"/>
+          <p:nvPr/>
+        </p:nvSpPr>
+        <p:spPr>
+          <a:xfrm>
+            <a:off x="7645827" y="3642554"/>
+            <a:ext cx="306494" cy="369332"/>
+          </a:xfrm>
+          <a:prstGeom prst="rect">
+            <a:avLst/>
+          </a:prstGeom>
+          <a:noFill/>
+        </p:spPr>
+        <p:txBody>
+          <a:bodyPr wrap="none" rtlCol="0">
+            <a:spAutoFit/>
+          </a:bodyPr>
+          <a:lstStyle/>
+          <a:p>
+            <a:r>
+              <a:rPr kumimoji="1" lang="en-US" altLang="zh-CN" dirty="0"/>
+              <a:t>1</a:t>
+            </a:r>
+            <a:endParaRPr kumimoji="1" lang="zh-CN" altLang="en-US" dirty="0"/>
+          </a:p>
+        </p:txBody>
+      </p:sp>
+      <p:sp>
+        <p:nvSpPr>
+          <p:cNvPr id="66" name="文本框 65">
+            <a:extLst>
+              <a:ext uri="{FF2B5EF4-FFF2-40B4-BE49-F238E27FC236}">
+                <a16:creationId xmlns:a16="http://schemas.microsoft.com/office/drawing/2014/main" id="{AE65E885-42E1-984C-8B64-89AE9044D0F8}"/>
+              </a:ext>
+            </a:extLst>
+          </p:cNvPr>
+          <p:cNvSpPr txBox="1"/>
+          <p:nvPr/>
+        </p:nvSpPr>
+        <p:spPr>
+          <a:xfrm>
+            <a:off x="3966162" y="5349222"/>
+            <a:ext cx="306494" cy="369332"/>
+          </a:xfrm>
+          <a:prstGeom prst="rect">
+            <a:avLst/>
+          </a:prstGeom>
+          <a:noFill/>
+        </p:spPr>
+        <p:txBody>
+          <a:bodyPr wrap="none" rtlCol="0">
+            <a:spAutoFit/>
+          </a:bodyPr>
+          <a:lstStyle/>
+          <a:p>
+            <a:r>
+              <a:rPr kumimoji="1" lang="en-US" altLang="zh-CN" dirty="0"/>
+              <a:t>1</a:t>
+            </a:r>
+            <a:endParaRPr kumimoji="1" lang="zh-CN" altLang="en-US" dirty="0"/>
+          </a:p>
+        </p:txBody>
+      </p:sp>
+      <p:sp>
+        <p:nvSpPr>
+          <p:cNvPr id="67" name="文本框 66">
+            <a:extLst>
+              <a:ext uri="{FF2B5EF4-FFF2-40B4-BE49-F238E27FC236}">
+                <a16:creationId xmlns:a16="http://schemas.microsoft.com/office/drawing/2014/main" id="{B4821018-5301-B74E-B0E7-D0AA0F33F977}"/>
+              </a:ext>
+            </a:extLst>
+          </p:cNvPr>
+          <p:cNvSpPr txBox="1"/>
+          <p:nvPr/>
+        </p:nvSpPr>
+        <p:spPr>
+          <a:xfrm>
+            <a:off x="3577997" y="4100325"/>
+            <a:ext cx="306494" cy="369332"/>
+          </a:xfrm>
+          <a:prstGeom prst="rect">
+            <a:avLst/>
+          </a:prstGeom>
+          <a:noFill/>
+        </p:spPr>
+        <p:txBody>
+          <a:bodyPr wrap="none" rtlCol="0">
+            <a:spAutoFit/>
+          </a:bodyPr>
+          <a:lstStyle/>
+          <a:p>
+            <a:r>
+              <a:rPr kumimoji="1" lang="en-US" altLang="zh-CN" dirty="0"/>
+              <a:t>1</a:t>
+            </a:r>
+            <a:endParaRPr kumimoji="1" lang="zh-CN" altLang="en-US" dirty="0"/>
+          </a:p>
+        </p:txBody>
+      </p:sp>
+      <p:sp>
+        <p:nvSpPr>
+          <p:cNvPr id="68" name="文本框 67">
+            <a:extLst>
+              <a:ext uri="{FF2B5EF4-FFF2-40B4-BE49-F238E27FC236}">
+                <a16:creationId xmlns:a16="http://schemas.microsoft.com/office/drawing/2014/main" id="{DF0725D2-5775-DA4D-B0CC-024B2FA249B3}"/>
+              </a:ext>
+            </a:extLst>
+          </p:cNvPr>
+          <p:cNvSpPr txBox="1"/>
+          <p:nvPr/>
+        </p:nvSpPr>
+        <p:spPr>
+          <a:xfrm>
+            <a:off x="3022109" y="3002124"/>
+            <a:ext cx="306494" cy="369332"/>
+          </a:xfrm>
+          <a:prstGeom prst="rect">
+            <a:avLst/>
+          </a:prstGeom>
+          <a:noFill/>
+        </p:spPr>
+        <p:txBody>
+          <a:bodyPr wrap="none" rtlCol="0">
+            <a:spAutoFit/>
+          </a:bodyPr>
+          <a:lstStyle/>
+          <a:p>
+            <a:r>
+              <a:rPr kumimoji="1" lang="en-US" altLang="zh-CN" dirty="0"/>
+              <a:t>1</a:t>
+            </a:r>
+            <a:endParaRPr kumimoji="1" lang="zh-CN" altLang="en-US" dirty="0"/>
+          </a:p>
+        </p:txBody>
+      </p:sp>
     </p:spTree>
     <p:extLst>
       <p:ext uri="{BB962C8B-B14F-4D97-AF65-F5344CB8AC3E}">
-        <p14:creationId xmlns:p14="http://schemas.microsoft.com/office/powerpoint/2010/main" val="2194452538"/>
+        <p14:creationId xmlns:p14="http://schemas.microsoft.com/office/powerpoint/2010/main" val="2710554600"/>
+      </p:ext>
+    </p:extLst>
+  </p:cSld>
+  <p:clrMapOvr>
+    <a:masterClrMapping/>
+  </p:clrMapOvr>
+</p:sld>
+</file>
+
+<file path=ppt/slides/slide27.xml><?xml version="1.0" encoding="utf-8"?>
+<p:sld xmlns:a="http://schemas.openxmlformats.org/drawingml/2006/main" xmlns:r="http://schemas.openxmlformats.org/officeDocument/2006/relationships" xmlns:p="http://schemas.openxmlformats.org/presentationml/2006/main">
+  <p:cSld>
+    <p:spTree>
+      <p:nvGrpSpPr>
+        <p:cNvPr id="1" name=""/>
+        <p:cNvGrpSpPr/>
+        <p:nvPr/>
+      </p:nvGrpSpPr>
+      <p:grpSpPr>
+        <a:xfrm>
+          <a:off x="0" y="0"/>
+          <a:ext cx="0" cy="0"/>
+          <a:chOff x="0" y="0"/>
+          <a:chExt cx="0" cy="0"/>
+        </a:xfrm>
+      </p:grpSpPr>
+      <p:sp>
+        <p:nvSpPr>
+          <p:cNvPr id="3" name="文本框 2">
+            <a:extLst>
+              <a:ext uri="{FF2B5EF4-FFF2-40B4-BE49-F238E27FC236}">
+                <a16:creationId xmlns:a16="http://schemas.microsoft.com/office/drawing/2014/main" id="{2A2FBB20-DC04-9149-BB4A-6772BB523FB8}"/>
+              </a:ext>
+            </a:extLst>
+          </p:cNvPr>
+          <p:cNvSpPr txBox="1"/>
+          <p:nvPr/>
+        </p:nvSpPr>
+        <p:spPr>
+          <a:xfrm>
+            <a:off x="645458" y="537882"/>
+            <a:ext cx="5344733" cy="707886"/>
+          </a:xfrm>
+          <a:prstGeom prst="rect">
+            <a:avLst/>
+          </a:prstGeom>
+          <a:noFill/>
+        </p:spPr>
+        <p:txBody>
+          <a:bodyPr wrap="none" rtlCol="0">
+            <a:spAutoFit/>
+          </a:bodyPr>
+          <a:lstStyle/>
+          <a:p>
+            <a:r>
+              <a:rPr kumimoji="1" lang="en-US" altLang="zh-CN" sz="4000" dirty="0"/>
+              <a:t>G13</a:t>
+            </a:r>
+            <a:r>
+              <a:rPr kumimoji="1" lang="zh-CN" altLang="en-US" sz="4000" dirty="0"/>
+              <a:t> 有向有环图 </a:t>
+            </a:r>
+            <a:r>
+              <a:rPr kumimoji="1" lang="en-US" altLang="zh-CN" sz="4000" dirty="0"/>
+              <a:t>–</a:t>
+            </a:r>
+            <a:r>
+              <a:rPr kumimoji="1" lang="zh-CN" altLang="en-US" sz="4000" dirty="0"/>
+              <a:t> 长环</a:t>
+            </a:r>
+          </a:p>
+        </p:txBody>
+      </p:sp>
+      <p:sp>
+        <p:nvSpPr>
+          <p:cNvPr id="15" name="圆角矩形 14">
+            <a:extLst>
+              <a:ext uri="{FF2B5EF4-FFF2-40B4-BE49-F238E27FC236}">
+                <a16:creationId xmlns:a16="http://schemas.microsoft.com/office/drawing/2014/main" id="{87D721BE-E8EA-8941-A2B4-5486E655E14C}"/>
+              </a:ext>
+            </a:extLst>
+          </p:cNvPr>
+          <p:cNvSpPr/>
+          <p:nvPr/>
+        </p:nvSpPr>
+        <p:spPr>
+          <a:xfrm>
+            <a:off x="605691" y="1385332"/>
+            <a:ext cx="1632920" cy="634701"/>
+          </a:xfrm>
+          <a:prstGeom prst="roundRect">
+            <a:avLst/>
+          </a:prstGeom>
+        </p:spPr>
+        <p:style>
+          <a:lnRef idx="2">
+            <a:schemeClr val="accent1">
+              <a:shade val="50000"/>
+            </a:schemeClr>
+          </a:lnRef>
+          <a:fillRef idx="1">
+            <a:schemeClr val="accent1"/>
+          </a:fillRef>
+          <a:effectRef idx="0">
+            <a:schemeClr val="accent1"/>
+          </a:effectRef>
+          <a:fontRef idx="minor">
+            <a:schemeClr val="lt1"/>
+          </a:fontRef>
+        </p:style>
+        <p:txBody>
+          <a:bodyPr rtlCol="0" anchor="ctr"/>
+          <a:lstStyle/>
+          <a:p>
+            <a:pPr algn="ctr"/>
+            <a:r>
+              <a:rPr kumimoji="1" lang="en-US" altLang="zh-CN" dirty="0"/>
+              <a:t>1</a:t>
+            </a:r>
+            <a:r>
+              <a:rPr lang="zh-CN" altLang="en-US" dirty="0"/>
+              <a:t>青毛狮子怪</a:t>
+            </a:r>
+            <a:endParaRPr kumimoji="1" lang="zh-CN" altLang="en-US" dirty="0"/>
+          </a:p>
+        </p:txBody>
+      </p:sp>
+      <p:sp>
+        <p:nvSpPr>
+          <p:cNvPr id="16" name="圆角矩形 15">
+            <a:extLst>
+              <a:ext uri="{FF2B5EF4-FFF2-40B4-BE49-F238E27FC236}">
+                <a16:creationId xmlns:a16="http://schemas.microsoft.com/office/drawing/2014/main" id="{C8A59E80-807F-684C-BAE1-38D042D43427}"/>
+              </a:ext>
+            </a:extLst>
+          </p:cNvPr>
+          <p:cNvSpPr/>
+          <p:nvPr/>
+        </p:nvSpPr>
+        <p:spPr>
+          <a:xfrm>
+            <a:off x="4390595" y="1331253"/>
+            <a:ext cx="1367119" cy="634701"/>
+          </a:xfrm>
+          <a:prstGeom prst="roundRect">
+            <a:avLst/>
+          </a:prstGeom>
+        </p:spPr>
+        <p:style>
+          <a:lnRef idx="2">
+            <a:schemeClr val="accent1">
+              <a:shade val="50000"/>
+            </a:schemeClr>
+          </a:lnRef>
+          <a:fillRef idx="1">
+            <a:schemeClr val="accent1"/>
+          </a:fillRef>
+          <a:effectRef idx="0">
+            <a:schemeClr val="accent1"/>
+          </a:effectRef>
+          <a:fontRef idx="minor">
+            <a:schemeClr val="lt1"/>
+          </a:fontRef>
+        </p:style>
+        <p:txBody>
+          <a:bodyPr rtlCol="0" anchor="ctr"/>
+          <a:lstStyle/>
+          <a:p>
+            <a:pPr algn="ctr"/>
+            <a:r>
+              <a:rPr kumimoji="1" lang="en-US" altLang="zh-CN" dirty="0"/>
+              <a:t>3</a:t>
+            </a:r>
+            <a:r>
+              <a:rPr kumimoji="1" lang="zh-CN" altLang="en-US" dirty="0"/>
+              <a:t> 左护法</a:t>
+            </a:r>
+            <a:endParaRPr kumimoji="1" lang="en-US" altLang="zh-CN" dirty="0"/>
+          </a:p>
+          <a:p>
+            <a:pPr algn="ctr"/>
+            <a:r>
+              <a:rPr kumimoji="1" lang="en-US" altLang="zh-CN" dirty="0"/>
+              <a:t>1000w</a:t>
+            </a:r>
+            <a:endParaRPr kumimoji="1" lang="zh-CN" altLang="en-US" dirty="0"/>
+          </a:p>
+        </p:txBody>
+      </p:sp>
+      <p:cxnSp>
+        <p:nvCxnSpPr>
+          <p:cNvPr id="17" name="曲线连接符 16">
+            <a:extLst>
+              <a:ext uri="{FF2B5EF4-FFF2-40B4-BE49-F238E27FC236}">
+                <a16:creationId xmlns:a16="http://schemas.microsoft.com/office/drawing/2014/main" id="{61BA5E43-1859-8F4D-818A-04C4601E5A5F}"/>
+              </a:ext>
+            </a:extLst>
+          </p:cNvPr>
+          <p:cNvCxnSpPr>
+            <a:cxnSpLocks/>
+            <a:stCxn id="15" idx="3"/>
+            <a:endCxn id="16" idx="1"/>
+          </p:cNvCxnSpPr>
+          <p:nvPr/>
+        </p:nvCxnSpPr>
+        <p:spPr>
+          <a:xfrm flipV="1">
+            <a:off x="2238611" y="1648604"/>
+            <a:ext cx="2151984" cy="54079"/>
+          </a:xfrm>
+          <a:prstGeom prst="curvedConnector3">
+            <a:avLst>
+              <a:gd name="adj1" fmla="val 50000"/>
+            </a:avLst>
+          </a:prstGeom>
+          <a:ln>
+            <a:tailEnd type="triangle"/>
+          </a:ln>
+        </p:spPr>
+        <p:style>
+          <a:lnRef idx="1">
+            <a:schemeClr val="accent1"/>
+          </a:lnRef>
+          <a:fillRef idx="0">
+            <a:schemeClr val="accent1"/>
+          </a:fillRef>
+          <a:effectRef idx="0">
+            <a:schemeClr val="accent1"/>
+          </a:effectRef>
+          <a:fontRef idx="minor">
+            <a:schemeClr val="tx1"/>
+          </a:fontRef>
+        </p:style>
+      </p:cxnSp>
+      <p:cxnSp>
+        <p:nvCxnSpPr>
+          <p:cNvPr id="18" name="曲线连接符 17">
+            <a:extLst>
+              <a:ext uri="{FF2B5EF4-FFF2-40B4-BE49-F238E27FC236}">
+                <a16:creationId xmlns:a16="http://schemas.microsoft.com/office/drawing/2014/main" id="{823B479D-A115-E74D-9C67-656D069ADED2}"/>
+              </a:ext>
+            </a:extLst>
+          </p:cNvPr>
+          <p:cNvCxnSpPr>
+            <a:cxnSpLocks/>
+            <a:stCxn id="22" idx="2"/>
+            <a:endCxn id="19" idx="3"/>
+          </p:cNvCxnSpPr>
+          <p:nvPr/>
+        </p:nvCxnSpPr>
+        <p:spPr>
+          <a:xfrm rot="5400000" flipH="1">
+            <a:off x="7570204" y="4571147"/>
+            <a:ext cx="324491" cy="2870394"/>
+          </a:xfrm>
+          <a:prstGeom prst="curvedConnector4">
+            <a:avLst>
+              <a:gd name="adj1" fmla="val -70449"/>
+              <a:gd name="adj2" fmla="val 64222"/>
+            </a:avLst>
+          </a:prstGeom>
+          <a:ln>
+            <a:tailEnd type="triangle"/>
+          </a:ln>
+        </p:spPr>
+        <p:style>
+          <a:lnRef idx="1">
+            <a:schemeClr val="accent1"/>
+          </a:lnRef>
+          <a:fillRef idx="0">
+            <a:schemeClr val="accent1"/>
+          </a:fillRef>
+          <a:effectRef idx="0">
+            <a:schemeClr val="accent1"/>
+          </a:effectRef>
+          <a:fontRef idx="minor">
+            <a:schemeClr val="tx1"/>
+          </a:fontRef>
+        </p:style>
+      </p:cxnSp>
+      <p:sp>
+        <p:nvSpPr>
+          <p:cNvPr id="19" name="圆角矩形 18">
+            <a:extLst>
+              <a:ext uri="{FF2B5EF4-FFF2-40B4-BE49-F238E27FC236}">
+                <a16:creationId xmlns:a16="http://schemas.microsoft.com/office/drawing/2014/main" id="{5CCCEE52-AE84-3E4E-AA8A-50649D5AE9D6}"/>
+              </a:ext>
+            </a:extLst>
+          </p:cNvPr>
+          <p:cNvSpPr/>
+          <p:nvPr/>
+        </p:nvSpPr>
+        <p:spPr>
+          <a:xfrm>
+            <a:off x="4755989" y="5526747"/>
+            <a:ext cx="1541264" cy="634701"/>
+          </a:xfrm>
+          <a:prstGeom prst="roundRect">
+            <a:avLst/>
+          </a:prstGeom>
+        </p:spPr>
+        <p:style>
+          <a:lnRef idx="2">
+            <a:schemeClr val="accent1">
+              <a:shade val="50000"/>
+            </a:schemeClr>
+          </a:lnRef>
+          <a:fillRef idx="1">
+            <a:schemeClr val="accent1"/>
+          </a:fillRef>
+          <a:effectRef idx="0">
+            <a:schemeClr val="accent1"/>
+          </a:effectRef>
+          <a:fontRef idx="minor">
+            <a:schemeClr val="lt1"/>
+          </a:fontRef>
+        </p:style>
+        <p:txBody>
+          <a:bodyPr rtlCol="0" anchor="ctr"/>
+          <a:lstStyle/>
+          <a:p>
+            <a:pPr algn="ctr"/>
+            <a:r>
+              <a:rPr kumimoji="1" lang="en-US" altLang="zh-CN" dirty="0"/>
+              <a:t>4</a:t>
+            </a:r>
+            <a:r>
+              <a:rPr kumimoji="1" lang="zh-CN" altLang="en-US" dirty="0"/>
+              <a:t> 右护法</a:t>
+            </a:r>
+            <a:endParaRPr kumimoji="1" lang="en-US" altLang="zh-CN" dirty="0"/>
+          </a:p>
+          <a:p>
+            <a:pPr algn="ctr"/>
+            <a:r>
+              <a:rPr kumimoji="1" lang="en-US" altLang="zh-CN" dirty="0"/>
+              <a:t>1000w</a:t>
+            </a:r>
+          </a:p>
+        </p:txBody>
+      </p:sp>
+      <p:cxnSp>
+        <p:nvCxnSpPr>
+          <p:cNvPr id="20" name="曲线连接符 19">
+            <a:extLst>
+              <a:ext uri="{FF2B5EF4-FFF2-40B4-BE49-F238E27FC236}">
+                <a16:creationId xmlns:a16="http://schemas.microsoft.com/office/drawing/2014/main" id="{FA64C907-6A17-2844-91F2-CCE29A6AD52D}"/>
+              </a:ext>
+            </a:extLst>
+          </p:cNvPr>
+          <p:cNvCxnSpPr>
+            <a:cxnSpLocks/>
+            <a:stCxn id="31" idx="0"/>
+            <a:endCxn id="16" idx="1"/>
+          </p:cNvCxnSpPr>
+          <p:nvPr/>
+        </p:nvCxnSpPr>
+        <p:spPr>
+          <a:xfrm rot="5400000" flipH="1" flipV="1">
+            <a:off x="3185992" y="1170641"/>
+            <a:ext cx="726640" cy="1682566"/>
+          </a:xfrm>
+          <a:prstGeom prst="curvedConnector2">
+            <a:avLst/>
+          </a:prstGeom>
+          <a:ln>
+            <a:tailEnd type="triangle"/>
+          </a:ln>
+        </p:spPr>
+        <p:style>
+          <a:lnRef idx="1">
+            <a:schemeClr val="accent1"/>
+          </a:lnRef>
+          <a:fillRef idx="0">
+            <a:schemeClr val="accent1"/>
+          </a:fillRef>
+          <a:effectRef idx="0">
+            <a:schemeClr val="accent1"/>
+          </a:effectRef>
+          <a:fontRef idx="minor">
+            <a:schemeClr val="tx1"/>
+          </a:fontRef>
+        </p:style>
+      </p:cxnSp>
+      <p:cxnSp>
+        <p:nvCxnSpPr>
+          <p:cNvPr id="21" name="曲线连接符 20">
+            <a:extLst>
+              <a:ext uri="{FF2B5EF4-FFF2-40B4-BE49-F238E27FC236}">
+                <a16:creationId xmlns:a16="http://schemas.microsoft.com/office/drawing/2014/main" id="{C035F9CB-8F3C-3E4E-BAF3-9F431970AFBC}"/>
+              </a:ext>
+            </a:extLst>
+          </p:cNvPr>
+          <p:cNvCxnSpPr>
+            <a:cxnSpLocks/>
+            <a:stCxn id="16" idx="3"/>
+            <a:endCxn id="11" idx="1"/>
+          </p:cNvCxnSpPr>
+          <p:nvPr/>
+        </p:nvCxnSpPr>
+        <p:spPr>
+          <a:xfrm>
+            <a:off x="5757714" y="1648604"/>
+            <a:ext cx="346744" cy="406830"/>
+          </a:xfrm>
+          <a:prstGeom prst="curvedConnector3">
+            <a:avLst>
+              <a:gd name="adj1" fmla="val 50000"/>
+            </a:avLst>
+          </a:prstGeom>
+          <a:ln>
+            <a:tailEnd type="triangle"/>
+          </a:ln>
+        </p:spPr>
+        <p:style>
+          <a:lnRef idx="1">
+            <a:schemeClr val="accent1"/>
+          </a:lnRef>
+          <a:fillRef idx="0">
+            <a:schemeClr val="accent1"/>
+          </a:fillRef>
+          <a:effectRef idx="0">
+            <a:schemeClr val="accent1"/>
+          </a:effectRef>
+          <a:fontRef idx="minor">
+            <a:schemeClr val="tx1"/>
+          </a:fontRef>
+        </p:style>
+      </p:cxnSp>
+      <p:sp>
+        <p:nvSpPr>
+          <p:cNvPr id="22" name="圆角矩形 21">
+            <a:extLst>
+              <a:ext uri="{FF2B5EF4-FFF2-40B4-BE49-F238E27FC236}">
+                <a16:creationId xmlns:a16="http://schemas.microsoft.com/office/drawing/2014/main" id="{B20C7EFC-25FC-0748-818C-92A12F72466E}"/>
+              </a:ext>
+            </a:extLst>
+          </p:cNvPr>
+          <p:cNvSpPr/>
+          <p:nvPr/>
+        </p:nvSpPr>
+        <p:spPr>
+          <a:xfrm>
+            <a:off x="8351187" y="5533888"/>
+            <a:ext cx="1632920" cy="634701"/>
+          </a:xfrm>
+          <a:prstGeom prst="roundRect">
+            <a:avLst/>
+          </a:prstGeom>
+        </p:spPr>
+        <p:style>
+          <a:lnRef idx="2">
+            <a:schemeClr val="accent1">
+              <a:shade val="50000"/>
+            </a:schemeClr>
+          </a:lnRef>
+          <a:fillRef idx="1">
+            <a:schemeClr val="accent1"/>
+          </a:fillRef>
+          <a:effectRef idx="0">
+            <a:schemeClr val="accent1"/>
+          </a:effectRef>
+          <a:fontRef idx="minor">
+            <a:schemeClr val="lt1"/>
+          </a:fontRef>
+        </p:style>
+        <p:txBody>
+          <a:bodyPr rtlCol="0" anchor="ctr"/>
+          <a:lstStyle/>
+          <a:p>
+            <a:pPr algn="ctr"/>
+            <a:r>
+              <a:rPr kumimoji="1" lang="en-US" altLang="zh-CN" dirty="0"/>
+              <a:t>2</a:t>
+            </a:r>
+            <a:r>
+              <a:rPr lang="zh-CN" altLang="en-US" dirty="0"/>
+              <a:t>大鹏金翅雕</a:t>
+            </a:r>
+            <a:endParaRPr kumimoji="1" lang="zh-CN" altLang="en-US" dirty="0"/>
+          </a:p>
+        </p:txBody>
+      </p:sp>
+      <p:sp>
+        <p:nvSpPr>
+          <p:cNvPr id="11" name="圆角矩形 10">
+            <a:extLst>
+              <a:ext uri="{FF2B5EF4-FFF2-40B4-BE49-F238E27FC236}">
+                <a16:creationId xmlns:a16="http://schemas.microsoft.com/office/drawing/2014/main" id="{99735321-5847-4A40-9A6D-D67FCA2DECDC}"/>
+              </a:ext>
+            </a:extLst>
+          </p:cNvPr>
+          <p:cNvSpPr/>
+          <p:nvPr/>
+        </p:nvSpPr>
+        <p:spPr>
+          <a:xfrm>
+            <a:off x="6104458" y="1738083"/>
+            <a:ext cx="1367119" cy="634701"/>
+          </a:xfrm>
+          <a:prstGeom prst="roundRect">
+            <a:avLst/>
+          </a:prstGeom>
+        </p:spPr>
+        <p:style>
+          <a:lnRef idx="2">
+            <a:schemeClr val="accent1">
+              <a:shade val="50000"/>
+            </a:schemeClr>
+          </a:lnRef>
+          <a:fillRef idx="1">
+            <a:schemeClr val="accent1"/>
+          </a:fillRef>
+          <a:effectRef idx="0">
+            <a:schemeClr val="accent1"/>
+          </a:effectRef>
+          <a:fontRef idx="minor">
+            <a:schemeClr val="lt1"/>
+          </a:fontRef>
+        </p:style>
+        <p:txBody>
+          <a:bodyPr rtlCol="0" anchor="ctr"/>
+          <a:lstStyle/>
+          <a:p>
+            <a:pPr algn="ctr"/>
+            <a:r>
+              <a:rPr kumimoji="1" lang="en-US" altLang="zh-CN" dirty="0"/>
+              <a:t>5</a:t>
+            </a:r>
+            <a:r>
+              <a:rPr kumimoji="1" lang="zh-CN" altLang="en-US" dirty="0"/>
+              <a:t> 左护法</a:t>
+            </a:r>
+            <a:endParaRPr kumimoji="1" lang="en-US" altLang="zh-CN" dirty="0"/>
+          </a:p>
+          <a:p>
+            <a:pPr algn="ctr"/>
+            <a:r>
+              <a:rPr kumimoji="1" lang="en-US" altLang="zh-CN" dirty="0"/>
+              <a:t>500w</a:t>
+            </a:r>
+            <a:endParaRPr kumimoji="1" lang="zh-CN" altLang="en-US" dirty="0"/>
+          </a:p>
+        </p:txBody>
+      </p:sp>
+      <p:sp>
+        <p:nvSpPr>
+          <p:cNvPr id="12" name="圆角矩形 11">
+            <a:extLst>
+              <a:ext uri="{FF2B5EF4-FFF2-40B4-BE49-F238E27FC236}">
+                <a16:creationId xmlns:a16="http://schemas.microsoft.com/office/drawing/2014/main" id="{AC991A50-876E-5E4F-BCE7-E2BCB5CE0621}"/>
+              </a:ext>
+            </a:extLst>
+          </p:cNvPr>
+          <p:cNvSpPr/>
+          <p:nvPr/>
+        </p:nvSpPr>
+        <p:spPr>
+          <a:xfrm>
+            <a:off x="6875706" y="2984827"/>
+            <a:ext cx="1367119" cy="634701"/>
+          </a:xfrm>
+          <a:prstGeom prst="roundRect">
+            <a:avLst/>
+          </a:prstGeom>
+        </p:spPr>
+        <p:style>
+          <a:lnRef idx="2">
+            <a:schemeClr val="accent1">
+              <a:shade val="50000"/>
+            </a:schemeClr>
+          </a:lnRef>
+          <a:fillRef idx="1">
+            <a:schemeClr val="accent1"/>
+          </a:fillRef>
+          <a:effectRef idx="0">
+            <a:schemeClr val="accent1"/>
+          </a:effectRef>
+          <a:fontRef idx="minor">
+            <a:schemeClr val="lt1"/>
+          </a:fontRef>
+        </p:style>
+        <p:txBody>
+          <a:bodyPr rtlCol="0" anchor="ctr"/>
+          <a:lstStyle/>
+          <a:p>
+            <a:pPr algn="ctr"/>
+            <a:r>
+              <a:rPr kumimoji="1" lang="en-US" altLang="zh-CN" dirty="0"/>
+              <a:t>6</a:t>
+            </a:r>
+            <a:r>
+              <a:rPr kumimoji="1" lang="zh-CN" altLang="en-US" dirty="0"/>
+              <a:t> 左护法</a:t>
+            </a:r>
+            <a:endParaRPr kumimoji="1" lang="en-US" altLang="zh-CN" dirty="0"/>
+          </a:p>
+          <a:p>
+            <a:pPr algn="ctr"/>
+            <a:r>
+              <a:rPr kumimoji="1" lang="en-US" altLang="zh-CN" dirty="0"/>
+              <a:t>500w</a:t>
+            </a:r>
+            <a:endParaRPr kumimoji="1" lang="zh-CN" altLang="en-US" dirty="0"/>
+          </a:p>
+        </p:txBody>
+      </p:sp>
+      <p:sp>
+        <p:nvSpPr>
+          <p:cNvPr id="13" name="圆角矩形 12">
+            <a:extLst>
+              <a:ext uri="{FF2B5EF4-FFF2-40B4-BE49-F238E27FC236}">
+                <a16:creationId xmlns:a16="http://schemas.microsoft.com/office/drawing/2014/main" id="{4CBC6E9D-D283-8A4E-BDBB-9DC7E4C8A67E}"/>
+              </a:ext>
+            </a:extLst>
+          </p:cNvPr>
+          <p:cNvSpPr/>
+          <p:nvPr/>
+        </p:nvSpPr>
+        <p:spPr>
+          <a:xfrm>
+            <a:off x="7262329" y="4112746"/>
+            <a:ext cx="1367119" cy="634701"/>
+          </a:xfrm>
+          <a:prstGeom prst="roundRect">
+            <a:avLst/>
+          </a:prstGeom>
+        </p:spPr>
+        <p:style>
+          <a:lnRef idx="2">
+            <a:schemeClr val="accent1">
+              <a:shade val="50000"/>
+            </a:schemeClr>
+          </a:lnRef>
+          <a:fillRef idx="1">
+            <a:schemeClr val="accent1"/>
+          </a:fillRef>
+          <a:effectRef idx="0">
+            <a:schemeClr val="accent1"/>
+          </a:effectRef>
+          <a:fontRef idx="minor">
+            <a:schemeClr val="lt1"/>
+          </a:fontRef>
+        </p:style>
+        <p:txBody>
+          <a:bodyPr rtlCol="0" anchor="ctr"/>
+          <a:lstStyle/>
+          <a:p>
+            <a:pPr algn="ctr"/>
+            <a:r>
+              <a:rPr kumimoji="1" lang="en-US" altLang="zh-CN" dirty="0"/>
+              <a:t>7</a:t>
+            </a:r>
+            <a:r>
+              <a:rPr kumimoji="1" lang="zh-CN" altLang="en-US" dirty="0"/>
+              <a:t> 左护法</a:t>
+            </a:r>
+            <a:endParaRPr kumimoji="1" lang="en-US" altLang="zh-CN" dirty="0"/>
+          </a:p>
+          <a:p>
+            <a:pPr algn="ctr"/>
+            <a:r>
+              <a:rPr kumimoji="1" lang="en-US" altLang="zh-CN" dirty="0"/>
+              <a:t>500w</a:t>
+            </a:r>
+            <a:endParaRPr kumimoji="1" lang="zh-CN" altLang="en-US" dirty="0"/>
+          </a:p>
+        </p:txBody>
+      </p:sp>
+      <p:cxnSp>
+        <p:nvCxnSpPr>
+          <p:cNvPr id="23" name="曲线连接符 22">
+            <a:extLst>
+              <a:ext uri="{FF2B5EF4-FFF2-40B4-BE49-F238E27FC236}">
+                <a16:creationId xmlns:a16="http://schemas.microsoft.com/office/drawing/2014/main" id="{E2C391FE-B66A-2F46-8768-FE7FB1054FDD}"/>
+              </a:ext>
+            </a:extLst>
+          </p:cNvPr>
+          <p:cNvCxnSpPr>
+            <a:cxnSpLocks/>
+            <a:stCxn id="11" idx="2"/>
+            <a:endCxn id="12" idx="0"/>
+          </p:cNvCxnSpPr>
+          <p:nvPr/>
+        </p:nvCxnSpPr>
+        <p:spPr>
+          <a:xfrm rot="16200000" flipH="1">
+            <a:off x="6867621" y="2293181"/>
+            <a:ext cx="612043" cy="771248"/>
+          </a:xfrm>
+          <a:prstGeom prst="curvedConnector3">
+            <a:avLst>
+              <a:gd name="adj1" fmla="val 50000"/>
+            </a:avLst>
+          </a:prstGeom>
+          <a:ln>
+            <a:tailEnd type="triangle"/>
+          </a:ln>
+        </p:spPr>
+        <p:style>
+          <a:lnRef idx="1">
+            <a:schemeClr val="accent1"/>
+          </a:lnRef>
+          <a:fillRef idx="0">
+            <a:schemeClr val="accent1"/>
+          </a:fillRef>
+          <a:effectRef idx="0">
+            <a:schemeClr val="accent1"/>
+          </a:effectRef>
+          <a:fontRef idx="minor">
+            <a:schemeClr val="tx1"/>
+          </a:fontRef>
+        </p:style>
+      </p:cxnSp>
+      <p:cxnSp>
+        <p:nvCxnSpPr>
+          <p:cNvPr id="24" name="曲线连接符 23">
+            <a:extLst>
+              <a:ext uri="{FF2B5EF4-FFF2-40B4-BE49-F238E27FC236}">
+                <a16:creationId xmlns:a16="http://schemas.microsoft.com/office/drawing/2014/main" id="{99D0D77F-ED5A-2041-9CDA-C3EA4C49333B}"/>
+              </a:ext>
+            </a:extLst>
+          </p:cNvPr>
+          <p:cNvCxnSpPr>
+            <a:cxnSpLocks/>
+            <a:stCxn id="12" idx="2"/>
+            <a:endCxn id="13" idx="0"/>
+          </p:cNvCxnSpPr>
+          <p:nvPr/>
+        </p:nvCxnSpPr>
+        <p:spPr>
+          <a:xfrm rot="16200000" flipH="1">
+            <a:off x="7505968" y="3672825"/>
+            <a:ext cx="493218" cy="386623"/>
+          </a:xfrm>
+          <a:prstGeom prst="curvedConnector3">
+            <a:avLst>
+              <a:gd name="adj1" fmla="val 50000"/>
+            </a:avLst>
+          </a:prstGeom>
+          <a:ln>
+            <a:tailEnd type="triangle"/>
+          </a:ln>
+        </p:spPr>
+        <p:style>
+          <a:lnRef idx="1">
+            <a:schemeClr val="accent1"/>
+          </a:lnRef>
+          <a:fillRef idx="0">
+            <a:schemeClr val="accent1"/>
+          </a:fillRef>
+          <a:effectRef idx="0">
+            <a:schemeClr val="accent1"/>
+          </a:effectRef>
+          <a:fontRef idx="minor">
+            <a:schemeClr val="tx1"/>
+          </a:fontRef>
+        </p:style>
+      </p:cxnSp>
+      <p:sp>
+        <p:nvSpPr>
+          <p:cNvPr id="29" name="圆角矩形 28">
+            <a:extLst>
+              <a:ext uri="{FF2B5EF4-FFF2-40B4-BE49-F238E27FC236}">
+                <a16:creationId xmlns:a16="http://schemas.microsoft.com/office/drawing/2014/main" id="{DA16C56B-7627-594D-9E57-57EB28FFE682}"/>
+              </a:ext>
+            </a:extLst>
+          </p:cNvPr>
+          <p:cNvSpPr/>
+          <p:nvPr/>
+        </p:nvSpPr>
+        <p:spPr>
+          <a:xfrm>
+            <a:off x="2964125" y="4574696"/>
+            <a:ext cx="1541264" cy="634701"/>
+          </a:xfrm>
+          <a:prstGeom prst="roundRect">
+            <a:avLst/>
+          </a:prstGeom>
+        </p:spPr>
+        <p:style>
+          <a:lnRef idx="2">
+            <a:schemeClr val="accent1">
+              <a:shade val="50000"/>
+            </a:schemeClr>
+          </a:lnRef>
+          <a:fillRef idx="1">
+            <a:schemeClr val="accent1"/>
+          </a:fillRef>
+          <a:effectRef idx="0">
+            <a:schemeClr val="accent1"/>
+          </a:effectRef>
+          <a:fontRef idx="minor">
+            <a:schemeClr val="lt1"/>
+          </a:fontRef>
+        </p:style>
+        <p:txBody>
+          <a:bodyPr rtlCol="0" anchor="ctr"/>
+          <a:lstStyle/>
+          <a:p>
+            <a:pPr algn="ctr"/>
+            <a:r>
+              <a:rPr kumimoji="1" lang="en-US" altLang="zh-CN" dirty="0"/>
+              <a:t>8</a:t>
+            </a:r>
+            <a:r>
+              <a:rPr kumimoji="1" lang="zh-CN" altLang="en-US" dirty="0"/>
+              <a:t> 右护法</a:t>
+            </a:r>
+            <a:endParaRPr kumimoji="1" lang="en-US" altLang="zh-CN" dirty="0"/>
+          </a:p>
+          <a:p>
+            <a:pPr algn="ctr"/>
+            <a:r>
+              <a:rPr kumimoji="1" lang="en-US" altLang="zh-CN" dirty="0"/>
+              <a:t>500w</a:t>
+            </a:r>
+          </a:p>
+        </p:txBody>
+      </p:sp>
+      <p:sp>
+        <p:nvSpPr>
+          <p:cNvPr id="30" name="圆角矩形 29">
+            <a:extLst>
+              <a:ext uri="{FF2B5EF4-FFF2-40B4-BE49-F238E27FC236}">
+                <a16:creationId xmlns:a16="http://schemas.microsoft.com/office/drawing/2014/main" id="{C70A2AC2-EB1E-244A-BDA3-A48D0FCE7F47}"/>
+              </a:ext>
+            </a:extLst>
+          </p:cNvPr>
+          <p:cNvSpPr/>
+          <p:nvPr/>
+        </p:nvSpPr>
+        <p:spPr>
+          <a:xfrm>
+            <a:off x="2407913" y="3465625"/>
+            <a:ext cx="1541264" cy="634701"/>
+          </a:xfrm>
+          <a:prstGeom prst="roundRect">
+            <a:avLst/>
+          </a:prstGeom>
+        </p:spPr>
+        <p:style>
+          <a:lnRef idx="2">
+            <a:schemeClr val="accent1">
+              <a:shade val="50000"/>
+            </a:schemeClr>
+          </a:lnRef>
+          <a:fillRef idx="1">
+            <a:schemeClr val="accent1"/>
+          </a:fillRef>
+          <a:effectRef idx="0">
+            <a:schemeClr val="accent1"/>
+          </a:effectRef>
+          <a:fontRef idx="minor">
+            <a:schemeClr val="lt1"/>
+          </a:fontRef>
+        </p:style>
+        <p:txBody>
+          <a:bodyPr rtlCol="0" anchor="ctr"/>
+          <a:lstStyle/>
+          <a:p>
+            <a:pPr algn="ctr"/>
+            <a:r>
+              <a:rPr kumimoji="1" lang="en-US" altLang="zh-CN" dirty="0"/>
+              <a:t>9</a:t>
+            </a:r>
+            <a:r>
+              <a:rPr kumimoji="1" lang="zh-CN" altLang="en-US" dirty="0"/>
+              <a:t> 右护法</a:t>
+            </a:r>
+            <a:endParaRPr kumimoji="1" lang="en-US" altLang="zh-CN" dirty="0"/>
+          </a:p>
+          <a:p>
+            <a:pPr algn="ctr"/>
+            <a:r>
+              <a:rPr kumimoji="1" lang="en-US" altLang="zh-CN" dirty="0"/>
+              <a:t>500w</a:t>
+            </a:r>
+          </a:p>
+        </p:txBody>
+      </p:sp>
+      <p:sp>
+        <p:nvSpPr>
+          <p:cNvPr id="31" name="圆角矩形 30">
+            <a:extLst>
+              <a:ext uri="{FF2B5EF4-FFF2-40B4-BE49-F238E27FC236}">
+                <a16:creationId xmlns:a16="http://schemas.microsoft.com/office/drawing/2014/main" id="{4D65F449-DE74-D64F-9D5C-1D35D48EB653}"/>
+              </a:ext>
+            </a:extLst>
+          </p:cNvPr>
+          <p:cNvSpPr/>
+          <p:nvPr/>
+        </p:nvSpPr>
+        <p:spPr>
+          <a:xfrm>
+            <a:off x="1937397" y="2375244"/>
+            <a:ext cx="1541264" cy="634701"/>
+          </a:xfrm>
+          <a:prstGeom prst="roundRect">
+            <a:avLst/>
+          </a:prstGeom>
+        </p:spPr>
+        <p:style>
+          <a:lnRef idx="2">
+            <a:schemeClr val="accent1">
+              <a:shade val="50000"/>
+            </a:schemeClr>
+          </a:lnRef>
+          <a:fillRef idx="1">
+            <a:schemeClr val="accent1"/>
+          </a:fillRef>
+          <a:effectRef idx="0">
+            <a:schemeClr val="accent1"/>
+          </a:effectRef>
+          <a:fontRef idx="minor">
+            <a:schemeClr val="lt1"/>
+          </a:fontRef>
+        </p:style>
+        <p:txBody>
+          <a:bodyPr rtlCol="0" anchor="ctr"/>
+          <a:lstStyle/>
+          <a:p>
+            <a:pPr algn="ctr"/>
+            <a:r>
+              <a:rPr kumimoji="1" lang="en-US" altLang="zh-CN" dirty="0"/>
+              <a:t>10</a:t>
+            </a:r>
+            <a:r>
+              <a:rPr kumimoji="1" lang="zh-CN" altLang="en-US" dirty="0"/>
+              <a:t> 右护法</a:t>
+            </a:r>
+            <a:endParaRPr kumimoji="1" lang="en-US" altLang="zh-CN" dirty="0"/>
+          </a:p>
+          <a:p>
+            <a:pPr algn="ctr"/>
+            <a:r>
+              <a:rPr kumimoji="1" lang="en-US" altLang="zh-CN" dirty="0"/>
+              <a:t>500w</a:t>
+            </a:r>
+          </a:p>
+        </p:txBody>
+      </p:sp>
+      <p:cxnSp>
+        <p:nvCxnSpPr>
+          <p:cNvPr id="34" name="曲线连接符 33">
+            <a:extLst>
+              <a:ext uri="{FF2B5EF4-FFF2-40B4-BE49-F238E27FC236}">
+                <a16:creationId xmlns:a16="http://schemas.microsoft.com/office/drawing/2014/main" id="{3514300A-CAE5-9C4A-A464-E3AE1362DBF0}"/>
+              </a:ext>
+            </a:extLst>
+          </p:cNvPr>
+          <p:cNvCxnSpPr>
+            <a:cxnSpLocks/>
+            <a:stCxn id="13" idx="2"/>
+            <a:endCxn id="19" idx="3"/>
+          </p:cNvCxnSpPr>
+          <p:nvPr/>
+        </p:nvCxnSpPr>
+        <p:spPr>
+          <a:xfrm rot="5400000">
+            <a:off x="6573246" y="4471454"/>
+            <a:ext cx="1096651" cy="1648636"/>
+          </a:xfrm>
+          <a:prstGeom prst="curvedConnector2">
+            <a:avLst/>
+          </a:prstGeom>
+          <a:ln>
+            <a:tailEnd type="triangle"/>
+          </a:ln>
+        </p:spPr>
+        <p:style>
+          <a:lnRef idx="1">
+            <a:schemeClr val="accent1"/>
+          </a:lnRef>
+          <a:fillRef idx="0">
+            <a:schemeClr val="accent1"/>
+          </a:fillRef>
+          <a:effectRef idx="0">
+            <a:schemeClr val="accent1"/>
+          </a:effectRef>
+          <a:fontRef idx="minor">
+            <a:schemeClr val="tx1"/>
+          </a:fontRef>
+        </p:style>
+      </p:cxnSp>
+      <p:cxnSp>
+        <p:nvCxnSpPr>
+          <p:cNvPr id="39" name="曲线连接符 38">
+            <a:extLst>
+              <a:ext uri="{FF2B5EF4-FFF2-40B4-BE49-F238E27FC236}">
+                <a16:creationId xmlns:a16="http://schemas.microsoft.com/office/drawing/2014/main" id="{8C7E91BA-F0E2-7242-8052-B18425590291}"/>
+              </a:ext>
+            </a:extLst>
+          </p:cNvPr>
+          <p:cNvCxnSpPr>
+            <a:cxnSpLocks/>
+            <a:stCxn id="30" idx="0"/>
+            <a:endCxn id="31" idx="2"/>
+          </p:cNvCxnSpPr>
+          <p:nvPr/>
+        </p:nvCxnSpPr>
+        <p:spPr>
+          <a:xfrm rot="16200000" flipV="1">
+            <a:off x="2715447" y="3002527"/>
+            <a:ext cx="455680" cy="470516"/>
+          </a:xfrm>
+          <a:prstGeom prst="curvedConnector3">
+            <a:avLst>
+              <a:gd name="adj1" fmla="val 50000"/>
+            </a:avLst>
+          </a:prstGeom>
+          <a:ln>
+            <a:tailEnd type="triangle"/>
+          </a:ln>
+        </p:spPr>
+        <p:style>
+          <a:lnRef idx="1">
+            <a:schemeClr val="accent1"/>
+          </a:lnRef>
+          <a:fillRef idx="0">
+            <a:schemeClr val="accent1"/>
+          </a:fillRef>
+          <a:effectRef idx="0">
+            <a:schemeClr val="accent1"/>
+          </a:effectRef>
+          <a:fontRef idx="minor">
+            <a:schemeClr val="tx1"/>
+          </a:fontRef>
+        </p:style>
+      </p:cxnSp>
+      <p:cxnSp>
+        <p:nvCxnSpPr>
+          <p:cNvPr id="45" name="曲线连接符 44">
+            <a:extLst>
+              <a:ext uri="{FF2B5EF4-FFF2-40B4-BE49-F238E27FC236}">
+                <a16:creationId xmlns:a16="http://schemas.microsoft.com/office/drawing/2014/main" id="{EE2EDB59-B9A7-3242-8E01-90E8FAC54361}"/>
+              </a:ext>
+            </a:extLst>
+          </p:cNvPr>
+          <p:cNvCxnSpPr>
+            <a:cxnSpLocks/>
+            <a:stCxn id="29" idx="0"/>
+            <a:endCxn id="30" idx="2"/>
+          </p:cNvCxnSpPr>
+          <p:nvPr/>
+        </p:nvCxnSpPr>
+        <p:spPr>
+          <a:xfrm rot="16200000" flipV="1">
+            <a:off x="3219466" y="4059405"/>
+            <a:ext cx="474370" cy="556212"/>
+          </a:xfrm>
+          <a:prstGeom prst="curvedConnector3">
+            <a:avLst>
+              <a:gd name="adj1" fmla="val 50000"/>
+            </a:avLst>
+          </a:prstGeom>
+          <a:ln>
+            <a:tailEnd type="triangle"/>
+          </a:ln>
+        </p:spPr>
+        <p:style>
+          <a:lnRef idx="1">
+            <a:schemeClr val="accent1"/>
+          </a:lnRef>
+          <a:fillRef idx="0">
+            <a:schemeClr val="accent1"/>
+          </a:fillRef>
+          <a:effectRef idx="0">
+            <a:schemeClr val="accent1"/>
+          </a:effectRef>
+          <a:fontRef idx="minor">
+            <a:schemeClr val="tx1"/>
+          </a:fontRef>
+        </p:style>
+      </p:cxnSp>
+      <p:cxnSp>
+        <p:nvCxnSpPr>
+          <p:cNvPr id="48" name="曲线连接符 47">
+            <a:extLst>
+              <a:ext uri="{FF2B5EF4-FFF2-40B4-BE49-F238E27FC236}">
+                <a16:creationId xmlns:a16="http://schemas.microsoft.com/office/drawing/2014/main" id="{B0B1215D-C395-F44E-928F-35A709952449}"/>
+              </a:ext>
+            </a:extLst>
+          </p:cNvPr>
+          <p:cNvCxnSpPr>
+            <a:cxnSpLocks/>
+            <a:stCxn id="19" idx="1"/>
+            <a:endCxn id="29" idx="2"/>
+          </p:cNvCxnSpPr>
+          <p:nvPr/>
+        </p:nvCxnSpPr>
+        <p:spPr>
+          <a:xfrm rot="10800000">
+            <a:off x="3734757" y="5209398"/>
+            <a:ext cx="1021232" cy="634701"/>
+          </a:xfrm>
+          <a:prstGeom prst="curvedConnector2">
+            <a:avLst/>
+          </a:prstGeom>
+          <a:ln>
+            <a:tailEnd type="triangle"/>
+          </a:ln>
+        </p:spPr>
+        <p:style>
+          <a:lnRef idx="1">
+            <a:schemeClr val="accent1"/>
+          </a:lnRef>
+          <a:fillRef idx="0">
+            <a:schemeClr val="accent1"/>
+          </a:fillRef>
+          <a:effectRef idx="0">
+            <a:schemeClr val="accent1"/>
+          </a:effectRef>
+          <a:fontRef idx="minor">
+            <a:schemeClr val="tx1"/>
+          </a:fontRef>
+        </p:style>
+      </p:cxnSp>
+      <p:sp>
+        <p:nvSpPr>
+          <p:cNvPr id="59" name="文本框 58">
+            <a:extLst>
+              <a:ext uri="{FF2B5EF4-FFF2-40B4-BE49-F238E27FC236}">
+                <a16:creationId xmlns:a16="http://schemas.microsoft.com/office/drawing/2014/main" id="{C94BBED9-BD92-C044-A29D-A12D94185CF5}"/>
+              </a:ext>
+            </a:extLst>
+          </p:cNvPr>
+          <p:cNvSpPr txBox="1"/>
+          <p:nvPr/>
+        </p:nvSpPr>
+        <p:spPr>
+          <a:xfrm>
+            <a:off x="7559265" y="6006344"/>
+            <a:ext cx="479618" cy="369332"/>
+          </a:xfrm>
+          <a:prstGeom prst="rect">
+            <a:avLst/>
+          </a:prstGeom>
+          <a:noFill/>
+        </p:spPr>
+        <p:txBody>
+          <a:bodyPr wrap="none" rtlCol="0">
+            <a:spAutoFit/>
+          </a:bodyPr>
+          <a:lstStyle/>
+          <a:p>
+            <a:r>
+              <a:rPr kumimoji="1" lang="en-US" altLang="zh-CN" dirty="0"/>
+              <a:t>0.5</a:t>
+            </a:r>
+            <a:endParaRPr kumimoji="1" lang="zh-CN" altLang="en-US" dirty="0"/>
+          </a:p>
+        </p:txBody>
+      </p:sp>
+      <p:sp>
+        <p:nvSpPr>
+          <p:cNvPr id="60" name="文本框 59">
+            <a:extLst>
+              <a:ext uri="{FF2B5EF4-FFF2-40B4-BE49-F238E27FC236}">
+                <a16:creationId xmlns:a16="http://schemas.microsoft.com/office/drawing/2014/main" id="{76DB465F-6164-3E46-824E-9689E339965D}"/>
+              </a:ext>
+            </a:extLst>
+          </p:cNvPr>
+          <p:cNvSpPr txBox="1"/>
+          <p:nvPr/>
+        </p:nvSpPr>
+        <p:spPr>
+          <a:xfrm>
+            <a:off x="6933833" y="5241599"/>
+            <a:ext cx="479618" cy="369332"/>
+          </a:xfrm>
+          <a:prstGeom prst="rect">
+            <a:avLst/>
+          </a:prstGeom>
+          <a:noFill/>
+        </p:spPr>
+        <p:txBody>
+          <a:bodyPr wrap="none" rtlCol="0">
+            <a:spAutoFit/>
+          </a:bodyPr>
+          <a:lstStyle/>
+          <a:p>
+            <a:r>
+              <a:rPr kumimoji="1" lang="en-US" altLang="zh-CN" dirty="0"/>
+              <a:t>0.5</a:t>
+            </a:r>
+            <a:endParaRPr kumimoji="1" lang="zh-CN" altLang="en-US" dirty="0"/>
+          </a:p>
+        </p:txBody>
+      </p:sp>
+      <p:sp>
+        <p:nvSpPr>
+          <p:cNvPr id="61" name="文本框 60">
+            <a:extLst>
+              <a:ext uri="{FF2B5EF4-FFF2-40B4-BE49-F238E27FC236}">
+                <a16:creationId xmlns:a16="http://schemas.microsoft.com/office/drawing/2014/main" id="{45FDBD91-B424-EC43-B43B-565F8F364808}"/>
+              </a:ext>
+            </a:extLst>
+          </p:cNvPr>
+          <p:cNvSpPr txBox="1"/>
+          <p:nvPr/>
+        </p:nvSpPr>
+        <p:spPr>
+          <a:xfrm>
+            <a:off x="2595176" y="1350806"/>
+            <a:ext cx="479618" cy="369332"/>
+          </a:xfrm>
+          <a:prstGeom prst="rect">
+            <a:avLst/>
+          </a:prstGeom>
+          <a:noFill/>
+        </p:spPr>
+        <p:txBody>
+          <a:bodyPr wrap="none" rtlCol="0">
+            <a:spAutoFit/>
+          </a:bodyPr>
+          <a:lstStyle/>
+          <a:p>
+            <a:r>
+              <a:rPr kumimoji="1" lang="en-US" altLang="zh-CN" dirty="0"/>
+              <a:t>0.5</a:t>
+            </a:r>
+            <a:endParaRPr kumimoji="1" lang="zh-CN" altLang="en-US" dirty="0"/>
+          </a:p>
+        </p:txBody>
+      </p:sp>
+      <p:sp>
+        <p:nvSpPr>
+          <p:cNvPr id="62" name="文本框 61">
+            <a:extLst>
+              <a:ext uri="{FF2B5EF4-FFF2-40B4-BE49-F238E27FC236}">
+                <a16:creationId xmlns:a16="http://schemas.microsoft.com/office/drawing/2014/main" id="{1BD36B00-C4F9-DA44-B3D0-2558D45BC79A}"/>
+              </a:ext>
+            </a:extLst>
+          </p:cNvPr>
+          <p:cNvSpPr txBox="1"/>
+          <p:nvPr/>
+        </p:nvSpPr>
+        <p:spPr>
+          <a:xfrm>
+            <a:off x="2999043" y="1800186"/>
+            <a:ext cx="479618" cy="369332"/>
+          </a:xfrm>
+          <a:prstGeom prst="rect">
+            <a:avLst/>
+          </a:prstGeom>
+          <a:noFill/>
+        </p:spPr>
+        <p:txBody>
+          <a:bodyPr wrap="none" rtlCol="0">
+            <a:spAutoFit/>
+          </a:bodyPr>
+          <a:lstStyle/>
+          <a:p>
+            <a:r>
+              <a:rPr kumimoji="1" lang="en-US" altLang="zh-CN" dirty="0"/>
+              <a:t>0.5</a:t>
+            </a:r>
+            <a:endParaRPr kumimoji="1" lang="zh-CN" altLang="en-US" dirty="0"/>
+          </a:p>
+        </p:txBody>
+      </p:sp>
+      <p:sp>
+        <p:nvSpPr>
+          <p:cNvPr id="63" name="文本框 62">
+            <a:extLst>
+              <a:ext uri="{FF2B5EF4-FFF2-40B4-BE49-F238E27FC236}">
+                <a16:creationId xmlns:a16="http://schemas.microsoft.com/office/drawing/2014/main" id="{DE62FECD-E17E-AC42-AF5E-66E20C586E8C}"/>
+              </a:ext>
+            </a:extLst>
+          </p:cNvPr>
+          <p:cNvSpPr txBox="1"/>
+          <p:nvPr/>
+        </p:nvSpPr>
+        <p:spPr>
+          <a:xfrm>
+            <a:off x="5836944" y="1400207"/>
+            <a:ext cx="306494" cy="369332"/>
+          </a:xfrm>
+          <a:prstGeom prst="rect">
+            <a:avLst/>
+          </a:prstGeom>
+          <a:noFill/>
+        </p:spPr>
+        <p:txBody>
+          <a:bodyPr wrap="none" rtlCol="0">
+            <a:spAutoFit/>
+          </a:bodyPr>
+          <a:lstStyle/>
+          <a:p>
+            <a:r>
+              <a:rPr kumimoji="1" lang="en-US" altLang="zh-CN" dirty="0"/>
+              <a:t>1</a:t>
+            </a:r>
+            <a:endParaRPr kumimoji="1" lang="zh-CN" altLang="en-US" dirty="0"/>
+          </a:p>
+        </p:txBody>
+      </p:sp>
+      <p:sp>
+        <p:nvSpPr>
+          <p:cNvPr id="64" name="文本框 63">
+            <a:extLst>
+              <a:ext uri="{FF2B5EF4-FFF2-40B4-BE49-F238E27FC236}">
+                <a16:creationId xmlns:a16="http://schemas.microsoft.com/office/drawing/2014/main" id="{F720B339-BCC2-8442-B556-612C20B3CB47}"/>
+              </a:ext>
+            </a:extLst>
+          </p:cNvPr>
+          <p:cNvSpPr txBox="1"/>
+          <p:nvPr/>
+        </p:nvSpPr>
+        <p:spPr>
+          <a:xfrm>
+            <a:off x="7020395" y="2411092"/>
+            <a:ext cx="306494" cy="369332"/>
+          </a:xfrm>
+          <a:prstGeom prst="rect">
+            <a:avLst/>
+          </a:prstGeom>
+          <a:noFill/>
+        </p:spPr>
+        <p:txBody>
+          <a:bodyPr wrap="none" rtlCol="0">
+            <a:spAutoFit/>
+          </a:bodyPr>
+          <a:lstStyle/>
+          <a:p>
+            <a:r>
+              <a:rPr kumimoji="1" lang="en-US" altLang="zh-CN" dirty="0"/>
+              <a:t>1</a:t>
+            </a:r>
+            <a:endParaRPr kumimoji="1" lang="zh-CN" altLang="en-US" dirty="0"/>
+          </a:p>
+        </p:txBody>
+      </p:sp>
+      <p:sp>
+        <p:nvSpPr>
+          <p:cNvPr id="65" name="文本框 64">
+            <a:extLst>
+              <a:ext uri="{FF2B5EF4-FFF2-40B4-BE49-F238E27FC236}">
+                <a16:creationId xmlns:a16="http://schemas.microsoft.com/office/drawing/2014/main" id="{C8AE213E-A66F-3246-8C50-36552FC826C3}"/>
+              </a:ext>
+            </a:extLst>
+          </p:cNvPr>
+          <p:cNvSpPr txBox="1"/>
+          <p:nvPr/>
+        </p:nvSpPr>
+        <p:spPr>
+          <a:xfrm>
+            <a:off x="7645827" y="3642554"/>
+            <a:ext cx="306494" cy="369332"/>
+          </a:xfrm>
+          <a:prstGeom prst="rect">
+            <a:avLst/>
+          </a:prstGeom>
+          <a:noFill/>
+        </p:spPr>
+        <p:txBody>
+          <a:bodyPr wrap="none" rtlCol="0">
+            <a:spAutoFit/>
+          </a:bodyPr>
+          <a:lstStyle/>
+          <a:p>
+            <a:r>
+              <a:rPr kumimoji="1" lang="en-US" altLang="zh-CN" dirty="0"/>
+              <a:t>1</a:t>
+            </a:r>
+            <a:endParaRPr kumimoji="1" lang="zh-CN" altLang="en-US" dirty="0"/>
+          </a:p>
+        </p:txBody>
+      </p:sp>
+      <p:sp>
+        <p:nvSpPr>
+          <p:cNvPr id="66" name="文本框 65">
+            <a:extLst>
+              <a:ext uri="{FF2B5EF4-FFF2-40B4-BE49-F238E27FC236}">
+                <a16:creationId xmlns:a16="http://schemas.microsoft.com/office/drawing/2014/main" id="{AE65E885-42E1-984C-8B64-89AE9044D0F8}"/>
+              </a:ext>
+            </a:extLst>
+          </p:cNvPr>
+          <p:cNvSpPr txBox="1"/>
+          <p:nvPr/>
+        </p:nvSpPr>
+        <p:spPr>
+          <a:xfrm>
+            <a:off x="3966162" y="5349222"/>
+            <a:ext cx="306494" cy="369332"/>
+          </a:xfrm>
+          <a:prstGeom prst="rect">
+            <a:avLst/>
+          </a:prstGeom>
+          <a:noFill/>
+        </p:spPr>
+        <p:txBody>
+          <a:bodyPr wrap="none" rtlCol="0">
+            <a:spAutoFit/>
+          </a:bodyPr>
+          <a:lstStyle/>
+          <a:p>
+            <a:r>
+              <a:rPr kumimoji="1" lang="en-US" altLang="zh-CN" dirty="0"/>
+              <a:t>1</a:t>
+            </a:r>
+            <a:endParaRPr kumimoji="1" lang="zh-CN" altLang="en-US" dirty="0"/>
+          </a:p>
+        </p:txBody>
+      </p:sp>
+      <p:sp>
+        <p:nvSpPr>
+          <p:cNvPr id="67" name="文本框 66">
+            <a:extLst>
+              <a:ext uri="{FF2B5EF4-FFF2-40B4-BE49-F238E27FC236}">
+                <a16:creationId xmlns:a16="http://schemas.microsoft.com/office/drawing/2014/main" id="{B4821018-5301-B74E-B0E7-D0AA0F33F977}"/>
+              </a:ext>
+            </a:extLst>
+          </p:cNvPr>
+          <p:cNvSpPr txBox="1"/>
+          <p:nvPr/>
+        </p:nvSpPr>
+        <p:spPr>
+          <a:xfrm>
+            <a:off x="3577997" y="4100325"/>
+            <a:ext cx="306494" cy="369332"/>
+          </a:xfrm>
+          <a:prstGeom prst="rect">
+            <a:avLst/>
+          </a:prstGeom>
+          <a:noFill/>
+        </p:spPr>
+        <p:txBody>
+          <a:bodyPr wrap="none" rtlCol="0">
+            <a:spAutoFit/>
+          </a:bodyPr>
+          <a:lstStyle/>
+          <a:p>
+            <a:r>
+              <a:rPr kumimoji="1" lang="en-US" altLang="zh-CN" dirty="0"/>
+              <a:t>1</a:t>
+            </a:r>
+            <a:endParaRPr kumimoji="1" lang="zh-CN" altLang="en-US" dirty="0"/>
+          </a:p>
+        </p:txBody>
+      </p:sp>
+      <p:sp>
+        <p:nvSpPr>
+          <p:cNvPr id="68" name="文本框 67">
+            <a:extLst>
+              <a:ext uri="{FF2B5EF4-FFF2-40B4-BE49-F238E27FC236}">
+                <a16:creationId xmlns:a16="http://schemas.microsoft.com/office/drawing/2014/main" id="{DF0725D2-5775-DA4D-B0CC-024B2FA249B3}"/>
+              </a:ext>
+            </a:extLst>
+          </p:cNvPr>
+          <p:cNvSpPr txBox="1"/>
+          <p:nvPr/>
+        </p:nvSpPr>
+        <p:spPr>
+          <a:xfrm>
+            <a:off x="3022109" y="3002124"/>
+            <a:ext cx="306494" cy="369332"/>
+          </a:xfrm>
+          <a:prstGeom prst="rect">
+            <a:avLst/>
+          </a:prstGeom>
+          <a:noFill/>
+        </p:spPr>
+        <p:txBody>
+          <a:bodyPr wrap="none" rtlCol="0">
+            <a:spAutoFit/>
+          </a:bodyPr>
+          <a:lstStyle/>
+          <a:p>
+            <a:r>
+              <a:rPr kumimoji="1" lang="en-US" altLang="zh-CN" dirty="0"/>
+              <a:t>1</a:t>
+            </a:r>
+            <a:endParaRPr kumimoji="1" lang="zh-CN" altLang="en-US" dirty="0"/>
+          </a:p>
+        </p:txBody>
+      </p:sp>
+      <p:sp>
+        <p:nvSpPr>
+          <p:cNvPr id="2" name="文本框 1">
+            <a:extLst>
+              <a:ext uri="{FF2B5EF4-FFF2-40B4-BE49-F238E27FC236}">
+                <a16:creationId xmlns:a16="http://schemas.microsoft.com/office/drawing/2014/main" id="{5E1495DE-1207-7244-8497-E0E431A95E56}"/>
+              </a:ext>
+            </a:extLst>
+          </p:cNvPr>
+          <p:cNvSpPr txBox="1"/>
+          <p:nvPr/>
+        </p:nvSpPr>
+        <p:spPr>
+          <a:xfrm>
+            <a:off x="5160402" y="6254067"/>
+            <a:ext cx="1136850" cy="369332"/>
+          </a:xfrm>
+          <a:prstGeom prst="rect">
+            <a:avLst/>
+          </a:prstGeom>
+          <a:noFill/>
+        </p:spPr>
+        <p:txBody>
+          <a:bodyPr wrap="none" rtlCol="0">
+            <a:spAutoFit/>
+          </a:bodyPr>
+          <a:lstStyle/>
+          <a:p>
+            <a:r>
+              <a:rPr kumimoji="1" lang="en-US" altLang="zh-CN" dirty="0" err="1"/>
+              <a:t>tailFact</a:t>
+            </a:r>
+            <a:r>
+              <a:rPr kumimoji="1" lang="en-US" altLang="zh-CN" dirty="0"/>
+              <a:t>(0)</a:t>
+            </a:r>
+            <a:endParaRPr kumimoji="1" lang="zh-CN" altLang="en-US" dirty="0"/>
+          </a:p>
+        </p:txBody>
+      </p:sp>
+      <p:sp>
+        <p:nvSpPr>
+          <p:cNvPr id="35" name="文本框 34">
+            <a:extLst>
+              <a:ext uri="{FF2B5EF4-FFF2-40B4-BE49-F238E27FC236}">
+                <a16:creationId xmlns:a16="http://schemas.microsoft.com/office/drawing/2014/main" id="{06218B39-1F94-2346-9345-7B30D04087DC}"/>
+              </a:ext>
+            </a:extLst>
+          </p:cNvPr>
+          <p:cNvSpPr txBox="1"/>
+          <p:nvPr/>
+        </p:nvSpPr>
+        <p:spPr>
+          <a:xfrm>
+            <a:off x="1694135" y="4144615"/>
+            <a:ext cx="1136850" cy="369332"/>
+          </a:xfrm>
+          <a:prstGeom prst="rect">
+            <a:avLst/>
+          </a:prstGeom>
+          <a:noFill/>
+        </p:spPr>
+        <p:txBody>
+          <a:bodyPr wrap="none" rtlCol="0">
+            <a:spAutoFit/>
+          </a:bodyPr>
+          <a:lstStyle/>
+          <a:p>
+            <a:r>
+              <a:rPr kumimoji="1" lang="en-US" altLang="zh-CN" dirty="0" err="1"/>
+              <a:t>tailFact</a:t>
+            </a:r>
+            <a:r>
+              <a:rPr kumimoji="1" lang="en-US" altLang="zh-CN" dirty="0"/>
+              <a:t>(2)</a:t>
+            </a:r>
+            <a:endParaRPr kumimoji="1" lang="zh-CN" altLang="en-US" dirty="0"/>
+          </a:p>
+        </p:txBody>
+      </p:sp>
+      <p:sp>
+        <p:nvSpPr>
+          <p:cNvPr id="36" name="文本框 35">
+            <a:extLst>
+              <a:ext uri="{FF2B5EF4-FFF2-40B4-BE49-F238E27FC236}">
+                <a16:creationId xmlns:a16="http://schemas.microsoft.com/office/drawing/2014/main" id="{4DE9EE8F-299B-6749-BBAD-89C5E6719A46}"/>
+              </a:ext>
+            </a:extLst>
+          </p:cNvPr>
+          <p:cNvSpPr txBox="1"/>
+          <p:nvPr/>
+        </p:nvSpPr>
+        <p:spPr>
+          <a:xfrm>
+            <a:off x="2494211" y="5419662"/>
+            <a:ext cx="1136850" cy="369332"/>
+          </a:xfrm>
+          <a:prstGeom prst="rect">
+            <a:avLst/>
+          </a:prstGeom>
+          <a:noFill/>
+        </p:spPr>
+        <p:txBody>
+          <a:bodyPr wrap="none" rtlCol="0">
+            <a:spAutoFit/>
+          </a:bodyPr>
+          <a:lstStyle/>
+          <a:p>
+            <a:r>
+              <a:rPr kumimoji="1" lang="en-US" altLang="zh-CN" dirty="0" err="1"/>
+              <a:t>tailFact</a:t>
+            </a:r>
+            <a:r>
+              <a:rPr kumimoji="1" lang="en-US" altLang="zh-CN" dirty="0"/>
+              <a:t>(1)</a:t>
+            </a:r>
+            <a:endParaRPr kumimoji="1" lang="zh-CN" altLang="en-US" dirty="0"/>
+          </a:p>
+        </p:txBody>
+      </p:sp>
+      <p:sp>
+        <p:nvSpPr>
+          <p:cNvPr id="37" name="文本框 36">
+            <a:extLst>
+              <a:ext uri="{FF2B5EF4-FFF2-40B4-BE49-F238E27FC236}">
+                <a16:creationId xmlns:a16="http://schemas.microsoft.com/office/drawing/2014/main" id="{97628119-71D7-1F40-81A7-D2F41ED905DB}"/>
+              </a:ext>
+            </a:extLst>
+          </p:cNvPr>
+          <p:cNvSpPr txBox="1"/>
+          <p:nvPr/>
+        </p:nvSpPr>
+        <p:spPr>
+          <a:xfrm>
+            <a:off x="1145575" y="2987837"/>
+            <a:ext cx="1136850" cy="369332"/>
+          </a:xfrm>
+          <a:prstGeom prst="rect">
+            <a:avLst/>
+          </a:prstGeom>
+          <a:noFill/>
+        </p:spPr>
+        <p:txBody>
+          <a:bodyPr wrap="none" rtlCol="0">
+            <a:spAutoFit/>
+          </a:bodyPr>
+          <a:lstStyle/>
+          <a:p>
+            <a:r>
+              <a:rPr kumimoji="1" lang="en-US" altLang="zh-CN" dirty="0" err="1"/>
+              <a:t>tailFact</a:t>
+            </a:r>
+            <a:r>
+              <a:rPr kumimoji="1" lang="en-US" altLang="zh-CN" dirty="0"/>
+              <a:t>(3)</a:t>
+            </a:r>
+            <a:endParaRPr kumimoji="1" lang="zh-CN" altLang="en-US" dirty="0"/>
+          </a:p>
+        </p:txBody>
+      </p:sp>
+      <p:sp>
+        <p:nvSpPr>
+          <p:cNvPr id="38" name="文本框 37">
+            <a:extLst>
+              <a:ext uri="{FF2B5EF4-FFF2-40B4-BE49-F238E27FC236}">
+                <a16:creationId xmlns:a16="http://schemas.microsoft.com/office/drawing/2014/main" id="{7B596476-F21E-7649-B59D-C0A2898169FA}"/>
+              </a:ext>
+            </a:extLst>
+          </p:cNvPr>
+          <p:cNvSpPr txBox="1"/>
+          <p:nvPr/>
+        </p:nvSpPr>
+        <p:spPr>
+          <a:xfrm>
+            <a:off x="4277355" y="1953729"/>
+            <a:ext cx="1136850" cy="369332"/>
+          </a:xfrm>
+          <a:prstGeom prst="rect">
+            <a:avLst/>
+          </a:prstGeom>
+          <a:noFill/>
+        </p:spPr>
+        <p:txBody>
+          <a:bodyPr wrap="none" rtlCol="0">
+            <a:spAutoFit/>
+          </a:bodyPr>
+          <a:lstStyle/>
+          <a:p>
+            <a:r>
+              <a:rPr kumimoji="1" lang="en-US" altLang="zh-CN" dirty="0" err="1"/>
+              <a:t>tailFact</a:t>
+            </a:r>
+            <a:r>
+              <a:rPr kumimoji="1" lang="en-US" altLang="zh-CN" dirty="0"/>
+              <a:t>(4)</a:t>
+            </a:r>
+            <a:endParaRPr kumimoji="1" lang="zh-CN" altLang="en-US" dirty="0"/>
+          </a:p>
+        </p:txBody>
+      </p:sp>
+      <p:sp>
+        <p:nvSpPr>
+          <p:cNvPr id="40" name="文本框 39">
+            <a:extLst>
+              <a:ext uri="{FF2B5EF4-FFF2-40B4-BE49-F238E27FC236}">
+                <a16:creationId xmlns:a16="http://schemas.microsoft.com/office/drawing/2014/main" id="{CD4245AC-5807-CE48-B40B-377136B77D23}"/>
+              </a:ext>
+            </a:extLst>
+          </p:cNvPr>
+          <p:cNvSpPr txBox="1"/>
+          <p:nvPr/>
+        </p:nvSpPr>
+        <p:spPr>
+          <a:xfrm>
+            <a:off x="7593405" y="1738082"/>
+            <a:ext cx="1136850" cy="369332"/>
+          </a:xfrm>
+          <a:prstGeom prst="rect">
+            <a:avLst/>
+          </a:prstGeom>
+          <a:noFill/>
+        </p:spPr>
+        <p:txBody>
+          <a:bodyPr wrap="none" rtlCol="0">
+            <a:spAutoFit/>
+          </a:bodyPr>
+          <a:lstStyle/>
+          <a:p>
+            <a:r>
+              <a:rPr kumimoji="1" lang="en-US" altLang="zh-CN" dirty="0" err="1"/>
+              <a:t>tailFact</a:t>
+            </a:r>
+            <a:r>
+              <a:rPr kumimoji="1" lang="en-US" altLang="zh-CN" dirty="0"/>
+              <a:t>(5)</a:t>
+            </a:r>
+            <a:endParaRPr kumimoji="1" lang="zh-CN" altLang="en-US" dirty="0"/>
+          </a:p>
+        </p:txBody>
+      </p:sp>
+      <p:sp>
+        <p:nvSpPr>
+          <p:cNvPr id="41" name="文本框 40">
+            <a:extLst>
+              <a:ext uri="{FF2B5EF4-FFF2-40B4-BE49-F238E27FC236}">
+                <a16:creationId xmlns:a16="http://schemas.microsoft.com/office/drawing/2014/main" id="{9229822E-8F03-0846-BD2A-30C968BE9AB4}"/>
+              </a:ext>
+            </a:extLst>
+          </p:cNvPr>
+          <p:cNvSpPr txBox="1"/>
+          <p:nvPr/>
+        </p:nvSpPr>
+        <p:spPr>
+          <a:xfrm>
+            <a:off x="8329387" y="3293123"/>
+            <a:ext cx="1136850" cy="369332"/>
+          </a:xfrm>
+          <a:prstGeom prst="rect">
+            <a:avLst/>
+          </a:prstGeom>
+          <a:noFill/>
+        </p:spPr>
+        <p:txBody>
+          <a:bodyPr wrap="none" rtlCol="0">
+            <a:spAutoFit/>
+          </a:bodyPr>
+          <a:lstStyle/>
+          <a:p>
+            <a:r>
+              <a:rPr kumimoji="1" lang="en-US" altLang="zh-CN" dirty="0" err="1"/>
+              <a:t>tailFact</a:t>
+            </a:r>
+            <a:r>
+              <a:rPr kumimoji="1" lang="en-US" altLang="zh-CN" dirty="0"/>
+              <a:t>(6)</a:t>
+            </a:r>
+            <a:endParaRPr kumimoji="1" lang="zh-CN" altLang="en-US" dirty="0"/>
+          </a:p>
+        </p:txBody>
+      </p:sp>
+      <p:sp>
+        <p:nvSpPr>
+          <p:cNvPr id="42" name="文本框 41">
+            <a:extLst>
+              <a:ext uri="{FF2B5EF4-FFF2-40B4-BE49-F238E27FC236}">
+                <a16:creationId xmlns:a16="http://schemas.microsoft.com/office/drawing/2014/main" id="{E6359BAC-9464-A942-8053-7427B0A08FB5}"/>
+              </a:ext>
+            </a:extLst>
+          </p:cNvPr>
+          <p:cNvSpPr txBox="1"/>
+          <p:nvPr/>
+        </p:nvSpPr>
+        <p:spPr>
+          <a:xfrm>
+            <a:off x="8730255" y="4329281"/>
+            <a:ext cx="1136850" cy="369332"/>
+          </a:xfrm>
+          <a:prstGeom prst="rect">
+            <a:avLst/>
+          </a:prstGeom>
+          <a:noFill/>
+        </p:spPr>
+        <p:txBody>
+          <a:bodyPr wrap="none" rtlCol="0">
+            <a:spAutoFit/>
+          </a:bodyPr>
+          <a:lstStyle/>
+          <a:p>
+            <a:r>
+              <a:rPr kumimoji="1" lang="en-US" altLang="zh-CN" dirty="0" err="1"/>
+              <a:t>tailFact</a:t>
+            </a:r>
+            <a:r>
+              <a:rPr kumimoji="1" lang="en-US" altLang="zh-CN" dirty="0"/>
+              <a:t>(7)</a:t>
+            </a:r>
+            <a:endParaRPr kumimoji="1" lang="zh-CN" altLang="en-US" dirty="0"/>
+          </a:p>
+        </p:txBody>
+      </p:sp>
+    </p:spTree>
+    <p:extLst>
+      <p:ext uri="{BB962C8B-B14F-4D97-AF65-F5344CB8AC3E}">
+        <p14:creationId xmlns:p14="http://schemas.microsoft.com/office/powerpoint/2010/main" val="1131312938"/>
+      </p:ext>
+    </p:extLst>
+  </p:cSld>
+  <p:clrMapOvr>
+    <a:masterClrMapping/>
+  </p:clrMapOvr>
+</p:sld>
+</file>
+
+<file path=ppt/slides/slide28.xml><?xml version="1.0" encoding="utf-8"?>
+<p:sld xmlns:a="http://schemas.openxmlformats.org/drawingml/2006/main" xmlns:r="http://schemas.openxmlformats.org/officeDocument/2006/relationships" xmlns:p="http://schemas.openxmlformats.org/presentationml/2006/main">
+  <p:cSld>
+    <p:spTree>
+      <p:nvGrpSpPr>
+        <p:cNvPr id="1" name=""/>
+        <p:cNvGrpSpPr/>
+        <p:nvPr/>
+      </p:nvGrpSpPr>
+      <p:grpSpPr>
+        <a:xfrm>
+          <a:off x="0" y="0"/>
+          <a:ext cx="0" cy="0"/>
+          <a:chOff x="0" y="0"/>
+          <a:chExt cx="0" cy="0"/>
+        </a:xfrm>
+      </p:grpSpPr>
+      <p:sp>
+        <p:nvSpPr>
+          <p:cNvPr id="3" name="文本框 2">
+            <a:extLst>
+              <a:ext uri="{FF2B5EF4-FFF2-40B4-BE49-F238E27FC236}">
+                <a16:creationId xmlns:a16="http://schemas.microsoft.com/office/drawing/2014/main" id="{2A2FBB20-DC04-9149-BB4A-6772BB523FB8}"/>
+              </a:ext>
+            </a:extLst>
+          </p:cNvPr>
+          <p:cNvSpPr txBox="1"/>
+          <p:nvPr/>
+        </p:nvSpPr>
+        <p:spPr>
+          <a:xfrm>
+            <a:off x="645458" y="537882"/>
+            <a:ext cx="5344733" cy="707886"/>
+          </a:xfrm>
+          <a:prstGeom prst="rect">
+            <a:avLst/>
+          </a:prstGeom>
+          <a:noFill/>
+        </p:spPr>
+        <p:txBody>
+          <a:bodyPr wrap="none" rtlCol="0">
+            <a:spAutoFit/>
+          </a:bodyPr>
+          <a:lstStyle/>
+          <a:p>
+            <a:r>
+              <a:rPr kumimoji="1" lang="en-US" altLang="zh-CN" sz="4000" dirty="0"/>
+              <a:t>G13</a:t>
+            </a:r>
+            <a:r>
+              <a:rPr kumimoji="1" lang="zh-CN" altLang="en-US" sz="4000" dirty="0"/>
+              <a:t> 有向有环图 </a:t>
+            </a:r>
+            <a:r>
+              <a:rPr kumimoji="1" lang="en-US" altLang="zh-CN" sz="4000" dirty="0"/>
+              <a:t>–</a:t>
+            </a:r>
+            <a:r>
+              <a:rPr kumimoji="1" lang="zh-CN" altLang="en-US" sz="4000" dirty="0"/>
+              <a:t> 长环</a:t>
+            </a:r>
+          </a:p>
+        </p:txBody>
+      </p:sp>
+      <p:sp>
+        <p:nvSpPr>
+          <p:cNvPr id="15" name="圆角矩形 14">
+            <a:extLst>
+              <a:ext uri="{FF2B5EF4-FFF2-40B4-BE49-F238E27FC236}">
+                <a16:creationId xmlns:a16="http://schemas.microsoft.com/office/drawing/2014/main" id="{87D721BE-E8EA-8941-A2B4-5486E655E14C}"/>
+              </a:ext>
+            </a:extLst>
+          </p:cNvPr>
+          <p:cNvSpPr/>
+          <p:nvPr/>
+        </p:nvSpPr>
+        <p:spPr>
+          <a:xfrm>
+            <a:off x="605691" y="1385332"/>
+            <a:ext cx="1632920" cy="634701"/>
+          </a:xfrm>
+          <a:prstGeom prst="roundRect">
+            <a:avLst/>
+          </a:prstGeom>
+        </p:spPr>
+        <p:style>
+          <a:lnRef idx="2">
+            <a:schemeClr val="accent1">
+              <a:shade val="50000"/>
+            </a:schemeClr>
+          </a:lnRef>
+          <a:fillRef idx="1">
+            <a:schemeClr val="accent1"/>
+          </a:fillRef>
+          <a:effectRef idx="0">
+            <a:schemeClr val="accent1"/>
+          </a:effectRef>
+          <a:fontRef idx="minor">
+            <a:schemeClr val="lt1"/>
+          </a:fontRef>
+        </p:style>
+        <p:txBody>
+          <a:bodyPr rtlCol="0" anchor="ctr"/>
+          <a:lstStyle/>
+          <a:p>
+            <a:pPr algn="ctr"/>
+            <a:r>
+              <a:rPr kumimoji="1" lang="en-US" altLang="zh-CN" dirty="0"/>
+              <a:t>1</a:t>
+            </a:r>
+            <a:r>
+              <a:rPr lang="zh-CN" altLang="en-US" dirty="0"/>
+              <a:t>青毛狮子怪</a:t>
+            </a:r>
+            <a:endParaRPr kumimoji="1" lang="zh-CN" altLang="en-US" dirty="0"/>
+          </a:p>
+        </p:txBody>
+      </p:sp>
+      <p:sp>
+        <p:nvSpPr>
+          <p:cNvPr id="16" name="圆角矩形 15">
+            <a:extLst>
+              <a:ext uri="{FF2B5EF4-FFF2-40B4-BE49-F238E27FC236}">
+                <a16:creationId xmlns:a16="http://schemas.microsoft.com/office/drawing/2014/main" id="{C8A59E80-807F-684C-BAE1-38D042D43427}"/>
+              </a:ext>
+            </a:extLst>
+          </p:cNvPr>
+          <p:cNvSpPr/>
+          <p:nvPr/>
+        </p:nvSpPr>
+        <p:spPr>
+          <a:xfrm>
+            <a:off x="4390595" y="1331253"/>
+            <a:ext cx="1367119" cy="634701"/>
+          </a:xfrm>
+          <a:prstGeom prst="roundRect">
+            <a:avLst/>
+          </a:prstGeom>
+        </p:spPr>
+        <p:style>
+          <a:lnRef idx="2">
+            <a:schemeClr val="accent1">
+              <a:shade val="50000"/>
+            </a:schemeClr>
+          </a:lnRef>
+          <a:fillRef idx="1">
+            <a:schemeClr val="accent1"/>
+          </a:fillRef>
+          <a:effectRef idx="0">
+            <a:schemeClr val="accent1"/>
+          </a:effectRef>
+          <a:fontRef idx="minor">
+            <a:schemeClr val="lt1"/>
+          </a:fontRef>
+        </p:style>
+        <p:txBody>
+          <a:bodyPr rtlCol="0" anchor="ctr"/>
+          <a:lstStyle/>
+          <a:p>
+            <a:pPr algn="ctr"/>
+            <a:r>
+              <a:rPr kumimoji="1" lang="en-US" altLang="zh-CN" dirty="0"/>
+              <a:t>3</a:t>
+            </a:r>
+            <a:r>
+              <a:rPr kumimoji="1" lang="zh-CN" altLang="en-US" dirty="0"/>
+              <a:t> 左护法</a:t>
+            </a:r>
+            <a:endParaRPr kumimoji="1" lang="en-US" altLang="zh-CN" dirty="0"/>
+          </a:p>
+          <a:p>
+            <a:pPr algn="ctr"/>
+            <a:r>
+              <a:rPr kumimoji="1" lang="en-US" altLang="zh-CN" dirty="0"/>
+              <a:t>1000w</a:t>
+            </a:r>
+            <a:endParaRPr kumimoji="1" lang="zh-CN" altLang="en-US" dirty="0"/>
+          </a:p>
+        </p:txBody>
+      </p:sp>
+      <p:cxnSp>
+        <p:nvCxnSpPr>
+          <p:cNvPr id="17" name="曲线连接符 16">
+            <a:extLst>
+              <a:ext uri="{FF2B5EF4-FFF2-40B4-BE49-F238E27FC236}">
+                <a16:creationId xmlns:a16="http://schemas.microsoft.com/office/drawing/2014/main" id="{61BA5E43-1859-8F4D-818A-04C4601E5A5F}"/>
+              </a:ext>
+            </a:extLst>
+          </p:cNvPr>
+          <p:cNvCxnSpPr>
+            <a:cxnSpLocks/>
+            <a:stCxn id="15" idx="3"/>
+            <a:endCxn id="16" idx="1"/>
+          </p:cNvCxnSpPr>
+          <p:nvPr/>
+        </p:nvCxnSpPr>
+        <p:spPr>
+          <a:xfrm flipV="1">
+            <a:off x="2238611" y="1648604"/>
+            <a:ext cx="2151984" cy="54079"/>
+          </a:xfrm>
+          <a:prstGeom prst="curvedConnector3">
+            <a:avLst>
+              <a:gd name="adj1" fmla="val 50000"/>
+            </a:avLst>
+          </a:prstGeom>
+          <a:ln>
+            <a:tailEnd type="triangle"/>
+          </a:ln>
+        </p:spPr>
+        <p:style>
+          <a:lnRef idx="1">
+            <a:schemeClr val="accent1"/>
+          </a:lnRef>
+          <a:fillRef idx="0">
+            <a:schemeClr val="accent1"/>
+          </a:fillRef>
+          <a:effectRef idx="0">
+            <a:schemeClr val="accent1"/>
+          </a:effectRef>
+          <a:fontRef idx="minor">
+            <a:schemeClr val="tx1"/>
+          </a:fontRef>
+        </p:style>
+      </p:cxnSp>
+      <p:cxnSp>
+        <p:nvCxnSpPr>
+          <p:cNvPr id="18" name="曲线连接符 17">
+            <a:extLst>
+              <a:ext uri="{FF2B5EF4-FFF2-40B4-BE49-F238E27FC236}">
+                <a16:creationId xmlns:a16="http://schemas.microsoft.com/office/drawing/2014/main" id="{823B479D-A115-E74D-9C67-656D069ADED2}"/>
+              </a:ext>
+            </a:extLst>
+          </p:cNvPr>
+          <p:cNvCxnSpPr>
+            <a:cxnSpLocks/>
+            <a:stCxn id="22" idx="2"/>
+            <a:endCxn id="19" idx="3"/>
+          </p:cNvCxnSpPr>
+          <p:nvPr/>
+        </p:nvCxnSpPr>
+        <p:spPr>
+          <a:xfrm rot="5400000" flipH="1">
+            <a:off x="7605122" y="4261942"/>
+            <a:ext cx="324491" cy="2870394"/>
+          </a:xfrm>
+          <a:prstGeom prst="curvedConnector4">
+            <a:avLst>
+              <a:gd name="adj1" fmla="val -70449"/>
+              <a:gd name="adj2" fmla="val 64222"/>
+            </a:avLst>
+          </a:prstGeom>
+          <a:ln>
+            <a:tailEnd type="triangle"/>
+          </a:ln>
+        </p:spPr>
+        <p:style>
+          <a:lnRef idx="1">
+            <a:schemeClr val="accent1"/>
+          </a:lnRef>
+          <a:fillRef idx="0">
+            <a:schemeClr val="accent1"/>
+          </a:fillRef>
+          <a:effectRef idx="0">
+            <a:schemeClr val="accent1"/>
+          </a:effectRef>
+          <a:fontRef idx="minor">
+            <a:schemeClr val="tx1"/>
+          </a:fontRef>
+        </p:style>
+      </p:cxnSp>
+      <p:sp>
+        <p:nvSpPr>
+          <p:cNvPr id="19" name="圆角矩形 18">
+            <a:extLst>
+              <a:ext uri="{FF2B5EF4-FFF2-40B4-BE49-F238E27FC236}">
+                <a16:creationId xmlns:a16="http://schemas.microsoft.com/office/drawing/2014/main" id="{5CCCEE52-AE84-3E4E-AA8A-50649D5AE9D6}"/>
+              </a:ext>
+            </a:extLst>
+          </p:cNvPr>
+          <p:cNvSpPr/>
+          <p:nvPr/>
+        </p:nvSpPr>
+        <p:spPr>
+          <a:xfrm>
+            <a:off x="4790907" y="5217542"/>
+            <a:ext cx="1541264" cy="634701"/>
+          </a:xfrm>
+          <a:prstGeom prst="roundRect">
+            <a:avLst/>
+          </a:prstGeom>
+        </p:spPr>
+        <p:style>
+          <a:lnRef idx="2">
+            <a:schemeClr val="accent1">
+              <a:shade val="50000"/>
+            </a:schemeClr>
+          </a:lnRef>
+          <a:fillRef idx="1">
+            <a:schemeClr val="accent1"/>
+          </a:fillRef>
+          <a:effectRef idx="0">
+            <a:schemeClr val="accent1"/>
+          </a:effectRef>
+          <a:fontRef idx="minor">
+            <a:schemeClr val="lt1"/>
+          </a:fontRef>
+        </p:style>
+        <p:txBody>
+          <a:bodyPr rtlCol="0" anchor="ctr"/>
+          <a:lstStyle/>
+          <a:p>
+            <a:pPr algn="ctr"/>
+            <a:r>
+              <a:rPr kumimoji="1" lang="en-US" altLang="zh-CN" dirty="0"/>
+              <a:t>4</a:t>
+            </a:r>
+            <a:r>
+              <a:rPr kumimoji="1" lang="zh-CN" altLang="en-US" dirty="0"/>
+              <a:t> 右护法</a:t>
+            </a:r>
+            <a:endParaRPr kumimoji="1" lang="en-US" altLang="zh-CN" dirty="0"/>
+          </a:p>
+          <a:p>
+            <a:pPr algn="ctr"/>
+            <a:r>
+              <a:rPr kumimoji="1" lang="en-US" altLang="zh-CN" dirty="0"/>
+              <a:t>1000w</a:t>
+            </a:r>
+          </a:p>
+        </p:txBody>
+      </p:sp>
+      <p:cxnSp>
+        <p:nvCxnSpPr>
+          <p:cNvPr id="20" name="曲线连接符 19">
+            <a:extLst>
+              <a:ext uri="{FF2B5EF4-FFF2-40B4-BE49-F238E27FC236}">
+                <a16:creationId xmlns:a16="http://schemas.microsoft.com/office/drawing/2014/main" id="{FA64C907-6A17-2844-91F2-CCE29A6AD52D}"/>
+              </a:ext>
+            </a:extLst>
+          </p:cNvPr>
+          <p:cNvCxnSpPr>
+            <a:cxnSpLocks/>
+            <a:stCxn id="31" idx="0"/>
+            <a:endCxn id="16" idx="1"/>
+          </p:cNvCxnSpPr>
+          <p:nvPr/>
+        </p:nvCxnSpPr>
+        <p:spPr>
+          <a:xfrm rot="5400000" flipH="1" flipV="1">
+            <a:off x="3185992" y="1170641"/>
+            <a:ext cx="726640" cy="1682566"/>
+          </a:xfrm>
+          <a:prstGeom prst="curvedConnector2">
+            <a:avLst/>
+          </a:prstGeom>
+          <a:ln>
+            <a:tailEnd type="triangle"/>
+          </a:ln>
+        </p:spPr>
+        <p:style>
+          <a:lnRef idx="1">
+            <a:schemeClr val="accent1"/>
+          </a:lnRef>
+          <a:fillRef idx="0">
+            <a:schemeClr val="accent1"/>
+          </a:fillRef>
+          <a:effectRef idx="0">
+            <a:schemeClr val="accent1"/>
+          </a:effectRef>
+          <a:fontRef idx="minor">
+            <a:schemeClr val="tx1"/>
+          </a:fontRef>
+        </p:style>
+      </p:cxnSp>
+      <p:cxnSp>
+        <p:nvCxnSpPr>
+          <p:cNvPr id="21" name="曲线连接符 20">
+            <a:extLst>
+              <a:ext uri="{FF2B5EF4-FFF2-40B4-BE49-F238E27FC236}">
+                <a16:creationId xmlns:a16="http://schemas.microsoft.com/office/drawing/2014/main" id="{C035F9CB-8F3C-3E4E-BAF3-9F431970AFBC}"/>
+              </a:ext>
+            </a:extLst>
+          </p:cNvPr>
+          <p:cNvCxnSpPr>
+            <a:cxnSpLocks/>
+            <a:stCxn id="16" idx="3"/>
+            <a:endCxn id="11" idx="1"/>
+          </p:cNvCxnSpPr>
+          <p:nvPr/>
+        </p:nvCxnSpPr>
+        <p:spPr>
+          <a:xfrm>
+            <a:off x="5757714" y="1648604"/>
+            <a:ext cx="346744" cy="406830"/>
+          </a:xfrm>
+          <a:prstGeom prst="curvedConnector3">
+            <a:avLst>
+              <a:gd name="adj1" fmla="val 50000"/>
+            </a:avLst>
+          </a:prstGeom>
+          <a:ln>
+            <a:tailEnd type="triangle"/>
+          </a:ln>
+        </p:spPr>
+        <p:style>
+          <a:lnRef idx="1">
+            <a:schemeClr val="accent1"/>
+          </a:lnRef>
+          <a:fillRef idx="0">
+            <a:schemeClr val="accent1"/>
+          </a:fillRef>
+          <a:effectRef idx="0">
+            <a:schemeClr val="accent1"/>
+          </a:effectRef>
+          <a:fontRef idx="minor">
+            <a:schemeClr val="tx1"/>
+          </a:fontRef>
+        </p:style>
+      </p:cxnSp>
+      <p:sp>
+        <p:nvSpPr>
+          <p:cNvPr id="22" name="圆角矩形 21">
+            <a:extLst>
+              <a:ext uri="{FF2B5EF4-FFF2-40B4-BE49-F238E27FC236}">
+                <a16:creationId xmlns:a16="http://schemas.microsoft.com/office/drawing/2014/main" id="{B20C7EFC-25FC-0748-818C-92A12F72466E}"/>
+              </a:ext>
+            </a:extLst>
+          </p:cNvPr>
+          <p:cNvSpPr/>
+          <p:nvPr/>
+        </p:nvSpPr>
+        <p:spPr>
+          <a:xfrm>
+            <a:off x="8386105" y="5224683"/>
+            <a:ext cx="1632920" cy="634701"/>
+          </a:xfrm>
+          <a:prstGeom prst="roundRect">
+            <a:avLst/>
+          </a:prstGeom>
+        </p:spPr>
+        <p:style>
+          <a:lnRef idx="2">
+            <a:schemeClr val="accent1">
+              <a:shade val="50000"/>
+            </a:schemeClr>
+          </a:lnRef>
+          <a:fillRef idx="1">
+            <a:schemeClr val="accent1"/>
+          </a:fillRef>
+          <a:effectRef idx="0">
+            <a:schemeClr val="accent1"/>
+          </a:effectRef>
+          <a:fontRef idx="minor">
+            <a:schemeClr val="lt1"/>
+          </a:fontRef>
+        </p:style>
+        <p:txBody>
+          <a:bodyPr rtlCol="0" anchor="ctr"/>
+          <a:lstStyle/>
+          <a:p>
+            <a:pPr algn="ctr"/>
+            <a:r>
+              <a:rPr kumimoji="1" lang="en-US" altLang="zh-CN" dirty="0"/>
+              <a:t>2</a:t>
+            </a:r>
+            <a:r>
+              <a:rPr lang="zh-CN" altLang="en-US" dirty="0"/>
+              <a:t>大鹏金翅雕</a:t>
+            </a:r>
+            <a:endParaRPr kumimoji="1" lang="zh-CN" altLang="en-US" dirty="0"/>
+          </a:p>
+        </p:txBody>
+      </p:sp>
+      <p:sp>
+        <p:nvSpPr>
+          <p:cNvPr id="11" name="圆角矩形 10">
+            <a:extLst>
+              <a:ext uri="{FF2B5EF4-FFF2-40B4-BE49-F238E27FC236}">
+                <a16:creationId xmlns:a16="http://schemas.microsoft.com/office/drawing/2014/main" id="{99735321-5847-4A40-9A6D-D67FCA2DECDC}"/>
+              </a:ext>
+            </a:extLst>
+          </p:cNvPr>
+          <p:cNvSpPr/>
+          <p:nvPr/>
+        </p:nvSpPr>
+        <p:spPr>
+          <a:xfrm>
+            <a:off x="6104458" y="1738083"/>
+            <a:ext cx="1367119" cy="634701"/>
+          </a:xfrm>
+          <a:prstGeom prst="roundRect">
+            <a:avLst/>
+          </a:prstGeom>
+        </p:spPr>
+        <p:style>
+          <a:lnRef idx="2">
+            <a:schemeClr val="accent1">
+              <a:shade val="50000"/>
+            </a:schemeClr>
+          </a:lnRef>
+          <a:fillRef idx="1">
+            <a:schemeClr val="accent1"/>
+          </a:fillRef>
+          <a:effectRef idx="0">
+            <a:schemeClr val="accent1"/>
+          </a:effectRef>
+          <a:fontRef idx="minor">
+            <a:schemeClr val="lt1"/>
+          </a:fontRef>
+        </p:style>
+        <p:txBody>
+          <a:bodyPr rtlCol="0" anchor="ctr"/>
+          <a:lstStyle/>
+          <a:p>
+            <a:pPr algn="ctr"/>
+            <a:r>
+              <a:rPr kumimoji="1" lang="en-US" altLang="zh-CN" dirty="0"/>
+              <a:t>5</a:t>
+            </a:r>
+            <a:r>
+              <a:rPr kumimoji="1" lang="zh-CN" altLang="en-US" dirty="0"/>
+              <a:t> 左护法</a:t>
+            </a:r>
+            <a:endParaRPr kumimoji="1" lang="en-US" altLang="zh-CN" dirty="0"/>
+          </a:p>
+          <a:p>
+            <a:pPr algn="ctr"/>
+            <a:r>
+              <a:rPr kumimoji="1" lang="en-US" altLang="zh-CN" dirty="0"/>
+              <a:t>500w</a:t>
+            </a:r>
+            <a:endParaRPr kumimoji="1" lang="zh-CN" altLang="en-US" dirty="0"/>
+          </a:p>
+        </p:txBody>
+      </p:sp>
+      <p:sp>
+        <p:nvSpPr>
+          <p:cNvPr id="12" name="圆角矩形 11">
+            <a:extLst>
+              <a:ext uri="{FF2B5EF4-FFF2-40B4-BE49-F238E27FC236}">
+                <a16:creationId xmlns:a16="http://schemas.microsoft.com/office/drawing/2014/main" id="{AC991A50-876E-5E4F-BCE7-E2BCB5CE0621}"/>
+              </a:ext>
+            </a:extLst>
+          </p:cNvPr>
+          <p:cNvSpPr/>
+          <p:nvPr/>
+        </p:nvSpPr>
+        <p:spPr>
+          <a:xfrm>
+            <a:off x="6875706" y="2984827"/>
+            <a:ext cx="1367119" cy="634701"/>
+          </a:xfrm>
+          <a:prstGeom prst="roundRect">
+            <a:avLst/>
+          </a:prstGeom>
+        </p:spPr>
+        <p:style>
+          <a:lnRef idx="2">
+            <a:schemeClr val="accent1">
+              <a:shade val="50000"/>
+            </a:schemeClr>
+          </a:lnRef>
+          <a:fillRef idx="1">
+            <a:schemeClr val="accent1"/>
+          </a:fillRef>
+          <a:effectRef idx="0">
+            <a:schemeClr val="accent1"/>
+          </a:effectRef>
+          <a:fontRef idx="minor">
+            <a:schemeClr val="lt1"/>
+          </a:fontRef>
+        </p:style>
+        <p:txBody>
+          <a:bodyPr rtlCol="0" anchor="ctr"/>
+          <a:lstStyle/>
+          <a:p>
+            <a:pPr algn="ctr"/>
+            <a:r>
+              <a:rPr kumimoji="1" lang="en-US" altLang="zh-CN" dirty="0"/>
+              <a:t>6</a:t>
+            </a:r>
+            <a:r>
+              <a:rPr kumimoji="1" lang="zh-CN" altLang="en-US" dirty="0"/>
+              <a:t> 左护法</a:t>
+            </a:r>
+            <a:endParaRPr kumimoji="1" lang="en-US" altLang="zh-CN" dirty="0"/>
+          </a:p>
+          <a:p>
+            <a:pPr algn="ctr"/>
+            <a:r>
+              <a:rPr kumimoji="1" lang="en-US" altLang="zh-CN" dirty="0"/>
+              <a:t>500w</a:t>
+            </a:r>
+            <a:endParaRPr kumimoji="1" lang="zh-CN" altLang="en-US" dirty="0"/>
+          </a:p>
+        </p:txBody>
+      </p:sp>
+      <p:sp>
+        <p:nvSpPr>
+          <p:cNvPr id="13" name="圆角矩形 12">
+            <a:extLst>
+              <a:ext uri="{FF2B5EF4-FFF2-40B4-BE49-F238E27FC236}">
+                <a16:creationId xmlns:a16="http://schemas.microsoft.com/office/drawing/2014/main" id="{4CBC6E9D-D283-8A4E-BDBB-9DC7E4C8A67E}"/>
+              </a:ext>
+            </a:extLst>
+          </p:cNvPr>
+          <p:cNvSpPr/>
+          <p:nvPr/>
+        </p:nvSpPr>
+        <p:spPr>
+          <a:xfrm>
+            <a:off x="7262329" y="4112746"/>
+            <a:ext cx="1367119" cy="634701"/>
+          </a:xfrm>
+          <a:prstGeom prst="roundRect">
+            <a:avLst/>
+          </a:prstGeom>
+        </p:spPr>
+        <p:style>
+          <a:lnRef idx="2">
+            <a:schemeClr val="accent1">
+              <a:shade val="50000"/>
+            </a:schemeClr>
+          </a:lnRef>
+          <a:fillRef idx="1">
+            <a:schemeClr val="accent1"/>
+          </a:fillRef>
+          <a:effectRef idx="0">
+            <a:schemeClr val="accent1"/>
+          </a:effectRef>
+          <a:fontRef idx="minor">
+            <a:schemeClr val="lt1"/>
+          </a:fontRef>
+        </p:style>
+        <p:txBody>
+          <a:bodyPr rtlCol="0" anchor="ctr"/>
+          <a:lstStyle/>
+          <a:p>
+            <a:pPr algn="ctr"/>
+            <a:r>
+              <a:rPr kumimoji="1" lang="en-US" altLang="zh-CN" dirty="0"/>
+              <a:t>7</a:t>
+            </a:r>
+            <a:r>
+              <a:rPr kumimoji="1" lang="zh-CN" altLang="en-US" dirty="0"/>
+              <a:t> 左护法</a:t>
+            </a:r>
+            <a:endParaRPr kumimoji="1" lang="en-US" altLang="zh-CN" dirty="0"/>
+          </a:p>
+          <a:p>
+            <a:pPr algn="ctr"/>
+            <a:r>
+              <a:rPr kumimoji="1" lang="en-US" altLang="zh-CN" dirty="0"/>
+              <a:t>500w</a:t>
+            </a:r>
+            <a:endParaRPr kumimoji="1" lang="zh-CN" altLang="en-US" dirty="0"/>
+          </a:p>
+        </p:txBody>
+      </p:sp>
+      <p:cxnSp>
+        <p:nvCxnSpPr>
+          <p:cNvPr id="23" name="曲线连接符 22">
+            <a:extLst>
+              <a:ext uri="{FF2B5EF4-FFF2-40B4-BE49-F238E27FC236}">
+                <a16:creationId xmlns:a16="http://schemas.microsoft.com/office/drawing/2014/main" id="{E2C391FE-B66A-2F46-8768-FE7FB1054FDD}"/>
+              </a:ext>
+            </a:extLst>
+          </p:cNvPr>
+          <p:cNvCxnSpPr>
+            <a:cxnSpLocks/>
+            <a:stCxn id="11" idx="2"/>
+            <a:endCxn id="12" idx="0"/>
+          </p:cNvCxnSpPr>
+          <p:nvPr/>
+        </p:nvCxnSpPr>
+        <p:spPr>
+          <a:xfrm rot="16200000" flipH="1">
+            <a:off x="6867621" y="2293181"/>
+            <a:ext cx="612043" cy="771248"/>
+          </a:xfrm>
+          <a:prstGeom prst="curvedConnector3">
+            <a:avLst>
+              <a:gd name="adj1" fmla="val 50000"/>
+            </a:avLst>
+          </a:prstGeom>
+          <a:ln>
+            <a:tailEnd type="triangle"/>
+          </a:ln>
+        </p:spPr>
+        <p:style>
+          <a:lnRef idx="1">
+            <a:schemeClr val="accent1"/>
+          </a:lnRef>
+          <a:fillRef idx="0">
+            <a:schemeClr val="accent1"/>
+          </a:fillRef>
+          <a:effectRef idx="0">
+            <a:schemeClr val="accent1"/>
+          </a:effectRef>
+          <a:fontRef idx="minor">
+            <a:schemeClr val="tx1"/>
+          </a:fontRef>
+        </p:style>
+      </p:cxnSp>
+      <p:cxnSp>
+        <p:nvCxnSpPr>
+          <p:cNvPr id="24" name="曲线连接符 23">
+            <a:extLst>
+              <a:ext uri="{FF2B5EF4-FFF2-40B4-BE49-F238E27FC236}">
+                <a16:creationId xmlns:a16="http://schemas.microsoft.com/office/drawing/2014/main" id="{99D0D77F-ED5A-2041-9CDA-C3EA4C49333B}"/>
+              </a:ext>
+            </a:extLst>
+          </p:cNvPr>
+          <p:cNvCxnSpPr>
+            <a:cxnSpLocks/>
+            <a:stCxn id="12" idx="2"/>
+            <a:endCxn id="13" idx="0"/>
+          </p:cNvCxnSpPr>
+          <p:nvPr/>
+        </p:nvCxnSpPr>
+        <p:spPr>
+          <a:xfrm rot="16200000" flipH="1">
+            <a:off x="7505968" y="3672825"/>
+            <a:ext cx="493218" cy="386623"/>
+          </a:xfrm>
+          <a:prstGeom prst="curvedConnector3">
+            <a:avLst>
+              <a:gd name="adj1" fmla="val 50000"/>
+            </a:avLst>
+          </a:prstGeom>
+          <a:ln>
+            <a:tailEnd type="triangle"/>
+          </a:ln>
+        </p:spPr>
+        <p:style>
+          <a:lnRef idx="1">
+            <a:schemeClr val="accent1"/>
+          </a:lnRef>
+          <a:fillRef idx="0">
+            <a:schemeClr val="accent1"/>
+          </a:fillRef>
+          <a:effectRef idx="0">
+            <a:schemeClr val="accent1"/>
+          </a:effectRef>
+          <a:fontRef idx="minor">
+            <a:schemeClr val="tx1"/>
+          </a:fontRef>
+        </p:style>
+      </p:cxnSp>
+      <p:sp>
+        <p:nvSpPr>
+          <p:cNvPr id="29" name="圆角矩形 28">
+            <a:extLst>
+              <a:ext uri="{FF2B5EF4-FFF2-40B4-BE49-F238E27FC236}">
+                <a16:creationId xmlns:a16="http://schemas.microsoft.com/office/drawing/2014/main" id="{DA16C56B-7627-594D-9E57-57EB28FFE682}"/>
+              </a:ext>
+            </a:extLst>
+          </p:cNvPr>
+          <p:cNvSpPr/>
+          <p:nvPr/>
+        </p:nvSpPr>
+        <p:spPr>
+          <a:xfrm>
+            <a:off x="2778680" y="4450117"/>
+            <a:ext cx="1541264" cy="634701"/>
+          </a:xfrm>
+          <a:prstGeom prst="roundRect">
+            <a:avLst/>
+          </a:prstGeom>
+        </p:spPr>
+        <p:style>
+          <a:lnRef idx="2">
+            <a:schemeClr val="accent1">
+              <a:shade val="50000"/>
+            </a:schemeClr>
+          </a:lnRef>
+          <a:fillRef idx="1">
+            <a:schemeClr val="accent1"/>
+          </a:fillRef>
+          <a:effectRef idx="0">
+            <a:schemeClr val="accent1"/>
+          </a:effectRef>
+          <a:fontRef idx="minor">
+            <a:schemeClr val="lt1"/>
+          </a:fontRef>
+        </p:style>
+        <p:txBody>
+          <a:bodyPr rtlCol="0" anchor="ctr"/>
+          <a:lstStyle/>
+          <a:p>
+            <a:pPr algn="ctr"/>
+            <a:r>
+              <a:rPr kumimoji="1" lang="en-US" altLang="zh-CN" dirty="0"/>
+              <a:t>8</a:t>
+            </a:r>
+            <a:r>
+              <a:rPr kumimoji="1" lang="zh-CN" altLang="en-US" dirty="0"/>
+              <a:t> 右护法</a:t>
+            </a:r>
+            <a:endParaRPr kumimoji="1" lang="en-US" altLang="zh-CN" dirty="0"/>
+          </a:p>
+          <a:p>
+            <a:pPr algn="ctr"/>
+            <a:r>
+              <a:rPr kumimoji="1" lang="en-US" altLang="zh-CN" dirty="0"/>
+              <a:t>500w</a:t>
+            </a:r>
+          </a:p>
+        </p:txBody>
+      </p:sp>
+      <p:sp>
+        <p:nvSpPr>
+          <p:cNvPr id="30" name="圆角矩形 29">
+            <a:extLst>
+              <a:ext uri="{FF2B5EF4-FFF2-40B4-BE49-F238E27FC236}">
+                <a16:creationId xmlns:a16="http://schemas.microsoft.com/office/drawing/2014/main" id="{C70A2AC2-EB1E-244A-BDA3-A48D0FCE7F47}"/>
+              </a:ext>
+            </a:extLst>
+          </p:cNvPr>
+          <p:cNvSpPr/>
+          <p:nvPr/>
+        </p:nvSpPr>
+        <p:spPr>
+          <a:xfrm>
+            <a:off x="2407913" y="3465625"/>
+            <a:ext cx="1541264" cy="634701"/>
+          </a:xfrm>
+          <a:prstGeom prst="roundRect">
+            <a:avLst/>
+          </a:prstGeom>
+        </p:spPr>
+        <p:style>
+          <a:lnRef idx="2">
+            <a:schemeClr val="accent1">
+              <a:shade val="50000"/>
+            </a:schemeClr>
+          </a:lnRef>
+          <a:fillRef idx="1">
+            <a:schemeClr val="accent1"/>
+          </a:fillRef>
+          <a:effectRef idx="0">
+            <a:schemeClr val="accent1"/>
+          </a:effectRef>
+          <a:fontRef idx="minor">
+            <a:schemeClr val="lt1"/>
+          </a:fontRef>
+        </p:style>
+        <p:txBody>
+          <a:bodyPr rtlCol="0" anchor="ctr"/>
+          <a:lstStyle/>
+          <a:p>
+            <a:pPr algn="ctr"/>
+            <a:r>
+              <a:rPr kumimoji="1" lang="en-US" altLang="zh-CN" dirty="0"/>
+              <a:t>9</a:t>
+            </a:r>
+            <a:r>
+              <a:rPr kumimoji="1" lang="zh-CN" altLang="en-US" dirty="0"/>
+              <a:t> 右护法</a:t>
+            </a:r>
+            <a:endParaRPr kumimoji="1" lang="en-US" altLang="zh-CN" dirty="0"/>
+          </a:p>
+          <a:p>
+            <a:pPr algn="ctr"/>
+            <a:r>
+              <a:rPr kumimoji="1" lang="en-US" altLang="zh-CN" dirty="0"/>
+              <a:t>500w</a:t>
+            </a:r>
+          </a:p>
+        </p:txBody>
+      </p:sp>
+      <p:sp>
+        <p:nvSpPr>
+          <p:cNvPr id="31" name="圆角矩形 30">
+            <a:extLst>
+              <a:ext uri="{FF2B5EF4-FFF2-40B4-BE49-F238E27FC236}">
+                <a16:creationId xmlns:a16="http://schemas.microsoft.com/office/drawing/2014/main" id="{4D65F449-DE74-D64F-9D5C-1D35D48EB653}"/>
+              </a:ext>
+            </a:extLst>
+          </p:cNvPr>
+          <p:cNvSpPr/>
+          <p:nvPr/>
+        </p:nvSpPr>
+        <p:spPr>
+          <a:xfrm>
+            <a:off x="1937397" y="2375244"/>
+            <a:ext cx="1541264" cy="634701"/>
+          </a:xfrm>
+          <a:prstGeom prst="roundRect">
+            <a:avLst/>
+          </a:prstGeom>
+        </p:spPr>
+        <p:style>
+          <a:lnRef idx="2">
+            <a:schemeClr val="accent1">
+              <a:shade val="50000"/>
+            </a:schemeClr>
+          </a:lnRef>
+          <a:fillRef idx="1">
+            <a:schemeClr val="accent1"/>
+          </a:fillRef>
+          <a:effectRef idx="0">
+            <a:schemeClr val="accent1"/>
+          </a:effectRef>
+          <a:fontRef idx="minor">
+            <a:schemeClr val="lt1"/>
+          </a:fontRef>
+        </p:style>
+        <p:txBody>
+          <a:bodyPr rtlCol="0" anchor="ctr"/>
+          <a:lstStyle/>
+          <a:p>
+            <a:pPr algn="ctr"/>
+            <a:r>
+              <a:rPr kumimoji="1" lang="en-US" altLang="zh-CN" dirty="0"/>
+              <a:t>10</a:t>
+            </a:r>
+            <a:r>
+              <a:rPr kumimoji="1" lang="zh-CN" altLang="en-US" dirty="0"/>
+              <a:t> 右护法</a:t>
+            </a:r>
+            <a:endParaRPr kumimoji="1" lang="en-US" altLang="zh-CN" dirty="0"/>
+          </a:p>
+          <a:p>
+            <a:pPr algn="ctr"/>
+            <a:r>
+              <a:rPr kumimoji="1" lang="en-US" altLang="zh-CN" dirty="0"/>
+              <a:t>500w</a:t>
+            </a:r>
+          </a:p>
+        </p:txBody>
+      </p:sp>
+      <p:cxnSp>
+        <p:nvCxnSpPr>
+          <p:cNvPr id="34" name="曲线连接符 33">
+            <a:extLst>
+              <a:ext uri="{FF2B5EF4-FFF2-40B4-BE49-F238E27FC236}">
+                <a16:creationId xmlns:a16="http://schemas.microsoft.com/office/drawing/2014/main" id="{3514300A-CAE5-9C4A-A464-E3AE1362DBF0}"/>
+              </a:ext>
+            </a:extLst>
+          </p:cNvPr>
+          <p:cNvCxnSpPr>
+            <a:cxnSpLocks/>
+            <a:endCxn id="19" idx="3"/>
+          </p:cNvCxnSpPr>
+          <p:nvPr/>
+        </p:nvCxnSpPr>
+        <p:spPr>
+          <a:xfrm rot="5400000">
+            <a:off x="6608164" y="4162249"/>
+            <a:ext cx="1096651" cy="1648636"/>
+          </a:xfrm>
+          <a:prstGeom prst="curvedConnector2">
+            <a:avLst/>
+          </a:prstGeom>
+          <a:ln>
+            <a:tailEnd type="triangle"/>
+          </a:ln>
+        </p:spPr>
+        <p:style>
+          <a:lnRef idx="1">
+            <a:schemeClr val="accent1"/>
+          </a:lnRef>
+          <a:fillRef idx="0">
+            <a:schemeClr val="accent1"/>
+          </a:fillRef>
+          <a:effectRef idx="0">
+            <a:schemeClr val="accent1"/>
+          </a:effectRef>
+          <a:fontRef idx="minor">
+            <a:schemeClr val="tx1"/>
+          </a:fontRef>
+        </p:style>
+      </p:cxnSp>
+      <p:cxnSp>
+        <p:nvCxnSpPr>
+          <p:cNvPr id="39" name="曲线连接符 38">
+            <a:extLst>
+              <a:ext uri="{FF2B5EF4-FFF2-40B4-BE49-F238E27FC236}">
+                <a16:creationId xmlns:a16="http://schemas.microsoft.com/office/drawing/2014/main" id="{8C7E91BA-F0E2-7242-8052-B18425590291}"/>
+              </a:ext>
+            </a:extLst>
+          </p:cNvPr>
+          <p:cNvCxnSpPr>
+            <a:cxnSpLocks/>
+            <a:stCxn id="30" idx="0"/>
+            <a:endCxn id="31" idx="2"/>
+          </p:cNvCxnSpPr>
+          <p:nvPr/>
+        </p:nvCxnSpPr>
+        <p:spPr>
+          <a:xfrm rot="16200000" flipV="1">
+            <a:off x="2715447" y="3002527"/>
+            <a:ext cx="455680" cy="470516"/>
+          </a:xfrm>
+          <a:prstGeom prst="curvedConnector3">
+            <a:avLst>
+              <a:gd name="adj1" fmla="val 50000"/>
+            </a:avLst>
+          </a:prstGeom>
+          <a:ln>
+            <a:tailEnd type="triangle"/>
+          </a:ln>
+        </p:spPr>
+        <p:style>
+          <a:lnRef idx="1">
+            <a:schemeClr val="accent1"/>
+          </a:lnRef>
+          <a:fillRef idx="0">
+            <a:schemeClr val="accent1"/>
+          </a:fillRef>
+          <a:effectRef idx="0">
+            <a:schemeClr val="accent1"/>
+          </a:effectRef>
+          <a:fontRef idx="minor">
+            <a:schemeClr val="tx1"/>
+          </a:fontRef>
+        </p:style>
+      </p:cxnSp>
+      <p:cxnSp>
+        <p:nvCxnSpPr>
+          <p:cNvPr id="45" name="曲线连接符 44">
+            <a:extLst>
+              <a:ext uri="{FF2B5EF4-FFF2-40B4-BE49-F238E27FC236}">
+                <a16:creationId xmlns:a16="http://schemas.microsoft.com/office/drawing/2014/main" id="{EE2EDB59-B9A7-3242-8E01-90E8FAC54361}"/>
+              </a:ext>
+            </a:extLst>
+          </p:cNvPr>
+          <p:cNvCxnSpPr>
+            <a:cxnSpLocks/>
+            <a:stCxn id="29" idx="0"/>
+            <a:endCxn id="30" idx="2"/>
+          </p:cNvCxnSpPr>
+          <p:nvPr/>
+        </p:nvCxnSpPr>
+        <p:spPr>
+          <a:xfrm rot="16200000" flipV="1">
+            <a:off x="3189034" y="4089838"/>
+            <a:ext cx="349791" cy="370767"/>
+          </a:xfrm>
+          <a:prstGeom prst="curvedConnector3">
+            <a:avLst>
+              <a:gd name="adj1" fmla="val 50000"/>
+            </a:avLst>
+          </a:prstGeom>
+          <a:ln>
+            <a:tailEnd type="triangle"/>
+          </a:ln>
+        </p:spPr>
+        <p:style>
+          <a:lnRef idx="1">
+            <a:schemeClr val="accent1"/>
+          </a:lnRef>
+          <a:fillRef idx="0">
+            <a:schemeClr val="accent1"/>
+          </a:fillRef>
+          <a:effectRef idx="0">
+            <a:schemeClr val="accent1"/>
+          </a:effectRef>
+          <a:fontRef idx="minor">
+            <a:schemeClr val="tx1"/>
+          </a:fontRef>
+        </p:style>
+      </p:cxnSp>
+      <p:cxnSp>
+        <p:nvCxnSpPr>
+          <p:cNvPr id="48" name="曲线连接符 47">
+            <a:extLst>
+              <a:ext uri="{FF2B5EF4-FFF2-40B4-BE49-F238E27FC236}">
+                <a16:creationId xmlns:a16="http://schemas.microsoft.com/office/drawing/2014/main" id="{B0B1215D-C395-F44E-928F-35A709952449}"/>
+              </a:ext>
+            </a:extLst>
+          </p:cNvPr>
+          <p:cNvCxnSpPr>
+            <a:cxnSpLocks/>
+            <a:stCxn id="19" idx="1"/>
+            <a:endCxn id="29" idx="2"/>
+          </p:cNvCxnSpPr>
+          <p:nvPr/>
+        </p:nvCxnSpPr>
+        <p:spPr>
+          <a:xfrm rot="10800000">
+            <a:off x="3549313" y="5084819"/>
+            <a:ext cx="1241595" cy="450075"/>
+          </a:xfrm>
+          <a:prstGeom prst="curvedConnector2">
+            <a:avLst/>
+          </a:prstGeom>
+          <a:ln>
+            <a:tailEnd type="triangle"/>
+          </a:ln>
+        </p:spPr>
+        <p:style>
+          <a:lnRef idx="1">
+            <a:schemeClr val="accent1"/>
+          </a:lnRef>
+          <a:fillRef idx="0">
+            <a:schemeClr val="accent1"/>
+          </a:fillRef>
+          <a:effectRef idx="0">
+            <a:schemeClr val="accent1"/>
+          </a:effectRef>
+          <a:fontRef idx="minor">
+            <a:schemeClr val="tx1"/>
+          </a:fontRef>
+        </p:style>
+      </p:cxnSp>
+      <p:sp>
+        <p:nvSpPr>
+          <p:cNvPr id="59" name="文本框 58">
+            <a:extLst>
+              <a:ext uri="{FF2B5EF4-FFF2-40B4-BE49-F238E27FC236}">
+                <a16:creationId xmlns:a16="http://schemas.microsoft.com/office/drawing/2014/main" id="{C94BBED9-BD92-C044-A29D-A12D94185CF5}"/>
+              </a:ext>
+            </a:extLst>
+          </p:cNvPr>
+          <p:cNvSpPr txBox="1"/>
+          <p:nvPr/>
+        </p:nvSpPr>
+        <p:spPr>
+          <a:xfrm>
+            <a:off x="7594183" y="5697139"/>
+            <a:ext cx="479618" cy="369332"/>
+          </a:xfrm>
+          <a:prstGeom prst="rect">
+            <a:avLst/>
+          </a:prstGeom>
+          <a:noFill/>
+        </p:spPr>
+        <p:txBody>
+          <a:bodyPr wrap="none" rtlCol="0">
+            <a:spAutoFit/>
+          </a:bodyPr>
+          <a:lstStyle/>
+          <a:p>
+            <a:r>
+              <a:rPr kumimoji="1" lang="en-US" altLang="zh-CN" dirty="0"/>
+              <a:t>0.5</a:t>
+            </a:r>
+            <a:endParaRPr kumimoji="1" lang="zh-CN" altLang="en-US" dirty="0"/>
+          </a:p>
+        </p:txBody>
+      </p:sp>
+      <p:sp>
+        <p:nvSpPr>
+          <p:cNvPr id="60" name="文本框 59">
+            <a:extLst>
+              <a:ext uri="{FF2B5EF4-FFF2-40B4-BE49-F238E27FC236}">
+                <a16:creationId xmlns:a16="http://schemas.microsoft.com/office/drawing/2014/main" id="{76DB465F-6164-3E46-824E-9689E339965D}"/>
+              </a:ext>
+            </a:extLst>
+          </p:cNvPr>
+          <p:cNvSpPr txBox="1"/>
+          <p:nvPr/>
+        </p:nvSpPr>
+        <p:spPr>
+          <a:xfrm>
+            <a:off x="6968751" y="4932394"/>
+            <a:ext cx="479618" cy="369332"/>
+          </a:xfrm>
+          <a:prstGeom prst="rect">
+            <a:avLst/>
+          </a:prstGeom>
+          <a:noFill/>
+        </p:spPr>
+        <p:txBody>
+          <a:bodyPr wrap="none" rtlCol="0">
+            <a:spAutoFit/>
+          </a:bodyPr>
+          <a:lstStyle/>
+          <a:p>
+            <a:r>
+              <a:rPr kumimoji="1" lang="en-US" altLang="zh-CN" dirty="0"/>
+              <a:t>0.5</a:t>
+            </a:r>
+            <a:endParaRPr kumimoji="1" lang="zh-CN" altLang="en-US" dirty="0"/>
+          </a:p>
+        </p:txBody>
+      </p:sp>
+      <p:sp>
+        <p:nvSpPr>
+          <p:cNvPr id="61" name="文本框 60">
+            <a:extLst>
+              <a:ext uri="{FF2B5EF4-FFF2-40B4-BE49-F238E27FC236}">
+                <a16:creationId xmlns:a16="http://schemas.microsoft.com/office/drawing/2014/main" id="{45FDBD91-B424-EC43-B43B-565F8F364808}"/>
+              </a:ext>
+            </a:extLst>
+          </p:cNvPr>
+          <p:cNvSpPr txBox="1"/>
+          <p:nvPr/>
+        </p:nvSpPr>
+        <p:spPr>
+          <a:xfrm>
+            <a:off x="2595176" y="1350806"/>
+            <a:ext cx="479618" cy="369332"/>
+          </a:xfrm>
+          <a:prstGeom prst="rect">
+            <a:avLst/>
+          </a:prstGeom>
+          <a:noFill/>
+        </p:spPr>
+        <p:txBody>
+          <a:bodyPr wrap="none" rtlCol="0">
+            <a:spAutoFit/>
+          </a:bodyPr>
+          <a:lstStyle/>
+          <a:p>
+            <a:r>
+              <a:rPr kumimoji="1" lang="en-US" altLang="zh-CN" dirty="0"/>
+              <a:t>0.5</a:t>
+            </a:r>
+            <a:endParaRPr kumimoji="1" lang="zh-CN" altLang="en-US" dirty="0"/>
+          </a:p>
+        </p:txBody>
+      </p:sp>
+      <p:sp>
+        <p:nvSpPr>
+          <p:cNvPr id="62" name="文本框 61">
+            <a:extLst>
+              <a:ext uri="{FF2B5EF4-FFF2-40B4-BE49-F238E27FC236}">
+                <a16:creationId xmlns:a16="http://schemas.microsoft.com/office/drawing/2014/main" id="{1BD36B00-C4F9-DA44-B3D0-2558D45BC79A}"/>
+              </a:ext>
+            </a:extLst>
+          </p:cNvPr>
+          <p:cNvSpPr txBox="1"/>
+          <p:nvPr/>
+        </p:nvSpPr>
+        <p:spPr>
+          <a:xfrm>
+            <a:off x="2999043" y="1800186"/>
+            <a:ext cx="479618" cy="369332"/>
+          </a:xfrm>
+          <a:prstGeom prst="rect">
+            <a:avLst/>
+          </a:prstGeom>
+          <a:noFill/>
+        </p:spPr>
+        <p:txBody>
+          <a:bodyPr wrap="none" rtlCol="0">
+            <a:spAutoFit/>
+          </a:bodyPr>
+          <a:lstStyle/>
+          <a:p>
+            <a:r>
+              <a:rPr kumimoji="1" lang="en-US" altLang="zh-CN" dirty="0"/>
+              <a:t>0.5</a:t>
+            </a:r>
+            <a:endParaRPr kumimoji="1" lang="zh-CN" altLang="en-US" dirty="0"/>
+          </a:p>
+        </p:txBody>
+      </p:sp>
+      <p:sp>
+        <p:nvSpPr>
+          <p:cNvPr id="63" name="文本框 62">
+            <a:extLst>
+              <a:ext uri="{FF2B5EF4-FFF2-40B4-BE49-F238E27FC236}">
+                <a16:creationId xmlns:a16="http://schemas.microsoft.com/office/drawing/2014/main" id="{DE62FECD-E17E-AC42-AF5E-66E20C586E8C}"/>
+              </a:ext>
+            </a:extLst>
+          </p:cNvPr>
+          <p:cNvSpPr txBox="1"/>
+          <p:nvPr/>
+        </p:nvSpPr>
+        <p:spPr>
+          <a:xfrm>
+            <a:off x="5836944" y="1400207"/>
+            <a:ext cx="306494" cy="369332"/>
+          </a:xfrm>
+          <a:prstGeom prst="rect">
+            <a:avLst/>
+          </a:prstGeom>
+          <a:noFill/>
+        </p:spPr>
+        <p:txBody>
+          <a:bodyPr wrap="none" rtlCol="0">
+            <a:spAutoFit/>
+          </a:bodyPr>
+          <a:lstStyle/>
+          <a:p>
+            <a:r>
+              <a:rPr kumimoji="1" lang="en-US" altLang="zh-CN" dirty="0"/>
+              <a:t>1</a:t>
+            </a:r>
+            <a:endParaRPr kumimoji="1" lang="zh-CN" altLang="en-US" dirty="0"/>
+          </a:p>
+        </p:txBody>
+      </p:sp>
+      <p:sp>
+        <p:nvSpPr>
+          <p:cNvPr id="64" name="文本框 63">
+            <a:extLst>
+              <a:ext uri="{FF2B5EF4-FFF2-40B4-BE49-F238E27FC236}">
+                <a16:creationId xmlns:a16="http://schemas.microsoft.com/office/drawing/2014/main" id="{F720B339-BCC2-8442-B556-612C20B3CB47}"/>
+              </a:ext>
+            </a:extLst>
+          </p:cNvPr>
+          <p:cNvSpPr txBox="1"/>
+          <p:nvPr/>
+        </p:nvSpPr>
+        <p:spPr>
+          <a:xfrm>
+            <a:off x="7020395" y="2411092"/>
+            <a:ext cx="306494" cy="369332"/>
+          </a:xfrm>
+          <a:prstGeom prst="rect">
+            <a:avLst/>
+          </a:prstGeom>
+          <a:noFill/>
+        </p:spPr>
+        <p:txBody>
+          <a:bodyPr wrap="none" rtlCol="0">
+            <a:spAutoFit/>
+          </a:bodyPr>
+          <a:lstStyle/>
+          <a:p>
+            <a:r>
+              <a:rPr kumimoji="1" lang="en-US" altLang="zh-CN" dirty="0"/>
+              <a:t>1</a:t>
+            </a:r>
+            <a:endParaRPr kumimoji="1" lang="zh-CN" altLang="en-US" dirty="0"/>
+          </a:p>
+        </p:txBody>
+      </p:sp>
+      <p:sp>
+        <p:nvSpPr>
+          <p:cNvPr id="65" name="文本框 64">
+            <a:extLst>
+              <a:ext uri="{FF2B5EF4-FFF2-40B4-BE49-F238E27FC236}">
+                <a16:creationId xmlns:a16="http://schemas.microsoft.com/office/drawing/2014/main" id="{C8AE213E-A66F-3246-8C50-36552FC826C3}"/>
+              </a:ext>
+            </a:extLst>
+          </p:cNvPr>
+          <p:cNvSpPr txBox="1"/>
+          <p:nvPr/>
+        </p:nvSpPr>
+        <p:spPr>
+          <a:xfrm>
+            <a:off x="7645827" y="3642554"/>
+            <a:ext cx="306494" cy="369332"/>
+          </a:xfrm>
+          <a:prstGeom prst="rect">
+            <a:avLst/>
+          </a:prstGeom>
+          <a:noFill/>
+        </p:spPr>
+        <p:txBody>
+          <a:bodyPr wrap="none" rtlCol="0">
+            <a:spAutoFit/>
+          </a:bodyPr>
+          <a:lstStyle/>
+          <a:p>
+            <a:r>
+              <a:rPr kumimoji="1" lang="en-US" altLang="zh-CN" dirty="0"/>
+              <a:t>1</a:t>
+            </a:r>
+            <a:endParaRPr kumimoji="1" lang="zh-CN" altLang="en-US" dirty="0"/>
+          </a:p>
+        </p:txBody>
+      </p:sp>
+      <p:sp>
+        <p:nvSpPr>
+          <p:cNvPr id="66" name="文本框 65">
+            <a:extLst>
+              <a:ext uri="{FF2B5EF4-FFF2-40B4-BE49-F238E27FC236}">
+                <a16:creationId xmlns:a16="http://schemas.microsoft.com/office/drawing/2014/main" id="{AE65E885-42E1-984C-8B64-89AE9044D0F8}"/>
+              </a:ext>
+            </a:extLst>
+          </p:cNvPr>
+          <p:cNvSpPr txBox="1"/>
+          <p:nvPr/>
+        </p:nvSpPr>
+        <p:spPr>
+          <a:xfrm>
+            <a:off x="4001080" y="5040017"/>
+            <a:ext cx="306494" cy="369332"/>
+          </a:xfrm>
+          <a:prstGeom prst="rect">
+            <a:avLst/>
+          </a:prstGeom>
+          <a:noFill/>
+        </p:spPr>
+        <p:txBody>
+          <a:bodyPr wrap="none" rtlCol="0">
+            <a:spAutoFit/>
+          </a:bodyPr>
+          <a:lstStyle/>
+          <a:p>
+            <a:r>
+              <a:rPr kumimoji="1" lang="en-US" altLang="zh-CN" dirty="0"/>
+              <a:t>1</a:t>
+            </a:r>
+            <a:endParaRPr kumimoji="1" lang="zh-CN" altLang="en-US" dirty="0"/>
+          </a:p>
+        </p:txBody>
+      </p:sp>
+      <p:sp>
+        <p:nvSpPr>
+          <p:cNvPr id="67" name="文本框 66">
+            <a:extLst>
+              <a:ext uri="{FF2B5EF4-FFF2-40B4-BE49-F238E27FC236}">
+                <a16:creationId xmlns:a16="http://schemas.microsoft.com/office/drawing/2014/main" id="{B4821018-5301-B74E-B0E7-D0AA0F33F977}"/>
+              </a:ext>
+            </a:extLst>
+          </p:cNvPr>
+          <p:cNvSpPr txBox="1"/>
+          <p:nvPr/>
+        </p:nvSpPr>
+        <p:spPr>
+          <a:xfrm>
+            <a:off x="3577997" y="4100325"/>
+            <a:ext cx="306494" cy="369332"/>
+          </a:xfrm>
+          <a:prstGeom prst="rect">
+            <a:avLst/>
+          </a:prstGeom>
+          <a:noFill/>
+        </p:spPr>
+        <p:txBody>
+          <a:bodyPr wrap="none" rtlCol="0">
+            <a:spAutoFit/>
+          </a:bodyPr>
+          <a:lstStyle/>
+          <a:p>
+            <a:r>
+              <a:rPr kumimoji="1" lang="en-US" altLang="zh-CN" dirty="0"/>
+              <a:t>1</a:t>
+            </a:r>
+            <a:endParaRPr kumimoji="1" lang="zh-CN" altLang="en-US" dirty="0"/>
+          </a:p>
+        </p:txBody>
+      </p:sp>
+      <p:sp>
+        <p:nvSpPr>
+          <p:cNvPr id="68" name="文本框 67">
+            <a:extLst>
+              <a:ext uri="{FF2B5EF4-FFF2-40B4-BE49-F238E27FC236}">
+                <a16:creationId xmlns:a16="http://schemas.microsoft.com/office/drawing/2014/main" id="{DF0725D2-5775-DA4D-B0CC-024B2FA249B3}"/>
+              </a:ext>
+            </a:extLst>
+          </p:cNvPr>
+          <p:cNvSpPr txBox="1"/>
+          <p:nvPr/>
+        </p:nvSpPr>
+        <p:spPr>
+          <a:xfrm>
+            <a:off x="3022109" y="3002124"/>
+            <a:ext cx="306494" cy="369332"/>
+          </a:xfrm>
+          <a:prstGeom prst="rect">
+            <a:avLst/>
+          </a:prstGeom>
+          <a:noFill/>
+        </p:spPr>
+        <p:txBody>
+          <a:bodyPr wrap="none" rtlCol="0">
+            <a:spAutoFit/>
+          </a:bodyPr>
+          <a:lstStyle/>
+          <a:p>
+            <a:r>
+              <a:rPr kumimoji="1" lang="en-US" altLang="zh-CN" dirty="0"/>
+              <a:t>1</a:t>
+            </a:r>
+            <a:endParaRPr kumimoji="1" lang="zh-CN" altLang="en-US" dirty="0"/>
+          </a:p>
+        </p:txBody>
+      </p:sp>
+      <p:sp>
+        <p:nvSpPr>
+          <p:cNvPr id="2" name="文本框 1">
+            <a:extLst>
+              <a:ext uri="{FF2B5EF4-FFF2-40B4-BE49-F238E27FC236}">
+                <a16:creationId xmlns:a16="http://schemas.microsoft.com/office/drawing/2014/main" id="{5E1495DE-1207-7244-8497-E0E431A95E56}"/>
+              </a:ext>
+            </a:extLst>
+          </p:cNvPr>
+          <p:cNvSpPr txBox="1"/>
+          <p:nvPr/>
+        </p:nvSpPr>
+        <p:spPr>
+          <a:xfrm>
+            <a:off x="5195320" y="5944862"/>
+            <a:ext cx="1136850" cy="369332"/>
+          </a:xfrm>
+          <a:prstGeom prst="rect">
+            <a:avLst/>
+          </a:prstGeom>
+          <a:noFill/>
+        </p:spPr>
+        <p:txBody>
+          <a:bodyPr wrap="none" rtlCol="0">
+            <a:spAutoFit/>
+          </a:bodyPr>
+          <a:lstStyle/>
+          <a:p>
+            <a:r>
+              <a:rPr kumimoji="1" lang="en-US" altLang="zh-CN" dirty="0" err="1"/>
+              <a:t>tailFact</a:t>
+            </a:r>
+            <a:r>
+              <a:rPr kumimoji="1" lang="en-US" altLang="zh-CN" dirty="0"/>
+              <a:t>(0)</a:t>
+            </a:r>
+            <a:endParaRPr kumimoji="1" lang="zh-CN" altLang="en-US" dirty="0"/>
+          </a:p>
+        </p:txBody>
+      </p:sp>
+      <p:sp>
+        <p:nvSpPr>
+          <p:cNvPr id="35" name="文本框 34">
+            <a:extLst>
+              <a:ext uri="{FF2B5EF4-FFF2-40B4-BE49-F238E27FC236}">
+                <a16:creationId xmlns:a16="http://schemas.microsoft.com/office/drawing/2014/main" id="{06218B39-1F94-2346-9345-7B30D04087DC}"/>
+              </a:ext>
+            </a:extLst>
+          </p:cNvPr>
+          <p:cNvSpPr txBox="1"/>
+          <p:nvPr/>
+        </p:nvSpPr>
+        <p:spPr>
+          <a:xfrm>
+            <a:off x="1694135" y="4144615"/>
+            <a:ext cx="1136850" cy="369332"/>
+          </a:xfrm>
+          <a:prstGeom prst="rect">
+            <a:avLst/>
+          </a:prstGeom>
+          <a:noFill/>
+        </p:spPr>
+        <p:txBody>
+          <a:bodyPr wrap="none" rtlCol="0">
+            <a:spAutoFit/>
+          </a:bodyPr>
+          <a:lstStyle/>
+          <a:p>
+            <a:r>
+              <a:rPr kumimoji="1" lang="en-US" altLang="zh-CN" dirty="0" err="1"/>
+              <a:t>tailFact</a:t>
+            </a:r>
+            <a:r>
+              <a:rPr kumimoji="1" lang="en-US" altLang="zh-CN" dirty="0"/>
+              <a:t>(2)</a:t>
+            </a:r>
+            <a:endParaRPr kumimoji="1" lang="zh-CN" altLang="en-US" dirty="0"/>
+          </a:p>
+        </p:txBody>
+      </p:sp>
+      <p:sp>
+        <p:nvSpPr>
+          <p:cNvPr id="36" name="文本框 35">
+            <a:extLst>
+              <a:ext uri="{FF2B5EF4-FFF2-40B4-BE49-F238E27FC236}">
+                <a16:creationId xmlns:a16="http://schemas.microsoft.com/office/drawing/2014/main" id="{4DE9EE8F-299B-6749-BBAD-89C5E6719A46}"/>
+              </a:ext>
+            </a:extLst>
+          </p:cNvPr>
+          <p:cNvSpPr txBox="1"/>
+          <p:nvPr/>
+        </p:nvSpPr>
+        <p:spPr>
+          <a:xfrm>
+            <a:off x="2529129" y="5110457"/>
+            <a:ext cx="1136850" cy="369332"/>
+          </a:xfrm>
+          <a:prstGeom prst="rect">
+            <a:avLst/>
+          </a:prstGeom>
+          <a:noFill/>
+        </p:spPr>
+        <p:txBody>
+          <a:bodyPr wrap="none" rtlCol="0">
+            <a:spAutoFit/>
+          </a:bodyPr>
+          <a:lstStyle/>
+          <a:p>
+            <a:r>
+              <a:rPr kumimoji="1" lang="en-US" altLang="zh-CN" dirty="0" err="1"/>
+              <a:t>tailFact</a:t>
+            </a:r>
+            <a:r>
+              <a:rPr kumimoji="1" lang="en-US" altLang="zh-CN" dirty="0"/>
+              <a:t>(1)</a:t>
+            </a:r>
+            <a:endParaRPr kumimoji="1" lang="zh-CN" altLang="en-US" dirty="0"/>
+          </a:p>
+        </p:txBody>
+      </p:sp>
+      <p:sp>
+        <p:nvSpPr>
+          <p:cNvPr id="37" name="文本框 36">
+            <a:extLst>
+              <a:ext uri="{FF2B5EF4-FFF2-40B4-BE49-F238E27FC236}">
+                <a16:creationId xmlns:a16="http://schemas.microsoft.com/office/drawing/2014/main" id="{97628119-71D7-1F40-81A7-D2F41ED905DB}"/>
+              </a:ext>
+            </a:extLst>
+          </p:cNvPr>
+          <p:cNvSpPr txBox="1"/>
+          <p:nvPr/>
+        </p:nvSpPr>
+        <p:spPr>
+          <a:xfrm>
+            <a:off x="1145575" y="2987837"/>
+            <a:ext cx="1136850" cy="369332"/>
+          </a:xfrm>
+          <a:prstGeom prst="rect">
+            <a:avLst/>
+          </a:prstGeom>
+          <a:noFill/>
+        </p:spPr>
+        <p:txBody>
+          <a:bodyPr wrap="none" rtlCol="0">
+            <a:spAutoFit/>
+          </a:bodyPr>
+          <a:lstStyle/>
+          <a:p>
+            <a:r>
+              <a:rPr kumimoji="1" lang="en-US" altLang="zh-CN" dirty="0" err="1"/>
+              <a:t>tailFact</a:t>
+            </a:r>
+            <a:r>
+              <a:rPr kumimoji="1" lang="en-US" altLang="zh-CN" dirty="0"/>
+              <a:t>(3)</a:t>
+            </a:r>
+            <a:endParaRPr kumimoji="1" lang="zh-CN" altLang="en-US" dirty="0"/>
+          </a:p>
+        </p:txBody>
+      </p:sp>
+      <p:sp>
+        <p:nvSpPr>
+          <p:cNvPr id="38" name="文本框 37">
+            <a:extLst>
+              <a:ext uri="{FF2B5EF4-FFF2-40B4-BE49-F238E27FC236}">
+                <a16:creationId xmlns:a16="http://schemas.microsoft.com/office/drawing/2014/main" id="{7B596476-F21E-7649-B59D-C0A2898169FA}"/>
+              </a:ext>
+            </a:extLst>
+          </p:cNvPr>
+          <p:cNvSpPr txBox="1"/>
+          <p:nvPr/>
+        </p:nvSpPr>
+        <p:spPr>
+          <a:xfrm>
+            <a:off x="4277355" y="1953729"/>
+            <a:ext cx="1136850" cy="369332"/>
+          </a:xfrm>
+          <a:prstGeom prst="rect">
+            <a:avLst/>
+          </a:prstGeom>
+          <a:noFill/>
+        </p:spPr>
+        <p:txBody>
+          <a:bodyPr wrap="none" rtlCol="0">
+            <a:spAutoFit/>
+          </a:bodyPr>
+          <a:lstStyle/>
+          <a:p>
+            <a:r>
+              <a:rPr kumimoji="1" lang="en-US" altLang="zh-CN" dirty="0" err="1"/>
+              <a:t>tailFact</a:t>
+            </a:r>
+            <a:r>
+              <a:rPr kumimoji="1" lang="en-US" altLang="zh-CN" dirty="0"/>
+              <a:t>(4)</a:t>
+            </a:r>
+            <a:endParaRPr kumimoji="1" lang="zh-CN" altLang="en-US" dirty="0"/>
+          </a:p>
+        </p:txBody>
+      </p:sp>
+      <p:sp>
+        <p:nvSpPr>
+          <p:cNvPr id="40" name="文本框 39">
+            <a:extLst>
+              <a:ext uri="{FF2B5EF4-FFF2-40B4-BE49-F238E27FC236}">
+                <a16:creationId xmlns:a16="http://schemas.microsoft.com/office/drawing/2014/main" id="{CD4245AC-5807-CE48-B40B-377136B77D23}"/>
+              </a:ext>
+            </a:extLst>
+          </p:cNvPr>
+          <p:cNvSpPr txBox="1"/>
+          <p:nvPr/>
+        </p:nvSpPr>
+        <p:spPr>
+          <a:xfrm>
+            <a:off x="7593405" y="1738082"/>
+            <a:ext cx="1136850" cy="369332"/>
+          </a:xfrm>
+          <a:prstGeom prst="rect">
+            <a:avLst/>
+          </a:prstGeom>
+          <a:noFill/>
+        </p:spPr>
+        <p:txBody>
+          <a:bodyPr wrap="none" rtlCol="0">
+            <a:spAutoFit/>
+          </a:bodyPr>
+          <a:lstStyle/>
+          <a:p>
+            <a:r>
+              <a:rPr kumimoji="1" lang="en-US" altLang="zh-CN" dirty="0" err="1"/>
+              <a:t>tailFact</a:t>
+            </a:r>
+            <a:r>
+              <a:rPr kumimoji="1" lang="en-US" altLang="zh-CN" dirty="0"/>
+              <a:t>(5)</a:t>
+            </a:r>
+            <a:endParaRPr kumimoji="1" lang="zh-CN" altLang="en-US" dirty="0"/>
+          </a:p>
+        </p:txBody>
+      </p:sp>
+      <p:sp>
+        <p:nvSpPr>
+          <p:cNvPr id="41" name="文本框 40">
+            <a:extLst>
+              <a:ext uri="{FF2B5EF4-FFF2-40B4-BE49-F238E27FC236}">
+                <a16:creationId xmlns:a16="http://schemas.microsoft.com/office/drawing/2014/main" id="{9229822E-8F03-0846-BD2A-30C968BE9AB4}"/>
+              </a:ext>
+            </a:extLst>
+          </p:cNvPr>
+          <p:cNvSpPr txBox="1"/>
+          <p:nvPr/>
+        </p:nvSpPr>
+        <p:spPr>
+          <a:xfrm>
+            <a:off x="8329387" y="3293123"/>
+            <a:ext cx="1136850" cy="369332"/>
+          </a:xfrm>
+          <a:prstGeom prst="rect">
+            <a:avLst/>
+          </a:prstGeom>
+          <a:noFill/>
+        </p:spPr>
+        <p:txBody>
+          <a:bodyPr wrap="none" rtlCol="0">
+            <a:spAutoFit/>
+          </a:bodyPr>
+          <a:lstStyle/>
+          <a:p>
+            <a:r>
+              <a:rPr kumimoji="1" lang="en-US" altLang="zh-CN" dirty="0" err="1"/>
+              <a:t>tailFact</a:t>
+            </a:r>
+            <a:r>
+              <a:rPr kumimoji="1" lang="en-US" altLang="zh-CN" dirty="0"/>
+              <a:t>(6)</a:t>
+            </a:r>
+            <a:endParaRPr kumimoji="1" lang="zh-CN" altLang="en-US" dirty="0"/>
+          </a:p>
+        </p:txBody>
+      </p:sp>
+      <p:sp>
+        <p:nvSpPr>
+          <p:cNvPr id="42" name="文本框 41">
+            <a:extLst>
+              <a:ext uri="{FF2B5EF4-FFF2-40B4-BE49-F238E27FC236}">
+                <a16:creationId xmlns:a16="http://schemas.microsoft.com/office/drawing/2014/main" id="{E6359BAC-9464-A942-8053-7427B0A08FB5}"/>
+              </a:ext>
+            </a:extLst>
+          </p:cNvPr>
+          <p:cNvSpPr txBox="1"/>
+          <p:nvPr/>
+        </p:nvSpPr>
+        <p:spPr>
+          <a:xfrm>
+            <a:off x="8730255" y="4329281"/>
+            <a:ext cx="1136850" cy="369332"/>
+          </a:xfrm>
+          <a:prstGeom prst="rect">
+            <a:avLst/>
+          </a:prstGeom>
+          <a:noFill/>
+        </p:spPr>
+        <p:txBody>
+          <a:bodyPr wrap="none" rtlCol="0">
+            <a:spAutoFit/>
+          </a:bodyPr>
+          <a:lstStyle/>
+          <a:p>
+            <a:r>
+              <a:rPr kumimoji="1" lang="en-US" altLang="zh-CN" dirty="0" err="1"/>
+              <a:t>tailFact</a:t>
+            </a:r>
+            <a:r>
+              <a:rPr kumimoji="1" lang="en-US" altLang="zh-CN" dirty="0"/>
+              <a:t>(7)</a:t>
+            </a:r>
+            <a:endParaRPr kumimoji="1" lang="zh-CN" altLang="en-US" dirty="0"/>
+          </a:p>
+        </p:txBody>
+      </p:sp>
+      <p:sp>
+        <p:nvSpPr>
+          <p:cNvPr id="43" name="文本框 42">
+            <a:extLst>
+              <a:ext uri="{FF2B5EF4-FFF2-40B4-BE49-F238E27FC236}">
+                <a16:creationId xmlns:a16="http://schemas.microsoft.com/office/drawing/2014/main" id="{AC33E39A-8752-4745-B361-3F75CEC7B73F}"/>
+              </a:ext>
+            </a:extLst>
+          </p:cNvPr>
+          <p:cNvSpPr txBox="1"/>
+          <p:nvPr/>
+        </p:nvSpPr>
+        <p:spPr>
+          <a:xfrm>
+            <a:off x="5257901" y="6277499"/>
+            <a:ext cx="1136850" cy="369332"/>
+          </a:xfrm>
+          <a:prstGeom prst="rect">
+            <a:avLst/>
+          </a:prstGeom>
+          <a:noFill/>
+        </p:spPr>
+        <p:txBody>
+          <a:bodyPr wrap="none" rtlCol="0">
+            <a:spAutoFit/>
+          </a:bodyPr>
+          <a:lstStyle/>
+          <a:p>
+            <a:r>
+              <a:rPr kumimoji="1" lang="en-US" altLang="zh-CN" dirty="0" err="1">
+                <a:solidFill>
+                  <a:srgbClr val="FF0000"/>
+                </a:solidFill>
+              </a:rPr>
+              <a:t>tailFact</a:t>
+            </a:r>
+            <a:r>
+              <a:rPr kumimoji="1" lang="en-US" altLang="zh-CN" dirty="0">
+                <a:solidFill>
+                  <a:srgbClr val="FF0000"/>
+                </a:solidFill>
+              </a:rPr>
+              <a:t>(8)</a:t>
+            </a:r>
+            <a:endParaRPr kumimoji="1" lang="zh-CN" altLang="en-US" dirty="0">
+              <a:solidFill>
+                <a:srgbClr val="FF0000"/>
+              </a:solidFill>
+            </a:endParaRPr>
+          </a:p>
+        </p:txBody>
+      </p:sp>
+      <p:sp>
+        <p:nvSpPr>
+          <p:cNvPr id="44" name="文本框 43">
+            <a:extLst>
+              <a:ext uri="{FF2B5EF4-FFF2-40B4-BE49-F238E27FC236}">
+                <a16:creationId xmlns:a16="http://schemas.microsoft.com/office/drawing/2014/main" id="{761231E1-D855-5F44-9928-98E66D52562F}"/>
+              </a:ext>
+            </a:extLst>
+          </p:cNvPr>
+          <p:cNvSpPr txBox="1"/>
+          <p:nvPr/>
+        </p:nvSpPr>
+        <p:spPr>
+          <a:xfrm>
+            <a:off x="2452942" y="5542033"/>
+            <a:ext cx="1136850" cy="369332"/>
+          </a:xfrm>
+          <a:prstGeom prst="rect">
+            <a:avLst/>
+          </a:prstGeom>
+          <a:noFill/>
+        </p:spPr>
+        <p:txBody>
+          <a:bodyPr wrap="none" rtlCol="0">
+            <a:spAutoFit/>
+          </a:bodyPr>
+          <a:lstStyle/>
+          <a:p>
+            <a:r>
+              <a:rPr kumimoji="1" lang="en-US" altLang="zh-CN" dirty="0" err="1">
+                <a:solidFill>
+                  <a:srgbClr val="FF0000"/>
+                </a:solidFill>
+              </a:rPr>
+              <a:t>tailFact</a:t>
+            </a:r>
+            <a:r>
+              <a:rPr kumimoji="1" lang="en-US" altLang="zh-CN" dirty="0">
+                <a:solidFill>
+                  <a:srgbClr val="FF0000"/>
+                </a:solidFill>
+              </a:rPr>
+              <a:t>(9)</a:t>
+            </a:r>
+            <a:endParaRPr kumimoji="1" lang="zh-CN" altLang="en-US" dirty="0">
+              <a:solidFill>
+                <a:srgbClr val="FF0000"/>
+              </a:solidFill>
+            </a:endParaRPr>
+          </a:p>
+        </p:txBody>
+      </p:sp>
+    </p:spTree>
+    <p:extLst>
+      <p:ext uri="{BB962C8B-B14F-4D97-AF65-F5344CB8AC3E}">
+        <p14:creationId xmlns:p14="http://schemas.microsoft.com/office/powerpoint/2010/main" val="3086223197"/>
+      </p:ext>
+    </p:extLst>
+  </p:cSld>
+  <p:clrMapOvr>
+    <a:masterClrMapping/>
+  </p:clrMapOvr>
+</p:sld>
+</file>
+
+<file path=ppt/slides/slide29.xml><?xml version="1.0" encoding="utf-8"?>
+<p:sld xmlns:a="http://schemas.openxmlformats.org/drawingml/2006/main" xmlns:r="http://schemas.openxmlformats.org/officeDocument/2006/relationships" xmlns:p="http://schemas.openxmlformats.org/presentationml/2006/main">
+  <p:cSld>
+    <p:spTree>
+      <p:nvGrpSpPr>
+        <p:cNvPr id="1" name=""/>
+        <p:cNvGrpSpPr/>
+        <p:nvPr/>
+      </p:nvGrpSpPr>
+      <p:grpSpPr>
+        <a:xfrm>
+          <a:off x="0" y="0"/>
+          <a:ext cx="0" cy="0"/>
+          <a:chOff x="0" y="0"/>
+          <a:chExt cx="0" cy="0"/>
+        </a:xfrm>
+      </p:grpSpPr>
+      <p:sp>
+        <p:nvSpPr>
+          <p:cNvPr id="3" name="文本框 2">
+            <a:extLst>
+              <a:ext uri="{FF2B5EF4-FFF2-40B4-BE49-F238E27FC236}">
+                <a16:creationId xmlns:a16="http://schemas.microsoft.com/office/drawing/2014/main" id="{2A2FBB20-DC04-9149-BB4A-6772BB523FB8}"/>
+              </a:ext>
+            </a:extLst>
+          </p:cNvPr>
+          <p:cNvSpPr txBox="1"/>
+          <p:nvPr/>
+        </p:nvSpPr>
+        <p:spPr>
+          <a:xfrm>
+            <a:off x="645458" y="537882"/>
+            <a:ext cx="5344733" cy="707886"/>
+          </a:xfrm>
+          <a:prstGeom prst="rect">
+            <a:avLst/>
+          </a:prstGeom>
+          <a:noFill/>
+        </p:spPr>
+        <p:txBody>
+          <a:bodyPr wrap="none" rtlCol="0">
+            <a:spAutoFit/>
+          </a:bodyPr>
+          <a:lstStyle/>
+          <a:p>
+            <a:r>
+              <a:rPr kumimoji="1" lang="en-US" altLang="zh-CN" sz="4000" dirty="0"/>
+              <a:t>G13</a:t>
+            </a:r>
+            <a:r>
+              <a:rPr kumimoji="1" lang="zh-CN" altLang="en-US" sz="4000" dirty="0"/>
+              <a:t> 有向有环图 </a:t>
+            </a:r>
+            <a:r>
+              <a:rPr kumimoji="1" lang="en-US" altLang="zh-CN" sz="4000" dirty="0"/>
+              <a:t>–</a:t>
+            </a:r>
+            <a:r>
+              <a:rPr kumimoji="1" lang="zh-CN" altLang="en-US" sz="4000" dirty="0"/>
+              <a:t> 长环</a:t>
+            </a:r>
+          </a:p>
+        </p:txBody>
+      </p:sp>
+      <p:cxnSp>
+        <p:nvCxnSpPr>
+          <p:cNvPr id="18" name="曲线连接符 17">
+            <a:extLst>
+              <a:ext uri="{FF2B5EF4-FFF2-40B4-BE49-F238E27FC236}">
+                <a16:creationId xmlns:a16="http://schemas.microsoft.com/office/drawing/2014/main" id="{823B479D-A115-E74D-9C67-656D069ADED2}"/>
+              </a:ext>
+            </a:extLst>
+          </p:cNvPr>
+          <p:cNvCxnSpPr>
+            <a:cxnSpLocks/>
+            <a:stCxn id="22" idx="2"/>
+            <a:endCxn id="19" idx="3"/>
+          </p:cNvCxnSpPr>
+          <p:nvPr/>
+        </p:nvCxnSpPr>
+        <p:spPr>
+          <a:xfrm rot="5400000" flipH="1">
+            <a:off x="5238264" y="1680283"/>
+            <a:ext cx="1561973" cy="3160851"/>
+          </a:xfrm>
+          <a:prstGeom prst="curvedConnector4">
+            <a:avLst>
+              <a:gd name="adj1" fmla="val -14635"/>
+              <a:gd name="adj2" fmla="val 62915"/>
+            </a:avLst>
+          </a:prstGeom>
+          <a:ln>
+            <a:tailEnd type="triangle"/>
+          </a:ln>
+        </p:spPr>
+        <p:style>
+          <a:lnRef idx="1">
+            <a:schemeClr val="accent1"/>
+          </a:lnRef>
+          <a:fillRef idx="0">
+            <a:schemeClr val="accent1"/>
+          </a:fillRef>
+          <a:effectRef idx="0">
+            <a:schemeClr val="accent1"/>
+          </a:effectRef>
+          <a:fontRef idx="minor">
+            <a:schemeClr val="tx1"/>
+          </a:fontRef>
+        </p:style>
+      </p:cxnSp>
+      <p:sp>
+        <p:nvSpPr>
+          <p:cNvPr id="19" name="圆角矩形 18">
+            <a:extLst>
+              <a:ext uri="{FF2B5EF4-FFF2-40B4-BE49-F238E27FC236}">
+                <a16:creationId xmlns:a16="http://schemas.microsoft.com/office/drawing/2014/main" id="{5CCCEE52-AE84-3E4E-AA8A-50649D5AE9D6}"/>
+              </a:ext>
+            </a:extLst>
+          </p:cNvPr>
+          <p:cNvSpPr/>
+          <p:nvPr/>
+        </p:nvSpPr>
+        <p:spPr>
+          <a:xfrm>
+            <a:off x="2897561" y="2162370"/>
+            <a:ext cx="1541264" cy="634701"/>
+          </a:xfrm>
+          <a:prstGeom prst="roundRect">
+            <a:avLst/>
+          </a:prstGeom>
+        </p:spPr>
+        <p:style>
+          <a:lnRef idx="2">
+            <a:schemeClr val="accent1">
+              <a:shade val="50000"/>
+            </a:schemeClr>
+          </a:lnRef>
+          <a:fillRef idx="1">
+            <a:schemeClr val="accent1"/>
+          </a:fillRef>
+          <a:effectRef idx="0">
+            <a:schemeClr val="accent1"/>
+          </a:effectRef>
+          <a:fontRef idx="minor">
+            <a:schemeClr val="lt1"/>
+          </a:fontRef>
+        </p:style>
+        <p:txBody>
+          <a:bodyPr rtlCol="0" anchor="ctr"/>
+          <a:lstStyle/>
+          <a:p>
+            <a:pPr algn="ctr"/>
+            <a:r>
+              <a:rPr kumimoji="1" lang="en-US" altLang="zh-CN" dirty="0"/>
+              <a:t>4</a:t>
+            </a:r>
+            <a:r>
+              <a:rPr kumimoji="1" lang="zh-CN" altLang="en-US" dirty="0"/>
+              <a:t> 右护法</a:t>
+            </a:r>
+            <a:endParaRPr kumimoji="1" lang="en-US" altLang="zh-CN" dirty="0"/>
+          </a:p>
+          <a:p>
+            <a:pPr algn="ctr"/>
+            <a:r>
+              <a:rPr kumimoji="1" lang="en-US" altLang="zh-CN" dirty="0"/>
+              <a:t>1000w</a:t>
+            </a:r>
+          </a:p>
+        </p:txBody>
+      </p:sp>
+      <p:sp>
+        <p:nvSpPr>
+          <p:cNvPr id="22" name="圆角矩形 21">
+            <a:extLst>
+              <a:ext uri="{FF2B5EF4-FFF2-40B4-BE49-F238E27FC236}">
+                <a16:creationId xmlns:a16="http://schemas.microsoft.com/office/drawing/2014/main" id="{B20C7EFC-25FC-0748-818C-92A12F72466E}"/>
+              </a:ext>
+            </a:extLst>
+          </p:cNvPr>
+          <p:cNvSpPr/>
+          <p:nvPr/>
+        </p:nvSpPr>
+        <p:spPr>
+          <a:xfrm>
+            <a:off x="6783216" y="3406993"/>
+            <a:ext cx="1632920" cy="634701"/>
+          </a:xfrm>
+          <a:prstGeom prst="roundRect">
+            <a:avLst/>
+          </a:prstGeom>
+        </p:spPr>
+        <p:style>
+          <a:lnRef idx="2">
+            <a:schemeClr val="accent1">
+              <a:shade val="50000"/>
+            </a:schemeClr>
+          </a:lnRef>
+          <a:fillRef idx="1">
+            <a:schemeClr val="accent1"/>
+          </a:fillRef>
+          <a:effectRef idx="0">
+            <a:schemeClr val="accent1"/>
+          </a:effectRef>
+          <a:fontRef idx="minor">
+            <a:schemeClr val="lt1"/>
+          </a:fontRef>
+        </p:style>
+        <p:txBody>
+          <a:bodyPr rtlCol="0" anchor="ctr"/>
+          <a:lstStyle/>
+          <a:p>
+            <a:pPr algn="ctr"/>
+            <a:r>
+              <a:rPr kumimoji="1" lang="en-US" altLang="zh-CN" dirty="0"/>
+              <a:t>2</a:t>
+            </a:r>
+            <a:r>
+              <a:rPr lang="zh-CN" altLang="en-US" dirty="0"/>
+              <a:t>大鹏金翅雕</a:t>
+            </a:r>
+            <a:endParaRPr kumimoji="1" lang="zh-CN" altLang="en-US" dirty="0"/>
+          </a:p>
+        </p:txBody>
+      </p:sp>
+      <p:sp>
+        <p:nvSpPr>
+          <p:cNvPr id="29" name="圆角矩形 28">
+            <a:extLst>
+              <a:ext uri="{FF2B5EF4-FFF2-40B4-BE49-F238E27FC236}">
+                <a16:creationId xmlns:a16="http://schemas.microsoft.com/office/drawing/2014/main" id="{DA16C56B-7627-594D-9E57-57EB28FFE682}"/>
+              </a:ext>
+            </a:extLst>
+          </p:cNvPr>
+          <p:cNvSpPr/>
+          <p:nvPr/>
+        </p:nvSpPr>
+        <p:spPr>
+          <a:xfrm>
+            <a:off x="885334" y="1394945"/>
+            <a:ext cx="1541264" cy="634701"/>
+          </a:xfrm>
+          <a:prstGeom prst="roundRect">
+            <a:avLst/>
+          </a:prstGeom>
+        </p:spPr>
+        <p:style>
+          <a:lnRef idx="2">
+            <a:schemeClr val="accent1">
+              <a:shade val="50000"/>
+            </a:schemeClr>
+          </a:lnRef>
+          <a:fillRef idx="1">
+            <a:schemeClr val="accent1"/>
+          </a:fillRef>
+          <a:effectRef idx="0">
+            <a:schemeClr val="accent1"/>
+          </a:effectRef>
+          <a:fontRef idx="minor">
+            <a:schemeClr val="lt1"/>
+          </a:fontRef>
+        </p:style>
+        <p:txBody>
+          <a:bodyPr rtlCol="0" anchor="ctr"/>
+          <a:lstStyle/>
+          <a:p>
+            <a:pPr algn="ctr"/>
+            <a:r>
+              <a:rPr kumimoji="1" lang="en-US" altLang="zh-CN" dirty="0"/>
+              <a:t>8</a:t>
+            </a:r>
+            <a:r>
+              <a:rPr kumimoji="1" lang="zh-CN" altLang="en-US" dirty="0"/>
+              <a:t> 右护法</a:t>
+            </a:r>
+            <a:endParaRPr kumimoji="1" lang="en-US" altLang="zh-CN" dirty="0"/>
+          </a:p>
+          <a:p>
+            <a:pPr algn="ctr"/>
+            <a:r>
+              <a:rPr kumimoji="1" lang="en-US" altLang="zh-CN" dirty="0"/>
+              <a:t>500w</a:t>
+            </a:r>
+          </a:p>
+        </p:txBody>
+      </p:sp>
+      <p:cxnSp>
+        <p:nvCxnSpPr>
+          <p:cNvPr id="48" name="曲线连接符 47">
+            <a:extLst>
+              <a:ext uri="{FF2B5EF4-FFF2-40B4-BE49-F238E27FC236}">
+                <a16:creationId xmlns:a16="http://schemas.microsoft.com/office/drawing/2014/main" id="{B0B1215D-C395-F44E-928F-35A709952449}"/>
+              </a:ext>
+            </a:extLst>
+          </p:cNvPr>
+          <p:cNvCxnSpPr>
+            <a:cxnSpLocks/>
+            <a:stCxn id="19" idx="1"/>
+            <a:endCxn id="29" idx="2"/>
+          </p:cNvCxnSpPr>
+          <p:nvPr/>
+        </p:nvCxnSpPr>
+        <p:spPr>
+          <a:xfrm rot="10800000">
+            <a:off x="1655967" y="2029647"/>
+            <a:ext cx="1241595" cy="450075"/>
+          </a:xfrm>
+          <a:prstGeom prst="curvedConnector2">
+            <a:avLst/>
+          </a:prstGeom>
+          <a:ln>
+            <a:tailEnd type="triangle"/>
+          </a:ln>
+        </p:spPr>
+        <p:style>
+          <a:lnRef idx="1">
+            <a:schemeClr val="accent1"/>
+          </a:lnRef>
+          <a:fillRef idx="0">
+            <a:schemeClr val="accent1"/>
+          </a:fillRef>
+          <a:effectRef idx="0">
+            <a:schemeClr val="accent1"/>
+          </a:effectRef>
+          <a:fontRef idx="minor">
+            <a:schemeClr val="tx1"/>
+          </a:fontRef>
+        </p:style>
+      </p:cxnSp>
+      <p:sp>
+        <p:nvSpPr>
+          <p:cNvPr id="59" name="文本框 58">
+            <a:extLst>
+              <a:ext uri="{FF2B5EF4-FFF2-40B4-BE49-F238E27FC236}">
+                <a16:creationId xmlns:a16="http://schemas.microsoft.com/office/drawing/2014/main" id="{C94BBED9-BD92-C044-A29D-A12D94185CF5}"/>
+              </a:ext>
+            </a:extLst>
+          </p:cNvPr>
+          <p:cNvSpPr txBox="1"/>
+          <p:nvPr/>
+        </p:nvSpPr>
+        <p:spPr>
+          <a:xfrm>
+            <a:off x="5700837" y="2641967"/>
+            <a:ext cx="479618" cy="369332"/>
+          </a:xfrm>
+          <a:prstGeom prst="rect">
+            <a:avLst/>
+          </a:prstGeom>
+          <a:noFill/>
+        </p:spPr>
+        <p:txBody>
+          <a:bodyPr wrap="none" rtlCol="0">
+            <a:spAutoFit/>
+          </a:bodyPr>
+          <a:lstStyle/>
+          <a:p>
+            <a:r>
+              <a:rPr kumimoji="1" lang="en-US" altLang="zh-CN" dirty="0"/>
+              <a:t>0.5</a:t>
+            </a:r>
+            <a:endParaRPr kumimoji="1" lang="zh-CN" altLang="en-US" dirty="0"/>
+          </a:p>
+        </p:txBody>
+      </p:sp>
+      <p:sp>
+        <p:nvSpPr>
+          <p:cNvPr id="66" name="文本框 65">
+            <a:extLst>
+              <a:ext uri="{FF2B5EF4-FFF2-40B4-BE49-F238E27FC236}">
+                <a16:creationId xmlns:a16="http://schemas.microsoft.com/office/drawing/2014/main" id="{AE65E885-42E1-984C-8B64-89AE9044D0F8}"/>
+              </a:ext>
+            </a:extLst>
+          </p:cNvPr>
+          <p:cNvSpPr txBox="1"/>
+          <p:nvPr/>
+        </p:nvSpPr>
+        <p:spPr>
+          <a:xfrm>
+            <a:off x="2107734" y="1984845"/>
+            <a:ext cx="306494" cy="369332"/>
+          </a:xfrm>
+          <a:prstGeom prst="rect">
+            <a:avLst/>
+          </a:prstGeom>
+          <a:noFill/>
+        </p:spPr>
+        <p:txBody>
+          <a:bodyPr wrap="none" rtlCol="0">
+            <a:spAutoFit/>
+          </a:bodyPr>
+          <a:lstStyle/>
+          <a:p>
+            <a:r>
+              <a:rPr kumimoji="1" lang="en-US" altLang="zh-CN" dirty="0"/>
+              <a:t>1</a:t>
+            </a:r>
+            <a:endParaRPr kumimoji="1" lang="zh-CN" altLang="en-US" dirty="0"/>
+          </a:p>
+        </p:txBody>
+      </p:sp>
+      <p:sp>
+        <p:nvSpPr>
+          <p:cNvPr id="2" name="文本框 1">
+            <a:extLst>
+              <a:ext uri="{FF2B5EF4-FFF2-40B4-BE49-F238E27FC236}">
+                <a16:creationId xmlns:a16="http://schemas.microsoft.com/office/drawing/2014/main" id="{5E1495DE-1207-7244-8497-E0E431A95E56}"/>
+              </a:ext>
+            </a:extLst>
+          </p:cNvPr>
+          <p:cNvSpPr txBox="1"/>
+          <p:nvPr/>
+        </p:nvSpPr>
+        <p:spPr>
+          <a:xfrm>
+            <a:off x="2782759" y="2936558"/>
+            <a:ext cx="1136850" cy="369332"/>
+          </a:xfrm>
+          <a:prstGeom prst="rect">
+            <a:avLst/>
+          </a:prstGeom>
+          <a:noFill/>
+        </p:spPr>
+        <p:txBody>
+          <a:bodyPr wrap="none" rtlCol="0">
+            <a:spAutoFit/>
+          </a:bodyPr>
+          <a:lstStyle/>
+          <a:p>
+            <a:r>
+              <a:rPr kumimoji="1" lang="en-US" altLang="zh-CN" dirty="0" err="1"/>
+              <a:t>tailFact</a:t>
+            </a:r>
+            <a:r>
+              <a:rPr kumimoji="1" lang="en-US" altLang="zh-CN" dirty="0"/>
+              <a:t>(0)</a:t>
+            </a:r>
+            <a:endParaRPr kumimoji="1" lang="zh-CN" altLang="en-US" dirty="0"/>
+          </a:p>
+        </p:txBody>
+      </p:sp>
+      <p:sp>
+        <p:nvSpPr>
+          <p:cNvPr id="36" name="文本框 35">
+            <a:extLst>
+              <a:ext uri="{FF2B5EF4-FFF2-40B4-BE49-F238E27FC236}">
+                <a16:creationId xmlns:a16="http://schemas.microsoft.com/office/drawing/2014/main" id="{4DE9EE8F-299B-6749-BBAD-89C5E6719A46}"/>
+              </a:ext>
+            </a:extLst>
+          </p:cNvPr>
+          <p:cNvSpPr txBox="1"/>
+          <p:nvPr/>
+        </p:nvSpPr>
+        <p:spPr>
+          <a:xfrm>
+            <a:off x="635783" y="2055285"/>
+            <a:ext cx="1136850" cy="369332"/>
+          </a:xfrm>
+          <a:prstGeom prst="rect">
+            <a:avLst/>
+          </a:prstGeom>
+          <a:noFill/>
+        </p:spPr>
+        <p:txBody>
+          <a:bodyPr wrap="none" rtlCol="0">
+            <a:spAutoFit/>
+          </a:bodyPr>
+          <a:lstStyle/>
+          <a:p>
+            <a:r>
+              <a:rPr kumimoji="1" lang="en-US" altLang="zh-CN" dirty="0" err="1"/>
+              <a:t>tailFact</a:t>
+            </a:r>
+            <a:r>
+              <a:rPr kumimoji="1" lang="en-US" altLang="zh-CN" dirty="0"/>
+              <a:t>(1)</a:t>
+            </a:r>
+            <a:endParaRPr kumimoji="1" lang="zh-CN" altLang="en-US" dirty="0"/>
+          </a:p>
+        </p:txBody>
+      </p:sp>
+      <p:sp>
+        <p:nvSpPr>
+          <p:cNvPr id="43" name="文本框 42">
+            <a:extLst>
+              <a:ext uri="{FF2B5EF4-FFF2-40B4-BE49-F238E27FC236}">
+                <a16:creationId xmlns:a16="http://schemas.microsoft.com/office/drawing/2014/main" id="{AC33E39A-8752-4745-B361-3F75CEC7B73F}"/>
+              </a:ext>
+            </a:extLst>
+          </p:cNvPr>
+          <p:cNvSpPr txBox="1"/>
+          <p:nvPr/>
+        </p:nvSpPr>
+        <p:spPr>
+          <a:xfrm>
+            <a:off x="2800252" y="3258136"/>
+            <a:ext cx="1136850" cy="369332"/>
+          </a:xfrm>
+          <a:prstGeom prst="rect">
+            <a:avLst/>
+          </a:prstGeom>
+          <a:noFill/>
+        </p:spPr>
+        <p:txBody>
+          <a:bodyPr wrap="none" rtlCol="0">
+            <a:spAutoFit/>
+          </a:bodyPr>
+          <a:lstStyle/>
+          <a:p>
+            <a:r>
+              <a:rPr kumimoji="1" lang="en-US" altLang="zh-CN" dirty="0" err="1">
+                <a:solidFill>
+                  <a:srgbClr val="FF0000"/>
+                </a:solidFill>
+              </a:rPr>
+              <a:t>tailFact</a:t>
+            </a:r>
+            <a:r>
+              <a:rPr kumimoji="1" lang="en-US" altLang="zh-CN" dirty="0">
+                <a:solidFill>
+                  <a:srgbClr val="FF0000"/>
+                </a:solidFill>
+              </a:rPr>
+              <a:t>(8)</a:t>
+            </a:r>
+            <a:endParaRPr kumimoji="1" lang="zh-CN" altLang="en-US" dirty="0">
+              <a:solidFill>
+                <a:srgbClr val="FF0000"/>
+              </a:solidFill>
+            </a:endParaRPr>
+          </a:p>
+        </p:txBody>
+      </p:sp>
+      <p:sp>
+        <p:nvSpPr>
+          <p:cNvPr id="44" name="文本框 43">
+            <a:extLst>
+              <a:ext uri="{FF2B5EF4-FFF2-40B4-BE49-F238E27FC236}">
+                <a16:creationId xmlns:a16="http://schemas.microsoft.com/office/drawing/2014/main" id="{761231E1-D855-5F44-9928-98E66D52562F}"/>
+              </a:ext>
+            </a:extLst>
+          </p:cNvPr>
+          <p:cNvSpPr txBox="1"/>
+          <p:nvPr/>
+        </p:nvSpPr>
+        <p:spPr>
+          <a:xfrm>
+            <a:off x="559596" y="2486861"/>
+            <a:ext cx="1136850" cy="369332"/>
+          </a:xfrm>
+          <a:prstGeom prst="rect">
+            <a:avLst/>
+          </a:prstGeom>
+          <a:noFill/>
+        </p:spPr>
+        <p:txBody>
+          <a:bodyPr wrap="none" rtlCol="0">
+            <a:spAutoFit/>
+          </a:bodyPr>
+          <a:lstStyle/>
+          <a:p>
+            <a:r>
+              <a:rPr kumimoji="1" lang="en-US" altLang="zh-CN" dirty="0" err="1">
+                <a:solidFill>
+                  <a:srgbClr val="FF0000"/>
+                </a:solidFill>
+              </a:rPr>
+              <a:t>tailFact</a:t>
+            </a:r>
+            <a:r>
+              <a:rPr kumimoji="1" lang="en-US" altLang="zh-CN" dirty="0">
+                <a:solidFill>
+                  <a:srgbClr val="FF0000"/>
+                </a:solidFill>
+              </a:rPr>
+              <a:t>(9)</a:t>
+            </a:r>
+            <a:endParaRPr kumimoji="1" lang="zh-CN" altLang="en-US" dirty="0">
+              <a:solidFill>
+                <a:srgbClr val="FF0000"/>
+              </a:solidFill>
+            </a:endParaRPr>
+          </a:p>
+        </p:txBody>
+      </p:sp>
+      <p:sp>
+        <p:nvSpPr>
+          <p:cNvPr id="4" name="矩形 3">
+            <a:extLst>
+              <a:ext uri="{FF2B5EF4-FFF2-40B4-BE49-F238E27FC236}">
+                <a16:creationId xmlns:a16="http://schemas.microsoft.com/office/drawing/2014/main" id="{F18344DD-0EE9-0244-9101-1EEF20AB447C}"/>
+              </a:ext>
+            </a:extLst>
+          </p:cNvPr>
+          <p:cNvSpPr/>
+          <p:nvPr/>
+        </p:nvSpPr>
+        <p:spPr>
+          <a:xfrm>
+            <a:off x="8244716" y="4167434"/>
+            <a:ext cx="4353261" cy="1938992"/>
+          </a:xfrm>
+          <a:prstGeom prst="rect">
+            <a:avLst/>
+          </a:prstGeom>
+        </p:spPr>
+        <p:txBody>
+          <a:bodyPr wrap="square">
+            <a:spAutoFit/>
+          </a:bodyPr>
+          <a:lstStyle/>
+          <a:p>
+            <a:r>
+              <a:rPr lang="en-US" altLang="zh-CN" sz="1200" dirty="0"/>
+              <a:t>old</a:t>
+            </a:r>
+          </a:p>
+          <a:p>
+            <a:r>
+              <a:rPr lang="zh-CN" altLang="en-US" sz="1200" dirty="0"/>
+              <a:t>Map(</a:t>
+            </a:r>
+            <a:endParaRPr lang="en-US" altLang="zh-CN" sz="1200" dirty="0"/>
+          </a:p>
+          <a:p>
+            <a:r>
+              <a:rPr lang="zh-CN" altLang="en-US" sz="1200" dirty="0"/>
+              <a:t>5 -&gt; investmentInfo(5 左护法,0.250000,500.0,2,6,false), </a:t>
+            </a:r>
+            <a:endParaRPr lang="en-US" altLang="zh-CN" sz="1200" dirty="0"/>
+          </a:p>
+          <a:p>
+            <a:r>
+              <a:rPr lang="zh-CN" altLang="en-US" sz="1200" dirty="0"/>
+              <a:t>10 -&gt; investmentInfo(10 右护法,0.500000,500.0,2,4,false),</a:t>
+            </a:r>
+            <a:endParaRPr lang="en-US" altLang="zh-CN" sz="1200" dirty="0"/>
+          </a:p>
+          <a:p>
+            <a:r>
+              <a:rPr lang="zh-CN" altLang="en-US" sz="1200" dirty="0"/>
+              <a:t>6 -&gt; investmentInfo(6 左护法,0.250000,500.0,2,7,false), </a:t>
+            </a:r>
+            <a:endParaRPr lang="en-US" altLang="zh-CN" sz="1200" dirty="0"/>
+          </a:p>
+          <a:p>
+            <a:r>
+              <a:rPr lang="zh-CN" altLang="en-US" sz="1200" dirty="0"/>
+              <a:t>9 -&gt; investmentInfo(9 右护法,0.500000,500.0,2,3,false), </a:t>
+            </a:r>
+            <a:endParaRPr lang="en-US" altLang="zh-CN" sz="1200" dirty="0"/>
+          </a:p>
+          <a:p>
+            <a:r>
+              <a:rPr lang="zh-CN" altLang="en-US" sz="1200" dirty="0"/>
+              <a:t>7 -&gt; investmentInfo(7 左护法,0.250000,500.0,2,8,false), </a:t>
+            </a:r>
+            <a:endParaRPr lang="en-US" altLang="zh-CN" sz="1200" dirty="0"/>
+          </a:p>
+          <a:p>
+            <a:r>
+              <a:rPr lang="zh-CN" altLang="en-US" sz="1200" dirty="0"/>
+              <a:t>3 -&gt; investmentInfo(3 左护法,0.250000,1000.0,2,5,false), </a:t>
+            </a:r>
+            <a:endParaRPr lang="en-US" altLang="zh-CN" sz="1200" dirty="0"/>
+          </a:p>
+          <a:p>
+            <a:r>
+              <a:rPr lang="zh-CN" altLang="en-US" sz="1200" dirty="0"/>
+              <a:t>8 -&gt; investmentInfo(8 右护法,0.500000,500.0,2,2,false),</a:t>
+            </a:r>
+            <a:endParaRPr lang="en-US" altLang="zh-CN" sz="1200" dirty="0"/>
+          </a:p>
+          <a:p>
+            <a:r>
+              <a:rPr lang="zh-CN" altLang="en-US" sz="1200" dirty="0"/>
+              <a:t>4 -&gt; investmentInfo(4 右护法,0.625000,1000.0,2,9,false))</a:t>
+            </a:r>
+          </a:p>
+        </p:txBody>
+      </p:sp>
+      <p:sp>
+        <p:nvSpPr>
+          <p:cNvPr id="5" name="矩形 4">
+            <a:extLst>
+              <a:ext uri="{FF2B5EF4-FFF2-40B4-BE49-F238E27FC236}">
+                <a16:creationId xmlns:a16="http://schemas.microsoft.com/office/drawing/2014/main" id="{D6DB2748-E4B6-FD49-8FD3-0AEEC66538C4}"/>
+              </a:ext>
+            </a:extLst>
+          </p:cNvPr>
+          <p:cNvSpPr/>
+          <p:nvPr/>
+        </p:nvSpPr>
+        <p:spPr>
+          <a:xfrm>
+            <a:off x="4006204" y="4146943"/>
+            <a:ext cx="4238512" cy="1938992"/>
+          </a:xfrm>
+          <a:prstGeom prst="rect">
+            <a:avLst/>
+          </a:prstGeom>
+        </p:spPr>
+        <p:txBody>
+          <a:bodyPr wrap="square">
+            <a:spAutoFit/>
+          </a:bodyPr>
+          <a:lstStyle/>
+          <a:p>
+            <a:r>
+              <a:rPr lang="en-US" altLang="zh-CN" sz="1200" dirty="0"/>
+              <a:t>New</a:t>
+            </a:r>
+          </a:p>
+          <a:p>
+            <a:r>
+              <a:rPr lang="zh-CN" altLang="en-US" sz="1200" dirty="0"/>
+              <a:t>Map(</a:t>
+            </a:r>
+            <a:endParaRPr lang="en-US" altLang="zh-CN" sz="1200" dirty="0"/>
+          </a:p>
+          <a:p>
+            <a:r>
+              <a:rPr lang="zh-CN" altLang="en-US" sz="1200" dirty="0"/>
+              <a:t>5 -&gt; investmentInfo(5 左护法,0.312500,500.0,2,6,true), </a:t>
+            </a:r>
+            <a:endParaRPr lang="en-US" altLang="zh-CN" sz="1200" dirty="0"/>
+          </a:p>
+          <a:p>
+            <a:r>
+              <a:rPr lang="zh-CN" altLang="en-US" sz="1200" dirty="0"/>
+              <a:t>10 -&gt; investmentInfo(10 右护法,0.625000,500.0,2,4,false), </a:t>
+            </a:r>
+            <a:endParaRPr lang="en-US" altLang="zh-CN" sz="1200" dirty="0"/>
+          </a:p>
+          <a:p>
+            <a:r>
+              <a:rPr lang="zh-CN" altLang="en-US" sz="1200" dirty="0"/>
+              <a:t>6 -&gt; investmentInfo(6 左护法,0.312500,500.0,2,7,false), </a:t>
+            </a:r>
+            <a:endParaRPr lang="en-US" altLang="zh-CN" sz="1200" dirty="0"/>
+          </a:p>
+          <a:p>
+            <a:r>
+              <a:rPr lang="zh-CN" altLang="en-US" sz="1200" dirty="0"/>
+              <a:t>9 -&gt; investmentInfo(9 右护法,0.625000,500.0,2,3,false), </a:t>
+            </a:r>
+            <a:endParaRPr lang="en-US" altLang="zh-CN" sz="1200" dirty="0"/>
+          </a:p>
+          <a:p>
+            <a:r>
+              <a:rPr lang="zh-CN" altLang="en-US" sz="1200" dirty="0"/>
+              <a:t>7 -&gt; investmentInfo(7 左护法,0.312500,500.0,2,8,false), </a:t>
+            </a:r>
+            <a:endParaRPr lang="en-US" altLang="zh-CN" sz="1200" dirty="0"/>
+          </a:p>
+          <a:p>
+            <a:r>
+              <a:rPr lang="zh-CN" altLang="en-US" sz="1200" dirty="0"/>
+              <a:t>3 -&gt; investmentInfo(3 左护法,0.312500,1000.0,2,5,false), </a:t>
+            </a:r>
+            <a:endParaRPr lang="en-US" altLang="zh-CN" sz="1200" dirty="0"/>
+          </a:p>
+          <a:p>
+            <a:r>
+              <a:rPr lang="zh-CN" altLang="en-US" sz="1200" dirty="0"/>
+              <a:t>8 -&gt; investmentInfo(8 右护法,0.781250,500.0,2,10,false), </a:t>
+            </a:r>
+            <a:endParaRPr lang="en-US" altLang="zh-CN" sz="1200" dirty="0"/>
+          </a:p>
+          <a:p>
+            <a:r>
+              <a:rPr lang="zh-CN" altLang="en-US" sz="1200" dirty="0"/>
+              <a:t>4 -&gt; investmentInfo(4 右护法,0.156250,1000.0,2,9,false))</a:t>
+            </a:r>
+          </a:p>
+        </p:txBody>
+      </p:sp>
+      <p:sp>
+        <p:nvSpPr>
+          <p:cNvPr id="47" name="圆角矩形 46">
+            <a:extLst>
+              <a:ext uri="{FF2B5EF4-FFF2-40B4-BE49-F238E27FC236}">
+                <a16:creationId xmlns:a16="http://schemas.microsoft.com/office/drawing/2014/main" id="{D6E52DBF-A443-2D4D-A7A7-2CC7008812F5}"/>
+              </a:ext>
+            </a:extLst>
+          </p:cNvPr>
+          <p:cNvSpPr/>
+          <p:nvPr/>
+        </p:nvSpPr>
+        <p:spPr>
+          <a:xfrm>
+            <a:off x="5639940" y="1263822"/>
+            <a:ext cx="1367119" cy="634701"/>
+          </a:xfrm>
+          <a:prstGeom prst="roundRect">
+            <a:avLst/>
+          </a:prstGeom>
+        </p:spPr>
+        <p:style>
+          <a:lnRef idx="2">
+            <a:schemeClr val="accent1">
+              <a:shade val="50000"/>
+            </a:schemeClr>
+          </a:lnRef>
+          <a:fillRef idx="1">
+            <a:schemeClr val="accent1"/>
+          </a:fillRef>
+          <a:effectRef idx="0">
+            <a:schemeClr val="accent1"/>
+          </a:effectRef>
+          <a:fontRef idx="minor">
+            <a:schemeClr val="lt1"/>
+          </a:fontRef>
+        </p:style>
+        <p:txBody>
+          <a:bodyPr rtlCol="0" anchor="ctr"/>
+          <a:lstStyle/>
+          <a:p>
+            <a:pPr algn="ctr"/>
+            <a:r>
+              <a:rPr kumimoji="1" lang="en-US" altLang="zh-CN" dirty="0"/>
+              <a:t>7</a:t>
+            </a:r>
+            <a:r>
+              <a:rPr kumimoji="1" lang="zh-CN" altLang="en-US" dirty="0"/>
+              <a:t> 左护法</a:t>
+            </a:r>
+            <a:endParaRPr kumimoji="1" lang="en-US" altLang="zh-CN" dirty="0"/>
+          </a:p>
+          <a:p>
+            <a:pPr algn="ctr"/>
+            <a:r>
+              <a:rPr kumimoji="1" lang="en-US" altLang="zh-CN" dirty="0"/>
+              <a:t>500w</a:t>
+            </a:r>
+            <a:endParaRPr kumimoji="1" lang="zh-CN" altLang="en-US" dirty="0"/>
+          </a:p>
+        </p:txBody>
+      </p:sp>
+      <p:cxnSp>
+        <p:nvCxnSpPr>
+          <p:cNvPr id="49" name="曲线连接符 48">
+            <a:extLst>
+              <a:ext uri="{FF2B5EF4-FFF2-40B4-BE49-F238E27FC236}">
+                <a16:creationId xmlns:a16="http://schemas.microsoft.com/office/drawing/2014/main" id="{57E2D82B-86D8-164D-BD2B-926A01E9B8A4}"/>
+              </a:ext>
+            </a:extLst>
+          </p:cNvPr>
+          <p:cNvCxnSpPr>
+            <a:cxnSpLocks/>
+            <a:endCxn id="19" idx="3"/>
+          </p:cNvCxnSpPr>
+          <p:nvPr/>
+        </p:nvCxnSpPr>
+        <p:spPr>
+          <a:xfrm rot="10800000" flipV="1">
+            <a:off x="4438825" y="1589317"/>
+            <a:ext cx="1919598" cy="890404"/>
+          </a:xfrm>
+          <a:prstGeom prst="curvedConnector3">
+            <a:avLst>
+              <a:gd name="adj1" fmla="val 50000"/>
+            </a:avLst>
+          </a:prstGeom>
+          <a:ln>
+            <a:tailEnd type="triangle"/>
+          </a:ln>
+        </p:spPr>
+        <p:style>
+          <a:lnRef idx="1">
+            <a:schemeClr val="accent1"/>
+          </a:lnRef>
+          <a:fillRef idx="0">
+            <a:schemeClr val="accent1"/>
+          </a:fillRef>
+          <a:effectRef idx="0">
+            <a:schemeClr val="accent1"/>
+          </a:effectRef>
+          <a:fontRef idx="minor">
+            <a:schemeClr val="tx1"/>
+          </a:fontRef>
+        </p:style>
+      </p:cxnSp>
+      <p:sp>
+        <p:nvSpPr>
+          <p:cNvPr id="50" name="文本框 49">
+            <a:extLst>
+              <a:ext uri="{FF2B5EF4-FFF2-40B4-BE49-F238E27FC236}">
+                <a16:creationId xmlns:a16="http://schemas.microsoft.com/office/drawing/2014/main" id="{C8CAE788-2E32-934A-966C-7E5921EE1607}"/>
+              </a:ext>
+            </a:extLst>
+          </p:cNvPr>
+          <p:cNvSpPr txBox="1"/>
+          <p:nvPr/>
+        </p:nvSpPr>
+        <p:spPr>
+          <a:xfrm>
+            <a:off x="5346362" y="2083470"/>
+            <a:ext cx="479618" cy="369332"/>
+          </a:xfrm>
+          <a:prstGeom prst="rect">
+            <a:avLst/>
+          </a:prstGeom>
+          <a:noFill/>
+        </p:spPr>
+        <p:txBody>
+          <a:bodyPr wrap="square" rtlCol="0">
+            <a:spAutoFit/>
+          </a:bodyPr>
+          <a:lstStyle/>
+          <a:p>
+            <a:r>
+              <a:rPr kumimoji="1" lang="en-US" altLang="zh-CN" dirty="0"/>
+              <a:t>0.5</a:t>
+            </a:r>
+            <a:endParaRPr kumimoji="1" lang="zh-CN" altLang="en-US" dirty="0"/>
+          </a:p>
+        </p:txBody>
+      </p:sp>
+      <p:sp>
+        <p:nvSpPr>
+          <p:cNvPr id="51" name="文本框 50">
+            <a:extLst>
+              <a:ext uri="{FF2B5EF4-FFF2-40B4-BE49-F238E27FC236}">
+                <a16:creationId xmlns:a16="http://schemas.microsoft.com/office/drawing/2014/main" id="{62F8232C-9EA9-4B47-89C0-FF6BF1804BF6}"/>
+              </a:ext>
+            </a:extLst>
+          </p:cNvPr>
+          <p:cNvSpPr txBox="1"/>
+          <p:nvPr/>
+        </p:nvSpPr>
+        <p:spPr>
+          <a:xfrm>
+            <a:off x="7107866" y="1480357"/>
+            <a:ext cx="1136850" cy="369332"/>
+          </a:xfrm>
+          <a:prstGeom prst="rect">
+            <a:avLst/>
+          </a:prstGeom>
+          <a:noFill/>
+        </p:spPr>
+        <p:txBody>
+          <a:bodyPr wrap="square" rtlCol="0">
+            <a:spAutoFit/>
+          </a:bodyPr>
+          <a:lstStyle/>
+          <a:p>
+            <a:r>
+              <a:rPr kumimoji="1" lang="en-US" altLang="zh-CN" dirty="0" err="1"/>
+              <a:t>tailFact</a:t>
+            </a:r>
+            <a:r>
+              <a:rPr kumimoji="1" lang="en-US" altLang="zh-CN" dirty="0"/>
+              <a:t>(7)</a:t>
+            </a:r>
+            <a:endParaRPr kumimoji="1" lang="zh-CN" altLang="en-US" dirty="0"/>
+          </a:p>
+        </p:txBody>
+      </p:sp>
+      <p:sp>
+        <p:nvSpPr>
+          <p:cNvPr id="8" name="文本框 7">
+            <a:extLst>
+              <a:ext uri="{FF2B5EF4-FFF2-40B4-BE49-F238E27FC236}">
+                <a16:creationId xmlns:a16="http://schemas.microsoft.com/office/drawing/2014/main" id="{DDDD8D19-6C15-134C-B94C-3204AB052B03}"/>
+              </a:ext>
+            </a:extLst>
+          </p:cNvPr>
+          <p:cNvSpPr txBox="1"/>
+          <p:nvPr/>
+        </p:nvSpPr>
+        <p:spPr>
+          <a:xfrm>
+            <a:off x="344245" y="4550485"/>
+            <a:ext cx="3550023" cy="923330"/>
+          </a:xfrm>
+          <a:prstGeom prst="rect">
+            <a:avLst/>
+          </a:prstGeom>
+          <a:noFill/>
+        </p:spPr>
+        <p:txBody>
+          <a:bodyPr wrap="square" rtlCol="0">
+            <a:spAutoFit/>
+          </a:bodyPr>
+          <a:lstStyle/>
+          <a:p>
+            <a:r>
+              <a:rPr kumimoji="1" lang="zh-CN" altLang="en-US" dirty="0"/>
+              <a:t>这时候需要搞明白这个</a:t>
+            </a:r>
+            <a:r>
+              <a:rPr kumimoji="1" lang="en-US" altLang="zh-CN" dirty="0"/>
+              <a:t>new</a:t>
+            </a:r>
+            <a:r>
+              <a:rPr kumimoji="1" lang="zh-CN" altLang="en-US" dirty="0"/>
+              <a:t>是怎么来的，这就要看上一层 </a:t>
+            </a:r>
+            <a:r>
+              <a:rPr kumimoji="1" lang="en-US" altLang="zh-CN" dirty="0"/>
+              <a:t>8</a:t>
+            </a:r>
+            <a:r>
+              <a:rPr kumimoji="1" lang="zh-CN" altLang="en-US" dirty="0"/>
+              <a:t> 右护法传了什么消息给他？</a:t>
+            </a:r>
+          </a:p>
+        </p:txBody>
+      </p:sp>
+      <p:sp>
+        <p:nvSpPr>
+          <p:cNvPr id="10" name="矩形 9">
+            <a:extLst>
+              <a:ext uri="{FF2B5EF4-FFF2-40B4-BE49-F238E27FC236}">
+                <a16:creationId xmlns:a16="http://schemas.microsoft.com/office/drawing/2014/main" id="{BD0EC7F1-ED8F-064A-B44E-7AC0CACC9FC0}"/>
+              </a:ext>
+            </a:extLst>
+          </p:cNvPr>
+          <p:cNvSpPr/>
+          <p:nvPr/>
+        </p:nvSpPr>
+        <p:spPr>
+          <a:xfrm>
+            <a:off x="3932980" y="3222327"/>
+            <a:ext cx="8131201" cy="3243019"/>
+          </a:xfrm>
+          <a:prstGeom prst="rect">
+            <a:avLst/>
+          </a:prstGeom>
+          <a:noFill/>
+          <a:ln w="25400">
+            <a:solidFill>
+              <a:srgbClr val="FFC000"/>
+            </a:solidFill>
+            <a:prstDash val="lgDash"/>
+          </a:ln>
+        </p:spPr>
+        <p:style>
+          <a:lnRef idx="2">
+            <a:schemeClr val="accent1">
+              <a:shade val="50000"/>
+            </a:schemeClr>
+          </a:lnRef>
+          <a:fillRef idx="1">
+            <a:schemeClr val="accent1"/>
+          </a:fillRef>
+          <a:effectRef idx="0">
+            <a:schemeClr val="accent1"/>
+          </a:effectRef>
+          <a:fontRef idx="minor">
+            <a:schemeClr val="lt1"/>
+          </a:fontRef>
+        </p:style>
+        <p:txBody>
+          <a:bodyPr rtlCol="0" anchor="ctr"/>
+          <a:lstStyle/>
+          <a:p>
+            <a:pPr algn="ctr"/>
+            <a:endParaRPr kumimoji="1" lang="zh-CN" altLang="en-US" dirty="0"/>
+          </a:p>
+        </p:txBody>
+      </p:sp>
+    </p:spTree>
+    <p:extLst>
+      <p:ext uri="{BB962C8B-B14F-4D97-AF65-F5344CB8AC3E}">
+        <p14:creationId xmlns:p14="http://schemas.microsoft.com/office/powerpoint/2010/main" val="366506033"/>
       </p:ext>
     </p:extLst>
   </p:cSld>
@@ -17852,6 +23300,879 @@
     <p:extLst>
       <p:ext uri="{BB962C8B-B14F-4D97-AF65-F5344CB8AC3E}">
         <p14:creationId xmlns:p14="http://schemas.microsoft.com/office/powerpoint/2010/main" val="3658074812"/>
+      </p:ext>
+    </p:extLst>
+  </p:cSld>
+  <p:clrMapOvr>
+    <a:masterClrMapping/>
+  </p:clrMapOvr>
+</p:sld>
+</file>
+
+<file path=ppt/slides/slide30.xml><?xml version="1.0" encoding="utf-8"?>
+<p:sld xmlns:a="http://schemas.openxmlformats.org/drawingml/2006/main" xmlns:r="http://schemas.openxmlformats.org/officeDocument/2006/relationships" xmlns:p="http://schemas.openxmlformats.org/presentationml/2006/main">
+  <p:cSld>
+    <p:spTree>
+      <p:nvGrpSpPr>
+        <p:cNvPr id="1" name=""/>
+        <p:cNvGrpSpPr/>
+        <p:nvPr/>
+      </p:nvGrpSpPr>
+      <p:grpSpPr>
+        <a:xfrm>
+          <a:off x="0" y="0"/>
+          <a:ext cx="0" cy="0"/>
+          <a:chOff x="0" y="0"/>
+          <a:chExt cx="0" cy="0"/>
+        </a:xfrm>
+      </p:grpSpPr>
+      <p:sp>
+        <p:nvSpPr>
+          <p:cNvPr id="26" name="圆角矩形 25">
+            <a:extLst>
+              <a:ext uri="{FF2B5EF4-FFF2-40B4-BE49-F238E27FC236}">
+                <a16:creationId xmlns:a16="http://schemas.microsoft.com/office/drawing/2014/main" id="{526CBEE1-1AD1-F44D-91B6-AC0954CDA066}"/>
+              </a:ext>
+            </a:extLst>
+          </p:cNvPr>
+          <p:cNvSpPr/>
+          <p:nvPr/>
+        </p:nvSpPr>
+        <p:spPr>
+          <a:xfrm>
+            <a:off x="9991668" y="4732877"/>
+            <a:ext cx="1367119" cy="634701"/>
+          </a:xfrm>
+          <a:prstGeom prst="roundRect">
+            <a:avLst/>
+          </a:prstGeom>
+        </p:spPr>
+        <p:style>
+          <a:lnRef idx="2">
+            <a:schemeClr val="accent1">
+              <a:shade val="50000"/>
+            </a:schemeClr>
+          </a:lnRef>
+          <a:fillRef idx="1">
+            <a:schemeClr val="accent1"/>
+          </a:fillRef>
+          <a:effectRef idx="0">
+            <a:schemeClr val="accent1"/>
+          </a:effectRef>
+          <a:fontRef idx="minor">
+            <a:schemeClr val="lt1"/>
+          </a:fontRef>
+        </p:style>
+        <p:txBody>
+          <a:bodyPr rtlCol="0" anchor="ctr"/>
+          <a:lstStyle/>
+          <a:p>
+            <a:pPr algn="ctr"/>
+            <a:r>
+              <a:rPr kumimoji="1" lang="en-US" altLang="zh-CN" dirty="0"/>
+              <a:t>3</a:t>
+            </a:r>
+            <a:r>
+              <a:rPr kumimoji="1" lang="zh-CN" altLang="en-US" dirty="0"/>
+              <a:t> 左护法</a:t>
+            </a:r>
+            <a:endParaRPr kumimoji="1" lang="en-US" altLang="zh-CN" dirty="0"/>
+          </a:p>
+          <a:p>
+            <a:pPr algn="ctr"/>
+            <a:r>
+              <a:rPr kumimoji="1" lang="en-US" altLang="zh-CN" dirty="0"/>
+              <a:t>2500w</a:t>
+            </a:r>
+            <a:endParaRPr kumimoji="1" lang="zh-CN" altLang="en-US" dirty="0"/>
+          </a:p>
+        </p:txBody>
+      </p:sp>
+      <p:sp>
+        <p:nvSpPr>
+          <p:cNvPr id="33" name="圆角矩形 32">
+            <a:extLst>
+              <a:ext uri="{FF2B5EF4-FFF2-40B4-BE49-F238E27FC236}">
+                <a16:creationId xmlns:a16="http://schemas.microsoft.com/office/drawing/2014/main" id="{9AD04DA3-25D5-1C4D-A836-148D56326A38}"/>
+              </a:ext>
+            </a:extLst>
+          </p:cNvPr>
+          <p:cNvSpPr/>
+          <p:nvPr/>
+        </p:nvSpPr>
+        <p:spPr>
+          <a:xfrm>
+            <a:off x="9904595" y="6014830"/>
+            <a:ext cx="1541264" cy="634701"/>
+          </a:xfrm>
+          <a:prstGeom prst="roundRect">
+            <a:avLst/>
+          </a:prstGeom>
+        </p:spPr>
+        <p:style>
+          <a:lnRef idx="2">
+            <a:schemeClr val="accent1">
+              <a:shade val="50000"/>
+            </a:schemeClr>
+          </a:lnRef>
+          <a:fillRef idx="1">
+            <a:schemeClr val="accent1"/>
+          </a:fillRef>
+          <a:effectRef idx="0">
+            <a:schemeClr val="accent1"/>
+          </a:effectRef>
+          <a:fontRef idx="minor">
+            <a:schemeClr val="lt1"/>
+          </a:fontRef>
+        </p:style>
+        <p:txBody>
+          <a:bodyPr rtlCol="0" anchor="ctr"/>
+          <a:lstStyle/>
+          <a:p>
+            <a:pPr algn="ctr"/>
+            <a:r>
+              <a:rPr kumimoji="1" lang="en-US" altLang="zh-CN" dirty="0"/>
+              <a:t>4</a:t>
+            </a:r>
+            <a:r>
+              <a:rPr kumimoji="1" lang="zh-CN" altLang="en-US" dirty="0"/>
+              <a:t> 右护法</a:t>
+            </a:r>
+            <a:endParaRPr kumimoji="1" lang="en-US" altLang="zh-CN" dirty="0"/>
+          </a:p>
+          <a:p>
+            <a:pPr algn="ctr"/>
+            <a:r>
+              <a:rPr kumimoji="1" lang="en-US" altLang="zh-CN" dirty="0"/>
+              <a:t>500w</a:t>
+            </a:r>
+            <a:endParaRPr kumimoji="1" lang="zh-CN" altLang="en-US" dirty="0"/>
+          </a:p>
+        </p:txBody>
+      </p:sp>
+      <p:cxnSp>
+        <p:nvCxnSpPr>
+          <p:cNvPr id="35" name="曲线连接符 34">
+            <a:extLst>
+              <a:ext uri="{FF2B5EF4-FFF2-40B4-BE49-F238E27FC236}">
+                <a16:creationId xmlns:a16="http://schemas.microsoft.com/office/drawing/2014/main" id="{DCDEEBC9-C270-DF4F-BC23-88D488D75843}"/>
+              </a:ext>
+            </a:extLst>
+          </p:cNvPr>
+          <p:cNvCxnSpPr>
+            <a:cxnSpLocks/>
+            <a:stCxn id="33" idx="1"/>
+            <a:endCxn id="26" idx="1"/>
+          </p:cNvCxnSpPr>
+          <p:nvPr/>
+        </p:nvCxnSpPr>
+        <p:spPr>
+          <a:xfrm rot="10800000" flipH="1">
+            <a:off x="9904594" y="5050229"/>
+            <a:ext cx="87073" cy="1281953"/>
+          </a:xfrm>
+          <a:prstGeom prst="curvedConnector3">
+            <a:avLst>
+              <a:gd name="adj1" fmla="val -262538"/>
+            </a:avLst>
+          </a:prstGeom>
+          <a:ln>
+            <a:tailEnd type="triangle"/>
+          </a:ln>
+        </p:spPr>
+        <p:style>
+          <a:lnRef idx="1">
+            <a:schemeClr val="accent1"/>
+          </a:lnRef>
+          <a:fillRef idx="0">
+            <a:schemeClr val="accent1"/>
+          </a:fillRef>
+          <a:effectRef idx="0">
+            <a:schemeClr val="accent1"/>
+          </a:effectRef>
+          <a:fontRef idx="minor">
+            <a:schemeClr val="tx1"/>
+          </a:fontRef>
+        </p:style>
+      </p:cxnSp>
+      <p:sp>
+        <p:nvSpPr>
+          <p:cNvPr id="3" name="文本框 2">
+            <a:extLst>
+              <a:ext uri="{FF2B5EF4-FFF2-40B4-BE49-F238E27FC236}">
+                <a16:creationId xmlns:a16="http://schemas.microsoft.com/office/drawing/2014/main" id="{2A2FBB20-DC04-9149-BB4A-6772BB523FB8}"/>
+              </a:ext>
+            </a:extLst>
+          </p:cNvPr>
+          <p:cNvSpPr txBox="1"/>
+          <p:nvPr/>
+        </p:nvSpPr>
+        <p:spPr>
+          <a:xfrm>
+            <a:off x="645458" y="537882"/>
+            <a:ext cx="3238387" cy="707886"/>
+          </a:xfrm>
+          <a:prstGeom prst="rect">
+            <a:avLst/>
+          </a:prstGeom>
+          <a:noFill/>
+        </p:spPr>
+        <p:txBody>
+          <a:bodyPr wrap="none" rtlCol="0">
+            <a:spAutoFit/>
+          </a:bodyPr>
+          <a:lstStyle/>
+          <a:p>
+            <a:r>
+              <a:rPr kumimoji="1" lang="en-US" altLang="zh-CN" sz="4000" dirty="0"/>
+              <a:t>G</a:t>
+            </a:r>
+            <a:r>
+              <a:rPr kumimoji="1" lang="zh-CN" altLang="en-US" sz="4000" dirty="0"/>
+              <a:t> 有向有环图</a:t>
+            </a:r>
+          </a:p>
+        </p:txBody>
+      </p:sp>
+      <p:cxnSp>
+        <p:nvCxnSpPr>
+          <p:cNvPr id="36" name="曲线连接符 35">
+            <a:extLst>
+              <a:ext uri="{FF2B5EF4-FFF2-40B4-BE49-F238E27FC236}">
+                <a16:creationId xmlns:a16="http://schemas.microsoft.com/office/drawing/2014/main" id="{B857C210-51C5-6E46-A3AE-EC68D4F9FD29}"/>
+              </a:ext>
+            </a:extLst>
+          </p:cNvPr>
+          <p:cNvCxnSpPr>
+            <a:cxnSpLocks/>
+            <a:stCxn id="26" idx="3"/>
+            <a:endCxn id="33" idx="3"/>
+          </p:cNvCxnSpPr>
+          <p:nvPr/>
+        </p:nvCxnSpPr>
+        <p:spPr>
+          <a:xfrm>
+            <a:off x="11358787" y="5050228"/>
+            <a:ext cx="87072" cy="1281953"/>
+          </a:xfrm>
+          <a:prstGeom prst="curvedConnector3">
+            <a:avLst>
+              <a:gd name="adj1" fmla="val 362541"/>
+            </a:avLst>
+          </a:prstGeom>
+          <a:ln>
+            <a:tailEnd type="triangle"/>
+          </a:ln>
+        </p:spPr>
+        <p:style>
+          <a:lnRef idx="1">
+            <a:schemeClr val="accent1"/>
+          </a:lnRef>
+          <a:fillRef idx="0">
+            <a:schemeClr val="accent1"/>
+          </a:fillRef>
+          <a:effectRef idx="0">
+            <a:schemeClr val="accent1"/>
+          </a:effectRef>
+          <a:fontRef idx="minor">
+            <a:schemeClr val="tx1"/>
+          </a:fontRef>
+        </p:style>
+      </p:cxnSp>
+      <p:sp>
+        <p:nvSpPr>
+          <p:cNvPr id="58" name="文本框 57">
+            <a:extLst>
+              <a:ext uri="{FF2B5EF4-FFF2-40B4-BE49-F238E27FC236}">
+                <a16:creationId xmlns:a16="http://schemas.microsoft.com/office/drawing/2014/main" id="{2DBC2FAF-D969-574F-93C3-7DF03F0B0F1C}"/>
+              </a:ext>
+            </a:extLst>
+          </p:cNvPr>
+          <p:cNvSpPr txBox="1"/>
+          <p:nvPr/>
+        </p:nvSpPr>
+        <p:spPr>
+          <a:xfrm>
+            <a:off x="9013583" y="5487679"/>
+            <a:ext cx="550151" cy="369332"/>
+          </a:xfrm>
+          <a:prstGeom prst="rect">
+            <a:avLst/>
+          </a:prstGeom>
+          <a:noFill/>
+        </p:spPr>
+        <p:txBody>
+          <a:bodyPr wrap="none" rtlCol="0">
+            <a:spAutoFit/>
+          </a:bodyPr>
+          <a:lstStyle/>
+          <a:p>
+            <a:r>
+              <a:rPr kumimoji="1" lang="en-US" altLang="zh-CN" dirty="0"/>
+              <a:t>500</a:t>
+            </a:r>
+            <a:endParaRPr kumimoji="1" lang="zh-CN" altLang="en-US" dirty="0"/>
+          </a:p>
+        </p:txBody>
+      </p:sp>
+      <p:sp>
+        <p:nvSpPr>
+          <p:cNvPr id="59" name="文本框 58">
+            <a:extLst>
+              <a:ext uri="{FF2B5EF4-FFF2-40B4-BE49-F238E27FC236}">
+                <a16:creationId xmlns:a16="http://schemas.microsoft.com/office/drawing/2014/main" id="{6755C7F7-CD26-BE42-AF57-D0F9E9433A7C}"/>
+              </a:ext>
+            </a:extLst>
+          </p:cNvPr>
+          <p:cNvSpPr txBox="1"/>
+          <p:nvPr/>
+        </p:nvSpPr>
+        <p:spPr>
+          <a:xfrm>
+            <a:off x="11641849" y="5411502"/>
+            <a:ext cx="550151" cy="369332"/>
+          </a:xfrm>
+          <a:prstGeom prst="rect">
+            <a:avLst/>
+          </a:prstGeom>
+          <a:noFill/>
+        </p:spPr>
+        <p:txBody>
+          <a:bodyPr wrap="none" rtlCol="0">
+            <a:spAutoFit/>
+          </a:bodyPr>
+          <a:lstStyle/>
+          <a:p>
+            <a:r>
+              <a:rPr kumimoji="1" lang="en-US" altLang="zh-CN" dirty="0"/>
+              <a:t>500</a:t>
+            </a:r>
+            <a:endParaRPr kumimoji="1" lang="zh-CN" altLang="en-US" dirty="0"/>
+          </a:p>
+        </p:txBody>
+      </p:sp>
+      <p:sp>
+        <p:nvSpPr>
+          <p:cNvPr id="19" name="圆角矩形 18">
+            <a:extLst>
+              <a:ext uri="{FF2B5EF4-FFF2-40B4-BE49-F238E27FC236}">
+                <a16:creationId xmlns:a16="http://schemas.microsoft.com/office/drawing/2014/main" id="{6EE04A7D-0EF5-4E4E-ACE4-B1654E08043E}"/>
+              </a:ext>
+            </a:extLst>
+          </p:cNvPr>
+          <p:cNvSpPr/>
+          <p:nvPr/>
+        </p:nvSpPr>
+        <p:spPr>
+          <a:xfrm>
+            <a:off x="2743629" y="4083803"/>
+            <a:ext cx="1541264" cy="634701"/>
+          </a:xfrm>
+          <a:prstGeom prst="roundRect">
+            <a:avLst/>
+          </a:prstGeom>
+        </p:spPr>
+        <p:style>
+          <a:lnRef idx="2">
+            <a:schemeClr val="accent1">
+              <a:shade val="50000"/>
+            </a:schemeClr>
+          </a:lnRef>
+          <a:fillRef idx="1">
+            <a:schemeClr val="accent1"/>
+          </a:fillRef>
+          <a:effectRef idx="0">
+            <a:schemeClr val="accent1"/>
+          </a:effectRef>
+          <a:fontRef idx="minor">
+            <a:schemeClr val="lt1"/>
+          </a:fontRef>
+        </p:style>
+        <p:txBody>
+          <a:bodyPr rtlCol="0" anchor="ctr"/>
+          <a:lstStyle/>
+          <a:p>
+            <a:pPr algn="ctr"/>
+            <a:r>
+              <a:rPr kumimoji="1" lang="en-US" altLang="zh-CN" dirty="0"/>
+              <a:t>4</a:t>
+            </a:r>
+            <a:r>
+              <a:rPr kumimoji="1" lang="zh-CN" altLang="en-US" dirty="0"/>
+              <a:t> 右护法</a:t>
+            </a:r>
+            <a:endParaRPr kumimoji="1" lang="en-US" altLang="zh-CN" dirty="0"/>
+          </a:p>
+          <a:p>
+            <a:pPr algn="ctr"/>
+            <a:r>
+              <a:rPr kumimoji="1" lang="en-US" altLang="zh-CN" dirty="0"/>
+              <a:t>125w</a:t>
+            </a:r>
+            <a:endParaRPr kumimoji="1" lang="zh-CN" altLang="en-US" dirty="0"/>
+          </a:p>
+        </p:txBody>
+      </p:sp>
+      <p:sp>
+        <p:nvSpPr>
+          <p:cNvPr id="21" name="文本框 20">
+            <a:extLst>
+              <a:ext uri="{FF2B5EF4-FFF2-40B4-BE49-F238E27FC236}">
+                <a16:creationId xmlns:a16="http://schemas.microsoft.com/office/drawing/2014/main" id="{50244CC9-5533-D345-B026-5977A9A87E02}"/>
+              </a:ext>
+            </a:extLst>
+          </p:cNvPr>
+          <p:cNvSpPr txBox="1"/>
+          <p:nvPr/>
+        </p:nvSpPr>
+        <p:spPr>
+          <a:xfrm>
+            <a:off x="1389376" y="3574625"/>
+            <a:ext cx="550151" cy="369332"/>
+          </a:xfrm>
+          <a:prstGeom prst="rect">
+            <a:avLst/>
+          </a:prstGeom>
+          <a:noFill/>
+        </p:spPr>
+        <p:txBody>
+          <a:bodyPr wrap="none" rtlCol="0">
+            <a:spAutoFit/>
+          </a:bodyPr>
+          <a:lstStyle/>
+          <a:p>
+            <a:r>
+              <a:rPr kumimoji="1" lang="en-US" altLang="zh-CN" dirty="0"/>
+              <a:t>177</a:t>
+            </a:r>
+            <a:endParaRPr kumimoji="1" lang="zh-CN" altLang="en-US" dirty="0"/>
+          </a:p>
+        </p:txBody>
+      </p:sp>
+      <p:sp>
+        <p:nvSpPr>
+          <p:cNvPr id="22" name="文本框 21">
+            <a:extLst>
+              <a:ext uri="{FF2B5EF4-FFF2-40B4-BE49-F238E27FC236}">
+                <a16:creationId xmlns:a16="http://schemas.microsoft.com/office/drawing/2014/main" id="{54D55520-E19D-3D49-B018-1D54E753B4F3}"/>
+              </a:ext>
+            </a:extLst>
+          </p:cNvPr>
+          <p:cNvSpPr txBox="1"/>
+          <p:nvPr/>
+        </p:nvSpPr>
+        <p:spPr>
+          <a:xfrm>
+            <a:off x="3514261" y="3480475"/>
+            <a:ext cx="550151" cy="369332"/>
+          </a:xfrm>
+          <a:prstGeom prst="rect">
+            <a:avLst/>
+          </a:prstGeom>
+          <a:noFill/>
+        </p:spPr>
+        <p:txBody>
+          <a:bodyPr wrap="none" rtlCol="0">
+            <a:spAutoFit/>
+          </a:bodyPr>
+          <a:lstStyle/>
+          <a:p>
+            <a:r>
+              <a:rPr kumimoji="1" lang="en-US" altLang="zh-CN" dirty="0"/>
+              <a:t>125</a:t>
+            </a:r>
+            <a:endParaRPr kumimoji="1" lang="zh-CN" altLang="en-US" dirty="0"/>
+          </a:p>
+        </p:txBody>
+      </p:sp>
+      <p:sp>
+        <p:nvSpPr>
+          <p:cNvPr id="23" name="圆角矩形 22">
+            <a:extLst>
+              <a:ext uri="{FF2B5EF4-FFF2-40B4-BE49-F238E27FC236}">
+                <a16:creationId xmlns:a16="http://schemas.microsoft.com/office/drawing/2014/main" id="{93C353FB-1D1B-D54C-8C31-75890CA9CA91}"/>
+              </a:ext>
+            </a:extLst>
+          </p:cNvPr>
+          <p:cNvSpPr/>
+          <p:nvPr/>
+        </p:nvSpPr>
+        <p:spPr>
+          <a:xfrm>
+            <a:off x="1161070" y="4080215"/>
+            <a:ext cx="1367119" cy="634701"/>
+          </a:xfrm>
+          <a:prstGeom prst="roundRect">
+            <a:avLst/>
+          </a:prstGeom>
+        </p:spPr>
+        <p:style>
+          <a:lnRef idx="2">
+            <a:schemeClr val="accent1">
+              <a:shade val="50000"/>
+            </a:schemeClr>
+          </a:lnRef>
+          <a:fillRef idx="1">
+            <a:schemeClr val="accent1"/>
+          </a:fillRef>
+          <a:effectRef idx="0">
+            <a:schemeClr val="accent1"/>
+          </a:effectRef>
+          <a:fontRef idx="minor">
+            <a:schemeClr val="lt1"/>
+          </a:fontRef>
+        </p:style>
+        <p:txBody>
+          <a:bodyPr rtlCol="0" anchor="ctr"/>
+          <a:lstStyle/>
+          <a:p>
+            <a:pPr algn="ctr"/>
+            <a:r>
+              <a:rPr kumimoji="1" lang="en-US" altLang="zh-CN" dirty="0"/>
+              <a:t>3</a:t>
+            </a:r>
+            <a:r>
+              <a:rPr kumimoji="1" lang="zh-CN" altLang="en-US" dirty="0"/>
+              <a:t> 左护法</a:t>
+            </a:r>
+            <a:endParaRPr kumimoji="1" lang="en-US" altLang="zh-CN" dirty="0"/>
+          </a:p>
+          <a:p>
+            <a:pPr algn="ctr"/>
+            <a:r>
+              <a:rPr kumimoji="1" lang="en-US" altLang="zh-CN" dirty="0"/>
+              <a:t>177w</a:t>
+            </a:r>
+            <a:endParaRPr kumimoji="1" lang="zh-CN" altLang="en-US" dirty="0"/>
+          </a:p>
+        </p:txBody>
+      </p:sp>
+      <p:sp>
+        <p:nvSpPr>
+          <p:cNvPr id="25" name="文本框 24">
+            <a:extLst>
+              <a:ext uri="{FF2B5EF4-FFF2-40B4-BE49-F238E27FC236}">
+                <a16:creationId xmlns:a16="http://schemas.microsoft.com/office/drawing/2014/main" id="{E98E48F5-60C4-7D43-8DFB-5917B437BCEE}"/>
+              </a:ext>
+            </a:extLst>
+          </p:cNvPr>
+          <p:cNvSpPr txBox="1"/>
+          <p:nvPr/>
+        </p:nvSpPr>
+        <p:spPr>
+          <a:xfrm>
+            <a:off x="1575840" y="5050228"/>
+            <a:ext cx="550151" cy="369332"/>
+          </a:xfrm>
+          <a:prstGeom prst="rect">
+            <a:avLst/>
+          </a:prstGeom>
+          <a:noFill/>
+        </p:spPr>
+        <p:txBody>
+          <a:bodyPr wrap="none" rtlCol="0">
+            <a:spAutoFit/>
+          </a:bodyPr>
+          <a:lstStyle/>
+          <a:p>
+            <a:r>
+              <a:rPr kumimoji="1" lang="en-US" altLang="zh-CN" dirty="0"/>
+              <a:t>250</a:t>
+            </a:r>
+            <a:endParaRPr kumimoji="1" lang="zh-CN" altLang="en-US" dirty="0"/>
+          </a:p>
+        </p:txBody>
+      </p:sp>
+      <p:sp>
+        <p:nvSpPr>
+          <p:cNvPr id="27" name="圆角矩形 26">
+            <a:extLst>
+              <a:ext uri="{FF2B5EF4-FFF2-40B4-BE49-F238E27FC236}">
+                <a16:creationId xmlns:a16="http://schemas.microsoft.com/office/drawing/2014/main" id="{9AF73A81-6988-EE46-B133-82EE63016D98}"/>
+              </a:ext>
+            </a:extLst>
+          </p:cNvPr>
+          <p:cNvSpPr/>
+          <p:nvPr/>
+        </p:nvSpPr>
+        <p:spPr>
+          <a:xfrm>
+            <a:off x="1598503" y="1694395"/>
+            <a:ext cx="1915758" cy="634701"/>
+          </a:xfrm>
+          <a:prstGeom prst="roundRect">
+            <a:avLst/>
+          </a:prstGeom>
+        </p:spPr>
+        <p:style>
+          <a:lnRef idx="2">
+            <a:schemeClr val="accent1">
+              <a:shade val="50000"/>
+            </a:schemeClr>
+          </a:lnRef>
+          <a:fillRef idx="1">
+            <a:schemeClr val="accent1"/>
+          </a:fillRef>
+          <a:effectRef idx="0">
+            <a:schemeClr val="accent1"/>
+          </a:effectRef>
+          <a:fontRef idx="minor">
+            <a:schemeClr val="lt1"/>
+          </a:fontRef>
+        </p:style>
+        <p:txBody>
+          <a:bodyPr rtlCol="0" anchor="ctr"/>
+          <a:lstStyle/>
+          <a:p>
+            <a:pPr algn="ctr"/>
+            <a:r>
+              <a:rPr kumimoji="1" lang="en-US" altLang="zh-CN" dirty="0"/>
+              <a:t>1</a:t>
+            </a:r>
+            <a:r>
+              <a:rPr kumimoji="1" lang="zh-CN" altLang="en-US" dirty="0"/>
+              <a:t> 青毛狮子王</a:t>
+            </a:r>
+            <a:endParaRPr kumimoji="1" lang="en-US" altLang="zh-CN" dirty="0"/>
+          </a:p>
+        </p:txBody>
+      </p:sp>
+      <p:cxnSp>
+        <p:nvCxnSpPr>
+          <p:cNvPr id="28" name="曲线连接符 27">
+            <a:extLst>
+              <a:ext uri="{FF2B5EF4-FFF2-40B4-BE49-F238E27FC236}">
+                <a16:creationId xmlns:a16="http://schemas.microsoft.com/office/drawing/2014/main" id="{75C099E3-52E4-B943-AFD2-E69DCD593B27}"/>
+              </a:ext>
+            </a:extLst>
+          </p:cNvPr>
+          <p:cNvCxnSpPr>
+            <a:cxnSpLocks/>
+            <a:stCxn id="27" idx="2"/>
+            <a:endCxn id="23" idx="0"/>
+          </p:cNvCxnSpPr>
+          <p:nvPr/>
+        </p:nvCxnSpPr>
+        <p:spPr>
+          <a:xfrm rot="5400000">
+            <a:off x="1324947" y="2848779"/>
+            <a:ext cx="1751119" cy="711752"/>
+          </a:xfrm>
+          <a:prstGeom prst="curvedConnector3">
+            <a:avLst>
+              <a:gd name="adj1" fmla="val 50000"/>
+            </a:avLst>
+          </a:prstGeom>
+          <a:ln>
+            <a:tailEnd type="triangle"/>
+          </a:ln>
+        </p:spPr>
+        <p:style>
+          <a:lnRef idx="1">
+            <a:schemeClr val="accent1"/>
+          </a:lnRef>
+          <a:fillRef idx="0">
+            <a:schemeClr val="accent1"/>
+          </a:fillRef>
+          <a:effectRef idx="0">
+            <a:schemeClr val="accent1"/>
+          </a:effectRef>
+          <a:fontRef idx="minor">
+            <a:schemeClr val="tx1"/>
+          </a:fontRef>
+        </p:style>
+      </p:cxnSp>
+      <p:sp>
+        <p:nvSpPr>
+          <p:cNvPr id="29" name="文本框 28">
+            <a:extLst>
+              <a:ext uri="{FF2B5EF4-FFF2-40B4-BE49-F238E27FC236}">
+                <a16:creationId xmlns:a16="http://schemas.microsoft.com/office/drawing/2014/main" id="{DE2ADC27-6CF3-3E47-B29E-3FAC9199CE82}"/>
+              </a:ext>
+            </a:extLst>
+          </p:cNvPr>
+          <p:cNvSpPr txBox="1"/>
+          <p:nvPr/>
+        </p:nvSpPr>
+        <p:spPr>
+          <a:xfrm>
+            <a:off x="2600898" y="2310594"/>
+            <a:ext cx="671979" cy="369332"/>
+          </a:xfrm>
+          <a:prstGeom prst="rect">
+            <a:avLst/>
+          </a:prstGeom>
+          <a:noFill/>
+        </p:spPr>
+        <p:txBody>
+          <a:bodyPr wrap="none" rtlCol="0">
+            <a:spAutoFit/>
+          </a:bodyPr>
+          <a:lstStyle/>
+          <a:p>
+            <a:r>
+              <a:rPr kumimoji="1" lang="en-US" altLang="zh-CN" dirty="0"/>
+              <a:t>2000</a:t>
+            </a:r>
+            <a:endParaRPr kumimoji="1" lang="zh-CN" altLang="en-US" dirty="0"/>
+          </a:p>
+        </p:txBody>
+      </p:sp>
+      <p:sp>
+        <p:nvSpPr>
+          <p:cNvPr id="30" name="圆角矩形 29">
+            <a:extLst>
+              <a:ext uri="{FF2B5EF4-FFF2-40B4-BE49-F238E27FC236}">
+                <a16:creationId xmlns:a16="http://schemas.microsoft.com/office/drawing/2014/main" id="{02E31B41-146E-894A-966F-44A7B87F01E4}"/>
+              </a:ext>
+            </a:extLst>
+          </p:cNvPr>
+          <p:cNvSpPr/>
+          <p:nvPr/>
+        </p:nvSpPr>
+        <p:spPr>
+          <a:xfrm>
+            <a:off x="4064412" y="1510550"/>
+            <a:ext cx="1915758" cy="634701"/>
+          </a:xfrm>
+          <a:prstGeom prst="roundRect">
+            <a:avLst/>
+          </a:prstGeom>
+        </p:spPr>
+        <p:style>
+          <a:lnRef idx="2">
+            <a:schemeClr val="accent1">
+              <a:shade val="50000"/>
+            </a:schemeClr>
+          </a:lnRef>
+          <a:fillRef idx="1">
+            <a:schemeClr val="accent1"/>
+          </a:fillRef>
+          <a:effectRef idx="0">
+            <a:schemeClr val="accent1"/>
+          </a:effectRef>
+          <a:fontRef idx="minor">
+            <a:schemeClr val="lt1"/>
+          </a:fontRef>
+        </p:style>
+        <p:txBody>
+          <a:bodyPr rtlCol="0" anchor="ctr"/>
+          <a:lstStyle/>
+          <a:p>
+            <a:pPr algn="ctr"/>
+            <a:r>
+              <a:rPr kumimoji="1" lang="en-US" altLang="zh-CN" dirty="0"/>
+              <a:t>1</a:t>
+            </a:r>
+            <a:r>
+              <a:rPr kumimoji="1" lang="zh-CN" altLang="en-US" dirty="0"/>
+              <a:t> 青毛狮子王</a:t>
+            </a:r>
+            <a:endParaRPr kumimoji="1" lang="en-US" altLang="zh-CN" dirty="0"/>
+          </a:p>
+        </p:txBody>
+      </p:sp>
+      <p:cxnSp>
+        <p:nvCxnSpPr>
+          <p:cNvPr id="31" name="曲线连接符 30">
+            <a:extLst>
+              <a:ext uri="{FF2B5EF4-FFF2-40B4-BE49-F238E27FC236}">
+                <a16:creationId xmlns:a16="http://schemas.microsoft.com/office/drawing/2014/main" id="{667FD633-3565-0047-B9BA-9759049D33D5}"/>
+              </a:ext>
+            </a:extLst>
+          </p:cNvPr>
+          <p:cNvCxnSpPr>
+            <a:cxnSpLocks/>
+            <a:stCxn id="30" idx="2"/>
+            <a:endCxn id="19" idx="0"/>
+          </p:cNvCxnSpPr>
+          <p:nvPr/>
+        </p:nvCxnSpPr>
+        <p:spPr>
+          <a:xfrm rot="5400000">
+            <a:off x="3299000" y="2360512"/>
+            <a:ext cx="1938552" cy="1508030"/>
+          </a:xfrm>
+          <a:prstGeom prst="curvedConnector3">
+            <a:avLst>
+              <a:gd name="adj1" fmla="val 50000"/>
+            </a:avLst>
+          </a:prstGeom>
+          <a:ln>
+            <a:tailEnd type="triangle"/>
+          </a:ln>
+        </p:spPr>
+        <p:style>
+          <a:lnRef idx="1">
+            <a:schemeClr val="accent1"/>
+          </a:lnRef>
+          <a:fillRef idx="0">
+            <a:schemeClr val="accent1"/>
+          </a:fillRef>
+          <a:effectRef idx="0">
+            <a:schemeClr val="accent1"/>
+          </a:effectRef>
+          <a:fontRef idx="minor">
+            <a:schemeClr val="tx1"/>
+          </a:fontRef>
+        </p:style>
+      </p:cxnSp>
+      <p:sp>
+        <p:nvSpPr>
+          <p:cNvPr id="20" name="文本框 19">
+            <a:extLst>
+              <a:ext uri="{FF2B5EF4-FFF2-40B4-BE49-F238E27FC236}">
+                <a16:creationId xmlns:a16="http://schemas.microsoft.com/office/drawing/2014/main" id="{E4BDC1FB-9DE2-5B43-87D8-4A26EC9A5BAD}"/>
+              </a:ext>
+            </a:extLst>
+          </p:cNvPr>
+          <p:cNvSpPr txBox="1"/>
+          <p:nvPr/>
+        </p:nvSpPr>
+        <p:spPr>
+          <a:xfrm>
+            <a:off x="5257901" y="6277499"/>
+            <a:ext cx="1136850" cy="369332"/>
+          </a:xfrm>
+          <a:prstGeom prst="rect">
+            <a:avLst/>
+          </a:prstGeom>
+          <a:noFill/>
+        </p:spPr>
+        <p:txBody>
+          <a:bodyPr wrap="none" rtlCol="0">
+            <a:spAutoFit/>
+          </a:bodyPr>
+          <a:lstStyle/>
+          <a:p>
+            <a:r>
+              <a:rPr kumimoji="1" lang="en-US" altLang="zh-CN" dirty="0" err="1">
+                <a:solidFill>
+                  <a:srgbClr val="FF0000"/>
+                </a:solidFill>
+              </a:rPr>
+              <a:t>tailFact</a:t>
+            </a:r>
+            <a:r>
+              <a:rPr kumimoji="1" lang="en-US" altLang="zh-CN" dirty="0">
+                <a:solidFill>
+                  <a:srgbClr val="FF0000"/>
+                </a:solidFill>
+              </a:rPr>
+              <a:t>(8)</a:t>
+            </a:r>
+            <a:endParaRPr kumimoji="1" lang="zh-CN" altLang="en-US" dirty="0">
+              <a:solidFill>
+                <a:srgbClr val="FF0000"/>
+              </a:solidFill>
+            </a:endParaRPr>
+          </a:p>
+        </p:txBody>
+      </p:sp>
+    </p:spTree>
+    <p:extLst>
+      <p:ext uri="{BB962C8B-B14F-4D97-AF65-F5344CB8AC3E}">
+        <p14:creationId xmlns:p14="http://schemas.microsoft.com/office/powerpoint/2010/main" val="2194452538"/>
       </p:ext>
     </p:extLst>
   </p:cSld>

--- a/股权图谱.pptx
+++ b/股权图谱.pptx
@@ -33,8 +33,11 @@
     <p:sldId id="285" r:id="rId27"/>
     <p:sldId id="286" r:id="rId28"/>
     <p:sldId id="287" r:id="rId29"/>
-    <p:sldId id="288" r:id="rId30"/>
-    <p:sldId id="274" r:id="rId31"/>
+    <p:sldId id="290" r:id="rId30"/>
+    <p:sldId id="291" r:id="rId31"/>
+    <p:sldId id="292" r:id="rId32"/>
+    <p:sldId id="293" r:id="rId33"/>
+    <p:sldId id="274" r:id="rId34"/>
   </p:sldIdLst>
   <p:sldSz cx="12192000" cy="6858000"/>
   <p:notesSz cx="6858000" cy="9144000"/>
@@ -288,7 +291,7 @@
           <a:p>
             <a:fld id="{DC421D61-4C4C-ED44-8E87-C7FBEA60D121}" type="datetimeFigureOut">
               <a:rPr kumimoji="1" lang="zh-CN" altLang="en-US" smtClean="0"/>
-              <a:t>2021/10/8</a:t>
+              <a:t>2021/10/12</a:t>
             </a:fld>
             <a:endParaRPr kumimoji="1" lang="zh-CN" altLang="en-US"/>
           </a:p>
@@ -486,7 +489,7 @@
           <a:p>
             <a:fld id="{DC421D61-4C4C-ED44-8E87-C7FBEA60D121}" type="datetimeFigureOut">
               <a:rPr kumimoji="1" lang="zh-CN" altLang="en-US" smtClean="0"/>
-              <a:t>2021/10/8</a:t>
+              <a:t>2021/10/12</a:t>
             </a:fld>
             <a:endParaRPr kumimoji="1" lang="zh-CN" altLang="en-US"/>
           </a:p>
@@ -694,7 +697,7 @@
           <a:p>
             <a:fld id="{DC421D61-4C4C-ED44-8E87-C7FBEA60D121}" type="datetimeFigureOut">
               <a:rPr kumimoji="1" lang="zh-CN" altLang="en-US" smtClean="0"/>
-              <a:t>2021/10/8</a:t>
+              <a:t>2021/10/12</a:t>
             </a:fld>
             <a:endParaRPr kumimoji="1" lang="zh-CN" altLang="en-US"/>
           </a:p>
@@ -892,7 +895,7 @@
           <a:p>
             <a:fld id="{DC421D61-4C4C-ED44-8E87-C7FBEA60D121}" type="datetimeFigureOut">
               <a:rPr kumimoji="1" lang="zh-CN" altLang="en-US" smtClean="0"/>
-              <a:t>2021/10/8</a:t>
+              <a:t>2021/10/12</a:t>
             </a:fld>
             <a:endParaRPr kumimoji="1" lang="zh-CN" altLang="en-US"/>
           </a:p>
@@ -1167,7 +1170,7 @@
           <a:p>
             <a:fld id="{DC421D61-4C4C-ED44-8E87-C7FBEA60D121}" type="datetimeFigureOut">
               <a:rPr kumimoji="1" lang="zh-CN" altLang="en-US" smtClean="0"/>
-              <a:t>2021/10/8</a:t>
+              <a:t>2021/10/12</a:t>
             </a:fld>
             <a:endParaRPr kumimoji="1" lang="zh-CN" altLang="en-US"/>
           </a:p>
@@ -1432,7 +1435,7 @@
           <a:p>
             <a:fld id="{DC421D61-4C4C-ED44-8E87-C7FBEA60D121}" type="datetimeFigureOut">
               <a:rPr kumimoji="1" lang="zh-CN" altLang="en-US" smtClean="0"/>
-              <a:t>2021/10/8</a:t>
+              <a:t>2021/10/12</a:t>
             </a:fld>
             <a:endParaRPr kumimoji="1" lang="zh-CN" altLang="en-US"/>
           </a:p>
@@ -1844,7 +1847,7 @@
           <a:p>
             <a:fld id="{DC421D61-4C4C-ED44-8E87-C7FBEA60D121}" type="datetimeFigureOut">
               <a:rPr kumimoji="1" lang="zh-CN" altLang="en-US" smtClean="0"/>
-              <a:t>2021/10/8</a:t>
+              <a:t>2021/10/12</a:t>
             </a:fld>
             <a:endParaRPr kumimoji="1" lang="zh-CN" altLang="en-US"/>
           </a:p>
@@ -1985,7 +1988,7 @@
           <a:p>
             <a:fld id="{DC421D61-4C4C-ED44-8E87-C7FBEA60D121}" type="datetimeFigureOut">
               <a:rPr kumimoji="1" lang="zh-CN" altLang="en-US" smtClean="0"/>
-              <a:t>2021/10/8</a:t>
+              <a:t>2021/10/12</a:t>
             </a:fld>
             <a:endParaRPr kumimoji="1" lang="zh-CN" altLang="en-US"/>
           </a:p>
@@ -2098,7 +2101,7 @@
           <a:p>
             <a:fld id="{DC421D61-4C4C-ED44-8E87-C7FBEA60D121}" type="datetimeFigureOut">
               <a:rPr kumimoji="1" lang="zh-CN" altLang="en-US" smtClean="0"/>
-              <a:t>2021/10/8</a:t>
+              <a:t>2021/10/12</a:t>
             </a:fld>
             <a:endParaRPr kumimoji="1" lang="zh-CN" altLang="en-US"/>
           </a:p>
@@ -2409,7 +2412,7 @@
           <a:p>
             <a:fld id="{DC421D61-4C4C-ED44-8E87-C7FBEA60D121}" type="datetimeFigureOut">
               <a:rPr kumimoji="1" lang="zh-CN" altLang="en-US" smtClean="0"/>
-              <a:t>2021/10/8</a:t>
+              <a:t>2021/10/12</a:t>
             </a:fld>
             <a:endParaRPr kumimoji="1" lang="zh-CN" altLang="en-US"/>
           </a:p>
@@ -2697,7 +2700,7 @@
           <a:p>
             <a:fld id="{DC421D61-4C4C-ED44-8E87-C7FBEA60D121}" type="datetimeFigureOut">
               <a:rPr kumimoji="1" lang="zh-CN" altLang="en-US" smtClean="0"/>
-              <a:t>2021/10/8</a:t>
+              <a:t>2021/10/12</a:t>
             </a:fld>
             <a:endParaRPr kumimoji="1" lang="zh-CN" altLang="en-US"/>
           </a:p>
@@ -2938,7 +2941,7 @@
           <a:p>
             <a:fld id="{DC421D61-4C4C-ED44-8E87-C7FBEA60D121}" type="datetimeFigureOut">
               <a:rPr kumimoji="1" lang="zh-CN" altLang="en-US" smtClean="0"/>
-              <a:t>2021/10/8</a:t>
+              <a:t>2021/10/12</a:t>
             </a:fld>
             <a:endParaRPr kumimoji="1" lang="zh-CN" altLang="en-US"/>
           </a:p>
@@ -8395,14 +8398,6 @@
             </a:r>
             <a:endParaRPr kumimoji="1" lang="en-US" altLang="zh-CN" dirty="0"/>
           </a:p>
-          <a:p>
-            <a:pPr algn="ctr"/>
-            <a:r>
-              <a:rPr kumimoji="1" lang="en-US" altLang="zh-CN" dirty="0"/>
-              <a:t>1000w</a:t>
-            </a:r>
-            <a:endParaRPr kumimoji="1" lang="zh-CN" altLang="en-US" dirty="0"/>
-          </a:p>
         </p:txBody>
       </p:sp>
       <p:cxnSp>
@@ -8546,13 +8541,6 @@
             </a:r>
             <a:endParaRPr kumimoji="1" lang="en-US" altLang="zh-CN" dirty="0"/>
           </a:p>
-          <a:p>
-            <a:pPr algn="ctr"/>
-            <a:r>
-              <a:rPr kumimoji="1" lang="en-US" altLang="zh-CN" dirty="0"/>
-              <a:t>1000w</a:t>
-            </a:r>
-          </a:p>
         </p:txBody>
       </p:sp>
       <p:cxnSp>
@@ -8761,7 +8749,7 @@
         <p:spPr>
           <a:xfrm>
             <a:off x="4291716" y="2451868"/>
-            <a:ext cx="550151" cy="369332"/>
+            <a:ext cx="479618" cy="369332"/>
           </a:xfrm>
           <a:prstGeom prst="rect">
             <a:avLst/>
@@ -8776,7 +8764,7 @@
           <a:p>
             <a:r>
               <a:rPr kumimoji="1" lang="en-US" altLang="zh-CN" dirty="0"/>
-              <a:t>500</a:t>
+              <a:t>0.5</a:t>
             </a:r>
             <a:endParaRPr kumimoji="1" lang="zh-CN" altLang="en-US" dirty="0"/>
           </a:p>
@@ -8796,8 +8784,8 @@
         </p:nvSpPr>
         <p:spPr>
           <a:xfrm>
-            <a:off x="4625752" y="3284641"/>
-            <a:ext cx="550151" cy="369332"/>
+            <a:off x="4825251" y="3373572"/>
+            <a:ext cx="479618" cy="369332"/>
           </a:xfrm>
           <a:prstGeom prst="rect">
             <a:avLst/>
@@ -8812,7 +8800,7 @@
           <a:p>
             <a:r>
               <a:rPr kumimoji="1" lang="en-US" altLang="zh-CN" dirty="0"/>
-              <a:t>500</a:t>
+              <a:t>0.5</a:t>
             </a:r>
             <a:endParaRPr kumimoji="1" lang="zh-CN" altLang="en-US" dirty="0"/>
           </a:p>
@@ -8833,7 +8821,7 @@
         <p:spPr>
           <a:xfrm>
             <a:off x="7254018" y="3208464"/>
-            <a:ext cx="550151" cy="369332"/>
+            <a:ext cx="479618" cy="369332"/>
           </a:xfrm>
           <a:prstGeom prst="rect">
             <a:avLst/>
@@ -8848,7 +8836,7 @@
           <a:p>
             <a:r>
               <a:rPr kumimoji="1" lang="en-US" altLang="zh-CN" dirty="0"/>
-              <a:t>500</a:t>
+              <a:t>0.5</a:t>
             </a:r>
             <a:endParaRPr kumimoji="1" lang="zh-CN" altLang="en-US" dirty="0"/>
           </a:p>
@@ -8868,8 +8856,8 @@
         </p:nvSpPr>
         <p:spPr>
           <a:xfrm>
-            <a:off x="7983783" y="4446493"/>
-            <a:ext cx="550151" cy="369332"/>
+            <a:off x="8149818" y="4344040"/>
+            <a:ext cx="479618" cy="369332"/>
           </a:xfrm>
           <a:prstGeom prst="rect">
             <a:avLst/>
@@ -8884,7 +8872,151 @@
           <a:p>
             <a:r>
               <a:rPr kumimoji="1" lang="en-US" altLang="zh-CN" dirty="0"/>
-              <a:t>500</a:t>
+              <a:t>0.5</a:t>
+            </a:r>
+            <a:endParaRPr kumimoji="1" lang="zh-CN" altLang="en-US" dirty="0"/>
+          </a:p>
+        </p:txBody>
+      </p:sp>
+      <p:sp>
+        <p:nvSpPr>
+          <p:cNvPr id="15" name="文本框 14">
+            <a:extLst>
+              <a:ext uri="{FF2B5EF4-FFF2-40B4-BE49-F238E27FC236}">
+                <a16:creationId xmlns:a16="http://schemas.microsoft.com/office/drawing/2014/main" id="{F3B1D989-1D76-774D-92F3-A2148F1689E0}"/>
+              </a:ext>
+            </a:extLst>
+          </p:cNvPr>
+          <p:cNvSpPr txBox="1"/>
+          <p:nvPr/>
+        </p:nvSpPr>
+        <p:spPr>
+          <a:xfrm>
+            <a:off x="5304869" y="4645060"/>
+            <a:ext cx="712054" cy="369332"/>
+          </a:xfrm>
+          <a:prstGeom prst="rect">
+            <a:avLst/>
+          </a:prstGeom>
+          <a:noFill/>
+        </p:spPr>
+        <p:txBody>
+          <a:bodyPr wrap="none" rtlCol="0">
+            <a:spAutoFit/>
+          </a:bodyPr>
+          <a:lstStyle/>
+          <a:p>
+            <a:r>
+              <a:rPr kumimoji="1" lang="en-US" altLang="zh-CN" dirty="0"/>
+              <a:t>0rmb</a:t>
+            </a:r>
+            <a:endParaRPr kumimoji="1" lang="zh-CN" altLang="en-US" dirty="0"/>
+          </a:p>
+        </p:txBody>
+      </p:sp>
+      <p:sp>
+        <p:nvSpPr>
+          <p:cNvPr id="16" name="文本框 15">
+            <a:extLst>
+              <a:ext uri="{FF2B5EF4-FFF2-40B4-BE49-F238E27FC236}">
+                <a16:creationId xmlns:a16="http://schemas.microsoft.com/office/drawing/2014/main" id="{C4856AD5-F0E2-3B49-8602-93B92AA62398}"/>
+              </a:ext>
+            </a:extLst>
+          </p:cNvPr>
+          <p:cNvSpPr txBox="1"/>
+          <p:nvPr/>
+        </p:nvSpPr>
+        <p:spPr>
+          <a:xfrm>
+            <a:off x="5560299" y="2035236"/>
+            <a:ext cx="768159" cy="369332"/>
+          </a:xfrm>
+          <a:prstGeom prst="rect">
+            <a:avLst/>
+          </a:prstGeom>
+          <a:noFill/>
+        </p:spPr>
+        <p:txBody>
+          <a:bodyPr wrap="none" rtlCol="0">
+            <a:spAutoFit/>
+          </a:bodyPr>
+          <a:lstStyle/>
+          <a:p>
+            <a:r>
+              <a:rPr kumimoji="1" lang="en-US" altLang="zh-CN" dirty="0"/>
+              <a:t>0RMB</a:t>
+            </a:r>
+            <a:endParaRPr kumimoji="1" lang="zh-CN" altLang="en-US" dirty="0"/>
+          </a:p>
+        </p:txBody>
+      </p:sp>
+      <p:sp>
+        <p:nvSpPr>
+          <p:cNvPr id="17" name="文本框 16">
+            <a:extLst>
+              <a:ext uri="{FF2B5EF4-FFF2-40B4-BE49-F238E27FC236}">
+                <a16:creationId xmlns:a16="http://schemas.microsoft.com/office/drawing/2014/main" id="{557106DD-D013-FC46-A8BA-9885EA1A4C0B}"/>
+              </a:ext>
+            </a:extLst>
+          </p:cNvPr>
+          <p:cNvSpPr txBox="1"/>
+          <p:nvPr/>
+        </p:nvSpPr>
+        <p:spPr>
+          <a:xfrm>
+            <a:off x="9295446" y="4621266"/>
+            <a:ext cx="966931" cy="369332"/>
+          </a:xfrm>
+          <a:prstGeom prst="rect">
+            <a:avLst/>
+          </a:prstGeom>
+          <a:noFill/>
+        </p:spPr>
+        <p:txBody>
+          <a:bodyPr wrap="none" rtlCol="0">
+            <a:spAutoFit/>
+          </a:bodyPr>
+          <a:lstStyle/>
+          <a:p>
+            <a:r>
+              <a:rPr kumimoji="1" lang="en-US" altLang="zh-CN" dirty="0"/>
+              <a:t>6666.67</a:t>
+            </a:r>
+            <a:endParaRPr kumimoji="1" lang="zh-CN" altLang="en-US" dirty="0"/>
+          </a:p>
+        </p:txBody>
+      </p:sp>
+      <p:sp>
+        <p:nvSpPr>
+          <p:cNvPr id="18" name="文本框 17">
+            <a:extLst>
+              <a:ext uri="{FF2B5EF4-FFF2-40B4-BE49-F238E27FC236}">
+                <a16:creationId xmlns:a16="http://schemas.microsoft.com/office/drawing/2014/main" id="{3B41D4D7-18CA-034A-B9A4-7CC4DDAA7498}"/>
+              </a:ext>
+            </a:extLst>
+          </p:cNvPr>
+          <p:cNvSpPr txBox="1"/>
+          <p:nvPr/>
+        </p:nvSpPr>
+        <p:spPr>
+          <a:xfrm>
+            <a:off x="3955726" y="1302601"/>
+            <a:ext cx="966931" cy="369332"/>
+          </a:xfrm>
+          <a:prstGeom prst="rect">
+            <a:avLst/>
+          </a:prstGeom>
+          <a:noFill/>
+        </p:spPr>
+        <p:txBody>
+          <a:bodyPr wrap="none" rtlCol="0">
+            <a:spAutoFit/>
+          </a:bodyPr>
+          <a:lstStyle/>
+          <a:p>
+            <a:r>
+              <a:rPr kumimoji="1" lang="en-US" altLang="zh-CN" dirty="0"/>
+              <a:t>3333.33</a:t>
             </a:r>
             <a:endParaRPr kumimoji="1" lang="zh-CN" altLang="en-US" dirty="0"/>
           </a:p>
@@ -17288,13 +17420,13 @@
         </p:nvCxnSpPr>
         <p:spPr>
           <a:xfrm rot="5400000" flipH="1">
-            <a:off x="7570204" y="4571147"/>
-            <a:ext cx="324491" cy="2870394"/>
+            <a:off x="7650171" y="4651114"/>
+            <a:ext cx="395651" cy="2639301"/>
           </a:xfrm>
           <a:prstGeom prst="curvedConnector4">
             <a:avLst>
-              <a:gd name="adj1" fmla="val -70449"/>
-              <a:gd name="adj2" fmla="val 64222"/>
+              <a:gd name="adj1" fmla="val -57778"/>
+              <a:gd name="adj2" fmla="val 65467"/>
             </a:avLst>
           </a:prstGeom>
           <a:ln>
@@ -17330,7 +17462,7 @@
         </p:nvSpPr>
         <p:spPr>
           <a:xfrm>
-            <a:off x="4755989" y="5526747"/>
+            <a:off x="4987082" y="5455587"/>
             <a:ext cx="1541264" cy="634701"/>
           </a:xfrm>
           <a:prstGeom prst="roundRect">
@@ -17996,8 +18128,8 @@
         </p:nvCxnSpPr>
         <p:spPr>
           <a:xfrm rot="5400000">
-            <a:off x="6573246" y="4471454"/>
-            <a:ext cx="1096651" cy="1648636"/>
+            <a:off x="6724373" y="4551421"/>
+            <a:ext cx="1025491" cy="1417543"/>
           </a:xfrm>
           <a:prstGeom prst="curvedConnector2">
             <a:avLst/>
@@ -18129,8 +18261,8 @@
         </p:nvCxnSpPr>
         <p:spPr>
           <a:xfrm rot="10800000">
-            <a:off x="3734757" y="5209398"/>
-            <a:ext cx="1021232" cy="634701"/>
+            <a:off x="3734758" y="5209398"/>
+            <a:ext cx="1252325" cy="563541"/>
           </a:xfrm>
           <a:prstGeom prst="curvedConnector2">
             <a:avLst/>
@@ -18276,7 +18408,7 @@
         </p:nvSpPr>
         <p:spPr>
           <a:xfrm>
-            <a:off x="2999043" y="1800186"/>
+            <a:off x="2900028" y="1755379"/>
             <a:ext cx="479618" cy="369332"/>
           </a:xfrm>
           <a:prstGeom prst="rect">
@@ -20783,8 +20915,8 @@
         </p:nvSpPr>
         <p:spPr>
           <a:xfrm>
-            <a:off x="645458" y="537882"/>
-            <a:ext cx="5344733" cy="707886"/>
+            <a:off x="344245" y="107719"/>
+            <a:ext cx="7462299" cy="1323439"/>
           </a:xfrm>
           <a:prstGeom prst="rect">
             <a:avLst/>
@@ -20813,6 +20945,30 @@
               <a:rPr kumimoji="1" lang="zh-CN" altLang="en-US" sz="4000" dirty="0"/>
               <a:t> 长环</a:t>
             </a:r>
+            <a:r>
+              <a:rPr kumimoji="1" lang="en-US" altLang="zh-CN" sz="4000" dirty="0" err="1">
+                <a:solidFill>
+                  <a:srgbClr val="FF0000"/>
+                </a:solidFill>
+              </a:rPr>
+              <a:t>tailFact</a:t>
+            </a:r>
+            <a:r>
+              <a:rPr kumimoji="1" lang="en-US" altLang="zh-CN" sz="4000" dirty="0">
+                <a:solidFill>
+                  <a:srgbClr val="FF0000"/>
+                </a:solidFill>
+              </a:rPr>
+              <a:t>(7)</a:t>
+            </a:r>
+            <a:endParaRPr kumimoji="1" lang="zh-CN" altLang="en-US" sz="4000" dirty="0">
+              <a:solidFill>
+                <a:srgbClr val="FF0000"/>
+              </a:solidFill>
+            </a:endParaRPr>
+          </a:p>
+          <a:p>
+            <a:endParaRPr kumimoji="1" lang="zh-CN" altLang="en-US" sz="4000" dirty="0"/>
           </a:p>
         </p:txBody>
       </p:sp>
@@ -20834,13 +20990,13 @@
         </p:nvCxnSpPr>
         <p:spPr>
           <a:xfrm rot="5400000" flipH="1">
-            <a:off x="5238264" y="1680283"/>
-            <a:ext cx="1561973" cy="3160851"/>
+            <a:off x="5808520" y="1110026"/>
+            <a:ext cx="1677614" cy="4417004"/>
           </a:xfrm>
           <a:prstGeom prst="curvedConnector4">
             <a:avLst>
-              <a:gd name="adj1" fmla="val -14635"/>
-              <a:gd name="adj2" fmla="val 62915"/>
+              <a:gd name="adj1" fmla="val -13626"/>
+              <a:gd name="adj2" fmla="val 59242"/>
             </a:avLst>
           </a:prstGeom>
           <a:ln>
@@ -20937,7 +21093,7 @@
         </p:nvSpPr>
         <p:spPr>
           <a:xfrm>
-            <a:off x="6783216" y="3406993"/>
+            <a:off x="8039369" y="3522634"/>
             <a:ext cx="1632920" cy="634701"/>
           </a:xfrm>
           <a:prstGeom prst="roundRect">
@@ -20991,7 +21147,7 @@
         </p:nvSpPr>
         <p:spPr>
           <a:xfrm>
-            <a:off x="885334" y="1394945"/>
+            <a:off x="680197" y="865552"/>
             <a:ext cx="1541264" cy="634701"/>
           </a:xfrm>
           <a:prstGeom prst="roundRect">
@@ -21056,8 +21212,8 @@
         </p:nvCxnSpPr>
         <p:spPr>
           <a:xfrm rot="10800000">
-            <a:off x="1655967" y="2029647"/>
-            <a:ext cx="1241595" cy="450075"/>
+            <a:off x="1450829" y="1500253"/>
+            <a:ext cx="1446732" cy="979468"/>
           </a:xfrm>
           <a:prstGeom prst="curvedConnector2">
             <a:avLst/>
@@ -21095,7 +21251,7 @@
         </p:nvSpPr>
         <p:spPr>
           <a:xfrm>
-            <a:off x="5700837" y="2641967"/>
+            <a:off x="6211715" y="3318528"/>
             <a:ext cx="479618" cy="369332"/>
           </a:xfrm>
           <a:prstGeom prst="rect">
@@ -21131,7 +21287,7 @@
         </p:nvSpPr>
         <p:spPr>
           <a:xfrm>
-            <a:off x="2107734" y="1984845"/>
+            <a:off x="1502719" y="1522778"/>
             <a:ext cx="306494" cy="369332"/>
           </a:xfrm>
           <a:prstGeom prst="rect">
@@ -21150,382 +21306,6 @@
               <a:t>1</a:t>
             </a:r>
             <a:endParaRPr kumimoji="1" lang="zh-CN" altLang="en-US" dirty="0"/>
-          </a:p>
-        </p:txBody>
-      </p:sp>
-      <p:sp>
-        <p:nvSpPr>
-          <p:cNvPr id="2" name="文本框 1">
-            <a:extLst>
-              <a:ext uri="{FF2B5EF4-FFF2-40B4-BE49-F238E27FC236}">
-                <a16:creationId xmlns:a16="http://schemas.microsoft.com/office/drawing/2014/main" id="{5E1495DE-1207-7244-8497-E0E431A95E56}"/>
-              </a:ext>
-            </a:extLst>
-          </p:cNvPr>
-          <p:cNvSpPr txBox="1"/>
-          <p:nvPr/>
-        </p:nvSpPr>
-        <p:spPr>
-          <a:xfrm>
-            <a:off x="2782759" y="2936558"/>
-            <a:ext cx="1136850" cy="369332"/>
-          </a:xfrm>
-          <a:prstGeom prst="rect">
-            <a:avLst/>
-          </a:prstGeom>
-          <a:noFill/>
-        </p:spPr>
-        <p:txBody>
-          <a:bodyPr wrap="none" rtlCol="0">
-            <a:spAutoFit/>
-          </a:bodyPr>
-          <a:lstStyle/>
-          <a:p>
-            <a:r>
-              <a:rPr kumimoji="1" lang="en-US" altLang="zh-CN" dirty="0" err="1"/>
-              <a:t>tailFact</a:t>
-            </a:r>
-            <a:r>
-              <a:rPr kumimoji="1" lang="en-US" altLang="zh-CN" dirty="0"/>
-              <a:t>(0)</a:t>
-            </a:r>
-            <a:endParaRPr kumimoji="1" lang="zh-CN" altLang="en-US" dirty="0"/>
-          </a:p>
-        </p:txBody>
-      </p:sp>
-      <p:sp>
-        <p:nvSpPr>
-          <p:cNvPr id="36" name="文本框 35">
-            <a:extLst>
-              <a:ext uri="{FF2B5EF4-FFF2-40B4-BE49-F238E27FC236}">
-                <a16:creationId xmlns:a16="http://schemas.microsoft.com/office/drawing/2014/main" id="{4DE9EE8F-299B-6749-BBAD-89C5E6719A46}"/>
-              </a:ext>
-            </a:extLst>
-          </p:cNvPr>
-          <p:cNvSpPr txBox="1"/>
-          <p:nvPr/>
-        </p:nvSpPr>
-        <p:spPr>
-          <a:xfrm>
-            <a:off x="635783" y="2055285"/>
-            <a:ext cx="1136850" cy="369332"/>
-          </a:xfrm>
-          <a:prstGeom prst="rect">
-            <a:avLst/>
-          </a:prstGeom>
-          <a:noFill/>
-        </p:spPr>
-        <p:txBody>
-          <a:bodyPr wrap="none" rtlCol="0">
-            <a:spAutoFit/>
-          </a:bodyPr>
-          <a:lstStyle/>
-          <a:p>
-            <a:r>
-              <a:rPr kumimoji="1" lang="en-US" altLang="zh-CN" dirty="0" err="1"/>
-              <a:t>tailFact</a:t>
-            </a:r>
-            <a:r>
-              <a:rPr kumimoji="1" lang="en-US" altLang="zh-CN" dirty="0"/>
-              <a:t>(1)</a:t>
-            </a:r>
-            <a:endParaRPr kumimoji="1" lang="zh-CN" altLang="en-US" dirty="0"/>
-          </a:p>
-        </p:txBody>
-      </p:sp>
-      <p:sp>
-        <p:nvSpPr>
-          <p:cNvPr id="43" name="文本框 42">
-            <a:extLst>
-              <a:ext uri="{FF2B5EF4-FFF2-40B4-BE49-F238E27FC236}">
-                <a16:creationId xmlns:a16="http://schemas.microsoft.com/office/drawing/2014/main" id="{AC33E39A-8752-4745-B361-3F75CEC7B73F}"/>
-              </a:ext>
-            </a:extLst>
-          </p:cNvPr>
-          <p:cNvSpPr txBox="1"/>
-          <p:nvPr/>
-        </p:nvSpPr>
-        <p:spPr>
-          <a:xfrm>
-            <a:off x="2800252" y="3258136"/>
-            <a:ext cx="1136850" cy="369332"/>
-          </a:xfrm>
-          <a:prstGeom prst="rect">
-            <a:avLst/>
-          </a:prstGeom>
-          <a:noFill/>
-        </p:spPr>
-        <p:txBody>
-          <a:bodyPr wrap="none" rtlCol="0">
-            <a:spAutoFit/>
-          </a:bodyPr>
-          <a:lstStyle/>
-          <a:p>
-            <a:r>
-              <a:rPr kumimoji="1" lang="en-US" altLang="zh-CN" dirty="0" err="1">
-                <a:solidFill>
-                  <a:srgbClr val="FF0000"/>
-                </a:solidFill>
-              </a:rPr>
-              <a:t>tailFact</a:t>
-            </a:r>
-            <a:r>
-              <a:rPr kumimoji="1" lang="en-US" altLang="zh-CN" dirty="0">
-                <a:solidFill>
-                  <a:srgbClr val="FF0000"/>
-                </a:solidFill>
-              </a:rPr>
-              <a:t>(8)</a:t>
-            </a:r>
-            <a:endParaRPr kumimoji="1" lang="zh-CN" altLang="en-US" dirty="0">
-              <a:solidFill>
-                <a:srgbClr val="FF0000"/>
-              </a:solidFill>
-            </a:endParaRPr>
-          </a:p>
-        </p:txBody>
-      </p:sp>
-      <p:sp>
-        <p:nvSpPr>
-          <p:cNvPr id="44" name="文本框 43">
-            <a:extLst>
-              <a:ext uri="{FF2B5EF4-FFF2-40B4-BE49-F238E27FC236}">
-                <a16:creationId xmlns:a16="http://schemas.microsoft.com/office/drawing/2014/main" id="{761231E1-D855-5F44-9928-98E66D52562F}"/>
-              </a:ext>
-            </a:extLst>
-          </p:cNvPr>
-          <p:cNvSpPr txBox="1"/>
-          <p:nvPr/>
-        </p:nvSpPr>
-        <p:spPr>
-          <a:xfrm>
-            <a:off x="559596" y="2486861"/>
-            <a:ext cx="1136850" cy="369332"/>
-          </a:xfrm>
-          <a:prstGeom prst="rect">
-            <a:avLst/>
-          </a:prstGeom>
-          <a:noFill/>
-        </p:spPr>
-        <p:txBody>
-          <a:bodyPr wrap="none" rtlCol="0">
-            <a:spAutoFit/>
-          </a:bodyPr>
-          <a:lstStyle/>
-          <a:p>
-            <a:r>
-              <a:rPr kumimoji="1" lang="en-US" altLang="zh-CN" dirty="0" err="1">
-                <a:solidFill>
-                  <a:srgbClr val="FF0000"/>
-                </a:solidFill>
-              </a:rPr>
-              <a:t>tailFact</a:t>
-            </a:r>
-            <a:r>
-              <a:rPr kumimoji="1" lang="en-US" altLang="zh-CN" dirty="0">
-                <a:solidFill>
-                  <a:srgbClr val="FF0000"/>
-                </a:solidFill>
-              </a:rPr>
-              <a:t>(9)</a:t>
-            </a:r>
-            <a:endParaRPr kumimoji="1" lang="zh-CN" altLang="en-US" dirty="0">
-              <a:solidFill>
-                <a:srgbClr val="FF0000"/>
-              </a:solidFill>
-            </a:endParaRPr>
-          </a:p>
-        </p:txBody>
-      </p:sp>
-      <p:sp>
-        <p:nvSpPr>
-          <p:cNvPr id="4" name="矩形 3">
-            <a:extLst>
-              <a:ext uri="{FF2B5EF4-FFF2-40B4-BE49-F238E27FC236}">
-                <a16:creationId xmlns:a16="http://schemas.microsoft.com/office/drawing/2014/main" id="{F18344DD-0EE9-0244-9101-1EEF20AB447C}"/>
-              </a:ext>
-            </a:extLst>
-          </p:cNvPr>
-          <p:cNvSpPr/>
-          <p:nvPr/>
-        </p:nvSpPr>
-        <p:spPr>
-          <a:xfrm>
-            <a:off x="8244716" y="4167434"/>
-            <a:ext cx="4353261" cy="1938992"/>
-          </a:xfrm>
-          <a:prstGeom prst="rect">
-            <a:avLst/>
-          </a:prstGeom>
-        </p:spPr>
-        <p:txBody>
-          <a:bodyPr wrap="square">
-            <a:spAutoFit/>
-          </a:bodyPr>
-          <a:lstStyle/>
-          <a:p>
-            <a:r>
-              <a:rPr lang="en-US" altLang="zh-CN" sz="1200" dirty="0"/>
-              <a:t>old</a:t>
-            </a:r>
-          </a:p>
-          <a:p>
-            <a:r>
-              <a:rPr lang="zh-CN" altLang="en-US" sz="1200" dirty="0"/>
-              <a:t>Map(</a:t>
-            </a:r>
-            <a:endParaRPr lang="en-US" altLang="zh-CN" sz="1200" dirty="0"/>
-          </a:p>
-          <a:p>
-            <a:r>
-              <a:rPr lang="zh-CN" altLang="en-US" sz="1200" dirty="0"/>
-              <a:t>5 -&gt; investmentInfo(5 左护法,0.250000,500.0,2,6,false), </a:t>
-            </a:r>
-            <a:endParaRPr lang="en-US" altLang="zh-CN" sz="1200" dirty="0"/>
-          </a:p>
-          <a:p>
-            <a:r>
-              <a:rPr lang="zh-CN" altLang="en-US" sz="1200" dirty="0"/>
-              <a:t>10 -&gt; investmentInfo(10 右护法,0.500000,500.0,2,4,false),</a:t>
-            </a:r>
-            <a:endParaRPr lang="en-US" altLang="zh-CN" sz="1200" dirty="0"/>
-          </a:p>
-          <a:p>
-            <a:r>
-              <a:rPr lang="zh-CN" altLang="en-US" sz="1200" dirty="0"/>
-              <a:t>6 -&gt; investmentInfo(6 左护法,0.250000,500.0,2,7,false), </a:t>
-            </a:r>
-            <a:endParaRPr lang="en-US" altLang="zh-CN" sz="1200" dirty="0"/>
-          </a:p>
-          <a:p>
-            <a:r>
-              <a:rPr lang="zh-CN" altLang="en-US" sz="1200" dirty="0"/>
-              <a:t>9 -&gt; investmentInfo(9 右护法,0.500000,500.0,2,3,false), </a:t>
-            </a:r>
-            <a:endParaRPr lang="en-US" altLang="zh-CN" sz="1200" dirty="0"/>
-          </a:p>
-          <a:p>
-            <a:r>
-              <a:rPr lang="zh-CN" altLang="en-US" sz="1200" dirty="0"/>
-              <a:t>7 -&gt; investmentInfo(7 左护法,0.250000,500.0,2,8,false), </a:t>
-            </a:r>
-            <a:endParaRPr lang="en-US" altLang="zh-CN" sz="1200" dirty="0"/>
-          </a:p>
-          <a:p>
-            <a:r>
-              <a:rPr lang="zh-CN" altLang="en-US" sz="1200" dirty="0"/>
-              <a:t>3 -&gt; investmentInfo(3 左护法,0.250000,1000.0,2,5,false), </a:t>
-            </a:r>
-            <a:endParaRPr lang="en-US" altLang="zh-CN" sz="1200" dirty="0"/>
-          </a:p>
-          <a:p>
-            <a:r>
-              <a:rPr lang="zh-CN" altLang="en-US" sz="1200" dirty="0"/>
-              <a:t>8 -&gt; investmentInfo(8 右护法,0.500000,500.0,2,2,false),</a:t>
-            </a:r>
-            <a:endParaRPr lang="en-US" altLang="zh-CN" sz="1200" dirty="0"/>
-          </a:p>
-          <a:p>
-            <a:r>
-              <a:rPr lang="zh-CN" altLang="en-US" sz="1200" dirty="0"/>
-              <a:t>4 -&gt; investmentInfo(4 右护法,0.625000,1000.0,2,9,false))</a:t>
-            </a:r>
-          </a:p>
-        </p:txBody>
-      </p:sp>
-      <p:sp>
-        <p:nvSpPr>
-          <p:cNvPr id="5" name="矩形 4">
-            <a:extLst>
-              <a:ext uri="{FF2B5EF4-FFF2-40B4-BE49-F238E27FC236}">
-                <a16:creationId xmlns:a16="http://schemas.microsoft.com/office/drawing/2014/main" id="{D6DB2748-E4B6-FD49-8FD3-0AEEC66538C4}"/>
-              </a:ext>
-            </a:extLst>
-          </p:cNvPr>
-          <p:cNvSpPr/>
-          <p:nvPr/>
-        </p:nvSpPr>
-        <p:spPr>
-          <a:xfrm>
-            <a:off x="4006204" y="4146943"/>
-            <a:ext cx="4238512" cy="1938992"/>
-          </a:xfrm>
-          <a:prstGeom prst="rect">
-            <a:avLst/>
-          </a:prstGeom>
-        </p:spPr>
-        <p:txBody>
-          <a:bodyPr wrap="square">
-            <a:spAutoFit/>
-          </a:bodyPr>
-          <a:lstStyle/>
-          <a:p>
-            <a:r>
-              <a:rPr lang="en-US" altLang="zh-CN" sz="1200" dirty="0"/>
-              <a:t>New</a:t>
-            </a:r>
-          </a:p>
-          <a:p>
-            <a:r>
-              <a:rPr lang="zh-CN" altLang="en-US" sz="1200" dirty="0"/>
-              <a:t>Map(</a:t>
-            </a:r>
-            <a:endParaRPr lang="en-US" altLang="zh-CN" sz="1200" dirty="0"/>
-          </a:p>
-          <a:p>
-            <a:r>
-              <a:rPr lang="zh-CN" altLang="en-US" sz="1200" dirty="0"/>
-              <a:t>5 -&gt; investmentInfo(5 左护法,0.312500,500.0,2,6,true), </a:t>
-            </a:r>
-            <a:endParaRPr lang="en-US" altLang="zh-CN" sz="1200" dirty="0"/>
-          </a:p>
-          <a:p>
-            <a:r>
-              <a:rPr lang="zh-CN" altLang="en-US" sz="1200" dirty="0"/>
-              <a:t>10 -&gt; investmentInfo(10 右护法,0.625000,500.0,2,4,false), </a:t>
-            </a:r>
-            <a:endParaRPr lang="en-US" altLang="zh-CN" sz="1200" dirty="0"/>
-          </a:p>
-          <a:p>
-            <a:r>
-              <a:rPr lang="zh-CN" altLang="en-US" sz="1200" dirty="0"/>
-              <a:t>6 -&gt; investmentInfo(6 左护法,0.312500,500.0,2,7,false), </a:t>
-            </a:r>
-            <a:endParaRPr lang="en-US" altLang="zh-CN" sz="1200" dirty="0"/>
-          </a:p>
-          <a:p>
-            <a:r>
-              <a:rPr lang="zh-CN" altLang="en-US" sz="1200" dirty="0"/>
-              <a:t>9 -&gt; investmentInfo(9 右护法,0.625000,500.0,2,3,false), </a:t>
-            </a:r>
-            <a:endParaRPr lang="en-US" altLang="zh-CN" sz="1200" dirty="0"/>
-          </a:p>
-          <a:p>
-            <a:r>
-              <a:rPr lang="zh-CN" altLang="en-US" sz="1200" dirty="0"/>
-              <a:t>7 -&gt; investmentInfo(7 左护法,0.312500,500.0,2,8,false), </a:t>
-            </a:r>
-            <a:endParaRPr lang="en-US" altLang="zh-CN" sz="1200" dirty="0"/>
-          </a:p>
-          <a:p>
-            <a:r>
-              <a:rPr lang="zh-CN" altLang="en-US" sz="1200" dirty="0"/>
-              <a:t>3 -&gt; investmentInfo(3 左护法,0.312500,1000.0,2,5,false), </a:t>
-            </a:r>
-            <a:endParaRPr lang="en-US" altLang="zh-CN" sz="1200" dirty="0"/>
-          </a:p>
-          <a:p>
-            <a:r>
-              <a:rPr lang="zh-CN" altLang="en-US" sz="1200" dirty="0"/>
-              <a:t>8 -&gt; investmentInfo(8 右护法,0.781250,500.0,2,10,false), </a:t>
-            </a:r>
-            <a:endParaRPr lang="en-US" altLang="zh-CN" sz="1200" dirty="0"/>
-          </a:p>
-          <a:p>
-            <a:r>
-              <a:rPr lang="zh-CN" altLang="en-US" sz="1200" dirty="0"/>
-              <a:t>4 -&gt; investmentInfo(4 右护法,0.156250,1000.0,2,9,false))</a:t>
-            </a:r>
           </a:p>
         </p:txBody>
       </p:sp>
@@ -21713,57 +21493,6 @@
       </p:sp>
       <p:sp>
         <p:nvSpPr>
-          <p:cNvPr id="8" name="文本框 7">
-            <a:extLst>
-              <a:ext uri="{FF2B5EF4-FFF2-40B4-BE49-F238E27FC236}">
-                <a16:creationId xmlns:a16="http://schemas.microsoft.com/office/drawing/2014/main" id="{DDDD8D19-6C15-134C-B94C-3204AB052B03}"/>
-              </a:ext>
-            </a:extLst>
-          </p:cNvPr>
-          <p:cNvSpPr txBox="1"/>
-          <p:nvPr/>
-        </p:nvSpPr>
-        <p:spPr>
-          <a:xfrm>
-            <a:off x="344245" y="4550485"/>
-            <a:ext cx="3550023" cy="923330"/>
-          </a:xfrm>
-          <a:prstGeom prst="rect">
-            <a:avLst/>
-          </a:prstGeom>
-          <a:noFill/>
-        </p:spPr>
-        <p:txBody>
-          <a:bodyPr wrap="square" rtlCol="0">
-            <a:spAutoFit/>
-          </a:bodyPr>
-          <a:lstStyle/>
-          <a:p>
-            <a:r>
-              <a:rPr kumimoji="1" lang="zh-CN" altLang="en-US" dirty="0"/>
-              <a:t>这时候需要搞明白这个</a:t>
-            </a:r>
-            <a:r>
-              <a:rPr kumimoji="1" lang="en-US" altLang="zh-CN" dirty="0"/>
-              <a:t>new</a:t>
-            </a:r>
-            <a:r>
-              <a:rPr kumimoji="1" lang="zh-CN" altLang="en-US" dirty="0"/>
-              <a:t>是怎么来的，这就要看上一层 </a:t>
-            </a:r>
-            <a:r>
-              <a:rPr kumimoji="1" lang="en-US" altLang="zh-CN" dirty="0"/>
-              <a:t>8</a:t>
-            </a:r>
-            <a:r>
-              <a:rPr kumimoji="1" lang="zh-CN" altLang="en-US" dirty="0"/>
-              <a:t> 右护法传了什么消息给他？</a:t>
-            </a:r>
-          </a:p>
-        </p:txBody>
-      </p:sp>
-      <p:sp>
-        <p:nvSpPr>
           <p:cNvPr id="10" name="矩形 9">
             <a:extLst>
               <a:ext uri="{FF2B5EF4-FFF2-40B4-BE49-F238E27FC236}">
@@ -21776,8 +21505,8 @@
         </p:nvSpPr>
         <p:spPr>
           <a:xfrm>
-            <a:off x="3932980" y="3222327"/>
-            <a:ext cx="8131201" cy="3243019"/>
+            <a:off x="1809213" y="2053940"/>
+            <a:ext cx="3340856" cy="2324339"/>
           </a:xfrm>
           <a:prstGeom prst="rect">
             <a:avLst/>
@@ -21815,10 +21544,361 @@
           </a:p>
         </p:txBody>
       </p:sp>
+      <p:sp>
+        <p:nvSpPr>
+          <p:cNvPr id="6" name="矩形 5">
+            <a:extLst>
+              <a:ext uri="{FF2B5EF4-FFF2-40B4-BE49-F238E27FC236}">
+                <a16:creationId xmlns:a16="http://schemas.microsoft.com/office/drawing/2014/main" id="{D2D22241-5542-6D4D-A284-4A361CAB67A8}"/>
+              </a:ext>
+            </a:extLst>
+          </p:cNvPr>
+          <p:cNvSpPr/>
+          <p:nvPr/>
+        </p:nvSpPr>
+        <p:spPr>
+          <a:xfrm>
+            <a:off x="7726011" y="4609607"/>
+            <a:ext cx="3892556" cy="1615827"/>
+          </a:xfrm>
+          <a:prstGeom prst="rect">
+            <a:avLst/>
+          </a:prstGeom>
+        </p:spPr>
+        <p:txBody>
+          <a:bodyPr wrap="square">
+            <a:spAutoFit/>
+          </a:bodyPr>
+          <a:lstStyle/>
+          <a:p>
+            <a:r>
+              <a:rPr lang="zh-CN" altLang="en-US" sz="1100" dirty="0"/>
+              <a:t>Map(</a:t>
+            </a:r>
+            <a:endParaRPr lang="en-US" altLang="zh-CN" sz="1100" dirty="0"/>
+          </a:p>
+          <a:p>
+            <a:r>
+              <a:rPr lang="zh-CN" altLang="en-US" sz="1100" dirty="0"/>
+              <a:t>5 -&gt; simpleInvestmentInfo(5 左护法,0.250000,2,6), </a:t>
+            </a:r>
+            <a:endParaRPr lang="en-US" altLang="zh-CN" sz="1100" dirty="0"/>
+          </a:p>
+          <a:p>
+            <a:r>
+              <a:rPr lang="zh-CN" altLang="en-US" sz="1100" dirty="0"/>
+              <a:t>10 -&gt; simpleInvestmentInfo(10 右护法,0.500000,2,4), </a:t>
+            </a:r>
+            <a:endParaRPr lang="en-US" altLang="zh-CN" sz="1100" dirty="0"/>
+          </a:p>
+          <a:p>
+            <a:r>
+              <a:rPr lang="zh-CN" altLang="en-US" sz="1100" dirty="0"/>
+              <a:t>6 -&gt; simpleInvestmentInfo(6 左护法,0.250000,2,7), </a:t>
+            </a:r>
+            <a:endParaRPr lang="en-US" altLang="zh-CN" sz="1100" dirty="0"/>
+          </a:p>
+          <a:p>
+            <a:r>
+              <a:rPr lang="zh-CN" altLang="en-US" sz="1100" dirty="0"/>
+              <a:t>9 -&gt; simpleInvestmentInfo(9 右护法,0.500000,2,3), </a:t>
+            </a:r>
+            <a:endParaRPr lang="en-US" altLang="zh-CN" sz="1100" dirty="0"/>
+          </a:p>
+          <a:p>
+            <a:r>
+              <a:rPr lang="zh-CN" altLang="en-US" sz="1100" dirty="0"/>
+              <a:t>7 -&gt; simpleInvestmentInfo(7 左护法,0.250000,2,8), </a:t>
+            </a:r>
+            <a:endParaRPr lang="en-US" altLang="zh-CN" sz="1100" dirty="0"/>
+          </a:p>
+          <a:p>
+            <a:r>
+              <a:rPr lang="zh-CN" altLang="en-US" sz="1100" dirty="0"/>
+              <a:t>3 -&gt; simpleInvestmentInfo(3 左护法,0.250000,2,5), </a:t>
+            </a:r>
+            <a:endParaRPr lang="en-US" altLang="zh-CN" sz="1100" dirty="0"/>
+          </a:p>
+          <a:p>
+            <a:r>
+              <a:rPr lang="zh-CN" altLang="en-US" sz="1100" dirty="0"/>
+              <a:t>8 -&gt; simpleInvestmentInfo(8 右护法,0.500000,2,2), </a:t>
+            </a:r>
+            <a:endParaRPr lang="en-US" altLang="zh-CN" sz="1100" dirty="0"/>
+          </a:p>
+          <a:p>
+            <a:r>
+              <a:rPr lang="zh-CN" altLang="en-US" sz="1100" dirty="0"/>
+              <a:t>4 -&gt; simpleInvestmentInfo(4 右护法,0.500000,2,1))</a:t>
+            </a:r>
+          </a:p>
+        </p:txBody>
+      </p:sp>
+      <p:sp>
+        <p:nvSpPr>
+          <p:cNvPr id="7" name="矩形 6">
+            <a:extLst>
+              <a:ext uri="{FF2B5EF4-FFF2-40B4-BE49-F238E27FC236}">
+                <a16:creationId xmlns:a16="http://schemas.microsoft.com/office/drawing/2014/main" id="{2B98B566-1779-9843-87A8-067FFB414521}"/>
+              </a:ext>
+            </a:extLst>
+          </p:cNvPr>
+          <p:cNvSpPr/>
+          <p:nvPr/>
+        </p:nvSpPr>
+        <p:spPr>
+          <a:xfrm>
+            <a:off x="1813299" y="2647355"/>
+            <a:ext cx="3541908" cy="1615827"/>
+          </a:xfrm>
+          <a:prstGeom prst="rect">
+            <a:avLst/>
+          </a:prstGeom>
+        </p:spPr>
+        <p:txBody>
+          <a:bodyPr wrap="square">
+            <a:spAutoFit/>
+          </a:bodyPr>
+          <a:lstStyle/>
+          <a:p>
+            <a:r>
+              <a:rPr lang="zh-CN" altLang="en-US" sz="1100" dirty="0"/>
+              <a:t>Map(</a:t>
+            </a:r>
+            <a:endParaRPr lang="en-US" altLang="zh-CN" sz="1100" dirty="0"/>
+          </a:p>
+          <a:p>
+            <a:r>
+              <a:rPr lang="zh-CN" altLang="en-US" sz="1100" dirty="0"/>
+              <a:t>5 -&gt; simpleInvestmentInfo(5 左护法,0.500000,4,5), </a:t>
+            </a:r>
+            <a:endParaRPr lang="en-US" altLang="zh-CN" sz="1100" dirty="0"/>
+          </a:p>
+          <a:p>
+            <a:r>
+              <a:rPr lang="zh-CN" altLang="en-US" sz="1100" dirty="0"/>
+              <a:t>10 -&gt; simpleInvestmentInfo(10 右护法,1.000000,4,3), </a:t>
+            </a:r>
+            <a:endParaRPr lang="en-US" altLang="zh-CN" sz="1100" dirty="0"/>
+          </a:p>
+          <a:p>
+            <a:r>
+              <a:rPr lang="zh-CN" altLang="en-US" sz="1100" dirty="0"/>
+              <a:t>6 -&gt; simpleInvestmentInfo(6 左护法,0.500000,4,6), </a:t>
+            </a:r>
+            <a:endParaRPr lang="en-US" altLang="zh-CN" sz="1100" dirty="0"/>
+          </a:p>
+          <a:p>
+            <a:r>
+              <a:rPr lang="zh-CN" altLang="en-US" sz="1100" dirty="0"/>
+              <a:t>9 -&gt; simpleInvestmentInfo(9 右护法,1.000000,4,2), </a:t>
+            </a:r>
+            <a:endParaRPr lang="en-US" altLang="zh-CN" sz="1100" dirty="0"/>
+          </a:p>
+          <a:p>
+            <a:r>
+              <a:rPr lang="zh-CN" altLang="en-US" sz="1100" dirty="0"/>
+              <a:t>7 -&gt; simpleInvestmentInfo(7 左护法,0.500000,4,7), </a:t>
+            </a:r>
+            <a:endParaRPr lang="en-US" altLang="zh-CN" sz="1100" dirty="0"/>
+          </a:p>
+          <a:p>
+            <a:r>
+              <a:rPr lang="zh-CN" altLang="en-US" sz="1100" dirty="0"/>
+              <a:t>3 -&gt; simpleInvestmentInfo(3 左护法,0.500000,4,4), </a:t>
+            </a:r>
+            <a:endParaRPr lang="en-US" altLang="zh-CN" sz="1100" dirty="0"/>
+          </a:p>
+          <a:p>
+            <a:r>
+              <a:rPr lang="zh-CN" altLang="en-US" sz="1100" dirty="0"/>
+              <a:t>8 -&gt; simpleInvestmentInfo(8 右护法,1.000000,4,1), </a:t>
+            </a:r>
+            <a:endParaRPr lang="en-US" altLang="zh-CN" sz="1100" dirty="0"/>
+          </a:p>
+          <a:p>
+            <a:r>
+              <a:rPr lang="zh-CN" altLang="en-US" sz="1100" dirty="0"/>
+              <a:t>4 -&gt; simpleInvestmentInfo(4 右护法,0.250000,4,8))</a:t>
+            </a:r>
+          </a:p>
+        </p:txBody>
+      </p:sp>
+      <p:sp>
+        <p:nvSpPr>
+          <p:cNvPr id="25" name="矩形 24">
+            <a:extLst>
+              <a:ext uri="{FF2B5EF4-FFF2-40B4-BE49-F238E27FC236}">
+                <a16:creationId xmlns:a16="http://schemas.microsoft.com/office/drawing/2014/main" id="{4C78A096-4890-C54C-9F81-A7A292258A17}"/>
+              </a:ext>
+            </a:extLst>
+          </p:cNvPr>
+          <p:cNvSpPr/>
+          <p:nvPr/>
+        </p:nvSpPr>
+        <p:spPr>
+          <a:xfrm>
+            <a:off x="7722611" y="3490369"/>
+            <a:ext cx="3340856" cy="2847370"/>
+          </a:xfrm>
+          <a:prstGeom prst="rect">
+            <a:avLst/>
+          </a:prstGeom>
+          <a:noFill/>
+          <a:ln w="25400">
+            <a:solidFill>
+              <a:srgbClr val="FFC000"/>
+            </a:solidFill>
+            <a:prstDash val="lgDash"/>
+          </a:ln>
+        </p:spPr>
+        <p:style>
+          <a:lnRef idx="2">
+            <a:schemeClr val="accent1">
+              <a:shade val="50000"/>
+            </a:schemeClr>
+          </a:lnRef>
+          <a:fillRef idx="1">
+            <a:schemeClr val="accent1"/>
+          </a:fillRef>
+          <a:effectRef idx="0">
+            <a:schemeClr val="accent1"/>
+          </a:effectRef>
+          <a:fontRef idx="minor">
+            <a:schemeClr val="lt1"/>
+          </a:fontRef>
+        </p:style>
+        <p:txBody>
+          <a:bodyPr rtlCol="0" anchor="ctr"/>
+          <a:lstStyle/>
+          <a:p>
+            <a:pPr algn="ctr"/>
+            <a:endParaRPr kumimoji="1" lang="zh-CN" altLang="en-US" dirty="0"/>
+          </a:p>
+        </p:txBody>
+      </p:sp>
+      <p:cxnSp>
+        <p:nvCxnSpPr>
+          <p:cNvPr id="13" name="曲线连接符 12">
+            <a:extLst>
+              <a:ext uri="{FF2B5EF4-FFF2-40B4-BE49-F238E27FC236}">
+                <a16:creationId xmlns:a16="http://schemas.microsoft.com/office/drawing/2014/main" id="{3414BBBB-C049-2240-B059-FD217DF269DA}"/>
+              </a:ext>
+            </a:extLst>
+          </p:cNvPr>
+          <p:cNvCxnSpPr>
+            <a:cxnSpLocks/>
+            <a:stCxn id="15" idx="0"/>
+            <a:endCxn id="7" idx="2"/>
+          </p:cNvCxnSpPr>
+          <p:nvPr/>
+        </p:nvCxnSpPr>
+        <p:spPr>
+          <a:xfrm rot="5400000" flipH="1" flipV="1">
+            <a:off x="2949266" y="4228277"/>
+            <a:ext cx="600082" cy="669892"/>
+          </a:xfrm>
+          <a:prstGeom prst="curvedConnector3">
+            <a:avLst>
+              <a:gd name="adj1" fmla="val 50000"/>
+            </a:avLst>
+          </a:prstGeom>
+          <a:ln>
+            <a:solidFill>
+              <a:srgbClr val="FF0000"/>
+            </a:solidFill>
+            <a:tailEnd type="triangle"/>
+          </a:ln>
+        </p:spPr>
+        <p:style>
+          <a:lnRef idx="1">
+            <a:schemeClr val="accent1"/>
+          </a:lnRef>
+          <a:fillRef idx="0">
+            <a:schemeClr val="accent1"/>
+          </a:fillRef>
+          <a:effectRef idx="0">
+            <a:schemeClr val="accent1"/>
+          </a:effectRef>
+          <a:fontRef idx="minor">
+            <a:schemeClr val="tx1"/>
+          </a:fontRef>
+        </p:style>
+      </p:cxnSp>
+      <p:sp>
+        <p:nvSpPr>
+          <p:cNvPr id="15" name="文本框 14">
+            <a:extLst>
+              <a:ext uri="{FF2B5EF4-FFF2-40B4-BE49-F238E27FC236}">
+                <a16:creationId xmlns:a16="http://schemas.microsoft.com/office/drawing/2014/main" id="{8145A0E5-2488-2D4F-8BDA-010AE7D59C76}"/>
+              </a:ext>
+            </a:extLst>
+          </p:cNvPr>
+          <p:cNvSpPr txBox="1"/>
+          <p:nvPr/>
+        </p:nvSpPr>
+        <p:spPr>
+          <a:xfrm>
+            <a:off x="1879092" y="4863264"/>
+            <a:ext cx="2070538" cy="738664"/>
+          </a:xfrm>
+          <a:prstGeom prst="rect">
+            <a:avLst/>
+          </a:prstGeom>
+          <a:noFill/>
+        </p:spPr>
+        <p:txBody>
+          <a:bodyPr wrap="square" rtlCol="0">
+            <a:spAutoFit/>
+          </a:bodyPr>
+          <a:lstStyle/>
+          <a:p>
+            <a:r>
+              <a:rPr kumimoji="1" lang="zh-CN" altLang="en-US" sz="1400" dirty="0"/>
+              <a:t>自己对自己持股</a:t>
+            </a:r>
+            <a:r>
+              <a:rPr kumimoji="1" lang="en-US" altLang="zh-CN" sz="1400" dirty="0"/>
+              <a:t>0.25</a:t>
+            </a:r>
+            <a:r>
+              <a:rPr kumimoji="1" lang="zh-CN" altLang="en-US" sz="1400" dirty="0"/>
+              <a:t>，</a:t>
+            </a:r>
+            <a:endParaRPr kumimoji="1" lang="en-US" altLang="zh-CN" sz="1400" dirty="0"/>
+          </a:p>
+          <a:p>
+            <a:r>
+              <a:rPr kumimoji="1" lang="zh-CN" altLang="en-US" sz="1400" dirty="0"/>
+              <a:t>已经传播一轮，但是还没到 </a:t>
+            </a:r>
+            <a:r>
+              <a:rPr kumimoji="1" lang="en-US" altLang="zh-CN" sz="1400" dirty="0">
+                <a:solidFill>
+                  <a:srgbClr val="00B0F0"/>
+                </a:solidFill>
+              </a:rPr>
+              <a:t>2</a:t>
+            </a:r>
+            <a:r>
+              <a:rPr kumimoji="1" lang="zh-CN" altLang="en-US" sz="1400" dirty="0">
+                <a:solidFill>
+                  <a:srgbClr val="00B0F0"/>
+                </a:solidFill>
+              </a:rPr>
+              <a:t>大鹏 </a:t>
+            </a:r>
+            <a:r>
+              <a:rPr kumimoji="1" lang="zh-CN" altLang="en-US" sz="1400" dirty="0"/>
+              <a:t>节点</a:t>
+            </a:r>
+          </a:p>
+        </p:txBody>
+      </p:sp>
     </p:spTree>
     <p:extLst>
       <p:ext uri="{BB962C8B-B14F-4D97-AF65-F5344CB8AC3E}">
-        <p14:creationId xmlns:p14="http://schemas.microsoft.com/office/powerpoint/2010/main" val="366506033"/>
+        <p14:creationId xmlns:p14="http://schemas.microsoft.com/office/powerpoint/2010/main" val="1092335309"/>
       </p:ext>
     </p:extLst>
   </p:cSld>
@@ -23310,6 +23390,3852 @@
 </file>
 
 <file path=ppt/slides/slide30.xml><?xml version="1.0" encoding="utf-8"?>
+<p:sld xmlns:a="http://schemas.openxmlformats.org/drawingml/2006/main" xmlns:r="http://schemas.openxmlformats.org/officeDocument/2006/relationships" xmlns:p="http://schemas.openxmlformats.org/presentationml/2006/main">
+  <p:cSld>
+    <p:spTree>
+      <p:nvGrpSpPr>
+        <p:cNvPr id="1" name=""/>
+        <p:cNvGrpSpPr/>
+        <p:nvPr/>
+      </p:nvGrpSpPr>
+      <p:grpSpPr>
+        <a:xfrm>
+          <a:off x="0" y="0"/>
+          <a:ext cx="0" cy="0"/>
+          <a:chOff x="0" y="0"/>
+          <a:chExt cx="0" cy="0"/>
+        </a:xfrm>
+      </p:grpSpPr>
+      <p:sp>
+        <p:nvSpPr>
+          <p:cNvPr id="3" name="文本框 2">
+            <a:extLst>
+              <a:ext uri="{FF2B5EF4-FFF2-40B4-BE49-F238E27FC236}">
+                <a16:creationId xmlns:a16="http://schemas.microsoft.com/office/drawing/2014/main" id="{2A2FBB20-DC04-9149-BB4A-6772BB523FB8}"/>
+              </a:ext>
+            </a:extLst>
+          </p:cNvPr>
+          <p:cNvSpPr txBox="1"/>
+          <p:nvPr/>
+        </p:nvSpPr>
+        <p:spPr>
+          <a:xfrm>
+            <a:off x="344245" y="107719"/>
+            <a:ext cx="7462299" cy="1323439"/>
+          </a:xfrm>
+          <a:prstGeom prst="rect">
+            <a:avLst/>
+          </a:prstGeom>
+          <a:noFill/>
+        </p:spPr>
+        <p:txBody>
+          <a:bodyPr wrap="none" rtlCol="0">
+            <a:spAutoFit/>
+          </a:bodyPr>
+          <a:lstStyle/>
+          <a:p>
+            <a:r>
+              <a:rPr kumimoji="1" lang="en-US" altLang="zh-CN" sz="4000" dirty="0"/>
+              <a:t>G13</a:t>
+            </a:r>
+            <a:r>
+              <a:rPr kumimoji="1" lang="zh-CN" altLang="en-US" sz="4000" dirty="0"/>
+              <a:t> 有向有环图 </a:t>
+            </a:r>
+            <a:r>
+              <a:rPr kumimoji="1" lang="en-US" altLang="zh-CN" sz="4000" dirty="0"/>
+              <a:t>–</a:t>
+            </a:r>
+            <a:r>
+              <a:rPr kumimoji="1" lang="zh-CN" altLang="en-US" sz="4000" dirty="0"/>
+              <a:t> 长环</a:t>
+            </a:r>
+            <a:r>
+              <a:rPr kumimoji="1" lang="en-US" altLang="zh-CN" sz="4000" dirty="0" err="1">
+                <a:solidFill>
+                  <a:srgbClr val="FF0000"/>
+                </a:solidFill>
+              </a:rPr>
+              <a:t>tailFact</a:t>
+            </a:r>
+            <a:r>
+              <a:rPr kumimoji="1" lang="en-US" altLang="zh-CN" sz="4000" dirty="0">
+                <a:solidFill>
+                  <a:srgbClr val="FF0000"/>
+                </a:solidFill>
+              </a:rPr>
+              <a:t>(8)</a:t>
+            </a:r>
+            <a:endParaRPr kumimoji="1" lang="zh-CN" altLang="en-US" sz="4000" dirty="0">
+              <a:solidFill>
+                <a:srgbClr val="FF0000"/>
+              </a:solidFill>
+            </a:endParaRPr>
+          </a:p>
+          <a:p>
+            <a:endParaRPr kumimoji="1" lang="zh-CN" altLang="en-US" sz="4000" dirty="0"/>
+          </a:p>
+        </p:txBody>
+      </p:sp>
+      <p:cxnSp>
+        <p:nvCxnSpPr>
+          <p:cNvPr id="18" name="曲线连接符 17">
+            <a:extLst>
+              <a:ext uri="{FF2B5EF4-FFF2-40B4-BE49-F238E27FC236}">
+                <a16:creationId xmlns:a16="http://schemas.microsoft.com/office/drawing/2014/main" id="{823B479D-A115-E74D-9C67-656D069ADED2}"/>
+              </a:ext>
+            </a:extLst>
+          </p:cNvPr>
+          <p:cNvCxnSpPr>
+            <a:cxnSpLocks/>
+            <a:stCxn id="22" idx="2"/>
+            <a:endCxn id="19" idx="3"/>
+          </p:cNvCxnSpPr>
+          <p:nvPr/>
+        </p:nvCxnSpPr>
+        <p:spPr>
+          <a:xfrm rot="5400000" flipH="1">
+            <a:off x="5808520" y="1110026"/>
+            <a:ext cx="1677614" cy="4417004"/>
+          </a:xfrm>
+          <a:prstGeom prst="curvedConnector4">
+            <a:avLst>
+              <a:gd name="adj1" fmla="val -13626"/>
+              <a:gd name="adj2" fmla="val 59242"/>
+            </a:avLst>
+          </a:prstGeom>
+          <a:ln>
+            <a:tailEnd type="triangle"/>
+          </a:ln>
+        </p:spPr>
+        <p:style>
+          <a:lnRef idx="1">
+            <a:schemeClr val="accent1"/>
+          </a:lnRef>
+          <a:fillRef idx="0">
+            <a:schemeClr val="accent1"/>
+          </a:fillRef>
+          <a:effectRef idx="0">
+            <a:schemeClr val="accent1"/>
+          </a:effectRef>
+          <a:fontRef idx="minor">
+            <a:schemeClr val="tx1"/>
+          </a:fontRef>
+        </p:style>
+      </p:cxnSp>
+      <p:sp>
+        <p:nvSpPr>
+          <p:cNvPr id="19" name="圆角矩形 18">
+            <a:extLst>
+              <a:ext uri="{FF2B5EF4-FFF2-40B4-BE49-F238E27FC236}">
+                <a16:creationId xmlns:a16="http://schemas.microsoft.com/office/drawing/2014/main" id="{5CCCEE52-AE84-3E4E-AA8A-50649D5AE9D6}"/>
+              </a:ext>
+            </a:extLst>
+          </p:cNvPr>
+          <p:cNvSpPr/>
+          <p:nvPr/>
+        </p:nvSpPr>
+        <p:spPr>
+          <a:xfrm>
+            <a:off x="2897561" y="2162370"/>
+            <a:ext cx="1541264" cy="634701"/>
+          </a:xfrm>
+          <a:prstGeom prst="roundRect">
+            <a:avLst/>
+          </a:prstGeom>
+        </p:spPr>
+        <p:style>
+          <a:lnRef idx="2">
+            <a:schemeClr val="accent1">
+              <a:shade val="50000"/>
+            </a:schemeClr>
+          </a:lnRef>
+          <a:fillRef idx="1">
+            <a:schemeClr val="accent1"/>
+          </a:fillRef>
+          <a:effectRef idx="0">
+            <a:schemeClr val="accent1"/>
+          </a:effectRef>
+          <a:fontRef idx="minor">
+            <a:schemeClr val="lt1"/>
+          </a:fontRef>
+        </p:style>
+        <p:txBody>
+          <a:bodyPr rtlCol="0" anchor="ctr"/>
+          <a:lstStyle/>
+          <a:p>
+            <a:pPr algn="ctr"/>
+            <a:r>
+              <a:rPr kumimoji="1" lang="en-US" altLang="zh-CN" dirty="0"/>
+              <a:t>4</a:t>
+            </a:r>
+            <a:r>
+              <a:rPr kumimoji="1" lang="zh-CN" altLang="en-US" dirty="0"/>
+              <a:t> 右护法</a:t>
+            </a:r>
+            <a:endParaRPr kumimoji="1" lang="en-US" altLang="zh-CN" dirty="0"/>
+          </a:p>
+          <a:p>
+            <a:pPr algn="ctr"/>
+            <a:r>
+              <a:rPr kumimoji="1" lang="en-US" altLang="zh-CN" dirty="0"/>
+              <a:t>1000w</a:t>
+            </a:r>
+          </a:p>
+        </p:txBody>
+      </p:sp>
+      <p:sp>
+        <p:nvSpPr>
+          <p:cNvPr id="22" name="圆角矩形 21">
+            <a:extLst>
+              <a:ext uri="{FF2B5EF4-FFF2-40B4-BE49-F238E27FC236}">
+                <a16:creationId xmlns:a16="http://schemas.microsoft.com/office/drawing/2014/main" id="{B20C7EFC-25FC-0748-818C-92A12F72466E}"/>
+              </a:ext>
+            </a:extLst>
+          </p:cNvPr>
+          <p:cNvSpPr/>
+          <p:nvPr/>
+        </p:nvSpPr>
+        <p:spPr>
+          <a:xfrm>
+            <a:off x="8039369" y="3522634"/>
+            <a:ext cx="1632920" cy="634701"/>
+          </a:xfrm>
+          <a:prstGeom prst="roundRect">
+            <a:avLst/>
+          </a:prstGeom>
+        </p:spPr>
+        <p:style>
+          <a:lnRef idx="2">
+            <a:schemeClr val="accent1">
+              <a:shade val="50000"/>
+            </a:schemeClr>
+          </a:lnRef>
+          <a:fillRef idx="1">
+            <a:schemeClr val="accent1"/>
+          </a:fillRef>
+          <a:effectRef idx="0">
+            <a:schemeClr val="accent1"/>
+          </a:effectRef>
+          <a:fontRef idx="minor">
+            <a:schemeClr val="lt1"/>
+          </a:fontRef>
+        </p:style>
+        <p:txBody>
+          <a:bodyPr rtlCol="0" anchor="ctr"/>
+          <a:lstStyle/>
+          <a:p>
+            <a:pPr algn="ctr"/>
+            <a:r>
+              <a:rPr kumimoji="1" lang="en-US" altLang="zh-CN" dirty="0"/>
+              <a:t>2</a:t>
+            </a:r>
+            <a:r>
+              <a:rPr lang="zh-CN" altLang="en-US" dirty="0"/>
+              <a:t>大鹏金翅雕</a:t>
+            </a:r>
+            <a:endParaRPr kumimoji="1" lang="zh-CN" altLang="en-US" dirty="0"/>
+          </a:p>
+        </p:txBody>
+      </p:sp>
+      <p:sp>
+        <p:nvSpPr>
+          <p:cNvPr id="29" name="圆角矩形 28">
+            <a:extLst>
+              <a:ext uri="{FF2B5EF4-FFF2-40B4-BE49-F238E27FC236}">
+                <a16:creationId xmlns:a16="http://schemas.microsoft.com/office/drawing/2014/main" id="{DA16C56B-7627-594D-9E57-57EB28FFE682}"/>
+              </a:ext>
+            </a:extLst>
+          </p:cNvPr>
+          <p:cNvSpPr/>
+          <p:nvPr/>
+        </p:nvSpPr>
+        <p:spPr>
+          <a:xfrm>
+            <a:off x="680197" y="865552"/>
+            <a:ext cx="1541264" cy="634701"/>
+          </a:xfrm>
+          <a:prstGeom prst="roundRect">
+            <a:avLst/>
+          </a:prstGeom>
+        </p:spPr>
+        <p:style>
+          <a:lnRef idx="2">
+            <a:schemeClr val="accent1">
+              <a:shade val="50000"/>
+            </a:schemeClr>
+          </a:lnRef>
+          <a:fillRef idx="1">
+            <a:schemeClr val="accent1"/>
+          </a:fillRef>
+          <a:effectRef idx="0">
+            <a:schemeClr val="accent1"/>
+          </a:effectRef>
+          <a:fontRef idx="minor">
+            <a:schemeClr val="lt1"/>
+          </a:fontRef>
+        </p:style>
+        <p:txBody>
+          <a:bodyPr rtlCol="0" anchor="ctr"/>
+          <a:lstStyle/>
+          <a:p>
+            <a:pPr algn="ctr"/>
+            <a:r>
+              <a:rPr kumimoji="1" lang="en-US" altLang="zh-CN" dirty="0"/>
+              <a:t>8</a:t>
+            </a:r>
+            <a:r>
+              <a:rPr kumimoji="1" lang="zh-CN" altLang="en-US" dirty="0"/>
+              <a:t> 右护法</a:t>
+            </a:r>
+            <a:endParaRPr kumimoji="1" lang="en-US" altLang="zh-CN" dirty="0"/>
+          </a:p>
+          <a:p>
+            <a:pPr algn="ctr"/>
+            <a:r>
+              <a:rPr kumimoji="1" lang="en-US" altLang="zh-CN" dirty="0"/>
+              <a:t>500w</a:t>
+            </a:r>
+          </a:p>
+        </p:txBody>
+      </p:sp>
+      <p:cxnSp>
+        <p:nvCxnSpPr>
+          <p:cNvPr id="48" name="曲线连接符 47">
+            <a:extLst>
+              <a:ext uri="{FF2B5EF4-FFF2-40B4-BE49-F238E27FC236}">
+                <a16:creationId xmlns:a16="http://schemas.microsoft.com/office/drawing/2014/main" id="{B0B1215D-C395-F44E-928F-35A709952449}"/>
+              </a:ext>
+            </a:extLst>
+          </p:cNvPr>
+          <p:cNvCxnSpPr>
+            <a:cxnSpLocks/>
+            <a:stCxn id="19" idx="1"/>
+            <a:endCxn id="29" idx="2"/>
+          </p:cNvCxnSpPr>
+          <p:nvPr/>
+        </p:nvCxnSpPr>
+        <p:spPr>
+          <a:xfrm rot="10800000">
+            <a:off x="1450829" y="1500253"/>
+            <a:ext cx="1446732" cy="979468"/>
+          </a:xfrm>
+          <a:prstGeom prst="curvedConnector2">
+            <a:avLst/>
+          </a:prstGeom>
+          <a:ln>
+            <a:tailEnd type="triangle"/>
+          </a:ln>
+        </p:spPr>
+        <p:style>
+          <a:lnRef idx="1">
+            <a:schemeClr val="accent1"/>
+          </a:lnRef>
+          <a:fillRef idx="0">
+            <a:schemeClr val="accent1"/>
+          </a:fillRef>
+          <a:effectRef idx="0">
+            <a:schemeClr val="accent1"/>
+          </a:effectRef>
+          <a:fontRef idx="minor">
+            <a:schemeClr val="tx1"/>
+          </a:fontRef>
+        </p:style>
+      </p:cxnSp>
+      <p:sp>
+        <p:nvSpPr>
+          <p:cNvPr id="59" name="文本框 58">
+            <a:extLst>
+              <a:ext uri="{FF2B5EF4-FFF2-40B4-BE49-F238E27FC236}">
+                <a16:creationId xmlns:a16="http://schemas.microsoft.com/office/drawing/2014/main" id="{C94BBED9-BD92-C044-A29D-A12D94185CF5}"/>
+              </a:ext>
+            </a:extLst>
+          </p:cNvPr>
+          <p:cNvSpPr txBox="1"/>
+          <p:nvPr/>
+        </p:nvSpPr>
+        <p:spPr>
+          <a:xfrm>
+            <a:off x="6211715" y="3318528"/>
+            <a:ext cx="479618" cy="369332"/>
+          </a:xfrm>
+          <a:prstGeom prst="rect">
+            <a:avLst/>
+          </a:prstGeom>
+          <a:noFill/>
+        </p:spPr>
+        <p:txBody>
+          <a:bodyPr wrap="none" rtlCol="0">
+            <a:spAutoFit/>
+          </a:bodyPr>
+          <a:lstStyle/>
+          <a:p>
+            <a:r>
+              <a:rPr kumimoji="1" lang="en-US" altLang="zh-CN" dirty="0"/>
+              <a:t>0.5</a:t>
+            </a:r>
+            <a:endParaRPr kumimoji="1" lang="zh-CN" altLang="en-US" dirty="0"/>
+          </a:p>
+        </p:txBody>
+      </p:sp>
+      <p:sp>
+        <p:nvSpPr>
+          <p:cNvPr id="66" name="文本框 65">
+            <a:extLst>
+              <a:ext uri="{FF2B5EF4-FFF2-40B4-BE49-F238E27FC236}">
+                <a16:creationId xmlns:a16="http://schemas.microsoft.com/office/drawing/2014/main" id="{AE65E885-42E1-984C-8B64-89AE9044D0F8}"/>
+              </a:ext>
+            </a:extLst>
+          </p:cNvPr>
+          <p:cNvSpPr txBox="1"/>
+          <p:nvPr/>
+        </p:nvSpPr>
+        <p:spPr>
+          <a:xfrm>
+            <a:off x="1502719" y="1522778"/>
+            <a:ext cx="306494" cy="369332"/>
+          </a:xfrm>
+          <a:prstGeom prst="rect">
+            <a:avLst/>
+          </a:prstGeom>
+          <a:noFill/>
+        </p:spPr>
+        <p:txBody>
+          <a:bodyPr wrap="none" rtlCol="0">
+            <a:spAutoFit/>
+          </a:bodyPr>
+          <a:lstStyle/>
+          <a:p>
+            <a:r>
+              <a:rPr kumimoji="1" lang="en-US" altLang="zh-CN" dirty="0"/>
+              <a:t>1</a:t>
+            </a:r>
+            <a:endParaRPr kumimoji="1" lang="zh-CN" altLang="en-US" dirty="0"/>
+          </a:p>
+        </p:txBody>
+      </p:sp>
+      <p:sp>
+        <p:nvSpPr>
+          <p:cNvPr id="47" name="圆角矩形 46">
+            <a:extLst>
+              <a:ext uri="{FF2B5EF4-FFF2-40B4-BE49-F238E27FC236}">
+                <a16:creationId xmlns:a16="http://schemas.microsoft.com/office/drawing/2014/main" id="{D6E52DBF-A443-2D4D-A7A7-2CC7008812F5}"/>
+              </a:ext>
+            </a:extLst>
+          </p:cNvPr>
+          <p:cNvSpPr/>
+          <p:nvPr/>
+        </p:nvSpPr>
+        <p:spPr>
+          <a:xfrm>
+            <a:off x="5639940" y="1263822"/>
+            <a:ext cx="1367119" cy="634701"/>
+          </a:xfrm>
+          <a:prstGeom prst="roundRect">
+            <a:avLst/>
+          </a:prstGeom>
+        </p:spPr>
+        <p:style>
+          <a:lnRef idx="2">
+            <a:schemeClr val="accent1">
+              <a:shade val="50000"/>
+            </a:schemeClr>
+          </a:lnRef>
+          <a:fillRef idx="1">
+            <a:schemeClr val="accent1"/>
+          </a:fillRef>
+          <a:effectRef idx="0">
+            <a:schemeClr val="accent1"/>
+          </a:effectRef>
+          <a:fontRef idx="minor">
+            <a:schemeClr val="lt1"/>
+          </a:fontRef>
+        </p:style>
+        <p:txBody>
+          <a:bodyPr rtlCol="0" anchor="ctr"/>
+          <a:lstStyle/>
+          <a:p>
+            <a:pPr algn="ctr"/>
+            <a:r>
+              <a:rPr kumimoji="1" lang="en-US" altLang="zh-CN" dirty="0"/>
+              <a:t>7</a:t>
+            </a:r>
+            <a:r>
+              <a:rPr kumimoji="1" lang="zh-CN" altLang="en-US" dirty="0"/>
+              <a:t> 左护法</a:t>
+            </a:r>
+            <a:endParaRPr kumimoji="1" lang="en-US" altLang="zh-CN" dirty="0"/>
+          </a:p>
+          <a:p>
+            <a:pPr algn="ctr"/>
+            <a:r>
+              <a:rPr kumimoji="1" lang="en-US" altLang="zh-CN" dirty="0"/>
+              <a:t>500w</a:t>
+            </a:r>
+            <a:endParaRPr kumimoji="1" lang="zh-CN" altLang="en-US" dirty="0"/>
+          </a:p>
+        </p:txBody>
+      </p:sp>
+      <p:cxnSp>
+        <p:nvCxnSpPr>
+          <p:cNvPr id="49" name="曲线连接符 48">
+            <a:extLst>
+              <a:ext uri="{FF2B5EF4-FFF2-40B4-BE49-F238E27FC236}">
+                <a16:creationId xmlns:a16="http://schemas.microsoft.com/office/drawing/2014/main" id="{57E2D82B-86D8-164D-BD2B-926A01E9B8A4}"/>
+              </a:ext>
+            </a:extLst>
+          </p:cNvPr>
+          <p:cNvCxnSpPr>
+            <a:cxnSpLocks/>
+            <a:endCxn id="19" idx="3"/>
+          </p:cNvCxnSpPr>
+          <p:nvPr/>
+        </p:nvCxnSpPr>
+        <p:spPr>
+          <a:xfrm rot="10800000" flipV="1">
+            <a:off x="4438825" y="1589317"/>
+            <a:ext cx="1919598" cy="890404"/>
+          </a:xfrm>
+          <a:prstGeom prst="curvedConnector3">
+            <a:avLst>
+              <a:gd name="adj1" fmla="val 50000"/>
+            </a:avLst>
+          </a:prstGeom>
+          <a:ln>
+            <a:tailEnd type="triangle"/>
+          </a:ln>
+        </p:spPr>
+        <p:style>
+          <a:lnRef idx="1">
+            <a:schemeClr val="accent1"/>
+          </a:lnRef>
+          <a:fillRef idx="0">
+            <a:schemeClr val="accent1"/>
+          </a:fillRef>
+          <a:effectRef idx="0">
+            <a:schemeClr val="accent1"/>
+          </a:effectRef>
+          <a:fontRef idx="minor">
+            <a:schemeClr val="tx1"/>
+          </a:fontRef>
+        </p:style>
+      </p:cxnSp>
+      <p:sp>
+        <p:nvSpPr>
+          <p:cNvPr id="50" name="文本框 49">
+            <a:extLst>
+              <a:ext uri="{FF2B5EF4-FFF2-40B4-BE49-F238E27FC236}">
+                <a16:creationId xmlns:a16="http://schemas.microsoft.com/office/drawing/2014/main" id="{C8CAE788-2E32-934A-966C-7E5921EE1607}"/>
+              </a:ext>
+            </a:extLst>
+          </p:cNvPr>
+          <p:cNvSpPr txBox="1"/>
+          <p:nvPr/>
+        </p:nvSpPr>
+        <p:spPr>
+          <a:xfrm>
+            <a:off x="5346362" y="2083470"/>
+            <a:ext cx="479618" cy="369332"/>
+          </a:xfrm>
+          <a:prstGeom prst="rect">
+            <a:avLst/>
+          </a:prstGeom>
+          <a:noFill/>
+        </p:spPr>
+        <p:txBody>
+          <a:bodyPr wrap="square" rtlCol="0">
+            <a:spAutoFit/>
+          </a:bodyPr>
+          <a:lstStyle/>
+          <a:p>
+            <a:r>
+              <a:rPr kumimoji="1" lang="en-US" altLang="zh-CN" dirty="0"/>
+              <a:t>0.5</a:t>
+            </a:r>
+            <a:endParaRPr kumimoji="1" lang="zh-CN" altLang="en-US" dirty="0"/>
+          </a:p>
+        </p:txBody>
+      </p:sp>
+      <p:sp>
+        <p:nvSpPr>
+          <p:cNvPr id="51" name="文本框 50">
+            <a:extLst>
+              <a:ext uri="{FF2B5EF4-FFF2-40B4-BE49-F238E27FC236}">
+                <a16:creationId xmlns:a16="http://schemas.microsoft.com/office/drawing/2014/main" id="{62F8232C-9EA9-4B47-89C0-FF6BF1804BF6}"/>
+              </a:ext>
+            </a:extLst>
+          </p:cNvPr>
+          <p:cNvSpPr txBox="1"/>
+          <p:nvPr/>
+        </p:nvSpPr>
+        <p:spPr>
+          <a:xfrm>
+            <a:off x="7107866" y="1480357"/>
+            <a:ext cx="1136850" cy="369332"/>
+          </a:xfrm>
+          <a:prstGeom prst="rect">
+            <a:avLst/>
+          </a:prstGeom>
+          <a:noFill/>
+        </p:spPr>
+        <p:txBody>
+          <a:bodyPr wrap="square" rtlCol="0">
+            <a:spAutoFit/>
+          </a:bodyPr>
+          <a:lstStyle/>
+          <a:p>
+            <a:r>
+              <a:rPr kumimoji="1" lang="en-US" altLang="zh-CN" dirty="0" err="1"/>
+              <a:t>tailFact</a:t>
+            </a:r>
+            <a:r>
+              <a:rPr kumimoji="1" lang="en-US" altLang="zh-CN" dirty="0"/>
+              <a:t>(7)</a:t>
+            </a:r>
+            <a:endParaRPr kumimoji="1" lang="zh-CN" altLang="en-US" dirty="0"/>
+          </a:p>
+        </p:txBody>
+      </p:sp>
+      <p:sp>
+        <p:nvSpPr>
+          <p:cNvPr id="10" name="矩形 9">
+            <a:extLst>
+              <a:ext uri="{FF2B5EF4-FFF2-40B4-BE49-F238E27FC236}">
+                <a16:creationId xmlns:a16="http://schemas.microsoft.com/office/drawing/2014/main" id="{BD0EC7F1-ED8F-064A-B44E-7AC0CACC9FC0}"/>
+              </a:ext>
+            </a:extLst>
+          </p:cNvPr>
+          <p:cNvSpPr/>
+          <p:nvPr/>
+        </p:nvSpPr>
+        <p:spPr>
+          <a:xfrm>
+            <a:off x="1809213" y="2053940"/>
+            <a:ext cx="3340856" cy="2324339"/>
+          </a:xfrm>
+          <a:prstGeom prst="rect">
+            <a:avLst/>
+          </a:prstGeom>
+          <a:noFill/>
+          <a:ln w="25400">
+            <a:solidFill>
+              <a:srgbClr val="FFC000"/>
+            </a:solidFill>
+            <a:prstDash val="lgDash"/>
+          </a:ln>
+        </p:spPr>
+        <p:style>
+          <a:lnRef idx="2">
+            <a:schemeClr val="accent1">
+              <a:shade val="50000"/>
+            </a:schemeClr>
+          </a:lnRef>
+          <a:fillRef idx="1">
+            <a:schemeClr val="accent1"/>
+          </a:fillRef>
+          <a:effectRef idx="0">
+            <a:schemeClr val="accent1"/>
+          </a:effectRef>
+          <a:fontRef idx="minor">
+            <a:schemeClr val="lt1"/>
+          </a:fontRef>
+        </p:style>
+        <p:txBody>
+          <a:bodyPr rtlCol="0" anchor="ctr"/>
+          <a:lstStyle/>
+          <a:p>
+            <a:pPr algn="ctr"/>
+            <a:endParaRPr kumimoji="1" lang="zh-CN" altLang="en-US" dirty="0"/>
+          </a:p>
+        </p:txBody>
+      </p:sp>
+      <p:sp>
+        <p:nvSpPr>
+          <p:cNvPr id="6" name="矩形 5">
+            <a:extLst>
+              <a:ext uri="{FF2B5EF4-FFF2-40B4-BE49-F238E27FC236}">
+                <a16:creationId xmlns:a16="http://schemas.microsoft.com/office/drawing/2014/main" id="{D2D22241-5542-6D4D-A284-4A361CAB67A8}"/>
+              </a:ext>
+            </a:extLst>
+          </p:cNvPr>
+          <p:cNvSpPr/>
+          <p:nvPr/>
+        </p:nvSpPr>
+        <p:spPr>
+          <a:xfrm>
+            <a:off x="7726011" y="4609607"/>
+            <a:ext cx="3892556" cy="1615827"/>
+          </a:xfrm>
+          <a:prstGeom prst="rect">
+            <a:avLst/>
+          </a:prstGeom>
+        </p:spPr>
+        <p:txBody>
+          <a:bodyPr wrap="square">
+            <a:spAutoFit/>
+          </a:bodyPr>
+          <a:lstStyle/>
+          <a:p>
+            <a:r>
+              <a:rPr lang="en" altLang="zh-CN" sz="1100" dirty="0"/>
+              <a:t>Map(</a:t>
+            </a:r>
+          </a:p>
+          <a:p>
+            <a:r>
+              <a:rPr lang="en" altLang="zh-CN" sz="1100" dirty="0"/>
+              <a:t>5 -&gt; </a:t>
+            </a:r>
+            <a:r>
+              <a:rPr lang="en" altLang="zh-CN" sz="1100" dirty="0" err="1"/>
+              <a:t>simpleInvestmentInfo</a:t>
+            </a:r>
+            <a:r>
+              <a:rPr lang="en" altLang="zh-CN" sz="1100" dirty="0"/>
+              <a:t>(5 </a:t>
+            </a:r>
+            <a:r>
+              <a:rPr lang="zh-CN" altLang="en-US" sz="1100" dirty="0"/>
+              <a:t>左护法</a:t>
+            </a:r>
+            <a:r>
+              <a:rPr lang="en-US" altLang="zh-CN" sz="1100" dirty="0"/>
+              <a:t>,0.250000,2,6), </a:t>
+            </a:r>
+          </a:p>
+          <a:p>
+            <a:r>
+              <a:rPr lang="en-US" altLang="zh-CN" sz="1100" dirty="0"/>
+              <a:t>10 -&gt; </a:t>
+            </a:r>
+            <a:r>
+              <a:rPr lang="en" altLang="zh-CN" sz="1100" dirty="0" err="1"/>
+              <a:t>simpleInvestmentInfo</a:t>
+            </a:r>
+            <a:r>
+              <a:rPr lang="en" altLang="zh-CN" sz="1100" dirty="0"/>
+              <a:t>(10 </a:t>
+            </a:r>
+            <a:r>
+              <a:rPr lang="zh-CN" altLang="en-US" sz="1100" dirty="0"/>
+              <a:t>右护法</a:t>
+            </a:r>
+            <a:r>
+              <a:rPr lang="en-US" altLang="zh-CN" sz="1100" dirty="0"/>
+              <a:t>,0.500000,2,4), </a:t>
+            </a:r>
+          </a:p>
+          <a:p>
+            <a:r>
+              <a:rPr lang="en-US" altLang="zh-CN" sz="1100" dirty="0"/>
+              <a:t>6 -&gt; </a:t>
+            </a:r>
+            <a:r>
+              <a:rPr lang="en" altLang="zh-CN" sz="1100" dirty="0" err="1"/>
+              <a:t>simpleInvestmentInfo</a:t>
+            </a:r>
+            <a:r>
+              <a:rPr lang="en" altLang="zh-CN" sz="1100" dirty="0"/>
+              <a:t>(6 </a:t>
+            </a:r>
+            <a:r>
+              <a:rPr lang="zh-CN" altLang="en-US" sz="1100" dirty="0"/>
+              <a:t>左护法</a:t>
+            </a:r>
+            <a:r>
+              <a:rPr lang="en-US" altLang="zh-CN" sz="1100" dirty="0"/>
+              <a:t>,0.250000,2,7), </a:t>
+            </a:r>
+          </a:p>
+          <a:p>
+            <a:r>
+              <a:rPr lang="en-US" altLang="zh-CN" sz="1100" dirty="0"/>
+              <a:t>9 -&gt; </a:t>
+            </a:r>
+            <a:r>
+              <a:rPr lang="en" altLang="zh-CN" sz="1100" dirty="0" err="1"/>
+              <a:t>simpleInvestmentInfo</a:t>
+            </a:r>
+            <a:r>
+              <a:rPr lang="en" altLang="zh-CN" sz="1100" dirty="0"/>
+              <a:t>(9 </a:t>
+            </a:r>
+            <a:r>
+              <a:rPr lang="zh-CN" altLang="en-US" sz="1100" dirty="0"/>
+              <a:t>右护法</a:t>
+            </a:r>
+            <a:r>
+              <a:rPr lang="en-US" altLang="zh-CN" sz="1100" dirty="0"/>
+              <a:t>,0.500000,2,3), </a:t>
+            </a:r>
+          </a:p>
+          <a:p>
+            <a:r>
+              <a:rPr lang="en-US" altLang="zh-CN" sz="1100" dirty="0"/>
+              <a:t>7 -&gt; </a:t>
+            </a:r>
+            <a:r>
+              <a:rPr lang="en" altLang="zh-CN" sz="1100" dirty="0" err="1"/>
+              <a:t>simpleInvestmentInfo</a:t>
+            </a:r>
+            <a:r>
+              <a:rPr lang="en" altLang="zh-CN" sz="1100" dirty="0"/>
+              <a:t>(7 </a:t>
+            </a:r>
+            <a:r>
+              <a:rPr lang="zh-CN" altLang="en-US" sz="1100" dirty="0"/>
+              <a:t>左护法</a:t>
+            </a:r>
+            <a:r>
+              <a:rPr lang="en-US" altLang="zh-CN" sz="1100" dirty="0"/>
+              <a:t>,0.250000,2,8), </a:t>
+            </a:r>
+          </a:p>
+          <a:p>
+            <a:r>
+              <a:rPr lang="en-US" altLang="zh-CN" sz="1100" dirty="0"/>
+              <a:t>3 -&gt; </a:t>
+            </a:r>
+            <a:r>
+              <a:rPr lang="en" altLang="zh-CN" sz="1100" dirty="0" err="1"/>
+              <a:t>simpleInvestmentInfo</a:t>
+            </a:r>
+            <a:r>
+              <a:rPr lang="en" altLang="zh-CN" sz="1100" dirty="0"/>
+              <a:t>(3 </a:t>
+            </a:r>
+            <a:r>
+              <a:rPr lang="zh-CN" altLang="en-US" sz="1100" dirty="0"/>
+              <a:t>左护法</a:t>
+            </a:r>
+            <a:r>
+              <a:rPr lang="en-US" altLang="zh-CN" sz="1100" dirty="0"/>
+              <a:t>,0.250000,2,5), </a:t>
+            </a:r>
+          </a:p>
+          <a:p>
+            <a:r>
+              <a:rPr lang="en-US" altLang="zh-CN" sz="1100" dirty="0"/>
+              <a:t>8 -&gt; </a:t>
+            </a:r>
+            <a:r>
+              <a:rPr lang="en" altLang="zh-CN" sz="1100" dirty="0" err="1"/>
+              <a:t>simpleInvestmentInfo</a:t>
+            </a:r>
+            <a:r>
+              <a:rPr lang="en" altLang="zh-CN" sz="1100" dirty="0"/>
+              <a:t>(8 </a:t>
+            </a:r>
+            <a:r>
+              <a:rPr lang="zh-CN" altLang="en-US" sz="1100" dirty="0"/>
+              <a:t>右护法</a:t>
+            </a:r>
+            <a:r>
+              <a:rPr lang="en-US" altLang="zh-CN" sz="1100" dirty="0"/>
+              <a:t>,0.500000,2,2), </a:t>
+            </a:r>
+          </a:p>
+          <a:p>
+            <a:r>
+              <a:rPr lang="en-US" altLang="zh-CN" sz="1100" dirty="0"/>
+              <a:t>4 -&gt; </a:t>
+            </a:r>
+            <a:r>
+              <a:rPr lang="en" altLang="zh-CN" sz="1100" dirty="0" err="1"/>
+              <a:t>simpleInvestmentInfo</a:t>
+            </a:r>
+            <a:r>
+              <a:rPr lang="en" altLang="zh-CN" sz="1100" dirty="0"/>
+              <a:t>(4 </a:t>
+            </a:r>
+            <a:r>
+              <a:rPr lang="zh-CN" altLang="en-US" sz="1100" dirty="0"/>
+              <a:t>右护法</a:t>
+            </a:r>
+            <a:r>
+              <a:rPr lang="en-US" altLang="zh-CN" sz="1100" dirty="0"/>
+              <a:t>,0.125000,2,9))</a:t>
+            </a:r>
+          </a:p>
+        </p:txBody>
+      </p:sp>
+      <p:sp>
+        <p:nvSpPr>
+          <p:cNvPr id="7" name="矩形 6">
+            <a:extLst>
+              <a:ext uri="{FF2B5EF4-FFF2-40B4-BE49-F238E27FC236}">
+                <a16:creationId xmlns:a16="http://schemas.microsoft.com/office/drawing/2014/main" id="{2B98B566-1779-9843-87A8-067FFB414521}"/>
+              </a:ext>
+            </a:extLst>
+          </p:cNvPr>
+          <p:cNvSpPr/>
+          <p:nvPr/>
+        </p:nvSpPr>
+        <p:spPr>
+          <a:xfrm>
+            <a:off x="1813299" y="2647355"/>
+            <a:ext cx="3541908" cy="1615827"/>
+          </a:xfrm>
+          <a:prstGeom prst="rect">
+            <a:avLst/>
+          </a:prstGeom>
+        </p:spPr>
+        <p:txBody>
+          <a:bodyPr wrap="square">
+            <a:spAutoFit/>
+          </a:bodyPr>
+          <a:lstStyle/>
+          <a:p>
+            <a:r>
+              <a:rPr lang="en" altLang="zh-CN" sz="1100" dirty="0"/>
+              <a:t>Map(</a:t>
+            </a:r>
+          </a:p>
+          <a:p>
+            <a:r>
+              <a:rPr lang="en" altLang="zh-CN" sz="1100" dirty="0"/>
+              <a:t>5 -&gt; </a:t>
+            </a:r>
+            <a:r>
+              <a:rPr lang="en" altLang="zh-CN" sz="1100" dirty="0" err="1"/>
+              <a:t>simpleInvestmentInfo</a:t>
+            </a:r>
+            <a:r>
+              <a:rPr lang="en" altLang="zh-CN" sz="1100" dirty="0"/>
+              <a:t>(5 </a:t>
+            </a:r>
+            <a:r>
+              <a:rPr lang="zh-CN" altLang="en-US" sz="1100" dirty="0"/>
+              <a:t>左护法</a:t>
+            </a:r>
+            <a:r>
+              <a:rPr lang="en-US" altLang="zh-CN" sz="1100" dirty="0"/>
+              <a:t>,0.500000,4,5), </a:t>
+            </a:r>
+          </a:p>
+          <a:p>
+            <a:r>
+              <a:rPr lang="en-US" altLang="zh-CN" sz="1100" dirty="0"/>
+              <a:t>10 -&gt; </a:t>
+            </a:r>
+            <a:r>
+              <a:rPr lang="en" altLang="zh-CN" sz="1100" dirty="0" err="1"/>
+              <a:t>simpleInvestmentInfo</a:t>
+            </a:r>
+            <a:r>
+              <a:rPr lang="en" altLang="zh-CN" sz="1100" dirty="0"/>
+              <a:t>(10 </a:t>
+            </a:r>
+            <a:r>
+              <a:rPr lang="zh-CN" altLang="en-US" sz="1100" dirty="0"/>
+              <a:t>右护法</a:t>
+            </a:r>
+            <a:r>
+              <a:rPr lang="en-US" altLang="zh-CN" sz="1100" dirty="0"/>
+              <a:t>,1.000000,4,3),</a:t>
+            </a:r>
+          </a:p>
+          <a:p>
+            <a:r>
+              <a:rPr lang="en-US" altLang="zh-CN" sz="1100" dirty="0"/>
+              <a:t>6 -&gt; </a:t>
+            </a:r>
+            <a:r>
+              <a:rPr lang="en" altLang="zh-CN" sz="1100" dirty="0" err="1"/>
+              <a:t>simpleInvestmentInfo</a:t>
+            </a:r>
+            <a:r>
+              <a:rPr lang="en" altLang="zh-CN" sz="1100" dirty="0"/>
+              <a:t>(6 </a:t>
+            </a:r>
+            <a:r>
+              <a:rPr lang="zh-CN" altLang="en-US" sz="1100" dirty="0"/>
+              <a:t>左护法</a:t>
+            </a:r>
+            <a:r>
+              <a:rPr lang="en-US" altLang="zh-CN" sz="1100" dirty="0"/>
+              <a:t>,0.500000,4,6), </a:t>
+            </a:r>
+          </a:p>
+          <a:p>
+            <a:r>
+              <a:rPr lang="en-US" altLang="zh-CN" sz="1100" dirty="0"/>
+              <a:t>9 -&gt; </a:t>
+            </a:r>
+            <a:r>
+              <a:rPr lang="en" altLang="zh-CN" sz="1100" dirty="0" err="1"/>
+              <a:t>simpleInvestmentInfo</a:t>
+            </a:r>
+            <a:r>
+              <a:rPr lang="en" altLang="zh-CN" sz="1100" dirty="0"/>
+              <a:t>(9 </a:t>
+            </a:r>
+            <a:r>
+              <a:rPr lang="zh-CN" altLang="en-US" sz="1100" dirty="0"/>
+              <a:t>右护法</a:t>
+            </a:r>
+            <a:r>
+              <a:rPr lang="en-US" altLang="zh-CN" sz="1100" dirty="0"/>
+              <a:t>,1.000000,4,2), </a:t>
+            </a:r>
+          </a:p>
+          <a:p>
+            <a:r>
+              <a:rPr lang="en-US" altLang="zh-CN" sz="1100" dirty="0"/>
+              <a:t>7 -&gt; </a:t>
+            </a:r>
+            <a:r>
+              <a:rPr lang="en" altLang="zh-CN" sz="1100" dirty="0" err="1"/>
+              <a:t>simpleInvestmentInfo</a:t>
+            </a:r>
+            <a:r>
+              <a:rPr lang="en" altLang="zh-CN" sz="1100" dirty="0"/>
+              <a:t>(7 </a:t>
+            </a:r>
+            <a:r>
+              <a:rPr lang="zh-CN" altLang="en-US" sz="1100" dirty="0"/>
+              <a:t>左护法</a:t>
+            </a:r>
+            <a:r>
+              <a:rPr lang="en-US" altLang="zh-CN" sz="1100" dirty="0"/>
+              <a:t>,0.500000,4,7), </a:t>
+            </a:r>
+          </a:p>
+          <a:p>
+            <a:r>
+              <a:rPr lang="en-US" altLang="zh-CN" sz="1100" dirty="0"/>
+              <a:t>3 -&gt; </a:t>
+            </a:r>
+            <a:r>
+              <a:rPr lang="en" altLang="zh-CN" sz="1100" dirty="0" err="1"/>
+              <a:t>simpleInvestmentInfo</a:t>
+            </a:r>
+            <a:r>
+              <a:rPr lang="en" altLang="zh-CN" sz="1100" dirty="0"/>
+              <a:t>(3 </a:t>
+            </a:r>
+            <a:r>
+              <a:rPr lang="zh-CN" altLang="en-US" sz="1100" dirty="0"/>
+              <a:t>左护法</a:t>
+            </a:r>
+            <a:r>
+              <a:rPr lang="en-US" altLang="zh-CN" sz="1100" dirty="0"/>
+              <a:t>,0.500000,4,4), </a:t>
+            </a:r>
+          </a:p>
+          <a:p>
+            <a:r>
+              <a:rPr lang="en-US" altLang="zh-CN" sz="1100" dirty="0"/>
+              <a:t>8 -&gt; </a:t>
+            </a:r>
+            <a:r>
+              <a:rPr lang="en" altLang="zh-CN" sz="1100" dirty="0" err="1"/>
+              <a:t>simpleInvestmentInfo</a:t>
+            </a:r>
+            <a:r>
+              <a:rPr lang="en" altLang="zh-CN" sz="1100" dirty="0"/>
+              <a:t>(8 </a:t>
+            </a:r>
+            <a:r>
+              <a:rPr lang="zh-CN" altLang="en-US" sz="1100" dirty="0"/>
+              <a:t>右护法</a:t>
+            </a:r>
+            <a:r>
+              <a:rPr lang="en-US" altLang="zh-CN" sz="1100" dirty="0"/>
+              <a:t>,0.250000,4,9), </a:t>
+            </a:r>
+          </a:p>
+          <a:p>
+            <a:r>
+              <a:rPr lang="en-US" altLang="zh-CN" sz="1100" dirty="0"/>
+              <a:t>4 -&gt; </a:t>
+            </a:r>
+            <a:r>
+              <a:rPr lang="en" altLang="zh-CN" sz="1100" dirty="0" err="1"/>
+              <a:t>simpleInvestmentInfo</a:t>
+            </a:r>
+            <a:r>
+              <a:rPr lang="en" altLang="zh-CN" sz="1100" dirty="0"/>
+              <a:t>(4 </a:t>
+            </a:r>
+            <a:r>
+              <a:rPr lang="zh-CN" altLang="en-US" sz="1100" dirty="0"/>
+              <a:t>右护法</a:t>
+            </a:r>
+            <a:r>
+              <a:rPr lang="en-US" altLang="zh-CN" sz="1100" dirty="0"/>
+              <a:t>,0.250000,4,8))</a:t>
+            </a:r>
+          </a:p>
+        </p:txBody>
+      </p:sp>
+      <p:sp>
+        <p:nvSpPr>
+          <p:cNvPr id="25" name="矩形 24">
+            <a:extLst>
+              <a:ext uri="{FF2B5EF4-FFF2-40B4-BE49-F238E27FC236}">
+                <a16:creationId xmlns:a16="http://schemas.microsoft.com/office/drawing/2014/main" id="{4C78A096-4890-C54C-9F81-A7A292258A17}"/>
+              </a:ext>
+            </a:extLst>
+          </p:cNvPr>
+          <p:cNvSpPr/>
+          <p:nvPr/>
+        </p:nvSpPr>
+        <p:spPr>
+          <a:xfrm>
+            <a:off x="7722611" y="3490369"/>
+            <a:ext cx="3340856" cy="2847370"/>
+          </a:xfrm>
+          <a:prstGeom prst="rect">
+            <a:avLst/>
+          </a:prstGeom>
+          <a:noFill/>
+          <a:ln w="25400">
+            <a:solidFill>
+              <a:srgbClr val="FFC000"/>
+            </a:solidFill>
+            <a:prstDash val="lgDash"/>
+          </a:ln>
+        </p:spPr>
+        <p:style>
+          <a:lnRef idx="2">
+            <a:schemeClr val="accent1">
+              <a:shade val="50000"/>
+            </a:schemeClr>
+          </a:lnRef>
+          <a:fillRef idx="1">
+            <a:schemeClr val="accent1"/>
+          </a:fillRef>
+          <a:effectRef idx="0">
+            <a:schemeClr val="accent1"/>
+          </a:effectRef>
+          <a:fontRef idx="minor">
+            <a:schemeClr val="lt1"/>
+          </a:fontRef>
+        </p:style>
+        <p:txBody>
+          <a:bodyPr rtlCol="0" anchor="ctr"/>
+          <a:lstStyle/>
+          <a:p>
+            <a:pPr algn="ctr"/>
+            <a:endParaRPr kumimoji="1" lang="zh-CN" altLang="en-US" dirty="0"/>
+          </a:p>
+        </p:txBody>
+      </p:sp>
+      <p:cxnSp>
+        <p:nvCxnSpPr>
+          <p:cNvPr id="13" name="曲线连接符 12">
+            <a:extLst>
+              <a:ext uri="{FF2B5EF4-FFF2-40B4-BE49-F238E27FC236}">
+                <a16:creationId xmlns:a16="http://schemas.microsoft.com/office/drawing/2014/main" id="{3414BBBB-C049-2240-B059-FD217DF269DA}"/>
+              </a:ext>
+            </a:extLst>
+          </p:cNvPr>
+          <p:cNvCxnSpPr>
+            <a:cxnSpLocks/>
+            <a:stCxn id="15" idx="0"/>
+            <a:endCxn id="7" idx="2"/>
+          </p:cNvCxnSpPr>
+          <p:nvPr/>
+        </p:nvCxnSpPr>
+        <p:spPr>
+          <a:xfrm rot="5400000" flipH="1" flipV="1">
+            <a:off x="2848213" y="4127225"/>
+            <a:ext cx="600082" cy="871997"/>
+          </a:xfrm>
+          <a:prstGeom prst="curvedConnector3">
+            <a:avLst>
+              <a:gd name="adj1" fmla="val 50000"/>
+            </a:avLst>
+          </a:prstGeom>
+          <a:ln>
+            <a:solidFill>
+              <a:srgbClr val="FF0000"/>
+            </a:solidFill>
+            <a:tailEnd type="triangle"/>
+          </a:ln>
+        </p:spPr>
+        <p:style>
+          <a:lnRef idx="1">
+            <a:schemeClr val="accent1"/>
+          </a:lnRef>
+          <a:fillRef idx="0">
+            <a:schemeClr val="accent1"/>
+          </a:fillRef>
+          <a:effectRef idx="0">
+            <a:schemeClr val="accent1"/>
+          </a:effectRef>
+          <a:fontRef idx="minor">
+            <a:schemeClr val="tx1"/>
+          </a:fontRef>
+        </p:style>
+      </p:cxnSp>
+      <p:sp>
+        <p:nvSpPr>
+          <p:cNvPr id="15" name="文本框 14">
+            <a:extLst>
+              <a:ext uri="{FF2B5EF4-FFF2-40B4-BE49-F238E27FC236}">
+                <a16:creationId xmlns:a16="http://schemas.microsoft.com/office/drawing/2014/main" id="{8145A0E5-2488-2D4F-8BDA-010AE7D59C76}"/>
+              </a:ext>
+            </a:extLst>
+          </p:cNvPr>
+          <p:cNvSpPr txBox="1"/>
+          <p:nvPr/>
+        </p:nvSpPr>
+        <p:spPr>
+          <a:xfrm>
+            <a:off x="1655966" y="4863264"/>
+            <a:ext cx="2112580" cy="738664"/>
+          </a:xfrm>
+          <a:prstGeom prst="rect">
+            <a:avLst/>
+          </a:prstGeom>
+          <a:noFill/>
+        </p:spPr>
+        <p:txBody>
+          <a:bodyPr wrap="square" rtlCol="0">
+            <a:spAutoFit/>
+          </a:bodyPr>
+          <a:lstStyle/>
+          <a:p>
+            <a:r>
+              <a:rPr kumimoji="1" lang="zh-CN" altLang="en-US" sz="1400" dirty="0"/>
+              <a:t>自己对自己持股</a:t>
+            </a:r>
+            <a:r>
+              <a:rPr kumimoji="1" lang="en-US" altLang="zh-CN" sz="1400" dirty="0"/>
+              <a:t>0.25</a:t>
+            </a:r>
+            <a:r>
+              <a:rPr kumimoji="1" lang="zh-CN" altLang="en-US" sz="1400" dirty="0"/>
+              <a:t>，</a:t>
+            </a:r>
+            <a:endParaRPr kumimoji="1" lang="en-US" altLang="zh-CN" sz="1400" dirty="0"/>
+          </a:p>
+          <a:p>
+            <a:r>
+              <a:rPr kumimoji="1" lang="zh-CN" altLang="en-US" sz="1400" dirty="0"/>
+              <a:t>已经传播一轮，且已经传给了</a:t>
+            </a:r>
+            <a:r>
+              <a:rPr kumimoji="1" lang="en-US" altLang="zh-CN" sz="1400" dirty="0">
+                <a:solidFill>
+                  <a:srgbClr val="00B0F0"/>
+                </a:solidFill>
+              </a:rPr>
+              <a:t>2</a:t>
+            </a:r>
+            <a:r>
+              <a:rPr kumimoji="1" lang="zh-CN" altLang="en-US" sz="1400" dirty="0">
+                <a:solidFill>
+                  <a:srgbClr val="00B0F0"/>
+                </a:solidFill>
+              </a:rPr>
+              <a:t>大鹏</a:t>
+            </a:r>
+          </a:p>
+        </p:txBody>
+      </p:sp>
+      <p:cxnSp>
+        <p:nvCxnSpPr>
+          <p:cNvPr id="26" name="曲线连接符 25">
+            <a:extLst>
+              <a:ext uri="{FF2B5EF4-FFF2-40B4-BE49-F238E27FC236}">
+                <a16:creationId xmlns:a16="http://schemas.microsoft.com/office/drawing/2014/main" id="{F9DCCBD7-3864-2345-A741-6D299D5DECA5}"/>
+              </a:ext>
+            </a:extLst>
+          </p:cNvPr>
+          <p:cNvCxnSpPr>
+            <a:cxnSpLocks/>
+            <a:stCxn id="28" idx="3"/>
+          </p:cNvCxnSpPr>
+          <p:nvPr/>
+        </p:nvCxnSpPr>
+        <p:spPr>
+          <a:xfrm>
+            <a:off x="6555808" y="5485365"/>
+            <a:ext cx="1250738" cy="621148"/>
+          </a:xfrm>
+          <a:prstGeom prst="curvedConnector3">
+            <a:avLst>
+              <a:gd name="adj1" fmla="val 50000"/>
+            </a:avLst>
+          </a:prstGeom>
+          <a:ln>
+            <a:solidFill>
+              <a:srgbClr val="FF0000"/>
+            </a:solidFill>
+            <a:tailEnd type="triangle"/>
+          </a:ln>
+        </p:spPr>
+        <p:style>
+          <a:lnRef idx="1">
+            <a:schemeClr val="accent1"/>
+          </a:lnRef>
+          <a:fillRef idx="0">
+            <a:schemeClr val="accent1"/>
+          </a:fillRef>
+          <a:effectRef idx="0">
+            <a:schemeClr val="accent1"/>
+          </a:effectRef>
+          <a:fontRef idx="minor">
+            <a:schemeClr val="tx1"/>
+          </a:fontRef>
+        </p:style>
+      </p:cxnSp>
+      <p:sp>
+        <p:nvSpPr>
+          <p:cNvPr id="28" name="文本框 27">
+            <a:extLst>
+              <a:ext uri="{FF2B5EF4-FFF2-40B4-BE49-F238E27FC236}">
+                <a16:creationId xmlns:a16="http://schemas.microsoft.com/office/drawing/2014/main" id="{5C3277F6-3D8A-BA4D-9EA7-8A8FA2458DCF}"/>
+              </a:ext>
+            </a:extLst>
+          </p:cNvPr>
+          <p:cNvSpPr txBox="1"/>
+          <p:nvPr/>
+        </p:nvSpPr>
+        <p:spPr>
+          <a:xfrm>
+            <a:off x="4075394" y="5008311"/>
+            <a:ext cx="2480414" cy="954107"/>
+          </a:xfrm>
+          <a:prstGeom prst="rect">
+            <a:avLst/>
+          </a:prstGeom>
+          <a:noFill/>
+        </p:spPr>
+        <p:txBody>
+          <a:bodyPr wrap="square" rtlCol="0">
+            <a:spAutoFit/>
+          </a:bodyPr>
+          <a:lstStyle/>
+          <a:p>
+            <a:r>
+              <a:rPr kumimoji="1" lang="zh-CN" altLang="en-US" sz="1400" dirty="0"/>
+              <a:t>注意这里已经是</a:t>
+            </a:r>
+            <a:r>
+              <a:rPr kumimoji="1" lang="en-US" altLang="zh-CN" sz="1400" dirty="0"/>
+              <a:t>0.25</a:t>
+            </a:r>
+            <a:r>
+              <a:rPr kumimoji="1" lang="zh-CN" altLang="en-US" sz="1400" dirty="0"/>
+              <a:t> * </a:t>
+            </a:r>
+            <a:r>
+              <a:rPr kumimoji="1" lang="en-US" altLang="zh-CN" sz="1400" dirty="0"/>
+              <a:t>0.5</a:t>
+            </a:r>
+            <a:r>
+              <a:rPr kumimoji="1" lang="zh-CN" altLang="en-US" sz="1400" dirty="0"/>
+              <a:t>，</a:t>
+            </a:r>
+            <a:endParaRPr kumimoji="1" lang="en-US" altLang="zh-CN" sz="1400" dirty="0"/>
+          </a:p>
+          <a:p>
+            <a:r>
+              <a:rPr kumimoji="1" lang="en-US" altLang="zh-CN" sz="1400" dirty="0"/>
+              <a:t>0.25</a:t>
+            </a:r>
+            <a:r>
+              <a:rPr kumimoji="1" lang="zh-CN" altLang="en-US" sz="1400" dirty="0"/>
+              <a:t>是右护法传过来对自己的持股，</a:t>
+            </a:r>
+            <a:r>
+              <a:rPr kumimoji="1" lang="en-US" altLang="zh-CN" sz="1400" dirty="0"/>
+              <a:t>0.5</a:t>
+            </a:r>
+            <a:r>
+              <a:rPr kumimoji="1" lang="zh-CN" altLang="en-US" sz="1400" dirty="0"/>
+              <a:t>是 </a:t>
+            </a:r>
+            <a:r>
+              <a:rPr kumimoji="1" lang="en-US" altLang="zh-CN" sz="1400" dirty="0">
+                <a:solidFill>
+                  <a:srgbClr val="00B0F0"/>
+                </a:solidFill>
+              </a:rPr>
+              <a:t>2</a:t>
+            </a:r>
+            <a:r>
+              <a:rPr kumimoji="1" lang="zh-CN" altLang="en-US" sz="1400" dirty="0">
+                <a:solidFill>
+                  <a:srgbClr val="00B0F0"/>
+                </a:solidFill>
+              </a:rPr>
+              <a:t>大鹏 </a:t>
+            </a:r>
+            <a:r>
+              <a:rPr kumimoji="1" lang="zh-CN" altLang="en-US" sz="1400" dirty="0"/>
+              <a:t>对 </a:t>
+            </a:r>
+            <a:r>
+              <a:rPr kumimoji="1" lang="en-US" altLang="zh-CN" sz="1400" dirty="0">
+                <a:solidFill>
+                  <a:srgbClr val="00B0F0"/>
+                </a:solidFill>
+              </a:rPr>
+              <a:t>4</a:t>
+            </a:r>
+            <a:r>
+              <a:rPr kumimoji="1" lang="zh-CN" altLang="en-US" sz="1400" dirty="0">
+                <a:solidFill>
+                  <a:srgbClr val="00B0F0"/>
+                </a:solidFill>
+              </a:rPr>
+              <a:t>右护法</a:t>
+            </a:r>
+            <a:r>
+              <a:rPr kumimoji="1" lang="zh-CN" altLang="en-US" sz="1400" dirty="0"/>
+              <a:t> 的持股。</a:t>
+            </a:r>
+          </a:p>
+        </p:txBody>
+      </p:sp>
+    </p:spTree>
+    <p:extLst>
+      <p:ext uri="{BB962C8B-B14F-4D97-AF65-F5344CB8AC3E}">
+        <p14:creationId xmlns:p14="http://schemas.microsoft.com/office/powerpoint/2010/main" val="3655908263"/>
+      </p:ext>
+    </p:extLst>
+  </p:cSld>
+  <p:clrMapOvr>
+    <a:masterClrMapping/>
+  </p:clrMapOvr>
+</p:sld>
+</file>
+
+<file path=ppt/slides/slide31.xml><?xml version="1.0" encoding="utf-8"?>
+<p:sld xmlns:a="http://schemas.openxmlformats.org/drawingml/2006/main" xmlns:r="http://schemas.openxmlformats.org/officeDocument/2006/relationships" xmlns:p="http://schemas.openxmlformats.org/presentationml/2006/main">
+  <p:cSld>
+    <p:spTree>
+      <p:nvGrpSpPr>
+        <p:cNvPr id="1" name=""/>
+        <p:cNvGrpSpPr/>
+        <p:nvPr/>
+      </p:nvGrpSpPr>
+      <p:grpSpPr>
+        <a:xfrm>
+          <a:off x="0" y="0"/>
+          <a:ext cx="0" cy="0"/>
+          <a:chOff x="0" y="0"/>
+          <a:chExt cx="0" cy="0"/>
+        </a:xfrm>
+      </p:grpSpPr>
+      <p:sp>
+        <p:nvSpPr>
+          <p:cNvPr id="3" name="文本框 2">
+            <a:extLst>
+              <a:ext uri="{FF2B5EF4-FFF2-40B4-BE49-F238E27FC236}">
+                <a16:creationId xmlns:a16="http://schemas.microsoft.com/office/drawing/2014/main" id="{2A2FBB20-DC04-9149-BB4A-6772BB523FB8}"/>
+              </a:ext>
+            </a:extLst>
+          </p:cNvPr>
+          <p:cNvSpPr txBox="1"/>
+          <p:nvPr/>
+        </p:nvSpPr>
+        <p:spPr>
+          <a:xfrm>
+            <a:off x="344245" y="107719"/>
+            <a:ext cx="7462299" cy="1323439"/>
+          </a:xfrm>
+          <a:prstGeom prst="rect">
+            <a:avLst/>
+          </a:prstGeom>
+          <a:noFill/>
+        </p:spPr>
+        <p:txBody>
+          <a:bodyPr wrap="none" rtlCol="0">
+            <a:spAutoFit/>
+          </a:bodyPr>
+          <a:lstStyle/>
+          <a:p>
+            <a:r>
+              <a:rPr kumimoji="1" lang="en-US" altLang="zh-CN" sz="4000" dirty="0"/>
+              <a:t>G13</a:t>
+            </a:r>
+            <a:r>
+              <a:rPr kumimoji="1" lang="zh-CN" altLang="en-US" sz="4000" dirty="0"/>
+              <a:t> 有向有环图 </a:t>
+            </a:r>
+            <a:r>
+              <a:rPr kumimoji="1" lang="en-US" altLang="zh-CN" sz="4000" dirty="0"/>
+              <a:t>–</a:t>
+            </a:r>
+            <a:r>
+              <a:rPr kumimoji="1" lang="zh-CN" altLang="en-US" sz="4000" dirty="0"/>
+              <a:t> 长环</a:t>
+            </a:r>
+            <a:r>
+              <a:rPr kumimoji="1" lang="en-US" altLang="zh-CN" sz="4000" dirty="0" err="1">
+                <a:solidFill>
+                  <a:srgbClr val="FF0000"/>
+                </a:solidFill>
+              </a:rPr>
+              <a:t>tailFact</a:t>
+            </a:r>
+            <a:r>
+              <a:rPr kumimoji="1" lang="en-US" altLang="zh-CN" sz="4000" dirty="0">
+                <a:solidFill>
+                  <a:srgbClr val="FF0000"/>
+                </a:solidFill>
+              </a:rPr>
+              <a:t>(9)</a:t>
+            </a:r>
+            <a:endParaRPr kumimoji="1" lang="zh-CN" altLang="en-US" sz="4000" dirty="0">
+              <a:solidFill>
+                <a:srgbClr val="FF0000"/>
+              </a:solidFill>
+            </a:endParaRPr>
+          </a:p>
+          <a:p>
+            <a:endParaRPr kumimoji="1" lang="zh-CN" altLang="en-US" sz="4000" dirty="0"/>
+          </a:p>
+        </p:txBody>
+      </p:sp>
+      <p:cxnSp>
+        <p:nvCxnSpPr>
+          <p:cNvPr id="18" name="曲线连接符 17">
+            <a:extLst>
+              <a:ext uri="{FF2B5EF4-FFF2-40B4-BE49-F238E27FC236}">
+                <a16:creationId xmlns:a16="http://schemas.microsoft.com/office/drawing/2014/main" id="{823B479D-A115-E74D-9C67-656D069ADED2}"/>
+              </a:ext>
+            </a:extLst>
+          </p:cNvPr>
+          <p:cNvCxnSpPr>
+            <a:cxnSpLocks/>
+            <a:stCxn id="22" idx="2"/>
+            <a:endCxn id="19" idx="3"/>
+          </p:cNvCxnSpPr>
+          <p:nvPr/>
+        </p:nvCxnSpPr>
+        <p:spPr>
+          <a:xfrm rot="5400000" flipH="1">
+            <a:off x="5808520" y="1110026"/>
+            <a:ext cx="1677614" cy="4417004"/>
+          </a:xfrm>
+          <a:prstGeom prst="curvedConnector4">
+            <a:avLst>
+              <a:gd name="adj1" fmla="val -13626"/>
+              <a:gd name="adj2" fmla="val 59242"/>
+            </a:avLst>
+          </a:prstGeom>
+          <a:ln>
+            <a:tailEnd type="triangle"/>
+          </a:ln>
+        </p:spPr>
+        <p:style>
+          <a:lnRef idx="1">
+            <a:schemeClr val="accent1"/>
+          </a:lnRef>
+          <a:fillRef idx="0">
+            <a:schemeClr val="accent1"/>
+          </a:fillRef>
+          <a:effectRef idx="0">
+            <a:schemeClr val="accent1"/>
+          </a:effectRef>
+          <a:fontRef idx="minor">
+            <a:schemeClr val="tx1"/>
+          </a:fontRef>
+        </p:style>
+      </p:cxnSp>
+      <p:sp>
+        <p:nvSpPr>
+          <p:cNvPr id="19" name="圆角矩形 18">
+            <a:extLst>
+              <a:ext uri="{FF2B5EF4-FFF2-40B4-BE49-F238E27FC236}">
+                <a16:creationId xmlns:a16="http://schemas.microsoft.com/office/drawing/2014/main" id="{5CCCEE52-AE84-3E4E-AA8A-50649D5AE9D6}"/>
+              </a:ext>
+            </a:extLst>
+          </p:cNvPr>
+          <p:cNvSpPr/>
+          <p:nvPr/>
+        </p:nvSpPr>
+        <p:spPr>
+          <a:xfrm>
+            <a:off x="2897561" y="2162370"/>
+            <a:ext cx="1541264" cy="634701"/>
+          </a:xfrm>
+          <a:prstGeom prst="roundRect">
+            <a:avLst/>
+          </a:prstGeom>
+        </p:spPr>
+        <p:style>
+          <a:lnRef idx="2">
+            <a:schemeClr val="accent1">
+              <a:shade val="50000"/>
+            </a:schemeClr>
+          </a:lnRef>
+          <a:fillRef idx="1">
+            <a:schemeClr val="accent1"/>
+          </a:fillRef>
+          <a:effectRef idx="0">
+            <a:schemeClr val="accent1"/>
+          </a:effectRef>
+          <a:fontRef idx="minor">
+            <a:schemeClr val="lt1"/>
+          </a:fontRef>
+        </p:style>
+        <p:txBody>
+          <a:bodyPr rtlCol="0" anchor="ctr"/>
+          <a:lstStyle/>
+          <a:p>
+            <a:pPr algn="ctr"/>
+            <a:r>
+              <a:rPr kumimoji="1" lang="en-US" altLang="zh-CN" dirty="0"/>
+              <a:t>4</a:t>
+            </a:r>
+            <a:r>
+              <a:rPr kumimoji="1" lang="zh-CN" altLang="en-US" dirty="0"/>
+              <a:t> 右护法</a:t>
+            </a:r>
+            <a:endParaRPr kumimoji="1" lang="en-US" altLang="zh-CN" dirty="0"/>
+          </a:p>
+          <a:p>
+            <a:pPr algn="ctr"/>
+            <a:r>
+              <a:rPr kumimoji="1" lang="en-US" altLang="zh-CN" dirty="0"/>
+              <a:t>1000w</a:t>
+            </a:r>
+          </a:p>
+        </p:txBody>
+      </p:sp>
+      <p:sp>
+        <p:nvSpPr>
+          <p:cNvPr id="22" name="圆角矩形 21">
+            <a:extLst>
+              <a:ext uri="{FF2B5EF4-FFF2-40B4-BE49-F238E27FC236}">
+                <a16:creationId xmlns:a16="http://schemas.microsoft.com/office/drawing/2014/main" id="{B20C7EFC-25FC-0748-818C-92A12F72466E}"/>
+              </a:ext>
+            </a:extLst>
+          </p:cNvPr>
+          <p:cNvSpPr/>
+          <p:nvPr/>
+        </p:nvSpPr>
+        <p:spPr>
+          <a:xfrm>
+            <a:off x="8039369" y="3522634"/>
+            <a:ext cx="1632920" cy="634701"/>
+          </a:xfrm>
+          <a:prstGeom prst="roundRect">
+            <a:avLst/>
+          </a:prstGeom>
+        </p:spPr>
+        <p:style>
+          <a:lnRef idx="2">
+            <a:schemeClr val="accent1">
+              <a:shade val="50000"/>
+            </a:schemeClr>
+          </a:lnRef>
+          <a:fillRef idx="1">
+            <a:schemeClr val="accent1"/>
+          </a:fillRef>
+          <a:effectRef idx="0">
+            <a:schemeClr val="accent1"/>
+          </a:effectRef>
+          <a:fontRef idx="minor">
+            <a:schemeClr val="lt1"/>
+          </a:fontRef>
+        </p:style>
+        <p:txBody>
+          <a:bodyPr rtlCol="0" anchor="ctr"/>
+          <a:lstStyle/>
+          <a:p>
+            <a:pPr algn="ctr"/>
+            <a:r>
+              <a:rPr kumimoji="1" lang="en-US" altLang="zh-CN" dirty="0"/>
+              <a:t>2</a:t>
+            </a:r>
+            <a:r>
+              <a:rPr lang="zh-CN" altLang="en-US" dirty="0"/>
+              <a:t>大鹏金翅雕</a:t>
+            </a:r>
+            <a:endParaRPr kumimoji="1" lang="zh-CN" altLang="en-US" dirty="0"/>
+          </a:p>
+        </p:txBody>
+      </p:sp>
+      <p:sp>
+        <p:nvSpPr>
+          <p:cNvPr id="29" name="圆角矩形 28">
+            <a:extLst>
+              <a:ext uri="{FF2B5EF4-FFF2-40B4-BE49-F238E27FC236}">
+                <a16:creationId xmlns:a16="http://schemas.microsoft.com/office/drawing/2014/main" id="{DA16C56B-7627-594D-9E57-57EB28FFE682}"/>
+              </a:ext>
+            </a:extLst>
+          </p:cNvPr>
+          <p:cNvSpPr/>
+          <p:nvPr/>
+        </p:nvSpPr>
+        <p:spPr>
+          <a:xfrm>
+            <a:off x="680197" y="865552"/>
+            <a:ext cx="1541264" cy="634701"/>
+          </a:xfrm>
+          <a:prstGeom prst="roundRect">
+            <a:avLst/>
+          </a:prstGeom>
+        </p:spPr>
+        <p:style>
+          <a:lnRef idx="2">
+            <a:schemeClr val="accent1">
+              <a:shade val="50000"/>
+            </a:schemeClr>
+          </a:lnRef>
+          <a:fillRef idx="1">
+            <a:schemeClr val="accent1"/>
+          </a:fillRef>
+          <a:effectRef idx="0">
+            <a:schemeClr val="accent1"/>
+          </a:effectRef>
+          <a:fontRef idx="minor">
+            <a:schemeClr val="lt1"/>
+          </a:fontRef>
+        </p:style>
+        <p:txBody>
+          <a:bodyPr rtlCol="0" anchor="ctr"/>
+          <a:lstStyle/>
+          <a:p>
+            <a:pPr algn="ctr"/>
+            <a:r>
+              <a:rPr kumimoji="1" lang="en-US" altLang="zh-CN" dirty="0"/>
+              <a:t>8</a:t>
+            </a:r>
+            <a:r>
+              <a:rPr kumimoji="1" lang="zh-CN" altLang="en-US" dirty="0"/>
+              <a:t> 右护法</a:t>
+            </a:r>
+            <a:endParaRPr kumimoji="1" lang="en-US" altLang="zh-CN" dirty="0"/>
+          </a:p>
+          <a:p>
+            <a:pPr algn="ctr"/>
+            <a:r>
+              <a:rPr kumimoji="1" lang="en-US" altLang="zh-CN" dirty="0"/>
+              <a:t>500w</a:t>
+            </a:r>
+          </a:p>
+        </p:txBody>
+      </p:sp>
+      <p:cxnSp>
+        <p:nvCxnSpPr>
+          <p:cNvPr id="48" name="曲线连接符 47">
+            <a:extLst>
+              <a:ext uri="{FF2B5EF4-FFF2-40B4-BE49-F238E27FC236}">
+                <a16:creationId xmlns:a16="http://schemas.microsoft.com/office/drawing/2014/main" id="{B0B1215D-C395-F44E-928F-35A709952449}"/>
+              </a:ext>
+            </a:extLst>
+          </p:cNvPr>
+          <p:cNvCxnSpPr>
+            <a:cxnSpLocks/>
+            <a:stCxn id="19" idx="1"/>
+            <a:endCxn id="29" idx="2"/>
+          </p:cNvCxnSpPr>
+          <p:nvPr/>
+        </p:nvCxnSpPr>
+        <p:spPr>
+          <a:xfrm rot="10800000">
+            <a:off x="1450829" y="1500253"/>
+            <a:ext cx="1446732" cy="979468"/>
+          </a:xfrm>
+          <a:prstGeom prst="curvedConnector2">
+            <a:avLst/>
+          </a:prstGeom>
+          <a:ln>
+            <a:tailEnd type="triangle"/>
+          </a:ln>
+        </p:spPr>
+        <p:style>
+          <a:lnRef idx="1">
+            <a:schemeClr val="accent1"/>
+          </a:lnRef>
+          <a:fillRef idx="0">
+            <a:schemeClr val="accent1"/>
+          </a:fillRef>
+          <a:effectRef idx="0">
+            <a:schemeClr val="accent1"/>
+          </a:effectRef>
+          <a:fontRef idx="minor">
+            <a:schemeClr val="tx1"/>
+          </a:fontRef>
+        </p:style>
+      </p:cxnSp>
+      <p:sp>
+        <p:nvSpPr>
+          <p:cNvPr id="59" name="文本框 58">
+            <a:extLst>
+              <a:ext uri="{FF2B5EF4-FFF2-40B4-BE49-F238E27FC236}">
+                <a16:creationId xmlns:a16="http://schemas.microsoft.com/office/drawing/2014/main" id="{C94BBED9-BD92-C044-A29D-A12D94185CF5}"/>
+              </a:ext>
+            </a:extLst>
+          </p:cNvPr>
+          <p:cNvSpPr txBox="1"/>
+          <p:nvPr/>
+        </p:nvSpPr>
+        <p:spPr>
+          <a:xfrm>
+            <a:off x="6211715" y="3318528"/>
+            <a:ext cx="479618" cy="369332"/>
+          </a:xfrm>
+          <a:prstGeom prst="rect">
+            <a:avLst/>
+          </a:prstGeom>
+          <a:noFill/>
+        </p:spPr>
+        <p:txBody>
+          <a:bodyPr wrap="none" rtlCol="0">
+            <a:spAutoFit/>
+          </a:bodyPr>
+          <a:lstStyle/>
+          <a:p>
+            <a:r>
+              <a:rPr kumimoji="1" lang="en-US" altLang="zh-CN" dirty="0"/>
+              <a:t>0.5</a:t>
+            </a:r>
+            <a:endParaRPr kumimoji="1" lang="zh-CN" altLang="en-US" dirty="0"/>
+          </a:p>
+        </p:txBody>
+      </p:sp>
+      <p:sp>
+        <p:nvSpPr>
+          <p:cNvPr id="66" name="文本框 65">
+            <a:extLst>
+              <a:ext uri="{FF2B5EF4-FFF2-40B4-BE49-F238E27FC236}">
+                <a16:creationId xmlns:a16="http://schemas.microsoft.com/office/drawing/2014/main" id="{AE65E885-42E1-984C-8B64-89AE9044D0F8}"/>
+              </a:ext>
+            </a:extLst>
+          </p:cNvPr>
+          <p:cNvSpPr txBox="1"/>
+          <p:nvPr/>
+        </p:nvSpPr>
+        <p:spPr>
+          <a:xfrm>
+            <a:off x="1502719" y="1522778"/>
+            <a:ext cx="306494" cy="369332"/>
+          </a:xfrm>
+          <a:prstGeom prst="rect">
+            <a:avLst/>
+          </a:prstGeom>
+          <a:noFill/>
+        </p:spPr>
+        <p:txBody>
+          <a:bodyPr wrap="none" rtlCol="0">
+            <a:spAutoFit/>
+          </a:bodyPr>
+          <a:lstStyle/>
+          <a:p>
+            <a:r>
+              <a:rPr kumimoji="1" lang="en-US" altLang="zh-CN" dirty="0"/>
+              <a:t>1</a:t>
+            </a:r>
+            <a:endParaRPr kumimoji="1" lang="zh-CN" altLang="en-US" dirty="0"/>
+          </a:p>
+        </p:txBody>
+      </p:sp>
+      <p:sp>
+        <p:nvSpPr>
+          <p:cNvPr id="47" name="圆角矩形 46">
+            <a:extLst>
+              <a:ext uri="{FF2B5EF4-FFF2-40B4-BE49-F238E27FC236}">
+                <a16:creationId xmlns:a16="http://schemas.microsoft.com/office/drawing/2014/main" id="{D6E52DBF-A443-2D4D-A7A7-2CC7008812F5}"/>
+              </a:ext>
+            </a:extLst>
+          </p:cNvPr>
+          <p:cNvSpPr/>
+          <p:nvPr/>
+        </p:nvSpPr>
+        <p:spPr>
+          <a:xfrm>
+            <a:off x="5639940" y="1263822"/>
+            <a:ext cx="1367119" cy="634701"/>
+          </a:xfrm>
+          <a:prstGeom prst="roundRect">
+            <a:avLst/>
+          </a:prstGeom>
+        </p:spPr>
+        <p:style>
+          <a:lnRef idx="2">
+            <a:schemeClr val="accent1">
+              <a:shade val="50000"/>
+            </a:schemeClr>
+          </a:lnRef>
+          <a:fillRef idx="1">
+            <a:schemeClr val="accent1"/>
+          </a:fillRef>
+          <a:effectRef idx="0">
+            <a:schemeClr val="accent1"/>
+          </a:effectRef>
+          <a:fontRef idx="minor">
+            <a:schemeClr val="lt1"/>
+          </a:fontRef>
+        </p:style>
+        <p:txBody>
+          <a:bodyPr rtlCol="0" anchor="ctr"/>
+          <a:lstStyle/>
+          <a:p>
+            <a:pPr algn="ctr"/>
+            <a:r>
+              <a:rPr kumimoji="1" lang="en-US" altLang="zh-CN" dirty="0"/>
+              <a:t>7</a:t>
+            </a:r>
+            <a:r>
+              <a:rPr kumimoji="1" lang="zh-CN" altLang="en-US" dirty="0"/>
+              <a:t> 左护法</a:t>
+            </a:r>
+            <a:endParaRPr kumimoji="1" lang="en-US" altLang="zh-CN" dirty="0"/>
+          </a:p>
+          <a:p>
+            <a:pPr algn="ctr"/>
+            <a:r>
+              <a:rPr kumimoji="1" lang="en-US" altLang="zh-CN" dirty="0"/>
+              <a:t>500w</a:t>
+            </a:r>
+            <a:endParaRPr kumimoji="1" lang="zh-CN" altLang="en-US" dirty="0"/>
+          </a:p>
+        </p:txBody>
+      </p:sp>
+      <p:cxnSp>
+        <p:nvCxnSpPr>
+          <p:cNvPr id="49" name="曲线连接符 48">
+            <a:extLst>
+              <a:ext uri="{FF2B5EF4-FFF2-40B4-BE49-F238E27FC236}">
+                <a16:creationId xmlns:a16="http://schemas.microsoft.com/office/drawing/2014/main" id="{57E2D82B-86D8-164D-BD2B-926A01E9B8A4}"/>
+              </a:ext>
+            </a:extLst>
+          </p:cNvPr>
+          <p:cNvCxnSpPr>
+            <a:cxnSpLocks/>
+            <a:endCxn id="19" idx="3"/>
+          </p:cNvCxnSpPr>
+          <p:nvPr/>
+        </p:nvCxnSpPr>
+        <p:spPr>
+          <a:xfrm rot="10800000" flipV="1">
+            <a:off x="4438825" y="1589317"/>
+            <a:ext cx="1919598" cy="890404"/>
+          </a:xfrm>
+          <a:prstGeom prst="curvedConnector3">
+            <a:avLst>
+              <a:gd name="adj1" fmla="val 50000"/>
+            </a:avLst>
+          </a:prstGeom>
+          <a:ln>
+            <a:tailEnd type="triangle"/>
+          </a:ln>
+        </p:spPr>
+        <p:style>
+          <a:lnRef idx="1">
+            <a:schemeClr val="accent1"/>
+          </a:lnRef>
+          <a:fillRef idx="0">
+            <a:schemeClr val="accent1"/>
+          </a:fillRef>
+          <a:effectRef idx="0">
+            <a:schemeClr val="accent1"/>
+          </a:effectRef>
+          <a:fontRef idx="minor">
+            <a:schemeClr val="tx1"/>
+          </a:fontRef>
+        </p:style>
+      </p:cxnSp>
+      <p:sp>
+        <p:nvSpPr>
+          <p:cNvPr id="50" name="文本框 49">
+            <a:extLst>
+              <a:ext uri="{FF2B5EF4-FFF2-40B4-BE49-F238E27FC236}">
+                <a16:creationId xmlns:a16="http://schemas.microsoft.com/office/drawing/2014/main" id="{C8CAE788-2E32-934A-966C-7E5921EE1607}"/>
+              </a:ext>
+            </a:extLst>
+          </p:cNvPr>
+          <p:cNvSpPr txBox="1"/>
+          <p:nvPr/>
+        </p:nvSpPr>
+        <p:spPr>
+          <a:xfrm>
+            <a:off x="5346362" y="2083470"/>
+            <a:ext cx="479618" cy="369332"/>
+          </a:xfrm>
+          <a:prstGeom prst="rect">
+            <a:avLst/>
+          </a:prstGeom>
+          <a:noFill/>
+        </p:spPr>
+        <p:txBody>
+          <a:bodyPr wrap="square" rtlCol="0">
+            <a:spAutoFit/>
+          </a:bodyPr>
+          <a:lstStyle/>
+          <a:p>
+            <a:r>
+              <a:rPr kumimoji="1" lang="en-US" altLang="zh-CN" dirty="0"/>
+              <a:t>0.5</a:t>
+            </a:r>
+            <a:endParaRPr kumimoji="1" lang="zh-CN" altLang="en-US" dirty="0"/>
+          </a:p>
+        </p:txBody>
+      </p:sp>
+      <p:sp>
+        <p:nvSpPr>
+          <p:cNvPr id="51" name="文本框 50">
+            <a:extLst>
+              <a:ext uri="{FF2B5EF4-FFF2-40B4-BE49-F238E27FC236}">
+                <a16:creationId xmlns:a16="http://schemas.microsoft.com/office/drawing/2014/main" id="{62F8232C-9EA9-4B47-89C0-FF6BF1804BF6}"/>
+              </a:ext>
+            </a:extLst>
+          </p:cNvPr>
+          <p:cNvSpPr txBox="1"/>
+          <p:nvPr/>
+        </p:nvSpPr>
+        <p:spPr>
+          <a:xfrm>
+            <a:off x="7107866" y="1480357"/>
+            <a:ext cx="1136850" cy="369332"/>
+          </a:xfrm>
+          <a:prstGeom prst="rect">
+            <a:avLst/>
+          </a:prstGeom>
+          <a:noFill/>
+        </p:spPr>
+        <p:txBody>
+          <a:bodyPr wrap="square" rtlCol="0">
+            <a:spAutoFit/>
+          </a:bodyPr>
+          <a:lstStyle/>
+          <a:p>
+            <a:r>
+              <a:rPr kumimoji="1" lang="en-US" altLang="zh-CN" dirty="0" err="1"/>
+              <a:t>tailFact</a:t>
+            </a:r>
+            <a:r>
+              <a:rPr kumimoji="1" lang="en-US" altLang="zh-CN" dirty="0"/>
+              <a:t>(7)</a:t>
+            </a:r>
+            <a:endParaRPr kumimoji="1" lang="zh-CN" altLang="en-US" dirty="0"/>
+          </a:p>
+        </p:txBody>
+      </p:sp>
+      <p:sp>
+        <p:nvSpPr>
+          <p:cNvPr id="10" name="矩形 9">
+            <a:extLst>
+              <a:ext uri="{FF2B5EF4-FFF2-40B4-BE49-F238E27FC236}">
+                <a16:creationId xmlns:a16="http://schemas.microsoft.com/office/drawing/2014/main" id="{BD0EC7F1-ED8F-064A-B44E-7AC0CACC9FC0}"/>
+              </a:ext>
+            </a:extLst>
+          </p:cNvPr>
+          <p:cNvSpPr/>
+          <p:nvPr/>
+        </p:nvSpPr>
+        <p:spPr>
+          <a:xfrm>
+            <a:off x="1809213" y="2053940"/>
+            <a:ext cx="3340856" cy="2324339"/>
+          </a:xfrm>
+          <a:prstGeom prst="rect">
+            <a:avLst/>
+          </a:prstGeom>
+          <a:noFill/>
+          <a:ln w="25400">
+            <a:solidFill>
+              <a:srgbClr val="FFC000"/>
+            </a:solidFill>
+            <a:prstDash val="lgDash"/>
+          </a:ln>
+        </p:spPr>
+        <p:style>
+          <a:lnRef idx="2">
+            <a:schemeClr val="accent1">
+              <a:shade val="50000"/>
+            </a:schemeClr>
+          </a:lnRef>
+          <a:fillRef idx="1">
+            <a:schemeClr val="accent1"/>
+          </a:fillRef>
+          <a:effectRef idx="0">
+            <a:schemeClr val="accent1"/>
+          </a:effectRef>
+          <a:fontRef idx="minor">
+            <a:schemeClr val="lt1"/>
+          </a:fontRef>
+        </p:style>
+        <p:txBody>
+          <a:bodyPr rtlCol="0" anchor="ctr"/>
+          <a:lstStyle/>
+          <a:p>
+            <a:pPr algn="ctr"/>
+            <a:endParaRPr kumimoji="1" lang="zh-CN" altLang="en-US" dirty="0"/>
+          </a:p>
+        </p:txBody>
+      </p:sp>
+      <p:sp>
+        <p:nvSpPr>
+          <p:cNvPr id="6" name="矩形 5">
+            <a:extLst>
+              <a:ext uri="{FF2B5EF4-FFF2-40B4-BE49-F238E27FC236}">
+                <a16:creationId xmlns:a16="http://schemas.microsoft.com/office/drawing/2014/main" id="{D2D22241-5542-6D4D-A284-4A361CAB67A8}"/>
+              </a:ext>
+            </a:extLst>
+          </p:cNvPr>
+          <p:cNvSpPr/>
+          <p:nvPr/>
+        </p:nvSpPr>
+        <p:spPr>
+          <a:xfrm>
+            <a:off x="7726011" y="4609607"/>
+            <a:ext cx="3892556" cy="1615827"/>
+          </a:xfrm>
+          <a:prstGeom prst="rect">
+            <a:avLst/>
+          </a:prstGeom>
+        </p:spPr>
+        <p:txBody>
+          <a:bodyPr wrap="square">
+            <a:spAutoFit/>
+          </a:bodyPr>
+          <a:lstStyle/>
+          <a:p>
+            <a:r>
+              <a:rPr lang="en" altLang="zh-CN" sz="1100" dirty="0"/>
+              <a:t>Map(</a:t>
+            </a:r>
+          </a:p>
+          <a:p>
+            <a:r>
+              <a:rPr lang="en" altLang="zh-CN" sz="1100" dirty="0"/>
+              <a:t>5 -&gt; </a:t>
+            </a:r>
+            <a:r>
+              <a:rPr lang="en" altLang="zh-CN" sz="1100" dirty="0" err="1"/>
+              <a:t>simpleInvestmentInfo</a:t>
+            </a:r>
+            <a:r>
+              <a:rPr lang="en" altLang="zh-CN" sz="1100" dirty="0"/>
+              <a:t>(5 </a:t>
+            </a:r>
+            <a:r>
+              <a:rPr lang="zh-CN" altLang="en-US" sz="1100" dirty="0"/>
+              <a:t>左护法</a:t>
+            </a:r>
+            <a:r>
+              <a:rPr lang="en-US" altLang="zh-CN" sz="1100" dirty="0"/>
+              <a:t>,0.062500,2,6), </a:t>
+            </a:r>
+          </a:p>
+          <a:p>
+            <a:r>
+              <a:rPr lang="en-US" altLang="zh-CN" sz="1100" dirty="0"/>
+              <a:t>10 -&gt; </a:t>
+            </a:r>
+            <a:r>
+              <a:rPr lang="en" altLang="zh-CN" sz="1100" dirty="0" err="1"/>
+              <a:t>simpleInvestmentInfo</a:t>
+            </a:r>
+            <a:r>
+              <a:rPr lang="en" altLang="zh-CN" sz="1100" dirty="0"/>
+              <a:t>(10 </a:t>
+            </a:r>
+            <a:r>
+              <a:rPr lang="zh-CN" altLang="en-US" sz="1100" dirty="0"/>
+              <a:t>右护法</a:t>
+            </a:r>
+            <a:r>
+              <a:rPr lang="en-US" altLang="zh-CN" sz="1100" dirty="0"/>
+              <a:t>,0.125000,2,4), </a:t>
+            </a:r>
+          </a:p>
+          <a:p>
+            <a:r>
+              <a:rPr lang="en-US" altLang="zh-CN" sz="1100" dirty="0"/>
+              <a:t>6 -&gt; </a:t>
+            </a:r>
+            <a:r>
+              <a:rPr lang="en" altLang="zh-CN" sz="1100" dirty="0" err="1"/>
+              <a:t>simpleInvestmentInfo</a:t>
+            </a:r>
+            <a:r>
+              <a:rPr lang="en" altLang="zh-CN" sz="1100" dirty="0"/>
+              <a:t>(6 </a:t>
+            </a:r>
+            <a:r>
+              <a:rPr lang="zh-CN" altLang="en-US" sz="1100" dirty="0"/>
+              <a:t>左护法</a:t>
+            </a:r>
+            <a:r>
+              <a:rPr lang="en-US" altLang="zh-CN" sz="1100" dirty="0"/>
+              <a:t>,0.062500,2,7),</a:t>
+            </a:r>
+          </a:p>
+          <a:p>
+            <a:r>
+              <a:rPr lang="en-US" altLang="zh-CN" sz="1100" dirty="0"/>
+              <a:t>9 -&gt; </a:t>
+            </a:r>
+            <a:r>
+              <a:rPr lang="en" altLang="zh-CN" sz="1100" dirty="0" err="1"/>
+              <a:t>simpleInvestmentInfo</a:t>
+            </a:r>
+            <a:r>
+              <a:rPr lang="en" altLang="zh-CN" sz="1100" dirty="0"/>
+              <a:t>(9 </a:t>
+            </a:r>
+            <a:r>
+              <a:rPr lang="zh-CN" altLang="en-US" sz="1100" dirty="0"/>
+              <a:t>右护法</a:t>
+            </a:r>
+            <a:r>
+              <a:rPr lang="en-US" altLang="zh-CN" sz="1100" dirty="0"/>
+              <a:t>,0.125000,2,3), </a:t>
+            </a:r>
+          </a:p>
+          <a:p>
+            <a:r>
+              <a:rPr lang="en-US" altLang="zh-CN" sz="1100" dirty="0"/>
+              <a:t>7 -&gt; </a:t>
+            </a:r>
+            <a:r>
+              <a:rPr lang="en" altLang="zh-CN" sz="1100" dirty="0" err="1"/>
+              <a:t>simpleInvestmentInfo</a:t>
+            </a:r>
+            <a:r>
+              <a:rPr lang="en" altLang="zh-CN" sz="1100" dirty="0"/>
+              <a:t>(7 </a:t>
+            </a:r>
+            <a:r>
+              <a:rPr lang="zh-CN" altLang="en-US" sz="1100" dirty="0"/>
+              <a:t>左护法</a:t>
+            </a:r>
+            <a:r>
+              <a:rPr lang="en-US" altLang="zh-CN" sz="1100" dirty="0"/>
+              <a:t>,0.062500,2,8), </a:t>
+            </a:r>
+          </a:p>
+          <a:p>
+            <a:r>
+              <a:rPr lang="en-US" altLang="zh-CN" sz="1100" dirty="0"/>
+              <a:t>3 -&gt; </a:t>
+            </a:r>
+            <a:r>
+              <a:rPr lang="en" altLang="zh-CN" sz="1100" dirty="0" err="1"/>
+              <a:t>simpleInvestmentInfo</a:t>
+            </a:r>
+            <a:r>
+              <a:rPr lang="en" altLang="zh-CN" sz="1100" dirty="0"/>
+              <a:t>(3 </a:t>
+            </a:r>
+            <a:r>
+              <a:rPr lang="zh-CN" altLang="en-US" sz="1100" dirty="0"/>
+              <a:t>左护法</a:t>
+            </a:r>
+            <a:r>
+              <a:rPr lang="en-US" altLang="zh-CN" sz="1100" dirty="0"/>
+              <a:t>,0.062500,2,5), </a:t>
+            </a:r>
+          </a:p>
+          <a:p>
+            <a:r>
+              <a:rPr lang="en-US" altLang="zh-CN" sz="1100" dirty="0"/>
+              <a:t>8 -&gt; </a:t>
+            </a:r>
+            <a:r>
+              <a:rPr lang="en" altLang="zh-CN" sz="1100" dirty="0" err="1"/>
+              <a:t>simpleInvestmentInfo</a:t>
+            </a:r>
+            <a:r>
+              <a:rPr lang="en" altLang="zh-CN" sz="1100" dirty="0"/>
+              <a:t>(8 </a:t>
+            </a:r>
+            <a:r>
+              <a:rPr lang="zh-CN" altLang="en-US" sz="1100" dirty="0"/>
+              <a:t>右护法</a:t>
+            </a:r>
+            <a:r>
+              <a:rPr lang="en-US" altLang="zh-CN" sz="1100" dirty="0"/>
+              <a:t>,0.031250,2,10), </a:t>
+            </a:r>
+          </a:p>
+          <a:p>
+            <a:r>
+              <a:rPr lang="en-US" altLang="zh-CN" sz="1100" dirty="0"/>
+              <a:t>4 -&gt; </a:t>
+            </a:r>
+            <a:r>
+              <a:rPr lang="en" altLang="zh-CN" sz="1100" dirty="0" err="1"/>
+              <a:t>simpleInvestmentInfo</a:t>
+            </a:r>
+            <a:r>
+              <a:rPr lang="en" altLang="zh-CN" sz="1100" dirty="0"/>
+              <a:t>(4 </a:t>
+            </a:r>
+            <a:r>
+              <a:rPr lang="zh-CN" altLang="en-US" sz="1100" dirty="0"/>
+              <a:t>右护法</a:t>
+            </a:r>
+            <a:r>
+              <a:rPr lang="en-US" altLang="zh-CN" sz="1100" dirty="0"/>
+              <a:t>,0.031250,2,9))))</a:t>
+            </a:r>
+          </a:p>
+        </p:txBody>
+      </p:sp>
+      <p:sp>
+        <p:nvSpPr>
+          <p:cNvPr id="7" name="矩形 6">
+            <a:extLst>
+              <a:ext uri="{FF2B5EF4-FFF2-40B4-BE49-F238E27FC236}">
+                <a16:creationId xmlns:a16="http://schemas.microsoft.com/office/drawing/2014/main" id="{2B98B566-1779-9843-87A8-067FFB414521}"/>
+              </a:ext>
+            </a:extLst>
+          </p:cNvPr>
+          <p:cNvSpPr/>
+          <p:nvPr/>
+        </p:nvSpPr>
+        <p:spPr>
+          <a:xfrm>
+            <a:off x="1813299" y="2647355"/>
+            <a:ext cx="3541908" cy="1615827"/>
+          </a:xfrm>
+          <a:prstGeom prst="rect">
+            <a:avLst/>
+          </a:prstGeom>
+        </p:spPr>
+        <p:txBody>
+          <a:bodyPr wrap="square">
+            <a:spAutoFit/>
+          </a:bodyPr>
+          <a:lstStyle/>
+          <a:p>
+            <a:r>
+              <a:rPr lang="en" altLang="zh-CN" sz="1100" dirty="0"/>
+              <a:t>Map(</a:t>
+            </a:r>
+          </a:p>
+          <a:p>
+            <a:r>
+              <a:rPr lang="en" altLang="zh-CN" sz="1100" dirty="0"/>
+              <a:t>5 -&gt; </a:t>
+            </a:r>
+            <a:r>
+              <a:rPr lang="en" altLang="zh-CN" sz="1100" dirty="0" err="1"/>
+              <a:t>simpleInvestmentInfo</a:t>
+            </a:r>
+            <a:r>
+              <a:rPr lang="en" altLang="zh-CN" sz="1100" dirty="0"/>
+              <a:t>(5 </a:t>
+            </a:r>
+            <a:r>
+              <a:rPr lang="zh-CN" altLang="en-US" sz="1100" dirty="0"/>
+              <a:t>左护法</a:t>
+            </a:r>
+            <a:r>
+              <a:rPr lang="en-US" altLang="zh-CN" sz="1100" dirty="0"/>
+              <a:t>,0.125000,4,5), </a:t>
+            </a:r>
+          </a:p>
+          <a:p>
+            <a:r>
+              <a:rPr lang="en-US" altLang="zh-CN" sz="1100" dirty="0"/>
+              <a:t>10 -&gt; </a:t>
+            </a:r>
+            <a:r>
+              <a:rPr lang="en" altLang="zh-CN" sz="1100" dirty="0" err="1"/>
+              <a:t>simpleInvestmentInfo</a:t>
+            </a:r>
+            <a:r>
+              <a:rPr lang="en" altLang="zh-CN" sz="1100" dirty="0"/>
+              <a:t>(10 </a:t>
+            </a:r>
+            <a:r>
+              <a:rPr lang="zh-CN" altLang="en-US" sz="1100" dirty="0"/>
+              <a:t>右护法</a:t>
+            </a:r>
+            <a:r>
+              <a:rPr lang="en-US" altLang="zh-CN" sz="1100" dirty="0"/>
+              <a:t>,0.250000,4,3), </a:t>
+            </a:r>
+          </a:p>
+          <a:p>
+            <a:r>
+              <a:rPr lang="en-US" altLang="zh-CN" sz="1100" dirty="0"/>
+              <a:t>6 -&gt; </a:t>
+            </a:r>
+            <a:r>
+              <a:rPr lang="en" altLang="zh-CN" sz="1100" dirty="0" err="1"/>
+              <a:t>simpleInvestmentInfo</a:t>
+            </a:r>
+            <a:r>
+              <a:rPr lang="en" altLang="zh-CN" sz="1100" dirty="0"/>
+              <a:t>(6 </a:t>
+            </a:r>
+            <a:r>
+              <a:rPr lang="zh-CN" altLang="en-US" sz="1100" dirty="0"/>
+              <a:t>左护法</a:t>
+            </a:r>
+            <a:r>
+              <a:rPr lang="en-US" altLang="zh-CN" sz="1100" dirty="0"/>
+              <a:t>,0.125000,4,6), </a:t>
+            </a:r>
+          </a:p>
+          <a:p>
+            <a:r>
+              <a:rPr lang="en-US" altLang="zh-CN" sz="1100" dirty="0"/>
+              <a:t>9 -&gt; </a:t>
+            </a:r>
+            <a:r>
+              <a:rPr lang="en" altLang="zh-CN" sz="1100" dirty="0" err="1"/>
+              <a:t>simpleInvestmentInfo</a:t>
+            </a:r>
+            <a:r>
+              <a:rPr lang="en" altLang="zh-CN" sz="1100" dirty="0"/>
+              <a:t>(9 </a:t>
+            </a:r>
+            <a:r>
+              <a:rPr lang="zh-CN" altLang="en-US" sz="1100" dirty="0"/>
+              <a:t>右护法</a:t>
+            </a:r>
+            <a:r>
+              <a:rPr lang="en-US" altLang="zh-CN" sz="1100" dirty="0"/>
+              <a:t>,0.062500,4,10), </a:t>
+            </a:r>
+          </a:p>
+          <a:p>
+            <a:r>
+              <a:rPr lang="en-US" altLang="zh-CN" sz="1100" dirty="0"/>
+              <a:t>7 -&gt; </a:t>
+            </a:r>
+            <a:r>
+              <a:rPr lang="en" altLang="zh-CN" sz="1100" dirty="0" err="1"/>
+              <a:t>simpleInvestmentInfo</a:t>
+            </a:r>
+            <a:r>
+              <a:rPr lang="en" altLang="zh-CN" sz="1100" dirty="0"/>
+              <a:t>(7 </a:t>
+            </a:r>
+            <a:r>
+              <a:rPr lang="zh-CN" altLang="en-US" sz="1100" dirty="0"/>
+              <a:t>左护法</a:t>
+            </a:r>
+            <a:r>
+              <a:rPr lang="en-US" altLang="zh-CN" sz="1100" dirty="0"/>
+              <a:t>,0.125000,4,7), </a:t>
+            </a:r>
+          </a:p>
+          <a:p>
+            <a:r>
+              <a:rPr lang="en-US" altLang="zh-CN" sz="1100" dirty="0"/>
+              <a:t>3 -&gt; </a:t>
+            </a:r>
+            <a:r>
+              <a:rPr lang="en" altLang="zh-CN" sz="1100" dirty="0" err="1"/>
+              <a:t>simpleInvestmentInfo</a:t>
+            </a:r>
+            <a:r>
+              <a:rPr lang="en" altLang="zh-CN" sz="1100" dirty="0"/>
+              <a:t>(3 </a:t>
+            </a:r>
+            <a:r>
+              <a:rPr lang="zh-CN" altLang="en-US" sz="1100" dirty="0"/>
+              <a:t>左护法</a:t>
+            </a:r>
+            <a:r>
+              <a:rPr lang="en-US" altLang="zh-CN" sz="1100" dirty="0"/>
+              <a:t>,0.125000,4,4), </a:t>
+            </a:r>
+          </a:p>
+          <a:p>
+            <a:r>
+              <a:rPr lang="en-US" altLang="zh-CN" sz="1100" dirty="0"/>
+              <a:t>8 -&gt; </a:t>
+            </a:r>
+            <a:r>
+              <a:rPr lang="en" altLang="zh-CN" sz="1100" dirty="0" err="1"/>
+              <a:t>simpleInvestmentInfo</a:t>
+            </a:r>
+            <a:r>
+              <a:rPr lang="en" altLang="zh-CN" sz="1100" dirty="0"/>
+              <a:t>(8 </a:t>
+            </a:r>
+            <a:r>
+              <a:rPr lang="zh-CN" altLang="en-US" sz="1100" dirty="0"/>
+              <a:t>右护法</a:t>
+            </a:r>
+            <a:r>
+              <a:rPr lang="en-US" altLang="zh-CN" sz="1100" dirty="0"/>
+              <a:t>,0.062500,4,9), </a:t>
+            </a:r>
+          </a:p>
+          <a:p>
+            <a:r>
+              <a:rPr lang="en-US" altLang="zh-CN" sz="1100" dirty="0"/>
+              <a:t>4 -&gt; </a:t>
+            </a:r>
+            <a:r>
+              <a:rPr lang="en" altLang="zh-CN" sz="1100" dirty="0" err="1"/>
+              <a:t>simpleInvestmentInfo</a:t>
+            </a:r>
+            <a:r>
+              <a:rPr lang="en" altLang="zh-CN" sz="1100" dirty="0"/>
+              <a:t>(4 </a:t>
+            </a:r>
+            <a:r>
+              <a:rPr lang="zh-CN" altLang="en-US" sz="1100" dirty="0"/>
+              <a:t>右护法</a:t>
+            </a:r>
+            <a:r>
+              <a:rPr lang="en-US" altLang="zh-CN" sz="1100" dirty="0"/>
+              <a:t>,0.062500,4,8))))</a:t>
+            </a:r>
+          </a:p>
+        </p:txBody>
+      </p:sp>
+      <p:sp>
+        <p:nvSpPr>
+          <p:cNvPr id="25" name="矩形 24">
+            <a:extLst>
+              <a:ext uri="{FF2B5EF4-FFF2-40B4-BE49-F238E27FC236}">
+                <a16:creationId xmlns:a16="http://schemas.microsoft.com/office/drawing/2014/main" id="{4C78A096-4890-C54C-9F81-A7A292258A17}"/>
+              </a:ext>
+            </a:extLst>
+          </p:cNvPr>
+          <p:cNvSpPr/>
+          <p:nvPr/>
+        </p:nvSpPr>
+        <p:spPr>
+          <a:xfrm>
+            <a:off x="7722611" y="3490369"/>
+            <a:ext cx="3340856" cy="2847370"/>
+          </a:xfrm>
+          <a:prstGeom prst="rect">
+            <a:avLst/>
+          </a:prstGeom>
+          <a:noFill/>
+          <a:ln w="25400">
+            <a:solidFill>
+              <a:srgbClr val="FFC000"/>
+            </a:solidFill>
+            <a:prstDash val="lgDash"/>
+          </a:ln>
+        </p:spPr>
+        <p:style>
+          <a:lnRef idx="2">
+            <a:schemeClr val="accent1">
+              <a:shade val="50000"/>
+            </a:schemeClr>
+          </a:lnRef>
+          <a:fillRef idx="1">
+            <a:schemeClr val="accent1"/>
+          </a:fillRef>
+          <a:effectRef idx="0">
+            <a:schemeClr val="accent1"/>
+          </a:effectRef>
+          <a:fontRef idx="minor">
+            <a:schemeClr val="lt1"/>
+          </a:fontRef>
+        </p:style>
+        <p:txBody>
+          <a:bodyPr rtlCol="0" anchor="ctr"/>
+          <a:lstStyle/>
+          <a:p>
+            <a:pPr algn="ctr"/>
+            <a:endParaRPr kumimoji="1" lang="zh-CN" altLang="en-US" dirty="0"/>
+          </a:p>
+        </p:txBody>
+      </p:sp>
+      <p:cxnSp>
+        <p:nvCxnSpPr>
+          <p:cNvPr id="13" name="曲线连接符 12">
+            <a:extLst>
+              <a:ext uri="{FF2B5EF4-FFF2-40B4-BE49-F238E27FC236}">
+                <a16:creationId xmlns:a16="http://schemas.microsoft.com/office/drawing/2014/main" id="{3414BBBB-C049-2240-B059-FD217DF269DA}"/>
+              </a:ext>
+            </a:extLst>
+          </p:cNvPr>
+          <p:cNvCxnSpPr>
+            <a:cxnSpLocks/>
+            <a:stCxn id="15" idx="0"/>
+            <a:endCxn id="7" idx="2"/>
+          </p:cNvCxnSpPr>
+          <p:nvPr/>
+        </p:nvCxnSpPr>
+        <p:spPr>
+          <a:xfrm rot="5400000" flipH="1" flipV="1">
+            <a:off x="2848213" y="4127225"/>
+            <a:ext cx="600082" cy="871997"/>
+          </a:xfrm>
+          <a:prstGeom prst="curvedConnector3">
+            <a:avLst>
+              <a:gd name="adj1" fmla="val 50000"/>
+            </a:avLst>
+          </a:prstGeom>
+          <a:ln>
+            <a:solidFill>
+              <a:srgbClr val="FF0000"/>
+            </a:solidFill>
+            <a:tailEnd type="triangle"/>
+          </a:ln>
+        </p:spPr>
+        <p:style>
+          <a:lnRef idx="1">
+            <a:schemeClr val="accent1"/>
+          </a:lnRef>
+          <a:fillRef idx="0">
+            <a:schemeClr val="accent1"/>
+          </a:fillRef>
+          <a:effectRef idx="0">
+            <a:schemeClr val="accent1"/>
+          </a:effectRef>
+          <a:fontRef idx="minor">
+            <a:schemeClr val="tx1"/>
+          </a:fontRef>
+        </p:style>
+      </p:cxnSp>
+      <p:sp>
+        <p:nvSpPr>
+          <p:cNvPr id="15" name="文本框 14">
+            <a:extLst>
+              <a:ext uri="{FF2B5EF4-FFF2-40B4-BE49-F238E27FC236}">
+                <a16:creationId xmlns:a16="http://schemas.microsoft.com/office/drawing/2014/main" id="{8145A0E5-2488-2D4F-8BDA-010AE7D59C76}"/>
+              </a:ext>
+            </a:extLst>
+          </p:cNvPr>
+          <p:cNvSpPr txBox="1"/>
+          <p:nvPr/>
+        </p:nvSpPr>
+        <p:spPr>
+          <a:xfrm>
+            <a:off x="1655966" y="4863264"/>
+            <a:ext cx="2112580" cy="954107"/>
+          </a:xfrm>
+          <a:prstGeom prst="rect">
+            <a:avLst/>
+          </a:prstGeom>
+          <a:noFill/>
+        </p:spPr>
+        <p:txBody>
+          <a:bodyPr wrap="square" rtlCol="0">
+            <a:spAutoFit/>
+          </a:bodyPr>
+          <a:lstStyle/>
+          <a:p>
+            <a:r>
+              <a:rPr kumimoji="1" lang="zh-CN" altLang="en-US" sz="1400" dirty="0"/>
+              <a:t>到这里就是信息轮回，上一轮的</a:t>
+            </a:r>
+            <a:r>
+              <a:rPr kumimoji="1" lang="en-US" altLang="zh-CN" sz="1400" dirty="0"/>
+              <a:t>0.25</a:t>
+            </a:r>
+            <a:r>
+              <a:rPr kumimoji="1" lang="zh-CN" altLang="en-US" sz="1400" dirty="0"/>
+              <a:t>*</a:t>
+            </a:r>
+            <a:r>
+              <a:rPr kumimoji="1" lang="en-US" altLang="zh-CN" sz="1400" dirty="0"/>
+              <a:t>0.25</a:t>
+            </a:r>
+            <a:r>
+              <a:rPr kumimoji="1" lang="zh-CN" altLang="en-US" sz="1400" dirty="0"/>
+              <a:t>直接过了一整轮，到了</a:t>
+            </a:r>
+            <a:r>
+              <a:rPr kumimoji="1" lang="en-US" altLang="zh-CN" sz="1400" dirty="0"/>
+              <a:t>0.0625</a:t>
+            </a:r>
+            <a:r>
+              <a:rPr kumimoji="1" lang="zh-CN" altLang="en-US" sz="1400" dirty="0"/>
+              <a:t>。</a:t>
+            </a:r>
+          </a:p>
+        </p:txBody>
+      </p:sp>
+      <p:cxnSp>
+        <p:nvCxnSpPr>
+          <p:cNvPr id="26" name="曲线连接符 25">
+            <a:extLst>
+              <a:ext uri="{FF2B5EF4-FFF2-40B4-BE49-F238E27FC236}">
+                <a16:creationId xmlns:a16="http://schemas.microsoft.com/office/drawing/2014/main" id="{F9DCCBD7-3864-2345-A741-6D299D5DECA5}"/>
+              </a:ext>
+            </a:extLst>
+          </p:cNvPr>
+          <p:cNvCxnSpPr>
+            <a:cxnSpLocks/>
+            <a:stCxn id="28" idx="3"/>
+          </p:cNvCxnSpPr>
+          <p:nvPr/>
+        </p:nvCxnSpPr>
+        <p:spPr>
+          <a:xfrm>
+            <a:off x="6656166" y="5332568"/>
+            <a:ext cx="1150378" cy="713882"/>
+          </a:xfrm>
+          <a:prstGeom prst="curvedConnector3">
+            <a:avLst>
+              <a:gd name="adj1" fmla="val 50000"/>
+            </a:avLst>
+          </a:prstGeom>
+          <a:ln>
+            <a:solidFill>
+              <a:srgbClr val="FF0000"/>
+            </a:solidFill>
+            <a:tailEnd type="triangle"/>
+          </a:ln>
+        </p:spPr>
+        <p:style>
+          <a:lnRef idx="1">
+            <a:schemeClr val="accent1"/>
+          </a:lnRef>
+          <a:fillRef idx="0">
+            <a:schemeClr val="accent1"/>
+          </a:fillRef>
+          <a:effectRef idx="0">
+            <a:schemeClr val="accent1"/>
+          </a:effectRef>
+          <a:fontRef idx="minor">
+            <a:schemeClr val="tx1"/>
+          </a:fontRef>
+        </p:style>
+      </p:cxnSp>
+      <p:sp>
+        <p:nvSpPr>
+          <p:cNvPr id="28" name="文本框 27">
+            <a:extLst>
+              <a:ext uri="{FF2B5EF4-FFF2-40B4-BE49-F238E27FC236}">
+                <a16:creationId xmlns:a16="http://schemas.microsoft.com/office/drawing/2014/main" id="{5C3277F6-3D8A-BA4D-9EA7-8A8FA2458DCF}"/>
+              </a:ext>
+            </a:extLst>
+          </p:cNvPr>
+          <p:cNvSpPr txBox="1"/>
+          <p:nvPr/>
+        </p:nvSpPr>
+        <p:spPr>
+          <a:xfrm>
+            <a:off x="4175752" y="5070958"/>
+            <a:ext cx="2480414" cy="523220"/>
+          </a:xfrm>
+          <a:prstGeom prst="rect">
+            <a:avLst/>
+          </a:prstGeom>
+          <a:noFill/>
+        </p:spPr>
+        <p:txBody>
+          <a:bodyPr wrap="square" rtlCol="0">
+            <a:spAutoFit/>
+          </a:bodyPr>
+          <a:lstStyle/>
+          <a:p>
+            <a:r>
+              <a:rPr kumimoji="1" lang="zh-CN" altLang="en-US" sz="1400" dirty="0"/>
+              <a:t>这里很明白了，</a:t>
+            </a:r>
+            <a:r>
+              <a:rPr kumimoji="1" lang="en-US" altLang="zh-CN" sz="1400" dirty="0"/>
+              <a:t>0.03125</a:t>
+            </a:r>
+            <a:r>
+              <a:rPr kumimoji="1" lang="zh-CN" altLang="en-US" sz="1400" dirty="0"/>
+              <a:t>就是之前的 </a:t>
+            </a:r>
+            <a:r>
+              <a:rPr kumimoji="1" lang="en-US" altLang="zh-CN" sz="1400" dirty="0"/>
+              <a:t>0.0625</a:t>
+            </a:r>
+            <a:r>
+              <a:rPr kumimoji="1" lang="zh-CN" altLang="en-US" sz="1400" dirty="0"/>
+              <a:t> * </a:t>
+            </a:r>
+            <a:r>
+              <a:rPr kumimoji="1" lang="en-US" altLang="zh-CN" sz="1400" dirty="0"/>
+              <a:t>0.5</a:t>
+            </a:r>
+            <a:endParaRPr kumimoji="1" lang="zh-CN" altLang="en-US" sz="1400" dirty="0"/>
+          </a:p>
+        </p:txBody>
+      </p:sp>
+    </p:spTree>
+    <p:extLst>
+      <p:ext uri="{BB962C8B-B14F-4D97-AF65-F5344CB8AC3E}">
+        <p14:creationId xmlns:p14="http://schemas.microsoft.com/office/powerpoint/2010/main" val="904698918"/>
+      </p:ext>
+    </p:extLst>
+  </p:cSld>
+  <p:clrMapOvr>
+    <a:masterClrMapping/>
+  </p:clrMapOvr>
+</p:sld>
+</file>
+
+<file path=ppt/slides/slide32.xml><?xml version="1.0" encoding="utf-8"?>
+<p:sld xmlns:a="http://schemas.openxmlformats.org/drawingml/2006/main" xmlns:r="http://schemas.openxmlformats.org/officeDocument/2006/relationships" xmlns:p="http://schemas.openxmlformats.org/presentationml/2006/main">
+  <p:cSld>
+    <p:spTree>
+      <p:nvGrpSpPr>
+        <p:cNvPr id="1" name=""/>
+        <p:cNvGrpSpPr/>
+        <p:nvPr/>
+      </p:nvGrpSpPr>
+      <p:grpSpPr>
+        <a:xfrm>
+          <a:off x="0" y="0"/>
+          <a:ext cx="0" cy="0"/>
+          <a:chOff x="0" y="0"/>
+          <a:chExt cx="0" cy="0"/>
+        </a:xfrm>
+      </p:grpSpPr>
+      <p:sp>
+        <p:nvSpPr>
+          <p:cNvPr id="3" name="文本框 2">
+            <a:extLst>
+              <a:ext uri="{FF2B5EF4-FFF2-40B4-BE49-F238E27FC236}">
+                <a16:creationId xmlns:a16="http://schemas.microsoft.com/office/drawing/2014/main" id="{2A2FBB20-DC04-9149-BB4A-6772BB523FB8}"/>
+              </a:ext>
+            </a:extLst>
+          </p:cNvPr>
+          <p:cNvSpPr txBox="1"/>
+          <p:nvPr/>
+        </p:nvSpPr>
+        <p:spPr>
+          <a:xfrm>
+            <a:off x="344245" y="107719"/>
+            <a:ext cx="7733207" cy="1323439"/>
+          </a:xfrm>
+          <a:prstGeom prst="rect">
+            <a:avLst/>
+          </a:prstGeom>
+          <a:noFill/>
+        </p:spPr>
+        <p:txBody>
+          <a:bodyPr wrap="none" rtlCol="0">
+            <a:spAutoFit/>
+          </a:bodyPr>
+          <a:lstStyle/>
+          <a:p>
+            <a:r>
+              <a:rPr kumimoji="1" lang="en-US" altLang="zh-CN" sz="4000" dirty="0"/>
+              <a:t>G13</a:t>
+            </a:r>
+            <a:r>
+              <a:rPr kumimoji="1" lang="zh-CN" altLang="en-US" sz="4000" dirty="0"/>
+              <a:t> 有向有环图 </a:t>
+            </a:r>
+            <a:r>
+              <a:rPr kumimoji="1" lang="en-US" altLang="zh-CN" sz="4000" dirty="0"/>
+              <a:t>–</a:t>
+            </a:r>
+            <a:r>
+              <a:rPr kumimoji="1" lang="zh-CN" altLang="en-US" sz="4000" dirty="0"/>
+              <a:t> 长环</a:t>
+            </a:r>
+            <a:r>
+              <a:rPr kumimoji="1" lang="en-US" altLang="zh-CN" sz="4000" dirty="0" err="1">
+                <a:solidFill>
+                  <a:srgbClr val="FF0000"/>
+                </a:solidFill>
+              </a:rPr>
+              <a:t>tailFact</a:t>
+            </a:r>
+            <a:r>
+              <a:rPr kumimoji="1" lang="en-US" altLang="zh-CN" sz="4000" dirty="0">
+                <a:solidFill>
+                  <a:srgbClr val="FF0000"/>
+                </a:solidFill>
+              </a:rPr>
+              <a:t>(10)</a:t>
+            </a:r>
+            <a:endParaRPr kumimoji="1" lang="zh-CN" altLang="en-US" sz="4000" dirty="0">
+              <a:solidFill>
+                <a:srgbClr val="FF0000"/>
+              </a:solidFill>
+            </a:endParaRPr>
+          </a:p>
+          <a:p>
+            <a:endParaRPr kumimoji="1" lang="zh-CN" altLang="en-US" sz="4000" dirty="0"/>
+          </a:p>
+        </p:txBody>
+      </p:sp>
+      <p:cxnSp>
+        <p:nvCxnSpPr>
+          <p:cNvPr id="18" name="曲线连接符 17">
+            <a:extLst>
+              <a:ext uri="{FF2B5EF4-FFF2-40B4-BE49-F238E27FC236}">
+                <a16:creationId xmlns:a16="http://schemas.microsoft.com/office/drawing/2014/main" id="{823B479D-A115-E74D-9C67-656D069ADED2}"/>
+              </a:ext>
+            </a:extLst>
+          </p:cNvPr>
+          <p:cNvCxnSpPr>
+            <a:cxnSpLocks/>
+            <a:stCxn id="22" idx="2"/>
+            <a:endCxn id="19" idx="3"/>
+          </p:cNvCxnSpPr>
+          <p:nvPr/>
+        </p:nvCxnSpPr>
+        <p:spPr>
+          <a:xfrm rot="5400000" flipH="1">
+            <a:off x="5808520" y="1110026"/>
+            <a:ext cx="1677614" cy="4417004"/>
+          </a:xfrm>
+          <a:prstGeom prst="curvedConnector4">
+            <a:avLst>
+              <a:gd name="adj1" fmla="val -13626"/>
+              <a:gd name="adj2" fmla="val 59242"/>
+            </a:avLst>
+          </a:prstGeom>
+          <a:ln>
+            <a:tailEnd type="triangle"/>
+          </a:ln>
+        </p:spPr>
+        <p:style>
+          <a:lnRef idx="1">
+            <a:schemeClr val="accent1"/>
+          </a:lnRef>
+          <a:fillRef idx="0">
+            <a:schemeClr val="accent1"/>
+          </a:fillRef>
+          <a:effectRef idx="0">
+            <a:schemeClr val="accent1"/>
+          </a:effectRef>
+          <a:fontRef idx="minor">
+            <a:schemeClr val="tx1"/>
+          </a:fontRef>
+        </p:style>
+      </p:cxnSp>
+      <p:sp>
+        <p:nvSpPr>
+          <p:cNvPr id="19" name="圆角矩形 18">
+            <a:extLst>
+              <a:ext uri="{FF2B5EF4-FFF2-40B4-BE49-F238E27FC236}">
+                <a16:creationId xmlns:a16="http://schemas.microsoft.com/office/drawing/2014/main" id="{5CCCEE52-AE84-3E4E-AA8A-50649D5AE9D6}"/>
+              </a:ext>
+            </a:extLst>
+          </p:cNvPr>
+          <p:cNvSpPr/>
+          <p:nvPr/>
+        </p:nvSpPr>
+        <p:spPr>
+          <a:xfrm>
+            <a:off x="2897561" y="2162370"/>
+            <a:ext cx="1541264" cy="634701"/>
+          </a:xfrm>
+          <a:prstGeom prst="roundRect">
+            <a:avLst/>
+          </a:prstGeom>
+        </p:spPr>
+        <p:style>
+          <a:lnRef idx="2">
+            <a:schemeClr val="accent1">
+              <a:shade val="50000"/>
+            </a:schemeClr>
+          </a:lnRef>
+          <a:fillRef idx="1">
+            <a:schemeClr val="accent1"/>
+          </a:fillRef>
+          <a:effectRef idx="0">
+            <a:schemeClr val="accent1"/>
+          </a:effectRef>
+          <a:fontRef idx="minor">
+            <a:schemeClr val="lt1"/>
+          </a:fontRef>
+        </p:style>
+        <p:txBody>
+          <a:bodyPr rtlCol="0" anchor="ctr"/>
+          <a:lstStyle/>
+          <a:p>
+            <a:pPr algn="ctr"/>
+            <a:r>
+              <a:rPr kumimoji="1" lang="en-US" altLang="zh-CN" dirty="0"/>
+              <a:t>4</a:t>
+            </a:r>
+            <a:r>
+              <a:rPr kumimoji="1" lang="zh-CN" altLang="en-US" dirty="0"/>
+              <a:t> 右护法</a:t>
+            </a:r>
+            <a:endParaRPr kumimoji="1" lang="en-US" altLang="zh-CN" dirty="0"/>
+          </a:p>
+          <a:p>
+            <a:pPr algn="ctr"/>
+            <a:r>
+              <a:rPr kumimoji="1" lang="en-US" altLang="zh-CN" dirty="0"/>
+              <a:t>1000w</a:t>
+            </a:r>
+          </a:p>
+        </p:txBody>
+      </p:sp>
+      <p:sp>
+        <p:nvSpPr>
+          <p:cNvPr id="22" name="圆角矩形 21">
+            <a:extLst>
+              <a:ext uri="{FF2B5EF4-FFF2-40B4-BE49-F238E27FC236}">
+                <a16:creationId xmlns:a16="http://schemas.microsoft.com/office/drawing/2014/main" id="{B20C7EFC-25FC-0748-818C-92A12F72466E}"/>
+              </a:ext>
+            </a:extLst>
+          </p:cNvPr>
+          <p:cNvSpPr/>
+          <p:nvPr/>
+        </p:nvSpPr>
+        <p:spPr>
+          <a:xfrm>
+            <a:off x="8039369" y="3522634"/>
+            <a:ext cx="1632920" cy="634701"/>
+          </a:xfrm>
+          <a:prstGeom prst="roundRect">
+            <a:avLst/>
+          </a:prstGeom>
+        </p:spPr>
+        <p:style>
+          <a:lnRef idx="2">
+            <a:schemeClr val="accent1">
+              <a:shade val="50000"/>
+            </a:schemeClr>
+          </a:lnRef>
+          <a:fillRef idx="1">
+            <a:schemeClr val="accent1"/>
+          </a:fillRef>
+          <a:effectRef idx="0">
+            <a:schemeClr val="accent1"/>
+          </a:effectRef>
+          <a:fontRef idx="minor">
+            <a:schemeClr val="lt1"/>
+          </a:fontRef>
+        </p:style>
+        <p:txBody>
+          <a:bodyPr rtlCol="0" anchor="ctr"/>
+          <a:lstStyle/>
+          <a:p>
+            <a:pPr algn="ctr"/>
+            <a:r>
+              <a:rPr kumimoji="1" lang="en-US" altLang="zh-CN" dirty="0"/>
+              <a:t>2</a:t>
+            </a:r>
+            <a:r>
+              <a:rPr lang="zh-CN" altLang="en-US" dirty="0"/>
+              <a:t>大鹏金翅雕</a:t>
+            </a:r>
+            <a:endParaRPr kumimoji="1" lang="zh-CN" altLang="en-US" dirty="0"/>
+          </a:p>
+        </p:txBody>
+      </p:sp>
+      <p:sp>
+        <p:nvSpPr>
+          <p:cNvPr id="29" name="圆角矩形 28">
+            <a:extLst>
+              <a:ext uri="{FF2B5EF4-FFF2-40B4-BE49-F238E27FC236}">
+                <a16:creationId xmlns:a16="http://schemas.microsoft.com/office/drawing/2014/main" id="{DA16C56B-7627-594D-9E57-57EB28FFE682}"/>
+              </a:ext>
+            </a:extLst>
+          </p:cNvPr>
+          <p:cNvSpPr/>
+          <p:nvPr/>
+        </p:nvSpPr>
+        <p:spPr>
+          <a:xfrm>
+            <a:off x="680197" y="865552"/>
+            <a:ext cx="1541264" cy="634701"/>
+          </a:xfrm>
+          <a:prstGeom prst="roundRect">
+            <a:avLst/>
+          </a:prstGeom>
+        </p:spPr>
+        <p:style>
+          <a:lnRef idx="2">
+            <a:schemeClr val="accent1">
+              <a:shade val="50000"/>
+            </a:schemeClr>
+          </a:lnRef>
+          <a:fillRef idx="1">
+            <a:schemeClr val="accent1"/>
+          </a:fillRef>
+          <a:effectRef idx="0">
+            <a:schemeClr val="accent1"/>
+          </a:effectRef>
+          <a:fontRef idx="minor">
+            <a:schemeClr val="lt1"/>
+          </a:fontRef>
+        </p:style>
+        <p:txBody>
+          <a:bodyPr rtlCol="0" anchor="ctr"/>
+          <a:lstStyle/>
+          <a:p>
+            <a:pPr algn="ctr"/>
+            <a:r>
+              <a:rPr kumimoji="1" lang="en-US" altLang="zh-CN" dirty="0"/>
+              <a:t>8</a:t>
+            </a:r>
+            <a:r>
+              <a:rPr kumimoji="1" lang="zh-CN" altLang="en-US" dirty="0"/>
+              <a:t> 右护法</a:t>
+            </a:r>
+            <a:endParaRPr kumimoji="1" lang="en-US" altLang="zh-CN" dirty="0"/>
+          </a:p>
+          <a:p>
+            <a:pPr algn="ctr"/>
+            <a:r>
+              <a:rPr kumimoji="1" lang="en-US" altLang="zh-CN" dirty="0"/>
+              <a:t>500w</a:t>
+            </a:r>
+          </a:p>
+        </p:txBody>
+      </p:sp>
+      <p:cxnSp>
+        <p:nvCxnSpPr>
+          <p:cNvPr id="48" name="曲线连接符 47">
+            <a:extLst>
+              <a:ext uri="{FF2B5EF4-FFF2-40B4-BE49-F238E27FC236}">
+                <a16:creationId xmlns:a16="http://schemas.microsoft.com/office/drawing/2014/main" id="{B0B1215D-C395-F44E-928F-35A709952449}"/>
+              </a:ext>
+            </a:extLst>
+          </p:cNvPr>
+          <p:cNvCxnSpPr>
+            <a:cxnSpLocks/>
+            <a:stCxn id="19" idx="1"/>
+            <a:endCxn id="29" idx="2"/>
+          </p:cNvCxnSpPr>
+          <p:nvPr/>
+        </p:nvCxnSpPr>
+        <p:spPr>
+          <a:xfrm rot="10800000">
+            <a:off x="1450829" y="1500253"/>
+            <a:ext cx="1446732" cy="979468"/>
+          </a:xfrm>
+          <a:prstGeom prst="curvedConnector2">
+            <a:avLst/>
+          </a:prstGeom>
+          <a:ln>
+            <a:tailEnd type="triangle"/>
+          </a:ln>
+        </p:spPr>
+        <p:style>
+          <a:lnRef idx="1">
+            <a:schemeClr val="accent1"/>
+          </a:lnRef>
+          <a:fillRef idx="0">
+            <a:schemeClr val="accent1"/>
+          </a:fillRef>
+          <a:effectRef idx="0">
+            <a:schemeClr val="accent1"/>
+          </a:effectRef>
+          <a:fontRef idx="minor">
+            <a:schemeClr val="tx1"/>
+          </a:fontRef>
+        </p:style>
+      </p:cxnSp>
+      <p:sp>
+        <p:nvSpPr>
+          <p:cNvPr id="59" name="文本框 58">
+            <a:extLst>
+              <a:ext uri="{FF2B5EF4-FFF2-40B4-BE49-F238E27FC236}">
+                <a16:creationId xmlns:a16="http://schemas.microsoft.com/office/drawing/2014/main" id="{C94BBED9-BD92-C044-A29D-A12D94185CF5}"/>
+              </a:ext>
+            </a:extLst>
+          </p:cNvPr>
+          <p:cNvSpPr txBox="1"/>
+          <p:nvPr/>
+        </p:nvSpPr>
+        <p:spPr>
+          <a:xfrm>
+            <a:off x="6211715" y="3318528"/>
+            <a:ext cx="479618" cy="369332"/>
+          </a:xfrm>
+          <a:prstGeom prst="rect">
+            <a:avLst/>
+          </a:prstGeom>
+          <a:noFill/>
+        </p:spPr>
+        <p:txBody>
+          <a:bodyPr wrap="none" rtlCol="0">
+            <a:spAutoFit/>
+          </a:bodyPr>
+          <a:lstStyle/>
+          <a:p>
+            <a:r>
+              <a:rPr kumimoji="1" lang="en-US" altLang="zh-CN" dirty="0"/>
+              <a:t>0.5</a:t>
+            </a:r>
+            <a:endParaRPr kumimoji="1" lang="zh-CN" altLang="en-US" dirty="0"/>
+          </a:p>
+        </p:txBody>
+      </p:sp>
+      <p:sp>
+        <p:nvSpPr>
+          <p:cNvPr id="66" name="文本框 65">
+            <a:extLst>
+              <a:ext uri="{FF2B5EF4-FFF2-40B4-BE49-F238E27FC236}">
+                <a16:creationId xmlns:a16="http://schemas.microsoft.com/office/drawing/2014/main" id="{AE65E885-42E1-984C-8B64-89AE9044D0F8}"/>
+              </a:ext>
+            </a:extLst>
+          </p:cNvPr>
+          <p:cNvSpPr txBox="1"/>
+          <p:nvPr/>
+        </p:nvSpPr>
+        <p:spPr>
+          <a:xfrm>
+            <a:off x="1502719" y="1522778"/>
+            <a:ext cx="306494" cy="369332"/>
+          </a:xfrm>
+          <a:prstGeom prst="rect">
+            <a:avLst/>
+          </a:prstGeom>
+          <a:noFill/>
+        </p:spPr>
+        <p:txBody>
+          <a:bodyPr wrap="none" rtlCol="0">
+            <a:spAutoFit/>
+          </a:bodyPr>
+          <a:lstStyle/>
+          <a:p>
+            <a:r>
+              <a:rPr kumimoji="1" lang="en-US" altLang="zh-CN" dirty="0"/>
+              <a:t>1</a:t>
+            </a:r>
+            <a:endParaRPr kumimoji="1" lang="zh-CN" altLang="en-US" dirty="0"/>
+          </a:p>
+        </p:txBody>
+      </p:sp>
+      <p:sp>
+        <p:nvSpPr>
+          <p:cNvPr id="47" name="圆角矩形 46">
+            <a:extLst>
+              <a:ext uri="{FF2B5EF4-FFF2-40B4-BE49-F238E27FC236}">
+                <a16:creationId xmlns:a16="http://schemas.microsoft.com/office/drawing/2014/main" id="{D6E52DBF-A443-2D4D-A7A7-2CC7008812F5}"/>
+              </a:ext>
+            </a:extLst>
+          </p:cNvPr>
+          <p:cNvSpPr/>
+          <p:nvPr/>
+        </p:nvSpPr>
+        <p:spPr>
+          <a:xfrm>
+            <a:off x="5639940" y="1263822"/>
+            <a:ext cx="1367119" cy="634701"/>
+          </a:xfrm>
+          <a:prstGeom prst="roundRect">
+            <a:avLst/>
+          </a:prstGeom>
+        </p:spPr>
+        <p:style>
+          <a:lnRef idx="2">
+            <a:schemeClr val="accent1">
+              <a:shade val="50000"/>
+            </a:schemeClr>
+          </a:lnRef>
+          <a:fillRef idx="1">
+            <a:schemeClr val="accent1"/>
+          </a:fillRef>
+          <a:effectRef idx="0">
+            <a:schemeClr val="accent1"/>
+          </a:effectRef>
+          <a:fontRef idx="minor">
+            <a:schemeClr val="lt1"/>
+          </a:fontRef>
+        </p:style>
+        <p:txBody>
+          <a:bodyPr rtlCol="0" anchor="ctr"/>
+          <a:lstStyle/>
+          <a:p>
+            <a:pPr algn="ctr"/>
+            <a:r>
+              <a:rPr kumimoji="1" lang="en-US" altLang="zh-CN" dirty="0"/>
+              <a:t>7</a:t>
+            </a:r>
+            <a:r>
+              <a:rPr kumimoji="1" lang="zh-CN" altLang="en-US" dirty="0"/>
+              <a:t> 左护法</a:t>
+            </a:r>
+            <a:endParaRPr kumimoji="1" lang="en-US" altLang="zh-CN" dirty="0"/>
+          </a:p>
+          <a:p>
+            <a:pPr algn="ctr"/>
+            <a:r>
+              <a:rPr kumimoji="1" lang="en-US" altLang="zh-CN" dirty="0"/>
+              <a:t>500w</a:t>
+            </a:r>
+            <a:endParaRPr kumimoji="1" lang="zh-CN" altLang="en-US" dirty="0"/>
+          </a:p>
+        </p:txBody>
+      </p:sp>
+      <p:cxnSp>
+        <p:nvCxnSpPr>
+          <p:cNvPr id="49" name="曲线连接符 48">
+            <a:extLst>
+              <a:ext uri="{FF2B5EF4-FFF2-40B4-BE49-F238E27FC236}">
+                <a16:creationId xmlns:a16="http://schemas.microsoft.com/office/drawing/2014/main" id="{57E2D82B-86D8-164D-BD2B-926A01E9B8A4}"/>
+              </a:ext>
+            </a:extLst>
+          </p:cNvPr>
+          <p:cNvCxnSpPr>
+            <a:cxnSpLocks/>
+            <a:endCxn id="19" idx="3"/>
+          </p:cNvCxnSpPr>
+          <p:nvPr/>
+        </p:nvCxnSpPr>
+        <p:spPr>
+          <a:xfrm rot="10800000" flipV="1">
+            <a:off x="4438825" y="1589317"/>
+            <a:ext cx="1919598" cy="890404"/>
+          </a:xfrm>
+          <a:prstGeom prst="curvedConnector3">
+            <a:avLst>
+              <a:gd name="adj1" fmla="val 50000"/>
+            </a:avLst>
+          </a:prstGeom>
+          <a:ln>
+            <a:tailEnd type="triangle"/>
+          </a:ln>
+        </p:spPr>
+        <p:style>
+          <a:lnRef idx="1">
+            <a:schemeClr val="accent1"/>
+          </a:lnRef>
+          <a:fillRef idx="0">
+            <a:schemeClr val="accent1"/>
+          </a:fillRef>
+          <a:effectRef idx="0">
+            <a:schemeClr val="accent1"/>
+          </a:effectRef>
+          <a:fontRef idx="minor">
+            <a:schemeClr val="tx1"/>
+          </a:fontRef>
+        </p:style>
+      </p:cxnSp>
+      <p:sp>
+        <p:nvSpPr>
+          <p:cNvPr id="50" name="文本框 49">
+            <a:extLst>
+              <a:ext uri="{FF2B5EF4-FFF2-40B4-BE49-F238E27FC236}">
+                <a16:creationId xmlns:a16="http://schemas.microsoft.com/office/drawing/2014/main" id="{C8CAE788-2E32-934A-966C-7E5921EE1607}"/>
+              </a:ext>
+            </a:extLst>
+          </p:cNvPr>
+          <p:cNvSpPr txBox="1"/>
+          <p:nvPr/>
+        </p:nvSpPr>
+        <p:spPr>
+          <a:xfrm>
+            <a:off x="5346362" y="2083470"/>
+            <a:ext cx="479618" cy="369332"/>
+          </a:xfrm>
+          <a:prstGeom prst="rect">
+            <a:avLst/>
+          </a:prstGeom>
+          <a:noFill/>
+        </p:spPr>
+        <p:txBody>
+          <a:bodyPr wrap="square" rtlCol="0">
+            <a:spAutoFit/>
+          </a:bodyPr>
+          <a:lstStyle/>
+          <a:p>
+            <a:r>
+              <a:rPr kumimoji="1" lang="en-US" altLang="zh-CN" dirty="0"/>
+              <a:t>0.5</a:t>
+            </a:r>
+            <a:endParaRPr kumimoji="1" lang="zh-CN" altLang="en-US" dirty="0"/>
+          </a:p>
+        </p:txBody>
+      </p:sp>
+      <p:sp>
+        <p:nvSpPr>
+          <p:cNvPr id="51" name="文本框 50">
+            <a:extLst>
+              <a:ext uri="{FF2B5EF4-FFF2-40B4-BE49-F238E27FC236}">
+                <a16:creationId xmlns:a16="http://schemas.microsoft.com/office/drawing/2014/main" id="{62F8232C-9EA9-4B47-89C0-FF6BF1804BF6}"/>
+              </a:ext>
+            </a:extLst>
+          </p:cNvPr>
+          <p:cNvSpPr txBox="1"/>
+          <p:nvPr/>
+        </p:nvSpPr>
+        <p:spPr>
+          <a:xfrm>
+            <a:off x="7107866" y="1480357"/>
+            <a:ext cx="1136850" cy="369332"/>
+          </a:xfrm>
+          <a:prstGeom prst="rect">
+            <a:avLst/>
+          </a:prstGeom>
+          <a:noFill/>
+        </p:spPr>
+        <p:txBody>
+          <a:bodyPr wrap="square" rtlCol="0">
+            <a:spAutoFit/>
+          </a:bodyPr>
+          <a:lstStyle/>
+          <a:p>
+            <a:r>
+              <a:rPr kumimoji="1" lang="en-US" altLang="zh-CN" dirty="0" err="1"/>
+              <a:t>tailFact</a:t>
+            </a:r>
+            <a:r>
+              <a:rPr kumimoji="1" lang="en-US" altLang="zh-CN" dirty="0"/>
+              <a:t>(7)</a:t>
+            </a:r>
+            <a:endParaRPr kumimoji="1" lang="zh-CN" altLang="en-US" dirty="0"/>
+          </a:p>
+        </p:txBody>
+      </p:sp>
+      <p:sp>
+        <p:nvSpPr>
+          <p:cNvPr id="10" name="矩形 9">
+            <a:extLst>
+              <a:ext uri="{FF2B5EF4-FFF2-40B4-BE49-F238E27FC236}">
+                <a16:creationId xmlns:a16="http://schemas.microsoft.com/office/drawing/2014/main" id="{BD0EC7F1-ED8F-064A-B44E-7AC0CACC9FC0}"/>
+              </a:ext>
+            </a:extLst>
+          </p:cNvPr>
+          <p:cNvSpPr/>
+          <p:nvPr/>
+        </p:nvSpPr>
+        <p:spPr>
+          <a:xfrm>
+            <a:off x="1809213" y="2053940"/>
+            <a:ext cx="3340856" cy="2324339"/>
+          </a:xfrm>
+          <a:prstGeom prst="rect">
+            <a:avLst/>
+          </a:prstGeom>
+          <a:noFill/>
+          <a:ln w="25400">
+            <a:solidFill>
+              <a:srgbClr val="FFC000"/>
+            </a:solidFill>
+            <a:prstDash val="lgDash"/>
+          </a:ln>
+        </p:spPr>
+        <p:style>
+          <a:lnRef idx="2">
+            <a:schemeClr val="accent1">
+              <a:shade val="50000"/>
+            </a:schemeClr>
+          </a:lnRef>
+          <a:fillRef idx="1">
+            <a:schemeClr val="accent1"/>
+          </a:fillRef>
+          <a:effectRef idx="0">
+            <a:schemeClr val="accent1"/>
+          </a:effectRef>
+          <a:fontRef idx="minor">
+            <a:schemeClr val="lt1"/>
+          </a:fontRef>
+        </p:style>
+        <p:txBody>
+          <a:bodyPr rtlCol="0" anchor="ctr"/>
+          <a:lstStyle/>
+          <a:p>
+            <a:pPr algn="ctr"/>
+            <a:endParaRPr kumimoji="1" lang="zh-CN" altLang="en-US" dirty="0"/>
+          </a:p>
+        </p:txBody>
+      </p:sp>
+      <p:sp>
+        <p:nvSpPr>
+          <p:cNvPr id="6" name="矩形 5">
+            <a:extLst>
+              <a:ext uri="{FF2B5EF4-FFF2-40B4-BE49-F238E27FC236}">
+                <a16:creationId xmlns:a16="http://schemas.microsoft.com/office/drawing/2014/main" id="{D2D22241-5542-6D4D-A284-4A361CAB67A8}"/>
+              </a:ext>
+            </a:extLst>
+          </p:cNvPr>
+          <p:cNvSpPr/>
+          <p:nvPr/>
+        </p:nvSpPr>
+        <p:spPr>
+          <a:xfrm>
+            <a:off x="7726011" y="4609607"/>
+            <a:ext cx="3892556" cy="600164"/>
+          </a:xfrm>
+          <a:prstGeom prst="rect">
+            <a:avLst/>
+          </a:prstGeom>
+        </p:spPr>
+        <p:txBody>
+          <a:bodyPr wrap="square">
+            <a:spAutoFit/>
+          </a:bodyPr>
+          <a:lstStyle/>
+          <a:p>
+            <a:r>
+              <a:rPr lang="en" altLang="zh-CN" sz="1100" dirty="0"/>
+              <a:t>Map(</a:t>
+            </a:r>
+          </a:p>
+          <a:p>
+            <a:r>
+              <a:rPr lang="en-US" altLang="zh-CN" sz="1100" dirty="0"/>
+              <a:t>…,</a:t>
+            </a:r>
+          </a:p>
+          <a:p>
+            <a:r>
+              <a:rPr lang="en-US" altLang="zh-CN" sz="1100" dirty="0"/>
+              <a:t>4 -&gt; </a:t>
+            </a:r>
+            <a:r>
+              <a:rPr lang="en-US" altLang="zh-CN" sz="1100" dirty="0" err="1"/>
+              <a:t>simpleInvestmentInfo</a:t>
+            </a:r>
+            <a:r>
+              <a:rPr lang="en-US" altLang="zh-CN" sz="1100" dirty="0"/>
+              <a:t>(4 </a:t>
+            </a:r>
+            <a:r>
+              <a:rPr lang="zh-CN" altLang="en-US" sz="1100" dirty="0"/>
+              <a:t>右护法</a:t>
+            </a:r>
+            <a:r>
+              <a:rPr lang="en-US" altLang="zh-CN" sz="1100" dirty="0"/>
+              <a:t>,</a:t>
+            </a:r>
+            <a:r>
+              <a:rPr lang="zh-CN" altLang="en-US" sz="1100" dirty="0"/>
+              <a:t> </a:t>
+            </a:r>
+            <a:r>
+              <a:rPr lang="en-US" altLang="zh-CN" sz="1100" dirty="0"/>
+              <a:t>0.001953,</a:t>
+            </a:r>
+            <a:r>
+              <a:rPr lang="zh-CN" altLang="en-US" sz="1100" dirty="0"/>
+              <a:t> </a:t>
+            </a:r>
+            <a:r>
+              <a:rPr lang="en-US" altLang="zh-CN" sz="1100" dirty="0"/>
+              <a:t>2,</a:t>
+            </a:r>
+            <a:r>
+              <a:rPr lang="zh-CN" altLang="en-US" sz="1100" dirty="0"/>
+              <a:t> </a:t>
+            </a:r>
+            <a:r>
+              <a:rPr lang="en-US" altLang="zh-CN" sz="1100" dirty="0"/>
+              <a:t>9))</a:t>
+            </a:r>
+          </a:p>
+        </p:txBody>
+      </p:sp>
+      <p:sp>
+        <p:nvSpPr>
+          <p:cNvPr id="7" name="矩形 6">
+            <a:extLst>
+              <a:ext uri="{FF2B5EF4-FFF2-40B4-BE49-F238E27FC236}">
+                <a16:creationId xmlns:a16="http://schemas.microsoft.com/office/drawing/2014/main" id="{2B98B566-1779-9843-87A8-067FFB414521}"/>
+              </a:ext>
+            </a:extLst>
+          </p:cNvPr>
+          <p:cNvSpPr/>
+          <p:nvPr/>
+        </p:nvSpPr>
+        <p:spPr>
+          <a:xfrm>
+            <a:off x="1813299" y="2647355"/>
+            <a:ext cx="3541908" cy="600164"/>
+          </a:xfrm>
+          <a:prstGeom prst="rect">
+            <a:avLst/>
+          </a:prstGeom>
+        </p:spPr>
+        <p:txBody>
+          <a:bodyPr wrap="square">
+            <a:spAutoFit/>
+          </a:bodyPr>
+          <a:lstStyle/>
+          <a:p>
+            <a:r>
+              <a:rPr lang="en" altLang="zh-CN" sz="1100" dirty="0"/>
+              <a:t>Map(</a:t>
+            </a:r>
+          </a:p>
+          <a:p>
+            <a:r>
+              <a:rPr lang="en-US" altLang="zh-CN" sz="1100" dirty="0"/>
+              <a:t>…</a:t>
+            </a:r>
+          </a:p>
+          <a:p>
+            <a:r>
+              <a:rPr lang="en-US" altLang="zh-CN" sz="1100" dirty="0"/>
+              <a:t>4 -&gt; </a:t>
+            </a:r>
+            <a:r>
+              <a:rPr lang="en" altLang="zh-CN" sz="1100" dirty="0" err="1"/>
+              <a:t>simpleInvestmentInfo</a:t>
+            </a:r>
+            <a:r>
+              <a:rPr lang="en" altLang="zh-CN" sz="1100" dirty="0"/>
+              <a:t>(4 </a:t>
+            </a:r>
+            <a:r>
+              <a:rPr lang="zh-CN" altLang="en-US" sz="1100" dirty="0"/>
+              <a:t>右护法</a:t>
+            </a:r>
+            <a:r>
+              <a:rPr lang="en-US" altLang="zh-CN" sz="1100" dirty="0"/>
+              <a:t>, 0.003906,4,8))</a:t>
+            </a:r>
+          </a:p>
+        </p:txBody>
+      </p:sp>
+      <p:sp>
+        <p:nvSpPr>
+          <p:cNvPr id="25" name="矩形 24">
+            <a:extLst>
+              <a:ext uri="{FF2B5EF4-FFF2-40B4-BE49-F238E27FC236}">
+                <a16:creationId xmlns:a16="http://schemas.microsoft.com/office/drawing/2014/main" id="{4C78A096-4890-C54C-9F81-A7A292258A17}"/>
+              </a:ext>
+            </a:extLst>
+          </p:cNvPr>
+          <p:cNvSpPr/>
+          <p:nvPr/>
+        </p:nvSpPr>
+        <p:spPr>
+          <a:xfrm>
+            <a:off x="7722611" y="3490369"/>
+            <a:ext cx="3340856" cy="2847370"/>
+          </a:xfrm>
+          <a:prstGeom prst="rect">
+            <a:avLst/>
+          </a:prstGeom>
+          <a:noFill/>
+          <a:ln w="25400">
+            <a:solidFill>
+              <a:srgbClr val="FFC000"/>
+            </a:solidFill>
+            <a:prstDash val="lgDash"/>
+          </a:ln>
+        </p:spPr>
+        <p:style>
+          <a:lnRef idx="2">
+            <a:schemeClr val="accent1">
+              <a:shade val="50000"/>
+            </a:schemeClr>
+          </a:lnRef>
+          <a:fillRef idx="1">
+            <a:schemeClr val="accent1"/>
+          </a:fillRef>
+          <a:effectRef idx="0">
+            <a:schemeClr val="accent1"/>
+          </a:effectRef>
+          <a:fontRef idx="minor">
+            <a:schemeClr val="lt1"/>
+          </a:fontRef>
+        </p:style>
+        <p:txBody>
+          <a:bodyPr rtlCol="0" anchor="ctr"/>
+          <a:lstStyle/>
+          <a:p>
+            <a:pPr algn="ctr"/>
+            <a:endParaRPr kumimoji="1" lang="zh-CN" altLang="en-US" dirty="0"/>
+          </a:p>
+        </p:txBody>
+      </p:sp>
+      <p:cxnSp>
+        <p:nvCxnSpPr>
+          <p:cNvPr id="13" name="曲线连接符 12">
+            <a:extLst>
+              <a:ext uri="{FF2B5EF4-FFF2-40B4-BE49-F238E27FC236}">
+                <a16:creationId xmlns:a16="http://schemas.microsoft.com/office/drawing/2014/main" id="{3414BBBB-C049-2240-B059-FD217DF269DA}"/>
+              </a:ext>
+            </a:extLst>
+          </p:cNvPr>
+          <p:cNvCxnSpPr>
+            <a:cxnSpLocks/>
+            <a:stCxn id="15" idx="0"/>
+            <a:endCxn id="7" idx="2"/>
+          </p:cNvCxnSpPr>
+          <p:nvPr/>
+        </p:nvCxnSpPr>
+        <p:spPr>
+          <a:xfrm rot="5400000" flipH="1" flipV="1">
+            <a:off x="2340382" y="3619394"/>
+            <a:ext cx="1615745" cy="871997"/>
+          </a:xfrm>
+          <a:prstGeom prst="curvedConnector3">
+            <a:avLst>
+              <a:gd name="adj1" fmla="val 50000"/>
+            </a:avLst>
+          </a:prstGeom>
+          <a:ln>
+            <a:solidFill>
+              <a:srgbClr val="FF0000"/>
+            </a:solidFill>
+            <a:tailEnd type="triangle"/>
+          </a:ln>
+        </p:spPr>
+        <p:style>
+          <a:lnRef idx="1">
+            <a:schemeClr val="accent1"/>
+          </a:lnRef>
+          <a:fillRef idx="0">
+            <a:schemeClr val="accent1"/>
+          </a:fillRef>
+          <a:effectRef idx="0">
+            <a:schemeClr val="accent1"/>
+          </a:effectRef>
+          <a:fontRef idx="minor">
+            <a:schemeClr val="tx1"/>
+          </a:fontRef>
+        </p:style>
+      </p:cxnSp>
+      <p:sp>
+        <p:nvSpPr>
+          <p:cNvPr id="15" name="文本框 14">
+            <a:extLst>
+              <a:ext uri="{FF2B5EF4-FFF2-40B4-BE49-F238E27FC236}">
+                <a16:creationId xmlns:a16="http://schemas.microsoft.com/office/drawing/2014/main" id="{8145A0E5-2488-2D4F-8BDA-010AE7D59C76}"/>
+              </a:ext>
+            </a:extLst>
+          </p:cNvPr>
+          <p:cNvSpPr txBox="1"/>
+          <p:nvPr/>
+        </p:nvSpPr>
+        <p:spPr>
+          <a:xfrm>
+            <a:off x="1655966" y="4863264"/>
+            <a:ext cx="2112580" cy="738664"/>
+          </a:xfrm>
+          <a:prstGeom prst="rect">
+            <a:avLst/>
+          </a:prstGeom>
+          <a:noFill/>
+        </p:spPr>
+        <p:txBody>
+          <a:bodyPr wrap="square" rtlCol="0">
+            <a:spAutoFit/>
+          </a:bodyPr>
+          <a:lstStyle/>
+          <a:p>
+            <a:r>
+              <a:rPr kumimoji="1" lang="zh-CN" altLang="en-US" sz="1400" dirty="0"/>
+              <a:t>很明确出现了信息冗余</a:t>
+            </a:r>
+            <a:r>
+              <a:rPr kumimoji="1" lang="en-US" altLang="zh-CN" sz="1400" dirty="0"/>
+              <a:t>0.0625</a:t>
+            </a:r>
+            <a:r>
+              <a:rPr kumimoji="1" lang="zh-CN" altLang="en-US" sz="1400" dirty="0"/>
+              <a:t>*</a:t>
+            </a:r>
+            <a:r>
+              <a:rPr kumimoji="1" lang="en-US" altLang="zh-CN" sz="1400" dirty="0"/>
+              <a:t>0.0625</a:t>
+            </a:r>
+            <a:r>
+              <a:rPr kumimoji="1" lang="zh-CN" altLang="en-US" sz="1400" dirty="0"/>
+              <a:t>直接过了一整轮，到了</a:t>
+            </a:r>
+            <a:r>
+              <a:rPr lang="en-US" altLang="zh-CN" sz="1400" dirty="0"/>
+              <a:t>0.003906</a:t>
+            </a:r>
+            <a:endParaRPr kumimoji="1" lang="zh-CN" altLang="en-US" sz="1400" dirty="0"/>
+          </a:p>
+        </p:txBody>
+      </p:sp>
+      <p:cxnSp>
+        <p:nvCxnSpPr>
+          <p:cNvPr id="26" name="曲线连接符 25">
+            <a:extLst>
+              <a:ext uri="{FF2B5EF4-FFF2-40B4-BE49-F238E27FC236}">
+                <a16:creationId xmlns:a16="http://schemas.microsoft.com/office/drawing/2014/main" id="{F9DCCBD7-3864-2345-A741-6D299D5DECA5}"/>
+              </a:ext>
+            </a:extLst>
+          </p:cNvPr>
+          <p:cNvCxnSpPr>
+            <a:cxnSpLocks/>
+            <a:stCxn id="28" idx="3"/>
+          </p:cNvCxnSpPr>
+          <p:nvPr/>
+        </p:nvCxnSpPr>
+        <p:spPr>
+          <a:xfrm>
+            <a:off x="6656166" y="5332568"/>
+            <a:ext cx="1150378" cy="713882"/>
+          </a:xfrm>
+          <a:prstGeom prst="curvedConnector3">
+            <a:avLst>
+              <a:gd name="adj1" fmla="val 50000"/>
+            </a:avLst>
+          </a:prstGeom>
+          <a:ln>
+            <a:solidFill>
+              <a:srgbClr val="FF0000"/>
+            </a:solidFill>
+            <a:tailEnd type="triangle"/>
+          </a:ln>
+        </p:spPr>
+        <p:style>
+          <a:lnRef idx="1">
+            <a:schemeClr val="accent1"/>
+          </a:lnRef>
+          <a:fillRef idx="0">
+            <a:schemeClr val="accent1"/>
+          </a:fillRef>
+          <a:effectRef idx="0">
+            <a:schemeClr val="accent1"/>
+          </a:effectRef>
+          <a:fontRef idx="minor">
+            <a:schemeClr val="tx1"/>
+          </a:fontRef>
+        </p:style>
+      </p:cxnSp>
+      <p:sp>
+        <p:nvSpPr>
+          <p:cNvPr id="28" name="文本框 27">
+            <a:extLst>
+              <a:ext uri="{FF2B5EF4-FFF2-40B4-BE49-F238E27FC236}">
+                <a16:creationId xmlns:a16="http://schemas.microsoft.com/office/drawing/2014/main" id="{5C3277F6-3D8A-BA4D-9EA7-8A8FA2458DCF}"/>
+              </a:ext>
+            </a:extLst>
+          </p:cNvPr>
+          <p:cNvSpPr txBox="1"/>
+          <p:nvPr/>
+        </p:nvSpPr>
+        <p:spPr>
+          <a:xfrm>
+            <a:off x="4175752" y="5070958"/>
+            <a:ext cx="2480414" cy="523220"/>
+          </a:xfrm>
+          <a:prstGeom prst="rect">
+            <a:avLst/>
+          </a:prstGeom>
+          <a:noFill/>
+        </p:spPr>
+        <p:txBody>
+          <a:bodyPr wrap="square" rtlCol="0">
+            <a:spAutoFit/>
+          </a:bodyPr>
+          <a:lstStyle/>
+          <a:p>
+            <a:r>
+              <a:rPr kumimoji="1" lang="zh-CN" altLang="en-US" sz="1400" dirty="0"/>
+              <a:t>这里很明白了，</a:t>
+            </a:r>
+            <a:r>
+              <a:rPr lang="en-US" altLang="zh-CN" sz="1400" dirty="0"/>
+              <a:t> 0.001953</a:t>
+            </a:r>
+            <a:r>
+              <a:rPr kumimoji="1" lang="zh-CN" altLang="en-US" sz="1400" dirty="0"/>
+              <a:t>就是之前再 * </a:t>
+            </a:r>
+            <a:r>
+              <a:rPr kumimoji="1" lang="en-US" altLang="zh-CN" sz="1400" dirty="0"/>
+              <a:t>0.5</a:t>
+            </a:r>
+            <a:endParaRPr kumimoji="1" lang="zh-CN" altLang="en-US" sz="1400" dirty="0"/>
+          </a:p>
+        </p:txBody>
+      </p:sp>
+    </p:spTree>
+    <p:extLst>
+      <p:ext uri="{BB962C8B-B14F-4D97-AF65-F5344CB8AC3E}">
+        <p14:creationId xmlns:p14="http://schemas.microsoft.com/office/powerpoint/2010/main" val="1131044460"/>
+      </p:ext>
+    </p:extLst>
+  </p:cSld>
+  <p:clrMapOvr>
+    <a:masterClrMapping/>
+  </p:clrMapOvr>
+</p:sld>
+</file>
+
+<file path=ppt/slides/slide33.xml><?xml version="1.0" encoding="utf-8"?>
 <p:sld xmlns:a="http://schemas.openxmlformats.org/drawingml/2006/main" xmlns:r="http://schemas.openxmlformats.org/officeDocument/2006/relationships" xmlns:p="http://schemas.openxmlformats.org/presentationml/2006/main">
   <p:cSld>
     <p:spTree>

--- a/股权图谱.pptx
+++ b/股权图谱.pptx
@@ -4,6 +4,9 @@
   <p:sldMasterIdLst>
     <p:sldMasterId id="2147483648" r:id="rId1"/>
   </p:sldMasterIdLst>
+  <p:notesMasterIdLst>
+    <p:notesMasterId r:id="rId36"/>
+  </p:notesMasterIdLst>
   <p:sldIdLst>
     <p:sldId id="256" r:id="rId2"/>
     <p:sldId id="260" r:id="rId3"/>
@@ -33,11 +36,12 @@
     <p:sldId id="285" r:id="rId27"/>
     <p:sldId id="286" r:id="rId28"/>
     <p:sldId id="287" r:id="rId29"/>
-    <p:sldId id="290" r:id="rId30"/>
-    <p:sldId id="291" r:id="rId31"/>
-    <p:sldId id="292" r:id="rId32"/>
-    <p:sldId id="293" r:id="rId33"/>
-    <p:sldId id="274" r:id="rId34"/>
+    <p:sldId id="294" r:id="rId30"/>
+    <p:sldId id="290" r:id="rId31"/>
+    <p:sldId id="291" r:id="rId32"/>
+    <p:sldId id="292" r:id="rId33"/>
+    <p:sldId id="293" r:id="rId34"/>
+    <p:sldId id="274" r:id="rId35"/>
   </p:sldIdLst>
   <p:sldSz cx="12192000" cy="6858000"/>
   <p:notesSz cx="6858000" cy="9144000"/>
@@ -142,6 +146,439 @@
     </p:ext>
   </p:extLst>
 </p:presentation>
+</file>
+
+<file path=ppt/notesMasters/notesMaster1.xml><?xml version="1.0" encoding="utf-8"?>
+<p:notesMaster xmlns:a="http://schemas.openxmlformats.org/drawingml/2006/main" xmlns:r="http://schemas.openxmlformats.org/officeDocument/2006/relationships" xmlns:p="http://schemas.openxmlformats.org/presentationml/2006/main">
+  <p:cSld>
+    <p:bg>
+      <p:bgRef idx="1001">
+        <a:schemeClr val="bg1"/>
+      </p:bgRef>
+    </p:bg>
+    <p:spTree>
+      <p:nvGrpSpPr>
+        <p:cNvPr id="1" name=""/>
+        <p:cNvGrpSpPr/>
+        <p:nvPr/>
+      </p:nvGrpSpPr>
+      <p:grpSpPr>
+        <a:xfrm>
+          <a:off x="0" y="0"/>
+          <a:ext cx="0" cy="0"/>
+          <a:chOff x="0" y="0"/>
+          <a:chExt cx="0" cy="0"/>
+        </a:xfrm>
+      </p:grpSpPr>
+      <p:sp>
+        <p:nvSpPr>
+          <p:cNvPr id="2" name="页眉占位符 1"/>
+          <p:cNvSpPr>
+            <a:spLocks noGrp="1"/>
+          </p:cNvSpPr>
+          <p:nvPr>
+            <p:ph type="hdr" sz="quarter"/>
+          </p:nvPr>
+        </p:nvSpPr>
+        <p:spPr>
+          <a:xfrm>
+            <a:off x="0" y="0"/>
+            <a:ext cx="2971800" cy="458788"/>
+          </a:xfrm>
+          <a:prstGeom prst="rect">
+            <a:avLst/>
+          </a:prstGeom>
+        </p:spPr>
+        <p:txBody>
+          <a:bodyPr vert="horz" lIns="91440" tIns="45720" rIns="91440" bIns="45720" rtlCol="0"/>
+          <a:lstStyle>
+            <a:lvl1pPr algn="l">
+              <a:defRPr sz="1200"/>
+            </a:lvl1pPr>
+          </a:lstStyle>
+          <a:p>
+            <a:endParaRPr kumimoji="1" lang="zh-CN" altLang="en-US"/>
+          </a:p>
+        </p:txBody>
+      </p:sp>
+      <p:sp>
+        <p:nvSpPr>
+          <p:cNvPr id="3" name="日期占位符 2"/>
+          <p:cNvSpPr>
+            <a:spLocks noGrp="1"/>
+          </p:cNvSpPr>
+          <p:nvPr>
+            <p:ph type="dt" idx="1"/>
+          </p:nvPr>
+        </p:nvSpPr>
+        <p:spPr>
+          <a:xfrm>
+            <a:off x="3884613" y="0"/>
+            <a:ext cx="2971800" cy="458788"/>
+          </a:xfrm>
+          <a:prstGeom prst="rect">
+            <a:avLst/>
+          </a:prstGeom>
+        </p:spPr>
+        <p:txBody>
+          <a:bodyPr vert="horz" lIns="91440" tIns="45720" rIns="91440" bIns="45720" rtlCol="0"/>
+          <a:lstStyle>
+            <a:lvl1pPr algn="r">
+              <a:defRPr sz="1200"/>
+            </a:lvl1pPr>
+          </a:lstStyle>
+          <a:p>
+            <a:fld id="{3E071281-E9C0-1644-85E5-ECE10382669C}" type="datetimeFigureOut">
+              <a:rPr kumimoji="1" lang="zh-CN" altLang="en-US" smtClean="0"/>
+              <a:t>2021/10/14</a:t>
+            </a:fld>
+            <a:endParaRPr kumimoji="1" lang="zh-CN" altLang="en-US"/>
+          </a:p>
+        </p:txBody>
+      </p:sp>
+      <p:sp>
+        <p:nvSpPr>
+          <p:cNvPr id="4" name="幻灯片图像占位符 3"/>
+          <p:cNvSpPr>
+            <a:spLocks noGrp="1" noRot="1" noChangeAspect="1"/>
+          </p:cNvSpPr>
+          <p:nvPr>
+            <p:ph type="sldImg" idx="2"/>
+          </p:nvPr>
+        </p:nvSpPr>
+        <p:spPr>
+          <a:xfrm>
+            <a:off x="685800" y="1143000"/>
+            <a:ext cx="5486400" cy="3086100"/>
+          </a:xfrm>
+          <a:prstGeom prst="rect">
+            <a:avLst/>
+          </a:prstGeom>
+          <a:noFill/>
+          <a:ln w="12700">
+            <a:solidFill>
+              <a:prstClr val="black"/>
+            </a:solidFill>
+          </a:ln>
+        </p:spPr>
+        <p:txBody>
+          <a:bodyPr vert="horz" lIns="91440" tIns="45720" rIns="91440" bIns="45720" rtlCol="0" anchor="ctr"/>
+          <a:lstStyle/>
+          <a:p>
+            <a:endParaRPr lang="zh-CN" altLang="en-US"/>
+          </a:p>
+        </p:txBody>
+      </p:sp>
+      <p:sp>
+        <p:nvSpPr>
+          <p:cNvPr id="5" name="备注占位符 4"/>
+          <p:cNvSpPr>
+            <a:spLocks noGrp="1"/>
+          </p:cNvSpPr>
+          <p:nvPr>
+            <p:ph type="body" sz="quarter" idx="3"/>
+          </p:nvPr>
+        </p:nvSpPr>
+        <p:spPr>
+          <a:xfrm>
+            <a:off x="685800" y="4400550"/>
+            <a:ext cx="5486400" cy="3600450"/>
+          </a:xfrm>
+          <a:prstGeom prst="rect">
+            <a:avLst/>
+          </a:prstGeom>
+        </p:spPr>
+        <p:txBody>
+          <a:bodyPr vert="horz" lIns="91440" tIns="45720" rIns="91440" bIns="45720" rtlCol="0"/>
+          <a:lstStyle/>
+          <a:p>
+            <a:pPr lvl="0"/>
+            <a:r>
+              <a:rPr kumimoji="1" lang="zh-CN" altLang="en-US"/>
+              <a:t>单击此处编辑母版文本样式</a:t>
+            </a:r>
+          </a:p>
+          <a:p>
+            <a:pPr lvl="1"/>
+            <a:r>
+              <a:rPr kumimoji="1" lang="zh-CN" altLang="en-US"/>
+              <a:t>二级</a:t>
+            </a:r>
+          </a:p>
+          <a:p>
+            <a:pPr lvl="2"/>
+            <a:r>
+              <a:rPr kumimoji="1" lang="zh-CN" altLang="en-US"/>
+              <a:t>三级</a:t>
+            </a:r>
+          </a:p>
+          <a:p>
+            <a:pPr lvl="3"/>
+            <a:r>
+              <a:rPr kumimoji="1" lang="zh-CN" altLang="en-US"/>
+              <a:t>四级</a:t>
+            </a:r>
+          </a:p>
+          <a:p>
+            <a:pPr lvl="4"/>
+            <a:r>
+              <a:rPr kumimoji="1" lang="zh-CN" altLang="en-US"/>
+              <a:t>五级</a:t>
+            </a:r>
+          </a:p>
+        </p:txBody>
+      </p:sp>
+      <p:sp>
+        <p:nvSpPr>
+          <p:cNvPr id="6" name="页脚占位符 5"/>
+          <p:cNvSpPr>
+            <a:spLocks noGrp="1"/>
+          </p:cNvSpPr>
+          <p:nvPr>
+            <p:ph type="ftr" sz="quarter" idx="4"/>
+          </p:nvPr>
+        </p:nvSpPr>
+        <p:spPr>
+          <a:xfrm>
+            <a:off x="0" y="8685213"/>
+            <a:ext cx="2971800" cy="458787"/>
+          </a:xfrm>
+          <a:prstGeom prst="rect">
+            <a:avLst/>
+          </a:prstGeom>
+        </p:spPr>
+        <p:txBody>
+          <a:bodyPr vert="horz" lIns="91440" tIns="45720" rIns="91440" bIns="45720" rtlCol="0" anchor="b"/>
+          <a:lstStyle>
+            <a:lvl1pPr algn="l">
+              <a:defRPr sz="1200"/>
+            </a:lvl1pPr>
+          </a:lstStyle>
+          <a:p>
+            <a:endParaRPr kumimoji="1" lang="zh-CN" altLang="en-US"/>
+          </a:p>
+        </p:txBody>
+      </p:sp>
+      <p:sp>
+        <p:nvSpPr>
+          <p:cNvPr id="7" name="灯片编号占位符 6"/>
+          <p:cNvSpPr>
+            <a:spLocks noGrp="1"/>
+          </p:cNvSpPr>
+          <p:nvPr>
+            <p:ph type="sldNum" sz="quarter" idx="5"/>
+          </p:nvPr>
+        </p:nvSpPr>
+        <p:spPr>
+          <a:xfrm>
+            <a:off x="3884613" y="8685213"/>
+            <a:ext cx="2971800" cy="458787"/>
+          </a:xfrm>
+          <a:prstGeom prst="rect">
+            <a:avLst/>
+          </a:prstGeom>
+        </p:spPr>
+        <p:txBody>
+          <a:bodyPr vert="horz" lIns="91440" tIns="45720" rIns="91440" bIns="45720" rtlCol="0" anchor="b"/>
+          <a:lstStyle>
+            <a:lvl1pPr algn="r">
+              <a:defRPr sz="1200"/>
+            </a:lvl1pPr>
+          </a:lstStyle>
+          <a:p>
+            <a:fld id="{16992564-82D2-C740-9FC8-5236AED456FF}" type="slidenum">
+              <a:rPr kumimoji="1" lang="zh-CN" altLang="en-US" smtClean="0"/>
+              <a:t>‹#›</a:t>
+            </a:fld>
+            <a:endParaRPr kumimoji="1" lang="zh-CN" altLang="en-US"/>
+          </a:p>
+        </p:txBody>
+      </p:sp>
+    </p:spTree>
+    <p:extLst>
+      <p:ext uri="{BB962C8B-B14F-4D97-AF65-F5344CB8AC3E}">
+        <p14:creationId xmlns:p14="http://schemas.microsoft.com/office/powerpoint/2010/main" val="3624216685"/>
+      </p:ext>
+    </p:extLst>
+  </p:cSld>
+  <p:clrMap bg1="lt1" tx1="dk1" bg2="lt2" tx2="dk2" accent1="accent1" accent2="accent2" accent3="accent3" accent4="accent4" accent5="accent5" accent6="accent6" hlink="hlink" folHlink="folHlink"/>
+  <p:notesStyle>
+    <a:lvl1pPr marL="0" algn="l" defTabSz="914400" rtl="0" eaLnBrk="1" latinLnBrk="0" hangingPunct="1">
+      <a:defRPr sz="1200" kern="1200">
+        <a:solidFill>
+          <a:schemeClr val="tx1"/>
+        </a:solidFill>
+        <a:latin typeface="+mn-lt"/>
+        <a:ea typeface="+mn-ea"/>
+        <a:cs typeface="+mn-cs"/>
+      </a:defRPr>
+    </a:lvl1pPr>
+    <a:lvl2pPr marL="457200" algn="l" defTabSz="914400" rtl="0" eaLnBrk="1" latinLnBrk="0" hangingPunct="1">
+      <a:defRPr sz="1200" kern="1200">
+        <a:solidFill>
+          <a:schemeClr val="tx1"/>
+        </a:solidFill>
+        <a:latin typeface="+mn-lt"/>
+        <a:ea typeface="+mn-ea"/>
+        <a:cs typeface="+mn-cs"/>
+      </a:defRPr>
+    </a:lvl2pPr>
+    <a:lvl3pPr marL="914400" algn="l" defTabSz="914400" rtl="0" eaLnBrk="1" latinLnBrk="0" hangingPunct="1">
+      <a:defRPr sz="1200" kern="1200">
+        <a:solidFill>
+          <a:schemeClr val="tx1"/>
+        </a:solidFill>
+        <a:latin typeface="+mn-lt"/>
+        <a:ea typeface="+mn-ea"/>
+        <a:cs typeface="+mn-cs"/>
+      </a:defRPr>
+    </a:lvl3pPr>
+    <a:lvl4pPr marL="1371600" algn="l" defTabSz="914400" rtl="0" eaLnBrk="1" latinLnBrk="0" hangingPunct="1">
+      <a:defRPr sz="1200" kern="1200">
+        <a:solidFill>
+          <a:schemeClr val="tx1"/>
+        </a:solidFill>
+        <a:latin typeface="+mn-lt"/>
+        <a:ea typeface="+mn-ea"/>
+        <a:cs typeface="+mn-cs"/>
+      </a:defRPr>
+    </a:lvl4pPr>
+    <a:lvl5pPr marL="1828800" algn="l" defTabSz="914400" rtl="0" eaLnBrk="1" latinLnBrk="0" hangingPunct="1">
+      <a:defRPr sz="1200" kern="1200">
+        <a:solidFill>
+          <a:schemeClr val="tx1"/>
+        </a:solidFill>
+        <a:latin typeface="+mn-lt"/>
+        <a:ea typeface="+mn-ea"/>
+        <a:cs typeface="+mn-cs"/>
+      </a:defRPr>
+    </a:lvl5pPr>
+    <a:lvl6pPr marL="2286000" algn="l" defTabSz="914400" rtl="0" eaLnBrk="1" latinLnBrk="0" hangingPunct="1">
+      <a:defRPr sz="1200" kern="1200">
+        <a:solidFill>
+          <a:schemeClr val="tx1"/>
+        </a:solidFill>
+        <a:latin typeface="+mn-lt"/>
+        <a:ea typeface="+mn-ea"/>
+        <a:cs typeface="+mn-cs"/>
+      </a:defRPr>
+    </a:lvl6pPr>
+    <a:lvl7pPr marL="2743200" algn="l" defTabSz="914400" rtl="0" eaLnBrk="1" latinLnBrk="0" hangingPunct="1">
+      <a:defRPr sz="1200" kern="1200">
+        <a:solidFill>
+          <a:schemeClr val="tx1"/>
+        </a:solidFill>
+        <a:latin typeface="+mn-lt"/>
+        <a:ea typeface="+mn-ea"/>
+        <a:cs typeface="+mn-cs"/>
+      </a:defRPr>
+    </a:lvl7pPr>
+    <a:lvl8pPr marL="3200400" algn="l" defTabSz="914400" rtl="0" eaLnBrk="1" latinLnBrk="0" hangingPunct="1">
+      <a:defRPr sz="1200" kern="1200">
+        <a:solidFill>
+          <a:schemeClr val="tx1"/>
+        </a:solidFill>
+        <a:latin typeface="+mn-lt"/>
+        <a:ea typeface="+mn-ea"/>
+        <a:cs typeface="+mn-cs"/>
+      </a:defRPr>
+    </a:lvl8pPr>
+    <a:lvl9pPr marL="3657600" algn="l" defTabSz="914400" rtl="0" eaLnBrk="1" latinLnBrk="0" hangingPunct="1">
+      <a:defRPr sz="1200" kern="1200">
+        <a:solidFill>
+          <a:schemeClr val="tx1"/>
+        </a:solidFill>
+        <a:latin typeface="+mn-lt"/>
+        <a:ea typeface="+mn-ea"/>
+        <a:cs typeface="+mn-cs"/>
+      </a:defRPr>
+    </a:lvl9pPr>
+  </p:notesStyle>
+</p:notesMaster>
+</file>
+
+<file path=ppt/notesSlides/notesSlide1.xml><?xml version="1.0" encoding="utf-8"?>
+<p:notes xmlns:a="http://schemas.openxmlformats.org/drawingml/2006/main" xmlns:r="http://schemas.openxmlformats.org/officeDocument/2006/relationships" xmlns:p="http://schemas.openxmlformats.org/presentationml/2006/main">
+  <p:cSld>
+    <p:spTree>
+      <p:nvGrpSpPr>
+        <p:cNvPr id="1" name=""/>
+        <p:cNvGrpSpPr/>
+        <p:nvPr/>
+      </p:nvGrpSpPr>
+      <p:grpSpPr>
+        <a:xfrm>
+          <a:off x="0" y="0"/>
+          <a:ext cx="0" cy="0"/>
+          <a:chOff x="0" y="0"/>
+          <a:chExt cx="0" cy="0"/>
+        </a:xfrm>
+      </p:grpSpPr>
+      <p:sp>
+        <p:nvSpPr>
+          <p:cNvPr id="2" name="幻灯片图像占位符 1"/>
+          <p:cNvSpPr>
+            <a:spLocks noGrp="1" noRot="1" noChangeAspect="1"/>
+          </p:cNvSpPr>
+          <p:nvPr>
+            <p:ph type="sldImg"/>
+          </p:nvPr>
+        </p:nvSpPr>
+        <p:spPr/>
+      </p:sp>
+      <p:sp>
+        <p:nvSpPr>
+          <p:cNvPr id="3" name="备注占位符 2"/>
+          <p:cNvSpPr>
+            <a:spLocks noGrp="1"/>
+          </p:cNvSpPr>
+          <p:nvPr>
+            <p:ph type="body" idx="1"/>
+          </p:nvPr>
+        </p:nvSpPr>
+        <p:spPr/>
+        <p:txBody>
+          <a:bodyPr/>
+          <a:lstStyle/>
+          <a:p>
+            <a:endParaRPr kumimoji="1" lang="zh-CN" altLang="en-US" dirty="0"/>
+          </a:p>
+        </p:txBody>
+      </p:sp>
+      <p:sp>
+        <p:nvSpPr>
+          <p:cNvPr id="4" name="灯片编号占位符 3"/>
+          <p:cNvSpPr>
+            <a:spLocks noGrp="1"/>
+          </p:cNvSpPr>
+          <p:nvPr>
+            <p:ph type="sldNum" sz="quarter" idx="5"/>
+          </p:nvPr>
+        </p:nvSpPr>
+        <p:spPr/>
+        <p:txBody>
+          <a:bodyPr/>
+          <a:lstStyle/>
+          <a:p>
+            <a:fld id="{16992564-82D2-C740-9FC8-5236AED456FF}" type="slidenum">
+              <a:rPr kumimoji="1" lang="zh-CN" altLang="en-US" smtClean="0"/>
+              <a:t>31</a:t>
+            </a:fld>
+            <a:endParaRPr kumimoji="1" lang="zh-CN" altLang="en-US"/>
+          </a:p>
+        </p:txBody>
+      </p:sp>
+    </p:spTree>
+    <p:extLst>
+      <p:ext uri="{BB962C8B-B14F-4D97-AF65-F5344CB8AC3E}">
+        <p14:creationId xmlns:p14="http://schemas.microsoft.com/office/powerpoint/2010/main" val="278550956"/>
+      </p:ext>
+    </p:extLst>
+  </p:cSld>
+  <p:clrMapOvr>
+    <a:masterClrMapping/>
+  </p:clrMapOvr>
+</p:notes>
 </file>
 
 <file path=ppt/slideLayouts/slideLayout1.xml><?xml version="1.0" encoding="utf-8"?>
@@ -4625,7 +5062,7 @@
         </p:nvSpPr>
         <p:spPr>
           <a:xfrm>
-            <a:off x="9102601" y="3168458"/>
+            <a:off x="8787291" y="3116540"/>
             <a:ext cx="2908489" cy="415498"/>
           </a:xfrm>
           <a:prstGeom prst="rect">
@@ -4947,7 +5384,7 @@
         </p:nvSpPr>
         <p:spPr>
           <a:xfrm>
-            <a:off x="5236419" y="2978065"/>
+            <a:off x="5271454" y="2978065"/>
             <a:ext cx="2908489" cy="577081"/>
           </a:xfrm>
           <a:prstGeom prst="rect">
@@ -20916,7 +21353,7 @@
         <p:spPr>
           <a:xfrm>
             <a:off x="344245" y="107719"/>
-            <a:ext cx="7462299" cy="1323439"/>
+            <a:ext cx="8488221" cy="1323439"/>
           </a:xfrm>
           <a:prstGeom prst="rect">
             <a:avLst/>
@@ -20943,7 +21380,7 @@
             </a:r>
             <a:r>
               <a:rPr kumimoji="1" lang="zh-CN" altLang="en-US" sz="4000" dirty="0"/>
-              <a:t> 长环</a:t>
+              <a:t> 清空长环</a:t>
             </a:r>
             <a:r>
               <a:rPr kumimoji="1" lang="en-US" altLang="zh-CN" sz="4000" dirty="0" err="1">
@@ -20959,7 +21396,7 @@
                   <a:srgbClr val="FF0000"/>
                 </a:solidFill>
               </a:rPr>
-              <a:t>(7)</a:t>
+              <a:t>(6)</a:t>
             </a:r>
             <a:endParaRPr kumimoji="1" lang="zh-CN" altLang="en-US" sz="4000" dirty="0">
               <a:solidFill>
@@ -21506,7 +21943,7 @@
         <p:spPr>
           <a:xfrm>
             <a:off x="1809213" y="2053940"/>
-            <a:ext cx="3340856" cy="2324339"/>
+            <a:ext cx="4069592" cy="2433977"/>
           </a:xfrm>
           <a:prstGeom prst="rect">
             <a:avLst/>
@@ -21558,8 +21995,8 @@
         </p:nvSpPr>
         <p:spPr>
           <a:xfrm>
-            <a:off x="7726011" y="4609607"/>
-            <a:ext cx="3892556" cy="1615827"/>
+            <a:off x="7198163" y="4400452"/>
+            <a:ext cx="4560583" cy="2123658"/>
           </a:xfrm>
           <a:prstGeom prst="rect">
             <a:avLst/>
@@ -21572,64 +22009,242 @@
           <a:lstStyle/>
           <a:p>
             <a:r>
+              <a:rPr lang="en" altLang="zh-CN" sz="1100" dirty="0"/>
+              <a:t>Map(</a:t>
+            </a:r>
+          </a:p>
+          <a:p>
+            <a:r>
+              <a:rPr lang="en" altLang="zh-CN" sz="1100" dirty="0"/>
+              <a:t>5 -&gt; </a:t>
+            </a:r>
+            <a:r>
+              <a:rPr lang="en" altLang="zh-CN" sz="1100" dirty="0" err="1"/>
+              <a:t>simpleInvestmentInfo</a:t>
+            </a:r>
+            <a:r>
+              <a:rPr lang="en" altLang="zh-CN" sz="1100" dirty="0"/>
+              <a:t>(5 </a:t>
+            </a:r>
+            <a:r>
               <a:rPr lang="zh-CN" altLang="en-US" sz="1100" dirty="0"/>
+              <a:t>左护法</a:t>
+            </a:r>
+            <a:r>
+              <a:rPr lang="en-US" altLang="zh-CN" sz="1100" dirty="0"/>
+              <a:t>,0.250000,2,6,</a:t>
+            </a:r>
+            <a:r>
+              <a:rPr lang="en" altLang="zh-CN" sz="1100" dirty="0"/>
+              <a:t>false), </a:t>
+            </a:r>
+          </a:p>
+          <a:p>
+            <a:r>
+              <a:rPr lang="en" altLang="zh-CN" sz="1100" dirty="0"/>
+              <a:t>10 -&gt; </a:t>
+            </a:r>
+            <a:r>
+              <a:rPr lang="en" altLang="zh-CN" sz="1100" dirty="0" err="1"/>
+              <a:t>simpleInvestmentInfo</a:t>
+            </a:r>
+            <a:r>
+              <a:rPr lang="en" altLang="zh-CN" sz="1100" dirty="0"/>
+              <a:t>(10 </a:t>
+            </a:r>
+            <a:r>
+              <a:rPr lang="zh-CN" altLang="en-US" sz="1100" dirty="0"/>
+              <a:t>右护法</a:t>
+            </a:r>
+            <a:r>
+              <a:rPr lang="en-US" altLang="zh-CN" sz="1100" dirty="0"/>
+              <a:t>,0.500000,2,4,</a:t>
+            </a:r>
+            <a:r>
+              <a:rPr lang="en" altLang="zh-CN" sz="1100" dirty="0"/>
+              <a:t>false), </a:t>
+            </a:r>
+          </a:p>
+          <a:p>
+            <a:r>
+              <a:rPr lang="en" altLang="zh-CN" sz="1100" dirty="0"/>
+              <a:t>6 -&gt; </a:t>
+            </a:r>
+            <a:r>
+              <a:rPr lang="en" altLang="zh-CN" sz="1100" dirty="0" err="1"/>
+              <a:t>simpleInvestmentInfo</a:t>
+            </a:r>
+            <a:r>
+              <a:rPr lang="en" altLang="zh-CN" sz="1100" dirty="0"/>
+              <a:t>(6 </a:t>
+            </a:r>
+            <a:r>
+              <a:rPr lang="zh-CN" altLang="en-US" sz="1100" dirty="0"/>
+              <a:t>左护法</a:t>
+            </a:r>
+            <a:r>
+              <a:rPr lang="en-US" altLang="zh-CN" sz="1100" dirty="0"/>
+              <a:t>,0.250000,2,7,</a:t>
+            </a:r>
+            <a:r>
+              <a:rPr lang="en" altLang="zh-CN" sz="1100" dirty="0"/>
+              <a:t>false), </a:t>
+            </a:r>
+          </a:p>
+          <a:p>
+            <a:r>
+              <a:rPr lang="en" altLang="zh-CN" sz="1100" dirty="0"/>
+              <a:t>9 -&gt; </a:t>
+            </a:r>
+            <a:r>
+              <a:rPr lang="en" altLang="zh-CN" sz="1100" dirty="0" err="1"/>
+              <a:t>simpleInvestmentInfo</a:t>
+            </a:r>
+            <a:r>
+              <a:rPr lang="en" altLang="zh-CN" sz="1100" dirty="0"/>
+              <a:t>(9 </a:t>
+            </a:r>
+            <a:r>
+              <a:rPr lang="zh-CN" altLang="en-US" sz="1100" dirty="0"/>
+              <a:t>右护法</a:t>
+            </a:r>
+            <a:r>
+              <a:rPr lang="en-US" altLang="zh-CN" sz="1100" dirty="0"/>
+              <a:t>,0.500000,2,3,</a:t>
+            </a:r>
+            <a:r>
+              <a:rPr lang="en" altLang="zh-CN" sz="1100" dirty="0"/>
+              <a:t>false), </a:t>
+            </a:r>
+          </a:p>
+          <a:p>
+            <a:r>
+              <a:rPr lang="en" altLang="zh-CN" sz="1100" dirty="0"/>
+              <a:t>3 -&gt; </a:t>
+            </a:r>
+            <a:r>
+              <a:rPr lang="en" altLang="zh-CN" sz="1100" dirty="0" err="1"/>
+              <a:t>simpleInvestmentInfo</a:t>
+            </a:r>
+            <a:r>
+              <a:rPr lang="en" altLang="zh-CN" sz="1100" dirty="0"/>
+              <a:t>(3 </a:t>
+            </a:r>
+            <a:r>
+              <a:rPr lang="zh-CN" altLang="en-US" sz="1100" dirty="0"/>
+              <a:t>左护法</a:t>
+            </a:r>
+            <a:r>
+              <a:rPr lang="en-US" altLang="zh-CN" sz="1100" dirty="0"/>
+              <a:t>,0.250000,2,5,</a:t>
+            </a:r>
+            <a:r>
+              <a:rPr lang="en" altLang="zh-CN" sz="1100" dirty="0"/>
+              <a:t>false), </a:t>
+            </a:r>
+          </a:p>
+          <a:p>
+            <a:r>
+              <a:rPr lang="en" altLang="zh-CN" sz="1100" dirty="0"/>
+              <a:t>8 -&gt; </a:t>
+            </a:r>
+            <a:r>
+              <a:rPr lang="en" altLang="zh-CN" sz="1100" dirty="0" err="1"/>
+              <a:t>simpleInvestmentInfo</a:t>
+            </a:r>
+            <a:r>
+              <a:rPr lang="en" altLang="zh-CN" sz="1100" dirty="0"/>
+              <a:t>(8 </a:t>
+            </a:r>
+            <a:r>
+              <a:rPr lang="zh-CN" altLang="en-US" sz="1100" dirty="0"/>
+              <a:t>右护法</a:t>
+            </a:r>
+            <a:r>
+              <a:rPr lang="en-US" altLang="zh-CN" sz="1100" dirty="0"/>
+              <a:t>,0.500000,2,2,</a:t>
+            </a:r>
+            <a:r>
+              <a:rPr lang="en" altLang="zh-CN" sz="1100" dirty="0"/>
+              <a:t>false), </a:t>
+            </a:r>
+          </a:p>
+          <a:p>
+            <a:r>
+              <a:rPr lang="en" altLang="zh-CN" sz="1100" dirty="0"/>
+              <a:t>4 -&gt; </a:t>
+            </a:r>
+            <a:r>
+              <a:rPr lang="en" altLang="zh-CN" sz="1100" dirty="0" err="1"/>
+              <a:t>simpleInvestmentInfo</a:t>
+            </a:r>
+            <a:r>
+              <a:rPr lang="en" altLang="zh-CN" sz="1100" dirty="0"/>
+              <a:t>(4 </a:t>
+            </a:r>
+            <a:r>
+              <a:rPr lang="zh-CN" altLang="en-US" sz="1100" dirty="0"/>
+              <a:t>右护法</a:t>
+            </a:r>
+            <a:r>
+              <a:rPr lang="en-US" altLang="zh-CN" sz="1100" dirty="0"/>
+              <a:t>,0.500000,2,1,</a:t>
+            </a:r>
+            <a:r>
+              <a:rPr lang="en" altLang="zh-CN" sz="1100" dirty="0"/>
+              <a:t>false)),</a:t>
+            </a:r>
+          </a:p>
+          <a:p>
+            <a:r>
+              <a:rPr lang="en" altLang="zh-CN" sz="1100" dirty="0"/>
               <a:t>Map(</a:t>
             </a:r>
-            <a:endParaRPr lang="en-US" altLang="zh-CN" sz="1100" dirty="0"/>
-          </a:p>
-          <a:p>
+          </a:p>
+          <a:p>
+            <a:r>
+              <a:rPr lang="en" altLang="zh-CN" sz="1100" dirty="0"/>
+              <a:t>4 -&gt; </a:t>
+            </a:r>
+            <a:r>
+              <a:rPr lang="en" altLang="zh-CN" sz="1100" dirty="0" err="1"/>
+              <a:t>simpleInvestmentInfo</a:t>
+            </a:r>
+            <a:r>
+              <a:rPr lang="en" altLang="zh-CN" sz="1100" dirty="0"/>
+              <a:t>(4 </a:t>
+            </a:r>
             <a:r>
               <a:rPr lang="zh-CN" altLang="en-US" sz="1100" dirty="0"/>
-              <a:t>5 -&gt; simpleInvestmentInfo(5 左护法,0.250000,2,6), </a:t>
-            </a:r>
-            <a:endParaRPr lang="en-US" altLang="zh-CN" sz="1100" dirty="0"/>
-          </a:p>
-          <a:p>
-            <a:r>
-              <a:rPr lang="zh-CN" altLang="en-US" sz="1100" dirty="0"/>
-              <a:t>10 -&gt; simpleInvestmentInfo(10 右护法,0.500000,2,4), </a:t>
-            </a:r>
-            <a:endParaRPr lang="en-US" altLang="zh-CN" sz="1100" dirty="0"/>
-          </a:p>
-          <a:p>
-            <a:r>
-              <a:rPr lang="zh-CN" altLang="en-US" sz="1100" dirty="0"/>
-              <a:t>6 -&gt; simpleInvestmentInfo(6 左护法,0.250000,2,7), </a:t>
-            </a:r>
-            <a:endParaRPr lang="en-US" altLang="zh-CN" sz="1100" dirty="0"/>
-          </a:p>
-          <a:p>
-            <a:r>
-              <a:rPr lang="zh-CN" altLang="en-US" sz="1100" dirty="0"/>
-              <a:t>9 -&gt; simpleInvestmentInfo(9 右护法,0.500000,2,3), </a:t>
-            </a:r>
-            <a:endParaRPr lang="en-US" altLang="zh-CN" sz="1100" dirty="0"/>
-          </a:p>
-          <a:p>
-            <a:r>
-              <a:rPr lang="zh-CN" altLang="en-US" sz="1100" dirty="0"/>
-              <a:t>7 -&gt; simpleInvestmentInfo(7 左护法,0.250000,2,8), </a:t>
-            </a:r>
-            <a:endParaRPr lang="en-US" altLang="zh-CN" sz="1100" dirty="0"/>
-          </a:p>
-          <a:p>
-            <a:r>
-              <a:rPr lang="zh-CN" altLang="en-US" sz="1100" dirty="0"/>
-              <a:t>3 -&gt; simpleInvestmentInfo(3 左护法,0.250000,2,5), </a:t>
-            </a:r>
-            <a:endParaRPr lang="en-US" altLang="zh-CN" sz="1100" dirty="0"/>
-          </a:p>
-          <a:p>
-            <a:r>
-              <a:rPr lang="zh-CN" altLang="en-US" sz="1100" dirty="0"/>
-              <a:t>8 -&gt; simpleInvestmentInfo(8 右护法,0.500000,2,2), </a:t>
-            </a:r>
-            <a:endParaRPr lang="en-US" altLang="zh-CN" sz="1100" dirty="0"/>
-          </a:p>
-          <a:p>
-            <a:r>
-              <a:rPr lang="zh-CN" altLang="en-US" sz="1100" dirty="0"/>
-              <a:t>4 -&gt; simpleInvestmentInfo(4 右护法,0.500000,2,1))</a:t>
+              <a:t>右护法</a:t>
+            </a:r>
+            <a:r>
+              <a:rPr lang="en-US" altLang="zh-CN" sz="1100" dirty="0"/>
+              <a:t>,0.500000,2,1,</a:t>
+            </a:r>
+            <a:r>
+              <a:rPr lang="en" altLang="zh-CN" sz="1100" dirty="0"/>
+              <a:t>false)),</a:t>
+            </a:r>
+          </a:p>
+          <a:p>
+            <a:r>
+              <a:rPr lang="en" altLang="zh-CN" sz="1100" dirty="0"/>
+              <a:t>Map(</a:t>
+            </a:r>
+          </a:p>
+          <a:p>
+            <a:r>
+              <a:rPr lang="en" altLang="zh-CN" sz="1100" dirty="0"/>
+              <a:t>99999 -&gt; </a:t>
+            </a:r>
+            <a:r>
+              <a:rPr lang="en" altLang="zh-CN" sz="1100" dirty="0" err="1"/>
+              <a:t>simpleInvestmentInfo</a:t>
+            </a:r>
+            <a:r>
+              <a:rPr lang="en" altLang="zh-CN" sz="1100" dirty="0"/>
+              <a:t>(default_name,0.0,99998,1,false))</a:t>
             </a:r>
           </a:p>
         </p:txBody>
@@ -21648,8 +22263,8 @@
         </p:nvSpPr>
         <p:spPr>
           <a:xfrm>
-            <a:off x="1813299" y="2647355"/>
-            <a:ext cx="3541908" cy="1615827"/>
+            <a:off x="1805813" y="2848409"/>
+            <a:ext cx="4552610" cy="1277273"/>
           </a:xfrm>
           <a:prstGeom prst="rect">
             <a:avLst/>
@@ -21662,64 +22277,112 @@
           <a:lstStyle/>
           <a:p>
             <a:r>
+              <a:rPr lang="en" altLang="zh-CN" sz="1100" dirty="0"/>
+              <a:t>Map(</a:t>
+            </a:r>
+          </a:p>
+          <a:p>
+            <a:r>
+              <a:rPr lang="en" altLang="zh-CN" sz="1100" dirty="0"/>
+              <a:t>7 -&gt; </a:t>
+            </a:r>
+            <a:r>
+              <a:rPr lang="en" altLang="zh-CN" sz="1100" dirty="0" err="1"/>
+              <a:t>simpleInvestmentInfo</a:t>
+            </a:r>
+            <a:r>
+              <a:rPr lang="en" altLang="zh-CN" sz="1100" dirty="0"/>
+              <a:t>(7 </a:t>
+            </a:r>
+            <a:r>
               <a:rPr lang="zh-CN" altLang="en-US" sz="1100" dirty="0"/>
+              <a:t>左护法</a:t>
+            </a:r>
+            <a:r>
+              <a:rPr lang="en-US" altLang="zh-CN" sz="1100" dirty="0"/>
+              <a:t>,0.500000,4,7,</a:t>
+            </a:r>
+            <a:r>
+              <a:rPr lang="en" altLang="zh-CN" sz="1100" dirty="0"/>
+              <a:t>false), </a:t>
+            </a:r>
+          </a:p>
+          <a:p>
+            <a:r>
+              <a:rPr lang="en" altLang="zh-CN" sz="1100" dirty="0"/>
+              <a:t>8 -&gt; </a:t>
+            </a:r>
+            <a:r>
+              <a:rPr lang="en" altLang="zh-CN" sz="1100" dirty="0" err="1"/>
+              <a:t>simpleInvestmentInfo</a:t>
+            </a:r>
+            <a:r>
+              <a:rPr lang="en" altLang="zh-CN" sz="1100" dirty="0"/>
+              <a:t>(8 </a:t>
+            </a:r>
+            <a:r>
+              <a:rPr lang="zh-CN" altLang="en-US" sz="1100" dirty="0"/>
+              <a:t>右护法</a:t>
+            </a:r>
+            <a:r>
+              <a:rPr lang="en-US" altLang="zh-CN" sz="1100" dirty="0"/>
+              <a:t>,1.000000,4,1,</a:t>
+            </a:r>
+            <a:r>
+              <a:rPr lang="en" altLang="zh-CN" sz="1100" dirty="0"/>
+              <a:t>false)),</a:t>
+            </a:r>
+          </a:p>
+          <a:p>
+            <a:r>
+              <a:rPr lang="en" altLang="zh-CN" sz="1100" dirty="0"/>
               <a:t>Map(</a:t>
             </a:r>
-            <a:endParaRPr lang="en-US" altLang="zh-CN" sz="1100" dirty="0"/>
-          </a:p>
-          <a:p>
+          </a:p>
+          <a:p>
+            <a:r>
+              <a:rPr lang="en" altLang="zh-CN" sz="1100" dirty="0"/>
+              <a:t>8 -&gt; </a:t>
+            </a:r>
+            <a:r>
+              <a:rPr lang="en" altLang="zh-CN" sz="1100" dirty="0" err="1"/>
+              <a:t>simpleInvestmentInfo</a:t>
+            </a:r>
+            <a:r>
+              <a:rPr lang="en" altLang="zh-CN" sz="1100" dirty="0"/>
+              <a:t>(8 </a:t>
+            </a:r>
             <a:r>
               <a:rPr lang="zh-CN" altLang="en-US" sz="1100" dirty="0"/>
-              <a:t>5 -&gt; simpleInvestmentInfo(5 左护法,0.500000,4,5), </a:t>
-            </a:r>
-            <a:endParaRPr lang="en-US" altLang="zh-CN" sz="1100" dirty="0"/>
-          </a:p>
-          <a:p>
-            <a:r>
-              <a:rPr lang="zh-CN" altLang="en-US" sz="1100" dirty="0"/>
-              <a:t>10 -&gt; simpleInvestmentInfo(10 右护法,1.000000,4,3), </a:t>
-            </a:r>
-            <a:endParaRPr lang="en-US" altLang="zh-CN" sz="1100" dirty="0"/>
-          </a:p>
-          <a:p>
-            <a:r>
-              <a:rPr lang="zh-CN" altLang="en-US" sz="1100" dirty="0"/>
-              <a:t>6 -&gt; simpleInvestmentInfo(6 左护法,0.500000,4,6), </a:t>
-            </a:r>
-            <a:endParaRPr lang="en-US" altLang="zh-CN" sz="1100" dirty="0"/>
-          </a:p>
-          <a:p>
-            <a:r>
-              <a:rPr lang="zh-CN" altLang="en-US" sz="1100" dirty="0"/>
-              <a:t>9 -&gt; simpleInvestmentInfo(9 右护法,1.000000,4,2), </a:t>
-            </a:r>
-            <a:endParaRPr lang="en-US" altLang="zh-CN" sz="1100" dirty="0"/>
-          </a:p>
-          <a:p>
-            <a:r>
-              <a:rPr lang="zh-CN" altLang="en-US" sz="1100" dirty="0"/>
-              <a:t>7 -&gt; simpleInvestmentInfo(7 左护法,0.500000,4,7), </a:t>
-            </a:r>
-            <a:endParaRPr lang="en-US" altLang="zh-CN" sz="1100" dirty="0"/>
-          </a:p>
-          <a:p>
-            <a:r>
-              <a:rPr lang="zh-CN" altLang="en-US" sz="1100" dirty="0"/>
-              <a:t>3 -&gt; simpleInvestmentInfo(3 左护法,0.500000,4,4), </a:t>
-            </a:r>
-            <a:endParaRPr lang="en-US" altLang="zh-CN" sz="1100" dirty="0"/>
-          </a:p>
-          <a:p>
-            <a:r>
-              <a:rPr lang="zh-CN" altLang="en-US" sz="1100" dirty="0"/>
-              <a:t>8 -&gt; simpleInvestmentInfo(8 右护法,1.000000,4,1), </a:t>
-            </a:r>
-            <a:endParaRPr lang="en-US" altLang="zh-CN" sz="1100" dirty="0"/>
-          </a:p>
-          <a:p>
-            <a:r>
-              <a:rPr lang="zh-CN" altLang="en-US" sz="1100" dirty="0"/>
-              <a:t>4 -&gt; simpleInvestmentInfo(4 右护法,0.250000,4,8))</a:t>
+              <a:t>右护法</a:t>
+            </a:r>
+            <a:r>
+              <a:rPr lang="en-US" altLang="zh-CN" sz="1100" dirty="0"/>
+              <a:t>,1.000000,4,1,</a:t>
+            </a:r>
+            <a:r>
+              <a:rPr lang="en" altLang="zh-CN" sz="1100" dirty="0"/>
+              <a:t>false)),</a:t>
+            </a:r>
+          </a:p>
+          <a:p>
+            <a:r>
+              <a:rPr lang="en" altLang="zh-CN" sz="1100" dirty="0"/>
+              <a:t>Map(</a:t>
+            </a:r>
+          </a:p>
+          <a:p>
+            <a:r>
+              <a:rPr lang="en" altLang="zh-CN" sz="1100" dirty="0"/>
+              <a:t>99999 -&gt; </a:t>
+            </a:r>
+            <a:r>
+              <a:rPr lang="en" altLang="zh-CN" sz="1100" dirty="0" err="1"/>
+              <a:t>simpleInvestmentInfo</a:t>
+            </a:r>
+            <a:r>
+              <a:rPr lang="en" altLang="zh-CN" sz="1100" dirty="0"/>
+              <a:t>(default_name,0.0,99998,1,false))</a:t>
             </a:r>
           </a:p>
         </p:txBody>
@@ -21738,8 +22401,8 @@
         </p:nvSpPr>
         <p:spPr>
           <a:xfrm>
-            <a:off x="7722611" y="3490369"/>
-            <a:ext cx="3340856" cy="2847370"/>
+            <a:off x="7198163" y="3490368"/>
+            <a:ext cx="4417004" cy="2984003"/>
           </a:xfrm>
           <a:prstGeom prst="rect">
             <a:avLst/>
@@ -21788,15 +22451,14 @@
           </p:cNvPr>
           <p:cNvCxnSpPr>
             <a:cxnSpLocks/>
-            <a:stCxn id="15" idx="0"/>
             <a:endCxn id="7" idx="2"/>
           </p:cNvCxnSpPr>
           <p:nvPr/>
         </p:nvCxnSpPr>
         <p:spPr>
           <a:xfrm rot="5400000" flipH="1" flipV="1">
-            <a:off x="2949266" y="4228277"/>
-            <a:ext cx="600082" cy="669892"/>
+            <a:off x="2670706" y="4275811"/>
+            <a:ext cx="1561540" cy="1261283"/>
           </a:xfrm>
           <a:prstGeom prst="curvedConnector3">
             <a:avLst>
@@ -21825,80 +22487,10 @@
           </a:fontRef>
         </p:style>
       </p:cxnSp>
-      <p:sp>
-        <p:nvSpPr>
-          <p:cNvPr id="15" name="文本框 14">
-            <a:extLst>
-              <a:ext uri="{FF2B5EF4-FFF2-40B4-BE49-F238E27FC236}">
-                <a16:creationId xmlns:a16="http://schemas.microsoft.com/office/drawing/2014/main" id="{8145A0E5-2488-2D4F-8BDA-010AE7D59C76}"/>
-              </a:ext>
-            </a:extLst>
-          </p:cNvPr>
-          <p:cNvSpPr txBox="1"/>
-          <p:nvPr/>
-        </p:nvSpPr>
-        <p:spPr>
-          <a:xfrm>
-            <a:off x="1879092" y="4863264"/>
-            <a:ext cx="2070538" cy="738664"/>
-          </a:xfrm>
-          <a:prstGeom prst="rect">
-            <a:avLst/>
-          </a:prstGeom>
-          <a:noFill/>
-        </p:spPr>
-        <p:txBody>
-          <a:bodyPr wrap="square" rtlCol="0">
-            <a:spAutoFit/>
-          </a:bodyPr>
-          <a:lstStyle/>
-          <a:p>
-            <a:r>
-              <a:rPr kumimoji="1" lang="zh-CN" altLang="en-US" sz="1400" dirty="0"/>
-              <a:t>自己对自己持股</a:t>
-            </a:r>
-            <a:r>
-              <a:rPr kumimoji="1" lang="en-US" altLang="zh-CN" sz="1400" dirty="0"/>
-              <a:t>0.25</a:t>
-            </a:r>
-            <a:r>
-              <a:rPr kumimoji="1" lang="zh-CN" altLang="en-US" sz="1400" dirty="0"/>
-              <a:t>，</a:t>
-            </a:r>
-            <a:endParaRPr kumimoji="1" lang="en-US" altLang="zh-CN" sz="1400" dirty="0"/>
-          </a:p>
-          <a:p>
-            <a:r>
-              <a:rPr kumimoji="1" lang="zh-CN" altLang="en-US" sz="1400" dirty="0"/>
-              <a:t>已经传播一轮，但是还没到 </a:t>
-            </a:r>
-            <a:r>
-              <a:rPr kumimoji="1" lang="en-US" altLang="zh-CN" sz="1400" dirty="0">
-                <a:solidFill>
-                  <a:srgbClr val="00B0F0"/>
-                </a:solidFill>
-              </a:rPr>
-              <a:t>2</a:t>
-            </a:r>
-            <a:r>
-              <a:rPr kumimoji="1" lang="zh-CN" altLang="en-US" sz="1400" dirty="0">
-                <a:solidFill>
-                  <a:srgbClr val="00B0F0"/>
-                </a:solidFill>
-              </a:rPr>
-              <a:t>大鹏 </a:t>
-            </a:r>
-            <a:r>
-              <a:rPr kumimoji="1" lang="zh-CN" altLang="en-US" sz="1400" dirty="0"/>
-              <a:t>节点</a:t>
-            </a:r>
-          </a:p>
-        </p:txBody>
-      </p:sp>
     </p:spTree>
     <p:extLst>
       <p:ext uri="{BB962C8B-B14F-4D97-AF65-F5344CB8AC3E}">
-        <p14:creationId xmlns:p14="http://schemas.microsoft.com/office/powerpoint/2010/main" val="1092335309"/>
+        <p14:creationId xmlns:p14="http://schemas.microsoft.com/office/powerpoint/2010/main" val="1511075684"/>
       </p:ext>
     </p:extLst>
   </p:cSld>
@@ -23421,7 +24013,7 @@
         <p:spPr>
           <a:xfrm>
             <a:off x="344245" y="107719"/>
-            <a:ext cx="7462299" cy="1323439"/>
+            <a:ext cx="8488221" cy="1323439"/>
           </a:xfrm>
           <a:prstGeom prst="rect">
             <a:avLst/>
@@ -23448,7 +24040,7 @@
             </a:r>
             <a:r>
               <a:rPr kumimoji="1" lang="zh-CN" altLang="en-US" sz="4000" dirty="0"/>
-              <a:t> 长环</a:t>
+              <a:t> 清空长环</a:t>
             </a:r>
             <a:r>
               <a:rPr kumimoji="1" lang="en-US" altLang="zh-CN" sz="4000" dirty="0" err="1">
@@ -23464,7 +24056,7 @@
                   <a:srgbClr val="FF0000"/>
                 </a:solidFill>
               </a:rPr>
-              <a:t>(8)</a:t>
+              <a:t>(7)</a:t>
             </a:r>
             <a:endParaRPr kumimoji="1" lang="zh-CN" altLang="en-US" sz="4000" dirty="0">
               <a:solidFill>
@@ -23495,13 +24087,13 @@
         </p:nvCxnSpPr>
         <p:spPr>
           <a:xfrm rot="5400000" flipH="1">
-            <a:off x="5808520" y="1110026"/>
-            <a:ext cx="1677614" cy="4417004"/>
+            <a:off x="5752789" y="1165757"/>
+            <a:ext cx="1073523" cy="3701452"/>
           </a:xfrm>
           <a:prstGeom prst="curvedConnector4">
             <a:avLst>
-              <a:gd name="adj1" fmla="val -13626"/>
-              <a:gd name="adj2" fmla="val 59242"/>
+              <a:gd name="adj1" fmla="val -21294"/>
+              <a:gd name="adj2" fmla="val 61029"/>
             </a:avLst>
           </a:prstGeom>
           <a:ln>
@@ -23598,7 +24190,7 @@
         </p:nvSpPr>
         <p:spPr>
           <a:xfrm>
-            <a:off x="8039369" y="3522634"/>
+            <a:off x="7323817" y="2918543"/>
             <a:ext cx="1632920" cy="634701"/>
           </a:xfrm>
           <a:prstGeom prst="roundRect">
@@ -24011,7 +24603,7 @@
         <p:spPr>
           <a:xfrm>
             <a:off x="1809213" y="2053940"/>
-            <a:ext cx="3340856" cy="2324339"/>
+            <a:ext cx="3753866" cy="2324339"/>
           </a:xfrm>
           <a:prstGeom prst="rect">
             <a:avLst/>
@@ -24063,8 +24655,8 @@
         </p:nvSpPr>
         <p:spPr>
           <a:xfrm>
-            <a:off x="7726011" y="4609607"/>
-            <a:ext cx="3892556" cy="1615827"/>
+            <a:off x="7010458" y="4005516"/>
+            <a:ext cx="4465989" cy="2292935"/>
           </a:xfrm>
           <a:prstGeom prst="rect">
             <a:avLst/>
@@ -24100,12 +24692,16 @@
             </a:r>
             <a:r>
               <a:rPr lang="en-US" altLang="zh-CN" sz="1100" dirty="0"/>
-              <a:t>,0.250000,2,6), </a:t>
-            </a:r>
-          </a:p>
-          <a:p>
-            <a:r>
-              <a:rPr lang="en-US" altLang="zh-CN" sz="1100" dirty="0"/>
+              <a:t>,0.250000,2,6,</a:t>
+            </a:r>
+            <a:r>
+              <a:rPr lang="en" altLang="zh-CN" sz="1100" dirty="0"/>
+              <a:t>false), </a:t>
+            </a:r>
+          </a:p>
+          <a:p>
+            <a:r>
+              <a:rPr lang="en" altLang="zh-CN" sz="1100" dirty="0"/>
               <a:t>10 -&gt; </a:t>
             </a:r>
             <a:r>
@@ -24122,12 +24718,16 @@
             </a:r>
             <a:r>
               <a:rPr lang="en-US" altLang="zh-CN" sz="1100" dirty="0"/>
-              <a:t>,0.500000,2,4), </a:t>
-            </a:r>
-          </a:p>
-          <a:p>
-            <a:r>
-              <a:rPr lang="en-US" altLang="zh-CN" sz="1100" dirty="0"/>
+              <a:t>,0.500000,2,4,</a:t>
+            </a:r>
+            <a:r>
+              <a:rPr lang="en" altLang="zh-CN" sz="1100" dirty="0"/>
+              <a:t>false), </a:t>
+            </a:r>
+          </a:p>
+          <a:p>
+            <a:r>
+              <a:rPr lang="en" altLang="zh-CN" sz="1100" dirty="0"/>
               <a:t>6 -&gt; </a:t>
             </a:r>
             <a:r>
@@ -24144,12 +24744,16 @@
             </a:r>
             <a:r>
               <a:rPr lang="en-US" altLang="zh-CN" sz="1100" dirty="0"/>
-              <a:t>,0.250000,2,7), </a:t>
-            </a:r>
-          </a:p>
-          <a:p>
-            <a:r>
-              <a:rPr lang="en-US" altLang="zh-CN" sz="1100" dirty="0"/>
+              <a:t>,0.250000,2,7,</a:t>
+            </a:r>
+            <a:r>
+              <a:rPr lang="en" altLang="zh-CN" sz="1100" dirty="0"/>
+              <a:t>false), </a:t>
+            </a:r>
+          </a:p>
+          <a:p>
+            <a:r>
+              <a:rPr lang="en" altLang="zh-CN" sz="1100" dirty="0"/>
               <a:t>9 -&gt; </a:t>
             </a:r>
             <a:r>
@@ -24166,12 +24770,16 @@
             </a:r>
             <a:r>
               <a:rPr lang="en-US" altLang="zh-CN" sz="1100" dirty="0"/>
-              <a:t>,0.500000,2,3), </a:t>
-            </a:r>
-          </a:p>
-          <a:p>
-            <a:r>
-              <a:rPr lang="en-US" altLang="zh-CN" sz="1100" dirty="0"/>
+              <a:t>,0.500000,2,3,</a:t>
+            </a:r>
+            <a:r>
+              <a:rPr lang="en" altLang="zh-CN" sz="1100" dirty="0"/>
+              <a:t>false), </a:t>
+            </a:r>
+          </a:p>
+          <a:p>
+            <a:r>
+              <a:rPr lang="en" altLang="zh-CN" sz="1100" dirty="0"/>
               <a:t>7 -&gt; </a:t>
             </a:r>
             <a:r>
@@ -24188,12 +24796,16 @@
             </a:r>
             <a:r>
               <a:rPr lang="en-US" altLang="zh-CN" sz="1100" dirty="0"/>
-              <a:t>,0.250000,2,8), </a:t>
-            </a:r>
-          </a:p>
-          <a:p>
-            <a:r>
-              <a:rPr lang="en-US" altLang="zh-CN" sz="1100" dirty="0"/>
+              <a:t>,0.250000,2,8,</a:t>
+            </a:r>
+            <a:r>
+              <a:rPr lang="en" altLang="zh-CN" sz="1100" dirty="0"/>
+              <a:t>false), </a:t>
+            </a:r>
+          </a:p>
+          <a:p>
+            <a:r>
+              <a:rPr lang="en" altLang="zh-CN" sz="1100" dirty="0"/>
               <a:t>3 -&gt; </a:t>
             </a:r>
             <a:r>
@@ -24210,12 +24822,16 @@
             </a:r>
             <a:r>
               <a:rPr lang="en-US" altLang="zh-CN" sz="1100" dirty="0"/>
-              <a:t>,0.250000,2,5), </a:t>
-            </a:r>
-          </a:p>
-          <a:p>
-            <a:r>
-              <a:rPr lang="en-US" altLang="zh-CN" sz="1100" dirty="0"/>
+              <a:t>,0.250000,2,5,</a:t>
+            </a:r>
+            <a:r>
+              <a:rPr lang="en" altLang="zh-CN" sz="1100" dirty="0"/>
+              <a:t>false), </a:t>
+            </a:r>
+          </a:p>
+          <a:p>
+            <a:r>
+              <a:rPr lang="en" altLang="zh-CN" sz="1100" dirty="0"/>
               <a:t>8 -&gt; </a:t>
             </a:r>
             <a:r>
@@ -24232,12 +24848,16 @@
             </a:r>
             <a:r>
               <a:rPr lang="en-US" altLang="zh-CN" sz="1100" dirty="0"/>
-              <a:t>,0.500000,2,2), </a:t>
-            </a:r>
-          </a:p>
-          <a:p>
-            <a:r>
-              <a:rPr lang="en-US" altLang="zh-CN" sz="1100" dirty="0"/>
+              <a:t>,0.500000,2,2,</a:t>
+            </a:r>
+            <a:r>
+              <a:rPr lang="en" altLang="zh-CN" sz="1100" dirty="0"/>
+              <a:t>false), </a:t>
+            </a:r>
+          </a:p>
+          <a:p>
+            <a:r>
+              <a:rPr lang="en" altLang="zh-CN" sz="1100" dirty="0"/>
               <a:t>4 -&gt; </a:t>
             </a:r>
             <a:r>
@@ -24254,7 +24874,63 @@
             </a:r>
             <a:r>
               <a:rPr lang="en-US" altLang="zh-CN" sz="1100" dirty="0"/>
-              <a:t>,0.125000,2,9))</a:t>
+              <a:t>,0.500000,2,1,</a:t>
+            </a:r>
+            <a:r>
+              <a:rPr lang="en" altLang="zh-CN" sz="1100" dirty="0"/>
+              <a:t>false)),</a:t>
+            </a:r>
+          </a:p>
+          <a:p>
+            <a:r>
+              <a:rPr lang="en" altLang="zh-CN" sz="1100" dirty="0"/>
+              <a:t>Map(</a:t>
+            </a:r>
+          </a:p>
+          <a:p>
+            <a:r>
+              <a:rPr lang="en" altLang="zh-CN" sz="1100" dirty="0"/>
+              <a:t>4 -&gt; </a:t>
+            </a:r>
+            <a:r>
+              <a:rPr lang="en" altLang="zh-CN" sz="1100" dirty="0" err="1"/>
+              <a:t>simpleInvestmentInfo</a:t>
+            </a:r>
+            <a:r>
+              <a:rPr lang="en" altLang="zh-CN" sz="1100" dirty="0"/>
+              <a:t>(4 </a:t>
+            </a:r>
+            <a:r>
+              <a:rPr lang="zh-CN" altLang="en-US" sz="1100" dirty="0"/>
+              <a:t>右护法</a:t>
+            </a:r>
+            <a:r>
+              <a:rPr lang="en-US" altLang="zh-CN" sz="1100" dirty="0"/>
+              <a:t>,0.500000,2,1,</a:t>
+            </a:r>
+            <a:r>
+              <a:rPr lang="en" altLang="zh-CN" sz="1100" dirty="0"/>
+              <a:t>false)),</a:t>
+            </a:r>
+          </a:p>
+          <a:p>
+            <a:r>
+              <a:rPr lang="en" altLang="zh-CN" sz="1100" dirty="0"/>
+              <a:t>Map(</a:t>
+            </a:r>
+          </a:p>
+          <a:p>
+            <a:r>
+              <a:rPr lang="en" altLang="zh-CN" sz="1100" dirty="0"/>
+              <a:t>99999 -&gt; </a:t>
+            </a:r>
+            <a:r>
+              <a:rPr lang="en" altLang="zh-CN" sz="1100" dirty="0" err="1"/>
+              <a:t>simpleInvestmentInfo</a:t>
+            </a:r>
+            <a:r>
+              <a:rPr lang="en" altLang="zh-CN" sz="1100" dirty="0"/>
+              <a:t>(default_name,0.0,99998,1,false))</a:t>
             </a:r>
           </a:p>
         </p:txBody>
@@ -24273,8 +24949,8 @@
         </p:nvSpPr>
         <p:spPr>
           <a:xfrm>
-            <a:off x="1813299" y="2647355"/>
-            <a:ext cx="3541908" cy="1615827"/>
+            <a:off x="1738686" y="2920872"/>
+            <a:ext cx="3800265" cy="1107996"/>
           </a:xfrm>
           <a:prstGeom prst="rect">
             <a:avLst/>
@@ -24294,7 +24970,7 @@
           <a:p>
             <a:r>
               <a:rPr lang="en" altLang="zh-CN" sz="1100" dirty="0"/>
-              <a:t>5 -&gt; </a:t>
+              <a:t>8 -&gt; </a:t>
             </a:r>
             <a:r>
               <a:rPr lang="en" altLang="zh-CN" sz="1100" dirty="0" err="1"/>
@@ -24302,21 +24978,31 @@
             </a:r>
             <a:r>
               <a:rPr lang="en" altLang="zh-CN" sz="1100" dirty="0"/>
-              <a:t>(5 </a:t>
+              <a:t>(8 </a:t>
             </a:r>
             <a:r>
               <a:rPr lang="zh-CN" altLang="en-US" sz="1100" dirty="0"/>
-              <a:t>左护法</a:t>
+              <a:t>右护法</a:t>
             </a:r>
             <a:r>
               <a:rPr lang="en-US" altLang="zh-CN" sz="1100" dirty="0"/>
-              <a:t>,0.500000,4,5), </a:t>
-            </a:r>
-          </a:p>
-          <a:p>
-            <a:r>
-              <a:rPr lang="en-US" altLang="zh-CN" sz="1100" dirty="0"/>
-              <a:t>10 -&gt; </a:t>
+              <a:t>,1.000000,4,1,</a:t>
+            </a:r>
+            <a:r>
+              <a:rPr lang="en" altLang="zh-CN" sz="1100" dirty="0"/>
+              <a:t>false)),</a:t>
+            </a:r>
+          </a:p>
+          <a:p>
+            <a:r>
+              <a:rPr lang="en" altLang="zh-CN" sz="1100" dirty="0"/>
+              <a:t>Map(</a:t>
+            </a:r>
+          </a:p>
+          <a:p>
+            <a:r>
+              <a:rPr lang="en" altLang="zh-CN" sz="1100" dirty="0"/>
+              <a:t>8 -&gt; </a:t>
             </a:r>
             <a:r>
               <a:rPr lang="en" altLang="zh-CN" sz="1100" dirty="0" err="1"/>
@@ -24324,7 +25010,7 @@
             </a:r>
             <a:r>
               <a:rPr lang="en" altLang="zh-CN" sz="1100" dirty="0"/>
-              <a:t>(10 </a:t>
+              <a:t>(8 </a:t>
             </a:r>
             <a:r>
               <a:rPr lang="zh-CN" altLang="en-US" sz="1100" dirty="0"/>
@@ -24332,13 +25018,23 @@
             </a:r>
             <a:r>
               <a:rPr lang="en-US" altLang="zh-CN" sz="1100" dirty="0"/>
-              <a:t>,1.000000,4,3),</a:t>
-            </a:r>
-          </a:p>
-          <a:p>
-            <a:r>
-              <a:rPr lang="en-US" altLang="zh-CN" sz="1100" dirty="0"/>
-              <a:t>6 -&gt; </a:t>
+              <a:t>,1.000000,4,1,</a:t>
+            </a:r>
+            <a:r>
+              <a:rPr lang="en" altLang="zh-CN" sz="1100" dirty="0"/>
+              <a:t>false)),</a:t>
+            </a:r>
+          </a:p>
+          <a:p>
+            <a:r>
+              <a:rPr lang="en" altLang="zh-CN" sz="1100" dirty="0"/>
+              <a:t>Map(</a:t>
+            </a:r>
+          </a:p>
+          <a:p>
+            <a:r>
+              <a:rPr lang="en" altLang="zh-CN" sz="1100" dirty="0"/>
+              <a:t>4 -&gt; </a:t>
             </a:r>
             <a:r>
               <a:rPr lang="en" altLang="zh-CN" sz="1100" dirty="0" err="1"/>
@@ -24346,29 +25042,7 @@
             </a:r>
             <a:r>
               <a:rPr lang="en" altLang="zh-CN" sz="1100" dirty="0"/>
-              <a:t>(6 </a:t>
-            </a:r>
-            <a:r>
-              <a:rPr lang="zh-CN" altLang="en-US" sz="1100" dirty="0"/>
-              <a:t>左护法</a:t>
-            </a:r>
-            <a:r>
-              <a:rPr lang="en-US" altLang="zh-CN" sz="1100" dirty="0"/>
-              <a:t>,0.500000,4,6), </a:t>
-            </a:r>
-          </a:p>
-          <a:p>
-            <a:r>
-              <a:rPr lang="en-US" altLang="zh-CN" sz="1100" dirty="0"/>
-              <a:t>9 -&gt; </a:t>
-            </a:r>
-            <a:r>
-              <a:rPr lang="en" altLang="zh-CN" sz="1100" dirty="0" err="1"/>
-              <a:t>simpleInvestmentInfo</a:t>
-            </a:r>
-            <a:r>
-              <a:rPr lang="en" altLang="zh-CN" sz="1100" dirty="0"/>
-              <a:t>(9 </a:t>
+              <a:t>(4 </a:t>
             </a:r>
             <a:r>
               <a:rPr lang="zh-CN" altLang="en-US" sz="1100" dirty="0"/>
@@ -24376,95 +25050,11 @@
             </a:r>
             <a:r>
               <a:rPr lang="en-US" altLang="zh-CN" sz="1100" dirty="0"/>
-              <a:t>,1.000000,4,2), </a:t>
-            </a:r>
-          </a:p>
-          <a:p>
-            <a:r>
-              <a:rPr lang="en-US" altLang="zh-CN" sz="1100" dirty="0"/>
-              <a:t>7 -&gt; </a:t>
-            </a:r>
-            <a:r>
-              <a:rPr lang="en" altLang="zh-CN" sz="1100" dirty="0" err="1"/>
-              <a:t>simpleInvestmentInfo</a:t>
+              <a:t>,0.250000,4,8,</a:t>
             </a:r>
             <a:r>
               <a:rPr lang="en" altLang="zh-CN" sz="1100" dirty="0"/>
-              <a:t>(7 </a:t>
-            </a:r>
-            <a:r>
-              <a:rPr lang="zh-CN" altLang="en-US" sz="1100" dirty="0"/>
-              <a:t>左护法</a:t>
-            </a:r>
-            <a:r>
-              <a:rPr lang="en-US" altLang="zh-CN" sz="1100" dirty="0"/>
-              <a:t>,0.500000,4,7), </a:t>
-            </a:r>
-          </a:p>
-          <a:p>
-            <a:r>
-              <a:rPr lang="en-US" altLang="zh-CN" sz="1100" dirty="0"/>
-              <a:t>3 -&gt; </a:t>
-            </a:r>
-            <a:r>
-              <a:rPr lang="en" altLang="zh-CN" sz="1100" dirty="0" err="1"/>
-              <a:t>simpleInvestmentInfo</a:t>
-            </a:r>
-            <a:r>
-              <a:rPr lang="en" altLang="zh-CN" sz="1100" dirty="0"/>
-              <a:t>(3 </a:t>
-            </a:r>
-            <a:r>
-              <a:rPr lang="zh-CN" altLang="en-US" sz="1100" dirty="0"/>
-              <a:t>左护法</a:t>
-            </a:r>
-            <a:r>
-              <a:rPr lang="en-US" altLang="zh-CN" sz="1100" dirty="0"/>
-              <a:t>,0.500000,4,4), </a:t>
-            </a:r>
-          </a:p>
-          <a:p>
-            <a:r>
-              <a:rPr lang="en-US" altLang="zh-CN" sz="1100" dirty="0"/>
-              <a:t>8 -&gt; </a:t>
-            </a:r>
-            <a:r>
-              <a:rPr lang="en" altLang="zh-CN" sz="1100" dirty="0" err="1"/>
-              <a:t>simpleInvestmentInfo</a:t>
-            </a:r>
-            <a:r>
-              <a:rPr lang="en" altLang="zh-CN" sz="1100" dirty="0"/>
-              <a:t>(8 </a:t>
-            </a:r>
-            <a:r>
-              <a:rPr lang="zh-CN" altLang="en-US" sz="1100" dirty="0"/>
-              <a:t>右护法</a:t>
-            </a:r>
-            <a:r>
-              <a:rPr lang="en-US" altLang="zh-CN" sz="1100" dirty="0"/>
-              <a:t>,0.250000,4,9), </a:t>
-            </a:r>
-          </a:p>
-          <a:p>
-            <a:r>
-              <a:rPr lang="en-US" altLang="zh-CN" sz="1100" dirty="0"/>
-              <a:t>4 -&gt; </a:t>
-            </a:r>
-            <a:r>
-              <a:rPr lang="en" altLang="zh-CN" sz="1100" dirty="0" err="1"/>
-              <a:t>simpleInvestmentInfo</a:t>
-            </a:r>
-            <a:r>
-              <a:rPr lang="en" altLang="zh-CN" sz="1100" dirty="0"/>
-              <a:t>(4 </a:t>
-            </a:r>
-            <a:r>
-              <a:rPr lang="zh-CN" altLang="en-US" sz="1100" dirty="0"/>
-              <a:t>右护法</a:t>
-            </a:r>
-            <a:r>
-              <a:rPr lang="en-US" altLang="zh-CN" sz="1100" dirty="0"/>
-              <a:t>,0.250000,4,8))</a:t>
+              <a:t>false))</a:t>
             </a:r>
           </a:p>
         </p:txBody>
@@ -24483,8 +25073,8 @@
         </p:nvSpPr>
         <p:spPr>
           <a:xfrm>
-            <a:off x="7722611" y="3490369"/>
-            <a:ext cx="3340856" cy="2847370"/>
+            <a:off x="7007058" y="2886277"/>
+            <a:ext cx="4196969" cy="3546054"/>
           </a:xfrm>
           <a:prstGeom prst="rect">
             <a:avLst/>
@@ -24533,15 +25123,14 @@
           </p:cNvPr>
           <p:cNvCxnSpPr>
             <a:cxnSpLocks/>
-            <a:stCxn id="15" idx="0"/>
             <a:endCxn id="7" idx="2"/>
           </p:cNvCxnSpPr>
           <p:nvPr/>
         </p:nvCxnSpPr>
         <p:spPr>
           <a:xfrm rot="5400000" flipH="1" flipV="1">
-            <a:off x="2848213" y="4127225"/>
-            <a:ext cx="600082" cy="871997"/>
+            <a:off x="2682296" y="4074137"/>
+            <a:ext cx="1001791" cy="911255"/>
           </a:xfrm>
           <a:prstGeom prst="curvedConnector3">
             <a:avLst>
@@ -24570,233 +25159,10 @@
           </a:fontRef>
         </p:style>
       </p:cxnSp>
-      <p:sp>
-        <p:nvSpPr>
-          <p:cNvPr id="15" name="文本框 14">
-            <a:extLst>
-              <a:ext uri="{FF2B5EF4-FFF2-40B4-BE49-F238E27FC236}">
-                <a16:creationId xmlns:a16="http://schemas.microsoft.com/office/drawing/2014/main" id="{8145A0E5-2488-2D4F-8BDA-010AE7D59C76}"/>
-              </a:ext>
-            </a:extLst>
-          </p:cNvPr>
-          <p:cNvSpPr txBox="1"/>
-          <p:nvPr/>
-        </p:nvSpPr>
-        <p:spPr>
-          <a:xfrm>
-            <a:off x="1655966" y="4863264"/>
-            <a:ext cx="2112580" cy="738664"/>
-          </a:xfrm>
-          <a:prstGeom prst="rect">
-            <a:avLst/>
-          </a:prstGeom>
-          <a:noFill/>
-        </p:spPr>
-        <p:txBody>
-          <a:bodyPr wrap="square" rtlCol="0">
-            <a:spAutoFit/>
-          </a:bodyPr>
-          <a:lstStyle/>
-          <a:p>
-            <a:r>
-              <a:rPr kumimoji="1" lang="zh-CN" altLang="en-US" sz="1400" dirty="0"/>
-              <a:t>自己对自己持股</a:t>
-            </a:r>
-            <a:r>
-              <a:rPr kumimoji="1" lang="en-US" altLang="zh-CN" sz="1400" dirty="0"/>
-              <a:t>0.25</a:t>
-            </a:r>
-            <a:r>
-              <a:rPr kumimoji="1" lang="zh-CN" altLang="en-US" sz="1400" dirty="0"/>
-              <a:t>，</a:t>
-            </a:r>
-            <a:endParaRPr kumimoji="1" lang="en-US" altLang="zh-CN" sz="1400" dirty="0"/>
-          </a:p>
-          <a:p>
-            <a:r>
-              <a:rPr kumimoji="1" lang="zh-CN" altLang="en-US" sz="1400" dirty="0"/>
-              <a:t>已经传播一轮，且已经传给了</a:t>
-            </a:r>
-            <a:r>
-              <a:rPr kumimoji="1" lang="en-US" altLang="zh-CN" sz="1400" dirty="0">
-                <a:solidFill>
-                  <a:srgbClr val="00B0F0"/>
-                </a:solidFill>
-              </a:rPr>
-              <a:t>2</a:t>
-            </a:r>
-            <a:r>
-              <a:rPr kumimoji="1" lang="zh-CN" altLang="en-US" sz="1400" dirty="0">
-                <a:solidFill>
-                  <a:srgbClr val="00B0F0"/>
-                </a:solidFill>
-              </a:rPr>
-              <a:t>大鹏</a:t>
-            </a:r>
-          </a:p>
-        </p:txBody>
-      </p:sp>
-      <p:cxnSp>
-        <p:nvCxnSpPr>
-          <p:cNvPr id="26" name="曲线连接符 25">
-            <a:extLst>
-              <a:ext uri="{FF2B5EF4-FFF2-40B4-BE49-F238E27FC236}">
-                <a16:creationId xmlns:a16="http://schemas.microsoft.com/office/drawing/2014/main" id="{F9DCCBD7-3864-2345-A741-6D299D5DECA5}"/>
-              </a:ext>
-            </a:extLst>
-          </p:cNvPr>
-          <p:cNvCxnSpPr>
-            <a:cxnSpLocks/>
-            <a:stCxn id="28" idx="3"/>
-          </p:cNvCxnSpPr>
-          <p:nvPr/>
-        </p:nvCxnSpPr>
-        <p:spPr>
-          <a:xfrm>
-            <a:off x="6555808" y="5485365"/>
-            <a:ext cx="1250738" cy="621148"/>
-          </a:xfrm>
-          <a:prstGeom prst="curvedConnector3">
-            <a:avLst>
-              <a:gd name="adj1" fmla="val 50000"/>
-            </a:avLst>
-          </a:prstGeom>
-          <a:ln>
-            <a:solidFill>
-              <a:srgbClr val="FF0000"/>
-            </a:solidFill>
-            <a:tailEnd type="triangle"/>
-          </a:ln>
-        </p:spPr>
-        <p:style>
-          <a:lnRef idx="1">
-            <a:schemeClr val="accent1"/>
-          </a:lnRef>
-          <a:fillRef idx="0">
-            <a:schemeClr val="accent1"/>
-          </a:fillRef>
-          <a:effectRef idx="0">
-            <a:schemeClr val="accent1"/>
-          </a:effectRef>
-          <a:fontRef idx="minor">
-            <a:schemeClr val="tx1"/>
-          </a:fontRef>
-        </p:style>
-      </p:cxnSp>
-      <p:sp>
-        <p:nvSpPr>
-          <p:cNvPr id="28" name="文本框 27">
-            <a:extLst>
-              <a:ext uri="{FF2B5EF4-FFF2-40B4-BE49-F238E27FC236}">
-                <a16:creationId xmlns:a16="http://schemas.microsoft.com/office/drawing/2014/main" id="{5C3277F6-3D8A-BA4D-9EA7-8A8FA2458DCF}"/>
-              </a:ext>
-            </a:extLst>
-          </p:cNvPr>
-          <p:cNvSpPr txBox="1"/>
-          <p:nvPr/>
-        </p:nvSpPr>
-        <p:spPr>
-          <a:xfrm>
-            <a:off x="4075394" y="5008311"/>
-            <a:ext cx="2480414" cy="954107"/>
-          </a:xfrm>
-          <a:prstGeom prst="rect">
-            <a:avLst/>
-          </a:prstGeom>
-          <a:noFill/>
-        </p:spPr>
-        <p:txBody>
-          <a:bodyPr wrap="square" rtlCol="0">
-            <a:spAutoFit/>
-          </a:bodyPr>
-          <a:lstStyle/>
-          <a:p>
-            <a:r>
-              <a:rPr kumimoji="1" lang="zh-CN" altLang="en-US" sz="1400" dirty="0"/>
-              <a:t>注意这里已经是</a:t>
-            </a:r>
-            <a:r>
-              <a:rPr kumimoji="1" lang="en-US" altLang="zh-CN" sz="1400" dirty="0"/>
-              <a:t>0.25</a:t>
-            </a:r>
-            <a:r>
-              <a:rPr kumimoji="1" lang="zh-CN" altLang="en-US" sz="1400" dirty="0"/>
-              <a:t> * </a:t>
-            </a:r>
-            <a:r>
-              <a:rPr kumimoji="1" lang="en-US" altLang="zh-CN" sz="1400" dirty="0"/>
-              <a:t>0.5</a:t>
-            </a:r>
-            <a:r>
-              <a:rPr kumimoji="1" lang="zh-CN" altLang="en-US" sz="1400" dirty="0"/>
-              <a:t>，</a:t>
-            </a:r>
-            <a:endParaRPr kumimoji="1" lang="en-US" altLang="zh-CN" sz="1400" dirty="0"/>
-          </a:p>
-          <a:p>
-            <a:r>
-              <a:rPr kumimoji="1" lang="en-US" altLang="zh-CN" sz="1400" dirty="0"/>
-              <a:t>0.25</a:t>
-            </a:r>
-            <a:r>
-              <a:rPr kumimoji="1" lang="zh-CN" altLang="en-US" sz="1400" dirty="0"/>
-              <a:t>是右护法传过来对自己的持股，</a:t>
-            </a:r>
-            <a:r>
-              <a:rPr kumimoji="1" lang="en-US" altLang="zh-CN" sz="1400" dirty="0"/>
-              <a:t>0.5</a:t>
-            </a:r>
-            <a:r>
-              <a:rPr kumimoji="1" lang="zh-CN" altLang="en-US" sz="1400" dirty="0"/>
-              <a:t>是 </a:t>
-            </a:r>
-            <a:r>
-              <a:rPr kumimoji="1" lang="en-US" altLang="zh-CN" sz="1400" dirty="0">
-                <a:solidFill>
-                  <a:srgbClr val="00B0F0"/>
-                </a:solidFill>
-              </a:rPr>
-              <a:t>2</a:t>
-            </a:r>
-            <a:r>
-              <a:rPr kumimoji="1" lang="zh-CN" altLang="en-US" sz="1400" dirty="0">
-                <a:solidFill>
-                  <a:srgbClr val="00B0F0"/>
-                </a:solidFill>
-              </a:rPr>
-              <a:t>大鹏 </a:t>
-            </a:r>
-            <a:r>
-              <a:rPr kumimoji="1" lang="zh-CN" altLang="en-US" sz="1400" dirty="0"/>
-              <a:t>对 </a:t>
-            </a:r>
-            <a:r>
-              <a:rPr kumimoji="1" lang="en-US" altLang="zh-CN" sz="1400" dirty="0">
-                <a:solidFill>
-                  <a:srgbClr val="00B0F0"/>
-                </a:solidFill>
-              </a:rPr>
-              <a:t>4</a:t>
-            </a:r>
-            <a:r>
-              <a:rPr kumimoji="1" lang="zh-CN" altLang="en-US" sz="1400" dirty="0">
-                <a:solidFill>
-                  <a:srgbClr val="00B0F0"/>
-                </a:solidFill>
-              </a:rPr>
-              <a:t>右护法</a:t>
-            </a:r>
-            <a:r>
-              <a:rPr kumimoji="1" lang="zh-CN" altLang="en-US" sz="1400" dirty="0"/>
-              <a:t> 的持股。</a:t>
-            </a:r>
-          </a:p>
-        </p:txBody>
-      </p:sp>
     </p:spTree>
     <p:extLst>
       <p:ext uri="{BB962C8B-B14F-4D97-AF65-F5344CB8AC3E}">
-        <p14:creationId xmlns:p14="http://schemas.microsoft.com/office/powerpoint/2010/main" val="3655908263"/>
+        <p14:creationId xmlns:p14="http://schemas.microsoft.com/office/powerpoint/2010/main" val="1092335309"/>
       </p:ext>
     </p:extLst>
   </p:cSld>
@@ -24838,7 +25204,7 @@
         <p:spPr>
           <a:xfrm>
             <a:off x="344245" y="107719"/>
-            <a:ext cx="7462299" cy="1323439"/>
+            <a:ext cx="8347157" cy="1323439"/>
           </a:xfrm>
           <a:prstGeom prst="rect">
             <a:avLst/>
@@ -24865,7 +25231,7 @@
             </a:r>
             <a:r>
               <a:rPr kumimoji="1" lang="zh-CN" altLang="en-US" sz="4000" dirty="0"/>
-              <a:t> 长环</a:t>
+              <a:t>清空长环</a:t>
             </a:r>
             <a:r>
               <a:rPr kumimoji="1" lang="en-US" altLang="zh-CN" sz="4000" dirty="0" err="1">
@@ -24881,7 +25247,7 @@
                   <a:srgbClr val="FF0000"/>
                 </a:solidFill>
               </a:rPr>
-              <a:t>(9)</a:t>
+              <a:t>(8)</a:t>
             </a:r>
             <a:endParaRPr kumimoji="1" lang="zh-CN" altLang="en-US" sz="4000" dirty="0">
               <a:solidFill>
@@ -25428,7 +25794,7 @@
         <p:spPr>
           <a:xfrm>
             <a:off x="1809213" y="2053940"/>
-            <a:ext cx="3340856" cy="2324339"/>
+            <a:ext cx="3586042" cy="2324339"/>
           </a:xfrm>
           <a:prstGeom prst="rect">
             <a:avLst/>
@@ -25481,7 +25847,7 @@
         <p:spPr>
           <a:xfrm>
             <a:off x="7726011" y="4609607"/>
-            <a:ext cx="3892556" cy="1615827"/>
+            <a:ext cx="3892556" cy="1785104"/>
           </a:xfrm>
           <a:prstGeom prst="rect">
             <a:avLst/>
@@ -25517,12 +25883,16 @@
             </a:r>
             <a:r>
               <a:rPr lang="en-US" altLang="zh-CN" sz="1100" dirty="0"/>
-              <a:t>,0.062500,2,6), </a:t>
-            </a:r>
-          </a:p>
-          <a:p>
-            <a:r>
-              <a:rPr lang="en-US" altLang="zh-CN" sz="1100" dirty="0"/>
+              <a:t>,0.250000,2,6,</a:t>
+            </a:r>
+            <a:r>
+              <a:rPr lang="en" altLang="zh-CN" sz="1100" dirty="0"/>
+              <a:t>false), </a:t>
+            </a:r>
+          </a:p>
+          <a:p>
+            <a:r>
+              <a:rPr lang="en" altLang="zh-CN" sz="1100" dirty="0"/>
               <a:t>10 -&gt; </a:t>
             </a:r>
             <a:r>
@@ -25539,12 +25909,16 @@
             </a:r>
             <a:r>
               <a:rPr lang="en-US" altLang="zh-CN" sz="1100" dirty="0"/>
-              <a:t>,0.125000,2,4), </a:t>
-            </a:r>
-          </a:p>
-          <a:p>
-            <a:r>
-              <a:rPr lang="en-US" altLang="zh-CN" sz="1100" dirty="0"/>
+              <a:t>,0.500000,2,4,</a:t>
+            </a:r>
+            <a:r>
+              <a:rPr lang="en" altLang="zh-CN" sz="1100" dirty="0"/>
+              <a:t>false), </a:t>
+            </a:r>
+          </a:p>
+          <a:p>
+            <a:r>
+              <a:rPr lang="en" altLang="zh-CN" sz="1100" dirty="0"/>
               <a:t>6 -&gt; </a:t>
             </a:r>
             <a:r>
@@ -25561,12 +25935,16 @@
             </a:r>
             <a:r>
               <a:rPr lang="en-US" altLang="zh-CN" sz="1100" dirty="0"/>
-              <a:t>,0.062500,2,7),</a:t>
-            </a:r>
-          </a:p>
-          <a:p>
-            <a:r>
-              <a:rPr lang="en-US" altLang="zh-CN" sz="1100" dirty="0"/>
+              <a:t>,0.250000,2,7,</a:t>
+            </a:r>
+            <a:r>
+              <a:rPr lang="en" altLang="zh-CN" sz="1100" dirty="0"/>
+              <a:t>false), </a:t>
+            </a:r>
+          </a:p>
+          <a:p>
+            <a:r>
+              <a:rPr lang="en" altLang="zh-CN" sz="1100" dirty="0"/>
               <a:t>9 -&gt; </a:t>
             </a:r>
             <a:r>
@@ -25583,12 +25961,16 @@
             </a:r>
             <a:r>
               <a:rPr lang="en-US" altLang="zh-CN" sz="1100" dirty="0"/>
-              <a:t>,0.125000,2,3), </a:t>
-            </a:r>
-          </a:p>
-          <a:p>
-            <a:r>
-              <a:rPr lang="en-US" altLang="zh-CN" sz="1100" dirty="0"/>
+              <a:t>,0.500000,2,3,</a:t>
+            </a:r>
+            <a:r>
+              <a:rPr lang="en" altLang="zh-CN" sz="1100" dirty="0"/>
+              <a:t>false), </a:t>
+            </a:r>
+          </a:p>
+          <a:p>
+            <a:r>
+              <a:rPr lang="en" altLang="zh-CN" sz="1100" dirty="0"/>
               <a:t>7 -&gt; </a:t>
             </a:r>
             <a:r>
@@ -25605,12 +25987,16 @@
             </a:r>
             <a:r>
               <a:rPr lang="en-US" altLang="zh-CN" sz="1100" dirty="0"/>
-              <a:t>,0.062500,2,8), </a:t>
-            </a:r>
-          </a:p>
-          <a:p>
-            <a:r>
-              <a:rPr lang="en-US" altLang="zh-CN" sz="1100" dirty="0"/>
+              <a:t>,0.250000,2,8,</a:t>
+            </a:r>
+            <a:r>
+              <a:rPr lang="en" altLang="zh-CN" sz="1100" dirty="0"/>
+              <a:t>false), </a:t>
+            </a:r>
+          </a:p>
+          <a:p>
+            <a:r>
+              <a:rPr lang="en" altLang="zh-CN" sz="1100" dirty="0"/>
               <a:t>3 -&gt; </a:t>
             </a:r>
             <a:r>
@@ -25627,12 +26013,16 @@
             </a:r>
             <a:r>
               <a:rPr lang="en-US" altLang="zh-CN" sz="1100" dirty="0"/>
-              <a:t>,0.062500,2,5), </a:t>
-            </a:r>
-          </a:p>
-          <a:p>
-            <a:r>
-              <a:rPr lang="en-US" altLang="zh-CN" sz="1100" dirty="0"/>
+              <a:t>,0.250000,2,5,</a:t>
+            </a:r>
+            <a:r>
+              <a:rPr lang="en" altLang="zh-CN" sz="1100" dirty="0"/>
+              <a:t>false), </a:t>
+            </a:r>
+          </a:p>
+          <a:p>
+            <a:r>
+              <a:rPr lang="en" altLang="zh-CN" sz="1100" dirty="0"/>
               <a:t>8 -&gt; </a:t>
             </a:r>
             <a:r>
@@ -25649,12 +26039,16 @@
             </a:r>
             <a:r>
               <a:rPr lang="en-US" altLang="zh-CN" sz="1100" dirty="0"/>
-              <a:t>,0.031250,2,10), </a:t>
-            </a:r>
-          </a:p>
-          <a:p>
-            <a:r>
-              <a:rPr lang="en-US" altLang="zh-CN" sz="1100" dirty="0"/>
+              <a:t>,0.500000,2,2,</a:t>
+            </a:r>
+            <a:r>
+              <a:rPr lang="en" altLang="zh-CN" sz="1100" dirty="0"/>
+              <a:t>false), </a:t>
+            </a:r>
+          </a:p>
+          <a:p>
+            <a:r>
+              <a:rPr lang="en" altLang="zh-CN" sz="1100" dirty="0"/>
               <a:t>4 -&gt; </a:t>
             </a:r>
             <a:r>
@@ -25671,7 +26065,37 @@
             </a:r>
             <a:r>
               <a:rPr lang="en-US" altLang="zh-CN" sz="1100" dirty="0"/>
-              <a:t>,0.031250,2,9))))</a:t>
+              <a:t>,0.500000,2,1,</a:t>
+            </a:r>
+            <a:r>
+              <a:rPr lang="en" altLang="zh-CN" sz="1100" dirty="0"/>
+              <a:t>false)),</a:t>
+            </a:r>
+          </a:p>
+          <a:p>
+            <a:r>
+              <a:rPr lang="en" altLang="zh-CN" sz="1100" dirty="0"/>
+              <a:t>Map(4 -&gt; </a:t>
+            </a:r>
+            <a:r>
+              <a:rPr lang="en" altLang="zh-CN" sz="1100" dirty="0" err="1"/>
+              <a:t>simpleInvestmentInfo</a:t>
+            </a:r>
+            <a:r>
+              <a:rPr lang="en" altLang="zh-CN" sz="1100" dirty="0"/>
+              <a:t>(4 </a:t>
+            </a:r>
+            <a:r>
+              <a:rPr lang="zh-CN" altLang="en-US" sz="1100" dirty="0"/>
+              <a:t>右护法</a:t>
+            </a:r>
+            <a:r>
+              <a:rPr lang="en-US" altLang="zh-CN" sz="1100" dirty="0"/>
+              <a:t>,0.500000,2,1,</a:t>
+            </a:r>
+            <a:r>
+              <a:rPr lang="en" altLang="zh-CN" sz="1100" dirty="0"/>
+              <a:t>false))</a:t>
             </a:r>
           </a:p>
         </p:txBody>
@@ -25691,7 +26115,7 @@
         <p:spPr>
           <a:xfrm>
             <a:off x="1813299" y="2647355"/>
-            <a:ext cx="3541908" cy="1615827"/>
+            <a:ext cx="3701674" cy="938719"/>
           </a:xfrm>
           <a:prstGeom prst="rect">
             <a:avLst/>
@@ -25711,7 +26135,7 @@
           <a:p>
             <a:r>
               <a:rPr lang="en" altLang="zh-CN" sz="1100" dirty="0"/>
-              <a:t>5 -&gt; </a:t>
+              <a:t>8 -&gt; </a:t>
             </a:r>
             <a:r>
               <a:rPr lang="en" altLang="zh-CN" sz="1100" dirty="0" err="1"/>
@@ -25719,21 +26143,25 @@
             </a:r>
             <a:r>
               <a:rPr lang="en" altLang="zh-CN" sz="1100" dirty="0"/>
-              <a:t>(5 </a:t>
+              <a:t>(8 </a:t>
             </a:r>
             <a:r>
               <a:rPr lang="zh-CN" altLang="en-US" sz="1100" dirty="0"/>
-              <a:t>左护法</a:t>
+              <a:t>右护法</a:t>
             </a:r>
             <a:r>
               <a:rPr lang="en-US" altLang="zh-CN" sz="1100" dirty="0"/>
-              <a:t>,0.125000,4,5), </a:t>
-            </a:r>
-          </a:p>
-          <a:p>
-            <a:r>
-              <a:rPr lang="en-US" altLang="zh-CN" sz="1100" dirty="0"/>
-              <a:t>10 -&gt; </a:t>
+              <a:t>,1.000000,4,1,</a:t>
+            </a:r>
+            <a:r>
+              <a:rPr lang="en" altLang="zh-CN" sz="1100" dirty="0"/>
+              <a:t>false), </a:t>
+            </a:r>
+          </a:p>
+          <a:p>
+            <a:r>
+              <a:rPr lang="en" altLang="zh-CN" sz="1100" dirty="0"/>
+              <a:t>9 -&gt; </a:t>
             </a:r>
             <a:r>
               <a:rPr lang="en" altLang="zh-CN" sz="1100" dirty="0" err="1"/>
@@ -25741,7 +26169,7 @@
             </a:r>
             <a:r>
               <a:rPr lang="en" altLang="zh-CN" sz="1100" dirty="0"/>
-              <a:t>(10 </a:t>
+              <a:t>(9 </a:t>
             </a:r>
             <a:r>
               <a:rPr lang="zh-CN" altLang="en-US" sz="1100" dirty="0"/>
@@ -25749,13 +26177,23 @@
             </a:r>
             <a:r>
               <a:rPr lang="en-US" altLang="zh-CN" sz="1100" dirty="0"/>
-              <a:t>,0.250000,4,3), </a:t>
-            </a:r>
-          </a:p>
-          <a:p>
-            <a:r>
-              <a:rPr lang="en-US" altLang="zh-CN" sz="1100" dirty="0"/>
-              <a:t>6 -&gt; </a:t>
+              <a:t>,1.000000,4,2,</a:t>
+            </a:r>
+            <a:r>
+              <a:rPr lang="en" altLang="zh-CN" sz="1100" dirty="0"/>
+              <a:t>false)),</a:t>
+            </a:r>
+          </a:p>
+          <a:p>
+            <a:r>
+              <a:rPr lang="en" altLang="zh-CN" sz="1100" dirty="0"/>
+              <a:t>Map(</a:t>
+            </a:r>
+          </a:p>
+          <a:p>
+            <a:r>
+              <a:rPr lang="en" altLang="zh-CN" sz="1100" dirty="0"/>
+              <a:t>8 -&gt; </a:t>
             </a:r>
             <a:r>
               <a:rPr lang="en" altLang="zh-CN" sz="1100" dirty="0" err="1"/>
@@ -25763,29 +26201,7 @@
             </a:r>
             <a:r>
               <a:rPr lang="en" altLang="zh-CN" sz="1100" dirty="0"/>
-              <a:t>(6 </a:t>
-            </a:r>
-            <a:r>
-              <a:rPr lang="zh-CN" altLang="en-US" sz="1100" dirty="0"/>
-              <a:t>左护法</a:t>
-            </a:r>
-            <a:r>
-              <a:rPr lang="en-US" altLang="zh-CN" sz="1100" dirty="0"/>
-              <a:t>,0.125000,4,6), </a:t>
-            </a:r>
-          </a:p>
-          <a:p>
-            <a:r>
-              <a:rPr lang="en-US" altLang="zh-CN" sz="1100" dirty="0"/>
-              <a:t>9 -&gt; </a:t>
-            </a:r>
-            <a:r>
-              <a:rPr lang="en" altLang="zh-CN" sz="1100" dirty="0" err="1"/>
-              <a:t>simpleInvestmentInfo</a:t>
-            </a:r>
-            <a:r>
-              <a:rPr lang="en" altLang="zh-CN" sz="1100" dirty="0"/>
-              <a:t>(9 </a:t>
+              <a:t>(8 </a:t>
             </a:r>
             <a:r>
               <a:rPr lang="zh-CN" altLang="en-US" sz="1100" dirty="0"/>
@@ -25793,95 +26209,11 @@
             </a:r>
             <a:r>
               <a:rPr lang="en-US" altLang="zh-CN" sz="1100" dirty="0"/>
-              <a:t>,0.062500,4,10), </a:t>
-            </a:r>
-          </a:p>
-          <a:p>
-            <a:r>
-              <a:rPr lang="en-US" altLang="zh-CN" sz="1100" dirty="0"/>
-              <a:t>7 -&gt; </a:t>
-            </a:r>
-            <a:r>
-              <a:rPr lang="en" altLang="zh-CN" sz="1100" dirty="0" err="1"/>
-              <a:t>simpleInvestmentInfo</a:t>
+              <a:t>,1.000000,4,1,</a:t>
             </a:r>
             <a:r>
               <a:rPr lang="en" altLang="zh-CN" sz="1100" dirty="0"/>
-              <a:t>(7 </a:t>
-            </a:r>
-            <a:r>
-              <a:rPr lang="zh-CN" altLang="en-US" sz="1100" dirty="0"/>
-              <a:t>左护法</a:t>
-            </a:r>
-            <a:r>
-              <a:rPr lang="en-US" altLang="zh-CN" sz="1100" dirty="0"/>
-              <a:t>,0.125000,4,7), </a:t>
-            </a:r>
-          </a:p>
-          <a:p>
-            <a:r>
-              <a:rPr lang="en-US" altLang="zh-CN" sz="1100" dirty="0"/>
-              <a:t>3 -&gt; </a:t>
-            </a:r>
-            <a:r>
-              <a:rPr lang="en" altLang="zh-CN" sz="1100" dirty="0" err="1"/>
-              <a:t>simpleInvestmentInfo</a:t>
-            </a:r>
-            <a:r>
-              <a:rPr lang="en" altLang="zh-CN" sz="1100" dirty="0"/>
-              <a:t>(3 </a:t>
-            </a:r>
-            <a:r>
-              <a:rPr lang="zh-CN" altLang="en-US" sz="1100" dirty="0"/>
-              <a:t>左护法</a:t>
-            </a:r>
-            <a:r>
-              <a:rPr lang="en-US" altLang="zh-CN" sz="1100" dirty="0"/>
-              <a:t>,0.125000,4,4), </a:t>
-            </a:r>
-          </a:p>
-          <a:p>
-            <a:r>
-              <a:rPr lang="en-US" altLang="zh-CN" sz="1100" dirty="0"/>
-              <a:t>8 -&gt; </a:t>
-            </a:r>
-            <a:r>
-              <a:rPr lang="en" altLang="zh-CN" sz="1100" dirty="0" err="1"/>
-              <a:t>simpleInvestmentInfo</a:t>
-            </a:r>
-            <a:r>
-              <a:rPr lang="en" altLang="zh-CN" sz="1100" dirty="0"/>
-              <a:t>(8 </a:t>
-            </a:r>
-            <a:r>
-              <a:rPr lang="zh-CN" altLang="en-US" sz="1100" dirty="0"/>
-              <a:t>右护法</a:t>
-            </a:r>
-            <a:r>
-              <a:rPr lang="en-US" altLang="zh-CN" sz="1100" dirty="0"/>
-              <a:t>,0.062500,4,9), </a:t>
-            </a:r>
-          </a:p>
-          <a:p>
-            <a:r>
-              <a:rPr lang="en-US" altLang="zh-CN" sz="1100" dirty="0"/>
-              <a:t>4 -&gt; </a:t>
-            </a:r>
-            <a:r>
-              <a:rPr lang="en" altLang="zh-CN" sz="1100" dirty="0" err="1"/>
-              <a:t>simpleInvestmentInfo</a:t>
-            </a:r>
-            <a:r>
-              <a:rPr lang="en" altLang="zh-CN" sz="1100" dirty="0"/>
-              <a:t>(4 </a:t>
-            </a:r>
-            <a:r>
-              <a:rPr lang="zh-CN" altLang="en-US" sz="1100" dirty="0"/>
-              <a:t>右护法</a:t>
-            </a:r>
-            <a:r>
-              <a:rPr lang="en-US" altLang="zh-CN" sz="1100" dirty="0"/>
-              <a:t>,0.062500,4,8))))</a:t>
+              <a:t>false))))</a:t>
             </a:r>
           </a:p>
         </p:txBody>
@@ -25900,8 +26232,8 @@
         </p:nvSpPr>
         <p:spPr>
           <a:xfrm>
-            <a:off x="7722611" y="3490369"/>
-            <a:ext cx="3340856" cy="2847370"/>
+            <a:off x="7722610" y="3490368"/>
+            <a:ext cx="4027955" cy="3036555"/>
           </a:xfrm>
           <a:prstGeom prst="rect">
             <a:avLst/>
@@ -25950,15 +26282,14 @@
           </p:cNvPr>
           <p:cNvCxnSpPr>
             <a:cxnSpLocks/>
-            <a:stCxn id="15" idx="0"/>
             <a:endCxn id="7" idx="2"/>
           </p:cNvCxnSpPr>
           <p:nvPr/>
         </p:nvCxnSpPr>
         <p:spPr>
           <a:xfrm rot="5400000" flipH="1" flipV="1">
-            <a:off x="2848213" y="4127225"/>
-            <a:ext cx="600082" cy="871997"/>
+            <a:off x="2549601" y="3748729"/>
+            <a:ext cx="1277190" cy="951880"/>
           </a:xfrm>
           <a:prstGeom prst="curvedConnector3">
             <a:avLst>
@@ -25987,65 +26318,6 @@
           </a:fontRef>
         </p:style>
       </p:cxnSp>
-      <p:sp>
-        <p:nvSpPr>
-          <p:cNvPr id="15" name="文本框 14">
-            <a:extLst>
-              <a:ext uri="{FF2B5EF4-FFF2-40B4-BE49-F238E27FC236}">
-                <a16:creationId xmlns:a16="http://schemas.microsoft.com/office/drawing/2014/main" id="{8145A0E5-2488-2D4F-8BDA-010AE7D59C76}"/>
-              </a:ext>
-            </a:extLst>
-          </p:cNvPr>
-          <p:cNvSpPr txBox="1"/>
-          <p:nvPr/>
-        </p:nvSpPr>
-        <p:spPr>
-          <a:xfrm>
-            <a:off x="1655966" y="4863264"/>
-            <a:ext cx="2112580" cy="954107"/>
-          </a:xfrm>
-          <a:prstGeom prst="rect">
-            <a:avLst/>
-          </a:prstGeom>
-          <a:noFill/>
-        </p:spPr>
-        <p:txBody>
-          <a:bodyPr wrap="square" rtlCol="0">
-            <a:spAutoFit/>
-          </a:bodyPr>
-          <a:lstStyle/>
-          <a:p>
-            <a:r>
-              <a:rPr kumimoji="1" lang="zh-CN" altLang="en-US" sz="1400" dirty="0"/>
-              <a:t>到这里就是信息轮回，上一轮的</a:t>
-            </a:r>
-            <a:r>
-              <a:rPr kumimoji="1" lang="en-US" altLang="zh-CN" sz="1400" dirty="0"/>
-              <a:t>0.25</a:t>
-            </a:r>
-            <a:r>
-              <a:rPr kumimoji="1" lang="zh-CN" altLang="en-US" sz="1400" dirty="0"/>
-              <a:t>*</a:t>
-            </a:r>
-            <a:r>
-              <a:rPr kumimoji="1" lang="en-US" altLang="zh-CN" sz="1400" dirty="0"/>
-              <a:t>0.25</a:t>
-            </a:r>
-            <a:r>
-              <a:rPr kumimoji="1" lang="zh-CN" altLang="en-US" sz="1400" dirty="0"/>
-              <a:t>直接过了一整轮，到了</a:t>
-            </a:r>
-            <a:r>
-              <a:rPr kumimoji="1" lang="en-US" altLang="zh-CN" sz="1400" dirty="0"/>
-              <a:t>0.0625</a:t>
-            </a:r>
-            <a:r>
-              <a:rPr kumimoji="1" lang="zh-CN" altLang="en-US" sz="1400" dirty="0"/>
-              <a:t>。</a:t>
-            </a:r>
-          </a:p>
-        </p:txBody>
-      </p:sp>
       <p:cxnSp>
         <p:nvCxnSpPr>
           <p:cNvPr id="26" name="曲线连接符 25">
@@ -26063,8 +26335,8 @@
         </p:nvCxnSpPr>
         <p:spPr>
           <a:xfrm>
-            <a:off x="6656166" y="5332568"/>
-            <a:ext cx="1150378" cy="713882"/>
+            <a:off x="6555808" y="5162200"/>
+            <a:ext cx="1250738" cy="944313"/>
           </a:xfrm>
           <a:prstGeom prst="curvedConnector3">
             <a:avLst>
@@ -26107,8 +26379,8 @@
         </p:nvSpPr>
         <p:spPr>
           <a:xfrm>
-            <a:off x="4175752" y="5070958"/>
-            <a:ext cx="2480414" cy="523220"/>
+            <a:off x="4075394" y="5008311"/>
+            <a:ext cx="2480414" cy="307777"/>
           </a:xfrm>
           <a:prstGeom prst="rect">
             <a:avLst/>
@@ -26123,36 +26395,15 @@
           <a:p>
             <a:r>
               <a:rPr kumimoji="1" lang="zh-CN" altLang="en-US" sz="1400" dirty="0"/>
-              <a:t>这里很明白了，</a:t>
-            </a:r>
-            <a:r>
-              <a:rPr kumimoji="1" lang="en-US" altLang="zh-CN" sz="1400" dirty="0"/>
-              <a:t>0.03125</a:t>
-            </a:r>
-            <a:r>
-              <a:rPr kumimoji="1" lang="zh-CN" altLang="en-US" sz="1400" dirty="0"/>
-              <a:t>就是之前的 </a:t>
-            </a:r>
-            <a:r>
-              <a:rPr kumimoji="1" lang="en-US" altLang="zh-CN" sz="1400" dirty="0"/>
-              <a:t>0.0625</a:t>
-            </a:r>
-            <a:r>
-              <a:rPr kumimoji="1" lang="zh-CN" altLang="en-US" sz="1400" dirty="0"/>
-              <a:t> * </a:t>
-            </a:r>
-            <a:r>
-              <a:rPr kumimoji="1" lang="en-US" altLang="zh-CN" sz="1400" dirty="0"/>
-              <a:t>0.5</a:t>
-            </a:r>
-            <a:endParaRPr kumimoji="1" lang="zh-CN" altLang="en-US" sz="1400" dirty="0"/>
+              <a:t>理论上应该相加</a:t>
+            </a:r>
           </a:p>
         </p:txBody>
       </p:sp>
     </p:spTree>
     <p:extLst>
       <p:ext uri="{BB962C8B-B14F-4D97-AF65-F5344CB8AC3E}">
-        <p14:creationId xmlns:p14="http://schemas.microsoft.com/office/powerpoint/2010/main" val="904698918"/>
+        <p14:creationId xmlns:p14="http://schemas.microsoft.com/office/powerpoint/2010/main" val="3655908263"/>
       </p:ext>
     </p:extLst>
   </p:cSld>
@@ -26194,6 +26445,1274 @@
         <p:spPr>
           <a:xfrm>
             <a:off x="344245" y="107719"/>
+            <a:ext cx="8347157" cy="1323439"/>
+          </a:xfrm>
+          <a:prstGeom prst="rect">
+            <a:avLst/>
+          </a:prstGeom>
+          <a:noFill/>
+        </p:spPr>
+        <p:txBody>
+          <a:bodyPr wrap="none" rtlCol="0">
+            <a:spAutoFit/>
+          </a:bodyPr>
+          <a:lstStyle/>
+          <a:p>
+            <a:r>
+              <a:rPr kumimoji="1" lang="en-US" altLang="zh-CN" sz="4000" dirty="0"/>
+              <a:t>G13</a:t>
+            </a:r>
+            <a:r>
+              <a:rPr kumimoji="1" lang="zh-CN" altLang="en-US" sz="4000" dirty="0"/>
+              <a:t> 有向有环图 </a:t>
+            </a:r>
+            <a:r>
+              <a:rPr kumimoji="1" lang="en-US" altLang="zh-CN" sz="4000" dirty="0"/>
+              <a:t>–</a:t>
+            </a:r>
+            <a:r>
+              <a:rPr kumimoji="1" lang="zh-CN" altLang="en-US" sz="4000" dirty="0"/>
+              <a:t>清空长环</a:t>
+            </a:r>
+            <a:r>
+              <a:rPr kumimoji="1" lang="en-US" altLang="zh-CN" sz="4000" dirty="0" err="1">
+                <a:solidFill>
+                  <a:srgbClr val="FF0000"/>
+                </a:solidFill>
+              </a:rPr>
+              <a:t>tailFact</a:t>
+            </a:r>
+            <a:r>
+              <a:rPr kumimoji="1" lang="en-US" altLang="zh-CN" sz="4000" dirty="0">
+                <a:solidFill>
+                  <a:srgbClr val="FF0000"/>
+                </a:solidFill>
+              </a:rPr>
+              <a:t>(9)</a:t>
+            </a:r>
+            <a:endParaRPr kumimoji="1" lang="zh-CN" altLang="en-US" sz="4000" dirty="0">
+              <a:solidFill>
+                <a:srgbClr val="FF0000"/>
+              </a:solidFill>
+            </a:endParaRPr>
+          </a:p>
+          <a:p>
+            <a:endParaRPr kumimoji="1" lang="zh-CN" altLang="en-US" sz="4000" dirty="0"/>
+          </a:p>
+        </p:txBody>
+      </p:sp>
+      <p:cxnSp>
+        <p:nvCxnSpPr>
+          <p:cNvPr id="18" name="曲线连接符 17">
+            <a:extLst>
+              <a:ext uri="{FF2B5EF4-FFF2-40B4-BE49-F238E27FC236}">
+                <a16:creationId xmlns:a16="http://schemas.microsoft.com/office/drawing/2014/main" id="{823B479D-A115-E74D-9C67-656D069ADED2}"/>
+              </a:ext>
+            </a:extLst>
+          </p:cNvPr>
+          <p:cNvCxnSpPr>
+            <a:cxnSpLocks/>
+            <a:stCxn id="22" idx="2"/>
+            <a:endCxn id="19" idx="3"/>
+          </p:cNvCxnSpPr>
+          <p:nvPr/>
+        </p:nvCxnSpPr>
+        <p:spPr>
+          <a:xfrm rot="5400000" flipH="1">
+            <a:off x="5808520" y="1110026"/>
+            <a:ext cx="1677614" cy="4417004"/>
+          </a:xfrm>
+          <a:prstGeom prst="curvedConnector4">
+            <a:avLst>
+              <a:gd name="adj1" fmla="val -13626"/>
+              <a:gd name="adj2" fmla="val 59242"/>
+            </a:avLst>
+          </a:prstGeom>
+          <a:ln>
+            <a:tailEnd type="triangle"/>
+          </a:ln>
+        </p:spPr>
+        <p:style>
+          <a:lnRef idx="1">
+            <a:schemeClr val="accent1"/>
+          </a:lnRef>
+          <a:fillRef idx="0">
+            <a:schemeClr val="accent1"/>
+          </a:fillRef>
+          <a:effectRef idx="0">
+            <a:schemeClr val="accent1"/>
+          </a:effectRef>
+          <a:fontRef idx="minor">
+            <a:schemeClr val="tx1"/>
+          </a:fontRef>
+        </p:style>
+      </p:cxnSp>
+      <p:sp>
+        <p:nvSpPr>
+          <p:cNvPr id="19" name="圆角矩形 18">
+            <a:extLst>
+              <a:ext uri="{FF2B5EF4-FFF2-40B4-BE49-F238E27FC236}">
+                <a16:creationId xmlns:a16="http://schemas.microsoft.com/office/drawing/2014/main" id="{5CCCEE52-AE84-3E4E-AA8A-50649D5AE9D6}"/>
+              </a:ext>
+            </a:extLst>
+          </p:cNvPr>
+          <p:cNvSpPr/>
+          <p:nvPr/>
+        </p:nvSpPr>
+        <p:spPr>
+          <a:xfrm>
+            <a:off x="2897561" y="2162370"/>
+            <a:ext cx="1541264" cy="634701"/>
+          </a:xfrm>
+          <a:prstGeom prst="roundRect">
+            <a:avLst/>
+          </a:prstGeom>
+        </p:spPr>
+        <p:style>
+          <a:lnRef idx="2">
+            <a:schemeClr val="accent1">
+              <a:shade val="50000"/>
+            </a:schemeClr>
+          </a:lnRef>
+          <a:fillRef idx="1">
+            <a:schemeClr val="accent1"/>
+          </a:fillRef>
+          <a:effectRef idx="0">
+            <a:schemeClr val="accent1"/>
+          </a:effectRef>
+          <a:fontRef idx="minor">
+            <a:schemeClr val="lt1"/>
+          </a:fontRef>
+        </p:style>
+        <p:txBody>
+          <a:bodyPr rtlCol="0" anchor="ctr"/>
+          <a:lstStyle/>
+          <a:p>
+            <a:pPr algn="ctr"/>
+            <a:r>
+              <a:rPr kumimoji="1" lang="en-US" altLang="zh-CN" dirty="0"/>
+              <a:t>4</a:t>
+            </a:r>
+            <a:r>
+              <a:rPr kumimoji="1" lang="zh-CN" altLang="en-US" dirty="0"/>
+              <a:t> 右护法</a:t>
+            </a:r>
+            <a:endParaRPr kumimoji="1" lang="en-US" altLang="zh-CN" dirty="0"/>
+          </a:p>
+          <a:p>
+            <a:pPr algn="ctr"/>
+            <a:r>
+              <a:rPr kumimoji="1" lang="en-US" altLang="zh-CN" dirty="0"/>
+              <a:t>1000w</a:t>
+            </a:r>
+          </a:p>
+        </p:txBody>
+      </p:sp>
+      <p:sp>
+        <p:nvSpPr>
+          <p:cNvPr id="22" name="圆角矩形 21">
+            <a:extLst>
+              <a:ext uri="{FF2B5EF4-FFF2-40B4-BE49-F238E27FC236}">
+                <a16:creationId xmlns:a16="http://schemas.microsoft.com/office/drawing/2014/main" id="{B20C7EFC-25FC-0748-818C-92A12F72466E}"/>
+              </a:ext>
+            </a:extLst>
+          </p:cNvPr>
+          <p:cNvSpPr/>
+          <p:nvPr/>
+        </p:nvSpPr>
+        <p:spPr>
+          <a:xfrm>
+            <a:off x="8039369" y="3522634"/>
+            <a:ext cx="1632920" cy="634701"/>
+          </a:xfrm>
+          <a:prstGeom prst="roundRect">
+            <a:avLst/>
+          </a:prstGeom>
+        </p:spPr>
+        <p:style>
+          <a:lnRef idx="2">
+            <a:schemeClr val="accent1">
+              <a:shade val="50000"/>
+            </a:schemeClr>
+          </a:lnRef>
+          <a:fillRef idx="1">
+            <a:schemeClr val="accent1"/>
+          </a:fillRef>
+          <a:effectRef idx="0">
+            <a:schemeClr val="accent1"/>
+          </a:effectRef>
+          <a:fontRef idx="minor">
+            <a:schemeClr val="lt1"/>
+          </a:fontRef>
+        </p:style>
+        <p:txBody>
+          <a:bodyPr rtlCol="0" anchor="ctr"/>
+          <a:lstStyle/>
+          <a:p>
+            <a:pPr algn="ctr"/>
+            <a:r>
+              <a:rPr kumimoji="1" lang="en-US" altLang="zh-CN" dirty="0"/>
+              <a:t>2</a:t>
+            </a:r>
+            <a:r>
+              <a:rPr lang="zh-CN" altLang="en-US" dirty="0"/>
+              <a:t>大鹏金翅雕</a:t>
+            </a:r>
+            <a:endParaRPr kumimoji="1" lang="zh-CN" altLang="en-US" dirty="0"/>
+          </a:p>
+        </p:txBody>
+      </p:sp>
+      <p:sp>
+        <p:nvSpPr>
+          <p:cNvPr id="29" name="圆角矩形 28">
+            <a:extLst>
+              <a:ext uri="{FF2B5EF4-FFF2-40B4-BE49-F238E27FC236}">
+                <a16:creationId xmlns:a16="http://schemas.microsoft.com/office/drawing/2014/main" id="{DA16C56B-7627-594D-9E57-57EB28FFE682}"/>
+              </a:ext>
+            </a:extLst>
+          </p:cNvPr>
+          <p:cNvSpPr/>
+          <p:nvPr/>
+        </p:nvSpPr>
+        <p:spPr>
+          <a:xfrm>
+            <a:off x="680197" y="865552"/>
+            <a:ext cx="1541264" cy="634701"/>
+          </a:xfrm>
+          <a:prstGeom prst="roundRect">
+            <a:avLst/>
+          </a:prstGeom>
+        </p:spPr>
+        <p:style>
+          <a:lnRef idx="2">
+            <a:schemeClr val="accent1">
+              <a:shade val="50000"/>
+            </a:schemeClr>
+          </a:lnRef>
+          <a:fillRef idx="1">
+            <a:schemeClr val="accent1"/>
+          </a:fillRef>
+          <a:effectRef idx="0">
+            <a:schemeClr val="accent1"/>
+          </a:effectRef>
+          <a:fontRef idx="minor">
+            <a:schemeClr val="lt1"/>
+          </a:fontRef>
+        </p:style>
+        <p:txBody>
+          <a:bodyPr rtlCol="0" anchor="ctr"/>
+          <a:lstStyle/>
+          <a:p>
+            <a:pPr algn="ctr"/>
+            <a:r>
+              <a:rPr kumimoji="1" lang="en-US" altLang="zh-CN" dirty="0"/>
+              <a:t>8</a:t>
+            </a:r>
+            <a:r>
+              <a:rPr kumimoji="1" lang="zh-CN" altLang="en-US" dirty="0"/>
+              <a:t> 右护法</a:t>
+            </a:r>
+            <a:endParaRPr kumimoji="1" lang="en-US" altLang="zh-CN" dirty="0"/>
+          </a:p>
+          <a:p>
+            <a:pPr algn="ctr"/>
+            <a:r>
+              <a:rPr kumimoji="1" lang="en-US" altLang="zh-CN" dirty="0"/>
+              <a:t>500w</a:t>
+            </a:r>
+          </a:p>
+        </p:txBody>
+      </p:sp>
+      <p:cxnSp>
+        <p:nvCxnSpPr>
+          <p:cNvPr id="48" name="曲线连接符 47">
+            <a:extLst>
+              <a:ext uri="{FF2B5EF4-FFF2-40B4-BE49-F238E27FC236}">
+                <a16:creationId xmlns:a16="http://schemas.microsoft.com/office/drawing/2014/main" id="{B0B1215D-C395-F44E-928F-35A709952449}"/>
+              </a:ext>
+            </a:extLst>
+          </p:cNvPr>
+          <p:cNvCxnSpPr>
+            <a:cxnSpLocks/>
+            <a:stCxn id="19" idx="1"/>
+            <a:endCxn id="29" idx="2"/>
+          </p:cNvCxnSpPr>
+          <p:nvPr/>
+        </p:nvCxnSpPr>
+        <p:spPr>
+          <a:xfrm rot="10800000">
+            <a:off x="1450829" y="1500253"/>
+            <a:ext cx="1446732" cy="979468"/>
+          </a:xfrm>
+          <a:prstGeom prst="curvedConnector2">
+            <a:avLst/>
+          </a:prstGeom>
+          <a:ln>
+            <a:tailEnd type="triangle"/>
+          </a:ln>
+        </p:spPr>
+        <p:style>
+          <a:lnRef idx="1">
+            <a:schemeClr val="accent1"/>
+          </a:lnRef>
+          <a:fillRef idx="0">
+            <a:schemeClr val="accent1"/>
+          </a:fillRef>
+          <a:effectRef idx="0">
+            <a:schemeClr val="accent1"/>
+          </a:effectRef>
+          <a:fontRef idx="minor">
+            <a:schemeClr val="tx1"/>
+          </a:fontRef>
+        </p:style>
+      </p:cxnSp>
+      <p:sp>
+        <p:nvSpPr>
+          <p:cNvPr id="59" name="文本框 58">
+            <a:extLst>
+              <a:ext uri="{FF2B5EF4-FFF2-40B4-BE49-F238E27FC236}">
+                <a16:creationId xmlns:a16="http://schemas.microsoft.com/office/drawing/2014/main" id="{C94BBED9-BD92-C044-A29D-A12D94185CF5}"/>
+              </a:ext>
+            </a:extLst>
+          </p:cNvPr>
+          <p:cNvSpPr txBox="1"/>
+          <p:nvPr/>
+        </p:nvSpPr>
+        <p:spPr>
+          <a:xfrm>
+            <a:off x="6211715" y="3318528"/>
+            <a:ext cx="479618" cy="369332"/>
+          </a:xfrm>
+          <a:prstGeom prst="rect">
+            <a:avLst/>
+          </a:prstGeom>
+          <a:noFill/>
+        </p:spPr>
+        <p:txBody>
+          <a:bodyPr wrap="none" rtlCol="0">
+            <a:spAutoFit/>
+          </a:bodyPr>
+          <a:lstStyle/>
+          <a:p>
+            <a:r>
+              <a:rPr kumimoji="1" lang="en-US" altLang="zh-CN" dirty="0"/>
+              <a:t>0.5</a:t>
+            </a:r>
+            <a:endParaRPr kumimoji="1" lang="zh-CN" altLang="en-US" dirty="0"/>
+          </a:p>
+        </p:txBody>
+      </p:sp>
+      <p:sp>
+        <p:nvSpPr>
+          <p:cNvPr id="66" name="文本框 65">
+            <a:extLst>
+              <a:ext uri="{FF2B5EF4-FFF2-40B4-BE49-F238E27FC236}">
+                <a16:creationId xmlns:a16="http://schemas.microsoft.com/office/drawing/2014/main" id="{AE65E885-42E1-984C-8B64-89AE9044D0F8}"/>
+              </a:ext>
+            </a:extLst>
+          </p:cNvPr>
+          <p:cNvSpPr txBox="1"/>
+          <p:nvPr/>
+        </p:nvSpPr>
+        <p:spPr>
+          <a:xfrm>
+            <a:off x="1502719" y="1522778"/>
+            <a:ext cx="306494" cy="369332"/>
+          </a:xfrm>
+          <a:prstGeom prst="rect">
+            <a:avLst/>
+          </a:prstGeom>
+          <a:noFill/>
+        </p:spPr>
+        <p:txBody>
+          <a:bodyPr wrap="none" rtlCol="0">
+            <a:spAutoFit/>
+          </a:bodyPr>
+          <a:lstStyle/>
+          <a:p>
+            <a:r>
+              <a:rPr kumimoji="1" lang="en-US" altLang="zh-CN" dirty="0"/>
+              <a:t>1</a:t>
+            </a:r>
+            <a:endParaRPr kumimoji="1" lang="zh-CN" altLang="en-US" dirty="0"/>
+          </a:p>
+        </p:txBody>
+      </p:sp>
+      <p:sp>
+        <p:nvSpPr>
+          <p:cNvPr id="47" name="圆角矩形 46">
+            <a:extLst>
+              <a:ext uri="{FF2B5EF4-FFF2-40B4-BE49-F238E27FC236}">
+                <a16:creationId xmlns:a16="http://schemas.microsoft.com/office/drawing/2014/main" id="{D6E52DBF-A443-2D4D-A7A7-2CC7008812F5}"/>
+              </a:ext>
+            </a:extLst>
+          </p:cNvPr>
+          <p:cNvSpPr/>
+          <p:nvPr/>
+        </p:nvSpPr>
+        <p:spPr>
+          <a:xfrm>
+            <a:off x="5639940" y="1263822"/>
+            <a:ext cx="1367119" cy="634701"/>
+          </a:xfrm>
+          <a:prstGeom prst="roundRect">
+            <a:avLst/>
+          </a:prstGeom>
+        </p:spPr>
+        <p:style>
+          <a:lnRef idx="2">
+            <a:schemeClr val="accent1">
+              <a:shade val="50000"/>
+            </a:schemeClr>
+          </a:lnRef>
+          <a:fillRef idx="1">
+            <a:schemeClr val="accent1"/>
+          </a:fillRef>
+          <a:effectRef idx="0">
+            <a:schemeClr val="accent1"/>
+          </a:effectRef>
+          <a:fontRef idx="minor">
+            <a:schemeClr val="lt1"/>
+          </a:fontRef>
+        </p:style>
+        <p:txBody>
+          <a:bodyPr rtlCol="0" anchor="ctr"/>
+          <a:lstStyle/>
+          <a:p>
+            <a:pPr algn="ctr"/>
+            <a:r>
+              <a:rPr kumimoji="1" lang="en-US" altLang="zh-CN" dirty="0"/>
+              <a:t>7</a:t>
+            </a:r>
+            <a:r>
+              <a:rPr kumimoji="1" lang="zh-CN" altLang="en-US" dirty="0"/>
+              <a:t> 左护法</a:t>
+            </a:r>
+            <a:endParaRPr kumimoji="1" lang="en-US" altLang="zh-CN" dirty="0"/>
+          </a:p>
+          <a:p>
+            <a:pPr algn="ctr"/>
+            <a:r>
+              <a:rPr kumimoji="1" lang="en-US" altLang="zh-CN" dirty="0"/>
+              <a:t>500w</a:t>
+            </a:r>
+            <a:endParaRPr kumimoji="1" lang="zh-CN" altLang="en-US" dirty="0"/>
+          </a:p>
+        </p:txBody>
+      </p:sp>
+      <p:cxnSp>
+        <p:nvCxnSpPr>
+          <p:cNvPr id="49" name="曲线连接符 48">
+            <a:extLst>
+              <a:ext uri="{FF2B5EF4-FFF2-40B4-BE49-F238E27FC236}">
+                <a16:creationId xmlns:a16="http://schemas.microsoft.com/office/drawing/2014/main" id="{57E2D82B-86D8-164D-BD2B-926A01E9B8A4}"/>
+              </a:ext>
+            </a:extLst>
+          </p:cNvPr>
+          <p:cNvCxnSpPr>
+            <a:cxnSpLocks/>
+            <a:endCxn id="19" idx="3"/>
+          </p:cNvCxnSpPr>
+          <p:nvPr/>
+        </p:nvCxnSpPr>
+        <p:spPr>
+          <a:xfrm rot="10800000" flipV="1">
+            <a:off x="4438825" y="1589317"/>
+            <a:ext cx="1919598" cy="890404"/>
+          </a:xfrm>
+          <a:prstGeom prst="curvedConnector3">
+            <a:avLst>
+              <a:gd name="adj1" fmla="val 50000"/>
+            </a:avLst>
+          </a:prstGeom>
+          <a:ln>
+            <a:tailEnd type="triangle"/>
+          </a:ln>
+        </p:spPr>
+        <p:style>
+          <a:lnRef idx="1">
+            <a:schemeClr val="accent1"/>
+          </a:lnRef>
+          <a:fillRef idx="0">
+            <a:schemeClr val="accent1"/>
+          </a:fillRef>
+          <a:effectRef idx="0">
+            <a:schemeClr val="accent1"/>
+          </a:effectRef>
+          <a:fontRef idx="minor">
+            <a:schemeClr val="tx1"/>
+          </a:fontRef>
+        </p:style>
+      </p:cxnSp>
+      <p:sp>
+        <p:nvSpPr>
+          <p:cNvPr id="50" name="文本框 49">
+            <a:extLst>
+              <a:ext uri="{FF2B5EF4-FFF2-40B4-BE49-F238E27FC236}">
+                <a16:creationId xmlns:a16="http://schemas.microsoft.com/office/drawing/2014/main" id="{C8CAE788-2E32-934A-966C-7E5921EE1607}"/>
+              </a:ext>
+            </a:extLst>
+          </p:cNvPr>
+          <p:cNvSpPr txBox="1"/>
+          <p:nvPr/>
+        </p:nvSpPr>
+        <p:spPr>
+          <a:xfrm>
+            <a:off x="5346362" y="2083470"/>
+            <a:ext cx="479618" cy="369332"/>
+          </a:xfrm>
+          <a:prstGeom prst="rect">
+            <a:avLst/>
+          </a:prstGeom>
+          <a:noFill/>
+        </p:spPr>
+        <p:txBody>
+          <a:bodyPr wrap="square" rtlCol="0">
+            <a:spAutoFit/>
+          </a:bodyPr>
+          <a:lstStyle/>
+          <a:p>
+            <a:r>
+              <a:rPr kumimoji="1" lang="en-US" altLang="zh-CN" dirty="0"/>
+              <a:t>0.5</a:t>
+            </a:r>
+            <a:endParaRPr kumimoji="1" lang="zh-CN" altLang="en-US" dirty="0"/>
+          </a:p>
+        </p:txBody>
+      </p:sp>
+      <p:sp>
+        <p:nvSpPr>
+          <p:cNvPr id="51" name="文本框 50">
+            <a:extLst>
+              <a:ext uri="{FF2B5EF4-FFF2-40B4-BE49-F238E27FC236}">
+                <a16:creationId xmlns:a16="http://schemas.microsoft.com/office/drawing/2014/main" id="{62F8232C-9EA9-4B47-89C0-FF6BF1804BF6}"/>
+              </a:ext>
+            </a:extLst>
+          </p:cNvPr>
+          <p:cNvSpPr txBox="1"/>
+          <p:nvPr/>
+        </p:nvSpPr>
+        <p:spPr>
+          <a:xfrm>
+            <a:off x="7107866" y="1480357"/>
+            <a:ext cx="1136850" cy="369332"/>
+          </a:xfrm>
+          <a:prstGeom prst="rect">
+            <a:avLst/>
+          </a:prstGeom>
+          <a:noFill/>
+        </p:spPr>
+        <p:txBody>
+          <a:bodyPr wrap="square" rtlCol="0">
+            <a:spAutoFit/>
+          </a:bodyPr>
+          <a:lstStyle/>
+          <a:p>
+            <a:r>
+              <a:rPr kumimoji="1" lang="en-US" altLang="zh-CN" dirty="0" err="1"/>
+              <a:t>tailFact</a:t>
+            </a:r>
+            <a:r>
+              <a:rPr kumimoji="1" lang="en-US" altLang="zh-CN" dirty="0"/>
+              <a:t>(7)</a:t>
+            </a:r>
+            <a:endParaRPr kumimoji="1" lang="zh-CN" altLang="en-US" dirty="0"/>
+          </a:p>
+        </p:txBody>
+      </p:sp>
+      <p:sp>
+        <p:nvSpPr>
+          <p:cNvPr id="10" name="矩形 9">
+            <a:extLst>
+              <a:ext uri="{FF2B5EF4-FFF2-40B4-BE49-F238E27FC236}">
+                <a16:creationId xmlns:a16="http://schemas.microsoft.com/office/drawing/2014/main" id="{BD0EC7F1-ED8F-064A-B44E-7AC0CACC9FC0}"/>
+              </a:ext>
+            </a:extLst>
+          </p:cNvPr>
+          <p:cNvSpPr/>
+          <p:nvPr/>
+        </p:nvSpPr>
+        <p:spPr>
+          <a:xfrm>
+            <a:off x="1809213" y="2053940"/>
+            <a:ext cx="3340856" cy="2324339"/>
+          </a:xfrm>
+          <a:prstGeom prst="rect">
+            <a:avLst/>
+          </a:prstGeom>
+          <a:noFill/>
+          <a:ln w="25400">
+            <a:solidFill>
+              <a:srgbClr val="FFC000"/>
+            </a:solidFill>
+            <a:prstDash val="lgDash"/>
+          </a:ln>
+        </p:spPr>
+        <p:style>
+          <a:lnRef idx="2">
+            <a:schemeClr val="accent1">
+              <a:shade val="50000"/>
+            </a:schemeClr>
+          </a:lnRef>
+          <a:fillRef idx="1">
+            <a:schemeClr val="accent1"/>
+          </a:fillRef>
+          <a:effectRef idx="0">
+            <a:schemeClr val="accent1"/>
+          </a:effectRef>
+          <a:fontRef idx="minor">
+            <a:schemeClr val="lt1"/>
+          </a:fontRef>
+        </p:style>
+        <p:txBody>
+          <a:bodyPr rtlCol="0" anchor="ctr"/>
+          <a:lstStyle/>
+          <a:p>
+            <a:pPr algn="ctr"/>
+            <a:endParaRPr kumimoji="1" lang="zh-CN" altLang="en-US" dirty="0"/>
+          </a:p>
+        </p:txBody>
+      </p:sp>
+      <p:sp>
+        <p:nvSpPr>
+          <p:cNvPr id="6" name="矩形 5">
+            <a:extLst>
+              <a:ext uri="{FF2B5EF4-FFF2-40B4-BE49-F238E27FC236}">
+                <a16:creationId xmlns:a16="http://schemas.microsoft.com/office/drawing/2014/main" id="{D2D22241-5542-6D4D-A284-4A361CAB67A8}"/>
+              </a:ext>
+            </a:extLst>
+          </p:cNvPr>
+          <p:cNvSpPr/>
+          <p:nvPr/>
+        </p:nvSpPr>
+        <p:spPr>
+          <a:xfrm>
+            <a:off x="7726011" y="4609607"/>
+            <a:ext cx="3892556" cy="1615827"/>
+          </a:xfrm>
+          <a:prstGeom prst="rect">
+            <a:avLst/>
+          </a:prstGeom>
+        </p:spPr>
+        <p:txBody>
+          <a:bodyPr wrap="square">
+            <a:spAutoFit/>
+          </a:bodyPr>
+          <a:lstStyle/>
+          <a:p>
+            <a:r>
+              <a:rPr lang="en" altLang="zh-CN" sz="1100" dirty="0"/>
+              <a:t>Map(</a:t>
+            </a:r>
+          </a:p>
+          <a:p>
+            <a:r>
+              <a:rPr lang="en" altLang="zh-CN" sz="1100" dirty="0"/>
+              <a:t>5 -&gt; </a:t>
+            </a:r>
+            <a:r>
+              <a:rPr lang="en" altLang="zh-CN" sz="1100" dirty="0" err="1"/>
+              <a:t>simpleInvestmentInfo</a:t>
+            </a:r>
+            <a:r>
+              <a:rPr lang="en" altLang="zh-CN" sz="1100" dirty="0"/>
+              <a:t>(5 </a:t>
+            </a:r>
+            <a:r>
+              <a:rPr lang="zh-CN" altLang="en-US" sz="1100" dirty="0"/>
+              <a:t>左护法</a:t>
+            </a:r>
+            <a:r>
+              <a:rPr lang="en-US" altLang="zh-CN" sz="1100" dirty="0"/>
+              <a:t>,0.062500,2,6), </a:t>
+            </a:r>
+          </a:p>
+          <a:p>
+            <a:r>
+              <a:rPr lang="en-US" altLang="zh-CN" sz="1100" dirty="0"/>
+              <a:t>10 -&gt; </a:t>
+            </a:r>
+            <a:r>
+              <a:rPr lang="en" altLang="zh-CN" sz="1100" dirty="0" err="1"/>
+              <a:t>simpleInvestmentInfo</a:t>
+            </a:r>
+            <a:r>
+              <a:rPr lang="en" altLang="zh-CN" sz="1100" dirty="0"/>
+              <a:t>(10 </a:t>
+            </a:r>
+            <a:r>
+              <a:rPr lang="zh-CN" altLang="en-US" sz="1100" dirty="0"/>
+              <a:t>右护法</a:t>
+            </a:r>
+            <a:r>
+              <a:rPr lang="en-US" altLang="zh-CN" sz="1100" dirty="0"/>
+              <a:t>,0.125000,2,4), </a:t>
+            </a:r>
+          </a:p>
+          <a:p>
+            <a:r>
+              <a:rPr lang="en-US" altLang="zh-CN" sz="1100" dirty="0"/>
+              <a:t>6 -&gt; </a:t>
+            </a:r>
+            <a:r>
+              <a:rPr lang="en" altLang="zh-CN" sz="1100" dirty="0" err="1"/>
+              <a:t>simpleInvestmentInfo</a:t>
+            </a:r>
+            <a:r>
+              <a:rPr lang="en" altLang="zh-CN" sz="1100" dirty="0"/>
+              <a:t>(6 </a:t>
+            </a:r>
+            <a:r>
+              <a:rPr lang="zh-CN" altLang="en-US" sz="1100" dirty="0"/>
+              <a:t>左护法</a:t>
+            </a:r>
+            <a:r>
+              <a:rPr lang="en-US" altLang="zh-CN" sz="1100" dirty="0"/>
+              <a:t>,0.062500,2,7),</a:t>
+            </a:r>
+          </a:p>
+          <a:p>
+            <a:r>
+              <a:rPr lang="en-US" altLang="zh-CN" sz="1100" dirty="0"/>
+              <a:t>9 -&gt; </a:t>
+            </a:r>
+            <a:r>
+              <a:rPr lang="en" altLang="zh-CN" sz="1100" dirty="0" err="1"/>
+              <a:t>simpleInvestmentInfo</a:t>
+            </a:r>
+            <a:r>
+              <a:rPr lang="en" altLang="zh-CN" sz="1100" dirty="0"/>
+              <a:t>(9 </a:t>
+            </a:r>
+            <a:r>
+              <a:rPr lang="zh-CN" altLang="en-US" sz="1100" dirty="0"/>
+              <a:t>右护法</a:t>
+            </a:r>
+            <a:r>
+              <a:rPr lang="en-US" altLang="zh-CN" sz="1100" dirty="0"/>
+              <a:t>,0.125000,2,3), </a:t>
+            </a:r>
+          </a:p>
+          <a:p>
+            <a:r>
+              <a:rPr lang="en-US" altLang="zh-CN" sz="1100" dirty="0"/>
+              <a:t>7 -&gt; </a:t>
+            </a:r>
+            <a:r>
+              <a:rPr lang="en" altLang="zh-CN" sz="1100" dirty="0" err="1"/>
+              <a:t>simpleInvestmentInfo</a:t>
+            </a:r>
+            <a:r>
+              <a:rPr lang="en" altLang="zh-CN" sz="1100" dirty="0"/>
+              <a:t>(7 </a:t>
+            </a:r>
+            <a:r>
+              <a:rPr lang="zh-CN" altLang="en-US" sz="1100" dirty="0"/>
+              <a:t>左护法</a:t>
+            </a:r>
+            <a:r>
+              <a:rPr lang="en-US" altLang="zh-CN" sz="1100" dirty="0"/>
+              <a:t>,0.062500,2,8), </a:t>
+            </a:r>
+          </a:p>
+          <a:p>
+            <a:r>
+              <a:rPr lang="en-US" altLang="zh-CN" sz="1100" dirty="0"/>
+              <a:t>3 -&gt; </a:t>
+            </a:r>
+            <a:r>
+              <a:rPr lang="en" altLang="zh-CN" sz="1100" dirty="0" err="1"/>
+              <a:t>simpleInvestmentInfo</a:t>
+            </a:r>
+            <a:r>
+              <a:rPr lang="en" altLang="zh-CN" sz="1100" dirty="0"/>
+              <a:t>(3 </a:t>
+            </a:r>
+            <a:r>
+              <a:rPr lang="zh-CN" altLang="en-US" sz="1100" dirty="0"/>
+              <a:t>左护法</a:t>
+            </a:r>
+            <a:r>
+              <a:rPr lang="en-US" altLang="zh-CN" sz="1100" dirty="0"/>
+              <a:t>,0.062500,2,5), </a:t>
+            </a:r>
+          </a:p>
+          <a:p>
+            <a:r>
+              <a:rPr lang="en-US" altLang="zh-CN" sz="1100" dirty="0"/>
+              <a:t>8 -&gt; </a:t>
+            </a:r>
+            <a:r>
+              <a:rPr lang="en" altLang="zh-CN" sz="1100" dirty="0" err="1"/>
+              <a:t>simpleInvestmentInfo</a:t>
+            </a:r>
+            <a:r>
+              <a:rPr lang="en" altLang="zh-CN" sz="1100" dirty="0"/>
+              <a:t>(8 </a:t>
+            </a:r>
+            <a:r>
+              <a:rPr lang="zh-CN" altLang="en-US" sz="1100" dirty="0"/>
+              <a:t>右护法</a:t>
+            </a:r>
+            <a:r>
+              <a:rPr lang="en-US" altLang="zh-CN" sz="1100" dirty="0"/>
+              <a:t>,0.031250,2,10), </a:t>
+            </a:r>
+          </a:p>
+          <a:p>
+            <a:r>
+              <a:rPr lang="en-US" altLang="zh-CN" sz="1100" dirty="0"/>
+              <a:t>4 -&gt; </a:t>
+            </a:r>
+            <a:r>
+              <a:rPr lang="en" altLang="zh-CN" sz="1100" dirty="0" err="1"/>
+              <a:t>simpleInvestmentInfo</a:t>
+            </a:r>
+            <a:r>
+              <a:rPr lang="en" altLang="zh-CN" sz="1100" dirty="0"/>
+              <a:t>(4 </a:t>
+            </a:r>
+            <a:r>
+              <a:rPr lang="zh-CN" altLang="en-US" sz="1100" dirty="0"/>
+              <a:t>右护法</a:t>
+            </a:r>
+            <a:r>
+              <a:rPr lang="en-US" altLang="zh-CN" sz="1100" dirty="0"/>
+              <a:t>,0.031250,2,9))))</a:t>
+            </a:r>
+          </a:p>
+        </p:txBody>
+      </p:sp>
+      <p:sp>
+        <p:nvSpPr>
+          <p:cNvPr id="7" name="矩形 6">
+            <a:extLst>
+              <a:ext uri="{FF2B5EF4-FFF2-40B4-BE49-F238E27FC236}">
+                <a16:creationId xmlns:a16="http://schemas.microsoft.com/office/drawing/2014/main" id="{2B98B566-1779-9843-87A8-067FFB414521}"/>
+              </a:ext>
+            </a:extLst>
+          </p:cNvPr>
+          <p:cNvSpPr/>
+          <p:nvPr/>
+        </p:nvSpPr>
+        <p:spPr>
+          <a:xfrm>
+            <a:off x="1813298" y="2647355"/>
+            <a:ext cx="3336771" cy="1277273"/>
+          </a:xfrm>
+          <a:prstGeom prst="rect">
+            <a:avLst/>
+          </a:prstGeom>
+        </p:spPr>
+        <p:txBody>
+          <a:bodyPr wrap="square">
+            <a:spAutoFit/>
+          </a:bodyPr>
+          <a:lstStyle/>
+          <a:p>
+            <a:r>
+              <a:rPr lang="en" altLang="zh-CN" sz="1100" dirty="0"/>
+              <a:t>Map(</a:t>
+            </a:r>
+          </a:p>
+          <a:p>
+            <a:r>
+              <a:rPr lang="en" altLang="zh-CN" sz="1100" dirty="0"/>
+              <a:t>8 -&gt; </a:t>
+            </a:r>
+            <a:r>
+              <a:rPr lang="en" altLang="zh-CN" sz="1100" dirty="0" err="1"/>
+              <a:t>simpleInvestmentInfo</a:t>
+            </a:r>
+            <a:r>
+              <a:rPr lang="en" altLang="zh-CN" sz="1100" dirty="0"/>
+              <a:t>(8 </a:t>
+            </a:r>
+            <a:r>
+              <a:rPr lang="zh-CN" altLang="en-US" sz="1100" dirty="0"/>
+              <a:t>右护法</a:t>
+            </a:r>
+            <a:r>
+              <a:rPr lang="en-US" altLang="zh-CN" sz="1100" dirty="0"/>
+              <a:t>,1.000000,4,1,</a:t>
+            </a:r>
+            <a:r>
+              <a:rPr lang="en" altLang="zh-CN" sz="1100" dirty="0"/>
+              <a:t>false), </a:t>
+            </a:r>
+          </a:p>
+          <a:p>
+            <a:r>
+              <a:rPr lang="en" altLang="zh-CN" sz="1100" dirty="0"/>
+              <a:t>9 -&gt; </a:t>
+            </a:r>
+            <a:r>
+              <a:rPr lang="en" altLang="zh-CN" sz="1100" dirty="0" err="1"/>
+              <a:t>simpleInvestmentInfo</a:t>
+            </a:r>
+            <a:r>
+              <a:rPr lang="en" altLang="zh-CN" sz="1100" dirty="0"/>
+              <a:t>(9 </a:t>
+            </a:r>
+            <a:r>
+              <a:rPr lang="zh-CN" altLang="en-US" sz="1100" dirty="0"/>
+              <a:t>右护法</a:t>
+            </a:r>
+            <a:r>
+              <a:rPr lang="en-US" altLang="zh-CN" sz="1100" dirty="0"/>
+              <a:t>,1.000000,4,2,</a:t>
+            </a:r>
+            <a:r>
+              <a:rPr lang="en" altLang="zh-CN" sz="1100" dirty="0"/>
+              <a:t>false)),</a:t>
+            </a:r>
+          </a:p>
+          <a:p>
+            <a:r>
+              <a:rPr lang="en" altLang="zh-CN" sz="1100" dirty="0"/>
+              <a:t>Map(8 -&gt; </a:t>
+            </a:r>
+            <a:r>
+              <a:rPr lang="en" altLang="zh-CN" sz="1100" dirty="0" err="1"/>
+              <a:t>simpleInvestmentInfo</a:t>
+            </a:r>
+            <a:r>
+              <a:rPr lang="en" altLang="zh-CN" sz="1100" dirty="0"/>
+              <a:t>(8 </a:t>
+            </a:r>
+            <a:r>
+              <a:rPr lang="zh-CN" altLang="en-US" sz="1100" dirty="0"/>
+              <a:t>右护法</a:t>
+            </a:r>
+            <a:r>
+              <a:rPr lang="en-US" altLang="zh-CN" sz="1100" dirty="0"/>
+              <a:t>,1.000000,4,1,</a:t>
+            </a:r>
+            <a:r>
+              <a:rPr lang="en" altLang="zh-CN" sz="1100" dirty="0"/>
+              <a:t>false))))</a:t>
+            </a:r>
+          </a:p>
+        </p:txBody>
+      </p:sp>
+      <p:sp>
+        <p:nvSpPr>
+          <p:cNvPr id="25" name="矩形 24">
+            <a:extLst>
+              <a:ext uri="{FF2B5EF4-FFF2-40B4-BE49-F238E27FC236}">
+                <a16:creationId xmlns:a16="http://schemas.microsoft.com/office/drawing/2014/main" id="{4C78A096-4890-C54C-9F81-A7A292258A17}"/>
+              </a:ext>
+            </a:extLst>
+          </p:cNvPr>
+          <p:cNvSpPr/>
+          <p:nvPr/>
+        </p:nvSpPr>
+        <p:spPr>
+          <a:xfrm>
+            <a:off x="7722611" y="3490369"/>
+            <a:ext cx="3340856" cy="2847370"/>
+          </a:xfrm>
+          <a:prstGeom prst="rect">
+            <a:avLst/>
+          </a:prstGeom>
+          <a:noFill/>
+          <a:ln w="25400">
+            <a:solidFill>
+              <a:srgbClr val="FFC000"/>
+            </a:solidFill>
+            <a:prstDash val="lgDash"/>
+          </a:ln>
+        </p:spPr>
+        <p:style>
+          <a:lnRef idx="2">
+            <a:schemeClr val="accent1">
+              <a:shade val="50000"/>
+            </a:schemeClr>
+          </a:lnRef>
+          <a:fillRef idx="1">
+            <a:schemeClr val="accent1"/>
+          </a:fillRef>
+          <a:effectRef idx="0">
+            <a:schemeClr val="accent1"/>
+          </a:effectRef>
+          <a:fontRef idx="minor">
+            <a:schemeClr val="lt1"/>
+          </a:fontRef>
+        </p:style>
+        <p:txBody>
+          <a:bodyPr rtlCol="0" anchor="ctr"/>
+          <a:lstStyle/>
+          <a:p>
+            <a:pPr algn="ctr"/>
+            <a:endParaRPr kumimoji="1" lang="zh-CN" altLang="en-US" dirty="0"/>
+          </a:p>
+        </p:txBody>
+      </p:sp>
+      <p:cxnSp>
+        <p:nvCxnSpPr>
+          <p:cNvPr id="13" name="曲线连接符 12">
+            <a:extLst>
+              <a:ext uri="{FF2B5EF4-FFF2-40B4-BE49-F238E27FC236}">
+                <a16:creationId xmlns:a16="http://schemas.microsoft.com/office/drawing/2014/main" id="{3414BBBB-C049-2240-B059-FD217DF269DA}"/>
+              </a:ext>
+            </a:extLst>
+          </p:cNvPr>
+          <p:cNvCxnSpPr>
+            <a:cxnSpLocks/>
+            <a:stCxn id="15" idx="0"/>
+            <a:endCxn id="7" idx="2"/>
+          </p:cNvCxnSpPr>
+          <p:nvPr/>
+        </p:nvCxnSpPr>
+        <p:spPr>
+          <a:xfrm rot="5400000" flipH="1" flipV="1">
+            <a:off x="2627652" y="4009232"/>
+            <a:ext cx="938636" cy="769428"/>
+          </a:xfrm>
+          <a:prstGeom prst="curvedConnector3">
+            <a:avLst>
+              <a:gd name="adj1" fmla="val 50000"/>
+            </a:avLst>
+          </a:prstGeom>
+          <a:ln>
+            <a:solidFill>
+              <a:srgbClr val="FF0000"/>
+            </a:solidFill>
+            <a:tailEnd type="triangle"/>
+          </a:ln>
+        </p:spPr>
+        <p:style>
+          <a:lnRef idx="1">
+            <a:schemeClr val="accent1"/>
+          </a:lnRef>
+          <a:fillRef idx="0">
+            <a:schemeClr val="accent1"/>
+          </a:fillRef>
+          <a:effectRef idx="0">
+            <a:schemeClr val="accent1"/>
+          </a:effectRef>
+          <a:fontRef idx="minor">
+            <a:schemeClr val="tx1"/>
+          </a:fontRef>
+        </p:style>
+      </p:cxnSp>
+      <p:sp>
+        <p:nvSpPr>
+          <p:cNvPr id="15" name="文本框 14">
+            <a:extLst>
+              <a:ext uri="{FF2B5EF4-FFF2-40B4-BE49-F238E27FC236}">
+                <a16:creationId xmlns:a16="http://schemas.microsoft.com/office/drawing/2014/main" id="{8145A0E5-2488-2D4F-8BDA-010AE7D59C76}"/>
+              </a:ext>
+            </a:extLst>
+          </p:cNvPr>
+          <p:cNvSpPr txBox="1"/>
+          <p:nvPr/>
+        </p:nvSpPr>
+        <p:spPr>
+          <a:xfrm>
+            <a:off x="1655966" y="4863264"/>
+            <a:ext cx="2112580" cy="1600438"/>
+          </a:xfrm>
+          <a:prstGeom prst="rect">
+            <a:avLst/>
+          </a:prstGeom>
+          <a:noFill/>
+        </p:spPr>
+        <p:txBody>
+          <a:bodyPr wrap="square" rtlCol="0">
+            <a:spAutoFit/>
+          </a:bodyPr>
+          <a:lstStyle/>
+          <a:p>
+            <a:r>
+              <a:rPr kumimoji="1" lang="zh-CN" altLang="en-US" sz="1400" dirty="0"/>
+              <a:t>到这里就是信息轮回，上一轮的</a:t>
+            </a:r>
+            <a:r>
+              <a:rPr kumimoji="1" lang="en-US" altLang="zh-CN" sz="1400" dirty="0"/>
+              <a:t>0.25</a:t>
+            </a:r>
+            <a:r>
+              <a:rPr kumimoji="1" lang="zh-CN" altLang="en-US" sz="1400" dirty="0"/>
+              <a:t>*</a:t>
+            </a:r>
+            <a:r>
+              <a:rPr kumimoji="1" lang="en-US" altLang="zh-CN" sz="1400" dirty="0"/>
+              <a:t>0.25</a:t>
+            </a:r>
+            <a:r>
+              <a:rPr kumimoji="1" lang="zh-CN" altLang="en-US" sz="1400" dirty="0"/>
+              <a:t>直接过了一整轮，到了</a:t>
+            </a:r>
+            <a:r>
+              <a:rPr kumimoji="1" lang="en-US" altLang="zh-CN" sz="1400" dirty="0"/>
+              <a:t>0.0625</a:t>
+            </a:r>
+            <a:r>
+              <a:rPr kumimoji="1" lang="zh-CN" altLang="en-US" sz="1400" dirty="0"/>
+              <a:t>。</a:t>
+            </a:r>
+            <a:endParaRPr kumimoji="1" lang="en-US" altLang="zh-CN" sz="1400" dirty="0"/>
+          </a:p>
+          <a:p>
+            <a:endParaRPr kumimoji="1" lang="en-US" altLang="zh-CN" sz="1400" dirty="0"/>
+          </a:p>
+          <a:p>
+            <a:r>
+              <a:rPr kumimoji="1" lang="zh-CN" altLang="en-US" sz="1400" dirty="0"/>
+              <a:t>这里的问题就是出现了自己指向自己。</a:t>
+            </a:r>
+          </a:p>
+        </p:txBody>
+      </p:sp>
+      <p:cxnSp>
+        <p:nvCxnSpPr>
+          <p:cNvPr id="26" name="曲线连接符 25">
+            <a:extLst>
+              <a:ext uri="{FF2B5EF4-FFF2-40B4-BE49-F238E27FC236}">
+                <a16:creationId xmlns:a16="http://schemas.microsoft.com/office/drawing/2014/main" id="{F9DCCBD7-3864-2345-A741-6D299D5DECA5}"/>
+              </a:ext>
+            </a:extLst>
+          </p:cNvPr>
+          <p:cNvCxnSpPr>
+            <a:cxnSpLocks/>
+            <a:stCxn id="28" idx="3"/>
+          </p:cNvCxnSpPr>
+          <p:nvPr/>
+        </p:nvCxnSpPr>
+        <p:spPr>
+          <a:xfrm>
+            <a:off x="6656166" y="5332568"/>
+            <a:ext cx="1150378" cy="713882"/>
+          </a:xfrm>
+          <a:prstGeom prst="curvedConnector3">
+            <a:avLst>
+              <a:gd name="adj1" fmla="val 50000"/>
+            </a:avLst>
+          </a:prstGeom>
+          <a:ln>
+            <a:solidFill>
+              <a:srgbClr val="FF0000"/>
+            </a:solidFill>
+            <a:tailEnd type="triangle"/>
+          </a:ln>
+        </p:spPr>
+        <p:style>
+          <a:lnRef idx="1">
+            <a:schemeClr val="accent1"/>
+          </a:lnRef>
+          <a:fillRef idx="0">
+            <a:schemeClr val="accent1"/>
+          </a:fillRef>
+          <a:effectRef idx="0">
+            <a:schemeClr val="accent1"/>
+          </a:effectRef>
+          <a:fontRef idx="minor">
+            <a:schemeClr val="tx1"/>
+          </a:fontRef>
+        </p:style>
+      </p:cxnSp>
+      <p:sp>
+        <p:nvSpPr>
+          <p:cNvPr id="28" name="文本框 27">
+            <a:extLst>
+              <a:ext uri="{FF2B5EF4-FFF2-40B4-BE49-F238E27FC236}">
+                <a16:creationId xmlns:a16="http://schemas.microsoft.com/office/drawing/2014/main" id="{5C3277F6-3D8A-BA4D-9EA7-8A8FA2458DCF}"/>
+              </a:ext>
+            </a:extLst>
+          </p:cNvPr>
+          <p:cNvSpPr txBox="1"/>
+          <p:nvPr/>
+        </p:nvSpPr>
+        <p:spPr>
+          <a:xfrm>
+            <a:off x="4175752" y="5070958"/>
+            <a:ext cx="2480414" cy="523220"/>
+          </a:xfrm>
+          <a:prstGeom prst="rect">
+            <a:avLst/>
+          </a:prstGeom>
+          <a:noFill/>
+        </p:spPr>
+        <p:txBody>
+          <a:bodyPr wrap="square" rtlCol="0">
+            <a:spAutoFit/>
+          </a:bodyPr>
+          <a:lstStyle/>
+          <a:p>
+            <a:r>
+              <a:rPr kumimoji="1" lang="zh-CN" altLang="en-US" sz="1400" dirty="0"/>
+              <a:t>这里很明白了，</a:t>
+            </a:r>
+            <a:r>
+              <a:rPr kumimoji="1" lang="en-US" altLang="zh-CN" sz="1400" dirty="0"/>
+              <a:t>0.03125</a:t>
+            </a:r>
+            <a:r>
+              <a:rPr kumimoji="1" lang="zh-CN" altLang="en-US" sz="1400" dirty="0"/>
+              <a:t>就是之前的 </a:t>
+            </a:r>
+            <a:r>
+              <a:rPr kumimoji="1" lang="en-US" altLang="zh-CN" sz="1400" dirty="0"/>
+              <a:t>0.0625</a:t>
+            </a:r>
+            <a:r>
+              <a:rPr kumimoji="1" lang="zh-CN" altLang="en-US" sz="1400" dirty="0"/>
+              <a:t> * </a:t>
+            </a:r>
+            <a:r>
+              <a:rPr kumimoji="1" lang="en-US" altLang="zh-CN" sz="1400" dirty="0"/>
+              <a:t>0.5</a:t>
+            </a:r>
+            <a:endParaRPr kumimoji="1" lang="zh-CN" altLang="en-US" sz="1400" dirty="0"/>
+          </a:p>
+        </p:txBody>
+      </p:sp>
+    </p:spTree>
+    <p:extLst>
+      <p:ext uri="{BB962C8B-B14F-4D97-AF65-F5344CB8AC3E}">
+        <p14:creationId xmlns:p14="http://schemas.microsoft.com/office/powerpoint/2010/main" val="904698918"/>
+      </p:ext>
+    </p:extLst>
+  </p:cSld>
+  <p:clrMapOvr>
+    <a:masterClrMapping/>
+  </p:clrMapOvr>
+</p:sld>
+</file>
+
+<file path=ppt/slides/slide33.xml><?xml version="1.0" encoding="utf-8"?>
+<p:sld xmlns:a="http://schemas.openxmlformats.org/drawingml/2006/main" xmlns:r="http://schemas.openxmlformats.org/officeDocument/2006/relationships" xmlns:p="http://schemas.openxmlformats.org/presentationml/2006/main">
+  <p:cSld>
+    <p:spTree>
+      <p:nvGrpSpPr>
+        <p:cNvPr id="1" name=""/>
+        <p:cNvGrpSpPr/>
+        <p:nvPr/>
+      </p:nvGrpSpPr>
+      <p:grpSpPr>
+        <a:xfrm>
+          <a:off x="0" y="0"/>
+          <a:ext cx="0" cy="0"/>
+          <a:chOff x="0" y="0"/>
+          <a:chExt cx="0" cy="0"/>
+        </a:xfrm>
+      </p:grpSpPr>
+      <p:sp>
+        <p:nvSpPr>
+          <p:cNvPr id="3" name="文本框 2">
+            <a:extLst>
+              <a:ext uri="{FF2B5EF4-FFF2-40B4-BE49-F238E27FC236}">
+                <a16:creationId xmlns:a16="http://schemas.microsoft.com/office/drawing/2014/main" id="{2A2FBB20-DC04-9149-BB4A-6772BB523FB8}"/>
+              </a:ext>
+            </a:extLst>
+          </p:cNvPr>
+          <p:cNvSpPr txBox="1"/>
+          <p:nvPr/>
+        </p:nvSpPr>
+        <p:spPr>
+          <a:xfrm>
+            <a:off x="344245" y="107719"/>
             <a:ext cx="7733207" cy="1323439"/>
           </a:xfrm>
           <a:prstGeom prst="rect">
@@ -27235,7 +28754,7 @@
 </p:sld>
 </file>
 
-<file path=ppt/slides/slide33.xml><?xml version="1.0" encoding="utf-8"?>
+<file path=ppt/slides/slide34.xml><?xml version="1.0" encoding="utf-8"?>
 <p:sld xmlns:a="http://schemas.openxmlformats.org/drawingml/2006/main" xmlns:r="http://schemas.openxmlformats.org/officeDocument/2006/relationships" xmlns:p="http://schemas.openxmlformats.org/presentationml/2006/main">
   <p:cSld>
     <p:spTree>
@@ -32769,4 +34288,299 @@
     </a:ext>
   </a:extLst>
 </a:theme>
+</file>
+
+<file path=ppt/theme/theme2.xml><?xml version="1.0" encoding="utf-8"?>
+<a:theme xmlns:a="http://schemas.openxmlformats.org/drawingml/2006/main" name="Office 主题​​">
+  <a:themeElements>
+    <a:clrScheme name="Office">
+      <a:dk1>
+        <a:sysClr val="windowText" lastClr="000000"/>
+      </a:dk1>
+      <a:lt1>
+        <a:sysClr val="window" lastClr="FFFFFF"/>
+      </a:lt1>
+      <a:dk2>
+        <a:srgbClr val="44546A"/>
+      </a:dk2>
+      <a:lt2>
+        <a:srgbClr val="E7E6E6"/>
+      </a:lt2>
+      <a:accent1>
+        <a:srgbClr val="4472C4"/>
+      </a:accent1>
+      <a:accent2>
+        <a:srgbClr val="ED7D31"/>
+      </a:accent2>
+      <a:accent3>
+        <a:srgbClr val="A5A5A5"/>
+      </a:accent3>
+      <a:accent4>
+        <a:srgbClr val="FFC000"/>
+      </a:accent4>
+      <a:accent5>
+        <a:srgbClr val="5B9BD5"/>
+      </a:accent5>
+      <a:accent6>
+        <a:srgbClr val="70AD47"/>
+      </a:accent6>
+      <a:hlink>
+        <a:srgbClr val="0563C1"/>
+      </a:hlink>
+      <a:folHlink>
+        <a:srgbClr val="954F72"/>
+      </a:folHlink>
+    </a:clrScheme>
+    <a:fontScheme name="Office">
+      <a:majorFont>
+        <a:latin typeface="等线 Light" panose="020F0302020204030204"/>
+        <a:ea typeface=""/>
+        <a:cs typeface=""/>
+        <a:font script="Jpan" typeface="游ゴシック Light"/>
+        <a:font script="Hang" typeface="맑은 고딕"/>
+        <a:font script="Hans" typeface="等线 Light"/>
+        <a:font script="Hant" typeface="新細明體"/>
+        <a:font script="Arab" typeface="Times New Roman"/>
+        <a:font script="Hebr" typeface="Times New Roman"/>
+        <a:font script="Thai" typeface="Angsana New"/>
+        <a:font script="Ethi" typeface="Nyala"/>
+        <a:font script="Beng" typeface="Vrinda"/>
+        <a:font script="Gujr" typeface="Shruti"/>
+        <a:font script="Khmr" typeface="MoolBoran"/>
+        <a:font script="Knda" typeface="Tunga"/>
+        <a:font script="Guru" typeface="Raavi"/>
+        <a:font script="Cans" typeface="Euphemia"/>
+        <a:font script="Cher" typeface="Plantagenet Cherokee"/>
+        <a:font script="Yiii" typeface="Microsoft Yi Baiti"/>
+        <a:font script="Tibt" typeface="Microsoft Himalaya"/>
+        <a:font script="Thaa" typeface="MV Boli"/>
+        <a:font script="Deva" typeface="Mangal"/>
+        <a:font script="Telu" typeface="Gautami"/>
+        <a:font script="Taml" typeface="Latha"/>
+        <a:font script="Syrc" typeface="Estrangelo Edessa"/>
+        <a:font script="Orya" typeface="Kalinga"/>
+        <a:font script="Mlym" typeface="Kartika"/>
+        <a:font script="Laoo" typeface="DokChampa"/>
+        <a:font script="Sinh" typeface="Iskoola Pota"/>
+        <a:font script="Mong" typeface="Mongolian Baiti"/>
+        <a:font script="Viet" typeface="Times New Roman"/>
+        <a:font script="Uigh" typeface="Microsoft Uighur"/>
+        <a:font script="Geor" typeface="Sylfaen"/>
+        <a:font script="Armn" typeface="Arial"/>
+        <a:font script="Bugi" typeface="Leelawadee UI"/>
+        <a:font script="Bopo" typeface="Microsoft JhengHei"/>
+        <a:font script="Java" typeface="Javanese Text"/>
+        <a:font script="Lisu" typeface="Segoe UI"/>
+        <a:font script="Mymr" typeface="Myanmar Text"/>
+        <a:font script="Nkoo" typeface="Ebrima"/>
+        <a:font script="Olck" typeface="Nirmala UI"/>
+        <a:font script="Osma" typeface="Ebrima"/>
+        <a:font script="Phag" typeface="Phagspa"/>
+        <a:font script="Syrn" typeface="Estrangelo Edessa"/>
+        <a:font script="Syrj" typeface="Estrangelo Edessa"/>
+        <a:font script="Syre" typeface="Estrangelo Edessa"/>
+        <a:font script="Sora" typeface="Nirmala UI"/>
+        <a:font script="Tale" typeface="Microsoft Tai Le"/>
+        <a:font script="Talu" typeface="Microsoft New Tai Lue"/>
+        <a:font script="Tfng" typeface="Ebrima"/>
+      </a:majorFont>
+      <a:minorFont>
+        <a:latin typeface="等线" panose="020F0502020204030204"/>
+        <a:ea typeface=""/>
+        <a:cs typeface=""/>
+        <a:font script="Jpan" typeface="游ゴシック"/>
+        <a:font script="Hang" typeface="맑은 고딕"/>
+        <a:font script="Hans" typeface="等线"/>
+        <a:font script="Hant" typeface="新細明體"/>
+        <a:font script="Arab" typeface="Arial"/>
+        <a:font script="Hebr" typeface="Arial"/>
+        <a:font script="Thai" typeface="Cordia New"/>
+        <a:font script="Ethi" typeface="Nyala"/>
+        <a:font script="Beng" typeface="Vrinda"/>
+        <a:font script="Gujr" typeface="Shruti"/>
+        <a:font script="Khmr" typeface="DaunPenh"/>
+        <a:font script="Knda" typeface="Tunga"/>
+        <a:font script="Guru" typeface="Raavi"/>
+        <a:font script="Cans" typeface="Euphemia"/>
+        <a:font script="Cher" typeface="Plantagenet Cherokee"/>
+        <a:font script="Yiii" typeface="Microsoft Yi Baiti"/>
+        <a:font script="Tibt" typeface="Microsoft Himalaya"/>
+        <a:font script="Thaa" typeface="MV Boli"/>
+        <a:font script="Deva" typeface="Mangal"/>
+        <a:font script="Telu" typeface="Gautami"/>
+        <a:font script="Taml" typeface="Latha"/>
+        <a:font script="Syrc" typeface="Estrangelo Edessa"/>
+        <a:font script="Orya" typeface="Kalinga"/>
+        <a:font script="Mlym" typeface="Kartika"/>
+        <a:font script="Laoo" typeface="DokChampa"/>
+        <a:font script="Sinh" typeface="Iskoola Pota"/>
+        <a:font script="Mong" typeface="Mongolian Baiti"/>
+        <a:font script="Viet" typeface="Arial"/>
+        <a:font script="Uigh" typeface="Microsoft Uighur"/>
+        <a:font script="Geor" typeface="Sylfaen"/>
+        <a:font script="Armn" typeface="Arial"/>
+        <a:font script="Bugi" typeface="Leelawadee UI"/>
+        <a:font script="Bopo" typeface="Microsoft JhengHei"/>
+        <a:font script="Java" typeface="Javanese Text"/>
+        <a:font script="Lisu" typeface="Segoe UI"/>
+        <a:font script="Mymr" typeface="Myanmar Text"/>
+        <a:font script="Nkoo" typeface="Ebrima"/>
+        <a:font script="Olck" typeface="Nirmala UI"/>
+        <a:font script="Osma" typeface="Ebrima"/>
+        <a:font script="Phag" typeface="Phagspa"/>
+        <a:font script="Syrn" typeface="Estrangelo Edessa"/>
+        <a:font script="Syrj" typeface="Estrangelo Edessa"/>
+        <a:font script="Syre" typeface="Estrangelo Edessa"/>
+        <a:font script="Sora" typeface="Nirmala UI"/>
+        <a:font script="Tale" typeface="Microsoft Tai Le"/>
+        <a:font script="Talu" typeface="Microsoft New Tai Lue"/>
+        <a:font script="Tfng" typeface="Ebrima"/>
+      </a:minorFont>
+    </a:fontScheme>
+    <a:fmtScheme name="Office">
+      <a:fillStyleLst>
+        <a:solidFill>
+          <a:schemeClr val="phClr"/>
+        </a:solidFill>
+        <a:gradFill rotWithShape="1">
+          <a:gsLst>
+            <a:gs pos="0">
+              <a:schemeClr val="phClr">
+                <a:lumMod val="110000"/>
+                <a:satMod val="105000"/>
+                <a:tint val="67000"/>
+              </a:schemeClr>
+            </a:gs>
+            <a:gs pos="50000">
+              <a:schemeClr val="phClr">
+                <a:lumMod val="105000"/>
+                <a:satMod val="103000"/>
+                <a:tint val="73000"/>
+              </a:schemeClr>
+            </a:gs>
+            <a:gs pos="100000">
+              <a:schemeClr val="phClr">
+                <a:lumMod val="105000"/>
+                <a:satMod val="109000"/>
+                <a:tint val="81000"/>
+              </a:schemeClr>
+            </a:gs>
+          </a:gsLst>
+          <a:lin ang="5400000" scaled="0"/>
+        </a:gradFill>
+        <a:gradFill rotWithShape="1">
+          <a:gsLst>
+            <a:gs pos="0">
+              <a:schemeClr val="phClr">
+                <a:satMod val="103000"/>
+                <a:lumMod val="102000"/>
+                <a:tint val="94000"/>
+              </a:schemeClr>
+            </a:gs>
+            <a:gs pos="50000">
+              <a:schemeClr val="phClr">
+                <a:satMod val="110000"/>
+                <a:lumMod val="100000"/>
+                <a:shade val="100000"/>
+              </a:schemeClr>
+            </a:gs>
+            <a:gs pos="100000">
+              <a:schemeClr val="phClr">
+                <a:lumMod val="99000"/>
+                <a:satMod val="120000"/>
+                <a:shade val="78000"/>
+              </a:schemeClr>
+            </a:gs>
+          </a:gsLst>
+          <a:lin ang="5400000" scaled="0"/>
+        </a:gradFill>
+      </a:fillStyleLst>
+      <a:lnStyleLst>
+        <a:ln w="6350" cap="flat" cmpd="sng" algn="ctr">
+          <a:solidFill>
+            <a:schemeClr val="phClr"/>
+          </a:solidFill>
+          <a:prstDash val="solid"/>
+          <a:miter lim="800000"/>
+        </a:ln>
+        <a:ln w="12700" cap="flat" cmpd="sng" algn="ctr">
+          <a:solidFill>
+            <a:schemeClr val="phClr"/>
+          </a:solidFill>
+          <a:prstDash val="solid"/>
+          <a:miter lim="800000"/>
+        </a:ln>
+        <a:ln w="19050" cap="flat" cmpd="sng" algn="ctr">
+          <a:solidFill>
+            <a:schemeClr val="phClr"/>
+          </a:solidFill>
+          <a:prstDash val="solid"/>
+          <a:miter lim="800000"/>
+        </a:ln>
+      </a:lnStyleLst>
+      <a:effectStyleLst>
+        <a:effectStyle>
+          <a:effectLst/>
+        </a:effectStyle>
+        <a:effectStyle>
+          <a:effectLst/>
+        </a:effectStyle>
+        <a:effectStyle>
+          <a:effectLst>
+            <a:outerShdw blurRad="57150" dist="19050" dir="5400000" algn="ctr" rotWithShape="0">
+              <a:srgbClr val="000000">
+                <a:alpha val="63000"/>
+              </a:srgbClr>
+            </a:outerShdw>
+          </a:effectLst>
+        </a:effectStyle>
+      </a:effectStyleLst>
+      <a:bgFillStyleLst>
+        <a:solidFill>
+          <a:schemeClr val="phClr"/>
+        </a:solidFill>
+        <a:solidFill>
+          <a:schemeClr val="phClr">
+            <a:tint val="95000"/>
+            <a:satMod val="170000"/>
+          </a:schemeClr>
+        </a:solidFill>
+        <a:gradFill rotWithShape="1">
+          <a:gsLst>
+            <a:gs pos="0">
+              <a:schemeClr val="phClr">
+                <a:tint val="93000"/>
+                <a:satMod val="150000"/>
+                <a:shade val="98000"/>
+                <a:lumMod val="102000"/>
+              </a:schemeClr>
+            </a:gs>
+            <a:gs pos="50000">
+              <a:schemeClr val="phClr">
+                <a:tint val="98000"/>
+                <a:satMod val="130000"/>
+                <a:shade val="90000"/>
+                <a:lumMod val="103000"/>
+              </a:schemeClr>
+            </a:gs>
+            <a:gs pos="100000">
+              <a:schemeClr val="phClr">
+                <a:shade val="63000"/>
+                <a:satMod val="120000"/>
+              </a:schemeClr>
+            </a:gs>
+          </a:gsLst>
+          <a:lin ang="5400000" scaled="0"/>
+        </a:gradFill>
+      </a:bgFillStyleLst>
+    </a:fmtScheme>
+  </a:themeElements>
+  <a:objectDefaults/>
+  <a:extraClrSchemeLst/>
+  <a:extLst>
+    <a:ext uri="{05A4C25C-085E-4340-85A3-A5531E510DB2}">
+      <thm15:themeFamily xmlns:thm15="http://schemas.microsoft.com/office/thememl/2012/main" name="Office Theme" id="{62F939B6-93AF-4DB8-9C6B-D6C7DFDC589F}" vid="{4A3C46E8-61CC-4603-A589-7422A47A8E4A}"/>
+    </a:ext>
+  </a:extLst>
+</a:theme>
 </file>
--- a/股权图谱.pptx
+++ b/股权图谱.pptx
@@ -230,7 +230,7 @@
           <a:p>
             <a:fld id="{3E071281-E9C0-1644-85E5-ECE10382669C}" type="datetimeFigureOut">
               <a:rPr kumimoji="1" lang="zh-CN" altLang="en-US" smtClean="0"/>
-              <a:t>2021/10/14</a:t>
+              <a:t>2021/10/22</a:t>
             </a:fld>
             <a:endParaRPr kumimoji="1" lang="zh-CN" altLang="en-US"/>
           </a:p>
@@ -728,7 +728,7 @@
           <a:p>
             <a:fld id="{DC421D61-4C4C-ED44-8E87-C7FBEA60D121}" type="datetimeFigureOut">
               <a:rPr kumimoji="1" lang="zh-CN" altLang="en-US" smtClean="0"/>
-              <a:t>2021/10/12</a:t>
+              <a:t>2021/10/22</a:t>
             </a:fld>
             <a:endParaRPr kumimoji="1" lang="zh-CN" altLang="en-US"/>
           </a:p>
@@ -926,7 +926,7 @@
           <a:p>
             <a:fld id="{DC421D61-4C4C-ED44-8E87-C7FBEA60D121}" type="datetimeFigureOut">
               <a:rPr kumimoji="1" lang="zh-CN" altLang="en-US" smtClean="0"/>
-              <a:t>2021/10/12</a:t>
+              <a:t>2021/10/22</a:t>
             </a:fld>
             <a:endParaRPr kumimoji="1" lang="zh-CN" altLang="en-US"/>
           </a:p>
@@ -1134,7 +1134,7 @@
           <a:p>
             <a:fld id="{DC421D61-4C4C-ED44-8E87-C7FBEA60D121}" type="datetimeFigureOut">
               <a:rPr kumimoji="1" lang="zh-CN" altLang="en-US" smtClean="0"/>
-              <a:t>2021/10/12</a:t>
+              <a:t>2021/10/22</a:t>
             </a:fld>
             <a:endParaRPr kumimoji="1" lang="zh-CN" altLang="en-US"/>
           </a:p>
@@ -1332,7 +1332,7 @@
           <a:p>
             <a:fld id="{DC421D61-4C4C-ED44-8E87-C7FBEA60D121}" type="datetimeFigureOut">
               <a:rPr kumimoji="1" lang="zh-CN" altLang="en-US" smtClean="0"/>
-              <a:t>2021/10/12</a:t>
+              <a:t>2021/10/22</a:t>
             </a:fld>
             <a:endParaRPr kumimoji="1" lang="zh-CN" altLang="en-US"/>
           </a:p>
@@ -1607,7 +1607,7 @@
           <a:p>
             <a:fld id="{DC421D61-4C4C-ED44-8E87-C7FBEA60D121}" type="datetimeFigureOut">
               <a:rPr kumimoji="1" lang="zh-CN" altLang="en-US" smtClean="0"/>
-              <a:t>2021/10/12</a:t>
+              <a:t>2021/10/22</a:t>
             </a:fld>
             <a:endParaRPr kumimoji="1" lang="zh-CN" altLang="en-US"/>
           </a:p>
@@ -1872,7 +1872,7 @@
           <a:p>
             <a:fld id="{DC421D61-4C4C-ED44-8E87-C7FBEA60D121}" type="datetimeFigureOut">
               <a:rPr kumimoji="1" lang="zh-CN" altLang="en-US" smtClean="0"/>
-              <a:t>2021/10/12</a:t>
+              <a:t>2021/10/22</a:t>
             </a:fld>
             <a:endParaRPr kumimoji="1" lang="zh-CN" altLang="en-US"/>
           </a:p>
@@ -2284,7 +2284,7 @@
           <a:p>
             <a:fld id="{DC421D61-4C4C-ED44-8E87-C7FBEA60D121}" type="datetimeFigureOut">
               <a:rPr kumimoji="1" lang="zh-CN" altLang="en-US" smtClean="0"/>
-              <a:t>2021/10/12</a:t>
+              <a:t>2021/10/22</a:t>
             </a:fld>
             <a:endParaRPr kumimoji="1" lang="zh-CN" altLang="en-US"/>
           </a:p>
@@ -2425,7 +2425,7 @@
           <a:p>
             <a:fld id="{DC421D61-4C4C-ED44-8E87-C7FBEA60D121}" type="datetimeFigureOut">
               <a:rPr kumimoji="1" lang="zh-CN" altLang="en-US" smtClean="0"/>
-              <a:t>2021/10/12</a:t>
+              <a:t>2021/10/22</a:t>
             </a:fld>
             <a:endParaRPr kumimoji="1" lang="zh-CN" altLang="en-US"/>
           </a:p>
@@ -2538,7 +2538,7 @@
           <a:p>
             <a:fld id="{DC421D61-4C4C-ED44-8E87-C7FBEA60D121}" type="datetimeFigureOut">
               <a:rPr kumimoji="1" lang="zh-CN" altLang="en-US" smtClean="0"/>
-              <a:t>2021/10/12</a:t>
+              <a:t>2021/10/22</a:t>
             </a:fld>
             <a:endParaRPr kumimoji="1" lang="zh-CN" altLang="en-US"/>
           </a:p>
@@ -2849,7 +2849,7 @@
           <a:p>
             <a:fld id="{DC421D61-4C4C-ED44-8E87-C7FBEA60D121}" type="datetimeFigureOut">
               <a:rPr kumimoji="1" lang="zh-CN" altLang="en-US" smtClean="0"/>
-              <a:t>2021/10/12</a:t>
+              <a:t>2021/10/22</a:t>
             </a:fld>
             <a:endParaRPr kumimoji="1" lang="zh-CN" altLang="en-US"/>
           </a:p>
@@ -3137,7 +3137,7 @@
           <a:p>
             <a:fld id="{DC421D61-4C4C-ED44-8E87-C7FBEA60D121}" type="datetimeFigureOut">
               <a:rPr kumimoji="1" lang="zh-CN" altLang="en-US" smtClean="0"/>
-              <a:t>2021/10/12</a:t>
+              <a:t>2021/10/22</a:t>
             </a:fld>
             <a:endParaRPr kumimoji="1" lang="zh-CN" altLang="en-US"/>
           </a:p>
@@ -3378,7 +3378,7 @@
           <a:p>
             <a:fld id="{DC421D61-4C4C-ED44-8E87-C7FBEA60D121}" type="datetimeFigureOut">
               <a:rPr kumimoji="1" lang="zh-CN" altLang="en-US" smtClean="0"/>
-              <a:t>2021/10/12</a:t>
+              <a:t>2021/10/22</a:t>
             </a:fld>
             <a:endParaRPr kumimoji="1" lang="zh-CN" altLang="en-US"/>
           </a:p>
@@ -28773,10 +28773,85 @@
       </p:grpSpPr>
       <p:sp>
         <p:nvSpPr>
-          <p:cNvPr id="26" name="圆角矩形 25">
-            <a:extLst>
-              <a:ext uri="{FF2B5EF4-FFF2-40B4-BE49-F238E27FC236}">
-                <a16:creationId xmlns:a16="http://schemas.microsoft.com/office/drawing/2014/main" id="{526CBEE1-1AD1-F44D-91B6-AC0954CDA066}"/>
+          <p:cNvPr id="3" name="文本框 2">
+            <a:extLst>
+              <a:ext uri="{FF2B5EF4-FFF2-40B4-BE49-F238E27FC236}">
+                <a16:creationId xmlns:a16="http://schemas.microsoft.com/office/drawing/2014/main" id="{2A2FBB20-DC04-9149-BB4A-6772BB523FB8}"/>
+              </a:ext>
+            </a:extLst>
+          </p:cNvPr>
+          <p:cNvSpPr txBox="1"/>
+          <p:nvPr/>
+        </p:nvSpPr>
+        <p:spPr>
+          <a:xfrm>
+            <a:off x="645458" y="537882"/>
+            <a:ext cx="3238387" cy="707886"/>
+          </a:xfrm>
+          <a:prstGeom prst="rect">
+            <a:avLst/>
+          </a:prstGeom>
+          <a:noFill/>
+        </p:spPr>
+        <p:txBody>
+          <a:bodyPr wrap="none" rtlCol="0">
+            <a:spAutoFit/>
+          </a:bodyPr>
+          <a:lstStyle/>
+          <a:p>
+            <a:r>
+              <a:rPr kumimoji="1" lang="en-US" altLang="zh-CN" sz="4000" dirty="0"/>
+              <a:t>G</a:t>
+            </a:r>
+            <a:r>
+              <a:rPr kumimoji="1" lang="zh-CN" altLang="en-US" sz="4000" dirty="0"/>
+              <a:t> 有向有环图</a:t>
+            </a:r>
+          </a:p>
+        </p:txBody>
+      </p:sp>
+      <p:sp>
+        <p:nvSpPr>
+          <p:cNvPr id="21" name="文本框 20">
+            <a:extLst>
+              <a:ext uri="{FF2B5EF4-FFF2-40B4-BE49-F238E27FC236}">
+                <a16:creationId xmlns:a16="http://schemas.microsoft.com/office/drawing/2014/main" id="{50244CC9-5533-D345-B026-5977A9A87E02}"/>
+              </a:ext>
+            </a:extLst>
+          </p:cNvPr>
+          <p:cNvSpPr txBox="1"/>
+          <p:nvPr/>
+        </p:nvSpPr>
+        <p:spPr>
+          <a:xfrm>
+            <a:off x="1389376" y="3574625"/>
+            <a:ext cx="550151" cy="369332"/>
+          </a:xfrm>
+          <a:prstGeom prst="rect">
+            <a:avLst/>
+          </a:prstGeom>
+          <a:noFill/>
+        </p:spPr>
+        <p:txBody>
+          <a:bodyPr wrap="none" rtlCol="0">
+            <a:spAutoFit/>
+          </a:bodyPr>
+          <a:lstStyle/>
+          <a:p>
+            <a:r>
+              <a:rPr kumimoji="1" lang="en-US" altLang="zh-CN" dirty="0"/>
+              <a:t>177</a:t>
+            </a:r>
+            <a:endParaRPr kumimoji="1" lang="zh-CN" altLang="en-US" dirty="0"/>
+          </a:p>
+        </p:txBody>
+      </p:sp>
+      <p:sp>
+        <p:nvSpPr>
+          <p:cNvPr id="23" name="圆角矩形 22">
+            <a:extLst>
+              <a:ext uri="{FF2B5EF4-FFF2-40B4-BE49-F238E27FC236}">
+                <a16:creationId xmlns:a16="http://schemas.microsoft.com/office/drawing/2014/main" id="{93C353FB-1D1B-D54C-8C31-75890CA9CA91}"/>
               </a:ext>
             </a:extLst>
           </p:cNvPr>
@@ -28785,7 +28860,7 @@
         </p:nvSpPr>
         <p:spPr>
           <a:xfrm>
-            <a:off x="9991668" y="4732877"/>
+            <a:off x="3994896" y="4732877"/>
             <a:ext cx="1367119" cy="634701"/>
           </a:xfrm>
           <a:prstGeom prst="roundRect">
@@ -28815,7 +28890,7 @@
             <a:pPr algn="ctr"/>
             <a:r>
               <a:rPr kumimoji="1" lang="en-US" altLang="zh-CN" dirty="0"/>
-              <a:t>3</a:t>
+              <a:t>3L</a:t>
             </a:r>
             <a:r>
               <a:rPr kumimoji="1" lang="zh-CN" altLang="en-US" dirty="0"/>
@@ -28823,11 +28898,39 @@
             </a:r>
             <a:endParaRPr kumimoji="1" lang="en-US" altLang="zh-CN" dirty="0"/>
           </a:p>
-          <a:p>
-            <a:pPr algn="ctr"/>
-            <a:r>
-              <a:rPr kumimoji="1" lang="en-US" altLang="zh-CN" dirty="0"/>
-              <a:t>2500w</a:t>
+        </p:txBody>
+      </p:sp>
+      <p:sp>
+        <p:nvSpPr>
+          <p:cNvPr id="25" name="文本框 24">
+            <a:extLst>
+              <a:ext uri="{FF2B5EF4-FFF2-40B4-BE49-F238E27FC236}">
+                <a16:creationId xmlns:a16="http://schemas.microsoft.com/office/drawing/2014/main" id="{E98E48F5-60C4-7D43-8DFB-5917B437BCEE}"/>
+              </a:ext>
+            </a:extLst>
+          </p:cNvPr>
+          <p:cNvSpPr txBox="1"/>
+          <p:nvPr/>
+        </p:nvSpPr>
+        <p:spPr>
+          <a:xfrm>
+            <a:off x="1575840" y="5050228"/>
+            <a:ext cx="550151" cy="369332"/>
+          </a:xfrm>
+          <a:prstGeom prst="rect">
+            <a:avLst/>
+          </a:prstGeom>
+          <a:noFill/>
+        </p:spPr>
+        <p:txBody>
+          <a:bodyPr wrap="none" rtlCol="0">
+            <a:spAutoFit/>
+          </a:bodyPr>
+          <a:lstStyle/>
+          <a:p>
+            <a:r>
+              <a:rPr kumimoji="1" lang="en-US" altLang="zh-CN" dirty="0"/>
+              <a:t>250</a:t>
             </a:r>
             <a:endParaRPr kumimoji="1" lang="zh-CN" altLang="en-US" dirty="0"/>
           </a:p>
@@ -28835,10 +28938,10 @@
       </p:sp>
       <p:sp>
         <p:nvSpPr>
-          <p:cNvPr id="33" name="圆角矩形 32">
-            <a:extLst>
-              <a:ext uri="{FF2B5EF4-FFF2-40B4-BE49-F238E27FC236}">
-                <a16:creationId xmlns:a16="http://schemas.microsoft.com/office/drawing/2014/main" id="{9AD04DA3-25D5-1C4D-A836-148D56326A38}"/>
+          <p:cNvPr id="27" name="圆角矩形 26">
+            <a:extLst>
+              <a:ext uri="{FF2B5EF4-FFF2-40B4-BE49-F238E27FC236}">
+                <a16:creationId xmlns:a16="http://schemas.microsoft.com/office/drawing/2014/main" id="{9AF73A81-6988-EE46-B133-82EE63016D98}"/>
               </a:ext>
             </a:extLst>
           </p:cNvPr>
@@ -28847,8 +28950,8 @@
         </p:nvSpPr>
         <p:spPr>
           <a:xfrm>
-            <a:off x="9904595" y="6014830"/>
-            <a:ext cx="1541264" cy="634701"/>
+            <a:off x="5215999" y="2362575"/>
+            <a:ext cx="1915758" cy="634701"/>
           </a:xfrm>
           <a:prstGeom prst="roundRect">
             <a:avLst/>
@@ -28877,48 +28980,40 @@
             <a:pPr algn="ctr"/>
             <a:r>
               <a:rPr kumimoji="1" lang="en-US" altLang="zh-CN" dirty="0"/>
-              <a:t>4</a:t>
+              <a:t>1L</a:t>
             </a:r>
             <a:r>
               <a:rPr kumimoji="1" lang="zh-CN" altLang="en-US" dirty="0"/>
-              <a:t> 右护法</a:t>
+              <a:t> 青毛狮子王</a:t>
             </a:r>
             <a:endParaRPr kumimoji="1" lang="en-US" altLang="zh-CN" dirty="0"/>
-          </a:p>
-          <a:p>
-            <a:pPr algn="ctr"/>
-            <a:r>
-              <a:rPr kumimoji="1" lang="en-US" altLang="zh-CN" dirty="0"/>
-              <a:t>500w</a:t>
-            </a:r>
-            <a:endParaRPr kumimoji="1" lang="zh-CN" altLang="en-US" dirty="0"/>
           </a:p>
         </p:txBody>
       </p:sp>
       <p:cxnSp>
         <p:nvCxnSpPr>
-          <p:cNvPr id="35" name="曲线连接符 34">
-            <a:extLst>
-              <a:ext uri="{FF2B5EF4-FFF2-40B4-BE49-F238E27FC236}">
-                <a16:creationId xmlns:a16="http://schemas.microsoft.com/office/drawing/2014/main" id="{DCDEEBC9-C270-DF4F-BC23-88D488D75843}"/>
+          <p:cNvPr id="28" name="曲线连接符 27">
+            <a:extLst>
+              <a:ext uri="{FF2B5EF4-FFF2-40B4-BE49-F238E27FC236}">
+                <a16:creationId xmlns:a16="http://schemas.microsoft.com/office/drawing/2014/main" id="{75C099E3-52E4-B943-AFD2-E69DCD593B27}"/>
               </a:ext>
             </a:extLst>
           </p:cNvPr>
           <p:cNvCxnSpPr>
             <a:cxnSpLocks/>
-            <a:stCxn id="33" idx="1"/>
-            <a:endCxn id="26" idx="1"/>
+            <a:stCxn id="27" idx="2"/>
+            <a:endCxn id="23" idx="0"/>
           </p:cNvCxnSpPr>
           <p:nvPr/>
         </p:nvCxnSpPr>
         <p:spPr>
-          <a:xfrm rot="10800000" flipH="1">
-            <a:off x="9904594" y="5050229"/>
-            <a:ext cx="87073" cy="1281953"/>
+          <a:xfrm rot="5400000">
+            <a:off x="4558367" y="3117365"/>
+            <a:ext cx="1735601" cy="1495422"/>
           </a:xfrm>
           <a:prstGeom prst="curvedConnector3">
             <a:avLst>
-              <a:gd name="adj1" fmla="val -262538"/>
+              <a:gd name="adj1" fmla="val 50000"/>
             </a:avLst>
           </a:prstGeom>
           <a:ln>
@@ -28942,10 +29037,10 @@
       </p:cxnSp>
       <p:sp>
         <p:nvSpPr>
-          <p:cNvPr id="3" name="文本框 2">
-            <a:extLst>
-              <a:ext uri="{FF2B5EF4-FFF2-40B4-BE49-F238E27FC236}">
-                <a16:creationId xmlns:a16="http://schemas.microsoft.com/office/drawing/2014/main" id="{2A2FBB20-DC04-9149-BB4A-6772BB523FB8}"/>
+          <p:cNvPr id="29" name="文本框 28">
+            <a:extLst>
+              <a:ext uri="{FF2B5EF4-FFF2-40B4-BE49-F238E27FC236}">
+                <a16:creationId xmlns:a16="http://schemas.microsoft.com/office/drawing/2014/main" id="{DE2ADC27-6CF3-3E47-B29E-3FAC9199CE82}"/>
               </a:ext>
             </a:extLst>
           </p:cNvPr>
@@ -28954,8 +29049,8 @@
         </p:nvSpPr>
         <p:spPr>
           <a:xfrm>
-            <a:off x="645458" y="537882"/>
-            <a:ext cx="3238387" cy="707886"/>
+            <a:off x="2600898" y="2310594"/>
+            <a:ext cx="671979" cy="369332"/>
           </a:xfrm>
           <a:prstGeom prst="rect">
             <a:avLst/>
@@ -28969,648 +29064,10 @@
           <a:lstStyle/>
           <a:p>
             <a:r>
-              <a:rPr kumimoji="1" lang="en-US" altLang="zh-CN" sz="4000" dirty="0"/>
-              <a:t>G</a:t>
-            </a:r>
-            <a:r>
-              <a:rPr kumimoji="1" lang="zh-CN" altLang="en-US" sz="4000" dirty="0"/>
-              <a:t> 有向有环图</a:t>
-            </a:r>
-          </a:p>
-        </p:txBody>
-      </p:sp>
-      <p:cxnSp>
-        <p:nvCxnSpPr>
-          <p:cNvPr id="36" name="曲线连接符 35">
-            <a:extLst>
-              <a:ext uri="{FF2B5EF4-FFF2-40B4-BE49-F238E27FC236}">
-                <a16:creationId xmlns:a16="http://schemas.microsoft.com/office/drawing/2014/main" id="{B857C210-51C5-6E46-A3AE-EC68D4F9FD29}"/>
-              </a:ext>
-            </a:extLst>
-          </p:cNvPr>
-          <p:cNvCxnSpPr>
-            <a:cxnSpLocks/>
-            <a:stCxn id="26" idx="3"/>
-            <a:endCxn id="33" idx="3"/>
-          </p:cNvCxnSpPr>
-          <p:nvPr/>
-        </p:nvCxnSpPr>
-        <p:spPr>
-          <a:xfrm>
-            <a:off x="11358787" y="5050228"/>
-            <a:ext cx="87072" cy="1281953"/>
-          </a:xfrm>
-          <a:prstGeom prst="curvedConnector3">
-            <a:avLst>
-              <a:gd name="adj1" fmla="val 362541"/>
-            </a:avLst>
-          </a:prstGeom>
-          <a:ln>
-            <a:tailEnd type="triangle"/>
-          </a:ln>
-        </p:spPr>
-        <p:style>
-          <a:lnRef idx="1">
-            <a:schemeClr val="accent1"/>
-          </a:lnRef>
-          <a:fillRef idx="0">
-            <a:schemeClr val="accent1"/>
-          </a:fillRef>
-          <a:effectRef idx="0">
-            <a:schemeClr val="accent1"/>
-          </a:effectRef>
-          <a:fontRef idx="minor">
-            <a:schemeClr val="tx1"/>
-          </a:fontRef>
-        </p:style>
-      </p:cxnSp>
-      <p:sp>
-        <p:nvSpPr>
-          <p:cNvPr id="58" name="文本框 57">
-            <a:extLst>
-              <a:ext uri="{FF2B5EF4-FFF2-40B4-BE49-F238E27FC236}">
-                <a16:creationId xmlns:a16="http://schemas.microsoft.com/office/drawing/2014/main" id="{2DBC2FAF-D969-574F-93C3-7DF03F0B0F1C}"/>
-              </a:ext>
-            </a:extLst>
-          </p:cNvPr>
-          <p:cNvSpPr txBox="1"/>
-          <p:nvPr/>
-        </p:nvSpPr>
-        <p:spPr>
-          <a:xfrm>
-            <a:off x="9013583" y="5487679"/>
-            <a:ext cx="550151" cy="369332"/>
-          </a:xfrm>
-          <a:prstGeom prst="rect">
-            <a:avLst/>
-          </a:prstGeom>
-          <a:noFill/>
-        </p:spPr>
-        <p:txBody>
-          <a:bodyPr wrap="none" rtlCol="0">
-            <a:spAutoFit/>
-          </a:bodyPr>
-          <a:lstStyle/>
-          <a:p>
-            <a:r>
-              <a:rPr kumimoji="1" lang="en-US" altLang="zh-CN" dirty="0"/>
-              <a:t>500</a:t>
+              <a:rPr kumimoji="1" lang="en-US" altLang="zh-CN" dirty="0"/>
+              <a:t>2000</a:t>
             </a:r>
             <a:endParaRPr kumimoji="1" lang="zh-CN" altLang="en-US" dirty="0"/>
-          </a:p>
-        </p:txBody>
-      </p:sp>
-      <p:sp>
-        <p:nvSpPr>
-          <p:cNvPr id="59" name="文本框 58">
-            <a:extLst>
-              <a:ext uri="{FF2B5EF4-FFF2-40B4-BE49-F238E27FC236}">
-                <a16:creationId xmlns:a16="http://schemas.microsoft.com/office/drawing/2014/main" id="{6755C7F7-CD26-BE42-AF57-D0F9E9433A7C}"/>
-              </a:ext>
-            </a:extLst>
-          </p:cNvPr>
-          <p:cNvSpPr txBox="1"/>
-          <p:nvPr/>
-        </p:nvSpPr>
-        <p:spPr>
-          <a:xfrm>
-            <a:off x="11641849" y="5411502"/>
-            <a:ext cx="550151" cy="369332"/>
-          </a:xfrm>
-          <a:prstGeom prst="rect">
-            <a:avLst/>
-          </a:prstGeom>
-          <a:noFill/>
-        </p:spPr>
-        <p:txBody>
-          <a:bodyPr wrap="none" rtlCol="0">
-            <a:spAutoFit/>
-          </a:bodyPr>
-          <a:lstStyle/>
-          <a:p>
-            <a:r>
-              <a:rPr kumimoji="1" lang="en-US" altLang="zh-CN" dirty="0"/>
-              <a:t>500</a:t>
-            </a:r>
-            <a:endParaRPr kumimoji="1" lang="zh-CN" altLang="en-US" dirty="0"/>
-          </a:p>
-        </p:txBody>
-      </p:sp>
-      <p:sp>
-        <p:nvSpPr>
-          <p:cNvPr id="19" name="圆角矩形 18">
-            <a:extLst>
-              <a:ext uri="{FF2B5EF4-FFF2-40B4-BE49-F238E27FC236}">
-                <a16:creationId xmlns:a16="http://schemas.microsoft.com/office/drawing/2014/main" id="{6EE04A7D-0EF5-4E4E-ACE4-B1654E08043E}"/>
-              </a:ext>
-            </a:extLst>
-          </p:cNvPr>
-          <p:cNvSpPr/>
-          <p:nvPr/>
-        </p:nvSpPr>
-        <p:spPr>
-          <a:xfrm>
-            <a:off x="2743629" y="4083803"/>
-            <a:ext cx="1541264" cy="634701"/>
-          </a:xfrm>
-          <a:prstGeom prst="roundRect">
-            <a:avLst/>
-          </a:prstGeom>
-        </p:spPr>
-        <p:style>
-          <a:lnRef idx="2">
-            <a:schemeClr val="accent1">
-              <a:shade val="50000"/>
-            </a:schemeClr>
-          </a:lnRef>
-          <a:fillRef idx="1">
-            <a:schemeClr val="accent1"/>
-          </a:fillRef>
-          <a:effectRef idx="0">
-            <a:schemeClr val="accent1"/>
-          </a:effectRef>
-          <a:fontRef idx="minor">
-            <a:schemeClr val="lt1"/>
-          </a:fontRef>
-        </p:style>
-        <p:txBody>
-          <a:bodyPr rtlCol="0" anchor="ctr"/>
-          <a:lstStyle/>
-          <a:p>
-            <a:pPr algn="ctr"/>
-            <a:r>
-              <a:rPr kumimoji="1" lang="en-US" altLang="zh-CN" dirty="0"/>
-              <a:t>4</a:t>
-            </a:r>
-            <a:r>
-              <a:rPr kumimoji="1" lang="zh-CN" altLang="en-US" dirty="0"/>
-              <a:t> 右护法</a:t>
-            </a:r>
-            <a:endParaRPr kumimoji="1" lang="en-US" altLang="zh-CN" dirty="0"/>
-          </a:p>
-          <a:p>
-            <a:pPr algn="ctr"/>
-            <a:r>
-              <a:rPr kumimoji="1" lang="en-US" altLang="zh-CN" dirty="0"/>
-              <a:t>125w</a:t>
-            </a:r>
-            <a:endParaRPr kumimoji="1" lang="zh-CN" altLang="en-US" dirty="0"/>
-          </a:p>
-        </p:txBody>
-      </p:sp>
-      <p:sp>
-        <p:nvSpPr>
-          <p:cNvPr id="21" name="文本框 20">
-            <a:extLst>
-              <a:ext uri="{FF2B5EF4-FFF2-40B4-BE49-F238E27FC236}">
-                <a16:creationId xmlns:a16="http://schemas.microsoft.com/office/drawing/2014/main" id="{50244CC9-5533-D345-B026-5977A9A87E02}"/>
-              </a:ext>
-            </a:extLst>
-          </p:cNvPr>
-          <p:cNvSpPr txBox="1"/>
-          <p:nvPr/>
-        </p:nvSpPr>
-        <p:spPr>
-          <a:xfrm>
-            <a:off x="1389376" y="3574625"/>
-            <a:ext cx="550151" cy="369332"/>
-          </a:xfrm>
-          <a:prstGeom prst="rect">
-            <a:avLst/>
-          </a:prstGeom>
-          <a:noFill/>
-        </p:spPr>
-        <p:txBody>
-          <a:bodyPr wrap="none" rtlCol="0">
-            <a:spAutoFit/>
-          </a:bodyPr>
-          <a:lstStyle/>
-          <a:p>
-            <a:r>
-              <a:rPr kumimoji="1" lang="en-US" altLang="zh-CN" dirty="0"/>
-              <a:t>177</a:t>
-            </a:r>
-            <a:endParaRPr kumimoji="1" lang="zh-CN" altLang="en-US" dirty="0"/>
-          </a:p>
-        </p:txBody>
-      </p:sp>
-      <p:sp>
-        <p:nvSpPr>
-          <p:cNvPr id="22" name="文本框 21">
-            <a:extLst>
-              <a:ext uri="{FF2B5EF4-FFF2-40B4-BE49-F238E27FC236}">
-                <a16:creationId xmlns:a16="http://schemas.microsoft.com/office/drawing/2014/main" id="{54D55520-E19D-3D49-B018-1D54E753B4F3}"/>
-              </a:ext>
-            </a:extLst>
-          </p:cNvPr>
-          <p:cNvSpPr txBox="1"/>
-          <p:nvPr/>
-        </p:nvSpPr>
-        <p:spPr>
-          <a:xfrm>
-            <a:off x="3514261" y="3480475"/>
-            <a:ext cx="550151" cy="369332"/>
-          </a:xfrm>
-          <a:prstGeom prst="rect">
-            <a:avLst/>
-          </a:prstGeom>
-          <a:noFill/>
-        </p:spPr>
-        <p:txBody>
-          <a:bodyPr wrap="none" rtlCol="0">
-            <a:spAutoFit/>
-          </a:bodyPr>
-          <a:lstStyle/>
-          <a:p>
-            <a:r>
-              <a:rPr kumimoji="1" lang="en-US" altLang="zh-CN" dirty="0"/>
-              <a:t>125</a:t>
-            </a:r>
-            <a:endParaRPr kumimoji="1" lang="zh-CN" altLang="en-US" dirty="0"/>
-          </a:p>
-        </p:txBody>
-      </p:sp>
-      <p:sp>
-        <p:nvSpPr>
-          <p:cNvPr id="23" name="圆角矩形 22">
-            <a:extLst>
-              <a:ext uri="{FF2B5EF4-FFF2-40B4-BE49-F238E27FC236}">
-                <a16:creationId xmlns:a16="http://schemas.microsoft.com/office/drawing/2014/main" id="{93C353FB-1D1B-D54C-8C31-75890CA9CA91}"/>
-              </a:ext>
-            </a:extLst>
-          </p:cNvPr>
-          <p:cNvSpPr/>
-          <p:nvPr/>
-        </p:nvSpPr>
-        <p:spPr>
-          <a:xfrm>
-            <a:off x="1161070" y="4080215"/>
-            <a:ext cx="1367119" cy="634701"/>
-          </a:xfrm>
-          <a:prstGeom prst="roundRect">
-            <a:avLst/>
-          </a:prstGeom>
-        </p:spPr>
-        <p:style>
-          <a:lnRef idx="2">
-            <a:schemeClr val="accent1">
-              <a:shade val="50000"/>
-            </a:schemeClr>
-          </a:lnRef>
-          <a:fillRef idx="1">
-            <a:schemeClr val="accent1"/>
-          </a:fillRef>
-          <a:effectRef idx="0">
-            <a:schemeClr val="accent1"/>
-          </a:effectRef>
-          <a:fontRef idx="minor">
-            <a:schemeClr val="lt1"/>
-          </a:fontRef>
-        </p:style>
-        <p:txBody>
-          <a:bodyPr rtlCol="0" anchor="ctr"/>
-          <a:lstStyle/>
-          <a:p>
-            <a:pPr algn="ctr"/>
-            <a:r>
-              <a:rPr kumimoji="1" lang="en-US" altLang="zh-CN" dirty="0"/>
-              <a:t>3</a:t>
-            </a:r>
-            <a:r>
-              <a:rPr kumimoji="1" lang="zh-CN" altLang="en-US" dirty="0"/>
-              <a:t> 左护法</a:t>
-            </a:r>
-            <a:endParaRPr kumimoji="1" lang="en-US" altLang="zh-CN" dirty="0"/>
-          </a:p>
-          <a:p>
-            <a:pPr algn="ctr"/>
-            <a:r>
-              <a:rPr kumimoji="1" lang="en-US" altLang="zh-CN" dirty="0"/>
-              <a:t>177w</a:t>
-            </a:r>
-            <a:endParaRPr kumimoji="1" lang="zh-CN" altLang="en-US" dirty="0"/>
-          </a:p>
-        </p:txBody>
-      </p:sp>
-      <p:sp>
-        <p:nvSpPr>
-          <p:cNvPr id="25" name="文本框 24">
-            <a:extLst>
-              <a:ext uri="{FF2B5EF4-FFF2-40B4-BE49-F238E27FC236}">
-                <a16:creationId xmlns:a16="http://schemas.microsoft.com/office/drawing/2014/main" id="{E98E48F5-60C4-7D43-8DFB-5917B437BCEE}"/>
-              </a:ext>
-            </a:extLst>
-          </p:cNvPr>
-          <p:cNvSpPr txBox="1"/>
-          <p:nvPr/>
-        </p:nvSpPr>
-        <p:spPr>
-          <a:xfrm>
-            <a:off x="1575840" y="5050228"/>
-            <a:ext cx="550151" cy="369332"/>
-          </a:xfrm>
-          <a:prstGeom prst="rect">
-            <a:avLst/>
-          </a:prstGeom>
-          <a:noFill/>
-        </p:spPr>
-        <p:txBody>
-          <a:bodyPr wrap="none" rtlCol="0">
-            <a:spAutoFit/>
-          </a:bodyPr>
-          <a:lstStyle/>
-          <a:p>
-            <a:r>
-              <a:rPr kumimoji="1" lang="en-US" altLang="zh-CN" dirty="0"/>
-              <a:t>250</a:t>
-            </a:r>
-            <a:endParaRPr kumimoji="1" lang="zh-CN" altLang="en-US" dirty="0"/>
-          </a:p>
-        </p:txBody>
-      </p:sp>
-      <p:sp>
-        <p:nvSpPr>
-          <p:cNvPr id="27" name="圆角矩形 26">
-            <a:extLst>
-              <a:ext uri="{FF2B5EF4-FFF2-40B4-BE49-F238E27FC236}">
-                <a16:creationId xmlns:a16="http://schemas.microsoft.com/office/drawing/2014/main" id="{9AF73A81-6988-EE46-B133-82EE63016D98}"/>
-              </a:ext>
-            </a:extLst>
-          </p:cNvPr>
-          <p:cNvSpPr/>
-          <p:nvPr/>
-        </p:nvSpPr>
-        <p:spPr>
-          <a:xfrm>
-            <a:off x="1598503" y="1694395"/>
-            <a:ext cx="1915758" cy="634701"/>
-          </a:xfrm>
-          <a:prstGeom prst="roundRect">
-            <a:avLst/>
-          </a:prstGeom>
-        </p:spPr>
-        <p:style>
-          <a:lnRef idx="2">
-            <a:schemeClr val="accent1">
-              <a:shade val="50000"/>
-            </a:schemeClr>
-          </a:lnRef>
-          <a:fillRef idx="1">
-            <a:schemeClr val="accent1"/>
-          </a:fillRef>
-          <a:effectRef idx="0">
-            <a:schemeClr val="accent1"/>
-          </a:effectRef>
-          <a:fontRef idx="minor">
-            <a:schemeClr val="lt1"/>
-          </a:fontRef>
-        </p:style>
-        <p:txBody>
-          <a:bodyPr rtlCol="0" anchor="ctr"/>
-          <a:lstStyle/>
-          <a:p>
-            <a:pPr algn="ctr"/>
-            <a:r>
-              <a:rPr kumimoji="1" lang="en-US" altLang="zh-CN" dirty="0"/>
-              <a:t>1</a:t>
-            </a:r>
-            <a:r>
-              <a:rPr kumimoji="1" lang="zh-CN" altLang="en-US" dirty="0"/>
-              <a:t> 青毛狮子王</a:t>
-            </a:r>
-            <a:endParaRPr kumimoji="1" lang="en-US" altLang="zh-CN" dirty="0"/>
-          </a:p>
-        </p:txBody>
-      </p:sp>
-      <p:cxnSp>
-        <p:nvCxnSpPr>
-          <p:cNvPr id="28" name="曲线连接符 27">
-            <a:extLst>
-              <a:ext uri="{FF2B5EF4-FFF2-40B4-BE49-F238E27FC236}">
-                <a16:creationId xmlns:a16="http://schemas.microsoft.com/office/drawing/2014/main" id="{75C099E3-52E4-B943-AFD2-E69DCD593B27}"/>
-              </a:ext>
-            </a:extLst>
-          </p:cNvPr>
-          <p:cNvCxnSpPr>
-            <a:cxnSpLocks/>
-            <a:stCxn id="27" idx="2"/>
-            <a:endCxn id="23" idx="0"/>
-          </p:cNvCxnSpPr>
-          <p:nvPr/>
-        </p:nvCxnSpPr>
-        <p:spPr>
-          <a:xfrm rot="5400000">
-            <a:off x="1324947" y="2848779"/>
-            <a:ext cx="1751119" cy="711752"/>
-          </a:xfrm>
-          <a:prstGeom prst="curvedConnector3">
-            <a:avLst>
-              <a:gd name="adj1" fmla="val 50000"/>
-            </a:avLst>
-          </a:prstGeom>
-          <a:ln>
-            <a:tailEnd type="triangle"/>
-          </a:ln>
-        </p:spPr>
-        <p:style>
-          <a:lnRef idx="1">
-            <a:schemeClr val="accent1"/>
-          </a:lnRef>
-          <a:fillRef idx="0">
-            <a:schemeClr val="accent1"/>
-          </a:fillRef>
-          <a:effectRef idx="0">
-            <a:schemeClr val="accent1"/>
-          </a:effectRef>
-          <a:fontRef idx="minor">
-            <a:schemeClr val="tx1"/>
-          </a:fontRef>
-        </p:style>
-      </p:cxnSp>
-      <p:sp>
-        <p:nvSpPr>
-          <p:cNvPr id="29" name="文本框 28">
-            <a:extLst>
-              <a:ext uri="{FF2B5EF4-FFF2-40B4-BE49-F238E27FC236}">
-                <a16:creationId xmlns:a16="http://schemas.microsoft.com/office/drawing/2014/main" id="{DE2ADC27-6CF3-3E47-B29E-3FAC9199CE82}"/>
-              </a:ext>
-            </a:extLst>
-          </p:cNvPr>
-          <p:cNvSpPr txBox="1"/>
-          <p:nvPr/>
-        </p:nvSpPr>
-        <p:spPr>
-          <a:xfrm>
-            <a:off x="2600898" y="2310594"/>
-            <a:ext cx="671979" cy="369332"/>
-          </a:xfrm>
-          <a:prstGeom prst="rect">
-            <a:avLst/>
-          </a:prstGeom>
-          <a:noFill/>
-        </p:spPr>
-        <p:txBody>
-          <a:bodyPr wrap="none" rtlCol="0">
-            <a:spAutoFit/>
-          </a:bodyPr>
-          <a:lstStyle/>
-          <a:p>
-            <a:r>
-              <a:rPr kumimoji="1" lang="en-US" altLang="zh-CN" dirty="0"/>
-              <a:t>2000</a:t>
-            </a:r>
-            <a:endParaRPr kumimoji="1" lang="zh-CN" altLang="en-US" dirty="0"/>
-          </a:p>
-        </p:txBody>
-      </p:sp>
-      <p:sp>
-        <p:nvSpPr>
-          <p:cNvPr id="30" name="圆角矩形 29">
-            <a:extLst>
-              <a:ext uri="{FF2B5EF4-FFF2-40B4-BE49-F238E27FC236}">
-                <a16:creationId xmlns:a16="http://schemas.microsoft.com/office/drawing/2014/main" id="{02E31B41-146E-894A-966F-44A7B87F01E4}"/>
-              </a:ext>
-            </a:extLst>
-          </p:cNvPr>
-          <p:cNvSpPr/>
-          <p:nvPr/>
-        </p:nvSpPr>
-        <p:spPr>
-          <a:xfrm>
-            <a:off x="4064412" y="1510550"/>
-            <a:ext cx="1915758" cy="634701"/>
-          </a:xfrm>
-          <a:prstGeom prst="roundRect">
-            <a:avLst/>
-          </a:prstGeom>
-        </p:spPr>
-        <p:style>
-          <a:lnRef idx="2">
-            <a:schemeClr val="accent1">
-              <a:shade val="50000"/>
-            </a:schemeClr>
-          </a:lnRef>
-          <a:fillRef idx="1">
-            <a:schemeClr val="accent1"/>
-          </a:fillRef>
-          <a:effectRef idx="0">
-            <a:schemeClr val="accent1"/>
-          </a:effectRef>
-          <a:fontRef idx="minor">
-            <a:schemeClr val="lt1"/>
-          </a:fontRef>
-        </p:style>
-        <p:txBody>
-          <a:bodyPr rtlCol="0" anchor="ctr"/>
-          <a:lstStyle/>
-          <a:p>
-            <a:pPr algn="ctr"/>
-            <a:r>
-              <a:rPr kumimoji="1" lang="en-US" altLang="zh-CN" dirty="0"/>
-              <a:t>1</a:t>
-            </a:r>
-            <a:r>
-              <a:rPr kumimoji="1" lang="zh-CN" altLang="en-US" dirty="0"/>
-              <a:t> 青毛狮子王</a:t>
-            </a:r>
-            <a:endParaRPr kumimoji="1" lang="en-US" altLang="zh-CN" dirty="0"/>
-          </a:p>
-        </p:txBody>
-      </p:sp>
-      <p:cxnSp>
-        <p:nvCxnSpPr>
-          <p:cNvPr id="31" name="曲线连接符 30">
-            <a:extLst>
-              <a:ext uri="{FF2B5EF4-FFF2-40B4-BE49-F238E27FC236}">
-                <a16:creationId xmlns:a16="http://schemas.microsoft.com/office/drawing/2014/main" id="{667FD633-3565-0047-B9BA-9759049D33D5}"/>
-              </a:ext>
-            </a:extLst>
-          </p:cNvPr>
-          <p:cNvCxnSpPr>
-            <a:cxnSpLocks/>
-            <a:stCxn id="30" idx="2"/>
-            <a:endCxn id="19" idx="0"/>
-          </p:cNvCxnSpPr>
-          <p:nvPr/>
-        </p:nvCxnSpPr>
-        <p:spPr>
-          <a:xfrm rot="5400000">
-            <a:off x="3299000" y="2360512"/>
-            <a:ext cx="1938552" cy="1508030"/>
-          </a:xfrm>
-          <a:prstGeom prst="curvedConnector3">
-            <a:avLst>
-              <a:gd name="adj1" fmla="val 50000"/>
-            </a:avLst>
-          </a:prstGeom>
-          <a:ln>
-            <a:tailEnd type="triangle"/>
-          </a:ln>
-        </p:spPr>
-        <p:style>
-          <a:lnRef idx="1">
-            <a:schemeClr val="accent1"/>
-          </a:lnRef>
-          <a:fillRef idx="0">
-            <a:schemeClr val="accent1"/>
-          </a:fillRef>
-          <a:effectRef idx="0">
-            <a:schemeClr val="accent1"/>
-          </a:effectRef>
-          <a:fontRef idx="minor">
-            <a:schemeClr val="tx1"/>
-          </a:fontRef>
-        </p:style>
-      </p:cxnSp>
-      <p:sp>
-        <p:nvSpPr>
-          <p:cNvPr id="20" name="文本框 19">
-            <a:extLst>
-              <a:ext uri="{FF2B5EF4-FFF2-40B4-BE49-F238E27FC236}">
-                <a16:creationId xmlns:a16="http://schemas.microsoft.com/office/drawing/2014/main" id="{E4BDC1FB-9DE2-5B43-87D8-4A26EC9A5BAD}"/>
-              </a:ext>
-            </a:extLst>
-          </p:cNvPr>
-          <p:cNvSpPr txBox="1"/>
-          <p:nvPr/>
-        </p:nvSpPr>
-        <p:spPr>
-          <a:xfrm>
-            <a:off x="5257901" y="6277499"/>
-            <a:ext cx="1136850" cy="369332"/>
-          </a:xfrm>
-          <a:prstGeom prst="rect">
-            <a:avLst/>
-          </a:prstGeom>
-          <a:noFill/>
-        </p:spPr>
-        <p:txBody>
-          <a:bodyPr wrap="none" rtlCol="0">
-            <a:spAutoFit/>
-          </a:bodyPr>
-          <a:lstStyle/>
-          <a:p>
-            <a:r>
-              <a:rPr kumimoji="1" lang="en-US" altLang="zh-CN" dirty="0" err="1">
-                <a:solidFill>
-                  <a:srgbClr val="FF0000"/>
-                </a:solidFill>
-              </a:rPr>
-              <a:t>tailFact</a:t>
-            </a:r>
-            <a:r>
-              <a:rPr kumimoji="1" lang="en-US" altLang="zh-CN" dirty="0">
-                <a:solidFill>
-                  <a:srgbClr val="FF0000"/>
-                </a:solidFill>
-              </a:rPr>
-              <a:t>(8)</a:t>
-            </a:r>
-            <a:endParaRPr kumimoji="1" lang="zh-CN" altLang="en-US" dirty="0">
-              <a:solidFill>
-                <a:srgbClr val="FF0000"/>
-              </a:solidFill>
-            </a:endParaRPr>
           </a:p>
         </p:txBody>
       </p:sp>
